--- a/Document/UI_source/스토리보드(원본).pptx
+++ b/Document/UI_source/스토리보드(원본).pptx
@@ -2,22 +2,24 @@
 <file path=ppt/presentation.xml><?xml version="1.0" encoding="utf-8"?>
 <p:presentation xmlns:a="http://schemas.openxmlformats.org/drawingml/2006/main" xmlns:r="http://schemas.openxmlformats.org/officeDocument/2006/relationships" xmlns:p="http://schemas.openxmlformats.org/presentationml/2006/main" saveSubsetFonts="1">
   <p:sldMasterIdLst>
-    <p:sldMasterId id="2147483660" r:id="rId102"/>
-    <p:sldMasterId id="2147483663" r:id="rId103"/>
-    <p:sldMasterId id="2147483667" r:id="rId104"/>
+    <p:sldMasterId id="2147483660" r:id="rId114"/>
+    <p:sldMasterId id="2147483663" r:id="rId115"/>
+    <p:sldMasterId id="2147483667" r:id="rId116"/>
   </p:sldMasterIdLst>
   <p:sldIdLst>
-    <p:sldId id="269" r:id="rId105"/>
-    <p:sldId id="259" r:id="rId106"/>
-    <p:sldId id="268" r:id="rId107"/>
-    <p:sldId id="260" r:id="rId108"/>
-    <p:sldId id="267" r:id="rId109"/>
-    <p:sldId id="261" r:id="rId110"/>
-    <p:sldId id="262" r:id="rId111"/>
-    <p:sldId id="263" r:id="rId112"/>
-    <p:sldId id="264" r:id="rId113"/>
-    <p:sldId id="265" r:id="rId114"/>
-    <p:sldId id="266" r:id="rId115"/>
+    <p:sldId id="269" r:id="rId117"/>
+    <p:sldId id="259" r:id="rId118"/>
+    <p:sldId id="268" r:id="rId119"/>
+    <p:sldId id="260" r:id="rId120"/>
+    <p:sldId id="267" r:id="rId121"/>
+    <p:sldId id="261" r:id="rId122"/>
+    <p:sldId id="262" r:id="rId123"/>
+    <p:sldId id="263" r:id="rId124"/>
+    <p:sldId id="264" r:id="rId125"/>
+    <p:sldId id="265" r:id="rId126"/>
+    <p:sldId id="266" r:id="rId127"/>
+    <p:sldId id="270" r:id="rId128"/>
+    <p:sldId id="271" r:id="rId129"/>
   </p:sldIdLst>
   <p:sldSz cx="12192000" cy="6858000"/>
   <p:notesSz cx="6858000" cy="9144000"/>
@@ -118,7 +120,7 @@
   </p:defaultTextStyle>
   <p:extLst>
     <p:ext uri="{EFAFB233-063F-42B5-8137-9DF3F51BA10A}">
-      <p15:sldGuideLst xmlns:p15="http://schemas.microsoft.com/office/powerpoint/2012/main"/>
+      <p15:sldGuideLst xmlns:p15="http://schemas.microsoft.com/office/powerpoint/2012/main" xmlns=""/>
     </p:ext>
   </p:extLst>
 </p:presentation>
@@ -323,7 +325,7 @@
     </p:spTree>
     <p:extLst>
       <p:ext uri="{BB962C8B-B14F-4D97-AF65-F5344CB8AC3E}">
-        <p14:creationId xmlns:p14="http://schemas.microsoft.com/office/powerpoint/2010/main" val="2721893439"/>
+        <p14:creationId xmlns:p14="http://schemas.microsoft.com/office/powerpoint/2010/main" xmlns="" val="2721893439"/>
       </p:ext>
     </p:extLst>
   </p:cSld>
@@ -610,7 +612,7 @@
     </p:spTree>
     <p:extLst>
       <p:ext uri="{BB962C8B-B14F-4D97-AF65-F5344CB8AC3E}">
-        <p14:creationId xmlns:p14="http://schemas.microsoft.com/office/powerpoint/2010/main" val="2584447917"/>
+        <p14:creationId xmlns:p14="http://schemas.microsoft.com/office/powerpoint/2010/main" xmlns="" val="2584447917"/>
       </p:ext>
     </p:extLst>
   </p:cSld>
@@ -678,7 +680,7 @@
     </p:spTree>
     <p:extLst>
       <p:ext uri="{BB962C8B-B14F-4D97-AF65-F5344CB8AC3E}">
-        <p14:creationId xmlns:p14="http://schemas.microsoft.com/office/powerpoint/2010/main" val="2542078823"/>
+        <p14:creationId xmlns:p14="http://schemas.microsoft.com/office/powerpoint/2010/main" xmlns="" val="2542078823"/>
       </p:ext>
     </p:extLst>
   </p:cSld>
@@ -942,7 +944,7 @@
     </p:spTree>
     <p:extLst>
       <p:ext uri="{BB962C8B-B14F-4D97-AF65-F5344CB8AC3E}">
-        <p14:creationId xmlns:p14="http://schemas.microsoft.com/office/powerpoint/2010/main" val="393528301"/>
+        <p14:creationId xmlns:p14="http://schemas.microsoft.com/office/powerpoint/2010/main" xmlns="" val="393528301"/>
       </p:ext>
     </p:extLst>
   </p:cSld>
@@ -1139,7 +1141,7 @@
     </p:spTree>
     <p:extLst>
       <p:ext uri="{BB962C8B-B14F-4D97-AF65-F5344CB8AC3E}">
-        <p14:creationId xmlns:p14="http://schemas.microsoft.com/office/powerpoint/2010/main" val="3464343823"/>
+        <p14:creationId xmlns:p14="http://schemas.microsoft.com/office/powerpoint/2010/main" xmlns="" val="3464343823"/>
       </p:ext>
     </p:extLst>
   </p:cSld>
@@ -1378,7 +1380,7 @@
     </p:spTree>
     <p:extLst>
       <p:ext uri="{BB962C8B-B14F-4D97-AF65-F5344CB8AC3E}">
-        <p14:creationId xmlns:p14="http://schemas.microsoft.com/office/powerpoint/2010/main" val="1599353245"/>
+        <p14:creationId xmlns:p14="http://schemas.microsoft.com/office/powerpoint/2010/main" xmlns="" val="1599353245"/>
       </p:ext>
     </p:extLst>
   </p:cSld>
@@ -1665,7 +1667,7 @@
     </p:spTree>
     <p:extLst>
       <p:ext uri="{BB962C8B-B14F-4D97-AF65-F5344CB8AC3E}">
-        <p14:creationId xmlns:p14="http://schemas.microsoft.com/office/powerpoint/2010/main" val="756079115"/>
+        <p14:creationId xmlns:p14="http://schemas.microsoft.com/office/powerpoint/2010/main" xmlns="" val="756079115"/>
       </p:ext>
     </p:extLst>
   </p:cSld>
@@ -1807,7 +1809,7 @@
           <p:nvPr>
             <p:extLst>
               <p:ext uri="{D42A27DB-BD31-4B8C-83A1-F6EECF244321}">
-                <p14:modId xmlns:p14="http://schemas.microsoft.com/office/powerpoint/2010/main" val="1108353174"/>
+                <p14:modId xmlns:p14="http://schemas.microsoft.com/office/powerpoint/2010/main" xmlns="" val="1108353174"/>
               </p:ext>
             </p:extLst>
           </p:nvPr>
@@ -1826,28 +1828,28 @@
                 <a:gridCol w="2713713">
                   <a:extLst>
                     <a:ext uri="{9D8B030D-6E8A-4147-A177-3AD203B41FA5}">
-                      <a16:colId xmlns:a16="http://schemas.microsoft.com/office/drawing/2014/main" val="20000"/>
+                      <a16:colId xmlns:a16="http://schemas.microsoft.com/office/drawing/2014/main" xmlns="" val="20000"/>
                     </a:ext>
                   </a:extLst>
                 </a:gridCol>
                 <a:gridCol w="2713713">
                   <a:extLst>
                     <a:ext uri="{9D8B030D-6E8A-4147-A177-3AD203B41FA5}">
-                      <a16:colId xmlns:a16="http://schemas.microsoft.com/office/drawing/2014/main" val="20001"/>
+                      <a16:colId xmlns:a16="http://schemas.microsoft.com/office/drawing/2014/main" xmlns="" val="20001"/>
                     </a:ext>
                   </a:extLst>
                 </a:gridCol>
                 <a:gridCol w="2713713">
                   <a:extLst>
                     <a:ext uri="{9D8B030D-6E8A-4147-A177-3AD203B41FA5}">
-                      <a16:colId xmlns:a16="http://schemas.microsoft.com/office/drawing/2014/main" val="20002"/>
+                      <a16:colId xmlns:a16="http://schemas.microsoft.com/office/drawing/2014/main" xmlns="" val="20002"/>
                     </a:ext>
                   </a:extLst>
                 </a:gridCol>
                 <a:gridCol w="2713713">
                   <a:extLst>
                     <a:ext uri="{9D8B030D-6E8A-4147-A177-3AD203B41FA5}">
-                      <a16:colId xmlns:a16="http://schemas.microsoft.com/office/drawing/2014/main" val="20003"/>
+                      <a16:colId xmlns:a16="http://schemas.microsoft.com/office/drawing/2014/main" xmlns="" val="20003"/>
                     </a:ext>
                   </a:extLst>
                 </a:gridCol>
@@ -2201,7 +2203,7 @@
                 </a:tc>
                 <a:extLst>
                   <a:ext uri="{0D108BD9-81ED-4DB2-BD59-A6C34878D82A}">
-                    <a16:rowId xmlns:a16="http://schemas.microsoft.com/office/drawing/2014/main" val="10000"/>
+                    <a16:rowId xmlns:a16="http://schemas.microsoft.com/office/drawing/2014/main" xmlns="" val="10000"/>
                   </a:ext>
                 </a:extLst>
               </a:tr>
@@ -2518,7 +2520,7 @@
                 </a:tc>
                 <a:extLst>
                   <a:ext uri="{0D108BD9-81ED-4DB2-BD59-A6C34878D82A}">
-                    <a16:rowId xmlns:a16="http://schemas.microsoft.com/office/drawing/2014/main" val="10001"/>
+                    <a16:rowId xmlns:a16="http://schemas.microsoft.com/office/drawing/2014/main" xmlns="" val="10001"/>
                   </a:ext>
                 </a:extLst>
               </a:tr>
@@ -2529,7 +2531,7 @@
     </p:spTree>
     <p:extLst>
       <p:ext uri="{BB962C8B-B14F-4D97-AF65-F5344CB8AC3E}">
-        <p14:creationId xmlns:p14="http://schemas.microsoft.com/office/powerpoint/2010/main" val="2141507849"/>
+        <p14:creationId xmlns:p14="http://schemas.microsoft.com/office/powerpoint/2010/main" xmlns="" val="2141507849"/>
       </p:ext>
     </p:extLst>
   </p:cSld>
@@ -2853,7 +2855,7 @@
     </p:spTree>
     <p:extLst>
       <p:ext uri="{BB962C8B-B14F-4D97-AF65-F5344CB8AC3E}">
-        <p14:creationId xmlns:p14="http://schemas.microsoft.com/office/powerpoint/2010/main" val="679396485"/>
+        <p14:creationId xmlns:p14="http://schemas.microsoft.com/office/powerpoint/2010/main" xmlns="" val="679396485"/>
       </p:ext>
     </p:extLst>
   </p:cSld>
@@ -3322,15 +3324,7 @@
           <a:p>
             <a:r>
               <a:rPr lang="en-US" altLang="ko-KR" sz="1350" dirty="0" smtClean="0"/>
-              <a:t>COMP </a:t>
-            </a:r>
-            <a:r>
-              <a:rPr lang="en-US" altLang="ko-KR" sz="1350" dirty="0" smtClean="0"/>
-              <a:t>(</a:t>
-            </a:r>
-            <a:r>
-              <a:rPr lang="en-US" altLang="ko-KR" sz="1350" dirty="0" smtClean="0"/>
-              <a:t>Components Order)</a:t>
+              <a:t>COMP (Components Order)</a:t>
             </a:r>
           </a:p>
         </p:txBody>
@@ -3383,7 +3377,7 @@
     </p:spTree>
     <p:extLst>
       <p:ext uri="{BB962C8B-B14F-4D97-AF65-F5344CB8AC3E}">
-        <p14:creationId xmlns:p14="http://schemas.microsoft.com/office/powerpoint/2010/main" val="3769480503"/>
+        <p14:creationId xmlns:p14="http://schemas.microsoft.com/office/powerpoint/2010/main" xmlns="" val="3769480503"/>
       </p:ext>
     </p:extLst>
   </p:cSld>
@@ -3836,7 +3830,7 @@
           <a:blip r:embed="rId2" cstate="print">
             <a:extLst>
               <a:ext uri="{28A0092B-C50C-407E-A947-70E740481C1C}">
-                <a14:useLocalDpi xmlns:a14="http://schemas.microsoft.com/office/drawing/2010/main" val="0"/>
+                <a14:useLocalDpi xmlns:a14="http://schemas.microsoft.com/office/drawing/2010/main" xmlns="" val="0"/>
               </a:ext>
             </a:extLst>
           </a:blip>
@@ -3874,7 +3868,7 @@
           <a:blip r:embed="rId3" cstate="print">
             <a:extLst>
               <a:ext uri="{28A0092B-C50C-407E-A947-70E740481C1C}">
-                <a14:useLocalDpi xmlns:a14="http://schemas.microsoft.com/office/drawing/2010/main" val="0"/>
+                <a14:useLocalDpi xmlns:a14="http://schemas.microsoft.com/office/drawing/2010/main" xmlns="" val="0"/>
               </a:ext>
             </a:extLst>
           </a:blip>
@@ -3901,7 +3895,7 @@
           <p:nvPr/>
         </p:nvPicPr>
         <p:blipFill>
-          <a:blip r:embed="rId4"/>
+          <a:blip r:embed="rId4" cstate="print"/>
           <a:stretch>
             <a:fillRect/>
           </a:stretch>
@@ -3986,7 +3980,7 @@
     </p:spTree>
     <p:extLst>
       <p:ext uri="{BB962C8B-B14F-4D97-AF65-F5344CB8AC3E}">
-        <p14:creationId xmlns:p14="http://schemas.microsoft.com/office/powerpoint/2010/main" val="4097290702"/>
+        <p14:creationId xmlns:p14="http://schemas.microsoft.com/office/powerpoint/2010/main" xmlns="" val="4097290702"/>
       </p:ext>
     </p:extLst>
   </p:cSld>
@@ -4032,7 +4026,7 @@
           <a:blip r:embed="rId12">
             <a:extLst>
               <a:ext uri="{28A0092B-C50C-407E-A947-70E740481C1C}">
-                <a14:useLocalDpi xmlns:a14="http://schemas.microsoft.com/office/drawing/2010/main" val="0"/>
+                <a14:useLocalDpi xmlns:a14="http://schemas.microsoft.com/office/drawing/2010/main" xmlns="" val="0"/>
               </a:ext>
             </a:extLst>
           </a:blip>
@@ -5067,7 +5061,7 @@
     </p:spTree>
     <p:extLst>
       <p:ext uri="{BB962C8B-B14F-4D97-AF65-F5344CB8AC3E}">
-        <p14:creationId xmlns:p14="http://schemas.microsoft.com/office/powerpoint/2010/main" val="3437830613"/>
+        <p14:creationId xmlns:p14="http://schemas.microsoft.com/office/powerpoint/2010/main" xmlns="" val="3437830613"/>
       </p:ext>
     </p:extLst>
   </p:cSld>
@@ -5103,32 +5097,28 @@
       </p:grpSpPr>
       <p:pic>
         <p:nvPicPr>
-          <p:cNvPr id="5" name="그림 4"/>
+          <p:cNvPr id="1027" name="Picture 3" descr="C:\Users\alfo24\Desktop\COMP_project\Document\UI_source\화면구성 예시\2.판매관리탭4-주문관리.png"/>
           <p:cNvPicPr>
-            <a:picLocks noChangeAspect="1"/>
+            <a:picLocks noChangeAspect="1" noChangeArrowheads="1"/>
           </p:cNvPicPr>
           <p:nvPr/>
         </p:nvPicPr>
         <p:blipFill>
-          <a:blip r:embed="rId10">
-            <a:extLst>
-              <a:ext uri="{28A0092B-C50C-407E-A947-70E740481C1C}">
-                <a14:useLocalDpi xmlns:a14="http://schemas.microsoft.com/office/drawing/2010/main" val="0"/>
-              </a:ext>
-            </a:extLst>
-          </a:blip>
+          <a:blip r:embed="rId8"/>
+          <a:srcRect/>
           <a:stretch>
             <a:fillRect/>
           </a:stretch>
         </p:blipFill>
-        <p:spPr>
+        <p:spPr bwMode="auto">
           <a:xfrm>
-            <a:off x="499117" y="468898"/>
-            <a:ext cx="8737649" cy="6362597"/>
+            <a:off x="452398" y="428604"/>
+            <a:ext cx="8807116" cy="6400800"/>
           </a:xfrm>
           <a:prstGeom prst="rect">
             <a:avLst/>
           </a:prstGeom>
+          <a:noFill/>
         </p:spPr>
       </p:pic>
       <p:sp>
@@ -5231,22 +5221,10 @@
             </a:r>
             <a:r>
               <a:rPr lang="en-US" altLang="ko-KR" sz="1000" dirty="0" smtClean="0"/>
-              <a:t>, </a:t>
+              <a:t> </a:t>
             </a:r>
             <a:r>
               <a:rPr lang="ko-KR" altLang="en-US" sz="1000" dirty="0" smtClean="0"/>
-              <a:t>②</a:t>
-            </a:r>
-            <a:r>
-              <a:rPr lang="en-US" altLang="ko-KR" sz="1000" dirty="0" smtClean="0"/>
-              <a:t>, </a:t>
-            </a:r>
-            <a:r>
-              <a:rPr lang="ko-KR" altLang="en-US" sz="1000" dirty="0" smtClean="0"/>
-              <a:t>③ </a:t>
-            </a:r>
-            <a:r>
-              <a:rPr lang="ko-KR" altLang="en-US" sz="1000" dirty="0" err="1" smtClean="0"/>
               <a:t>주문정보</a:t>
             </a:r>
             <a:endParaRPr lang="en-US" altLang="ko-KR" sz="1000" dirty="0" smtClean="0"/>
@@ -5267,17 +5245,12 @@
             </a:r>
             <a:r>
               <a:rPr lang="ko-KR" altLang="en-US" sz="1000" dirty="0" smtClean="0"/>
-              <a:t>고객의 주문내역을 테이블 </a:t>
+              <a:t>고객의 거래중인 주문내역을 보여준다</a:t>
             </a:r>
             <a:r>
               <a:rPr lang="en-US" altLang="ko-KR" sz="1000" dirty="0" smtClean="0"/>
-              <a:t>3</a:t>
-            </a:r>
-            <a:r>
-              <a:rPr lang="ko-KR" altLang="en-US" sz="1000" dirty="0" smtClean="0"/>
-              <a:t>개를 </a:t>
-            </a:r>
-            <a:endParaRPr lang="en-US" altLang="ko-KR" sz="1000" dirty="0" smtClean="0"/>
+              <a:t>.</a:t>
+            </a:r>
           </a:p>
           <a:p>
             <a:pPr marL="0" indent="0">
@@ -5290,21 +5263,10 @@
               <a:buNone/>
             </a:pPr>
             <a:r>
-              <a:rPr lang="en-US" altLang="ko-KR" sz="1000" dirty="0"/>
-              <a:t> </a:t>
-            </a:r>
-            <a:r>
-              <a:rPr lang="en-US" altLang="ko-KR" sz="1000" dirty="0" smtClean="0"/>
-              <a:t>      </a:t>
-            </a:r>
-            <a:r>
               <a:rPr lang="ko-KR" altLang="en-US" sz="1000" dirty="0" smtClean="0"/>
-              <a:t>통해 보여준다</a:t>
-            </a:r>
-            <a:r>
-              <a:rPr lang="en-US" altLang="ko-KR" sz="1000" dirty="0" smtClean="0"/>
-              <a:t>.</a:t>
-            </a:r>
+              <a:t>② 이전 주문 내역</a:t>
+            </a:r>
+            <a:endParaRPr lang="en-US" altLang="ko-KR" sz="1000" dirty="0" smtClean="0"/>
           </a:p>
           <a:p>
             <a:pPr marL="0" indent="0">
@@ -5317,14 +5279,17 @@
               <a:buNone/>
             </a:pPr>
             <a:r>
-              <a:rPr lang="ko-KR" altLang="en-US" sz="1000" dirty="0"/>
-              <a:t>④ </a:t>
+              <a:rPr lang="en-US" altLang="ko-KR" sz="1000" dirty="0" smtClean="0"/>
+              <a:t>    - </a:t>
             </a:r>
             <a:r>
               <a:rPr lang="ko-KR" altLang="en-US" sz="1000" dirty="0" smtClean="0"/>
-              <a:t>주문취소</a:t>
-            </a:r>
-            <a:endParaRPr lang="en-US" altLang="ko-KR" sz="1000" dirty="0" smtClean="0"/>
+              <a:t>취소완료와 거래완료를 보여준다</a:t>
+            </a:r>
+            <a:r>
+              <a:rPr lang="en-US" altLang="ko-KR" sz="1000" dirty="0" smtClean="0"/>
+              <a:t>.</a:t>
+            </a:r>
           </a:p>
           <a:p>
             <a:pPr marL="0" indent="0">
@@ -5337,12 +5302,24 @@
               <a:buNone/>
             </a:pPr>
             <a:r>
-              <a:rPr lang="en-US" altLang="ko-KR" sz="1000" dirty="0"/>
-              <a:t> </a:t>
-            </a:r>
+              <a:rPr lang="ko-KR" altLang="en-US" sz="1000" dirty="0" smtClean="0"/>
+              <a:t>③ 주문취소</a:t>
+            </a:r>
+            <a:endParaRPr lang="en-US" altLang="ko-KR" sz="1000" dirty="0" smtClean="0"/>
+          </a:p>
+          <a:p>
+            <a:pPr marL="0" indent="0">
+              <a:lnSpc>
+                <a:spcPct val="100000"/>
+              </a:lnSpc>
+              <a:spcBef>
+                <a:spcPts val="0"/>
+              </a:spcBef>
+              <a:buNone/>
+            </a:pPr>
             <a:r>
               <a:rPr lang="en-US" altLang="ko-KR" sz="1000" dirty="0" smtClean="0"/>
-              <a:t>   - </a:t>
+              <a:t>    - </a:t>
             </a:r>
             <a:r>
               <a:rPr lang="ko-KR" altLang="en-US" sz="1000" dirty="0" smtClean="0"/>
@@ -5352,6 +5329,34 @@
               <a:rPr lang="en-US" altLang="ko-KR" sz="1000" dirty="0" smtClean="0"/>
               <a:t>.</a:t>
             </a:r>
+          </a:p>
+          <a:p>
+            <a:pPr marL="0" indent="0">
+              <a:lnSpc>
+                <a:spcPct val="100000"/>
+              </a:lnSpc>
+              <a:spcBef>
+                <a:spcPts val="0"/>
+              </a:spcBef>
+              <a:buNone/>
+            </a:pPr>
+            <a:endParaRPr lang="en-US" altLang="ko-KR" sz="1000" dirty="0" smtClean="0"/>
+          </a:p>
+          <a:p>
+            <a:pPr marL="0" indent="0">
+              <a:lnSpc>
+                <a:spcPct val="100000"/>
+              </a:lnSpc>
+              <a:spcBef>
+                <a:spcPts val="0"/>
+              </a:spcBef>
+              <a:buNone/>
+            </a:pPr>
+            <a:r>
+              <a:rPr lang="ko-KR" altLang="en-US" sz="1000" dirty="0" smtClean="0"/>
+              <a:t> </a:t>
+            </a:r>
+            <a:endParaRPr lang="en-US" altLang="ko-KR" sz="1000" dirty="0" smtClean="0"/>
           </a:p>
         </p:txBody>
       </p:sp>
@@ -5367,7 +5372,7 @@
         </p:nvGrpSpPr>
         <p:grpSpPr>
           <a:xfrm>
-            <a:off x="527942" y="1421115"/>
+            <a:off x="502542" y="1383015"/>
             <a:ext cx="320451" cy="319476"/>
             <a:chOff x="4283964" y="3147930"/>
             <a:chExt cx="320451" cy="319476"/>
@@ -5379,7 +5384,7 @@
             <p:cNvSpPr/>
             <p:nvPr>
               <p:custDataLst>
-                <p:custData r:id="rId8"/>
+                <p:custData r:id="rId6"/>
               </p:custDataLst>
             </p:nvPr>
           </p:nvSpPr>
@@ -5492,7 +5497,7 @@
         </p:nvGrpSpPr>
         <p:grpSpPr>
           <a:xfrm>
-            <a:off x="524040" y="3185242"/>
+            <a:off x="8080540" y="924642"/>
             <a:ext cx="320451" cy="319476"/>
             <a:chOff x="4283964" y="3147930"/>
             <a:chExt cx="320451" cy="319476"/>
@@ -5504,7 +5509,7 @@
             <p:cNvSpPr/>
             <p:nvPr>
               <p:custDataLst>
-                <p:custData r:id="rId7"/>
+                <p:custData r:id="rId5"/>
               </p:custDataLst>
             </p:nvPr>
           </p:nvSpPr>
@@ -5617,7 +5622,7 @@
         </p:nvGrpSpPr>
         <p:grpSpPr>
           <a:xfrm>
-            <a:off x="524038" y="4949369"/>
+            <a:off x="511338" y="4200069"/>
             <a:ext cx="320451" cy="319476"/>
             <a:chOff x="4283964" y="3147930"/>
             <a:chExt cx="320451" cy="319476"/>
@@ -5629,7 +5634,7 @@
             <p:cNvSpPr/>
             <p:nvPr>
               <p:custDataLst>
-                <p:custData r:id="rId6"/>
+                <p:custData r:id="rId4"/>
               </p:custDataLst>
             </p:nvPr>
           </p:nvSpPr>
@@ -5730,19 +5735,249 @@
           </p:txBody>
         </p:sp>
       </p:grpSp>
+    </p:spTree>
+    <p:extLst>
+      <p:ext uri="{BB962C8B-B14F-4D97-AF65-F5344CB8AC3E}">
+        <p14:creationId xmlns:p14="http://schemas.microsoft.com/office/powerpoint/2010/main" xmlns="" val="492694439"/>
+      </p:ext>
+    </p:extLst>
+  </p:cSld>
+  <p:clrMapOvr>
+    <a:masterClrMapping/>
+  </p:clrMapOvr>
+  <p:timing>
+    <p:tnLst>
+      <p:par>
+        <p:cTn id="1" dur="indefinite" restart="never" nodeType="tmRoot"/>
+      </p:par>
+    </p:tnLst>
+  </p:timing>
+</p:sld>
+</file>
+
+<file path=ppt/slides/slide12.xml><?xml version="1.0" encoding="utf-8"?>
+<p:sld xmlns:a="http://schemas.openxmlformats.org/drawingml/2006/main" xmlns:r="http://schemas.openxmlformats.org/officeDocument/2006/relationships" xmlns:p="http://schemas.openxmlformats.org/presentationml/2006/main">
+  <p:cSld>
+    <p:spTree>
+      <p:nvGrpSpPr>
+        <p:cNvPr id="1" name=""/>
+        <p:cNvGrpSpPr/>
+        <p:nvPr/>
+      </p:nvGrpSpPr>
+      <p:grpSpPr>
+        <a:xfrm>
+          <a:off x="0" y="0"/>
+          <a:ext cx="0" cy="0"/>
+          <a:chOff x="0" y="0"/>
+          <a:chExt cx="0" cy="0"/>
+        </a:xfrm>
+      </p:grpSpPr>
+      <p:pic>
+        <p:nvPicPr>
+          <p:cNvPr id="2050" name="Picture 2" descr="C:\Users\alfo24\Desktop\COMP_project\Document\UI_source\화면구성 예시\2.판매관리탭5-정보관리png.png"/>
+          <p:cNvPicPr>
+            <a:picLocks noChangeAspect="1" noChangeArrowheads="1"/>
+          </p:cNvPicPr>
+          <p:nvPr/>
+        </p:nvPicPr>
+        <p:blipFill>
+          <a:blip r:embed="rId6"/>
+          <a:srcRect/>
+          <a:stretch>
+            <a:fillRect/>
+          </a:stretch>
+        </p:blipFill>
+        <p:spPr bwMode="auto">
+          <a:xfrm>
+            <a:off x="549275" y="457200"/>
+            <a:ext cx="8628221" cy="6286500"/>
+          </a:xfrm>
+          <a:prstGeom prst="rect">
+            <a:avLst/>
+          </a:prstGeom>
+          <a:noFill/>
+        </p:spPr>
+      </p:pic>
+      <p:sp>
+        <p:nvSpPr>
+          <p:cNvPr id="4" name="텍스트 개체 틀 3"/>
+          <p:cNvSpPr>
+            <a:spLocks noGrp="1"/>
+          </p:cNvSpPr>
+          <p:nvPr>
+            <p:ph type="body" sz="quarter" idx="10"/>
+          </p:nvPr>
+        </p:nvSpPr>
+        <p:spPr/>
+        <p:txBody>
+          <a:bodyPr/>
+          <a:lstStyle/>
+          <a:p>
+            <a:r>
+              <a:rPr lang="en-US" altLang="ko-KR" dirty="0" smtClean="0"/>
+              <a:t>1.3.6</a:t>
+            </a:r>
+          </a:p>
+        </p:txBody>
+      </p:sp>
+      <p:sp>
+        <p:nvSpPr>
+          <p:cNvPr id="6" name="텍스트 개체 틀 5"/>
+          <p:cNvSpPr>
+            <a:spLocks noGrp="1"/>
+          </p:cNvSpPr>
+          <p:nvPr>
+            <p:ph type="body" sz="quarter" idx="11"/>
+          </p:nvPr>
+        </p:nvSpPr>
+        <p:spPr/>
+        <p:txBody>
+          <a:bodyPr/>
+          <a:lstStyle/>
+          <a:p>
+            <a:r>
+              <a:rPr lang="ko-KR" altLang="en-US" dirty="0" smtClean="0"/>
+              <a:t>구현 화면 </a:t>
+            </a:r>
+            <a:r>
+              <a:rPr lang="en-US" altLang="ko-KR" dirty="0" smtClean="0"/>
+              <a:t>(</a:t>
+            </a:r>
+            <a:r>
+              <a:rPr lang="ko-KR" altLang="en-US" dirty="0" err="1" smtClean="0"/>
+              <a:t>관리탭</a:t>
+            </a:r>
+            <a:r>
+              <a:rPr lang="ko-KR" altLang="en-US" dirty="0" smtClean="0"/>
+              <a:t> </a:t>
+            </a:r>
+            <a:r>
+              <a:rPr lang="en-US" altLang="ko-KR" dirty="0" smtClean="0"/>
+              <a:t>- </a:t>
+            </a:r>
+            <a:r>
+              <a:rPr lang="ko-KR" altLang="en-US" dirty="0" smtClean="0"/>
+              <a:t>정보관리</a:t>
+            </a:r>
+            <a:r>
+              <a:rPr lang="en-US" altLang="ko-KR" dirty="0" smtClean="0"/>
+              <a:t>)</a:t>
+            </a:r>
+            <a:endParaRPr lang="ko-KR" altLang="en-US" dirty="0"/>
+          </a:p>
+        </p:txBody>
+      </p:sp>
+      <p:sp>
+        <p:nvSpPr>
+          <p:cNvPr id="28" name="텍스트 개체 틀 27"/>
+          <p:cNvSpPr>
+            <a:spLocks noGrp="1"/>
+          </p:cNvSpPr>
+          <p:nvPr>
+            <p:ph type="body" sz="quarter" idx="12"/>
+          </p:nvPr>
+        </p:nvSpPr>
+        <p:spPr/>
+        <p:txBody>
+          <a:bodyPr/>
+          <a:lstStyle/>
+          <a:p>
+            <a:pPr marL="0" indent="0">
+              <a:lnSpc>
+                <a:spcPct val="100000"/>
+              </a:lnSpc>
+              <a:spcBef>
+                <a:spcPts val="0"/>
+              </a:spcBef>
+              <a:buNone/>
+            </a:pPr>
+            <a:r>
+              <a:rPr lang="ko-KR" altLang="en-US" sz="1000" dirty="0" smtClean="0"/>
+              <a:t>① 업체정보</a:t>
+            </a:r>
+            <a:endParaRPr lang="en-US" altLang="ko-KR" sz="1000" dirty="0" smtClean="0"/>
+          </a:p>
+          <a:p>
+            <a:pPr marL="0" indent="0">
+              <a:lnSpc>
+                <a:spcPct val="100000"/>
+              </a:lnSpc>
+              <a:spcBef>
+                <a:spcPts val="0"/>
+              </a:spcBef>
+              <a:buNone/>
+            </a:pPr>
+            <a:r>
+              <a:rPr lang="en-US" altLang="ko-KR" sz="1000" dirty="0" smtClean="0"/>
+              <a:t>    - </a:t>
+            </a:r>
+            <a:r>
+              <a:rPr lang="ko-KR" altLang="en-US" sz="1000" dirty="0" smtClean="0"/>
+              <a:t>프로그램 사용자의 정보를 보여준다</a:t>
+            </a:r>
+            <a:r>
+              <a:rPr lang="en-US" altLang="ko-KR" sz="1000" dirty="0" smtClean="0"/>
+              <a:t>.</a:t>
+            </a:r>
+          </a:p>
+          <a:p>
+            <a:pPr marL="0" indent="0">
+              <a:lnSpc>
+                <a:spcPct val="100000"/>
+              </a:lnSpc>
+              <a:spcBef>
+                <a:spcPts val="0"/>
+              </a:spcBef>
+              <a:buNone/>
+            </a:pPr>
+            <a:r>
+              <a:rPr lang="ko-KR" altLang="en-US" sz="1000" dirty="0" smtClean="0"/>
+              <a:t>② 수정버튼</a:t>
+            </a:r>
+            <a:endParaRPr lang="en-US" altLang="ko-KR" sz="1000" dirty="0" smtClean="0"/>
+          </a:p>
+          <a:p>
+            <a:pPr marL="0" indent="0">
+              <a:lnSpc>
+                <a:spcPct val="100000"/>
+              </a:lnSpc>
+              <a:spcBef>
+                <a:spcPts val="0"/>
+              </a:spcBef>
+              <a:buNone/>
+            </a:pPr>
+            <a:r>
+              <a:rPr lang="en-US" altLang="ko-KR" sz="1000" dirty="0"/>
+              <a:t> </a:t>
+            </a:r>
+            <a:r>
+              <a:rPr lang="en-US" altLang="ko-KR" sz="1000" dirty="0" smtClean="0"/>
+              <a:t>   - </a:t>
+            </a:r>
+            <a:r>
+              <a:rPr lang="ko-KR" altLang="en-US" sz="1000" dirty="0" smtClean="0"/>
+              <a:t>업체의 정보를 변경한다</a:t>
+            </a:r>
+            <a:r>
+              <a:rPr lang="en-US" altLang="ko-KR" sz="1000" dirty="0" smtClean="0"/>
+              <a:t>.</a:t>
+            </a:r>
+          </a:p>
+        </p:txBody>
+      </p:sp>
       <p:grpSp>
         <p:nvGrpSpPr>
-          <p:cNvPr id="23" name="Callout"/>
+          <p:cNvPr id="2" name="Callout"/>
           <p:cNvGrpSpPr/>
           <p:nvPr>
             <p:custDataLst>
-              <p:custData r:id="rId4"/>
+              <p:custData r:id="rId1"/>
             </p:custDataLst>
           </p:nvPr>
         </p:nvGrpSpPr>
         <p:grpSpPr>
           <a:xfrm>
-            <a:off x="8082308" y="952453"/>
+            <a:off x="3652142" y="1548115"/>
             <a:ext cx="320451" cy="319476"/>
             <a:chOff x="4283964" y="3147930"/>
             <a:chExt cx="320451" cy="319476"/>
@@ -5750,11 +5985,11 @@
         </p:grpSpPr>
         <p:sp>
           <p:nvSpPr>
-            <p:cNvPr id="24" name="Circle"/>
+            <p:cNvPr id="150" name="Circle"/>
             <p:cNvSpPr/>
             <p:nvPr>
               <p:custDataLst>
-                <p:custData r:id="rId5"/>
+                <p:custData r:id="rId4"/>
               </p:custDataLst>
             </p:nvPr>
           </p:nvSpPr>
@@ -5826,7 +6061,1064 @@
         </p:sp>
         <p:sp>
           <p:nvSpPr>
-            <p:cNvPr id="25" name="Content"/>
+            <p:cNvPr id="151" name="Content"/>
+            <p:cNvSpPr txBox="1"/>
+            <p:nvPr/>
+          </p:nvSpPr>
+          <p:spPr>
+            <a:xfrm flipH="1">
+              <a:off x="4309771" y="3157455"/>
+              <a:ext cx="268835" cy="276999"/>
+            </a:xfrm>
+            <a:prstGeom prst="rect">
+              <a:avLst/>
+            </a:prstGeom>
+            <a:noFill/>
+          </p:spPr>
+          <p:txBody>
+            <a:bodyPr wrap="square" rtlCol="0">
+              <a:spAutoFit/>
+            </a:bodyPr>
+            <a:lstStyle/>
+            <a:p>
+              <a:r>
+                <a:rPr lang="en-US" sz="1200" dirty="0" smtClean="0"/>
+                <a:t>1</a:t>
+              </a:r>
+              <a:endParaRPr lang="en-US" sz="1200" dirty="0"/>
+            </a:p>
+          </p:txBody>
+        </p:sp>
+      </p:grpSp>
+      <p:grpSp>
+        <p:nvGrpSpPr>
+          <p:cNvPr id="19" name="Callout"/>
+          <p:cNvGrpSpPr/>
+          <p:nvPr>
+            <p:custDataLst>
+              <p:custData r:id="rId2"/>
+            </p:custDataLst>
+          </p:nvPr>
+        </p:nvGrpSpPr>
+        <p:grpSpPr>
+          <a:xfrm>
+            <a:off x="4321340" y="4988642"/>
+            <a:ext cx="320451" cy="319476"/>
+            <a:chOff x="4283964" y="3147930"/>
+            <a:chExt cx="320451" cy="319476"/>
+          </a:xfrm>
+        </p:grpSpPr>
+        <p:sp>
+          <p:nvSpPr>
+            <p:cNvPr id="20" name="Circle"/>
+            <p:cNvSpPr/>
+            <p:nvPr>
+              <p:custDataLst>
+                <p:custData r:id="rId3"/>
+              </p:custDataLst>
+            </p:nvPr>
+          </p:nvSpPr>
+          <p:spPr>
+            <a:xfrm>
+              <a:off x="4283964" y="3147930"/>
+              <a:ext cx="320451" cy="319476"/>
+            </a:xfrm>
+            <a:prstGeom prst="ellipse">
+              <a:avLst/>
+            </a:prstGeom>
+            <a:solidFill>
+              <a:srgbClr val="FFFF00"/>
+            </a:solidFill>
+            <a:ln w="38100" cap="flat" cmpd="sng" algn="ctr">
+              <a:solidFill>
+                <a:srgbClr val="FFFFFF">
+                  <a:lumMod val="50000"/>
+                </a:srgbClr>
+              </a:solidFill>
+              <a:prstDash val="solid"/>
+            </a:ln>
+            <a:effectLst/>
+          </p:spPr>
+          <p:txBody>
+            <a:bodyPr rot="0" spcFirstLastPara="0" vertOverflow="overflow" horzOverflow="overflow" vert="horz" wrap="square" lIns="45720" tIns="45720" rIns="91440" bIns="45720" numCol="1" spcCol="0" rtlCol="0" fromWordArt="0" anchor="ctr" anchorCtr="0" forceAA="0" compatLnSpc="1">
+              <a:prstTxWarp prst="textNoShape">
+                <a:avLst/>
+              </a:prstTxWarp>
+              <a:noAutofit/>
+            </a:bodyPr>
+            <a:lstStyle/>
+            <a:p>
+              <a:pPr marL="0" marR="0" indent="0" algn="ctr" defTabSz="914400" eaLnBrk="1" fontAlgn="auto" latinLnBrk="0" hangingPunct="1">
+                <a:lnSpc>
+                  <a:spcPct val="100000"/>
+                </a:lnSpc>
+                <a:spcBef>
+                  <a:spcPts val="0"/>
+                </a:spcBef>
+                <a:spcAft>
+                  <a:spcPts val="0"/>
+                </a:spcAft>
+                <a:buClrTx/>
+                <a:buSzTx/>
+                <a:buFontTx/>
+                <a:buNone/>
+                <a:tabLst/>
+              </a:pPr>
+              <a:endParaRPr kumimoji="0" lang="en-US" sz="800" b="0" i="0" u="none" strike="noStrike" kern="0" cap="none" spc="0" normalizeH="0" baseline="0" noProof="0" dirty="0" smtClean="0">
+                <a:ln>
+                  <a:noFill/>
+                </a:ln>
+                <a:solidFill>
+                  <a:srgbClr val="000000">
+                    <a:lumMod val="75000"/>
+                    <a:lumOff val="25000"/>
+                  </a:srgbClr>
+                </a:solidFill>
+                <a:effectLst/>
+                <a:uLnTx/>
+                <a:uFillTx/>
+                <a:latin typeface="Segoe UI"/>
+                <a:ea typeface="+mn-ea"/>
+                <a:cs typeface="+mn-cs"/>
+              </a:endParaRPr>
+            </a:p>
+          </p:txBody>
+        </p:sp>
+        <p:sp>
+          <p:nvSpPr>
+            <p:cNvPr id="21" name="Content"/>
+            <p:cNvSpPr txBox="1"/>
+            <p:nvPr/>
+          </p:nvSpPr>
+          <p:spPr>
+            <a:xfrm flipH="1">
+              <a:off x="4309771" y="3157455"/>
+              <a:ext cx="268835" cy="276999"/>
+            </a:xfrm>
+            <a:prstGeom prst="rect">
+              <a:avLst/>
+            </a:prstGeom>
+            <a:noFill/>
+          </p:spPr>
+          <p:txBody>
+            <a:bodyPr wrap="square" rtlCol="0">
+              <a:spAutoFit/>
+            </a:bodyPr>
+            <a:lstStyle/>
+            <a:p>
+              <a:r>
+                <a:rPr lang="en-US" sz="1200" dirty="0" smtClean="0"/>
+                <a:t>2</a:t>
+              </a:r>
+              <a:endParaRPr lang="en-US" sz="1200" dirty="0"/>
+            </a:p>
+          </p:txBody>
+        </p:sp>
+      </p:grpSp>
+    </p:spTree>
+    <p:extLst>
+      <p:ext uri="{BB962C8B-B14F-4D97-AF65-F5344CB8AC3E}">
+        <p14:creationId xmlns:p14="http://schemas.microsoft.com/office/powerpoint/2010/main" xmlns="" val="492694439"/>
+      </p:ext>
+    </p:extLst>
+  </p:cSld>
+  <p:clrMapOvr>
+    <a:masterClrMapping/>
+  </p:clrMapOvr>
+  <p:timing>
+    <p:tnLst>
+      <p:par>
+        <p:cTn id="1" dur="indefinite" restart="never" nodeType="tmRoot"/>
+      </p:par>
+    </p:tnLst>
+  </p:timing>
+</p:sld>
+</file>
+
+<file path=ppt/slides/slide13.xml><?xml version="1.0" encoding="utf-8"?>
+<p:sld xmlns:a="http://schemas.openxmlformats.org/drawingml/2006/main" xmlns:r="http://schemas.openxmlformats.org/officeDocument/2006/relationships" xmlns:p="http://schemas.openxmlformats.org/presentationml/2006/main">
+  <p:cSld>
+    <p:spTree>
+      <p:nvGrpSpPr>
+        <p:cNvPr id="1" name=""/>
+        <p:cNvGrpSpPr/>
+        <p:nvPr/>
+      </p:nvGrpSpPr>
+      <p:grpSpPr>
+        <a:xfrm>
+          <a:off x="0" y="0"/>
+          <a:ext cx="0" cy="0"/>
+          <a:chOff x="0" y="0"/>
+          <a:chExt cx="0" cy="0"/>
+        </a:xfrm>
+      </p:grpSpPr>
+      <p:pic>
+        <p:nvPicPr>
+          <p:cNvPr id="1026" name="Picture 2" descr="C:\Users\alfo24\Desktop\COMP_project\Document\UI_source\화면구성 예시\2.판매관리탭6-거래처관리.png"/>
+          <p:cNvPicPr>
+            <a:picLocks noChangeAspect="1" noChangeArrowheads="1"/>
+          </p:cNvPicPr>
+          <p:nvPr/>
+        </p:nvPicPr>
+        <p:blipFill>
+          <a:blip r:embed="rId12"/>
+          <a:srcRect/>
+          <a:stretch>
+            <a:fillRect/>
+          </a:stretch>
+        </p:blipFill>
+        <p:spPr bwMode="auto">
+          <a:xfrm>
+            <a:off x="491124" y="435880"/>
+            <a:ext cx="8750851" cy="6362084"/>
+          </a:xfrm>
+          <a:prstGeom prst="rect">
+            <a:avLst/>
+          </a:prstGeom>
+          <a:noFill/>
+        </p:spPr>
+      </p:pic>
+      <p:sp>
+        <p:nvSpPr>
+          <p:cNvPr id="4" name="텍스트 개체 틀 3"/>
+          <p:cNvSpPr>
+            <a:spLocks noGrp="1"/>
+          </p:cNvSpPr>
+          <p:nvPr>
+            <p:ph type="body" sz="quarter" idx="10"/>
+          </p:nvPr>
+        </p:nvSpPr>
+        <p:spPr/>
+        <p:txBody>
+          <a:bodyPr/>
+          <a:lstStyle/>
+          <a:p>
+            <a:r>
+              <a:rPr lang="en-US" altLang="ko-KR" dirty="0" smtClean="0"/>
+              <a:t>1.3.7</a:t>
+            </a:r>
+            <a:endParaRPr lang="en-US" altLang="ko-KR" dirty="0" smtClean="0"/>
+          </a:p>
+        </p:txBody>
+      </p:sp>
+      <p:sp>
+        <p:nvSpPr>
+          <p:cNvPr id="6" name="텍스트 개체 틀 5"/>
+          <p:cNvSpPr>
+            <a:spLocks noGrp="1"/>
+          </p:cNvSpPr>
+          <p:nvPr>
+            <p:ph type="body" sz="quarter" idx="11"/>
+          </p:nvPr>
+        </p:nvSpPr>
+        <p:spPr/>
+        <p:txBody>
+          <a:bodyPr/>
+          <a:lstStyle/>
+          <a:p>
+            <a:r>
+              <a:rPr lang="ko-KR" altLang="en-US" dirty="0" smtClean="0"/>
+              <a:t>구현 화면 </a:t>
+            </a:r>
+            <a:r>
+              <a:rPr lang="en-US" altLang="ko-KR" dirty="0" smtClean="0"/>
+              <a:t>(</a:t>
+            </a:r>
+            <a:r>
+              <a:rPr lang="ko-KR" altLang="en-US" dirty="0" err="1" smtClean="0"/>
+              <a:t>관리탭</a:t>
+            </a:r>
+            <a:r>
+              <a:rPr lang="ko-KR" altLang="en-US" dirty="0" smtClean="0"/>
+              <a:t> </a:t>
+            </a:r>
+            <a:r>
+              <a:rPr lang="en-US" altLang="ko-KR" dirty="0" smtClean="0"/>
+              <a:t>- </a:t>
+            </a:r>
+            <a:r>
+              <a:rPr lang="ko-KR" altLang="en-US" dirty="0" smtClean="0"/>
+              <a:t>거래처관리</a:t>
+            </a:r>
+            <a:r>
+              <a:rPr lang="en-US" altLang="ko-KR" dirty="0" smtClean="0"/>
+              <a:t>)</a:t>
+            </a:r>
+            <a:endParaRPr lang="ko-KR" altLang="en-US" dirty="0"/>
+          </a:p>
+        </p:txBody>
+      </p:sp>
+      <p:sp>
+        <p:nvSpPr>
+          <p:cNvPr id="28" name="텍스트 개체 틀 27"/>
+          <p:cNvSpPr>
+            <a:spLocks noGrp="1"/>
+          </p:cNvSpPr>
+          <p:nvPr>
+            <p:ph type="body" sz="quarter" idx="12"/>
+          </p:nvPr>
+        </p:nvSpPr>
+        <p:spPr/>
+        <p:txBody>
+          <a:bodyPr/>
+          <a:lstStyle/>
+          <a:p>
+            <a:pPr marL="0" indent="0">
+              <a:lnSpc>
+                <a:spcPct val="100000"/>
+              </a:lnSpc>
+              <a:spcBef>
+                <a:spcPts val="0"/>
+              </a:spcBef>
+              <a:buNone/>
+            </a:pPr>
+            <a:r>
+              <a:rPr lang="ko-KR" altLang="en-US" sz="1000" dirty="0" smtClean="0"/>
+              <a:t>①</a:t>
+            </a:r>
+            <a:r>
+              <a:rPr lang="en-US" altLang="ko-KR" sz="1000" dirty="0" smtClean="0"/>
+              <a:t> </a:t>
+            </a:r>
+            <a:r>
+              <a:rPr lang="ko-KR" altLang="en-US" sz="1000" dirty="0" smtClean="0"/>
+              <a:t>거래처정보</a:t>
+            </a:r>
+            <a:endParaRPr lang="en-US" altLang="ko-KR" sz="1000" dirty="0" smtClean="0"/>
+          </a:p>
+          <a:p>
+            <a:pPr marL="0" indent="0">
+              <a:lnSpc>
+                <a:spcPct val="100000"/>
+              </a:lnSpc>
+              <a:spcBef>
+                <a:spcPts val="0"/>
+              </a:spcBef>
+              <a:buNone/>
+            </a:pPr>
+            <a:r>
+              <a:rPr lang="en-US" altLang="ko-KR" sz="1000" dirty="0" smtClean="0"/>
+              <a:t>    - </a:t>
+            </a:r>
+            <a:r>
+              <a:rPr lang="ko-KR" altLang="en-US" sz="1000" dirty="0" smtClean="0"/>
+              <a:t>거래처의 정보를 보여준다</a:t>
+            </a:r>
+            <a:r>
+              <a:rPr lang="en-US" altLang="ko-KR" sz="1000" dirty="0" smtClean="0"/>
+              <a:t>.</a:t>
+            </a:r>
+          </a:p>
+          <a:p>
+            <a:pPr marL="0" indent="0">
+              <a:lnSpc>
+                <a:spcPct val="100000"/>
+              </a:lnSpc>
+              <a:spcBef>
+                <a:spcPts val="0"/>
+              </a:spcBef>
+              <a:buNone/>
+            </a:pPr>
+            <a:r>
+              <a:rPr lang="ko-KR" altLang="en-US" sz="1000" dirty="0" smtClean="0"/>
+              <a:t>② 검색구분</a:t>
+            </a:r>
+            <a:endParaRPr lang="en-US" altLang="ko-KR" sz="1000" dirty="0" smtClean="0"/>
+          </a:p>
+          <a:p>
+            <a:pPr marL="0" indent="0">
+              <a:lnSpc>
+                <a:spcPct val="100000"/>
+              </a:lnSpc>
+              <a:spcBef>
+                <a:spcPts val="0"/>
+              </a:spcBef>
+              <a:buNone/>
+            </a:pPr>
+            <a:r>
+              <a:rPr lang="en-US" altLang="ko-KR" sz="1000" dirty="0" smtClean="0"/>
+              <a:t>    - </a:t>
+            </a:r>
+            <a:r>
+              <a:rPr lang="ko-KR" altLang="en-US" sz="1000" dirty="0" smtClean="0"/>
+              <a:t>검색의 기준이 될 거래처의 정보를 </a:t>
+            </a:r>
+            <a:endParaRPr lang="en-US" altLang="ko-KR" sz="1000" dirty="0" smtClean="0"/>
+          </a:p>
+          <a:p>
+            <a:pPr marL="0" indent="0">
+              <a:lnSpc>
+                <a:spcPct val="100000"/>
+              </a:lnSpc>
+              <a:spcBef>
+                <a:spcPts val="0"/>
+              </a:spcBef>
+              <a:buNone/>
+            </a:pPr>
+            <a:r>
+              <a:rPr lang="en-US" altLang="ko-KR" sz="1000" dirty="0" smtClean="0"/>
+              <a:t>       </a:t>
+            </a:r>
+            <a:r>
+              <a:rPr lang="ko-KR" altLang="en-US" sz="1000" dirty="0" smtClean="0"/>
+              <a:t>선택한다</a:t>
+            </a:r>
+            <a:r>
+              <a:rPr lang="en-US" altLang="ko-KR" sz="1000" dirty="0" smtClean="0"/>
+              <a:t>.</a:t>
+            </a:r>
+          </a:p>
+          <a:p>
+            <a:pPr marL="0" indent="0">
+              <a:lnSpc>
+                <a:spcPct val="100000"/>
+              </a:lnSpc>
+              <a:spcBef>
+                <a:spcPts val="0"/>
+              </a:spcBef>
+              <a:buNone/>
+            </a:pPr>
+            <a:r>
+              <a:rPr lang="ko-KR" altLang="en-US" sz="1000" dirty="0" smtClean="0"/>
+              <a:t>③ 검색</a:t>
+            </a:r>
+            <a:endParaRPr lang="en-US" altLang="ko-KR" sz="1000" dirty="0" smtClean="0"/>
+          </a:p>
+          <a:p>
+            <a:pPr marL="0" indent="0">
+              <a:lnSpc>
+                <a:spcPct val="100000"/>
+              </a:lnSpc>
+              <a:spcBef>
+                <a:spcPts val="0"/>
+              </a:spcBef>
+              <a:buNone/>
+            </a:pPr>
+            <a:r>
+              <a:rPr lang="en-US" altLang="ko-KR" sz="1000" dirty="0" smtClean="0"/>
+              <a:t>     - </a:t>
+            </a:r>
+            <a:r>
+              <a:rPr lang="ko-KR" altLang="en-US" sz="1000" dirty="0" smtClean="0"/>
+              <a:t>검색구분과 키워드를 기준으로 </a:t>
+            </a:r>
+            <a:endParaRPr lang="en-US" altLang="ko-KR" sz="1000" dirty="0" smtClean="0"/>
+          </a:p>
+          <a:p>
+            <a:pPr marL="0" indent="0">
+              <a:lnSpc>
+                <a:spcPct val="100000"/>
+              </a:lnSpc>
+              <a:spcBef>
+                <a:spcPts val="0"/>
+              </a:spcBef>
+              <a:buNone/>
+            </a:pPr>
+            <a:r>
+              <a:rPr lang="en-US" altLang="ko-KR" sz="1000" dirty="0" smtClean="0"/>
+              <a:t>       </a:t>
+            </a:r>
+            <a:r>
+              <a:rPr lang="ko-KR" altLang="en-US" sz="1000" dirty="0" smtClean="0"/>
+              <a:t>검색해서 ④ 에 보여준다</a:t>
+            </a:r>
+            <a:r>
+              <a:rPr lang="en-US" altLang="ko-KR" sz="1000" dirty="0" smtClean="0"/>
+              <a:t>.</a:t>
+            </a:r>
+          </a:p>
+          <a:p>
+            <a:pPr marL="0" indent="0">
+              <a:lnSpc>
+                <a:spcPct val="100000"/>
+              </a:lnSpc>
+              <a:spcBef>
+                <a:spcPts val="0"/>
+              </a:spcBef>
+              <a:buNone/>
+            </a:pPr>
+            <a:r>
+              <a:rPr lang="ko-KR" altLang="en-US" sz="1000" dirty="0" smtClean="0"/>
+              <a:t>④ 거래처명단</a:t>
+            </a:r>
+            <a:endParaRPr lang="en-US" altLang="ko-KR" sz="1000" dirty="0" smtClean="0"/>
+          </a:p>
+          <a:p>
+            <a:pPr marL="0" indent="0">
+              <a:lnSpc>
+                <a:spcPct val="100000"/>
+              </a:lnSpc>
+              <a:spcBef>
+                <a:spcPts val="0"/>
+              </a:spcBef>
+              <a:buNone/>
+            </a:pPr>
+            <a:r>
+              <a:rPr lang="en-US" altLang="ko-KR" sz="1000" dirty="0" smtClean="0"/>
+              <a:t>     - </a:t>
+            </a:r>
+            <a:r>
+              <a:rPr lang="ko-KR" altLang="en-US" sz="1000" dirty="0" smtClean="0"/>
+              <a:t>거래처의 목록을 보여준다</a:t>
+            </a:r>
+            <a:r>
+              <a:rPr lang="en-US" altLang="ko-KR" sz="1000" dirty="0" smtClean="0"/>
+              <a:t>.</a:t>
+            </a:r>
+          </a:p>
+          <a:p>
+            <a:pPr marL="0" indent="0">
+              <a:lnSpc>
+                <a:spcPct val="100000"/>
+              </a:lnSpc>
+              <a:spcBef>
+                <a:spcPts val="0"/>
+              </a:spcBef>
+              <a:buNone/>
+            </a:pPr>
+            <a:r>
+              <a:rPr lang="ko-KR" altLang="en-US" sz="1000" dirty="0" smtClean="0"/>
+              <a:t>⑤ 거래처 정보 관리</a:t>
+            </a:r>
+            <a:endParaRPr lang="en-US" altLang="ko-KR" sz="1000" dirty="0" smtClean="0"/>
+          </a:p>
+          <a:p>
+            <a:pPr marL="0" indent="0">
+              <a:lnSpc>
+                <a:spcPct val="100000"/>
+              </a:lnSpc>
+              <a:spcBef>
+                <a:spcPts val="0"/>
+              </a:spcBef>
+              <a:buNone/>
+            </a:pPr>
+            <a:r>
+              <a:rPr lang="en-US" altLang="ko-KR" sz="1000" dirty="0" smtClean="0"/>
+              <a:t>     </a:t>
+            </a:r>
+            <a:r>
+              <a:rPr lang="en-US" altLang="ko-KR" sz="1000" smtClean="0"/>
+              <a:t>- </a:t>
+            </a:r>
+            <a:r>
+              <a:rPr lang="ko-KR" altLang="en-US" sz="1000" smtClean="0"/>
+              <a:t>거래처의 </a:t>
+            </a:r>
+            <a:r>
+              <a:rPr lang="ko-KR" altLang="en-US" sz="1000" dirty="0" smtClean="0"/>
+              <a:t>정보를 등록</a:t>
+            </a:r>
+            <a:r>
+              <a:rPr lang="en-US" altLang="ko-KR" sz="1000" dirty="0" smtClean="0"/>
+              <a:t>, </a:t>
+            </a:r>
+            <a:r>
+              <a:rPr lang="ko-KR" altLang="en-US" sz="1000" dirty="0" smtClean="0"/>
+              <a:t>수정</a:t>
+            </a:r>
+            <a:r>
+              <a:rPr lang="en-US" altLang="ko-KR" sz="1000" dirty="0" smtClean="0"/>
+              <a:t>, </a:t>
+            </a:r>
+          </a:p>
+          <a:p>
+            <a:pPr marL="0" indent="0">
+              <a:lnSpc>
+                <a:spcPct val="100000"/>
+              </a:lnSpc>
+              <a:spcBef>
+                <a:spcPts val="0"/>
+              </a:spcBef>
+              <a:buNone/>
+            </a:pPr>
+            <a:r>
+              <a:rPr lang="en-US" altLang="ko-KR" sz="1000" dirty="0" smtClean="0"/>
+              <a:t>        </a:t>
+            </a:r>
+            <a:r>
+              <a:rPr lang="ko-KR" altLang="en-US" sz="1000" dirty="0" smtClean="0"/>
+              <a:t>삭제한다</a:t>
+            </a:r>
+            <a:r>
+              <a:rPr lang="en-US" altLang="ko-KR" sz="1000" dirty="0" smtClean="0"/>
+              <a:t>.</a:t>
+            </a:r>
+            <a:endParaRPr lang="en-US" altLang="ko-KR" sz="1000" dirty="0"/>
+          </a:p>
+        </p:txBody>
+      </p:sp>
+      <p:grpSp>
+        <p:nvGrpSpPr>
+          <p:cNvPr id="13" name="Callout"/>
+          <p:cNvGrpSpPr/>
+          <p:nvPr>
+            <p:custDataLst>
+              <p:custData r:id="rId1"/>
+            </p:custDataLst>
+          </p:nvPr>
+        </p:nvGrpSpPr>
+        <p:grpSpPr>
+          <a:xfrm>
+            <a:off x="695312" y="1560879"/>
+            <a:ext cx="320451" cy="319476"/>
+            <a:chOff x="4283964" y="3147930"/>
+            <a:chExt cx="320451" cy="319476"/>
+          </a:xfrm>
+        </p:grpSpPr>
+        <p:sp>
+          <p:nvSpPr>
+            <p:cNvPr id="14" name="Circle"/>
+            <p:cNvSpPr/>
+            <p:nvPr>
+              <p:custDataLst>
+                <p:custData r:id="rId10"/>
+              </p:custDataLst>
+            </p:nvPr>
+          </p:nvSpPr>
+          <p:spPr>
+            <a:xfrm>
+              <a:off x="4283964" y="3147930"/>
+              <a:ext cx="320451" cy="319476"/>
+            </a:xfrm>
+            <a:prstGeom prst="ellipse">
+              <a:avLst/>
+            </a:prstGeom>
+            <a:solidFill>
+              <a:srgbClr val="FFFF00"/>
+            </a:solidFill>
+            <a:ln w="38100" cap="flat" cmpd="sng" algn="ctr">
+              <a:solidFill>
+                <a:srgbClr val="FFFFFF">
+                  <a:lumMod val="50000"/>
+                </a:srgbClr>
+              </a:solidFill>
+              <a:prstDash val="solid"/>
+            </a:ln>
+            <a:effectLst/>
+          </p:spPr>
+          <p:txBody>
+            <a:bodyPr rot="0" spcFirstLastPara="0" vertOverflow="overflow" horzOverflow="overflow" vert="horz" wrap="square" lIns="45720" tIns="45720" rIns="91440" bIns="45720" numCol="1" spcCol="0" rtlCol="0" fromWordArt="0" anchor="ctr" anchorCtr="0" forceAA="0" compatLnSpc="1">
+              <a:prstTxWarp prst="textNoShape">
+                <a:avLst/>
+              </a:prstTxWarp>
+              <a:noAutofit/>
+            </a:bodyPr>
+            <a:lstStyle/>
+            <a:p>
+              <a:pPr marL="0" marR="0" indent="0" algn="ctr" defTabSz="914400" eaLnBrk="1" fontAlgn="auto" latinLnBrk="0" hangingPunct="1">
+                <a:lnSpc>
+                  <a:spcPct val="100000"/>
+                </a:lnSpc>
+                <a:spcBef>
+                  <a:spcPts val="0"/>
+                </a:spcBef>
+                <a:spcAft>
+                  <a:spcPts val="0"/>
+                </a:spcAft>
+                <a:buClrTx/>
+                <a:buSzTx/>
+                <a:buFontTx/>
+                <a:buNone/>
+                <a:tabLst/>
+              </a:pPr>
+              <a:endParaRPr kumimoji="0" lang="en-US" sz="800" b="0" i="0" u="none" strike="noStrike" kern="0" cap="none" spc="0" normalizeH="0" baseline="0" noProof="0" dirty="0" smtClean="0">
+                <a:ln>
+                  <a:noFill/>
+                </a:ln>
+                <a:solidFill>
+                  <a:srgbClr val="000000">
+                    <a:lumMod val="75000"/>
+                    <a:lumOff val="25000"/>
+                  </a:srgbClr>
+                </a:solidFill>
+                <a:effectLst/>
+                <a:uLnTx/>
+                <a:uFillTx/>
+                <a:latin typeface="Segoe UI"/>
+                <a:ea typeface="+mn-ea"/>
+                <a:cs typeface="+mn-cs"/>
+              </a:endParaRPr>
+            </a:p>
+          </p:txBody>
+        </p:sp>
+        <p:sp>
+          <p:nvSpPr>
+            <p:cNvPr id="15" name="Content"/>
+            <p:cNvSpPr txBox="1"/>
+            <p:nvPr/>
+          </p:nvSpPr>
+          <p:spPr>
+            <a:xfrm flipH="1">
+              <a:off x="4309771" y="3157455"/>
+              <a:ext cx="268835" cy="276999"/>
+            </a:xfrm>
+            <a:prstGeom prst="rect">
+              <a:avLst/>
+            </a:prstGeom>
+            <a:noFill/>
+          </p:spPr>
+          <p:txBody>
+            <a:bodyPr wrap="square" rtlCol="0">
+              <a:spAutoFit/>
+            </a:bodyPr>
+            <a:lstStyle/>
+            <a:p>
+              <a:r>
+                <a:rPr lang="en-US" sz="1200" dirty="0" smtClean="0"/>
+                <a:t>1</a:t>
+              </a:r>
+              <a:endParaRPr lang="en-US" sz="1200" dirty="0"/>
+            </a:p>
+          </p:txBody>
+        </p:sp>
+      </p:grpSp>
+      <p:grpSp>
+        <p:nvGrpSpPr>
+          <p:cNvPr id="16" name="Callout"/>
+          <p:cNvGrpSpPr/>
+          <p:nvPr>
+            <p:custDataLst>
+              <p:custData r:id="rId2"/>
+            </p:custDataLst>
+          </p:nvPr>
+        </p:nvGrpSpPr>
+        <p:grpSpPr>
+          <a:xfrm>
+            <a:off x="3329119" y="1294329"/>
+            <a:ext cx="320451" cy="319476"/>
+            <a:chOff x="4283964" y="3147930"/>
+            <a:chExt cx="320451" cy="319476"/>
+          </a:xfrm>
+        </p:grpSpPr>
+        <p:sp>
+          <p:nvSpPr>
+            <p:cNvPr id="17" name="Circle"/>
+            <p:cNvSpPr/>
+            <p:nvPr>
+              <p:custDataLst>
+                <p:custData r:id="rId9"/>
+              </p:custDataLst>
+            </p:nvPr>
+          </p:nvSpPr>
+          <p:spPr>
+            <a:xfrm>
+              <a:off x="4283964" y="3147930"/>
+              <a:ext cx="320451" cy="319476"/>
+            </a:xfrm>
+            <a:prstGeom prst="ellipse">
+              <a:avLst/>
+            </a:prstGeom>
+            <a:solidFill>
+              <a:srgbClr val="FFFF00"/>
+            </a:solidFill>
+            <a:ln w="38100" cap="flat" cmpd="sng" algn="ctr">
+              <a:solidFill>
+                <a:srgbClr val="FFFFFF">
+                  <a:lumMod val="50000"/>
+                </a:srgbClr>
+              </a:solidFill>
+              <a:prstDash val="solid"/>
+            </a:ln>
+            <a:effectLst/>
+          </p:spPr>
+          <p:txBody>
+            <a:bodyPr rot="0" spcFirstLastPara="0" vertOverflow="overflow" horzOverflow="overflow" vert="horz" wrap="square" lIns="45720" tIns="45720" rIns="91440" bIns="45720" numCol="1" spcCol="0" rtlCol="0" fromWordArt="0" anchor="ctr" anchorCtr="0" forceAA="0" compatLnSpc="1">
+              <a:prstTxWarp prst="textNoShape">
+                <a:avLst/>
+              </a:prstTxWarp>
+              <a:noAutofit/>
+            </a:bodyPr>
+            <a:lstStyle/>
+            <a:p>
+              <a:pPr marL="0" marR="0" indent="0" algn="ctr" defTabSz="914400" eaLnBrk="1" fontAlgn="auto" latinLnBrk="0" hangingPunct="1">
+                <a:lnSpc>
+                  <a:spcPct val="100000"/>
+                </a:lnSpc>
+                <a:spcBef>
+                  <a:spcPts val="0"/>
+                </a:spcBef>
+                <a:spcAft>
+                  <a:spcPts val="0"/>
+                </a:spcAft>
+                <a:buClrTx/>
+                <a:buSzTx/>
+                <a:buFontTx/>
+                <a:buNone/>
+                <a:tabLst/>
+              </a:pPr>
+              <a:endParaRPr kumimoji="0" lang="en-US" sz="800" b="0" i="0" u="none" strike="noStrike" kern="0" cap="none" spc="0" normalizeH="0" baseline="0" noProof="0" dirty="0" smtClean="0">
+                <a:ln>
+                  <a:noFill/>
+                </a:ln>
+                <a:solidFill>
+                  <a:srgbClr val="000000">
+                    <a:lumMod val="75000"/>
+                    <a:lumOff val="25000"/>
+                  </a:srgbClr>
+                </a:solidFill>
+                <a:effectLst/>
+                <a:uLnTx/>
+                <a:uFillTx/>
+                <a:latin typeface="Segoe UI"/>
+                <a:ea typeface="+mn-ea"/>
+                <a:cs typeface="+mn-cs"/>
+              </a:endParaRPr>
+            </a:p>
+          </p:txBody>
+        </p:sp>
+        <p:sp>
+          <p:nvSpPr>
+            <p:cNvPr id="18" name="Content"/>
+            <p:cNvSpPr txBox="1"/>
+            <p:nvPr/>
+          </p:nvSpPr>
+          <p:spPr>
+            <a:xfrm flipH="1">
+              <a:off x="4309771" y="3157455"/>
+              <a:ext cx="268835" cy="276999"/>
+            </a:xfrm>
+            <a:prstGeom prst="rect">
+              <a:avLst/>
+            </a:prstGeom>
+            <a:noFill/>
+          </p:spPr>
+          <p:txBody>
+            <a:bodyPr wrap="square" rtlCol="0">
+              <a:spAutoFit/>
+            </a:bodyPr>
+            <a:lstStyle/>
+            <a:p>
+              <a:r>
+                <a:rPr lang="en-US" sz="1200" dirty="0" smtClean="0"/>
+                <a:t>2</a:t>
+              </a:r>
+              <a:endParaRPr lang="en-US" sz="1200" dirty="0"/>
+            </a:p>
+          </p:txBody>
+        </p:sp>
+      </p:grpSp>
+      <p:grpSp>
+        <p:nvGrpSpPr>
+          <p:cNvPr id="19" name="Callout"/>
+          <p:cNvGrpSpPr/>
+          <p:nvPr>
+            <p:custDataLst>
+              <p:custData r:id="rId3"/>
+            </p:custDataLst>
+          </p:nvPr>
+        </p:nvGrpSpPr>
+        <p:grpSpPr>
+          <a:xfrm>
+            <a:off x="6531118" y="1229068"/>
+            <a:ext cx="320451" cy="319476"/>
+            <a:chOff x="4283964" y="3147930"/>
+            <a:chExt cx="320451" cy="319476"/>
+          </a:xfrm>
+        </p:grpSpPr>
+        <p:sp>
+          <p:nvSpPr>
+            <p:cNvPr id="22" name="Circle"/>
+            <p:cNvSpPr/>
+            <p:nvPr>
+              <p:custDataLst>
+                <p:custData r:id="rId8"/>
+              </p:custDataLst>
+            </p:nvPr>
+          </p:nvSpPr>
+          <p:spPr>
+            <a:xfrm>
+              <a:off x="4283964" y="3147930"/>
+              <a:ext cx="320451" cy="319476"/>
+            </a:xfrm>
+            <a:prstGeom prst="ellipse">
+              <a:avLst/>
+            </a:prstGeom>
+            <a:solidFill>
+              <a:srgbClr val="FFFF00"/>
+            </a:solidFill>
+            <a:ln w="38100" cap="flat" cmpd="sng" algn="ctr">
+              <a:solidFill>
+                <a:srgbClr val="FFFFFF">
+                  <a:lumMod val="50000"/>
+                </a:srgbClr>
+              </a:solidFill>
+              <a:prstDash val="solid"/>
+            </a:ln>
+            <a:effectLst/>
+          </p:spPr>
+          <p:txBody>
+            <a:bodyPr rot="0" spcFirstLastPara="0" vertOverflow="overflow" horzOverflow="overflow" vert="horz" wrap="square" lIns="45720" tIns="45720" rIns="91440" bIns="45720" numCol="1" spcCol="0" rtlCol="0" fromWordArt="0" anchor="ctr" anchorCtr="0" forceAA="0" compatLnSpc="1">
+              <a:prstTxWarp prst="textNoShape">
+                <a:avLst/>
+              </a:prstTxWarp>
+              <a:noAutofit/>
+            </a:bodyPr>
+            <a:lstStyle/>
+            <a:p>
+              <a:pPr marL="0" marR="0" indent="0" algn="ctr" defTabSz="914400" eaLnBrk="1" fontAlgn="auto" latinLnBrk="0" hangingPunct="1">
+                <a:lnSpc>
+                  <a:spcPct val="100000"/>
+                </a:lnSpc>
+                <a:spcBef>
+                  <a:spcPts val="0"/>
+                </a:spcBef>
+                <a:spcAft>
+                  <a:spcPts val="0"/>
+                </a:spcAft>
+                <a:buClrTx/>
+                <a:buSzTx/>
+                <a:buFontTx/>
+                <a:buNone/>
+                <a:tabLst/>
+              </a:pPr>
+              <a:endParaRPr kumimoji="0" lang="en-US" sz="800" b="0" i="0" u="none" strike="noStrike" kern="0" cap="none" spc="0" normalizeH="0" baseline="0" noProof="0" dirty="0" smtClean="0">
+                <a:ln>
+                  <a:noFill/>
+                </a:ln>
+                <a:solidFill>
+                  <a:srgbClr val="000000">
+                    <a:lumMod val="75000"/>
+                    <a:lumOff val="25000"/>
+                  </a:srgbClr>
+                </a:solidFill>
+                <a:effectLst/>
+                <a:uLnTx/>
+                <a:uFillTx/>
+                <a:latin typeface="Segoe UI"/>
+                <a:ea typeface="+mn-ea"/>
+                <a:cs typeface="+mn-cs"/>
+              </a:endParaRPr>
+            </a:p>
+          </p:txBody>
+        </p:sp>
+        <p:sp>
+          <p:nvSpPr>
+            <p:cNvPr id="23" name="Content"/>
+            <p:cNvSpPr txBox="1"/>
+            <p:nvPr/>
+          </p:nvSpPr>
+          <p:spPr>
+            <a:xfrm flipH="1">
+              <a:off x="4309771" y="3157455"/>
+              <a:ext cx="268835" cy="276999"/>
+            </a:xfrm>
+            <a:prstGeom prst="rect">
+              <a:avLst/>
+            </a:prstGeom>
+            <a:noFill/>
+          </p:spPr>
+          <p:txBody>
+            <a:bodyPr wrap="square" rtlCol="0">
+              <a:spAutoFit/>
+            </a:bodyPr>
+            <a:lstStyle/>
+            <a:p>
+              <a:r>
+                <a:rPr lang="en-US" sz="1200" dirty="0" smtClean="0"/>
+                <a:t>3</a:t>
+              </a:r>
+              <a:endParaRPr lang="en-US" sz="1200" dirty="0"/>
+            </a:p>
+          </p:txBody>
+        </p:sp>
+      </p:grpSp>
+      <p:grpSp>
+        <p:nvGrpSpPr>
+          <p:cNvPr id="24" name="Callout"/>
+          <p:cNvGrpSpPr/>
+          <p:nvPr>
+            <p:custDataLst>
+              <p:custData r:id="rId4"/>
+            </p:custDataLst>
+          </p:nvPr>
+        </p:nvGrpSpPr>
+        <p:grpSpPr>
+          <a:xfrm>
+            <a:off x="3329117" y="1797977"/>
+            <a:ext cx="320451" cy="319476"/>
+            <a:chOff x="4283964" y="3147930"/>
+            <a:chExt cx="320451" cy="319476"/>
+          </a:xfrm>
+        </p:grpSpPr>
+        <p:sp>
+          <p:nvSpPr>
+            <p:cNvPr id="25" name="Circle"/>
+            <p:cNvSpPr/>
+            <p:nvPr>
+              <p:custDataLst>
+                <p:custData r:id="rId7"/>
+              </p:custDataLst>
+            </p:nvPr>
+          </p:nvSpPr>
+          <p:spPr>
+            <a:xfrm>
+              <a:off x="4283964" y="3147930"/>
+              <a:ext cx="320451" cy="319476"/>
+            </a:xfrm>
+            <a:prstGeom prst="ellipse">
+              <a:avLst/>
+            </a:prstGeom>
+            <a:solidFill>
+              <a:srgbClr val="FFFF00"/>
+            </a:solidFill>
+            <a:ln w="38100" cap="flat" cmpd="sng" algn="ctr">
+              <a:solidFill>
+                <a:srgbClr val="FFFFFF">
+                  <a:lumMod val="50000"/>
+                </a:srgbClr>
+              </a:solidFill>
+              <a:prstDash val="solid"/>
+            </a:ln>
+            <a:effectLst/>
+          </p:spPr>
+          <p:txBody>
+            <a:bodyPr rot="0" spcFirstLastPara="0" vertOverflow="overflow" horzOverflow="overflow" vert="horz" wrap="square" lIns="45720" tIns="45720" rIns="91440" bIns="45720" numCol="1" spcCol="0" rtlCol="0" fromWordArt="0" anchor="ctr" anchorCtr="0" forceAA="0" compatLnSpc="1">
+              <a:prstTxWarp prst="textNoShape">
+                <a:avLst/>
+              </a:prstTxWarp>
+              <a:noAutofit/>
+            </a:bodyPr>
+            <a:lstStyle/>
+            <a:p>
+              <a:pPr marL="0" marR="0" indent="0" algn="ctr" defTabSz="914400" eaLnBrk="1" fontAlgn="auto" latinLnBrk="0" hangingPunct="1">
+                <a:lnSpc>
+                  <a:spcPct val="100000"/>
+                </a:lnSpc>
+                <a:spcBef>
+                  <a:spcPts val="0"/>
+                </a:spcBef>
+                <a:spcAft>
+                  <a:spcPts val="0"/>
+                </a:spcAft>
+                <a:buClrTx/>
+                <a:buSzTx/>
+                <a:buFontTx/>
+                <a:buNone/>
+                <a:tabLst/>
+              </a:pPr>
+              <a:endParaRPr kumimoji="0" lang="en-US" sz="800" b="0" i="0" u="none" strike="noStrike" kern="0" cap="none" spc="0" normalizeH="0" baseline="0" noProof="0" dirty="0" smtClean="0">
+                <a:ln>
+                  <a:noFill/>
+                </a:ln>
+                <a:solidFill>
+                  <a:srgbClr val="000000">
+                    <a:lumMod val="75000"/>
+                    <a:lumOff val="25000"/>
+                  </a:srgbClr>
+                </a:solidFill>
+                <a:effectLst/>
+                <a:uLnTx/>
+                <a:uFillTx/>
+                <a:latin typeface="Segoe UI"/>
+                <a:ea typeface="+mn-ea"/>
+                <a:cs typeface="+mn-cs"/>
+              </a:endParaRPr>
+            </a:p>
+          </p:txBody>
+        </p:sp>
+        <p:sp>
+          <p:nvSpPr>
+            <p:cNvPr id="26" name="Content"/>
             <p:cNvSpPr txBox="1"/>
             <p:nvPr/>
           </p:nvSpPr>
@@ -5854,10 +7146,135 @@
           </p:txBody>
         </p:sp>
       </p:grpSp>
+      <p:grpSp>
+        <p:nvGrpSpPr>
+          <p:cNvPr id="27" name="Callout"/>
+          <p:cNvGrpSpPr/>
+          <p:nvPr>
+            <p:custDataLst>
+              <p:custData r:id="rId5"/>
+            </p:custDataLst>
+          </p:nvPr>
+        </p:nvGrpSpPr>
+        <p:grpSpPr>
+          <a:xfrm>
+            <a:off x="662361" y="5566085"/>
+            <a:ext cx="320451" cy="319476"/>
+            <a:chOff x="4283964" y="3147930"/>
+            <a:chExt cx="320451" cy="319476"/>
+          </a:xfrm>
+        </p:grpSpPr>
+        <p:sp>
+          <p:nvSpPr>
+            <p:cNvPr id="29" name="Circle"/>
+            <p:cNvSpPr/>
+            <p:nvPr>
+              <p:custDataLst>
+                <p:custData r:id="rId6"/>
+              </p:custDataLst>
+            </p:nvPr>
+          </p:nvSpPr>
+          <p:spPr>
+            <a:xfrm>
+              <a:off x="4283964" y="3147930"/>
+              <a:ext cx="320451" cy="319476"/>
+            </a:xfrm>
+            <a:prstGeom prst="ellipse">
+              <a:avLst/>
+            </a:prstGeom>
+            <a:solidFill>
+              <a:srgbClr val="FFFF00"/>
+            </a:solidFill>
+            <a:ln w="38100" cap="flat" cmpd="sng" algn="ctr">
+              <a:solidFill>
+                <a:srgbClr val="FFFFFF">
+                  <a:lumMod val="50000"/>
+                </a:srgbClr>
+              </a:solidFill>
+              <a:prstDash val="solid"/>
+            </a:ln>
+            <a:effectLst/>
+          </p:spPr>
+          <p:txBody>
+            <a:bodyPr rot="0" spcFirstLastPara="0" vertOverflow="overflow" horzOverflow="overflow" vert="horz" wrap="square" lIns="45720" tIns="45720" rIns="91440" bIns="45720" numCol="1" spcCol="0" rtlCol="0" fromWordArt="0" anchor="ctr" anchorCtr="0" forceAA="0" compatLnSpc="1">
+              <a:prstTxWarp prst="textNoShape">
+                <a:avLst/>
+              </a:prstTxWarp>
+              <a:noAutofit/>
+            </a:bodyPr>
+            <a:lstStyle/>
+            <a:p>
+              <a:pPr marL="0" marR="0" indent="0" algn="ctr" defTabSz="914400" eaLnBrk="1" fontAlgn="auto" latinLnBrk="0" hangingPunct="1">
+                <a:lnSpc>
+                  <a:spcPct val="100000"/>
+                </a:lnSpc>
+                <a:spcBef>
+                  <a:spcPts val="0"/>
+                </a:spcBef>
+                <a:spcAft>
+                  <a:spcPts val="0"/>
+                </a:spcAft>
+                <a:buClrTx/>
+                <a:buSzTx/>
+                <a:buFontTx/>
+                <a:buNone/>
+                <a:tabLst/>
+              </a:pPr>
+              <a:endParaRPr kumimoji="0" lang="en-US" sz="800" b="0" i="0" u="none" strike="noStrike" kern="0" cap="none" spc="0" normalizeH="0" baseline="0" noProof="0" dirty="0" smtClean="0">
+                <a:ln>
+                  <a:noFill/>
+                </a:ln>
+                <a:solidFill>
+                  <a:srgbClr val="000000">
+                    <a:lumMod val="75000"/>
+                    <a:lumOff val="25000"/>
+                  </a:srgbClr>
+                </a:solidFill>
+                <a:effectLst/>
+                <a:uLnTx/>
+                <a:uFillTx/>
+                <a:latin typeface="Segoe UI"/>
+                <a:ea typeface="+mn-ea"/>
+                <a:cs typeface="+mn-cs"/>
+              </a:endParaRPr>
+            </a:p>
+          </p:txBody>
+        </p:sp>
+        <p:sp>
+          <p:nvSpPr>
+            <p:cNvPr id="30" name="Content"/>
+            <p:cNvSpPr txBox="1"/>
+            <p:nvPr/>
+          </p:nvSpPr>
+          <p:spPr>
+            <a:xfrm flipH="1">
+              <a:off x="4309771" y="3157455"/>
+              <a:ext cx="268835" cy="276999"/>
+            </a:xfrm>
+            <a:prstGeom prst="rect">
+              <a:avLst/>
+            </a:prstGeom>
+            <a:noFill/>
+          </p:spPr>
+          <p:txBody>
+            <a:bodyPr wrap="square" rtlCol="0">
+              <a:spAutoFit/>
+            </a:bodyPr>
+            <a:lstStyle/>
+            <a:p>
+              <a:r>
+                <a:rPr lang="en-US" sz="1200" dirty="0" smtClean="0"/>
+                <a:t>5</a:t>
+              </a:r>
+              <a:endParaRPr lang="en-US" sz="1200" dirty="0"/>
+            </a:p>
+          </p:txBody>
+        </p:sp>
+      </p:grpSp>
     </p:spTree>
     <p:extLst>
       <p:ext uri="{BB962C8B-B14F-4D97-AF65-F5344CB8AC3E}">
-        <p14:creationId xmlns:p14="http://schemas.microsoft.com/office/powerpoint/2010/main" val="492694439"/>
+        <p14:creationId xmlns:p14="http://schemas.microsoft.com/office/powerpoint/2010/main" xmlns="" val="492694439"/>
       </p:ext>
     </p:extLst>
   </p:cSld>
@@ -5903,7 +7320,7 @@
           <a:blip r:embed="rId10">
             <a:extLst>
               <a:ext uri="{28A0092B-C50C-407E-A947-70E740481C1C}">
-                <a14:useLocalDpi xmlns:a14="http://schemas.microsoft.com/office/drawing/2010/main" val="0"/>
+                <a14:useLocalDpi xmlns:a14="http://schemas.microsoft.com/office/drawing/2010/main" xmlns="" val="0"/>
               </a:ext>
             </a:extLst>
           </a:blip>
@@ -6814,7 +8231,7 @@
     </p:spTree>
     <p:extLst>
       <p:ext uri="{BB962C8B-B14F-4D97-AF65-F5344CB8AC3E}">
-        <p14:creationId xmlns:p14="http://schemas.microsoft.com/office/powerpoint/2010/main" val="2011225551"/>
+        <p14:creationId xmlns:p14="http://schemas.microsoft.com/office/powerpoint/2010/main" xmlns="" val="2011225551"/>
       </p:ext>
     </p:extLst>
   </p:cSld>
@@ -6860,7 +8277,7 @@
           <a:blip r:embed="rId10">
             <a:extLst>
               <a:ext uri="{28A0092B-C50C-407E-A947-70E740481C1C}">
-                <a14:useLocalDpi xmlns:a14="http://schemas.microsoft.com/office/drawing/2010/main" val="0"/>
+                <a14:useLocalDpi xmlns:a14="http://schemas.microsoft.com/office/drawing/2010/main" xmlns="" val="0"/>
               </a:ext>
             </a:extLst>
           </a:blip>
@@ -7788,7 +9205,7 @@
     </p:spTree>
     <p:extLst>
       <p:ext uri="{BB962C8B-B14F-4D97-AF65-F5344CB8AC3E}">
-        <p14:creationId xmlns:p14="http://schemas.microsoft.com/office/powerpoint/2010/main" val="1190408124"/>
+        <p14:creationId xmlns:p14="http://schemas.microsoft.com/office/powerpoint/2010/main" xmlns="" val="1190408124"/>
       </p:ext>
     </p:extLst>
   </p:cSld>
@@ -7834,7 +9251,7 @@
           <a:blip r:embed="rId10">
             <a:extLst>
               <a:ext uri="{28A0092B-C50C-407E-A947-70E740481C1C}">
-                <a14:useLocalDpi xmlns:a14="http://schemas.microsoft.com/office/drawing/2010/main" val="0"/>
+                <a14:useLocalDpi xmlns:a14="http://schemas.microsoft.com/office/drawing/2010/main" xmlns="" val="0"/>
               </a:ext>
             </a:extLst>
           </a:blip>
@@ -8725,7 +10142,7 @@
           <a:blip r:embed="rId11" cstate="print">
             <a:extLst>
               <a:ext uri="{28A0092B-C50C-407E-A947-70E740481C1C}">
-                <a14:useLocalDpi xmlns:a14="http://schemas.microsoft.com/office/drawing/2010/main" val="0"/>
+                <a14:useLocalDpi xmlns:a14="http://schemas.microsoft.com/office/drawing/2010/main" xmlns="" val="0"/>
               </a:ext>
             </a:extLst>
           </a:blip>
@@ -8755,7 +10172,7 @@
           <a:blip r:embed="rId12" cstate="print">
             <a:extLst>
               <a:ext uri="{28A0092B-C50C-407E-A947-70E740481C1C}">
-                <a14:useLocalDpi xmlns:a14="http://schemas.microsoft.com/office/drawing/2010/main" val="0"/>
+                <a14:useLocalDpi xmlns:a14="http://schemas.microsoft.com/office/drawing/2010/main" xmlns="" val="0"/>
               </a:ext>
             </a:extLst>
           </a:blip>
@@ -8785,7 +10202,7 @@
           <a:blip r:embed="rId13" cstate="print">
             <a:extLst>
               <a:ext uri="{28A0092B-C50C-407E-A947-70E740481C1C}">
-                <a14:useLocalDpi xmlns:a14="http://schemas.microsoft.com/office/drawing/2010/main" val="0"/>
+                <a14:useLocalDpi xmlns:a14="http://schemas.microsoft.com/office/drawing/2010/main" xmlns="" val="0"/>
               </a:ext>
             </a:extLst>
           </a:blip>
@@ -8815,7 +10232,7 @@
           <a:blip r:embed="rId14" cstate="print">
             <a:extLst>
               <a:ext uri="{28A0092B-C50C-407E-A947-70E740481C1C}">
-                <a14:useLocalDpi xmlns:a14="http://schemas.microsoft.com/office/drawing/2010/main" val="0"/>
+                <a14:useLocalDpi xmlns:a14="http://schemas.microsoft.com/office/drawing/2010/main" xmlns="" val="0"/>
               </a:ext>
             </a:extLst>
           </a:blip>
@@ -8845,7 +10262,7 @@
           <a:blip r:embed="rId15" cstate="print">
             <a:extLst>
               <a:ext uri="{28A0092B-C50C-407E-A947-70E740481C1C}">
-                <a14:useLocalDpi xmlns:a14="http://schemas.microsoft.com/office/drawing/2010/main" val="0"/>
+                <a14:useLocalDpi xmlns:a14="http://schemas.microsoft.com/office/drawing/2010/main" xmlns="" val="0"/>
               </a:ext>
             </a:extLst>
           </a:blip>
@@ -8875,7 +10292,7 @@
           <a:blip r:embed="rId16" cstate="print">
             <a:extLst>
               <a:ext uri="{28A0092B-C50C-407E-A947-70E740481C1C}">
-                <a14:useLocalDpi xmlns:a14="http://schemas.microsoft.com/office/drawing/2010/main" val="0"/>
+                <a14:useLocalDpi xmlns:a14="http://schemas.microsoft.com/office/drawing/2010/main" xmlns="" val="0"/>
               </a:ext>
             </a:extLst>
           </a:blip>
@@ -8905,7 +10322,7 @@
           <a:blip r:embed="rId17" cstate="print">
             <a:extLst>
               <a:ext uri="{28A0092B-C50C-407E-A947-70E740481C1C}">
-                <a14:useLocalDpi xmlns:a14="http://schemas.microsoft.com/office/drawing/2010/main" val="0"/>
+                <a14:useLocalDpi xmlns:a14="http://schemas.microsoft.com/office/drawing/2010/main" xmlns="" val="0"/>
               </a:ext>
             </a:extLst>
           </a:blip>
@@ -8935,7 +10352,7 @@
           <a:blip r:embed="rId18" cstate="print">
             <a:extLst>
               <a:ext uri="{28A0092B-C50C-407E-A947-70E740481C1C}">
-                <a14:useLocalDpi xmlns:a14="http://schemas.microsoft.com/office/drawing/2010/main" val="0"/>
+                <a14:useLocalDpi xmlns:a14="http://schemas.microsoft.com/office/drawing/2010/main" xmlns="" val="0"/>
               </a:ext>
             </a:extLst>
           </a:blip>
@@ -8965,7 +10382,7 @@
           <a:blip r:embed="rId19" cstate="print">
             <a:extLst>
               <a:ext uri="{28A0092B-C50C-407E-A947-70E740481C1C}">
-                <a14:useLocalDpi xmlns:a14="http://schemas.microsoft.com/office/drawing/2010/main" val="0"/>
+                <a14:useLocalDpi xmlns:a14="http://schemas.microsoft.com/office/drawing/2010/main" xmlns="" val="0"/>
               </a:ext>
             </a:extLst>
           </a:blip>
@@ -8995,7 +10412,7 @@
           <a:blip r:embed="rId20" cstate="print">
             <a:extLst>
               <a:ext uri="{28A0092B-C50C-407E-A947-70E740481C1C}">
-                <a14:useLocalDpi xmlns:a14="http://schemas.microsoft.com/office/drawing/2010/main" val="0"/>
+                <a14:useLocalDpi xmlns:a14="http://schemas.microsoft.com/office/drawing/2010/main" xmlns="" val="0"/>
               </a:ext>
             </a:extLst>
           </a:blip>
@@ -9025,7 +10442,7 @@
           <a:blip r:embed="rId21" cstate="print">
             <a:extLst>
               <a:ext uri="{28A0092B-C50C-407E-A947-70E740481C1C}">
-                <a14:useLocalDpi xmlns:a14="http://schemas.microsoft.com/office/drawing/2010/main" val="0"/>
+                <a14:useLocalDpi xmlns:a14="http://schemas.microsoft.com/office/drawing/2010/main" xmlns="" val="0"/>
               </a:ext>
             </a:extLst>
           </a:blip>
@@ -9055,7 +10472,7 @@
           <a:blip r:embed="rId22" cstate="print">
             <a:extLst>
               <a:ext uri="{28A0092B-C50C-407E-A947-70E740481C1C}">
-                <a14:useLocalDpi xmlns:a14="http://schemas.microsoft.com/office/drawing/2010/main" val="0"/>
+                <a14:useLocalDpi xmlns:a14="http://schemas.microsoft.com/office/drawing/2010/main" xmlns="" val="0"/>
               </a:ext>
             </a:extLst>
           </a:blip>
@@ -9085,7 +10502,7 @@
           <a:blip r:embed="rId23" cstate="print">
             <a:extLst>
               <a:ext uri="{28A0092B-C50C-407E-A947-70E740481C1C}">
-                <a14:useLocalDpi xmlns:a14="http://schemas.microsoft.com/office/drawing/2010/main" val="0"/>
+                <a14:useLocalDpi xmlns:a14="http://schemas.microsoft.com/office/drawing/2010/main" xmlns="" val="0"/>
               </a:ext>
             </a:extLst>
           </a:blip>
@@ -9115,7 +10532,7 @@
           <a:blip r:embed="rId24" cstate="print">
             <a:extLst>
               <a:ext uri="{28A0092B-C50C-407E-A947-70E740481C1C}">
-                <a14:useLocalDpi xmlns:a14="http://schemas.microsoft.com/office/drawing/2010/main" val="0"/>
+                <a14:useLocalDpi xmlns:a14="http://schemas.microsoft.com/office/drawing/2010/main" xmlns="" val="0"/>
               </a:ext>
             </a:extLst>
           </a:blip>
@@ -9145,7 +10562,7 @@
           <a:blip r:embed="rId25" cstate="print">
             <a:extLst>
               <a:ext uri="{28A0092B-C50C-407E-A947-70E740481C1C}">
-                <a14:useLocalDpi xmlns:a14="http://schemas.microsoft.com/office/drawing/2010/main" val="0"/>
+                <a14:useLocalDpi xmlns:a14="http://schemas.microsoft.com/office/drawing/2010/main" xmlns="" val="0"/>
               </a:ext>
             </a:extLst>
           </a:blip>
@@ -9175,7 +10592,7 @@
           <a:blip r:embed="rId26" cstate="print">
             <a:extLst>
               <a:ext uri="{28A0092B-C50C-407E-A947-70E740481C1C}">
-                <a14:useLocalDpi xmlns:a14="http://schemas.microsoft.com/office/drawing/2010/main" val="0"/>
+                <a14:useLocalDpi xmlns:a14="http://schemas.microsoft.com/office/drawing/2010/main" xmlns="" val="0"/>
               </a:ext>
             </a:extLst>
           </a:blip>
@@ -9196,7 +10613,7 @@
     </p:spTree>
     <p:extLst>
       <p:ext uri="{BB962C8B-B14F-4D97-AF65-F5344CB8AC3E}">
-        <p14:creationId xmlns:p14="http://schemas.microsoft.com/office/powerpoint/2010/main" val="4243883722"/>
+        <p14:creationId xmlns:p14="http://schemas.microsoft.com/office/powerpoint/2010/main" xmlns="" val="4243883722"/>
       </p:ext>
     </p:extLst>
   </p:cSld>
@@ -9242,7 +10659,7 @@
           <a:blip r:embed="rId4">
             <a:extLst>
               <a:ext uri="{28A0092B-C50C-407E-A947-70E740481C1C}">
-                <a14:useLocalDpi xmlns:a14="http://schemas.microsoft.com/office/drawing/2010/main" val="0"/>
+                <a14:useLocalDpi xmlns:a14="http://schemas.microsoft.com/office/drawing/2010/main" xmlns="" val="0"/>
               </a:ext>
             </a:extLst>
           </a:blip>
@@ -9655,7 +11072,7 @@
     </p:spTree>
     <p:extLst>
       <p:ext uri="{BB962C8B-B14F-4D97-AF65-F5344CB8AC3E}">
-        <p14:creationId xmlns:p14="http://schemas.microsoft.com/office/powerpoint/2010/main" val="2654336337"/>
+        <p14:creationId xmlns:p14="http://schemas.microsoft.com/office/powerpoint/2010/main" xmlns="" val="2654336337"/>
       </p:ext>
     </p:extLst>
   </p:cSld>
@@ -9701,7 +11118,7 @@
           <a:blip r:embed="rId10">
             <a:extLst>
               <a:ext uri="{28A0092B-C50C-407E-A947-70E740481C1C}">
-                <a14:useLocalDpi xmlns:a14="http://schemas.microsoft.com/office/drawing/2010/main" val="0"/>
+                <a14:useLocalDpi xmlns:a14="http://schemas.microsoft.com/office/drawing/2010/main" xmlns="" val="0"/>
               </a:ext>
             </a:extLst>
           </a:blip>
@@ -10520,7 +11937,7 @@
     </p:spTree>
     <p:extLst>
       <p:ext uri="{BB962C8B-B14F-4D97-AF65-F5344CB8AC3E}">
-        <p14:creationId xmlns:p14="http://schemas.microsoft.com/office/powerpoint/2010/main" val="3855243553"/>
+        <p14:creationId xmlns:p14="http://schemas.microsoft.com/office/powerpoint/2010/main" xmlns="" val="3855243553"/>
       </p:ext>
     </p:extLst>
   </p:cSld>
@@ -10566,7 +11983,7 @@
           <a:blip r:embed="rId12">
             <a:extLst>
               <a:ext uri="{28A0092B-C50C-407E-A947-70E740481C1C}">
-                <a14:useLocalDpi xmlns:a14="http://schemas.microsoft.com/office/drawing/2010/main" val="0"/>
+                <a14:useLocalDpi xmlns:a14="http://schemas.microsoft.com/office/drawing/2010/main" xmlns="" val="0"/>
               </a:ext>
             </a:extLst>
           </a:blip>
@@ -11674,7 +13091,7 @@
     </p:spTree>
     <p:extLst>
       <p:ext uri="{BB962C8B-B14F-4D97-AF65-F5344CB8AC3E}">
-        <p14:creationId xmlns:p14="http://schemas.microsoft.com/office/powerpoint/2010/main" val="114933176"/>
+        <p14:creationId xmlns:p14="http://schemas.microsoft.com/office/powerpoint/2010/main" xmlns="" val="114933176"/>
       </p:ext>
     </p:extLst>
   </p:cSld>
@@ -11720,7 +13137,7 @@
           <a:blip r:embed="rId12">
             <a:extLst>
               <a:ext uri="{28A0092B-C50C-407E-A947-70E740481C1C}">
-                <a14:useLocalDpi xmlns:a14="http://schemas.microsoft.com/office/drawing/2010/main" val="0"/>
+                <a14:useLocalDpi xmlns:a14="http://schemas.microsoft.com/office/drawing/2010/main" xmlns="" val="0"/>
               </a:ext>
             </a:extLst>
           </a:blip>
@@ -12782,7 +14199,7 @@
     </p:spTree>
     <p:extLst>
       <p:ext uri="{BB962C8B-B14F-4D97-AF65-F5344CB8AC3E}">
-        <p14:creationId xmlns:p14="http://schemas.microsoft.com/office/powerpoint/2010/main" val="3899408202"/>
+        <p14:creationId xmlns:p14="http://schemas.microsoft.com/office/powerpoint/2010/main" xmlns="" val="3899408202"/>
       </p:ext>
     </p:extLst>
   </p:cSld>
@@ -12828,7 +14245,7 @@
           <a:blip r:embed="rId12">
             <a:extLst>
               <a:ext uri="{28A0092B-C50C-407E-A947-70E740481C1C}">
-                <a14:useLocalDpi xmlns:a14="http://schemas.microsoft.com/office/drawing/2010/main" val="0"/>
+                <a14:useLocalDpi xmlns:a14="http://schemas.microsoft.com/office/drawing/2010/main" xmlns="" val="0"/>
               </a:ext>
             </a:extLst>
           </a:blip>
@@ -13942,7 +15359,7 @@
     </p:spTree>
     <p:extLst>
       <p:ext uri="{BB962C8B-B14F-4D97-AF65-F5344CB8AC3E}">
-        <p14:creationId xmlns:p14="http://schemas.microsoft.com/office/powerpoint/2010/main" val="2346978374"/>
+        <p14:creationId xmlns:p14="http://schemas.microsoft.com/office/powerpoint/2010/main" xmlns="" val="2346978374"/>
       </p:ext>
     </p:extLst>
   </p:cSld>
@@ -14002,7 +15419,7 @@
     </a:clrScheme>
     <a:fontScheme name="Office">
       <a:majorFont>
-        <a:latin typeface="맑은 고딕" panose="020F0302020204030204"/>
+        <a:latin typeface="맑은 고딕"/>
         <a:ea typeface=""/>
         <a:cs typeface=""/>
         <a:font script="Jpan" typeface="游ゴシック Light"/>
@@ -14037,7 +15454,7 @@
         <a:font script="Geor" typeface="Sylfaen"/>
       </a:majorFont>
       <a:minorFont>
-        <a:latin typeface="맑은 고딕" panose="020F0502020204030204"/>
+        <a:latin typeface="맑은 고딕"/>
         <a:ea typeface=""/>
         <a:cs typeface=""/>
         <a:font script="Jpan" typeface="游ゴシック"/>
@@ -14214,7 +15631,7 @@
   <a:extraClrSchemeLst/>
   <a:extLst>
     <a:ext uri="{05A4C25C-085E-4340-85A3-A5531E510DB2}">
-      <thm15:themeFamily xmlns:thm15="http://schemas.microsoft.com/office/thememl/2012/main" name="스토리보드" id="{8099603D-1BE1-4B6A-908A-4AF7E08E24D0}" vid="{621F26AD-25D5-4C4F-8BBC-5A17BFE16C3F}"/>
+      <thm15:themeFamily xmlns:thm15="http://schemas.microsoft.com/office/thememl/2012/main" xmlns="" name="스토리보드" id="{8099603D-1BE1-4B6A-908A-4AF7E08E24D0}" vid="{621F26AD-25D5-4C4F-8BBC-5A17BFE16C3F}"/>
     </a:ext>
   </a:extLst>
 </a:theme>
@@ -14263,7 +15680,7 @@
     </a:clrScheme>
     <a:fontScheme name="Office">
       <a:majorFont>
-        <a:latin typeface="맑은 고딕" panose="020F0302020204030204"/>
+        <a:latin typeface="맑은 고딕"/>
         <a:ea typeface=""/>
         <a:cs typeface=""/>
         <a:font script="Jpan" typeface="游ゴシック Light"/>
@@ -14298,7 +15715,7 @@
         <a:font script="Geor" typeface="Sylfaen"/>
       </a:majorFont>
       <a:minorFont>
-        <a:latin typeface="맑은 고딕" panose="020F0502020204030204"/>
+        <a:latin typeface="맑은 고딕"/>
         <a:ea typeface=""/>
         <a:cs typeface=""/>
         <a:font script="Jpan" typeface="游ゴシック"/>
@@ -14475,7 +15892,7 @@
   <a:extraClrSchemeLst/>
   <a:extLst>
     <a:ext uri="{05A4C25C-085E-4340-85A3-A5531E510DB2}">
-      <thm15:themeFamily xmlns:thm15="http://schemas.microsoft.com/office/thememl/2012/main" name="Office Theme" id="{62F939B6-93AF-4DB8-9C6B-D6C7DFDC589F}" vid="{4A3C46E8-61CC-4603-A589-7422A47A8E4A}"/>
+      <thm15:themeFamily xmlns:thm15="http://schemas.microsoft.com/office/thememl/2012/main" xmlns="" name="Office Theme" id="{62F939B6-93AF-4DB8-9C6B-D6C7DFDC589F}" vid="{4A3C46E8-61CC-4603-A589-7422A47A8E4A}"/>
     </a:ext>
   </a:extLst>
 </a:theme>
@@ -14524,7 +15941,7 @@
     </a:clrScheme>
     <a:fontScheme name="Office">
       <a:majorFont>
-        <a:latin typeface="맑은 고딕" panose="020F0302020204030204"/>
+        <a:latin typeface="맑은 고딕"/>
         <a:ea typeface=""/>
         <a:cs typeface=""/>
         <a:font script="Jpan" typeface="游ゴシック Light"/>
@@ -14559,7 +15976,7 @@
         <a:font script="Geor" typeface="Sylfaen"/>
       </a:majorFont>
       <a:minorFont>
-        <a:latin typeface="맑은 고딕" panose="020F0502020204030204"/>
+        <a:latin typeface="맑은 고딕"/>
         <a:ea typeface=""/>
         <a:cs typeface=""/>
         <a:font script="Jpan" typeface="游ゴシック"/>
@@ -14736,7 +16153,7 @@
   <a:extraClrSchemeLst/>
   <a:extLst>
     <a:ext uri="{05A4C25C-085E-4340-85A3-A5531E510DB2}">
-      <thm15:themeFamily xmlns:thm15="http://schemas.microsoft.com/office/thememl/2012/main" name="Office Theme" id="{62F939B6-93AF-4DB8-9C6B-D6C7DFDC589F}" vid="{4A3C46E8-61CC-4603-A589-7422A47A8E4A}"/>
+      <thm15:themeFamily xmlns:thm15="http://schemas.microsoft.com/office/thememl/2012/main" xmlns="" name="Office Theme" id="{62F939B6-93AF-4DB8-9C6B-D6C7DFDC589F}" vid="{4A3C46E8-61CC-4603-A589-7422A47A8E4A}"/>
     </a:ext>
   </a:extLst>
 </a:theme>
@@ -14744,43 +16161,115 @@
 
 <file path=customXml/item1.xml><?xml version="1.0" encoding="utf-8"?>
 <Control xmlns="http://schemas.microsoft.com/VisualStudio/2011/storyboarding/control">
-  <Id Name="System.Storyboarding.Common.RadioButtonUnselected" Revision="1" Stencil="System.Storyboarding.Common" StencilVersion="0.1"/>
+  <Id Name="System.Storyboarding.Annotation.CallOut" Revision="1" Stencil="System.Storyboarding.Annotation" StencilVersion="0.1"/>
 </Control>
 </file>
 
 <file path=customXml/item10.xml><?xml version="1.0" encoding="utf-8"?>
 <Control xmlns="http://schemas.microsoft.com/VisualStudio/2011/storyboarding/control">
-  <Id Name="System.Storyboarding.Common.RadioButtonSelected" Revision="1" Stencil="System.Storyboarding.Common" StencilVersion="0.1"/>
+  <Id Name="fd7d7bed-114e-464c-a4f1-01a512005949" Revision="1" Stencil="System.MyShapes" StencilVersion="1.0"/>
 </Control>
 </file>
 
 <file path=customXml/item100.xml><?xml version="1.0" encoding="utf-8"?>
+<Control xmlns="http://schemas.microsoft.com/VisualStudio/2011/storyboarding/control">
+  <Id Name="fd7d7bed-114e-464c-a4f1-01a512005949" Revision="1" Stencil="System.MyShapes" StencilVersion="1.0"/>
+</Control>
+</file>
+
+<file path=customXml/item101.xml><?xml version="1.0" encoding="utf-8"?>
 <Control xmlns="http://schemas.microsoft.com/VisualStudio/2011/storyboarding/control">
   <Id Name="System.Storyboarding.Annotation.CallOut" Revision="1" Stencil="System.Storyboarding.Annotation" StencilVersion="0.1"/>
 </Control>
 </file>
 
-<file path=customXml/item101.xml><?xml version="1.0" encoding="utf-8"?>
+<file path=customXml/item102.xml><?xml version="1.0" encoding="utf-8"?>
+<Control xmlns="http://schemas.microsoft.com/VisualStudio/2011/storyboarding/control">
+  <Id Name="fd7d7bed-114e-464c-a4f1-01a512005949" Revision="1" Stencil="System.MyShapes" StencilVersion="1.0"/>
+</Control>
+</file>
+
+<file path=customXml/item103.xml><?xml version="1.0" encoding="utf-8"?>
+<Control xmlns="http://schemas.microsoft.com/VisualStudio/2011/storyboarding/control">
+  <Id Name="System.Storyboarding.Annotation.CallOut" Revision="1" Stencil="System.Storyboarding.Annotation" StencilVersion="0.1"/>
+</Control>
+</file>
+
+<file path=customXml/item104.xml><?xml version="1.0" encoding="utf-8"?>
+<Control xmlns="http://schemas.microsoft.com/VisualStudio/2011/storyboarding/control">
+  <Id Name="System.Storyboarding.Annotation.CallOut" Revision="1" Stencil="System.Storyboarding.Annotation" StencilVersion="0.1"/>
+</Control>
+</file>
+
+<file path=customXml/item105.xml><?xml version="1.0" encoding="utf-8"?>
+<Control xmlns="http://schemas.microsoft.com/VisualStudio/2011/storyboarding/control">
+  <Id Name="fd7d7bed-114e-464c-a4f1-01a512005949" Revision="1" Stencil="System.MyShapes" StencilVersion="1.0"/>
+</Control>
+</file>
+
+<file path=customXml/item106.xml><?xml version="1.0" encoding="utf-8"?>
 <Control xmlns="http://schemas.microsoft.com/VisualStudio/2011/storyboarding/control">
   <Id Name="System.Storyboarding.Common.Text" Revision="1" Stencil="System.Storyboarding.Common" StencilVersion="0.1"/>
 </Control>
 </file>
 
-<file path=customXml/item11.xml><?xml version="1.0" encoding="utf-8"?>
+<file path=customXml/item107.xml><?xml version="1.0" encoding="utf-8"?>
+<Control xmlns="http://schemas.microsoft.com/VisualStudio/2011/storyboarding/control">
+  <Id Name="fd7d7bed-114e-464c-a4f1-01a512005949" Revision="1" Stencil="System.MyShapes" StencilVersion="1.0"/>
+</Control>
+</file>
+
+<file path=customXml/item108.xml><?xml version="1.0" encoding="utf-8"?>
+<Control xmlns="http://schemas.microsoft.com/VisualStudio/2011/storyboarding/control">
+  <Id Name="fd7d7bed-114e-464c-a4f1-01a512005949" Revision="1" Stencil="System.MyShapes" StencilVersion="1.0"/>
+</Control>
+</file>
+
+<file path=customXml/item109.xml><?xml version="1.0" encoding="utf-8"?>
 <Control xmlns="http://schemas.microsoft.com/VisualStudio/2011/storyboarding/control">
   <Id Name="System.Storyboarding.Annotation.CallOut" Revision="1" Stencil="System.Storyboarding.Annotation" StencilVersion="0.1"/>
 </Control>
 </file>
 
-<file path=customXml/item12.xml><?xml version="1.0" encoding="utf-8"?>
+<file path=customXml/item11.xml><?xml version="1.0" encoding="utf-8"?>
+<Control xmlns="http://schemas.microsoft.com/VisualStudio/2011/storyboarding/control">
+  <Id Name="fd7d7bed-114e-464c-a4f1-01a512005949" Revision="1" Stencil="System.MyShapes" StencilVersion="1.0"/>
+</Control>
+</file>
+
+<file path=customXml/item110.xml><?xml version="1.0" encoding="utf-8"?>
 <Control xmlns="http://schemas.microsoft.com/VisualStudio/2011/storyboarding/control">
   <Id Name="System.Storyboarding.Annotation.CallOut" Revision="1" Stencil="System.Storyboarding.Annotation" StencilVersion="0.1"/>
 </Control>
 </file>
 
+<file path=customXml/item111.xml><?xml version="1.0" encoding="utf-8"?>
+<Control xmlns="http://schemas.microsoft.com/VisualStudio/2011/storyboarding/control">
+  <Id Name="System.Storyboarding.Annotation.CallOut" Revision="1" Stencil="System.Storyboarding.Annotation" StencilVersion="0.1"/>
+</Control>
+</file>
+
+<file path=customXml/item112.xml><?xml version="1.0" encoding="utf-8"?>
+<Control xmlns="http://schemas.microsoft.com/VisualStudio/2011/storyboarding/control">
+  <Id Name="System.Storyboarding.Annotation.CallOut" Revision="1" Stencil="System.Storyboarding.Annotation" StencilVersion="0.1"/>
+</Control>
+</file>
+
+<file path=customXml/item113.xml><?xml version="1.0" encoding="utf-8"?>
+<Control xmlns="http://schemas.microsoft.com/VisualStudio/2011/storyboarding/control">
+  <Id Name="System.Storyboarding.Annotation.CallOut" Revision="1" Stencil="System.Storyboarding.Annotation" StencilVersion="0.1"/>
+</Control>
+</file>
+
+<file path=customXml/item12.xml><?xml version="1.0" encoding="utf-8"?>
+<Control xmlns="http://schemas.microsoft.com/VisualStudio/2011/storyboarding/control">
+  <Id Name="System.Storyboarding.Common.Text" Revision="1" Stencil="System.Storyboarding.Common" StencilVersion="0.1"/>
+</Control>
+</file>
+
 <file path=customXml/item13.xml><?xml version="1.0" encoding="utf-8"?>
 <Control xmlns="http://schemas.microsoft.com/VisualStudio/2011/storyboarding/control">
-  <Id Name="System.Storyboarding.Annotation.CallOut" Revision="1" Stencil="System.Storyboarding.Annotation" StencilVersion="0.1"/>
+  <Id Name="fd7d7bed-114e-464c-a4f1-01a512005949" Revision="1" Stencil="System.MyShapes" StencilVersion="1.0"/>
 </Control>
 </file>
 
@@ -14798,7 +16287,7 @@
 
 <file path=customXml/item16.xml><?xml version="1.0" encoding="utf-8"?>
 <Control xmlns="http://schemas.microsoft.com/VisualStudio/2011/storyboarding/control">
-  <Id Name="System.Storyboarding.Annotation.CallOut" Revision="1" Stencil="System.Storyboarding.Annotation" StencilVersion="0.1"/>
+  <Id Name="fd7d7bed-114e-464c-a4f1-01a512005949" Revision="1" Stencil="System.MyShapes" StencilVersion="1.0"/>
 </Control>
 </file>
 
@@ -14816,31 +16305,31 @@
 
 <file path=customXml/item19.xml><?xml version="1.0" encoding="utf-8"?>
 <Control xmlns="http://schemas.microsoft.com/VisualStudio/2011/storyboarding/control">
-  <Id Name="System.Storyboarding.Annotation.CallOut" Revision="1" Stencil="System.Storyboarding.Annotation" StencilVersion="0.1"/>
+  <Id Name="fd7d7bed-114e-464c-a4f1-01a512005949" Revision="1" Stencil="System.MyShapes" StencilVersion="1.0"/>
 </Control>
 </file>
 
 <file path=customXml/item2.xml><?xml version="1.0" encoding="utf-8"?>
 <Control xmlns="http://schemas.microsoft.com/VisualStudio/2011/storyboarding/control">
-  <Id Name="System.Storyboarding.Annotation.CallOut" Revision="1" Stencil="System.Storyboarding.Annotation" StencilVersion="0.1"/>
+  <Id Name="fd7d7bed-114e-464c-a4f1-01a512005949" Revision="1" Stencil="System.MyShapes" StencilVersion="1.0"/>
 </Control>
 </file>
 
 <file path=customXml/item20.xml><?xml version="1.0" encoding="utf-8"?>
 <Control xmlns="http://schemas.microsoft.com/VisualStudio/2011/storyboarding/control">
-  <Id Name="System.Storyboarding.Common.TextInput" Revision="1" Stencil="System.Storyboarding.Common" StencilVersion="0.1"/>
+  <Id Name="fd7d7bed-114e-464c-a4f1-01a512005949" Revision="1" Stencil="System.MyShapes" StencilVersion="1.0"/>
 </Control>
 </file>
 
 <file path=customXml/item21.xml><?xml version="1.0" encoding="utf-8"?>
 <Control xmlns="http://schemas.microsoft.com/VisualStudio/2011/storyboarding/control">
-  <Id Name="System.Storyboarding.Annotation.CallOut" Revision="1" Stencil="System.Storyboarding.Annotation" StencilVersion="0.1"/>
+  <Id Name="fd7d7bed-114e-464c-a4f1-01a512005949" Revision="1" Stencil="System.MyShapes" StencilVersion="1.0"/>
 </Control>
 </file>
 
 <file path=customXml/item22.xml><?xml version="1.0" encoding="utf-8"?>
 <Control xmlns="http://schemas.microsoft.com/VisualStudio/2011/storyboarding/control">
-  <Id Name="System.Storyboarding.Annotation.CallOut" Revision="1" Stencil="System.Storyboarding.Annotation" StencilVersion="0.1"/>
+  <Id Name="System.Storyboarding.Common.Text" Revision="1" Stencil="System.Storyboarding.Common" StencilVersion="0.1"/>
 </Control>
 </file>
 
@@ -14858,13 +16347,13 @@
 
 <file path=customXml/item25.xml><?xml version="1.0" encoding="utf-8"?>
 <Control xmlns="http://schemas.microsoft.com/VisualStudio/2011/storyboarding/control">
-  <Id Name="fd7d7bed-114e-464c-a4f1-01a512005949" Revision="1" Stencil="System.MyShapes" StencilVersion="1.0"/>
+  <Id Name="System.Storyboarding.Annotation.CallOut" Revision="1" Stencil="System.Storyboarding.Annotation" StencilVersion="0.1"/>
 </Control>
 </file>
 
 <file path=customXml/item26.xml><?xml version="1.0" encoding="utf-8"?>
 <Control xmlns="http://schemas.microsoft.com/VisualStudio/2011/storyboarding/control">
-  <Id Name="System.Storyboarding.Common.TextInput" Revision="1" Stencil="System.Storyboarding.Common" StencilVersion="0.1"/>
+  <Id Name="fd7d7bed-114e-464c-a4f1-01a512005949" Revision="1" Stencil="System.MyShapes" StencilVersion="1.0"/>
 </Control>
 </file>
 
@@ -14876,7 +16365,7 @@
 
 <file path=customXml/item28.xml><?xml version="1.0" encoding="utf-8"?>
 <Control xmlns="http://schemas.microsoft.com/VisualStudio/2011/storyboarding/control">
-  <Id Name="System.Storyboarding.Annotation.CallOut" Revision="1" Stencil="System.Storyboarding.Annotation" StencilVersion="0.1"/>
+  <Id Name="System.Storyboarding.Common.TextInput" Revision="1" Stencil="System.Storyboarding.Common" StencilVersion="0.1"/>
 </Control>
 </file>
 
@@ -14888,49 +16377,49 @@
 
 <file path=customXml/item3.xml><?xml version="1.0" encoding="utf-8"?>
 <Control xmlns="http://schemas.microsoft.com/VisualStudio/2011/storyboarding/control">
-  <Id Name="fd7d7bed-114e-464c-a4f1-01a512005949" Revision="1" Stencil="System.MyShapes" StencilVersion="1.0"/>
+  <Id Name="System.Storyboarding.Annotation.CallOut" Revision="1" Stencil="System.Storyboarding.Annotation" StencilVersion="0.1"/>
 </Control>
 </file>
 
 <file path=customXml/item30.xml><?xml version="1.0" encoding="utf-8"?>
+<Control xmlns="http://schemas.microsoft.com/VisualStudio/2011/storyboarding/control">
+  <Id Name="System.Storyboarding.Annotation.CallOut" Revision="1" Stencil="System.Storyboarding.Annotation" StencilVersion="0.1"/>
+</Control>
+</file>
+
+<file path=customXml/item31.xml><?xml version="1.0" encoding="utf-8"?>
 <Control xmlns="http://schemas.microsoft.com/VisualStudio/2011/storyboarding/control">
   <Id Name="fd7d7bed-114e-464c-a4f1-01a512005949" Revision="1" Stencil="System.MyShapes" StencilVersion="1.0"/>
 </Control>
 </file>
 
-<file path=customXml/item31.xml><?xml version="1.0" encoding="utf-8"?>
+<file path=customXml/item32.xml><?xml version="1.0" encoding="utf-8"?>
+<Control xmlns="http://schemas.microsoft.com/VisualStudio/2011/storyboarding/control">
+  <Id Name="fd7d7bed-114e-464c-a4f1-01a512005949" Revision="1" Stencil="System.MyShapes" StencilVersion="1.0"/>
+</Control>
+</file>
+
+<file path=customXml/item33.xml><?xml version="1.0" encoding="utf-8"?>
+<Control xmlns="http://schemas.microsoft.com/VisualStudio/2011/storyboarding/control">
+  <Id Name="System.Storyboarding.Common.RadioButtonSelected" Revision="1" Stencil="System.Storyboarding.Common" StencilVersion="0.1"/>
+</Control>
+</file>
+
+<file path=customXml/item34.xml><?xml version="1.0" encoding="utf-8"?>
 <Control xmlns="http://schemas.microsoft.com/VisualStudio/2011/storyboarding/control">
   <Id Name="System.Storyboarding.Annotation.CallOut" Revision="1" Stencil="System.Storyboarding.Annotation" StencilVersion="0.1"/>
 </Control>
 </file>
 
-<file path=customXml/item32.xml><?xml version="1.0" encoding="utf-8"?>
-<Control xmlns="http://schemas.microsoft.com/VisualStudio/2011/storyboarding/control">
-  <Id Name="System.Storyboarding.Annotation.CallOut" Revision="1" Stencil="System.Storyboarding.Annotation" StencilVersion="0.1"/>
-</Control>
-</file>
-
-<file path=customXml/item33.xml><?xml version="1.0" encoding="utf-8"?>
+<file path=customXml/item35.xml><?xml version="1.0" encoding="utf-8"?>
 <Control xmlns="http://schemas.microsoft.com/VisualStudio/2011/storyboarding/control">
   <Id Name="fd7d7bed-114e-464c-a4f1-01a512005949" Revision="1" Stencil="System.MyShapes" StencilVersion="1.0"/>
 </Control>
 </file>
 
-<file path=customXml/item34.xml><?xml version="1.0" encoding="utf-8"?>
+<file path=customXml/item36.xml><?xml version="1.0" encoding="utf-8"?>
 <Control xmlns="http://schemas.microsoft.com/VisualStudio/2011/storyboarding/control">
   <Id Name="fd7d7bed-114e-464c-a4f1-01a512005949" Revision="1" Stencil="System.MyShapes" StencilVersion="1.0"/>
-</Control>
-</file>
-
-<file path=customXml/item35.xml><?xml version="1.0" encoding="utf-8"?>
-<Control xmlns="http://schemas.microsoft.com/VisualStudio/2011/storyboarding/control">
-  <Id Name="System.Storyboarding.Annotation.CallOut" Revision="1" Stencil="System.Storyboarding.Annotation" StencilVersion="0.1"/>
-</Control>
-</file>
-
-<file path=customXml/item36.xml><?xml version="1.0" encoding="utf-8"?>
-<Control xmlns="http://schemas.microsoft.com/VisualStudio/2011/storyboarding/control">
-  <Id Name="System.Storyboarding.Common.Text" Revision="1" Stencil="System.Storyboarding.Common" StencilVersion="0.1"/>
 </Control>
 </file>
 
@@ -14948,19 +16437,19 @@
 
 <file path=customXml/item39.xml><?xml version="1.0" encoding="utf-8"?>
 <Control xmlns="http://schemas.microsoft.com/VisualStudio/2011/storyboarding/control">
+  <Id Name="System.Storyboarding.Common.MouseClick" Revision="1" Stencil="System.Storyboarding.Common" StencilVersion="0.1"/>
+</Control>
+</file>
+
+<file path=customXml/item4.xml><?xml version="1.0" encoding="utf-8"?>
+<Control xmlns="http://schemas.microsoft.com/VisualStudio/2011/storyboarding/control">
   <Id Name="fd7d7bed-114e-464c-a4f1-01a512005949" Revision="1" Stencil="System.MyShapes" StencilVersion="1.0"/>
 </Control>
 </file>
 
-<file path=customXml/item4.xml><?xml version="1.0" encoding="utf-8"?>
+<file path=customXml/item40.xml><?xml version="1.0" encoding="utf-8"?>
 <Control xmlns="http://schemas.microsoft.com/VisualStudio/2011/storyboarding/control">
   <Id Name="System.Storyboarding.Annotation.CallOut" Revision="1" Stencil="System.Storyboarding.Annotation" StencilVersion="0.1"/>
-</Control>
-</file>
-
-<file path=customXml/item40.xml><?xml version="1.0" encoding="utf-8"?>
-<Control xmlns="http://schemas.microsoft.com/VisualStudio/2011/storyboarding/control">
-  <Id Name="fd7d7bed-114e-464c-a4f1-01a512005949" Revision="1" Stencil="System.MyShapes" StencilVersion="1.0"/>
 </Control>
 </file>
 
@@ -14972,7 +16461,7 @@
 
 <file path=customXml/item42.xml><?xml version="1.0" encoding="utf-8"?>
 <Control xmlns="http://schemas.microsoft.com/VisualStudio/2011/storyboarding/control">
-  <Id Name="System.Storyboarding.Common.TextInput" Revision="1" Stencil="System.Storyboarding.Common" StencilVersion="0.1"/>
+  <Id Name="System.Storyboarding.WindowsDesktop.DialogBox" Revision="1" Stencil="System.Storyboarding.WindowsDesktop" StencilVersion="0.1"/>
 </Control>
 </file>
 
@@ -14984,19 +16473,19 @@
 
 <file path=customXml/item44.xml><?xml version="1.0" encoding="utf-8"?>
 <Control xmlns="http://schemas.microsoft.com/VisualStudio/2011/storyboarding/control">
+  <Id Name="System.Storyboarding.Annotation.CallOut" Revision="1" Stencil="System.Storyboarding.Annotation" StencilVersion="0.1"/>
+</Control>
+</file>
+
+<file path=customXml/item45.xml><?xml version="1.0" encoding="utf-8"?>
+<Control xmlns="http://schemas.microsoft.com/VisualStudio/2011/storyboarding/control">
   <Id Name="fd7d7bed-114e-464c-a4f1-01a512005949" Revision="1" Stencil="System.MyShapes" StencilVersion="1.0"/>
 </Control>
 </file>
 
-<file path=customXml/item45.xml><?xml version="1.0" encoding="utf-8"?>
+<file path=customXml/item46.xml><?xml version="1.0" encoding="utf-8"?>
 <Control xmlns="http://schemas.microsoft.com/VisualStudio/2011/storyboarding/control">
   <Id Name="System.Storyboarding.Annotation.CallOut" Revision="1" Stencil="System.Storyboarding.Annotation" StencilVersion="0.1"/>
-</Control>
-</file>
-
-<file path=customXml/item46.xml><?xml version="1.0" encoding="utf-8"?>
-<Control xmlns="http://schemas.microsoft.com/VisualStudio/2011/storyboarding/control">
-  <Id Name="fd7d7bed-114e-464c-a4f1-01a512005949" Revision="1" Stencil="System.MyShapes" StencilVersion="1.0"/>
 </Control>
 </file>
 
@@ -15008,19 +16497,19 @@
 
 <file path=customXml/item48.xml><?xml version="1.0" encoding="utf-8"?>
 <Control xmlns="http://schemas.microsoft.com/VisualStudio/2011/storyboarding/control">
+  <Id Name="fd7d7bed-114e-464c-a4f1-01a512005949" Revision="1" Stencil="System.MyShapes" StencilVersion="1.0"/>
+</Control>
+</file>
+
+<file path=customXml/item49.xml><?xml version="1.0" encoding="utf-8"?>
+<Control xmlns="http://schemas.microsoft.com/VisualStudio/2011/storyboarding/control">
   <Id Name="System.Storyboarding.Annotation.CallOut" Revision="1" Stencil="System.Storyboarding.Annotation" StencilVersion="0.1"/>
 </Control>
 </file>
 
-<file path=customXml/item49.xml><?xml version="1.0" encoding="utf-8"?>
-<Control xmlns="http://schemas.microsoft.com/VisualStudio/2011/storyboarding/control">
-  <Id Name="fd7d7bed-114e-464c-a4f1-01a512005949" Revision="1" Stencil="System.MyShapes" StencilVersion="1.0"/>
-</Control>
-</file>
-
 <file path=customXml/item5.xml><?xml version="1.0" encoding="utf-8"?>
 <Control xmlns="http://schemas.microsoft.com/VisualStudio/2011/storyboarding/control">
-  <Id Name="System.Storyboarding.Annotation.CallOut" Revision="1" Stencil="System.Storyboarding.Annotation" StencilVersion="0.1"/>
+  <Id Name="System.Storyboarding.Common.TextInput" Revision="1" Stencil="System.Storyboarding.Common" StencilVersion="0.1"/>
 </Control>
 </file>
 
@@ -15038,13 +16527,13 @@
 
 <file path=customXml/item52.xml><?xml version="1.0" encoding="utf-8"?>
 <Control xmlns="http://schemas.microsoft.com/VisualStudio/2011/storyboarding/control">
-  <Id Name="fd7d7bed-114e-464c-a4f1-01a512005949" Revision="1" Stencil="System.MyShapes" StencilVersion="1.0"/>
+  <Id Name="System.Storyboarding.Annotation.CallOut" Revision="1" Stencil="System.Storyboarding.Annotation" StencilVersion="0.1"/>
 </Control>
 </file>
 
 <file path=customXml/item53.xml><?xml version="1.0" encoding="utf-8"?>
 <Control xmlns="http://schemas.microsoft.com/VisualStudio/2011/storyboarding/control">
-  <Id Name="fd7d7bed-114e-464c-a4f1-01a512005949" Revision="1" Stencil="System.MyShapes" StencilVersion="1.0"/>
+  <Id Name="System.Storyboarding.Common.Text" Revision="1" Stencil="System.Storyboarding.Common" StencilVersion="0.1"/>
 </Control>
 </file>
 
@@ -15056,19 +16545,19 @@
 
 <file path=customXml/item55.xml><?xml version="1.0" encoding="utf-8"?>
 <Control xmlns="http://schemas.microsoft.com/VisualStudio/2011/storyboarding/control">
-  <Id Name="System.Storyboarding.Annotation.CallOut" Revision="1" Stencil="System.Storyboarding.Annotation" StencilVersion="0.1"/>
+  <Id Name="fd7d7bed-114e-464c-a4f1-01a512005949" Revision="1" Stencil="System.MyShapes" StencilVersion="1.0"/>
 </Control>
 </file>
 
 <file path=customXml/item56.xml><?xml version="1.0" encoding="utf-8"?>
 <Control xmlns="http://schemas.microsoft.com/VisualStudio/2011/storyboarding/control">
-  <Id Name="System.Storyboarding.Common.Text" Revision="1" Stencil="System.Storyboarding.Common" StencilVersion="0.1"/>
+  <Id Name="fd7d7bed-114e-464c-a4f1-01a512005949" Revision="1" Stencil="System.MyShapes" StencilVersion="1.0"/>
 </Control>
 </file>
 
 <file path=customXml/item57.xml><?xml version="1.0" encoding="utf-8"?>
 <Control xmlns="http://schemas.microsoft.com/VisualStudio/2011/storyboarding/control">
-  <Id Name="System.Storyboarding.Annotation.CallOut" Revision="1" Stencil="System.Storyboarding.Annotation" StencilVersion="0.1"/>
+  <Id Name="fd7d7bed-114e-464c-a4f1-01a512005949" Revision="1" Stencil="System.MyShapes" StencilVersion="1.0"/>
 </Control>
 </file>
 
@@ -15080,19 +16569,19 @@
 
 <file path=customXml/item59.xml><?xml version="1.0" encoding="utf-8"?>
 <Control xmlns="http://schemas.microsoft.com/VisualStudio/2011/storyboarding/control">
-  <Id Name="fd7d7bed-114e-464c-a4f1-01a512005949" Revision="1" Stencil="System.MyShapes" StencilVersion="1.0"/>
+  <Id Name="System.Storyboarding.Annotation.CallOut" Revision="1" Stencil="System.Storyboarding.Annotation" StencilVersion="0.1"/>
 </Control>
 </file>
 
 <file path=customXml/item6.xml><?xml version="1.0" encoding="utf-8"?>
 <Control xmlns="http://schemas.microsoft.com/VisualStudio/2011/storyboarding/control">
-  <Id Name="fd7d7bed-114e-464c-a4f1-01a512005949" Revision="1" Stencil="System.MyShapes" StencilVersion="1.0"/>
+  <Id Name="System.Storyboarding.Common.Text" Revision="1" Stencil="System.Storyboarding.Common" StencilVersion="0.1"/>
 </Control>
 </file>
 
 <file path=customXml/item60.xml><?xml version="1.0" encoding="utf-8"?>
 <Control xmlns="http://schemas.microsoft.com/VisualStudio/2011/storyboarding/control">
-  <Id Name="System.Storyboarding.Annotation.CallOut" Revision="1" Stencil="System.Storyboarding.Annotation" StencilVersion="0.1"/>
+  <Id Name="System.Storyboarding.Common.TextInput" Revision="1" Stencil="System.Storyboarding.Common" StencilVersion="0.1"/>
 </Control>
 </file>
 
@@ -15110,13 +16599,13 @@
 
 <file path=customXml/item63.xml><?xml version="1.0" encoding="utf-8"?>
 <Control xmlns="http://schemas.microsoft.com/VisualStudio/2011/storyboarding/control">
-  <Id Name="fd7d7bed-114e-464c-a4f1-01a512005949" Revision="1" Stencil="System.MyShapes" StencilVersion="1.0"/>
+  <Id Name="System.Storyboarding.Annotation.CallOut" Revision="1" Stencil="System.Storyboarding.Annotation" StencilVersion="0.1"/>
 </Control>
 </file>
 
 <file path=customXml/item64.xml><?xml version="1.0" encoding="utf-8"?>
 <Control xmlns="http://schemas.microsoft.com/VisualStudio/2011/storyboarding/control">
-  <Id Name="System.Storyboarding.Common.MouseClick" Revision="1" Stencil="System.Storyboarding.Common" StencilVersion="0.1"/>
+  <Id Name="System.Storyboarding.Annotation.CallOut" Revision="1" Stencil="System.Storyboarding.Annotation" StencilVersion="0.1"/>
 </Control>
 </file>
 
@@ -15134,25 +16623,25 @@
 
 <file path=customXml/item67.xml><?xml version="1.0" encoding="utf-8"?>
 <Control xmlns="http://schemas.microsoft.com/VisualStudio/2011/storyboarding/control">
-  <Id Name="System.Storyboarding.Common.TextInput" Revision="1" Stencil="System.Storyboarding.Common" StencilVersion="0.1"/>
+  <Id Name="System.Storyboarding.Annotation.CallOut" Revision="1" Stencil="System.Storyboarding.Annotation" StencilVersion="0.1"/>
 </Control>
 </file>
 
 <file path=customXml/item68.xml><?xml version="1.0" encoding="utf-8"?>
 <Control xmlns="http://schemas.microsoft.com/VisualStudio/2011/storyboarding/control">
-  <Id Name="fd7d7bed-114e-464c-a4f1-01a512005949" Revision="1" Stencil="System.MyShapes" StencilVersion="1.0"/>
+  <Id Name="System.Storyboarding.Annotation.CallOut" Revision="1" Stencil="System.Storyboarding.Annotation" StencilVersion="0.1"/>
 </Control>
 </file>
 
 <file path=customXml/item69.xml><?xml version="1.0" encoding="utf-8"?>
 <Control xmlns="http://schemas.microsoft.com/VisualStudio/2011/storyboarding/control">
-  <Id Name="System.Storyboarding.Common.Text" Revision="1" Stencil="System.Storyboarding.Common" StencilVersion="0.1"/>
+  <Id Name="System.Storyboarding.Annotation.CallOut" Revision="1" Stencil="System.Storyboarding.Annotation" StencilVersion="0.1"/>
 </Control>
 </file>
 
 <file path=customXml/item7.xml><?xml version="1.0" encoding="utf-8"?>
 <Control xmlns="http://schemas.microsoft.com/VisualStudio/2011/storyboarding/control">
-  <Id Name="System.Storyboarding.Annotation.CallOut" Revision="1" Stencil="System.Storyboarding.Annotation" StencilVersion="0.1"/>
+  <Id Name="fd7d7bed-114e-464c-a4f1-01a512005949" Revision="1" Stencil="System.MyShapes" StencilVersion="1.0"/>
 </Control>
 </file>
 
@@ -15164,37 +16653,37 @@
 
 <file path=customXml/item71.xml><?xml version="1.0" encoding="utf-8"?>
 <Control xmlns="http://schemas.microsoft.com/VisualStudio/2011/storyboarding/control">
+  <Id Name="System.Storyboarding.Annotation.CallOut" Revision="1" Stencil="System.Storyboarding.Annotation" StencilVersion="0.1"/>
+</Control>
+</file>
+
+<file path=customXml/item72.xml><?xml version="1.0" encoding="utf-8"?>
+<Control xmlns="http://schemas.microsoft.com/VisualStudio/2011/storyboarding/control">
   <Id Name="fd7d7bed-114e-464c-a4f1-01a512005949" Revision="1" Stencil="System.MyShapes" StencilVersion="1.0"/>
 </Control>
 </file>
 
-<file path=customXml/item72.xml><?xml version="1.0" encoding="utf-8"?>
+<file path=customXml/item73.xml><?xml version="1.0" encoding="utf-8"?>
 <Control xmlns="http://schemas.microsoft.com/VisualStudio/2011/storyboarding/control">
   <Id Name="System.Storyboarding.Annotation.CallOut" Revision="1" Stencil="System.Storyboarding.Annotation" StencilVersion="0.1"/>
 </Control>
 </file>
 
-<file path=customXml/item73.xml><?xml version="1.0" encoding="utf-8"?>
+<file path=customXml/item74.xml><?xml version="1.0" encoding="utf-8"?>
+<Control xmlns="http://schemas.microsoft.com/VisualStudio/2011/storyboarding/control">
+  <Id Name="System.Storyboarding.Annotation.CallOut" Revision="1" Stencil="System.Storyboarding.Annotation" StencilVersion="0.1"/>
+</Control>
+</file>
+
+<file path=customXml/item75.xml><?xml version="1.0" encoding="utf-8"?>
 <Control xmlns="http://schemas.microsoft.com/VisualStudio/2011/storyboarding/control">
   <Id Name="fd7d7bed-114e-464c-a4f1-01a512005949" Revision="1" Stencil="System.MyShapes" StencilVersion="1.0"/>
 </Control>
 </file>
 
-<file path=customXml/item74.xml><?xml version="1.0" encoding="utf-8"?>
-<Control xmlns="http://schemas.microsoft.com/VisualStudio/2011/storyboarding/control">
-  <Id Name="fd7d7bed-114e-464c-a4f1-01a512005949" Revision="1" Stencil="System.MyShapes" StencilVersion="1.0"/>
-</Control>
-</file>
-
-<file path=customXml/item75.xml><?xml version="1.0" encoding="utf-8"?>
+<file path=customXml/item76.xml><?xml version="1.0" encoding="utf-8"?>
 <Control xmlns="http://schemas.microsoft.com/VisualStudio/2011/storyboarding/control">
   <Id Name="System.Storyboarding.Annotation.CallOut" Revision="1" Stencil="System.Storyboarding.Annotation" StencilVersion="0.1"/>
-</Control>
-</file>
-
-<file path=customXml/item76.xml><?xml version="1.0" encoding="utf-8"?>
-<Control xmlns="http://schemas.microsoft.com/VisualStudio/2011/storyboarding/control">
-  <Id Name="fd7d7bed-114e-464c-a4f1-01a512005949" Revision="1" Stencil="System.MyShapes" StencilVersion="1.0"/>
 </Control>
 </file>
 
@@ -15206,7 +16695,7 @@
 
 <file path=customXml/item78.xml><?xml version="1.0" encoding="utf-8"?>
 <Control xmlns="http://schemas.microsoft.com/VisualStudio/2011/storyboarding/control">
-  <Id Name="System.Storyboarding.Annotation.CallOut" Revision="1" Stencil="System.Storyboarding.Annotation" StencilVersion="0.1"/>
+  <Id Name="fd7d7bed-114e-464c-a4f1-01a512005949" Revision="1" Stencil="System.MyShapes" StencilVersion="1.0"/>
 </Control>
 </file>
 
@@ -15236,7 +16725,7 @@
 
 <file path=customXml/item82.xml><?xml version="1.0" encoding="utf-8"?>
 <Control xmlns="http://schemas.microsoft.com/VisualStudio/2011/storyboarding/control">
-  <Id Name="System.Storyboarding.Annotation.CallOut" Revision="1" Stencil="System.Storyboarding.Annotation" StencilVersion="0.1"/>
+  <Id Name="fd7d7bed-114e-464c-a4f1-01a512005949" Revision="1" Stencil="System.MyShapes" StencilVersion="1.0"/>
 </Control>
 </file>
 
@@ -15254,7 +16743,7 @@
 
 <file path=customXml/item85.xml><?xml version="1.0" encoding="utf-8"?>
 <Control xmlns="http://schemas.microsoft.com/VisualStudio/2011/storyboarding/control">
-  <Id Name="System.Storyboarding.Annotation.CallOut" Revision="1" Stencil="System.Storyboarding.Annotation" StencilVersion="0.1"/>
+  <Id Name="fd7d7bed-114e-464c-a4f1-01a512005949" Revision="1" Stencil="System.MyShapes" StencilVersion="1.0"/>
 </Control>
 </file>
 
@@ -15266,13 +16755,13 @@
 
 <file path=customXml/item87.xml><?xml version="1.0" encoding="utf-8"?>
 <Control xmlns="http://schemas.microsoft.com/VisualStudio/2011/storyboarding/control">
-  <Id Name="System.Storyboarding.Annotation.CallOut" Revision="1" Stencil="System.Storyboarding.Annotation" StencilVersion="0.1"/>
+  <Id Name="fd7d7bed-114e-464c-a4f1-01a512005949" Revision="1" Stencil="System.MyShapes" StencilVersion="1.0"/>
 </Control>
 </file>
 
 <file path=customXml/item88.xml><?xml version="1.0" encoding="utf-8"?>
 <Control xmlns="http://schemas.microsoft.com/VisualStudio/2011/storyboarding/control">
-  <Id Name="fd7d7bed-114e-464c-a4f1-01a512005949" Revision="1" Stencil="System.MyShapes" StencilVersion="1.0"/>
+  <Id Name="System.Storyboarding.Annotation.CallOut" Revision="1" Stencil="System.Storyboarding.Annotation" StencilVersion="0.1"/>
 </Control>
 </file>
 
@@ -15284,7 +16773,7 @@
 
 <file path=customXml/item9.xml><?xml version="1.0" encoding="utf-8"?>
 <Control xmlns="http://schemas.microsoft.com/VisualStudio/2011/storyboarding/control">
-  <Id Name="System.Storyboarding.Common.Text" Revision="1" Stencil="System.Storyboarding.Common" StencilVersion="0.1"/>
+  <Id Name="System.Storyboarding.Annotation.CallOut" Revision="1" Stencil="System.Storyboarding.Annotation" StencilVersion="0.1"/>
 </Control>
 </file>
 
@@ -15302,7 +16791,7 @@
 
 <file path=customXml/item92.xml><?xml version="1.0" encoding="utf-8"?>
 <Control xmlns="http://schemas.microsoft.com/VisualStudio/2011/storyboarding/control">
-  <Id Name="System.Storyboarding.WindowsDesktop.DialogBox" Revision="1" Stencil="System.Storyboarding.WindowsDesktop" StencilVersion="0.1"/>
+  <Id Name="System.Storyboarding.Annotation.CallOut" Revision="1" Stencil="System.Storyboarding.Annotation" StencilVersion="0.1"/>
 </Control>
 </file>
 
@@ -15320,36 +16809,36 @@
 
 <file path=customXml/item95.xml><?xml version="1.0" encoding="utf-8"?>
 <Control xmlns="http://schemas.microsoft.com/VisualStudio/2011/storyboarding/control">
-  <Id Name="fd7d7bed-114e-464c-a4f1-01a512005949" Revision="1" Stencil="System.MyShapes" StencilVersion="1.0"/>
+  <Id Name="System.Storyboarding.Annotation.CallOut" Revision="1" Stencil="System.Storyboarding.Annotation" StencilVersion="0.1"/>
 </Control>
 </file>
 
 <file path=customXml/item96.xml><?xml version="1.0" encoding="utf-8"?>
+<Control xmlns="http://schemas.microsoft.com/VisualStudio/2011/storyboarding/control">
+  <Id Name="System.Storyboarding.Common.TextInput" Revision="1" Stencil="System.Storyboarding.Common" StencilVersion="0.1"/>
+</Control>
+</file>
+
+<file path=customXml/item97.xml><?xml version="1.0" encoding="utf-8"?>
+<Control xmlns="http://schemas.microsoft.com/VisualStudio/2011/storyboarding/control">
+  <Id Name="System.Storyboarding.Common.RadioButtonUnselected" Revision="1" Stencil="System.Storyboarding.Common" StencilVersion="0.1"/>
+</Control>
+</file>
+
+<file path=customXml/item98.xml><?xml version="1.0" encoding="utf-8"?>
 <Control xmlns="http://schemas.microsoft.com/VisualStudio/2011/storyboarding/control">
   <Id Name="System.Storyboarding.Annotation.CallOut" Revision="1" Stencil="System.Storyboarding.Annotation" StencilVersion="0.1"/>
 </Control>
 </file>
 
-<file path=customXml/item97.xml><?xml version="1.0" encoding="utf-8"?>
-<Control xmlns="http://schemas.microsoft.com/VisualStudio/2011/storyboarding/control">
-  <Id Name="fd7d7bed-114e-464c-a4f1-01a512005949" Revision="1" Stencil="System.MyShapes" StencilVersion="1.0"/>
-</Control>
-</file>
-
-<file path=customXml/item98.xml><?xml version="1.0" encoding="utf-8"?>
-<Control xmlns="http://schemas.microsoft.com/VisualStudio/2011/storyboarding/control">
-  <Id Name="fd7d7bed-114e-464c-a4f1-01a512005949" Revision="1" Stencil="System.MyShapes" StencilVersion="1.0"/>
-</Control>
-</file>
-
 <file path=customXml/item99.xml><?xml version="1.0" encoding="utf-8"?>
 <Control xmlns="http://schemas.microsoft.com/VisualStudio/2011/storyboarding/control">
-  <Id Name="fd7d7bed-114e-464c-a4f1-01a512005949" Revision="1" Stencil="System.MyShapes" StencilVersion="1.0"/>
+  <Id Name="System.Storyboarding.Annotation.CallOut" Revision="1" Stencil="System.Storyboarding.Annotation" StencilVersion="0.1"/>
 </Control>
 </file>
 
 <file path=customXml/itemProps1.xml><?xml version="1.0" encoding="utf-8"?>
-<ds:datastoreItem xmlns:ds="http://schemas.openxmlformats.org/officeDocument/2006/customXml" ds:itemID="{52C22ECF-CB94-4099-8D5D-534B8A0F76FA}">
+<ds:datastoreItem xmlns:ds="http://schemas.openxmlformats.org/officeDocument/2006/customXml" ds:itemID="{ED3D69ED-38A9-48C8-B05E-83772337A98C}">
   <ds:schemaRefs>
     <ds:schemaRef ds:uri="http://schemas.microsoft.com/VisualStudio/2011/storyboarding/control"/>
   </ds:schemaRefs>
@@ -15357,6 +16846,318 @@
 </file>
 
 <file path=customXml/itemProps10.xml><?xml version="1.0" encoding="utf-8"?>
+<ds:datastoreItem xmlns:ds="http://schemas.openxmlformats.org/officeDocument/2006/customXml" ds:itemID="{2E449097-FA9E-4910-B718-70633402799D}">
+  <ds:schemaRefs>
+    <ds:schemaRef ds:uri="http://schemas.microsoft.com/VisualStudio/2011/storyboarding/control"/>
+  </ds:schemaRefs>
+</ds:datastoreItem>
+</file>
+
+<file path=customXml/itemProps100.xml><?xml version="1.0" encoding="utf-8"?>
+<ds:datastoreItem xmlns:ds="http://schemas.openxmlformats.org/officeDocument/2006/customXml" ds:itemID="{8A29F272-F02E-43A1-8757-98E7B6E22759}">
+  <ds:schemaRefs>
+    <ds:schemaRef ds:uri="http://schemas.microsoft.com/VisualStudio/2011/storyboarding/control"/>
+  </ds:schemaRefs>
+</ds:datastoreItem>
+</file>
+
+<file path=customXml/itemProps101.xml><?xml version="1.0" encoding="utf-8"?>
+<ds:datastoreItem xmlns:ds="http://schemas.openxmlformats.org/officeDocument/2006/customXml" ds:itemID="{7FE5D889-C566-4205-8BB7-607167187A6D}">
+  <ds:schemaRefs>
+    <ds:schemaRef ds:uri="http://schemas.microsoft.com/VisualStudio/2011/storyboarding/control"/>
+  </ds:schemaRefs>
+</ds:datastoreItem>
+</file>
+
+<file path=customXml/itemProps102.xml><?xml version="1.0" encoding="utf-8"?>
+<ds:datastoreItem xmlns:ds="http://schemas.openxmlformats.org/officeDocument/2006/customXml" ds:itemID="{B06BA414-8851-4C1D-86A5-61BD61A5ABF5}">
+  <ds:schemaRefs>
+    <ds:schemaRef ds:uri="http://schemas.microsoft.com/VisualStudio/2011/storyboarding/control"/>
+  </ds:schemaRefs>
+</ds:datastoreItem>
+</file>
+
+<file path=customXml/itemProps103.xml><?xml version="1.0" encoding="utf-8"?>
+<ds:datastoreItem xmlns:ds="http://schemas.openxmlformats.org/officeDocument/2006/customXml" ds:itemID="{9E886169-7898-408A-A588-DC201EC0A018}">
+  <ds:schemaRefs>
+    <ds:schemaRef ds:uri="http://schemas.microsoft.com/VisualStudio/2011/storyboarding/control"/>
+  </ds:schemaRefs>
+</ds:datastoreItem>
+</file>
+
+<file path=customXml/itemProps104.xml><?xml version="1.0" encoding="utf-8"?>
+<ds:datastoreItem xmlns:ds="http://schemas.openxmlformats.org/officeDocument/2006/customXml" ds:itemID="{EABA044C-F855-4F2D-8541-8B12F3450E94}">
+  <ds:schemaRefs>
+    <ds:schemaRef ds:uri="http://schemas.microsoft.com/VisualStudio/2011/storyboarding/control"/>
+  </ds:schemaRefs>
+</ds:datastoreItem>
+</file>
+
+<file path=customXml/itemProps105.xml><?xml version="1.0" encoding="utf-8"?>
+<ds:datastoreItem xmlns:ds="http://schemas.openxmlformats.org/officeDocument/2006/customXml" ds:itemID="{C3959990-BEDE-4342-8909-D2CC7843CB1A}">
+  <ds:schemaRefs>
+    <ds:schemaRef ds:uri="http://schemas.microsoft.com/VisualStudio/2011/storyboarding/control"/>
+  </ds:schemaRefs>
+</ds:datastoreItem>
+</file>
+
+<file path=customXml/itemProps106.xml><?xml version="1.0" encoding="utf-8"?>
+<ds:datastoreItem xmlns:ds="http://schemas.openxmlformats.org/officeDocument/2006/customXml" ds:itemID="{F2328595-B94A-4766-A678-942BFE76529D}">
+  <ds:schemaRefs>
+    <ds:schemaRef ds:uri="http://schemas.microsoft.com/VisualStudio/2011/storyboarding/control"/>
+  </ds:schemaRefs>
+</ds:datastoreItem>
+</file>
+
+<file path=customXml/itemProps107.xml><?xml version="1.0" encoding="utf-8"?>
+<ds:datastoreItem xmlns:ds="http://schemas.openxmlformats.org/officeDocument/2006/customXml" ds:itemID="{441C7EBE-B1F1-437D-A1A7-982CD016269C}">
+  <ds:schemaRefs>
+    <ds:schemaRef ds:uri="http://schemas.microsoft.com/VisualStudio/2011/storyboarding/control"/>
+  </ds:schemaRefs>
+</ds:datastoreItem>
+</file>
+
+<file path=customXml/itemProps108.xml><?xml version="1.0" encoding="utf-8"?>
+<ds:datastoreItem xmlns:ds="http://schemas.openxmlformats.org/officeDocument/2006/customXml" ds:itemID="{C64F239C-3EF9-4D6D-A2BC-C935A2E33DF3}">
+  <ds:schemaRefs>
+    <ds:schemaRef ds:uri="http://schemas.microsoft.com/VisualStudio/2011/storyboarding/control"/>
+  </ds:schemaRefs>
+</ds:datastoreItem>
+</file>
+
+<file path=customXml/itemProps109.xml><?xml version="1.0" encoding="utf-8"?>
+<ds:datastoreItem xmlns:ds="http://schemas.openxmlformats.org/officeDocument/2006/customXml" ds:itemID="{E73954B7-8733-4015-BBE9-68F0EBC1DC98}">
+  <ds:schemaRefs>
+    <ds:schemaRef ds:uri="http://schemas.microsoft.com/VisualStudio/2011/storyboarding/control"/>
+  </ds:schemaRefs>
+</ds:datastoreItem>
+</file>
+
+<file path=customXml/itemProps11.xml><?xml version="1.0" encoding="utf-8"?>
+<ds:datastoreItem xmlns:ds="http://schemas.openxmlformats.org/officeDocument/2006/customXml" ds:itemID="{1486B02C-8CA8-4F9A-B4EB-C902A5F59C7B}">
+  <ds:schemaRefs>
+    <ds:schemaRef ds:uri="http://schemas.microsoft.com/VisualStudio/2011/storyboarding/control"/>
+  </ds:schemaRefs>
+</ds:datastoreItem>
+</file>
+
+<file path=customXml/itemProps110.xml><?xml version="1.0" encoding="utf-8"?>
+<ds:datastoreItem xmlns:ds="http://schemas.openxmlformats.org/officeDocument/2006/customXml" ds:itemID="{766AAA37-C280-4DC8-8509-D7D6C194E5E2}">
+  <ds:schemaRefs>
+    <ds:schemaRef ds:uri="http://schemas.microsoft.com/VisualStudio/2011/storyboarding/control"/>
+  </ds:schemaRefs>
+</ds:datastoreItem>
+</file>
+
+<file path=customXml/itemProps111.xml><?xml version="1.0" encoding="utf-8"?>
+<ds:datastoreItem xmlns:ds="http://schemas.openxmlformats.org/officeDocument/2006/customXml" ds:itemID="{99D7A4E8-9013-43F4-9025-79641E2FD4AD}">
+  <ds:schemaRefs>
+    <ds:schemaRef ds:uri="http://schemas.microsoft.com/VisualStudio/2011/storyboarding/control"/>
+  </ds:schemaRefs>
+</ds:datastoreItem>
+</file>
+
+<file path=customXml/itemProps112.xml><?xml version="1.0" encoding="utf-8"?>
+<ds:datastoreItem xmlns:ds="http://schemas.openxmlformats.org/officeDocument/2006/customXml" ds:itemID="{4D978272-033F-42C0-945F-26C45B05BB06}">
+  <ds:schemaRefs>
+    <ds:schemaRef ds:uri="http://schemas.microsoft.com/VisualStudio/2011/storyboarding/control"/>
+  </ds:schemaRefs>
+</ds:datastoreItem>
+</file>
+
+<file path=customXml/itemProps113.xml><?xml version="1.0" encoding="utf-8"?>
+<ds:datastoreItem xmlns:ds="http://schemas.openxmlformats.org/officeDocument/2006/customXml" ds:itemID="{2B8239E4-F3AC-4E73-B621-3377998C1E74}">
+  <ds:schemaRefs>
+    <ds:schemaRef ds:uri="http://schemas.microsoft.com/VisualStudio/2011/storyboarding/control"/>
+  </ds:schemaRefs>
+</ds:datastoreItem>
+</file>
+
+<file path=customXml/itemProps12.xml><?xml version="1.0" encoding="utf-8"?>
+<ds:datastoreItem xmlns:ds="http://schemas.openxmlformats.org/officeDocument/2006/customXml" ds:itemID="{F06EC21E-1461-4C90-A408-E9BD4F8C6B5E}">
+  <ds:schemaRefs>
+    <ds:schemaRef ds:uri="http://schemas.microsoft.com/VisualStudio/2011/storyboarding/control"/>
+  </ds:schemaRefs>
+</ds:datastoreItem>
+</file>
+
+<file path=customXml/itemProps13.xml><?xml version="1.0" encoding="utf-8"?>
+<ds:datastoreItem xmlns:ds="http://schemas.openxmlformats.org/officeDocument/2006/customXml" ds:itemID="{993CB5E4-ADDE-47D6-9231-FAC0EDC10899}">
+  <ds:schemaRefs>
+    <ds:schemaRef ds:uri="http://schemas.microsoft.com/VisualStudio/2011/storyboarding/control"/>
+  </ds:schemaRefs>
+</ds:datastoreItem>
+</file>
+
+<file path=customXml/itemProps14.xml><?xml version="1.0" encoding="utf-8"?>
+<ds:datastoreItem xmlns:ds="http://schemas.openxmlformats.org/officeDocument/2006/customXml" ds:itemID="{9B569E01-A437-4345-B3AE-325E5C4684C7}">
+  <ds:schemaRefs>
+    <ds:schemaRef ds:uri="http://schemas.microsoft.com/VisualStudio/2011/storyboarding/control"/>
+  </ds:schemaRefs>
+</ds:datastoreItem>
+</file>
+
+<file path=customXml/itemProps15.xml><?xml version="1.0" encoding="utf-8"?>
+<ds:datastoreItem xmlns:ds="http://schemas.openxmlformats.org/officeDocument/2006/customXml" ds:itemID="{5B12EFFA-8596-4679-8A5C-E1D50D2F072F}">
+  <ds:schemaRefs>
+    <ds:schemaRef ds:uri="http://schemas.microsoft.com/VisualStudio/2011/storyboarding/control"/>
+  </ds:schemaRefs>
+</ds:datastoreItem>
+</file>
+
+<file path=customXml/itemProps16.xml><?xml version="1.0" encoding="utf-8"?>
+<ds:datastoreItem xmlns:ds="http://schemas.openxmlformats.org/officeDocument/2006/customXml" ds:itemID="{1C58624C-ADD7-4638-9F03-50B6B0125115}">
+  <ds:schemaRefs>
+    <ds:schemaRef ds:uri="http://schemas.microsoft.com/VisualStudio/2011/storyboarding/control"/>
+  </ds:schemaRefs>
+</ds:datastoreItem>
+</file>
+
+<file path=customXml/itemProps17.xml><?xml version="1.0" encoding="utf-8"?>
+<ds:datastoreItem xmlns:ds="http://schemas.openxmlformats.org/officeDocument/2006/customXml" ds:itemID="{6AD84BE9-0868-4CB2-8303-2FC4DD2D5CFA}">
+  <ds:schemaRefs>
+    <ds:schemaRef ds:uri="http://schemas.microsoft.com/VisualStudio/2011/storyboarding/control"/>
+  </ds:schemaRefs>
+</ds:datastoreItem>
+</file>
+
+<file path=customXml/itemProps18.xml><?xml version="1.0" encoding="utf-8"?>
+<ds:datastoreItem xmlns:ds="http://schemas.openxmlformats.org/officeDocument/2006/customXml" ds:itemID="{4C52FBD4-EF61-4C3F-833A-627EDCD6163F}">
+  <ds:schemaRefs>
+    <ds:schemaRef ds:uri="http://schemas.microsoft.com/VisualStudio/2011/storyboarding/control"/>
+  </ds:schemaRefs>
+</ds:datastoreItem>
+</file>
+
+<file path=customXml/itemProps19.xml><?xml version="1.0" encoding="utf-8"?>
+<ds:datastoreItem xmlns:ds="http://schemas.openxmlformats.org/officeDocument/2006/customXml" ds:itemID="{C25A3B5F-7FB7-4E8E-8C1B-FE0B9A3E8DB1}">
+  <ds:schemaRefs>
+    <ds:schemaRef ds:uri="http://schemas.microsoft.com/VisualStudio/2011/storyboarding/control"/>
+  </ds:schemaRefs>
+</ds:datastoreItem>
+</file>
+
+<file path=customXml/itemProps2.xml><?xml version="1.0" encoding="utf-8"?>
+<ds:datastoreItem xmlns:ds="http://schemas.openxmlformats.org/officeDocument/2006/customXml" ds:itemID="{4C110DA4-838D-485D-9522-3AE017EA91BB}">
+  <ds:schemaRefs>
+    <ds:schemaRef ds:uri="http://schemas.microsoft.com/VisualStudio/2011/storyboarding/control"/>
+  </ds:schemaRefs>
+</ds:datastoreItem>
+</file>
+
+<file path=customXml/itemProps20.xml><?xml version="1.0" encoding="utf-8"?>
+<ds:datastoreItem xmlns:ds="http://schemas.openxmlformats.org/officeDocument/2006/customXml" ds:itemID="{E3F9A2DC-3D79-46E6-A128-95D153FF0A57}">
+  <ds:schemaRefs>
+    <ds:schemaRef ds:uri="http://schemas.microsoft.com/VisualStudio/2011/storyboarding/control"/>
+  </ds:schemaRefs>
+</ds:datastoreItem>
+</file>
+
+<file path=customXml/itemProps21.xml><?xml version="1.0" encoding="utf-8"?>
+<ds:datastoreItem xmlns:ds="http://schemas.openxmlformats.org/officeDocument/2006/customXml" ds:itemID="{BB853E70-C52C-4C96-B715-5B968D2A994D}">
+  <ds:schemaRefs>
+    <ds:schemaRef ds:uri="http://schemas.microsoft.com/VisualStudio/2011/storyboarding/control"/>
+  </ds:schemaRefs>
+</ds:datastoreItem>
+</file>
+
+<file path=customXml/itemProps22.xml><?xml version="1.0" encoding="utf-8"?>
+<ds:datastoreItem xmlns:ds="http://schemas.openxmlformats.org/officeDocument/2006/customXml" ds:itemID="{0F220257-F99E-4E47-AD44-65D24C457664}">
+  <ds:schemaRefs>
+    <ds:schemaRef ds:uri="http://schemas.microsoft.com/VisualStudio/2011/storyboarding/control"/>
+  </ds:schemaRefs>
+</ds:datastoreItem>
+</file>
+
+<file path=customXml/itemProps23.xml><?xml version="1.0" encoding="utf-8"?>
+<ds:datastoreItem xmlns:ds="http://schemas.openxmlformats.org/officeDocument/2006/customXml" ds:itemID="{A506862E-DD0E-4463-9537-58549E145A3C}">
+  <ds:schemaRefs>
+    <ds:schemaRef ds:uri="http://schemas.microsoft.com/VisualStudio/2011/storyboarding/control"/>
+  </ds:schemaRefs>
+</ds:datastoreItem>
+</file>
+
+<file path=customXml/itemProps24.xml><?xml version="1.0" encoding="utf-8"?>
+<ds:datastoreItem xmlns:ds="http://schemas.openxmlformats.org/officeDocument/2006/customXml" ds:itemID="{8587DE98-B823-4671-8421-AEFBBB189344}">
+  <ds:schemaRefs>
+    <ds:schemaRef ds:uri="http://schemas.microsoft.com/VisualStudio/2011/storyboarding/control"/>
+  </ds:schemaRefs>
+</ds:datastoreItem>
+</file>
+
+<file path=customXml/itemProps25.xml><?xml version="1.0" encoding="utf-8"?>
+<ds:datastoreItem xmlns:ds="http://schemas.openxmlformats.org/officeDocument/2006/customXml" ds:itemID="{5A54DE4D-E8D6-437C-BFA0-88D994E5BBDE}">
+  <ds:schemaRefs>
+    <ds:schemaRef ds:uri="http://schemas.microsoft.com/VisualStudio/2011/storyboarding/control"/>
+  </ds:schemaRefs>
+</ds:datastoreItem>
+</file>
+
+<file path=customXml/itemProps26.xml><?xml version="1.0" encoding="utf-8"?>
+<ds:datastoreItem xmlns:ds="http://schemas.openxmlformats.org/officeDocument/2006/customXml" ds:itemID="{DBFC18C8-41F2-4B67-ACD8-B4F649599337}">
+  <ds:schemaRefs>
+    <ds:schemaRef ds:uri="http://schemas.microsoft.com/VisualStudio/2011/storyboarding/control"/>
+  </ds:schemaRefs>
+</ds:datastoreItem>
+</file>
+
+<file path=customXml/itemProps27.xml><?xml version="1.0" encoding="utf-8"?>
+<ds:datastoreItem xmlns:ds="http://schemas.openxmlformats.org/officeDocument/2006/customXml" ds:itemID="{EA59DCB8-0416-4CDF-B7A8-3408237CE9AF}">
+  <ds:schemaRefs>
+    <ds:schemaRef ds:uri="http://schemas.microsoft.com/VisualStudio/2011/storyboarding/control"/>
+  </ds:schemaRefs>
+</ds:datastoreItem>
+</file>
+
+<file path=customXml/itemProps28.xml><?xml version="1.0" encoding="utf-8"?>
+<ds:datastoreItem xmlns:ds="http://schemas.openxmlformats.org/officeDocument/2006/customXml" ds:itemID="{D093DAC0-100F-4B88-AD30-6096F80046F1}">
+  <ds:schemaRefs>
+    <ds:schemaRef ds:uri="http://schemas.microsoft.com/VisualStudio/2011/storyboarding/control"/>
+  </ds:schemaRefs>
+</ds:datastoreItem>
+</file>
+
+<file path=customXml/itemProps29.xml><?xml version="1.0" encoding="utf-8"?>
+<ds:datastoreItem xmlns:ds="http://schemas.openxmlformats.org/officeDocument/2006/customXml" ds:itemID="{00284BA1-76DC-4304-8924-639E629F92EA}">
+  <ds:schemaRefs>
+    <ds:schemaRef ds:uri="http://schemas.microsoft.com/VisualStudio/2011/storyboarding/control"/>
+  </ds:schemaRefs>
+</ds:datastoreItem>
+</file>
+
+<file path=customXml/itemProps3.xml><?xml version="1.0" encoding="utf-8"?>
+<ds:datastoreItem xmlns:ds="http://schemas.openxmlformats.org/officeDocument/2006/customXml" ds:itemID="{237C6A13-5570-4035-A906-49AEDEF159FC}">
+  <ds:schemaRefs>
+    <ds:schemaRef ds:uri="http://schemas.microsoft.com/VisualStudio/2011/storyboarding/control"/>
+  </ds:schemaRefs>
+</ds:datastoreItem>
+</file>
+
+<file path=customXml/itemProps30.xml><?xml version="1.0" encoding="utf-8"?>
+<ds:datastoreItem xmlns:ds="http://schemas.openxmlformats.org/officeDocument/2006/customXml" ds:itemID="{6C28E3CC-A396-469F-8032-53D7143813C3}">
+  <ds:schemaRefs>
+    <ds:schemaRef ds:uri="http://schemas.microsoft.com/VisualStudio/2011/storyboarding/control"/>
+  </ds:schemaRefs>
+</ds:datastoreItem>
+</file>
+
+<file path=customXml/itemProps31.xml><?xml version="1.0" encoding="utf-8"?>
+<ds:datastoreItem xmlns:ds="http://schemas.openxmlformats.org/officeDocument/2006/customXml" ds:itemID="{45E97D65-6343-4570-8097-EA7E7BF9672F}">
+  <ds:schemaRefs>
+    <ds:schemaRef ds:uri="http://schemas.microsoft.com/VisualStudio/2011/storyboarding/control"/>
+  </ds:schemaRefs>
+</ds:datastoreItem>
+</file>
+
+<file path=customXml/itemProps32.xml><?xml version="1.0" encoding="utf-8"?>
+<ds:datastoreItem xmlns:ds="http://schemas.openxmlformats.org/officeDocument/2006/customXml" ds:itemID="{B480FC82-3169-4C85-9FC9-6C3520CF1ADC}">
+  <ds:schemaRefs>
+    <ds:schemaRef ds:uri="http://schemas.microsoft.com/VisualStudio/2011/storyboarding/control"/>
+  </ds:schemaRefs>
+</ds:datastoreItem>
+</file>
+
+<file path=customXml/itemProps33.xml><?xml version="1.0" encoding="utf-8"?>
 <ds:datastoreItem xmlns:ds="http://schemas.openxmlformats.org/officeDocument/2006/customXml" ds:itemID="{B15524AA-E671-4093-91E6-11A39F89BE8A}">
   <ds:schemaRefs>
     <ds:schemaRef ds:uri="http://schemas.microsoft.com/VisualStudio/2011/storyboarding/control"/>
@@ -15364,23 +17165,71 @@
 </ds:datastoreItem>
 </file>
 
-<file path=customXml/itemProps100.xml><?xml version="1.0" encoding="utf-8"?>
-<ds:datastoreItem xmlns:ds="http://schemas.openxmlformats.org/officeDocument/2006/customXml" ds:itemID="{00284BA1-76DC-4304-8924-639E629F92EA}">
+<file path=customXml/itemProps34.xml><?xml version="1.0" encoding="utf-8"?>
+<ds:datastoreItem xmlns:ds="http://schemas.openxmlformats.org/officeDocument/2006/customXml" ds:itemID="{2487B05E-F758-49B5-914B-37AD8930ED02}">
   <ds:schemaRefs>
     <ds:schemaRef ds:uri="http://schemas.microsoft.com/VisualStudio/2011/storyboarding/control"/>
   </ds:schemaRefs>
 </ds:datastoreItem>
 </file>
 
-<file path=customXml/itemProps101.xml><?xml version="1.0" encoding="utf-8"?>
-<ds:datastoreItem xmlns:ds="http://schemas.openxmlformats.org/officeDocument/2006/customXml" ds:itemID="{F2328595-B94A-4766-A678-942BFE76529D}">
+<file path=customXml/itemProps35.xml><?xml version="1.0" encoding="utf-8"?>
+<ds:datastoreItem xmlns:ds="http://schemas.openxmlformats.org/officeDocument/2006/customXml" ds:itemID="{D5C3212D-E796-40B4-9DF4-64C7020EEC39}">
   <ds:schemaRefs>
     <ds:schemaRef ds:uri="http://schemas.microsoft.com/VisualStudio/2011/storyboarding/control"/>
   </ds:schemaRefs>
 </ds:datastoreItem>
 </file>
 
-<file path=customXml/itemProps11.xml><?xml version="1.0" encoding="utf-8"?>
+<file path=customXml/itemProps36.xml><?xml version="1.0" encoding="utf-8"?>
+<ds:datastoreItem xmlns:ds="http://schemas.openxmlformats.org/officeDocument/2006/customXml" ds:itemID="{E6534C85-3FCF-4A96-A817-5FAEA8C983EC}">
+  <ds:schemaRefs>
+    <ds:schemaRef ds:uri="http://schemas.microsoft.com/VisualStudio/2011/storyboarding/control"/>
+  </ds:schemaRefs>
+</ds:datastoreItem>
+</file>
+
+<file path=customXml/itemProps37.xml><?xml version="1.0" encoding="utf-8"?>
+<ds:datastoreItem xmlns:ds="http://schemas.openxmlformats.org/officeDocument/2006/customXml" ds:itemID="{FD116327-F1B7-432D-85A9-86B2CC29F909}">
+  <ds:schemaRefs>
+    <ds:schemaRef ds:uri="http://schemas.microsoft.com/VisualStudio/2011/storyboarding/control"/>
+  </ds:schemaRefs>
+</ds:datastoreItem>
+</file>
+
+<file path=customXml/itemProps38.xml><?xml version="1.0" encoding="utf-8"?>
+<ds:datastoreItem xmlns:ds="http://schemas.openxmlformats.org/officeDocument/2006/customXml" ds:itemID="{665E4BBE-7760-4142-A7BE-17AB5980C22C}">
+  <ds:schemaRefs>
+    <ds:schemaRef ds:uri="http://schemas.microsoft.com/VisualStudio/2011/storyboarding/control"/>
+  </ds:schemaRefs>
+</ds:datastoreItem>
+</file>
+
+<file path=customXml/itemProps39.xml><?xml version="1.0" encoding="utf-8"?>
+<ds:datastoreItem xmlns:ds="http://schemas.openxmlformats.org/officeDocument/2006/customXml" ds:itemID="{9A549DBF-0857-4182-A576-C9C6519C6A3E}">
+  <ds:schemaRefs>
+    <ds:schemaRef ds:uri="http://schemas.microsoft.com/VisualStudio/2011/storyboarding/control"/>
+  </ds:schemaRefs>
+</ds:datastoreItem>
+</file>
+
+<file path=customXml/itemProps4.xml><?xml version="1.0" encoding="utf-8"?>
+<ds:datastoreItem xmlns:ds="http://schemas.openxmlformats.org/officeDocument/2006/customXml" ds:itemID="{32ECFB9B-BC23-44D4-BB12-77EB94DEDC48}">
+  <ds:schemaRefs>
+    <ds:schemaRef ds:uri="http://schemas.microsoft.com/VisualStudio/2011/storyboarding/control"/>
+  </ds:schemaRefs>
+</ds:datastoreItem>
+</file>
+
+<file path=customXml/itemProps40.xml><?xml version="1.0" encoding="utf-8"?>
+<ds:datastoreItem xmlns:ds="http://schemas.openxmlformats.org/officeDocument/2006/customXml" ds:itemID="{D5D1CCD8-856F-4AAF-AB27-FCEEA51943BA}">
+  <ds:schemaRefs>
+    <ds:schemaRef ds:uri="http://schemas.microsoft.com/VisualStudio/2011/storyboarding/control"/>
+  </ds:schemaRefs>
+</ds:datastoreItem>
+</file>
+
+<file path=customXml/itemProps41.xml><?xml version="1.0" encoding="utf-8"?>
 <ds:datastoreItem xmlns:ds="http://schemas.openxmlformats.org/officeDocument/2006/customXml" ds:itemID="{A0472940-DB88-4113-B969-16EA24F7EB7F}">
   <ds:schemaRefs>
     <ds:schemaRef ds:uri="http://schemas.microsoft.com/VisualStudio/2011/storyboarding/control"/>
@@ -15388,272 +17237,8 @@
 </ds:datastoreItem>
 </file>
 
-<file path=customXml/itemProps12.xml><?xml version="1.0" encoding="utf-8"?>
-<ds:datastoreItem xmlns:ds="http://schemas.openxmlformats.org/officeDocument/2006/customXml" ds:itemID="{DBBAE149-4048-407F-90E7-559BE2D44973}">
-  <ds:schemaRefs>
-    <ds:schemaRef ds:uri="http://schemas.microsoft.com/VisualStudio/2011/storyboarding/control"/>
-  </ds:schemaRefs>
-</ds:datastoreItem>
-</file>
-
-<file path=customXml/itemProps13.xml><?xml version="1.0" encoding="utf-8"?>
-<ds:datastoreItem xmlns:ds="http://schemas.openxmlformats.org/officeDocument/2006/customXml" ds:itemID="{735154BF-5FB2-4A42-9F50-5688C44EA915}">
-  <ds:schemaRefs>
-    <ds:schemaRef ds:uri="http://schemas.microsoft.com/VisualStudio/2011/storyboarding/control"/>
-  </ds:schemaRefs>
-</ds:datastoreItem>
-</file>
-
-<file path=customXml/itemProps14.xml><?xml version="1.0" encoding="utf-8"?>
-<ds:datastoreItem xmlns:ds="http://schemas.openxmlformats.org/officeDocument/2006/customXml" ds:itemID="{32ECFB9B-BC23-44D4-BB12-77EB94DEDC48}">
-  <ds:schemaRefs>
-    <ds:schemaRef ds:uri="http://schemas.microsoft.com/VisualStudio/2011/storyboarding/control"/>
-  </ds:schemaRefs>
-</ds:datastoreItem>
-</file>
-
-<file path=customXml/itemProps15.xml><?xml version="1.0" encoding="utf-8"?>
-<ds:datastoreItem xmlns:ds="http://schemas.openxmlformats.org/officeDocument/2006/customXml" ds:itemID="{24CC90C9-DCFC-4768-840C-0D3A65CEFB1A}">
-  <ds:schemaRefs>
-    <ds:schemaRef ds:uri="http://schemas.microsoft.com/VisualStudio/2011/storyboarding/control"/>
-  </ds:schemaRefs>
-</ds:datastoreItem>
-</file>
-
-<file path=customXml/itemProps16.xml><?xml version="1.0" encoding="utf-8"?>
-<ds:datastoreItem xmlns:ds="http://schemas.openxmlformats.org/officeDocument/2006/customXml" ds:itemID="{62FA41B9-62F5-4ACF-80F9-B80C9044340F}">
-  <ds:schemaRefs>
-    <ds:schemaRef ds:uri="http://schemas.microsoft.com/VisualStudio/2011/storyboarding/control"/>
-  </ds:schemaRefs>
-</ds:datastoreItem>
-</file>
-
-<file path=customXml/itemProps17.xml><?xml version="1.0" encoding="utf-8"?>
-<ds:datastoreItem xmlns:ds="http://schemas.openxmlformats.org/officeDocument/2006/customXml" ds:itemID="{DBFC18C8-41F2-4B67-ACD8-B4F649599337}">
-  <ds:schemaRefs>
-    <ds:schemaRef ds:uri="http://schemas.microsoft.com/VisualStudio/2011/storyboarding/control"/>
-  </ds:schemaRefs>
-</ds:datastoreItem>
-</file>
-
-<file path=customXml/itemProps18.xml><?xml version="1.0" encoding="utf-8"?>
-<ds:datastoreItem xmlns:ds="http://schemas.openxmlformats.org/officeDocument/2006/customXml" ds:itemID="{FD116327-F1B7-432D-85A9-86B2CC29F909}">
-  <ds:schemaRefs>
-    <ds:schemaRef ds:uri="http://schemas.microsoft.com/VisualStudio/2011/storyboarding/control"/>
-  </ds:schemaRefs>
-</ds:datastoreItem>
-</file>
-
-<file path=customXml/itemProps19.xml><?xml version="1.0" encoding="utf-8"?>
-<ds:datastoreItem xmlns:ds="http://schemas.openxmlformats.org/officeDocument/2006/customXml" ds:itemID="{F0CBAB2F-75D2-4967-A27F-6965E3ED1778}">
-  <ds:schemaRefs>
-    <ds:schemaRef ds:uri="http://schemas.microsoft.com/VisualStudio/2011/storyboarding/control"/>
-  </ds:schemaRefs>
-</ds:datastoreItem>
-</file>
-
-<file path=customXml/itemProps2.xml><?xml version="1.0" encoding="utf-8"?>
-<ds:datastoreItem xmlns:ds="http://schemas.openxmlformats.org/officeDocument/2006/customXml" ds:itemID="{237C6A13-5570-4035-A906-49AEDEF159FC}">
-  <ds:schemaRefs>
-    <ds:schemaRef ds:uri="http://schemas.microsoft.com/VisualStudio/2011/storyboarding/control"/>
-  </ds:schemaRefs>
-</ds:datastoreItem>
-</file>
-
-<file path=customXml/itemProps20.xml><?xml version="1.0" encoding="utf-8"?>
-<ds:datastoreItem xmlns:ds="http://schemas.openxmlformats.org/officeDocument/2006/customXml" ds:itemID="{40484B2B-32CA-4908-A849-9B88CBDFDD72}">
-  <ds:schemaRefs>
-    <ds:schemaRef ds:uri="http://schemas.microsoft.com/VisualStudio/2011/storyboarding/control"/>
-  </ds:schemaRefs>
-</ds:datastoreItem>
-</file>
-
-<file path=customXml/itemProps21.xml><?xml version="1.0" encoding="utf-8"?>
-<ds:datastoreItem xmlns:ds="http://schemas.openxmlformats.org/officeDocument/2006/customXml" ds:itemID="{9A2A8AD0-14C2-4198-95FA-7CA78E84BB0E}">
-  <ds:schemaRefs>
-    <ds:schemaRef ds:uri="http://schemas.microsoft.com/VisualStudio/2011/storyboarding/control"/>
-  </ds:schemaRefs>
-</ds:datastoreItem>
-</file>
-
-<file path=customXml/itemProps22.xml><?xml version="1.0" encoding="utf-8"?>
-<ds:datastoreItem xmlns:ds="http://schemas.openxmlformats.org/officeDocument/2006/customXml" ds:itemID="{ED3D69ED-38A9-48C8-B05E-83772337A98C}">
-  <ds:schemaRefs>
-    <ds:schemaRef ds:uri="http://schemas.microsoft.com/VisualStudio/2011/storyboarding/control"/>
-  </ds:schemaRefs>
-</ds:datastoreItem>
-</file>
-
-<file path=customXml/itemProps23.xml><?xml version="1.0" encoding="utf-8"?>
-<ds:datastoreItem xmlns:ds="http://schemas.openxmlformats.org/officeDocument/2006/customXml" ds:itemID="{665E4BBE-7760-4142-A7BE-17AB5980C22C}">
-  <ds:schemaRefs>
-    <ds:schemaRef ds:uri="http://schemas.microsoft.com/VisualStudio/2011/storyboarding/control"/>
-  </ds:schemaRefs>
-</ds:datastoreItem>
-</file>
-
-<file path=customXml/itemProps24.xml><?xml version="1.0" encoding="utf-8"?>
-<ds:datastoreItem xmlns:ds="http://schemas.openxmlformats.org/officeDocument/2006/customXml" ds:itemID="{B4FE2F49-6183-4BEB-8E3F-2E3F7B41D332}">
-  <ds:schemaRefs>
-    <ds:schemaRef ds:uri="http://schemas.microsoft.com/VisualStudio/2011/storyboarding/control"/>
-  </ds:schemaRefs>
-</ds:datastoreItem>
-</file>
-
-<file path=customXml/itemProps25.xml><?xml version="1.0" encoding="utf-8"?>
-<ds:datastoreItem xmlns:ds="http://schemas.openxmlformats.org/officeDocument/2006/customXml" ds:itemID="{6AD84BE9-0868-4CB2-8303-2FC4DD2D5CFA}">
-  <ds:schemaRefs>
-    <ds:schemaRef ds:uri="http://schemas.microsoft.com/VisualStudio/2011/storyboarding/control"/>
-  </ds:schemaRefs>
-</ds:datastoreItem>
-</file>
-
-<file path=customXml/itemProps26.xml><?xml version="1.0" encoding="utf-8"?>
-<ds:datastoreItem xmlns:ds="http://schemas.openxmlformats.org/officeDocument/2006/customXml" ds:itemID="{F8966AEF-05C9-4F9E-ACC0-C77A7D3EC4A2}">
-  <ds:schemaRefs>
-    <ds:schemaRef ds:uri="http://schemas.microsoft.com/VisualStudio/2011/storyboarding/control"/>
-  </ds:schemaRefs>
-</ds:datastoreItem>
-</file>
-
-<file path=customXml/itemProps27.xml><?xml version="1.0" encoding="utf-8"?>
-<ds:datastoreItem xmlns:ds="http://schemas.openxmlformats.org/officeDocument/2006/customXml" ds:itemID="{54B2E962-2282-4EA5-98DB-CDA924B11B85}">
-  <ds:schemaRefs>
-    <ds:schemaRef ds:uri="http://schemas.microsoft.com/VisualStudio/2011/storyboarding/control"/>
-  </ds:schemaRefs>
-</ds:datastoreItem>
-</file>
-
-<file path=customXml/itemProps28.xml><?xml version="1.0" encoding="utf-8"?>
-<ds:datastoreItem xmlns:ds="http://schemas.openxmlformats.org/officeDocument/2006/customXml" ds:itemID="{7346DCBA-97EA-402E-B18D-E1C727EC93DD}">
-  <ds:schemaRefs>
-    <ds:schemaRef ds:uri="http://schemas.microsoft.com/VisualStudio/2011/storyboarding/control"/>
-  </ds:schemaRefs>
-</ds:datastoreItem>
-</file>
-
-<file path=customXml/itemProps29.xml><?xml version="1.0" encoding="utf-8"?>
-<ds:datastoreItem xmlns:ds="http://schemas.openxmlformats.org/officeDocument/2006/customXml" ds:itemID="{4D978272-033F-42C0-945F-26C45B05BB06}">
-  <ds:schemaRefs>
-    <ds:schemaRef ds:uri="http://schemas.microsoft.com/VisualStudio/2011/storyboarding/control"/>
-  </ds:schemaRefs>
-</ds:datastoreItem>
-</file>
-
-<file path=customXml/itemProps3.xml><?xml version="1.0" encoding="utf-8"?>
-<ds:datastoreItem xmlns:ds="http://schemas.openxmlformats.org/officeDocument/2006/customXml" ds:itemID="{57009A2F-813A-4612-AA9D-4FFAC39B82A8}">
-  <ds:schemaRefs>
-    <ds:schemaRef ds:uri="http://schemas.microsoft.com/VisualStudio/2011/storyboarding/control"/>
-  </ds:schemaRefs>
-</ds:datastoreItem>
-</file>
-
-<file path=customXml/itemProps30.xml><?xml version="1.0" encoding="utf-8"?>
-<ds:datastoreItem xmlns:ds="http://schemas.openxmlformats.org/officeDocument/2006/customXml" ds:itemID="{3BEE128F-DCA4-40C0-8AB8-CBBC4CBDEC86}">
-  <ds:schemaRefs>
-    <ds:schemaRef ds:uri="http://schemas.microsoft.com/VisualStudio/2011/storyboarding/control"/>
-  </ds:schemaRefs>
-</ds:datastoreItem>
-</file>
-
-<file path=customXml/itemProps31.xml><?xml version="1.0" encoding="utf-8"?>
-<ds:datastoreItem xmlns:ds="http://schemas.openxmlformats.org/officeDocument/2006/customXml" ds:itemID="{DB567D2A-71FA-480A-800B-2D3CC4803E30}">
-  <ds:schemaRefs>
-    <ds:schemaRef ds:uri="http://schemas.microsoft.com/VisualStudio/2011/storyboarding/control"/>
-  </ds:schemaRefs>
-</ds:datastoreItem>
-</file>
-
-<file path=customXml/itemProps32.xml><?xml version="1.0" encoding="utf-8"?>
-<ds:datastoreItem xmlns:ds="http://schemas.openxmlformats.org/officeDocument/2006/customXml" ds:itemID="{7FE5D889-C566-4205-8BB7-607167187A6D}">
-  <ds:schemaRefs>
-    <ds:schemaRef ds:uri="http://schemas.microsoft.com/VisualStudio/2011/storyboarding/control"/>
-  </ds:schemaRefs>
-</ds:datastoreItem>
-</file>
-
-<file path=customXml/itemProps33.xml><?xml version="1.0" encoding="utf-8"?>
-<ds:datastoreItem xmlns:ds="http://schemas.openxmlformats.org/officeDocument/2006/customXml" ds:itemID="{B480FC82-3169-4C85-9FC9-6C3520CF1ADC}">
-  <ds:schemaRefs>
-    <ds:schemaRef ds:uri="http://schemas.microsoft.com/VisualStudio/2011/storyboarding/control"/>
-  </ds:schemaRefs>
-</ds:datastoreItem>
-</file>
-
-<file path=customXml/itemProps34.xml><?xml version="1.0" encoding="utf-8"?>
-<ds:datastoreItem xmlns:ds="http://schemas.openxmlformats.org/officeDocument/2006/customXml" ds:itemID="{0A38C512-3B46-4016-B655-9A7DBEA3E5AB}">
-  <ds:schemaRefs>
-    <ds:schemaRef ds:uri="http://schemas.microsoft.com/VisualStudio/2011/storyboarding/control"/>
-  </ds:schemaRefs>
-</ds:datastoreItem>
-</file>
-
-<file path=customXml/itemProps35.xml><?xml version="1.0" encoding="utf-8"?>
-<ds:datastoreItem xmlns:ds="http://schemas.openxmlformats.org/officeDocument/2006/customXml" ds:itemID="{6C369A29-791E-40A4-B896-725D656F6219}">
-  <ds:schemaRefs>
-    <ds:schemaRef ds:uri="http://schemas.microsoft.com/VisualStudio/2011/storyboarding/control"/>
-  </ds:schemaRefs>
-</ds:datastoreItem>
-</file>
-
-<file path=customXml/itemProps36.xml><?xml version="1.0" encoding="utf-8"?>
-<ds:datastoreItem xmlns:ds="http://schemas.openxmlformats.org/officeDocument/2006/customXml" ds:itemID="{0F220257-F99E-4E47-AD44-65D24C457664}">
-  <ds:schemaRefs>
-    <ds:schemaRef ds:uri="http://schemas.microsoft.com/VisualStudio/2011/storyboarding/control"/>
-  </ds:schemaRefs>
-</ds:datastoreItem>
-</file>
-
-<file path=customXml/itemProps37.xml><?xml version="1.0" encoding="utf-8"?>
-<ds:datastoreItem xmlns:ds="http://schemas.openxmlformats.org/officeDocument/2006/customXml" ds:itemID="{D76D1104-82AB-4388-82F3-A2CDEB01CFFA}">
-  <ds:schemaRefs>
-    <ds:schemaRef ds:uri="http://schemas.microsoft.com/VisualStudio/2011/storyboarding/control"/>
-  </ds:schemaRefs>
-</ds:datastoreItem>
-</file>
-
-<file path=customXml/itemProps38.xml><?xml version="1.0" encoding="utf-8"?>
-<ds:datastoreItem xmlns:ds="http://schemas.openxmlformats.org/officeDocument/2006/customXml" ds:itemID="{BB853E70-C52C-4C96-B715-5B968D2A994D}">
-  <ds:schemaRefs>
-    <ds:schemaRef ds:uri="http://schemas.microsoft.com/VisualStudio/2011/storyboarding/control"/>
-  </ds:schemaRefs>
-</ds:datastoreItem>
-</file>
-
-<file path=customXml/itemProps39.xml><?xml version="1.0" encoding="utf-8"?>
-<ds:datastoreItem xmlns:ds="http://schemas.openxmlformats.org/officeDocument/2006/customXml" ds:itemID="{4C110DA4-838D-485D-9522-3AE017EA91BB}">
-  <ds:schemaRefs>
-    <ds:schemaRef ds:uri="http://schemas.microsoft.com/VisualStudio/2011/storyboarding/control"/>
-  </ds:schemaRefs>
-</ds:datastoreItem>
-</file>
-
-<file path=customXml/itemProps4.xml><?xml version="1.0" encoding="utf-8"?>
-<ds:datastoreItem xmlns:ds="http://schemas.openxmlformats.org/officeDocument/2006/customXml" ds:itemID="{D5D1CCD8-856F-4AAF-AB27-FCEEA51943BA}">
-  <ds:schemaRefs>
-    <ds:schemaRef ds:uri="http://schemas.microsoft.com/VisualStudio/2011/storyboarding/control"/>
-  </ds:schemaRefs>
-</ds:datastoreItem>
-</file>
-
-<file path=customXml/itemProps40.xml><?xml version="1.0" encoding="utf-8"?>
-<ds:datastoreItem xmlns:ds="http://schemas.openxmlformats.org/officeDocument/2006/customXml" ds:itemID="{441C7EBE-B1F1-437D-A1A7-982CD016269C}">
-  <ds:schemaRefs>
-    <ds:schemaRef ds:uri="http://schemas.microsoft.com/VisualStudio/2011/storyboarding/control"/>
-  </ds:schemaRefs>
-</ds:datastoreItem>
-</file>
-
-<file path=customXml/itemProps41.xml><?xml version="1.0" encoding="utf-8"?>
-<ds:datastoreItem xmlns:ds="http://schemas.openxmlformats.org/officeDocument/2006/customXml" ds:itemID="{2B8239E4-F3AC-4E73-B621-3377998C1E74}">
-  <ds:schemaRefs>
-    <ds:schemaRef ds:uri="http://schemas.microsoft.com/VisualStudio/2011/storyboarding/control"/>
-  </ds:schemaRefs>
-</ds:datastoreItem>
-</file>
-
 <file path=customXml/itemProps42.xml><?xml version="1.0" encoding="utf-8"?>
-<ds:datastoreItem xmlns:ds="http://schemas.openxmlformats.org/officeDocument/2006/customXml" ds:itemID="{D093DAC0-100F-4B88-AD30-6096F80046F1}">
+<ds:datastoreItem xmlns:ds="http://schemas.openxmlformats.org/officeDocument/2006/customXml" ds:itemID="{F250E77D-4307-4DF6-B5B0-A84E72ED7F70}">
   <ds:schemaRefs>
     <ds:schemaRef ds:uri="http://schemas.microsoft.com/VisualStudio/2011/storyboarding/control"/>
   </ds:schemaRefs>
@@ -15669,7 +17254,7 @@
 </file>
 
 <file path=customXml/itemProps44.xml><?xml version="1.0" encoding="utf-8"?>
-<ds:datastoreItem xmlns:ds="http://schemas.openxmlformats.org/officeDocument/2006/customXml" ds:itemID="{1C58624C-ADD7-4638-9F03-50B6B0125115}">
+<ds:datastoreItem xmlns:ds="http://schemas.openxmlformats.org/officeDocument/2006/customXml" ds:itemID="{1ACBFFF3-A1FA-4A8A-A886-2045487CFD4F}">
   <ds:schemaRefs>
     <ds:schemaRef ds:uri="http://schemas.microsoft.com/VisualStudio/2011/storyboarding/control"/>
   </ds:schemaRefs>
@@ -15677,7 +17262,7 @@
 </file>
 
 <file path=customXml/itemProps45.xml><?xml version="1.0" encoding="utf-8"?>
-<ds:datastoreItem xmlns:ds="http://schemas.openxmlformats.org/officeDocument/2006/customXml" ds:itemID="{E73954B7-8733-4015-BBE9-68F0EBC1DC98}">
+<ds:datastoreItem xmlns:ds="http://schemas.openxmlformats.org/officeDocument/2006/customXml" ds:itemID="{FED77ACA-A391-4822-BEF5-924372A3425F}">
   <ds:schemaRefs>
     <ds:schemaRef ds:uri="http://schemas.microsoft.com/VisualStudio/2011/storyboarding/control"/>
   </ds:schemaRefs>
@@ -15685,6 +17270,398 @@
 </file>
 
 <file path=customXml/itemProps46.xml><?xml version="1.0" encoding="utf-8"?>
+<ds:datastoreItem xmlns:ds="http://schemas.openxmlformats.org/officeDocument/2006/customXml" ds:itemID="{BF3BA2C0-1BC0-4EE1-A0B3-3C1162A3C6D5}">
+  <ds:schemaRefs>
+    <ds:schemaRef ds:uri="http://schemas.microsoft.com/VisualStudio/2011/storyboarding/control"/>
+  </ds:schemaRefs>
+</ds:datastoreItem>
+</file>
+
+<file path=customXml/itemProps47.xml><?xml version="1.0" encoding="utf-8"?>
+<ds:datastoreItem xmlns:ds="http://schemas.openxmlformats.org/officeDocument/2006/customXml" ds:itemID="{CA460F31-B773-4067-B036-332848DF28B9}">
+  <ds:schemaRefs>
+    <ds:schemaRef ds:uri="http://schemas.microsoft.com/VisualStudio/2011/storyboarding/control"/>
+  </ds:schemaRefs>
+</ds:datastoreItem>
+</file>
+
+<file path=customXml/itemProps48.xml><?xml version="1.0" encoding="utf-8"?>
+<ds:datastoreItem xmlns:ds="http://schemas.openxmlformats.org/officeDocument/2006/customXml" ds:itemID="{58E85928-2B8F-490C-9347-5C47C3112D67}">
+  <ds:schemaRefs>
+    <ds:schemaRef ds:uri="http://schemas.microsoft.com/VisualStudio/2011/storyboarding/control"/>
+  </ds:schemaRefs>
+</ds:datastoreItem>
+</file>
+
+<file path=customXml/itemProps49.xml><?xml version="1.0" encoding="utf-8"?>
+<ds:datastoreItem xmlns:ds="http://schemas.openxmlformats.org/officeDocument/2006/customXml" ds:itemID="{0ABEA74B-FF86-455C-8A72-E51D65593505}">
+  <ds:schemaRefs>
+    <ds:schemaRef ds:uri="http://schemas.microsoft.com/VisualStudio/2011/storyboarding/control"/>
+  </ds:schemaRefs>
+</ds:datastoreItem>
+</file>
+
+<file path=customXml/itemProps5.xml><?xml version="1.0" encoding="utf-8"?>
+<ds:datastoreItem xmlns:ds="http://schemas.openxmlformats.org/officeDocument/2006/customXml" ds:itemID="{F8966AEF-05C9-4F9E-ACC0-C77A7D3EC4A2}">
+  <ds:schemaRefs>
+    <ds:schemaRef ds:uri="http://schemas.microsoft.com/VisualStudio/2011/storyboarding/control"/>
+  </ds:schemaRefs>
+</ds:datastoreItem>
+</file>
+
+<file path=customXml/itemProps50.xml><?xml version="1.0" encoding="utf-8"?>
+<ds:datastoreItem xmlns:ds="http://schemas.openxmlformats.org/officeDocument/2006/customXml" ds:itemID="{B9EF3FF1-AB90-46CE-9292-50C2C5E9F7FC}">
+  <ds:schemaRefs>
+    <ds:schemaRef ds:uri="http://schemas.microsoft.com/VisualStudio/2011/storyboarding/control"/>
+  </ds:schemaRefs>
+</ds:datastoreItem>
+</file>
+
+<file path=customXml/itemProps51.xml><?xml version="1.0" encoding="utf-8"?>
+<ds:datastoreItem xmlns:ds="http://schemas.openxmlformats.org/officeDocument/2006/customXml" ds:itemID="{FF693739-48CE-428A-A9E2-6DC984D9B3FA}">
+  <ds:schemaRefs>
+    <ds:schemaRef ds:uri="http://schemas.microsoft.com/VisualStudio/2011/storyboarding/control"/>
+  </ds:schemaRefs>
+</ds:datastoreItem>
+</file>
+
+<file path=customXml/itemProps52.xml><?xml version="1.0" encoding="utf-8"?>
+<ds:datastoreItem xmlns:ds="http://schemas.openxmlformats.org/officeDocument/2006/customXml" ds:itemID="{54B2E962-2282-4EA5-98DB-CDA924B11B85}">
+  <ds:schemaRefs>
+    <ds:schemaRef ds:uri="http://schemas.microsoft.com/VisualStudio/2011/storyboarding/control"/>
+  </ds:schemaRefs>
+</ds:datastoreItem>
+</file>
+
+<file path=customXml/itemProps53.xml><?xml version="1.0" encoding="utf-8"?>
+<ds:datastoreItem xmlns:ds="http://schemas.openxmlformats.org/officeDocument/2006/customXml" ds:itemID="{8EDC32C9-43BE-46C7-9EB2-520A513BD87F}">
+  <ds:schemaRefs>
+    <ds:schemaRef ds:uri="http://schemas.microsoft.com/VisualStudio/2011/storyboarding/control"/>
+  </ds:schemaRefs>
+</ds:datastoreItem>
+</file>
+
+<file path=customXml/itemProps54.xml><?xml version="1.0" encoding="utf-8"?>
+<ds:datastoreItem xmlns:ds="http://schemas.openxmlformats.org/officeDocument/2006/customXml" ds:itemID="{DB943CB5-6ECD-4BD5-A62D-6B81C42065C2}">
+  <ds:schemaRefs>
+    <ds:schemaRef ds:uri="http://schemas.microsoft.com/VisualStudio/2011/storyboarding/control"/>
+  </ds:schemaRefs>
+</ds:datastoreItem>
+</file>
+
+<file path=customXml/itemProps55.xml><?xml version="1.0" encoding="utf-8"?>
+<ds:datastoreItem xmlns:ds="http://schemas.openxmlformats.org/officeDocument/2006/customXml" ds:itemID="{4E2C718C-25E1-456F-90E3-4B831D06B6F8}">
+  <ds:schemaRefs>
+    <ds:schemaRef ds:uri="http://schemas.microsoft.com/VisualStudio/2011/storyboarding/control"/>
+  </ds:schemaRefs>
+</ds:datastoreItem>
+</file>
+
+<file path=customXml/itemProps56.xml><?xml version="1.0" encoding="utf-8"?>
+<ds:datastoreItem xmlns:ds="http://schemas.openxmlformats.org/officeDocument/2006/customXml" ds:itemID="{9F9D5C54-1675-4957-93CF-3A95802A5BCB}">
+  <ds:schemaRefs>
+    <ds:schemaRef ds:uri="http://schemas.microsoft.com/VisualStudio/2011/storyboarding/control"/>
+  </ds:schemaRefs>
+</ds:datastoreItem>
+</file>
+
+<file path=customXml/itemProps57.xml><?xml version="1.0" encoding="utf-8"?>
+<ds:datastoreItem xmlns:ds="http://schemas.openxmlformats.org/officeDocument/2006/customXml" ds:itemID="{0E6EDFFA-7DB4-478C-B4A0-D5E156E272F2}">
+  <ds:schemaRefs>
+    <ds:schemaRef ds:uri="http://schemas.microsoft.com/VisualStudio/2011/storyboarding/control"/>
+  </ds:schemaRefs>
+</ds:datastoreItem>
+</file>
+
+<file path=customXml/itemProps58.xml><?xml version="1.0" encoding="utf-8"?>
+<ds:datastoreItem xmlns:ds="http://schemas.openxmlformats.org/officeDocument/2006/customXml" ds:itemID="{CBD75DB4-3633-4E3E-B326-F275DFDB66AF}">
+  <ds:schemaRefs>
+    <ds:schemaRef ds:uri="http://schemas.microsoft.com/VisualStudio/2011/storyboarding/control"/>
+  </ds:schemaRefs>
+</ds:datastoreItem>
+</file>
+
+<file path=customXml/itemProps59.xml><?xml version="1.0" encoding="utf-8"?>
+<ds:datastoreItem xmlns:ds="http://schemas.openxmlformats.org/officeDocument/2006/customXml" ds:itemID="{98ED19BC-F2BE-474D-AE6A-03F6010F09B7}">
+  <ds:schemaRefs>
+    <ds:schemaRef ds:uri="http://schemas.microsoft.com/VisualStudio/2011/storyboarding/control"/>
+  </ds:schemaRefs>
+</ds:datastoreItem>
+</file>
+
+<file path=customXml/itemProps6.xml><?xml version="1.0" encoding="utf-8"?>
+<ds:datastoreItem xmlns:ds="http://schemas.openxmlformats.org/officeDocument/2006/customXml" ds:itemID="{B8B89DFC-14C8-4A9F-A15A-190159CF0CFE}">
+  <ds:schemaRefs>
+    <ds:schemaRef ds:uri="http://schemas.microsoft.com/VisualStudio/2011/storyboarding/control"/>
+  </ds:schemaRefs>
+</ds:datastoreItem>
+</file>
+
+<file path=customXml/itemProps60.xml><?xml version="1.0" encoding="utf-8"?>
+<ds:datastoreItem xmlns:ds="http://schemas.openxmlformats.org/officeDocument/2006/customXml" ds:itemID="{40484B2B-32CA-4908-A849-9B88CBDFDD72}">
+  <ds:schemaRefs>
+    <ds:schemaRef ds:uri="http://schemas.microsoft.com/VisualStudio/2011/storyboarding/control"/>
+  </ds:schemaRefs>
+</ds:datastoreItem>
+</file>
+
+<file path=customXml/itemProps61.xml><?xml version="1.0" encoding="utf-8"?>
+<ds:datastoreItem xmlns:ds="http://schemas.openxmlformats.org/officeDocument/2006/customXml" ds:itemID="{D828C4B5-7600-47DF-839B-3BBB7781697F}">
+  <ds:schemaRefs>
+    <ds:schemaRef ds:uri="http://schemas.microsoft.com/VisualStudio/2011/storyboarding/control"/>
+  </ds:schemaRefs>
+</ds:datastoreItem>
+</file>
+
+<file path=customXml/itemProps62.xml><?xml version="1.0" encoding="utf-8"?>
+<ds:datastoreItem xmlns:ds="http://schemas.openxmlformats.org/officeDocument/2006/customXml" ds:itemID="{1687C12C-A316-4385-BDC5-EC5A54A01DFA}">
+  <ds:schemaRefs>
+    <ds:schemaRef ds:uri="http://schemas.microsoft.com/VisualStudio/2011/storyboarding/control"/>
+  </ds:schemaRefs>
+</ds:datastoreItem>
+</file>
+
+<file path=customXml/itemProps63.xml><?xml version="1.0" encoding="utf-8"?>
+<ds:datastoreItem xmlns:ds="http://schemas.openxmlformats.org/officeDocument/2006/customXml" ds:itemID="{7E04FC52-D4ED-44E8-B67A-EE8096314BAA}">
+  <ds:schemaRefs>
+    <ds:schemaRef ds:uri="http://schemas.microsoft.com/VisualStudio/2011/storyboarding/control"/>
+  </ds:schemaRefs>
+</ds:datastoreItem>
+</file>
+
+<file path=customXml/itemProps64.xml><?xml version="1.0" encoding="utf-8"?>
+<ds:datastoreItem xmlns:ds="http://schemas.openxmlformats.org/officeDocument/2006/customXml" ds:itemID="{737DBCAA-FD86-4EB1-AB9D-7F9F9C697E90}">
+  <ds:schemaRefs>
+    <ds:schemaRef ds:uri="http://schemas.microsoft.com/VisualStudio/2011/storyboarding/control"/>
+  </ds:schemaRefs>
+</ds:datastoreItem>
+</file>
+
+<file path=customXml/itemProps65.xml><?xml version="1.0" encoding="utf-8"?>
+<ds:datastoreItem xmlns:ds="http://schemas.openxmlformats.org/officeDocument/2006/customXml" ds:itemID="{FC3C3428-BA7F-4803-BE5A-3645D87A3A6C}">
+  <ds:schemaRefs>
+    <ds:schemaRef ds:uri="http://schemas.microsoft.com/VisualStudio/2011/storyboarding/control"/>
+  </ds:schemaRefs>
+</ds:datastoreItem>
+</file>
+
+<file path=customXml/itemProps66.xml><?xml version="1.0" encoding="utf-8"?>
+<ds:datastoreItem xmlns:ds="http://schemas.openxmlformats.org/officeDocument/2006/customXml" ds:itemID="{F0CBAB2F-75D2-4967-A27F-6965E3ED1778}">
+  <ds:schemaRefs>
+    <ds:schemaRef ds:uri="http://schemas.microsoft.com/VisualStudio/2011/storyboarding/control"/>
+  </ds:schemaRefs>
+</ds:datastoreItem>
+</file>
+
+<file path=customXml/itemProps67.xml><?xml version="1.0" encoding="utf-8"?>
+<ds:datastoreItem xmlns:ds="http://schemas.openxmlformats.org/officeDocument/2006/customXml" ds:itemID="{7346DCBA-97EA-402E-B18D-E1C727EC93DD}">
+  <ds:schemaRefs>
+    <ds:schemaRef ds:uri="http://schemas.microsoft.com/VisualStudio/2011/storyboarding/control"/>
+  </ds:schemaRefs>
+</ds:datastoreItem>
+</file>
+
+<file path=customXml/itemProps68.xml><?xml version="1.0" encoding="utf-8"?>
+<ds:datastoreItem xmlns:ds="http://schemas.openxmlformats.org/officeDocument/2006/customXml" ds:itemID="{DB567D2A-71FA-480A-800B-2D3CC4803E30}">
+  <ds:schemaRefs>
+    <ds:schemaRef ds:uri="http://schemas.microsoft.com/VisualStudio/2011/storyboarding/control"/>
+  </ds:schemaRefs>
+</ds:datastoreItem>
+</file>
+
+<file path=customXml/itemProps69.xml><?xml version="1.0" encoding="utf-8"?>
+<ds:datastoreItem xmlns:ds="http://schemas.openxmlformats.org/officeDocument/2006/customXml" ds:itemID="{6ED08AE2-393B-4601-A237-BFEBEB86ED97}">
+  <ds:schemaRefs>
+    <ds:schemaRef ds:uri="http://schemas.microsoft.com/VisualStudio/2011/storyboarding/control"/>
+  </ds:schemaRefs>
+</ds:datastoreItem>
+</file>
+
+<file path=customXml/itemProps7.xml><?xml version="1.0" encoding="utf-8"?>
+<ds:datastoreItem xmlns:ds="http://schemas.openxmlformats.org/officeDocument/2006/customXml" ds:itemID="{3C2A0945-4362-41A2-990F-E920693D0CA2}">
+  <ds:schemaRefs>
+    <ds:schemaRef ds:uri="http://schemas.microsoft.com/VisualStudio/2011/storyboarding/control"/>
+  </ds:schemaRefs>
+</ds:datastoreItem>
+</file>
+
+<file path=customXml/itemProps70.xml><?xml version="1.0" encoding="utf-8"?>
+<ds:datastoreItem xmlns:ds="http://schemas.openxmlformats.org/officeDocument/2006/customXml" ds:itemID="{6C369A29-791E-40A4-B896-725D656F6219}">
+  <ds:schemaRefs>
+    <ds:schemaRef ds:uri="http://schemas.microsoft.com/VisualStudio/2011/storyboarding/control"/>
+  </ds:schemaRefs>
+</ds:datastoreItem>
+</file>
+
+<file path=customXml/itemProps71.xml><?xml version="1.0" encoding="utf-8"?>
+<ds:datastoreItem xmlns:ds="http://schemas.openxmlformats.org/officeDocument/2006/customXml" ds:itemID="{6260AC0F-4508-4430-BA12-847F69BCCF50}">
+  <ds:schemaRefs>
+    <ds:schemaRef ds:uri="http://schemas.microsoft.com/VisualStudio/2011/storyboarding/control"/>
+  </ds:schemaRefs>
+</ds:datastoreItem>
+</file>
+
+<file path=customXml/itemProps72.xml><?xml version="1.0" encoding="utf-8"?>
+<ds:datastoreItem xmlns:ds="http://schemas.openxmlformats.org/officeDocument/2006/customXml" ds:itemID="{57009A2F-813A-4612-AA9D-4FFAC39B82A8}">
+  <ds:schemaRefs>
+    <ds:schemaRef ds:uri="http://schemas.microsoft.com/VisualStudio/2011/storyboarding/control"/>
+  </ds:schemaRefs>
+</ds:datastoreItem>
+</file>
+
+<file path=customXml/itemProps73.xml><?xml version="1.0" encoding="utf-8"?>
+<ds:datastoreItem xmlns:ds="http://schemas.openxmlformats.org/officeDocument/2006/customXml" ds:itemID="{24CC90C9-DCFC-4768-840C-0D3A65CEFB1A}">
+  <ds:schemaRefs>
+    <ds:schemaRef ds:uri="http://schemas.microsoft.com/VisualStudio/2011/storyboarding/control"/>
+  </ds:schemaRefs>
+</ds:datastoreItem>
+</file>
+
+<file path=customXml/itemProps74.xml><?xml version="1.0" encoding="utf-8"?>
+<ds:datastoreItem xmlns:ds="http://schemas.openxmlformats.org/officeDocument/2006/customXml" ds:itemID="{FAB399A9-BA87-438F-8948-9666816087A6}">
+  <ds:schemaRefs>
+    <ds:schemaRef ds:uri="http://schemas.microsoft.com/VisualStudio/2011/storyboarding/control"/>
+  </ds:schemaRefs>
+</ds:datastoreItem>
+</file>
+
+<file path=customXml/itemProps75.xml><?xml version="1.0" encoding="utf-8"?>
+<ds:datastoreItem xmlns:ds="http://schemas.openxmlformats.org/officeDocument/2006/customXml" ds:itemID="{D76D1104-82AB-4388-82F3-A2CDEB01CFFA}">
+  <ds:schemaRefs>
+    <ds:schemaRef ds:uri="http://schemas.microsoft.com/VisualStudio/2011/storyboarding/control"/>
+  </ds:schemaRefs>
+</ds:datastoreItem>
+</file>
+
+<file path=customXml/itemProps76.xml><?xml version="1.0" encoding="utf-8"?>
+<ds:datastoreItem xmlns:ds="http://schemas.openxmlformats.org/officeDocument/2006/customXml" ds:itemID="{F232015F-DAF1-45FF-BD7C-647A088BFD71}">
+  <ds:schemaRefs>
+    <ds:schemaRef ds:uri="http://schemas.microsoft.com/VisualStudio/2011/storyboarding/control"/>
+  </ds:schemaRefs>
+</ds:datastoreItem>
+</file>
+
+<file path=customXml/itemProps77.xml><?xml version="1.0" encoding="utf-8"?>
+<ds:datastoreItem xmlns:ds="http://schemas.openxmlformats.org/officeDocument/2006/customXml" ds:itemID="{F0405DDA-F797-490F-9D04-6B64C56B9E95}">
+  <ds:schemaRefs>
+    <ds:schemaRef ds:uri="http://schemas.microsoft.com/VisualStudio/2011/storyboarding/control"/>
+  </ds:schemaRefs>
+</ds:datastoreItem>
+</file>
+
+<file path=customXml/itemProps78.xml><?xml version="1.0" encoding="utf-8"?>
+<ds:datastoreItem xmlns:ds="http://schemas.openxmlformats.org/officeDocument/2006/customXml" ds:itemID="{8B4C81AF-3B4B-4CC7-9167-93AD49568C20}">
+  <ds:schemaRefs>
+    <ds:schemaRef ds:uri="http://schemas.microsoft.com/VisualStudio/2011/storyboarding/control"/>
+  </ds:schemaRefs>
+</ds:datastoreItem>
+</file>
+
+<file path=customXml/itemProps79.xml><?xml version="1.0" encoding="utf-8"?>
+<ds:datastoreItem xmlns:ds="http://schemas.openxmlformats.org/officeDocument/2006/customXml" ds:itemID="{735154BF-5FB2-4A42-9F50-5688C44EA915}">
+  <ds:schemaRefs>
+    <ds:schemaRef ds:uri="http://schemas.microsoft.com/VisualStudio/2011/storyboarding/control"/>
+  </ds:schemaRefs>
+</ds:datastoreItem>
+</file>
+
+<file path=customXml/itemProps8.xml><?xml version="1.0" encoding="utf-8"?>
+<ds:datastoreItem xmlns:ds="http://schemas.openxmlformats.org/officeDocument/2006/customXml" ds:itemID="{3BEE128F-DCA4-40C0-8AB8-CBBC4CBDEC86}">
+  <ds:schemaRefs>
+    <ds:schemaRef ds:uri="http://schemas.microsoft.com/VisualStudio/2011/storyboarding/control"/>
+  </ds:schemaRefs>
+</ds:datastoreItem>
+</file>
+
+<file path=customXml/itemProps80.xml><?xml version="1.0" encoding="utf-8"?>
+<ds:datastoreItem xmlns:ds="http://schemas.openxmlformats.org/officeDocument/2006/customXml" ds:itemID="{214A0574-B4FE-4ED0-8624-A8CD52601755}">
+  <ds:schemaRefs>
+    <ds:schemaRef ds:uri="http://schemas.microsoft.com/VisualStudio/2011/storyboarding/control"/>
+  </ds:schemaRefs>
+</ds:datastoreItem>
+</file>
+
+<file path=customXml/itemProps81.xml><?xml version="1.0" encoding="utf-8"?>
+<ds:datastoreItem xmlns:ds="http://schemas.openxmlformats.org/officeDocument/2006/customXml" ds:itemID="{FCAB2D3C-D644-40DE-B890-52EBFBEE6679}">
+  <ds:schemaRefs>
+    <ds:schemaRef ds:uri="http://schemas.microsoft.com/VisualStudio/2011/storyboarding/control"/>
+  </ds:schemaRefs>
+</ds:datastoreItem>
+</file>
+
+<file path=customXml/itemProps82.xml><?xml version="1.0" encoding="utf-8"?>
+<ds:datastoreItem xmlns:ds="http://schemas.openxmlformats.org/officeDocument/2006/customXml" ds:itemID="{96233AC8-4828-4C3E-8BAA-3E77009FB5EA}">
+  <ds:schemaRefs>
+    <ds:schemaRef ds:uri="http://schemas.microsoft.com/VisualStudio/2011/storyboarding/control"/>
+  </ds:schemaRefs>
+</ds:datastoreItem>
+</file>
+
+<file path=customXml/itemProps83.xml><?xml version="1.0" encoding="utf-8"?>
+<ds:datastoreItem xmlns:ds="http://schemas.openxmlformats.org/officeDocument/2006/customXml" ds:itemID="{FF490F7A-7175-4DBD-85E3-7747FC7592B9}">
+  <ds:schemaRefs>
+    <ds:schemaRef ds:uri="http://schemas.microsoft.com/VisualStudio/2011/storyboarding/control"/>
+  </ds:schemaRefs>
+</ds:datastoreItem>
+</file>
+
+<file path=customXml/itemProps84.xml><?xml version="1.0" encoding="utf-8"?>
+<ds:datastoreItem xmlns:ds="http://schemas.openxmlformats.org/officeDocument/2006/customXml" ds:itemID="{061016BA-8104-4015-8EC7-33408200BF3F}">
+  <ds:schemaRefs>
+    <ds:schemaRef ds:uri="http://schemas.microsoft.com/VisualStudio/2011/storyboarding/control"/>
+  </ds:schemaRefs>
+</ds:datastoreItem>
+</file>
+
+<file path=customXml/itemProps85.xml><?xml version="1.0" encoding="utf-8"?>
+<ds:datastoreItem xmlns:ds="http://schemas.openxmlformats.org/officeDocument/2006/customXml" ds:itemID="{58531759-097F-466E-9EAE-BE5F2D403745}">
+  <ds:schemaRefs>
+    <ds:schemaRef ds:uri="http://schemas.microsoft.com/VisualStudio/2011/storyboarding/control"/>
+  </ds:schemaRefs>
+</ds:datastoreItem>
+</file>
+
+<file path=customXml/itemProps86.xml><?xml version="1.0" encoding="utf-8"?>
+<ds:datastoreItem xmlns:ds="http://schemas.openxmlformats.org/officeDocument/2006/customXml" ds:itemID="{21402A0C-EF81-416F-B759-93323EDF6668}">
+  <ds:schemaRefs>
+    <ds:schemaRef ds:uri="http://schemas.microsoft.com/VisualStudio/2011/storyboarding/control"/>
+  </ds:schemaRefs>
+</ds:datastoreItem>
+</file>
+
+<file path=customXml/itemProps87.xml><?xml version="1.0" encoding="utf-8"?>
+<ds:datastoreItem xmlns:ds="http://schemas.openxmlformats.org/officeDocument/2006/customXml" ds:itemID="{6F15D997-6428-479A-B003-F79781CF55F4}">
+  <ds:schemaRefs>
+    <ds:schemaRef ds:uri="http://schemas.microsoft.com/VisualStudio/2011/storyboarding/control"/>
+  </ds:schemaRefs>
+</ds:datastoreItem>
+</file>
+
+<file path=customXml/itemProps88.xml><?xml version="1.0" encoding="utf-8"?>
+<ds:datastoreItem xmlns:ds="http://schemas.openxmlformats.org/officeDocument/2006/customXml" ds:itemID="{DBBAE149-4048-407F-90E7-559BE2D44973}">
+  <ds:schemaRefs>
+    <ds:schemaRef ds:uri="http://schemas.microsoft.com/VisualStudio/2011/storyboarding/control"/>
+  </ds:schemaRefs>
+</ds:datastoreItem>
+</file>
+
+<file path=customXml/itemProps89.xml><?xml version="1.0" encoding="utf-8"?>
+<ds:datastoreItem xmlns:ds="http://schemas.openxmlformats.org/officeDocument/2006/customXml" ds:itemID="{B4FE2F49-6183-4BEB-8E3F-2E3F7B41D332}">
+  <ds:schemaRefs>
+    <ds:schemaRef ds:uri="http://schemas.microsoft.com/VisualStudio/2011/storyboarding/control"/>
+  </ds:schemaRefs>
+</ds:datastoreItem>
+</file>
+
+<file path=customXml/itemProps9.xml><?xml version="1.0" encoding="utf-8"?>
+<ds:datastoreItem xmlns:ds="http://schemas.openxmlformats.org/officeDocument/2006/customXml" ds:itemID="{436FFD07-9F07-4E04-BCEA-334C1946BE04}">
+  <ds:schemaRefs>
+    <ds:schemaRef ds:uri="http://schemas.microsoft.com/VisualStudio/2011/storyboarding/control"/>
+  </ds:schemaRefs>
+</ds:datastoreItem>
+</file>
+
+<file path=customXml/itemProps90.xml><?xml version="1.0" encoding="utf-8"?>
 <ds:datastoreItem xmlns:ds="http://schemas.openxmlformats.org/officeDocument/2006/customXml" ds:itemID="{4B2B6207-F426-47B3-B4AC-6480BED58F4D}">
   <ds:schemaRefs>
     <ds:schemaRef ds:uri="http://schemas.microsoft.com/VisualStudio/2011/storyboarding/control"/>
@@ -15692,127 +17669,31 @@
 </ds:datastoreItem>
 </file>
 
-<file path=customXml/itemProps47.xml><?xml version="1.0" encoding="utf-8"?>
-<ds:datastoreItem xmlns:ds="http://schemas.openxmlformats.org/officeDocument/2006/customXml" ds:itemID="{3C2A0945-4362-41A2-990F-E920693D0CA2}">
+<file path=customXml/itemProps91.xml><?xml version="1.0" encoding="utf-8"?>
+<ds:datastoreItem xmlns:ds="http://schemas.openxmlformats.org/officeDocument/2006/customXml" ds:itemID="{F6790068-EEA9-4B57-8D8F-B9B0BF431A70}">
   <ds:schemaRefs>
     <ds:schemaRef ds:uri="http://schemas.microsoft.com/VisualStudio/2011/storyboarding/control"/>
   </ds:schemaRefs>
 </ds:datastoreItem>
 </file>
 
-<file path=customXml/itemProps48.xml><?xml version="1.0" encoding="utf-8"?>
-<ds:datastoreItem xmlns:ds="http://schemas.openxmlformats.org/officeDocument/2006/customXml" ds:itemID="{5A54DE4D-E8D6-437C-BFA0-88D994E5BBDE}">
+<file path=customXml/itemProps92.xml><?xml version="1.0" encoding="utf-8"?>
+<ds:datastoreItem xmlns:ds="http://schemas.openxmlformats.org/officeDocument/2006/customXml" ds:itemID="{0058B53A-1646-43DF-A09E-5B7ECDD1343F}">
   <ds:schemaRefs>
     <ds:schemaRef ds:uri="http://schemas.microsoft.com/VisualStudio/2011/storyboarding/control"/>
   </ds:schemaRefs>
 </ds:datastoreItem>
 </file>
 
-<file path=customXml/itemProps49.xml><?xml version="1.0" encoding="utf-8"?>
-<ds:datastoreItem xmlns:ds="http://schemas.openxmlformats.org/officeDocument/2006/customXml" ds:itemID="{58E85928-2B8F-490C-9347-5C47C3112D67}">
+<file path=customXml/itemProps93.xml><?xml version="1.0" encoding="utf-8"?>
+<ds:datastoreItem xmlns:ds="http://schemas.openxmlformats.org/officeDocument/2006/customXml" ds:itemID="{11598C92-4116-4A08-8F58-D57ED2239CCE}">
   <ds:schemaRefs>
     <ds:schemaRef ds:uri="http://schemas.microsoft.com/VisualStudio/2011/storyboarding/control"/>
   </ds:schemaRefs>
 </ds:datastoreItem>
 </file>
 
-<file path=customXml/itemProps5.xml><?xml version="1.0" encoding="utf-8"?>
-<ds:datastoreItem xmlns:ds="http://schemas.openxmlformats.org/officeDocument/2006/customXml" ds:itemID="{9E886169-7898-408A-A588-DC201EC0A018}">
-  <ds:schemaRefs>
-    <ds:schemaRef ds:uri="http://schemas.microsoft.com/VisualStudio/2011/storyboarding/control"/>
-  </ds:schemaRefs>
-</ds:datastoreItem>
-</file>
-
-<file path=customXml/itemProps50.xml><?xml version="1.0" encoding="utf-8"?>
-<ds:datastoreItem xmlns:ds="http://schemas.openxmlformats.org/officeDocument/2006/customXml" ds:itemID="{99D7A4E8-9013-43F4-9025-79641E2FD4AD}">
-  <ds:schemaRefs>
-    <ds:schemaRef ds:uri="http://schemas.microsoft.com/VisualStudio/2011/storyboarding/control"/>
-  </ds:schemaRefs>
-</ds:datastoreItem>
-</file>
-
-<file path=customXml/itemProps51.xml><?xml version="1.0" encoding="utf-8"?>
-<ds:datastoreItem xmlns:ds="http://schemas.openxmlformats.org/officeDocument/2006/customXml" ds:itemID="{1ACBFFF3-A1FA-4A8A-A886-2045487CFD4F}">
-  <ds:schemaRefs>
-    <ds:schemaRef ds:uri="http://schemas.microsoft.com/VisualStudio/2011/storyboarding/control"/>
-  </ds:schemaRefs>
-</ds:datastoreItem>
-</file>
-
-<file path=customXml/itemProps52.xml><?xml version="1.0" encoding="utf-8"?>
-<ds:datastoreItem xmlns:ds="http://schemas.openxmlformats.org/officeDocument/2006/customXml" ds:itemID="{B06BA414-8851-4C1D-86A5-61BD61A5ABF5}">
-  <ds:schemaRefs>
-    <ds:schemaRef ds:uri="http://schemas.microsoft.com/VisualStudio/2011/storyboarding/control"/>
-  </ds:schemaRefs>
-</ds:datastoreItem>
-</file>
-
-<file path=customXml/itemProps53.xml><?xml version="1.0" encoding="utf-8"?>
-<ds:datastoreItem xmlns:ds="http://schemas.openxmlformats.org/officeDocument/2006/customXml" ds:itemID="{F0405DDA-F797-490F-9D04-6B64C56B9E95}">
-  <ds:schemaRefs>
-    <ds:schemaRef ds:uri="http://schemas.microsoft.com/VisualStudio/2011/storyboarding/control"/>
-  </ds:schemaRefs>
-</ds:datastoreItem>
-</file>
-
-<file path=customXml/itemProps54.xml><?xml version="1.0" encoding="utf-8"?>
-<ds:datastoreItem xmlns:ds="http://schemas.openxmlformats.org/officeDocument/2006/customXml" ds:itemID="{7E04FC52-D4ED-44E8-B67A-EE8096314BAA}">
-  <ds:schemaRefs>
-    <ds:schemaRef ds:uri="http://schemas.microsoft.com/VisualStudio/2011/storyboarding/control"/>
-  </ds:schemaRefs>
-</ds:datastoreItem>
-</file>
-
-<file path=customXml/itemProps55.xml><?xml version="1.0" encoding="utf-8"?>
-<ds:datastoreItem xmlns:ds="http://schemas.openxmlformats.org/officeDocument/2006/customXml" ds:itemID="{737DBCAA-FD86-4EB1-AB9D-7F9F9C697E90}">
-  <ds:schemaRefs>
-    <ds:schemaRef ds:uri="http://schemas.microsoft.com/VisualStudio/2011/storyboarding/control"/>
-  </ds:schemaRefs>
-</ds:datastoreItem>
-</file>
-
-<file path=customXml/itemProps56.xml><?xml version="1.0" encoding="utf-8"?>
-<ds:datastoreItem xmlns:ds="http://schemas.openxmlformats.org/officeDocument/2006/customXml" ds:itemID="{B8B89DFC-14C8-4A9F-A15A-190159CF0CFE}">
-  <ds:schemaRefs>
-    <ds:schemaRef ds:uri="http://schemas.microsoft.com/VisualStudio/2011/storyboarding/control"/>
-  </ds:schemaRefs>
-</ds:datastoreItem>
-</file>
-
-<file path=customXml/itemProps57.xml><?xml version="1.0" encoding="utf-8"?>
-<ds:datastoreItem xmlns:ds="http://schemas.openxmlformats.org/officeDocument/2006/customXml" ds:itemID="{0ABEA74B-FF86-455C-8A72-E51D65593505}">
-  <ds:schemaRefs>
-    <ds:schemaRef ds:uri="http://schemas.microsoft.com/VisualStudio/2011/storyboarding/control"/>
-  </ds:schemaRefs>
-</ds:datastoreItem>
-</file>
-
-<file path=customXml/itemProps58.xml><?xml version="1.0" encoding="utf-8"?>
-<ds:datastoreItem xmlns:ds="http://schemas.openxmlformats.org/officeDocument/2006/customXml" ds:itemID="{061016BA-8104-4015-8EC7-33408200BF3F}">
-  <ds:schemaRefs>
-    <ds:schemaRef ds:uri="http://schemas.microsoft.com/VisualStudio/2011/storyboarding/control"/>
-  </ds:schemaRefs>
-</ds:datastoreItem>
-</file>
-
-<file path=customXml/itemProps59.xml><?xml version="1.0" encoding="utf-8"?>
-<ds:datastoreItem xmlns:ds="http://schemas.openxmlformats.org/officeDocument/2006/customXml" ds:itemID="{9B569E01-A437-4345-B3AE-325E5C4684C7}">
-  <ds:schemaRefs>
-    <ds:schemaRef ds:uri="http://schemas.microsoft.com/VisualStudio/2011/storyboarding/control"/>
-  </ds:schemaRefs>
-</ds:datastoreItem>
-</file>
-
-<file path=customXml/itemProps6.xml><?xml version="1.0" encoding="utf-8"?>
-<ds:datastoreItem xmlns:ds="http://schemas.openxmlformats.org/officeDocument/2006/customXml" ds:itemID="{C25A3B5F-7FB7-4E8E-8C1B-FE0B9A3E8DB1}">
-  <ds:schemaRefs>
-    <ds:schemaRef ds:uri="http://schemas.microsoft.com/VisualStudio/2011/storyboarding/control"/>
-  </ds:schemaRefs>
-</ds:datastoreItem>
-</file>
-
-<file path=customXml/itemProps60.xml><?xml version="1.0" encoding="utf-8"?>
+<file path=customXml/itemProps94.xml><?xml version="1.0" encoding="utf-8"?>
 <ds:datastoreItem xmlns:ds="http://schemas.openxmlformats.org/officeDocument/2006/customXml" ds:itemID="{AE950B5B-F665-44E1-BC8D-E1ED5D08048D}">
   <ds:schemaRefs>
     <ds:schemaRef ds:uri="http://schemas.microsoft.com/VisualStudio/2011/storyboarding/control"/>
@@ -15820,55 +17701,15 @@
 </ds:datastoreItem>
 </file>
 
-<file path=customXml/itemProps61.xml><?xml version="1.0" encoding="utf-8"?>
-<ds:datastoreItem xmlns:ds="http://schemas.openxmlformats.org/officeDocument/2006/customXml" ds:itemID="{21402A0C-EF81-416F-B759-93323EDF6668}">
+<file path=customXml/itemProps95.xml><?xml version="1.0" encoding="utf-8"?>
+<ds:datastoreItem xmlns:ds="http://schemas.openxmlformats.org/officeDocument/2006/customXml" ds:itemID="{674F586C-3D4C-4BFE-B70F-20542F1925F6}">
   <ds:schemaRefs>
     <ds:schemaRef ds:uri="http://schemas.microsoft.com/VisualStudio/2011/storyboarding/control"/>
   </ds:schemaRefs>
 </ds:datastoreItem>
 </file>
 
-<file path=customXml/itemProps62.xml><?xml version="1.0" encoding="utf-8"?>
-<ds:datastoreItem xmlns:ds="http://schemas.openxmlformats.org/officeDocument/2006/customXml" ds:itemID="{6C28E3CC-A396-469F-8032-53D7143813C3}">
-  <ds:schemaRefs>
-    <ds:schemaRef ds:uri="http://schemas.microsoft.com/VisualStudio/2011/storyboarding/control"/>
-  </ds:schemaRefs>
-</ds:datastoreItem>
-</file>
-
-<file path=customXml/itemProps63.xml><?xml version="1.0" encoding="utf-8"?>
-<ds:datastoreItem xmlns:ds="http://schemas.openxmlformats.org/officeDocument/2006/customXml" ds:itemID="{F6790068-EEA9-4B57-8D8F-B9B0BF431A70}">
-  <ds:schemaRefs>
-    <ds:schemaRef ds:uri="http://schemas.microsoft.com/VisualStudio/2011/storyboarding/control"/>
-  </ds:schemaRefs>
-</ds:datastoreItem>
-</file>
-
-<file path=customXml/itemProps64.xml><?xml version="1.0" encoding="utf-8"?>
-<ds:datastoreItem xmlns:ds="http://schemas.openxmlformats.org/officeDocument/2006/customXml" ds:itemID="{9A549DBF-0857-4182-A576-C9C6519C6A3E}">
-  <ds:schemaRefs>
-    <ds:schemaRef ds:uri="http://schemas.microsoft.com/VisualStudio/2011/storyboarding/control"/>
-  </ds:schemaRefs>
-</ds:datastoreItem>
-</file>
-
-<file path=customXml/itemProps65.xml><?xml version="1.0" encoding="utf-8"?>
-<ds:datastoreItem xmlns:ds="http://schemas.openxmlformats.org/officeDocument/2006/customXml" ds:itemID="{96233AC8-4828-4C3E-8BAA-3E77009FB5EA}">
-  <ds:schemaRefs>
-    <ds:schemaRef ds:uri="http://schemas.microsoft.com/VisualStudio/2011/storyboarding/control"/>
-  </ds:schemaRefs>
-</ds:datastoreItem>
-</file>
-
-<file path=customXml/itemProps66.xml><?xml version="1.0" encoding="utf-8"?>
-<ds:datastoreItem xmlns:ds="http://schemas.openxmlformats.org/officeDocument/2006/customXml" ds:itemID="{6ED08AE2-393B-4601-A237-BFEBEB86ED97}">
-  <ds:schemaRefs>
-    <ds:schemaRef ds:uri="http://schemas.microsoft.com/VisualStudio/2011/storyboarding/control"/>
-  </ds:schemaRefs>
-</ds:datastoreItem>
-</file>
-
-<file path=customXml/itemProps67.xml><?xml version="1.0" encoding="utf-8"?>
+<file path=customXml/itemProps96.xml><?xml version="1.0" encoding="utf-8"?>
 <ds:datastoreItem xmlns:ds="http://schemas.openxmlformats.org/officeDocument/2006/customXml" ds:itemID="{98F2AC4D-1065-4E36-8E34-ADCADB80A35E}">
   <ds:schemaRefs>
     <ds:schemaRef ds:uri="http://schemas.microsoft.com/VisualStudio/2011/storyboarding/control"/>
@@ -15876,280 +17717,24 @@
 </ds:datastoreItem>
 </file>
 
-<file path=customXml/itemProps68.xml><?xml version="1.0" encoding="utf-8"?>
-<ds:datastoreItem xmlns:ds="http://schemas.openxmlformats.org/officeDocument/2006/customXml" ds:itemID="{45E97D65-6343-4570-8097-EA7E7BF9672F}">
+<file path=customXml/itemProps97.xml><?xml version="1.0" encoding="utf-8"?>
+<ds:datastoreItem xmlns:ds="http://schemas.openxmlformats.org/officeDocument/2006/customXml" ds:itemID="{52C22ECF-CB94-4099-8D5D-534B8A0F76FA}">
   <ds:schemaRefs>
     <ds:schemaRef ds:uri="http://schemas.microsoft.com/VisualStudio/2011/storyboarding/control"/>
   </ds:schemaRefs>
 </ds:datastoreItem>
 </file>
 
-<file path=customXml/itemProps69.xml><?xml version="1.0" encoding="utf-8"?>
-<ds:datastoreItem xmlns:ds="http://schemas.openxmlformats.org/officeDocument/2006/customXml" ds:itemID="{F06EC21E-1461-4C90-A408-E9BD4F8C6B5E}">
+<file path=customXml/itemProps98.xml><?xml version="1.0" encoding="utf-8"?>
+<ds:datastoreItem xmlns:ds="http://schemas.openxmlformats.org/officeDocument/2006/customXml" ds:itemID="{9A2A8AD0-14C2-4198-95FA-7CA78E84BB0E}">
   <ds:schemaRefs>
     <ds:schemaRef ds:uri="http://schemas.microsoft.com/VisualStudio/2011/storyboarding/control"/>
   </ds:schemaRefs>
 </ds:datastoreItem>
 </file>
 
-<file path=customXml/itemProps7.xml><?xml version="1.0" encoding="utf-8"?>
-<ds:datastoreItem xmlns:ds="http://schemas.openxmlformats.org/officeDocument/2006/customXml" ds:itemID="{8587DE98-B823-4671-8421-AEFBBB189344}">
-  <ds:schemaRefs>
-    <ds:schemaRef ds:uri="http://schemas.microsoft.com/VisualStudio/2011/storyboarding/control"/>
-  </ds:schemaRefs>
-</ds:datastoreItem>
-</file>
-
-<file path=customXml/itemProps70.xml><?xml version="1.0" encoding="utf-8"?>
-<ds:datastoreItem xmlns:ds="http://schemas.openxmlformats.org/officeDocument/2006/customXml" ds:itemID="{F232015F-DAF1-45FF-BD7C-647A088BFD71}">
-  <ds:schemaRefs>
-    <ds:schemaRef ds:uri="http://schemas.microsoft.com/VisualStudio/2011/storyboarding/control"/>
-  </ds:schemaRefs>
-</ds:datastoreItem>
-</file>
-
-<file path=customXml/itemProps71.xml><?xml version="1.0" encoding="utf-8"?>
-<ds:datastoreItem xmlns:ds="http://schemas.openxmlformats.org/officeDocument/2006/customXml" ds:itemID="{CBD75DB4-3633-4E3E-B326-F275DFDB66AF}">
-  <ds:schemaRefs>
-    <ds:schemaRef ds:uri="http://schemas.microsoft.com/VisualStudio/2011/storyboarding/control"/>
-  </ds:schemaRefs>
-</ds:datastoreItem>
-</file>
-
-<file path=customXml/itemProps72.xml><?xml version="1.0" encoding="utf-8"?>
-<ds:datastoreItem xmlns:ds="http://schemas.openxmlformats.org/officeDocument/2006/customXml" ds:itemID="{EABA044C-F855-4F2D-8541-8B12F3450E94}">
-  <ds:schemaRefs>
-    <ds:schemaRef ds:uri="http://schemas.microsoft.com/VisualStudio/2011/storyboarding/control"/>
-  </ds:schemaRefs>
-</ds:datastoreItem>
-</file>
-
-<file path=customXml/itemProps73.xml><?xml version="1.0" encoding="utf-8"?>
-<ds:datastoreItem xmlns:ds="http://schemas.openxmlformats.org/officeDocument/2006/customXml" ds:itemID="{2E449097-FA9E-4910-B718-70633402799D}">
-  <ds:schemaRefs>
-    <ds:schemaRef ds:uri="http://schemas.microsoft.com/VisualStudio/2011/storyboarding/control"/>
-  </ds:schemaRefs>
-</ds:datastoreItem>
-</file>
-
-<file path=customXml/itemProps74.xml><?xml version="1.0" encoding="utf-8"?>
-<ds:datastoreItem xmlns:ds="http://schemas.openxmlformats.org/officeDocument/2006/customXml" ds:itemID="{C3959990-BEDE-4342-8909-D2CC7843CB1A}">
-  <ds:schemaRefs>
-    <ds:schemaRef ds:uri="http://schemas.microsoft.com/VisualStudio/2011/storyboarding/control"/>
-  </ds:schemaRefs>
-</ds:datastoreItem>
-</file>
-
-<file path=customXml/itemProps75.xml><?xml version="1.0" encoding="utf-8"?>
-<ds:datastoreItem xmlns:ds="http://schemas.openxmlformats.org/officeDocument/2006/customXml" ds:itemID="{98ED19BC-F2BE-474D-AE6A-03F6010F09B7}">
-  <ds:schemaRefs>
-    <ds:schemaRef ds:uri="http://schemas.microsoft.com/VisualStudio/2011/storyboarding/control"/>
-  </ds:schemaRefs>
-</ds:datastoreItem>
-</file>
-
-<file path=customXml/itemProps76.xml><?xml version="1.0" encoding="utf-8"?>
-<ds:datastoreItem xmlns:ds="http://schemas.openxmlformats.org/officeDocument/2006/customXml" ds:itemID="{9F9D5C54-1675-4957-93CF-3A95802A5BCB}">
-  <ds:schemaRefs>
-    <ds:schemaRef ds:uri="http://schemas.microsoft.com/VisualStudio/2011/storyboarding/control"/>
-  </ds:schemaRefs>
-</ds:datastoreItem>
-</file>
-
-<file path=customXml/itemProps77.xml><?xml version="1.0" encoding="utf-8"?>
-<ds:datastoreItem xmlns:ds="http://schemas.openxmlformats.org/officeDocument/2006/customXml" ds:itemID="{FED77ACA-A391-4822-BEF5-924372A3425F}">
-  <ds:schemaRefs>
-    <ds:schemaRef ds:uri="http://schemas.microsoft.com/VisualStudio/2011/storyboarding/control"/>
-  </ds:schemaRefs>
-</ds:datastoreItem>
-</file>
-
-<file path=customXml/itemProps78.xml><?xml version="1.0" encoding="utf-8"?>
-<ds:datastoreItem xmlns:ds="http://schemas.openxmlformats.org/officeDocument/2006/customXml" ds:itemID="{0058B53A-1646-43DF-A09E-5B7ECDD1343F}">
-  <ds:schemaRefs>
-    <ds:schemaRef ds:uri="http://schemas.microsoft.com/VisualStudio/2011/storyboarding/control"/>
-  </ds:schemaRefs>
-</ds:datastoreItem>
-</file>
-
-<file path=customXml/itemProps79.xml><?xml version="1.0" encoding="utf-8"?>
-<ds:datastoreItem xmlns:ds="http://schemas.openxmlformats.org/officeDocument/2006/customXml" ds:itemID="{214A0574-B4FE-4ED0-8624-A8CD52601755}">
-  <ds:schemaRefs>
-    <ds:schemaRef ds:uri="http://schemas.microsoft.com/VisualStudio/2011/storyboarding/control"/>
-  </ds:schemaRefs>
-</ds:datastoreItem>
-</file>
-
-<file path=customXml/itemProps8.xml><?xml version="1.0" encoding="utf-8"?>
-<ds:datastoreItem xmlns:ds="http://schemas.openxmlformats.org/officeDocument/2006/customXml" ds:itemID="{0E6EDFFA-7DB4-478C-B4A0-D5E156E272F2}">
-  <ds:schemaRefs>
-    <ds:schemaRef ds:uri="http://schemas.microsoft.com/VisualStudio/2011/storyboarding/control"/>
-  </ds:schemaRefs>
-</ds:datastoreItem>
-</file>
-
-<file path=customXml/itemProps80.xml><?xml version="1.0" encoding="utf-8"?>
-<ds:datastoreItem xmlns:ds="http://schemas.openxmlformats.org/officeDocument/2006/customXml" ds:itemID="{1687C12C-A316-4385-BDC5-EC5A54A01DFA}">
-  <ds:schemaRefs>
-    <ds:schemaRef ds:uri="http://schemas.microsoft.com/VisualStudio/2011/storyboarding/control"/>
-  </ds:schemaRefs>
-</ds:datastoreItem>
-</file>
-
-<file path=customXml/itemProps81.xml><?xml version="1.0" encoding="utf-8"?>
-<ds:datastoreItem xmlns:ds="http://schemas.openxmlformats.org/officeDocument/2006/customXml" ds:itemID="{4C52FBD4-EF61-4C3F-833A-627EDCD6163F}">
-  <ds:schemaRefs>
-    <ds:schemaRef ds:uri="http://schemas.microsoft.com/VisualStudio/2011/storyboarding/control"/>
-  </ds:schemaRefs>
-</ds:datastoreItem>
-</file>
-
-<file path=customXml/itemProps82.xml><?xml version="1.0" encoding="utf-8"?>
-<ds:datastoreItem xmlns:ds="http://schemas.openxmlformats.org/officeDocument/2006/customXml" ds:itemID="{B9EF3FF1-AB90-46CE-9292-50C2C5E9F7FC}">
-  <ds:schemaRefs>
-    <ds:schemaRef ds:uri="http://schemas.microsoft.com/VisualStudio/2011/storyboarding/control"/>
-  </ds:schemaRefs>
-</ds:datastoreItem>
-</file>
-
-<file path=customXml/itemProps83.xml><?xml version="1.0" encoding="utf-8"?>
-<ds:datastoreItem xmlns:ds="http://schemas.openxmlformats.org/officeDocument/2006/customXml" ds:itemID="{E3F9A2DC-3D79-46E6-A128-95D153FF0A57}">
-  <ds:schemaRefs>
-    <ds:schemaRef ds:uri="http://schemas.microsoft.com/VisualStudio/2011/storyboarding/control"/>
-  </ds:schemaRefs>
-</ds:datastoreItem>
-</file>
-
-<file path=customXml/itemProps84.xml><?xml version="1.0" encoding="utf-8"?>
-<ds:datastoreItem xmlns:ds="http://schemas.openxmlformats.org/officeDocument/2006/customXml" ds:itemID="{58531759-097F-466E-9EAE-BE5F2D403745}">
-  <ds:schemaRefs>
-    <ds:schemaRef ds:uri="http://schemas.microsoft.com/VisualStudio/2011/storyboarding/control"/>
-  </ds:schemaRefs>
-</ds:datastoreItem>
-</file>
-
-<file path=customXml/itemProps85.xml><?xml version="1.0" encoding="utf-8"?>
-<ds:datastoreItem xmlns:ds="http://schemas.openxmlformats.org/officeDocument/2006/customXml" ds:itemID="{2487B05E-F758-49B5-914B-37AD8930ED02}">
-  <ds:schemaRefs>
-    <ds:schemaRef ds:uri="http://schemas.microsoft.com/VisualStudio/2011/storyboarding/control"/>
-  </ds:schemaRefs>
-</ds:datastoreItem>
-</file>
-
-<file path=customXml/itemProps86.xml><?xml version="1.0" encoding="utf-8"?>
-<ds:datastoreItem xmlns:ds="http://schemas.openxmlformats.org/officeDocument/2006/customXml" ds:itemID="{4E2C718C-25E1-456F-90E3-4B831D06B6F8}">
-  <ds:schemaRefs>
-    <ds:schemaRef ds:uri="http://schemas.microsoft.com/VisualStudio/2011/storyboarding/control"/>
-  </ds:schemaRefs>
-</ds:datastoreItem>
-</file>
-
-<file path=customXml/itemProps87.xml><?xml version="1.0" encoding="utf-8"?>
-<ds:datastoreItem xmlns:ds="http://schemas.openxmlformats.org/officeDocument/2006/customXml" ds:itemID="{5B12EFFA-8596-4679-8A5C-E1D50D2F072F}">
-  <ds:schemaRefs>
-    <ds:schemaRef ds:uri="http://schemas.microsoft.com/VisualStudio/2011/storyboarding/control"/>
-  </ds:schemaRefs>
-</ds:datastoreItem>
-</file>
-
-<file path=customXml/itemProps88.xml><?xml version="1.0" encoding="utf-8"?>
-<ds:datastoreItem xmlns:ds="http://schemas.openxmlformats.org/officeDocument/2006/customXml" ds:itemID="{993CB5E4-ADDE-47D6-9231-FAC0EDC10899}">
-  <ds:schemaRefs>
-    <ds:schemaRef ds:uri="http://schemas.microsoft.com/VisualStudio/2011/storyboarding/control"/>
-  </ds:schemaRefs>
-</ds:datastoreItem>
-</file>
-
-<file path=customXml/itemProps89.xml><?xml version="1.0" encoding="utf-8"?>
-<ds:datastoreItem xmlns:ds="http://schemas.openxmlformats.org/officeDocument/2006/customXml" ds:itemID="{6260AC0F-4508-4430-BA12-847F69BCCF50}">
-  <ds:schemaRefs>
-    <ds:schemaRef ds:uri="http://schemas.microsoft.com/VisualStudio/2011/storyboarding/control"/>
-  </ds:schemaRefs>
-</ds:datastoreItem>
-</file>
-
-<file path=customXml/itemProps9.xml><?xml version="1.0" encoding="utf-8"?>
-<ds:datastoreItem xmlns:ds="http://schemas.openxmlformats.org/officeDocument/2006/customXml" ds:itemID="{8EDC32C9-43BE-46C7-9EB2-520A513BD87F}">
-  <ds:schemaRefs>
-    <ds:schemaRef ds:uri="http://schemas.microsoft.com/VisualStudio/2011/storyboarding/control"/>
-  </ds:schemaRefs>
-</ds:datastoreItem>
-</file>
-
-<file path=customXml/itemProps90.xml><?xml version="1.0" encoding="utf-8"?>
-<ds:datastoreItem xmlns:ds="http://schemas.openxmlformats.org/officeDocument/2006/customXml" ds:itemID="{CA460F31-B773-4067-B036-332848DF28B9}">
-  <ds:schemaRefs>
-    <ds:schemaRef ds:uri="http://schemas.microsoft.com/VisualStudio/2011/storyboarding/control"/>
-  </ds:schemaRefs>
-</ds:datastoreItem>
-</file>
-
-<file path=customXml/itemProps91.xml><?xml version="1.0" encoding="utf-8"?>
-<ds:datastoreItem xmlns:ds="http://schemas.openxmlformats.org/officeDocument/2006/customXml" ds:itemID="{A506862E-DD0E-4463-9537-58549E145A3C}">
-  <ds:schemaRefs>
-    <ds:schemaRef ds:uri="http://schemas.microsoft.com/VisualStudio/2011/storyboarding/control"/>
-  </ds:schemaRefs>
-</ds:datastoreItem>
-</file>
-
-<file path=customXml/itemProps92.xml><?xml version="1.0" encoding="utf-8"?>
-<ds:datastoreItem xmlns:ds="http://schemas.openxmlformats.org/officeDocument/2006/customXml" ds:itemID="{F250E77D-4307-4DF6-B5B0-A84E72ED7F70}">
-  <ds:schemaRefs>
-    <ds:schemaRef ds:uri="http://schemas.microsoft.com/VisualStudio/2011/storyboarding/control"/>
-  </ds:schemaRefs>
-</ds:datastoreItem>
-</file>
-
-<file path=customXml/itemProps93.xml><?xml version="1.0" encoding="utf-8"?>
-<ds:datastoreItem xmlns:ds="http://schemas.openxmlformats.org/officeDocument/2006/customXml" ds:itemID="{FCAB2D3C-D644-40DE-B890-52EBFBEE6679}">
-  <ds:schemaRefs>
-    <ds:schemaRef ds:uri="http://schemas.microsoft.com/VisualStudio/2011/storyboarding/control"/>
-  </ds:schemaRefs>
-</ds:datastoreItem>
-</file>
-
-<file path=customXml/itemProps94.xml><?xml version="1.0" encoding="utf-8"?>
-<ds:datastoreItem xmlns:ds="http://schemas.openxmlformats.org/officeDocument/2006/customXml" ds:itemID="{FF693739-48CE-428A-A9E2-6DC984D9B3FA}">
-  <ds:schemaRefs>
-    <ds:schemaRef ds:uri="http://schemas.microsoft.com/VisualStudio/2011/storyboarding/control"/>
-  </ds:schemaRefs>
-</ds:datastoreItem>
-</file>
-
-<file path=customXml/itemProps95.xml><?xml version="1.0" encoding="utf-8"?>
-<ds:datastoreItem xmlns:ds="http://schemas.openxmlformats.org/officeDocument/2006/customXml" ds:itemID="{C64F239C-3EF9-4D6D-A2BC-C935A2E33DF3}">
-  <ds:schemaRefs>
-    <ds:schemaRef ds:uri="http://schemas.microsoft.com/VisualStudio/2011/storyboarding/control"/>
-  </ds:schemaRefs>
-</ds:datastoreItem>
-</file>
-
-<file path=customXml/itemProps96.xml><?xml version="1.0" encoding="utf-8"?>
-<ds:datastoreItem xmlns:ds="http://schemas.openxmlformats.org/officeDocument/2006/customXml" ds:itemID="{674F586C-3D4C-4BFE-B70F-20542F1925F6}">
-  <ds:schemaRefs>
-    <ds:schemaRef ds:uri="http://schemas.microsoft.com/VisualStudio/2011/storyboarding/control"/>
-  </ds:schemaRefs>
-</ds:datastoreItem>
-</file>
-
-<file path=customXml/itemProps97.xml><?xml version="1.0" encoding="utf-8"?>
-<ds:datastoreItem xmlns:ds="http://schemas.openxmlformats.org/officeDocument/2006/customXml" ds:itemID="{FF490F7A-7175-4DBD-85E3-7747FC7592B9}">
-  <ds:schemaRefs>
-    <ds:schemaRef ds:uri="http://schemas.microsoft.com/VisualStudio/2011/storyboarding/control"/>
-  </ds:schemaRefs>
-</ds:datastoreItem>
-</file>
-
-<file path=customXml/itemProps98.xml><?xml version="1.0" encoding="utf-8"?>
-<ds:datastoreItem xmlns:ds="http://schemas.openxmlformats.org/officeDocument/2006/customXml" ds:itemID="{6F15D997-6428-479A-B003-F79781CF55F4}">
-  <ds:schemaRefs>
-    <ds:schemaRef ds:uri="http://schemas.microsoft.com/VisualStudio/2011/storyboarding/control"/>
-  </ds:schemaRefs>
-</ds:datastoreItem>
-</file>
-
 <file path=customXml/itemProps99.xml><?xml version="1.0" encoding="utf-8"?>
-<ds:datastoreItem xmlns:ds="http://schemas.openxmlformats.org/officeDocument/2006/customXml" ds:itemID="{8A29F272-F02E-43A1-8757-98E7B6E22759}">
+<ds:datastoreItem xmlns:ds="http://schemas.openxmlformats.org/officeDocument/2006/customXml" ds:itemID="{065B6D8A-DC5B-4E01-B4D6-F91111928221}">
   <ds:schemaRefs>
     <ds:schemaRef ds:uri="http://schemas.microsoft.com/VisualStudio/2011/storyboarding/control"/>
   </ds:schemaRefs>

--- a/Document/UI_source/스토리보드(원본).pptx
+++ b/Document/UI_source/스토리보드(원본).pptx
@@ -2,24 +2,24 @@
 <file path=ppt/presentation.xml><?xml version="1.0" encoding="utf-8"?>
 <p:presentation xmlns:a="http://schemas.openxmlformats.org/drawingml/2006/main" xmlns:r="http://schemas.openxmlformats.org/officeDocument/2006/relationships" xmlns:p="http://schemas.openxmlformats.org/presentationml/2006/main" saveSubsetFonts="1">
   <p:sldMasterIdLst>
-    <p:sldMasterId id="2147483660" r:id="rId114"/>
-    <p:sldMasterId id="2147483663" r:id="rId115"/>
-    <p:sldMasterId id="2147483667" r:id="rId116"/>
+    <p:sldMasterId id="2147483660" r:id="rId116"/>
+    <p:sldMasterId id="2147483663" r:id="rId117"/>
+    <p:sldMasterId id="2147483667" r:id="rId118"/>
   </p:sldMasterIdLst>
   <p:sldIdLst>
-    <p:sldId id="269" r:id="rId117"/>
-    <p:sldId id="259" r:id="rId118"/>
-    <p:sldId id="268" r:id="rId119"/>
-    <p:sldId id="260" r:id="rId120"/>
-    <p:sldId id="267" r:id="rId121"/>
-    <p:sldId id="261" r:id="rId122"/>
-    <p:sldId id="262" r:id="rId123"/>
-    <p:sldId id="263" r:id="rId124"/>
-    <p:sldId id="264" r:id="rId125"/>
-    <p:sldId id="265" r:id="rId126"/>
-    <p:sldId id="266" r:id="rId127"/>
-    <p:sldId id="270" r:id="rId128"/>
-    <p:sldId id="271" r:id="rId129"/>
+    <p:sldId id="269" r:id="rId119"/>
+    <p:sldId id="259" r:id="rId120"/>
+    <p:sldId id="268" r:id="rId121"/>
+    <p:sldId id="260" r:id="rId122"/>
+    <p:sldId id="267" r:id="rId123"/>
+    <p:sldId id="261" r:id="rId124"/>
+    <p:sldId id="262" r:id="rId125"/>
+    <p:sldId id="263" r:id="rId126"/>
+    <p:sldId id="264" r:id="rId127"/>
+    <p:sldId id="265" r:id="rId128"/>
+    <p:sldId id="266" r:id="rId129"/>
+    <p:sldId id="270" r:id="rId130"/>
+    <p:sldId id="271" r:id="rId131"/>
   </p:sldIdLst>
   <p:sldSz cx="12192000" cy="6858000"/>
   <p:notesSz cx="6858000" cy="9144000"/>
@@ -120,7 +120,7 @@
   </p:defaultTextStyle>
   <p:extLst>
     <p:ext uri="{EFAFB233-063F-42B5-8137-9DF3F51BA10A}">
-      <p15:sldGuideLst xmlns:p15="http://schemas.microsoft.com/office/powerpoint/2012/main" xmlns=""/>
+      <p15:sldGuideLst xmlns="" xmlns:p15="http://schemas.microsoft.com/office/powerpoint/2012/main"/>
     </p:ext>
   </p:extLst>
 </p:presentation>
@@ -325,7 +325,7 @@
     </p:spTree>
     <p:extLst>
       <p:ext uri="{BB962C8B-B14F-4D97-AF65-F5344CB8AC3E}">
-        <p14:creationId xmlns:p14="http://schemas.microsoft.com/office/powerpoint/2010/main" xmlns="" val="2721893439"/>
+        <p14:creationId xmlns="" xmlns:p14="http://schemas.microsoft.com/office/powerpoint/2010/main" val="2721893439"/>
       </p:ext>
     </p:extLst>
   </p:cSld>
@@ -612,7 +612,7 @@
     </p:spTree>
     <p:extLst>
       <p:ext uri="{BB962C8B-B14F-4D97-AF65-F5344CB8AC3E}">
-        <p14:creationId xmlns:p14="http://schemas.microsoft.com/office/powerpoint/2010/main" xmlns="" val="2584447917"/>
+        <p14:creationId xmlns="" xmlns:p14="http://schemas.microsoft.com/office/powerpoint/2010/main" val="2584447917"/>
       </p:ext>
     </p:extLst>
   </p:cSld>
@@ -680,7 +680,7 @@
     </p:spTree>
     <p:extLst>
       <p:ext uri="{BB962C8B-B14F-4D97-AF65-F5344CB8AC3E}">
-        <p14:creationId xmlns:p14="http://schemas.microsoft.com/office/powerpoint/2010/main" xmlns="" val="2542078823"/>
+        <p14:creationId xmlns="" xmlns:p14="http://schemas.microsoft.com/office/powerpoint/2010/main" val="2542078823"/>
       </p:ext>
     </p:extLst>
   </p:cSld>
@@ -944,7 +944,7 @@
     </p:spTree>
     <p:extLst>
       <p:ext uri="{BB962C8B-B14F-4D97-AF65-F5344CB8AC3E}">
-        <p14:creationId xmlns:p14="http://schemas.microsoft.com/office/powerpoint/2010/main" xmlns="" val="393528301"/>
+        <p14:creationId xmlns="" xmlns:p14="http://schemas.microsoft.com/office/powerpoint/2010/main" val="393528301"/>
       </p:ext>
     </p:extLst>
   </p:cSld>
@@ -1141,7 +1141,7 @@
     </p:spTree>
     <p:extLst>
       <p:ext uri="{BB962C8B-B14F-4D97-AF65-F5344CB8AC3E}">
-        <p14:creationId xmlns:p14="http://schemas.microsoft.com/office/powerpoint/2010/main" xmlns="" val="3464343823"/>
+        <p14:creationId xmlns="" xmlns:p14="http://schemas.microsoft.com/office/powerpoint/2010/main" val="3464343823"/>
       </p:ext>
     </p:extLst>
   </p:cSld>
@@ -1380,7 +1380,7 @@
     </p:spTree>
     <p:extLst>
       <p:ext uri="{BB962C8B-B14F-4D97-AF65-F5344CB8AC3E}">
-        <p14:creationId xmlns:p14="http://schemas.microsoft.com/office/powerpoint/2010/main" xmlns="" val="1599353245"/>
+        <p14:creationId xmlns="" xmlns:p14="http://schemas.microsoft.com/office/powerpoint/2010/main" val="1599353245"/>
       </p:ext>
     </p:extLst>
   </p:cSld>
@@ -1667,7 +1667,7 @@
     </p:spTree>
     <p:extLst>
       <p:ext uri="{BB962C8B-B14F-4D97-AF65-F5344CB8AC3E}">
-        <p14:creationId xmlns:p14="http://schemas.microsoft.com/office/powerpoint/2010/main" xmlns="" val="756079115"/>
+        <p14:creationId xmlns="" xmlns:p14="http://schemas.microsoft.com/office/powerpoint/2010/main" val="756079115"/>
       </p:ext>
     </p:extLst>
   </p:cSld>
@@ -1809,7 +1809,7 @@
           <p:nvPr>
             <p:extLst>
               <p:ext uri="{D42A27DB-BD31-4B8C-83A1-F6EECF244321}">
-                <p14:modId xmlns:p14="http://schemas.microsoft.com/office/powerpoint/2010/main" xmlns="" val="1108353174"/>
+                <p14:modId xmlns="" xmlns:p14="http://schemas.microsoft.com/office/powerpoint/2010/main" val="1108353174"/>
               </p:ext>
             </p:extLst>
           </p:nvPr>
@@ -1828,28 +1828,28 @@
                 <a:gridCol w="2713713">
                   <a:extLst>
                     <a:ext uri="{9D8B030D-6E8A-4147-A177-3AD203B41FA5}">
-                      <a16:colId xmlns:a16="http://schemas.microsoft.com/office/drawing/2014/main" xmlns="" val="20000"/>
+                      <a16:colId xmlns="" xmlns:a16="http://schemas.microsoft.com/office/drawing/2014/main" val="20000"/>
                     </a:ext>
                   </a:extLst>
                 </a:gridCol>
                 <a:gridCol w="2713713">
                   <a:extLst>
                     <a:ext uri="{9D8B030D-6E8A-4147-A177-3AD203B41FA5}">
-                      <a16:colId xmlns:a16="http://schemas.microsoft.com/office/drawing/2014/main" xmlns="" val="20001"/>
+                      <a16:colId xmlns="" xmlns:a16="http://schemas.microsoft.com/office/drawing/2014/main" val="20001"/>
                     </a:ext>
                   </a:extLst>
                 </a:gridCol>
                 <a:gridCol w="2713713">
                   <a:extLst>
                     <a:ext uri="{9D8B030D-6E8A-4147-A177-3AD203B41FA5}">
-                      <a16:colId xmlns:a16="http://schemas.microsoft.com/office/drawing/2014/main" xmlns="" val="20002"/>
+                      <a16:colId xmlns="" xmlns:a16="http://schemas.microsoft.com/office/drawing/2014/main" val="20002"/>
                     </a:ext>
                   </a:extLst>
                 </a:gridCol>
                 <a:gridCol w="2713713">
                   <a:extLst>
                     <a:ext uri="{9D8B030D-6E8A-4147-A177-3AD203B41FA5}">
-                      <a16:colId xmlns:a16="http://schemas.microsoft.com/office/drawing/2014/main" xmlns="" val="20003"/>
+                      <a16:colId xmlns="" xmlns:a16="http://schemas.microsoft.com/office/drawing/2014/main" val="20003"/>
                     </a:ext>
                   </a:extLst>
                 </a:gridCol>
@@ -2203,7 +2203,7 @@
                 </a:tc>
                 <a:extLst>
                   <a:ext uri="{0D108BD9-81ED-4DB2-BD59-A6C34878D82A}">
-                    <a16:rowId xmlns:a16="http://schemas.microsoft.com/office/drawing/2014/main" xmlns="" val="10000"/>
+                    <a16:rowId xmlns="" xmlns:a16="http://schemas.microsoft.com/office/drawing/2014/main" val="10000"/>
                   </a:ext>
                 </a:extLst>
               </a:tr>
@@ -2520,7 +2520,7 @@
                 </a:tc>
                 <a:extLst>
                   <a:ext uri="{0D108BD9-81ED-4DB2-BD59-A6C34878D82A}">
-                    <a16:rowId xmlns:a16="http://schemas.microsoft.com/office/drawing/2014/main" xmlns="" val="10001"/>
+                    <a16:rowId xmlns="" xmlns:a16="http://schemas.microsoft.com/office/drawing/2014/main" val="10001"/>
                   </a:ext>
                 </a:extLst>
               </a:tr>
@@ -2531,7 +2531,7 @@
     </p:spTree>
     <p:extLst>
       <p:ext uri="{BB962C8B-B14F-4D97-AF65-F5344CB8AC3E}">
-        <p14:creationId xmlns:p14="http://schemas.microsoft.com/office/powerpoint/2010/main" xmlns="" val="2141507849"/>
+        <p14:creationId xmlns="" xmlns:p14="http://schemas.microsoft.com/office/powerpoint/2010/main" val="2141507849"/>
       </p:ext>
     </p:extLst>
   </p:cSld>
@@ -2855,7 +2855,7 @@
     </p:spTree>
     <p:extLst>
       <p:ext uri="{BB962C8B-B14F-4D97-AF65-F5344CB8AC3E}">
-        <p14:creationId xmlns:p14="http://schemas.microsoft.com/office/powerpoint/2010/main" xmlns="" val="679396485"/>
+        <p14:creationId xmlns="" xmlns:p14="http://schemas.microsoft.com/office/powerpoint/2010/main" val="679396485"/>
       </p:ext>
     </p:extLst>
   </p:cSld>
@@ -3377,7 +3377,7 @@
     </p:spTree>
     <p:extLst>
       <p:ext uri="{BB962C8B-B14F-4D97-AF65-F5344CB8AC3E}">
-        <p14:creationId xmlns:p14="http://schemas.microsoft.com/office/powerpoint/2010/main" xmlns="" val="3769480503"/>
+        <p14:creationId xmlns="" xmlns:p14="http://schemas.microsoft.com/office/powerpoint/2010/main" val="3769480503"/>
       </p:ext>
     </p:extLst>
   </p:cSld>
@@ -3830,7 +3830,7 @@
           <a:blip r:embed="rId2" cstate="print">
             <a:extLst>
               <a:ext uri="{28A0092B-C50C-407E-A947-70E740481C1C}">
-                <a14:useLocalDpi xmlns:a14="http://schemas.microsoft.com/office/drawing/2010/main" xmlns="" val="0"/>
+                <a14:useLocalDpi xmlns="" xmlns:a14="http://schemas.microsoft.com/office/drawing/2010/main" val="0"/>
               </a:ext>
             </a:extLst>
           </a:blip>
@@ -3868,7 +3868,7 @@
           <a:blip r:embed="rId3" cstate="print">
             <a:extLst>
               <a:ext uri="{28A0092B-C50C-407E-A947-70E740481C1C}">
-                <a14:useLocalDpi xmlns:a14="http://schemas.microsoft.com/office/drawing/2010/main" xmlns="" val="0"/>
+                <a14:useLocalDpi xmlns="" xmlns:a14="http://schemas.microsoft.com/office/drawing/2010/main" val="0"/>
               </a:ext>
             </a:extLst>
           </a:blip>
@@ -3980,7 +3980,7 @@
     </p:spTree>
     <p:extLst>
       <p:ext uri="{BB962C8B-B14F-4D97-AF65-F5344CB8AC3E}">
-        <p14:creationId xmlns:p14="http://schemas.microsoft.com/office/powerpoint/2010/main" xmlns="" val="4097290702"/>
+        <p14:creationId xmlns="" xmlns:p14="http://schemas.microsoft.com/office/powerpoint/2010/main" val="4097290702"/>
       </p:ext>
     </p:extLst>
   </p:cSld>
@@ -4026,7 +4026,7 @@
           <a:blip r:embed="rId12">
             <a:extLst>
               <a:ext uri="{28A0092B-C50C-407E-A947-70E740481C1C}">
-                <a14:useLocalDpi xmlns:a14="http://schemas.microsoft.com/office/drawing/2010/main" xmlns="" val="0"/>
+                <a14:useLocalDpi xmlns="" xmlns:a14="http://schemas.microsoft.com/office/drawing/2010/main" val="0"/>
               </a:ext>
             </a:extLst>
           </a:blip>
@@ -5061,7 +5061,7 @@
     </p:spTree>
     <p:extLst>
       <p:ext uri="{BB962C8B-B14F-4D97-AF65-F5344CB8AC3E}">
-        <p14:creationId xmlns:p14="http://schemas.microsoft.com/office/powerpoint/2010/main" xmlns="" val="3437830613"/>
+        <p14:creationId xmlns="" xmlns:p14="http://schemas.microsoft.com/office/powerpoint/2010/main" val="3437830613"/>
       </p:ext>
     </p:extLst>
   </p:cSld>
@@ -5738,7 +5738,7 @@
     </p:spTree>
     <p:extLst>
       <p:ext uri="{BB962C8B-B14F-4D97-AF65-F5344CB8AC3E}">
-        <p14:creationId xmlns:p14="http://schemas.microsoft.com/office/powerpoint/2010/main" xmlns="" val="492694439"/>
+        <p14:creationId xmlns="" xmlns:p14="http://schemas.microsoft.com/office/powerpoint/2010/main" val="492694439"/>
       </p:ext>
     </p:extLst>
   </p:cSld>
@@ -6218,7 +6218,7 @@
     </p:spTree>
     <p:extLst>
       <p:ext uri="{BB962C8B-B14F-4D97-AF65-F5344CB8AC3E}">
-        <p14:creationId xmlns:p14="http://schemas.microsoft.com/office/powerpoint/2010/main" xmlns="" val="492694439"/>
+        <p14:creationId xmlns="" xmlns:p14="http://schemas.microsoft.com/office/powerpoint/2010/main" val="492694439"/>
       </p:ext>
     </p:extLst>
   </p:cSld>
@@ -6297,7 +6297,6 @@
               <a:rPr lang="en-US" altLang="ko-KR" dirty="0" smtClean="0"/>
               <a:t>1.3.7</a:t>
             </a:r>
-            <a:endParaRPr lang="en-US" altLang="ko-KR" dirty="0" smtClean="0"/>
           </a:p>
         </p:txBody>
       </p:sp>
@@ -7274,7 +7273,7 @@
     </p:spTree>
     <p:extLst>
       <p:ext uri="{BB962C8B-B14F-4D97-AF65-F5344CB8AC3E}">
-        <p14:creationId xmlns:p14="http://schemas.microsoft.com/office/powerpoint/2010/main" xmlns="" val="492694439"/>
+        <p14:creationId xmlns="" xmlns:p14="http://schemas.microsoft.com/office/powerpoint/2010/main" val="492694439"/>
       </p:ext>
     </p:extLst>
   </p:cSld>
@@ -7320,7 +7319,7 @@
           <a:blip r:embed="rId10">
             <a:extLst>
               <a:ext uri="{28A0092B-C50C-407E-A947-70E740481C1C}">
-                <a14:useLocalDpi xmlns:a14="http://schemas.microsoft.com/office/drawing/2010/main" xmlns="" val="0"/>
+                <a14:useLocalDpi xmlns="" xmlns:a14="http://schemas.microsoft.com/office/drawing/2010/main" val="0"/>
               </a:ext>
             </a:extLst>
           </a:blip>
@@ -8231,7 +8230,7 @@
     </p:spTree>
     <p:extLst>
       <p:ext uri="{BB962C8B-B14F-4D97-AF65-F5344CB8AC3E}">
-        <p14:creationId xmlns:p14="http://schemas.microsoft.com/office/powerpoint/2010/main" xmlns="" val="2011225551"/>
+        <p14:creationId xmlns="" xmlns:p14="http://schemas.microsoft.com/office/powerpoint/2010/main" val="2011225551"/>
       </p:ext>
     </p:extLst>
   </p:cSld>
@@ -8277,7 +8276,7 @@
           <a:blip r:embed="rId10">
             <a:extLst>
               <a:ext uri="{28A0092B-C50C-407E-A947-70E740481C1C}">
-                <a14:useLocalDpi xmlns:a14="http://schemas.microsoft.com/office/drawing/2010/main" xmlns="" val="0"/>
+                <a14:useLocalDpi xmlns="" xmlns:a14="http://schemas.microsoft.com/office/drawing/2010/main" val="0"/>
               </a:ext>
             </a:extLst>
           </a:blip>
@@ -9205,7 +9204,7 @@
     </p:spTree>
     <p:extLst>
       <p:ext uri="{BB962C8B-B14F-4D97-AF65-F5344CB8AC3E}">
-        <p14:creationId xmlns:p14="http://schemas.microsoft.com/office/powerpoint/2010/main" xmlns="" val="1190408124"/>
+        <p14:creationId xmlns="" xmlns:p14="http://schemas.microsoft.com/office/powerpoint/2010/main" val="1190408124"/>
       </p:ext>
     </p:extLst>
   </p:cSld>
@@ -9251,7 +9250,7 @@
           <a:blip r:embed="rId10">
             <a:extLst>
               <a:ext uri="{28A0092B-C50C-407E-A947-70E740481C1C}">
-                <a14:useLocalDpi xmlns:a14="http://schemas.microsoft.com/office/drawing/2010/main" xmlns="" val="0"/>
+                <a14:useLocalDpi xmlns="" xmlns:a14="http://schemas.microsoft.com/office/drawing/2010/main" val="0"/>
               </a:ext>
             </a:extLst>
           </a:blip>
@@ -10142,7 +10141,7 @@
           <a:blip r:embed="rId11" cstate="print">
             <a:extLst>
               <a:ext uri="{28A0092B-C50C-407E-A947-70E740481C1C}">
-                <a14:useLocalDpi xmlns:a14="http://schemas.microsoft.com/office/drawing/2010/main" xmlns="" val="0"/>
+                <a14:useLocalDpi xmlns="" xmlns:a14="http://schemas.microsoft.com/office/drawing/2010/main" val="0"/>
               </a:ext>
             </a:extLst>
           </a:blip>
@@ -10172,7 +10171,7 @@
           <a:blip r:embed="rId12" cstate="print">
             <a:extLst>
               <a:ext uri="{28A0092B-C50C-407E-A947-70E740481C1C}">
-                <a14:useLocalDpi xmlns:a14="http://schemas.microsoft.com/office/drawing/2010/main" xmlns="" val="0"/>
+                <a14:useLocalDpi xmlns="" xmlns:a14="http://schemas.microsoft.com/office/drawing/2010/main" val="0"/>
               </a:ext>
             </a:extLst>
           </a:blip>
@@ -10202,7 +10201,7 @@
           <a:blip r:embed="rId13" cstate="print">
             <a:extLst>
               <a:ext uri="{28A0092B-C50C-407E-A947-70E740481C1C}">
-                <a14:useLocalDpi xmlns:a14="http://schemas.microsoft.com/office/drawing/2010/main" xmlns="" val="0"/>
+                <a14:useLocalDpi xmlns="" xmlns:a14="http://schemas.microsoft.com/office/drawing/2010/main" val="0"/>
               </a:ext>
             </a:extLst>
           </a:blip>
@@ -10232,7 +10231,7 @@
           <a:blip r:embed="rId14" cstate="print">
             <a:extLst>
               <a:ext uri="{28A0092B-C50C-407E-A947-70E740481C1C}">
-                <a14:useLocalDpi xmlns:a14="http://schemas.microsoft.com/office/drawing/2010/main" xmlns="" val="0"/>
+                <a14:useLocalDpi xmlns="" xmlns:a14="http://schemas.microsoft.com/office/drawing/2010/main" val="0"/>
               </a:ext>
             </a:extLst>
           </a:blip>
@@ -10262,7 +10261,7 @@
           <a:blip r:embed="rId15" cstate="print">
             <a:extLst>
               <a:ext uri="{28A0092B-C50C-407E-A947-70E740481C1C}">
-                <a14:useLocalDpi xmlns:a14="http://schemas.microsoft.com/office/drawing/2010/main" xmlns="" val="0"/>
+                <a14:useLocalDpi xmlns="" xmlns:a14="http://schemas.microsoft.com/office/drawing/2010/main" val="0"/>
               </a:ext>
             </a:extLst>
           </a:blip>
@@ -10292,7 +10291,7 @@
           <a:blip r:embed="rId16" cstate="print">
             <a:extLst>
               <a:ext uri="{28A0092B-C50C-407E-A947-70E740481C1C}">
-                <a14:useLocalDpi xmlns:a14="http://schemas.microsoft.com/office/drawing/2010/main" xmlns="" val="0"/>
+                <a14:useLocalDpi xmlns="" xmlns:a14="http://schemas.microsoft.com/office/drawing/2010/main" val="0"/>
               </a:ext>
             </a:extLst>
           </a:blip>
@@ -10322,7 +10321,7 @@
           <a:blip r:embed="rId17" cstate="print">
             <a:extLst>
               <a:ext uri="{28A0092B-C50C-407E-A947-70E740481C1C}">
-                <a14:useLocalDpi xmlns:a14="http://schemas.microsoft.com/office/drawing/2010/main" xmlns="" val="0"/>
+                <a14:useLocalDpi xmlns="" xmlns:a14="http://schemas.microsoft.com/office/drawing/2010/main" val="0"/>
               </a:ext>
             </a:extLst>
           </a:blip>
@@ -10352,7 +10351,7 @@
           <a:blip r:embed="rId18" cstate="print">
             <a:extLst>
               <a:ext uri="{28A0092B-C50C-407E-A947-70E740481C1C}">
-                <a14:useLocalDpi xmlns:a14="http://schemas.microsoft.com/office/drawing/2010/main" xmlns="" val="0"/>
+                <a14:useLocalDpi xmlns="" xmlns:a14="http://schemas.microsoft.com/office/drawing/2010/main" val="0"/>
               </a:ext>
             </a:extLst>
           </a:blip>
@@ -10382,7 +10381,7 @@
           <a:blip r:embed="rId19" cstate="print">
             <a:extLst>
               <a:ext uri="{28A0092B-C50C-407E-A947-70E740481C1C}">
-                <a14:useLocalDpi xmlns:a14="http://schemas.microsoft.com/office/drawing/2010/main" xmlns="" val="0"/>
+                <a14:useLocalDpi xmlns="" xmlns:a14="http://schemas.microsoft.com/office/drawing/2010/main" val="0"/>
               </a:ext>
             </a:extLst>
           </a:blip>
@@ -10412,7 +10411,7 @@
           <a:blip r:embed="rId20" cstate="print">
             <a:extLst>
               <a:ext uri="{28A0092B-C50C-407E-A947-70E740481C1C}">
-                <a14:useLocalDpi xmlns:a14="http://schemas.microsoft.com/office/drawing/2010/main" xmlns="" val="0"/>
+                <a14:useLocalDpi xmlns="" xmlns:a14="http://schemas.microsoft.com/office/drawing/2010/main" val="0"/>
               </a:ext>
             </a:extLst>
           </a:blip>
@@ -10442,7 +10441,7 @@
           <a:blip r:embed="rId21" cstate="print">
             <a:extLst>
               <a:ext uri="{28A0092B-C50C-407E-A947-70E740481C1C}">
-                <a14:useLocalDpi xmlns:a14="http://schemas.microsoft.com/office/drawing/2010/main" xmlns="" val="0"/>
+                <a14:useLocalDpi xmlns="" xmlns:a14="http://schemas.microsoft.com/office/drawing/2010/main" val="0"/>
               </a:ext>
             </a:extLst>
           </a:blip>
@@ -10472,7 +10471,7 @@
           <a:blip r:embed="rId22" cstate="print">
             <a:extLst>
               <a:ext uri="{28A0092B-C50C-407E-A947-70E740481C1C}">
-                <a14:useLocalDpi xmlns:a14="http://schemas.microsoft.com/office/drawing/2010/main" xmlns="" val="0"/>
+                <a14:useLocalDpi xmlns="" xmlns:a14="http://schemas.microsoft.com/office/drawing/2010/main" val="0"/>
               </a:ext>
             </a:extLst>
           </a:blip>
@@ -10502,7 +10501,7 @@
           <a:blip r:embed="rId23" cstate="print">
             <a:extLst>
               <a:ext uri="{28A0092B-C50C-407E-A947-70E740481C1C}">
-                <a14:useLocalDpi xmlns:a14="http://schemas.microsoft.com/office/drawing/2010/main" xmlns="" val="0"/>
+                <a14:useLocalDpi xmlns="" xmlns:a14="http://schemas.microsoft.com/office/drawing/2010/main" val="0"/>
               </a:ext>
             </a:extLst>
           </a:blip>
@@ -10532,7 +10531,7 @@
           <a:blip r:embed="rId24" cstate="print">
             <a:extLst>
               <a:ext uri="{28A0092B-C50C-407E-A947-70E740481C1C}">
-                <a14:useLocalDpi xmlns:a14="http://schemas.microsoft.com/office/drawing/2010/main" xmlns="" val="0"/>
+                <a14:useLocalDpi xmlns="" xmlns:a14="http://schemas.microsoft.com/office/drawing/2010/main" val="0"/>
               </a:ext>
             </a:extLst>
           </a:blip>
@@ -10562,7 +10561,7 @@
           <a:blip r:embed="rId25" cstate="print">
             <a:extLst>
               <a:ext uri="{28A0092B-C50C-407E-A947-70E740481C1C}">
-                <a14:useLocalDpi xmlns:a14="http://schemas.microsoft.com/office/drawing/2010/main" xmlns="" val="0"/>
+                <a14:useLocalDpi xmlns="" xmlns:a14="http://schemas.microsoft.com/office/drawing/2010/main" val="0"/>
               </a:ext>
             </a:extLst>
           </a:blip>
@@ -10592,7 +10591,7 @@
           <a:blip r:embed="rId26" cstate="print">
             <a:extLst>
               <a:ext uri="{28A0092B-C50C-407E-A947-70E740481C1C}">
-                <a14:useLocalDpi xmlns:a14="http://schemas.microsoft.com/office/drawing/2010/main" xmlns="" val="0"/>
+                <a14:useLocalDpi xmlns="" xmlns:a14="http://schemas.microsoft.com/office/drawing/2010/main" val="0"/>
               </a:ext>
             </a:extLst>
           </a:blip>
@@ -10613,7 +10612,7 @@
     </p:spTree>
     <p:extLst>
       <p:ext uri="{BB962C8B-B14F-4D97-AF65-F5344CB8AC3E}">
-        <p14:creationId xmlns:p14="http://schemas.microsoft.com/office/powerpoint/2010/main" xmlns="" val="4243883722"/>
+        <p14:creationId xmlns="" xmlns:p14="http://schemas.microsoft.com/office/powerpoint/2010/main" val="4243883722"/>
       </p:ext>
     </p:extLst>
   </p:cSld>
@@ -10649,32 +10648,28 @@
       </p:grpSpPr>
       <p:pic>
         <p:nvPicPr>
-          <p:cNvPr id="2" name="그림 1"/>
+          <p:cNvPr id="1026" name="Picture 2" descr="C:\Users\alfo24\Desktop\COMP_project\Document\UI_source\화면구성 예시\1.판매탭1-제품조회(Sub).png"/>
           <p:cNvPicPr>
-            <a:picLocks noChangeAspect="1"/>
+            <a:picLocks noChangeAspect="1" noChangeArrowheads="1"/>
           </p:cNvPicPr>
           <p:nvPr/>
         </p:nvPicPr>
         <p:blipFill>
-          <a:blip r:embed="rId4">
-            <a:extLst>
-              <a:ext uri="{28A0092B-C50C-407E-A947-70E740481C1C}">
-                <a14:useLocalDpi xmlns:a14="http://schemas.microsoft.com/office/drawing/2010/main" xmlns="" val="0"/>
-              </a:ext>
-            </a:extLst>
-          </a:blip>
+          <a:blip r:embed="rId6"/>
+          <a:srcRect/>
           <a:stretch>
             <a:fillRect/>
           </a:stretch>
         </p:blipFill>
-        <p:spPr>
+        <p:spPr bwMode="auto">
           <a:xfrm>
-            <a:off x="4960019" y="2200837"/>
-            <a:ext cx="3791479" cy="4267796"/>
+            <a:off x="4953000" y="2316162"/>
+            <a:ext cx="3811588" cy="4287838"/>
           </a:xfrm>
           <a:prstGeom prst="rect">
             <a:avLst/>
           </a:prstGeom>
+          <a:noFill/>
         </p:spPr>
       </p:pic>
       <p:sp>
@@ -10846,6 +10841,46 @@
               </a:spcBef>
               <a:buNone/>
             </a:pPr>
+            <a:r>
+              <a:rPr lang="ko-KR" altLang="en-US" sz="1000" dirty="0" smtClean="0"/>
+              <a:t>② 제품 </a:t>
+            </a:r>
+            <a:r>
+              <a:rPr lang="ko-KR" altLang="en-US" sz="1000" dirty="0" smtClean="0"/>
+              <a:t>선</a:t>
+            </a:r>
+            <a:r>
+              <a:rPr lang="ko-KR" altLang="en-US" sz="1000" dirty="0" smtClean="0"/>
+              <a:t>택</a:t>
+            </a:r>
+            <a:endParaRPr lang="en-US" altLang="ko-KR" sz="1000" dirty="0" smtClean="0"/>
+          </a:p>
+          <a:p>
+            <a:pPr marL="0" indent="0">
+              <a:lnSpc>
+                <a:spcPct val="100000"/>
+              </a:lnSpc>
+              <a:spcBef>
+                <a:spcPts val="0"/>
+              </a:spcBef>
+              <a:buNone/>
+            </a:pPr>
+            <a:r>
+              <a:rPr lang="en-US" altLang="ko-KR" sz="1000" dirty="0" smtClean="0"/>
+              <a:t>    - </a:t>
+            </a:r>
+            <a:r>
+              <a:rPr lang="ko-KR" altLang="en-US" sz="1000" dirty="0" smtClean="0"/>
+              <a:t>주문하기에 들어갈 </a:t>
+            </a:r>
+            <a:r>
+              <a:rPr lang="ko-KR" altLang="en-US" sz="1000" smtClean="0"/>
+              <a:t>제품이 선택된다</a:t>
+            </a:r>
+            <a:r>
+              <a:rPr lang="en-US" altLang="ko-KR" sz="1000" dirty="0" smtClean="0"/>
+              <a:t>.</a:t>
+            </a:r>
             <a:endParaRPr lang="ko-KR" altLang="en-US" sz="1000" dirty="0"/>
           </a:p>
         </p:txBody>
@@ -10874,7 +10909,7 @@
             <p:cNvSpPr/>
             <p:nvPr>
               <p:custDataLst>
-                <p:custData r:id="rId2"/>
+                <p:custData r:id="rId4"/>
               </p:custDataLst>
             </p:nvPr>
           </p:nvSpPr>
@@ -10984,7 +11019,7 @@
           <p:nvPr/>
         </p:nvPicPr>
         <p:blipFill>
-          <a:blip r:embed="rId5"/>
+          <a:blip r:embed="rId7"/>
           <a:stretch>
             <a:fillRect/>
           </a:stretch>
@@ -11069,10 +11104,135 @@
           </a:fontRef>
         </p:style>
       </p:cxnSp>
+      <p:grpSp>
+        <p:nvGrpSpPr>
+          <p:cNvPr id="13" name="Callout"/>
+          <p:cNvGrpSpPr/>
+          <p:nvPr>
+            <p:custDataLst>
+              <p:custData r:id="rId2"/>
+            </p:custDataLst>
+          </p:nvPr>
+        </p:nvGrpSpPr>
+        <p:grpSpPr>
+          <a:xfrm>
+            <a:off x="6225906" y="6019000"/>
+            <a:ext cx="320451" cy="319476"/>
+            <a:chOff x="4283964" y="3147930"/>
+            <a:chExt cx="320451" cy="319476"/>
+          </a:xfrm>
+        </p:grpSpPr>
+        <p:sp>
+          <p:nvSpPr>
+            <p:cNvPr id="14" name="Circle"/>
+            <p:cNvSpPr/>
+            <p:nvPr>
+              <p:custDataLst>
+                <p:custData r:id="rId3"/>
+              </p:custDataLst>
+            </p:nvPr>
+          </p:nvSpPr>
+          <p:spPr>
+            <a:xfrm>
+              <a:off x="4283964" y="3147930"/>
+              <a:ext cx="320451" cy="319476"/>
+            </a:xfrm>
+            <a:prstGeom prst="ellipse">
+              <a:avLst/>
+            </a:prstGeom>
+            <a:solidFill>
+              <a:srgbClr val="FFFF00"/>
+            </a:solidFill>
+            <a:ln w="38100" cap="flat" cmpd="sng" algn="ctr">
+              <a:solidFill>
+                <a:srgbClr val="FFFFFF">
+                  <a:lumMod val="50000"/>
+                </a:srgbClr>
+              </a:solidFill>
+              <a:prstDash val="solid"/>
+            </a:ln>
+            <a:effectLst/>
+          </p:spPr>
+          <p:txBody>
+            <a:bodyPr rot="0" spcFirstLastPara="0" vertOverflow="overflow" horzOverflow="overflow" vert="horz" wrap="square" lIns="45720" tIns="45720" rIns="91440" bIns="45720" numCol="1" spcCol="0" rtlCol="0" fromWordArt="0" anchor="ctr" anchorCtr="0" forceAA="0" compatLnSpc="1">
+              <a:prstTxWarp prst="textNoShape">
+                <a:avLst/>
+              </a:prstTxWarp>
+              <a:noAutofit/>
+            </a:bodyPr>
+            <a:lstStyle/>
+            <a:p>
+              <a:pPr marL="0" marR="0" indent="0" algn="ctr" defTabSz="914400" eaLnBrk="1" fontAlgn="auto" latinLnBrk="0" hangingPunct="1">
+                <a:lnSpc>
+                  <a:spcPct val="100000"/>
+                </a:lnSpc>
+                <a:spcBef>
+                  <a:spcPts val="0"/>
+                </a:spcBef>
+                <a:spcAft>
+                  <a:spcPts val="0"/>
+                </a:spcAft>
+                <a:buClrTx/>
+                <a:buSzTx/>
+                <a:buFontTx/>
+                <a:buNone/>
+                <a:tabLst/>
+              </a:pPr>
+              <a:endParaRPr kumimoji="0" lang="en-US" sz="800" b="0" i="0" u="none" strike="noStrike" kern="0" cap="none" spc="0" normalizeH="0" baseline="0" noProof="0" dirty="0" smtClean="0">
+                <a:ln>
+                  <a:noFill/>
+                </a:ln>
+                <a:solidFill>
+                  <a:srgbClr val="000000">
+                    <a:lumMod val="75000"/>
+                    <a:lumOff val="25000"/>
+                  </a:srgbClr>
+                </a:solidFill>
+                <a:effectLst/>
+                <a:uLnTx/>
+                <a:uFillTx/>
+                <a:latin typeface="Segoe UI"/>
+                <a:ea typeface="+mn-ea"/>
+                <a:cs typeface="+mn-cs"/>
+              </a:endParaRPr>
+            </a:p>
+          </p:txBody>
+        </p:sp>
+        <p:sp>
+          <p:nvSpPr>
+            <p:cNvPr id="15" name="Content"/>
+            <p:cNvSpPr txBox="1"/>
+            <p:nvPr/>
+          </p:nvSpPr>
+          <p:spPr>
+            <a:xfrm flipH="1">
+              <a:off x="4309771" y="3157455"/>
+              <a:ext cx="268835" cy="276999"/>
+            </a:xfrm>
+            <a:prstGeom prst="rect">
+              <a:avLst/>
+            </a:prstGeom>
+            <a:noFill/>
+          </p:spPr>
+          <p:txBody>
+            <a:bodyPr wrap="square" rtlCol="0">
+              <a:spAutoFit/>
+            </a:bodyPr>
+            <a:lstStyle/>
+            <a:p>
+              <a:r>
+                <a:rPr lang="en-US" sz="1200" dirty="0" smtClean="0"/>
+                <a:t>2</a:t>
+              </a:r>
+              <a:endParaRPr lang="en-US" sz="1200" dirty="0"/>
+            </a:p>
+          </p:txBody>
+        </p:sp>
+      </p:grpSp>
     </p:spTree>
     <p:extLst>
       <p:ext uri="{BB962C8B-B14F-4D97-AF65-F5344CB8AC3E}">
-        <p14:creationId xmlns:p14="http://schemas.microsoft.com/office/powerpoint/2010/main" xmlns="" val="2654336337"/>
+        <p14:creationId xmlns="" xmlns:p14="http://schemas.microsoft.com/office/powerpoint/2010/main" val="2654336337"/>
       </p:ext>
     </p:extLst>
   </p:cSld>
@@ -11118,7 +11278,7 @@
           <a:blip r:embed="rId10">
             <a:extLst>
               <a:ext uri="{28A0092B-C50C-407E-A947-70E740481C1C}">
-                <a14:useLocalDpi xmlns:a14="http://schemas.microsoft.com/office/drawing/2010/main" xmlns="" val="0"/>
+                <a14:useLocalDpi xmlns="" xmlns:a14="http://schemas.microsoft.com/office/drawing/2010/main" val="0"/>
               </a:ext>
             </a:extLst>
           </a:blip>
@@ -11937,7 +12097,7 @@
     </p:spTree>
     <p:extLst>
       <p:ext uri="{BB962C8B-B14F-4D97-AF65-F5344CB8AC3E}">
-        <p14:creationId xmlns:p14="http://schemas.microsoft.com/office/powerpoint/2010/main" xmlns="" val="3855243553"/>
+        <p14:creationId xmlns="" xmlns:p14="http://schemas.microsoft.com/office/powerpoint/2010/main" val="3855243553"/>
       </p:ext>
     </p:extLst>
   </p:cSld>
@@ -11983,7 +12143,7 @@
           <a:blip r:embed="rId12">
             <a:extLst>
               <a:ext uri="{28A0092B-C50C-407E-A947-70E740481C1C}">
-                <a14:useLocalDpi xmlns:a14="http://schemas.microsoft.com/office/drawing/2010/main" xmlns="" val="0"/>
+                <a14:useLocalDpi xmlns="" xmlns:a14="http://schemas.microsoft.com/office/drawing/2010/main" val="0"/>
               </a:ext>
             </a:extLst>
           </a:blip>
@@ -13091,7 +13251,7 @@
     </p:spTree>
     <p:extLst>
       <p:ext uri="{BB962C8B-B14F-4D97-AF65-F5344CB8AC3E}">
-        <p14:creationId xmlns:p14="http://schemas.microsoft.com/office/powerpoint/2010/main" xmlns="" val="114933176"/>
+        <p14:creationId xmlns="" xmlns:p14="http://schemas.microsoft.com/office/powerpoint/2010/main" val="114933176"/>
       </p:ext>
     </p:extLst>
   </p:cSld>
@@ -13137,7 +13297,7 @@
           <a:blip r:embed="rId12">
             <a:extLst>
               <a:ext uri="{28A0092B-C50C-407E-A947-70E740481C1C}">
-                <a14:useLocalDpi xmlns:a14="http://schemas.microsoft.com/office/drawing/2010/main" xmlns="" val="0"/>
+                <a14:useLocalDpi xmlns="" xmlns:a14="http://schemas.microsoft.com/office/drawing/2010/main" val="0"/>
               </a:ext>
             </a:extLst>
           </a:blip>
@@ -14199,7 +14359,7 @@
     </p:spTree>
     <p:extLst>
       <p:ext uri="{BB962C8B-B14F-4D97-AF65-F5344CB8AC3E}">
-        <p14:creationId xmlns:p14="http://schemas.microsoft.com/office/powerpoint/2010/main" xmlns="" val="3899408202"/>
+        <p14:creationId xmlns="" xmlns:p14="http://schemas.microsoft.com/office/powerpoint/2010/main" val="3899408202"/>
       </p:ext>
     </p:extLst>
   </p:cSld>
@@ -14245,7 +14405,7 @@
           <a:blip r:embed="rId12">
             <a:extLst>
               <a:ext uri="{28A0092B-C50C-407E-A947-70E740481C1C}">
-                <a14:useLocalDpi xmlns:a14="http://schemas.microsoft.com/office/drawing/2010/main" xmlns="" val="0"/>
+                <a14:useLocalDpi xmlns="" xmlns:a14="http://schemas.microsoft.com/office/drawing/2010/main" val="0"/>
               </a:ext>
             </a:extLst>
           </a:blip>
@@ -15359,7 +15519,7 @@
     </p:spTree>
     <p:extLst>
       <p:ext uri="{BB962C8B-B14F-4D97-AF65-F5344CB8AC3E}">
-        <p14:creationId xmlns:p14="http://schemas.microsoft.com/office/powerpoint/2010/main" xmlns="" val="2346978374"/>
+        <p14:creationId xmlns="" xmlns:p14="http://schemas.microsoft.com/office/powerpoint/2010/main" val="2346978374"/>
       </p:ext>
     </p:extLst>
   </p:cSld>
@@ -15631,7 +15791,7 @@
   <a:extraClrSchemeLst/>
   <a:extLst>
     <a:ext uri="{05A4C25C-085E-4340-85A3-A5531E510DB2}">
-      <thm15:themeFamily xmlns:thm15="http://schemas.microsoft.com/office/thememl/2012/main" xmlns="" name="스토리보드" id="{8099603D-1BE1-4B6A-908A-4AF7E08E24D0}" vid="{621F26AD-25D5-4C4F-8BBC-5A17BFE16C3F}"/>
+      <thm15:themeFamily xmlns="" xmlns:thm15="http://schemas.microsoft.com/office/thememl/2012/main" name="스토리보드" id="{8099603D-1BE1-4B6A-908A-4AF7E08E24D0}" vid="{621F26AD-25D5-4C4F-8BBC-5A17BFE16C3F}"/>
     </a:ext>
   </a:extLst>
 </a:theme>
@@ -15892,7 +16052,7 @@
   <a:extraClrSchemeLst/>
   <a:extLst>
     <a:ext uri="{05A4C25C-085E-4340-85A3-A5531E510DB2}">
-      <thm15:themeFamily xmlns:thm15="http://schemas.microsoft.com/office/thememl/2012/main" xmlns="" name="Office Theme" id="{62F939B6-93AF-4DB8-9C6B-D6C7DFDC589F}" vid="{4A3C46E8-61CC-4603-A589-7422A47A8E4A}"/>
+      <thm15:themeFamily xmlns="" xmlns:thm15="http://schemas.microsoft.com/office/thememl/2012/main" name="Office Theme" id="{62F939B6-93AF-4DB8-9C6B-D6C7DFDC589F}" vid="{4A3C46E8-61CC-4603-A589-7422A47A8E4A}"/>
     </a:ext>
   </a:extLst>
 </a:theme>
@@ -16153,7 +16313,7 @@
   <a:extraClrSchemeLst/>
   <a:extLst>
     <a:ext uri="{05A4C25C-085E-4340-85A3-A5531E510DB2}">
-      <thm15:themeFamily xmlns:thm15="http://schemas.microsoft.com/office/thememl/2012/main" xmlns="" name="Office Theme" id="{62F939B6-93AF-4DB8-9C6B-D6C7DFDC589F}" vid="{4A3C46E8-61CC-4603-A589-7422A47A8E4A}"/>
+      <thm15:themeFamily xmlns="" xmlns:thm15="http://schemas.microsoft.com/office/thememl/2012/main" name="Office Theme" id="{62F939B6-93AF-4DB8-9C6B-D6C7DFDC589F}" vid="{4A3C46E8-61CC-4603-A589-7422A47A8E4A}"/>
     </a:ext>
   </a:extLst>
 </a:theme>
@@ -16161,7 +16321,7 @@
 
 <file path=customXml/item1.xml><?xml version="1.0" encoding="utf-8"?>
 <Control xmlns="http://schemas.microsoft.com/VisualStudio/2011/storyboarding/control">
-  <Id Name="System.Storyboarding.Annotation.CallOut" Revision="1" Stencil="System.Storyboarding.Annotation" StencilVersion="0.1"/>
+  <Id Name="fd7d7bed-114e-464c-a4f1-01a512005949" Revision="1" Stencil="System.MyShapes" StencilVersion="1.0"/>
 </Control>
 </file>
 
@@ -16185,13 +16345,13 @@
 
 <file path=customXml/item102.xml><?xml version="1.0" encoding="utf-8"?>
 <Control xmlns="http://schemas.microsoft.com/VisualStudio/2011/storyboarding/control">
-  <Id Name="fd7d7bed-114e-464c-a4f1-01a512005949" Revision="1" Stencil="System.MyShapes" StencilVersion="1.0"/>
+  <Id Name="System.Storyboarding.Annotation.CallOut" Revision="1" Stencil="System.Storyboarding.Annotation" StencilVersion="0.1"/>
 </Control>
 </file>
 
 <file path=customXml/item103.xml><?xml version="1.0" encoding="utf-8"?>
 <Control xmlns="http://schemas.microsoft.com/VisualStudio/2011/storyboarding/control">
-  <Id Name="System.Storyboarding.Annotation.CallOut" Revision="1" Stencil="System.Storyboarding.Annotation" StencilVersion="0.1"/>
+  <Id Name="fd7d7bed-114e-464c-a4f1-01a512005949" Revision="1" Stencil="System.MyShapes" StencilVersion="1.0"/>
 </Control>
 </file>
 
@@ -16203,13 +16363,13 @@
 
 <file path=customXml/item105.xml><?xml version="1.0" encoding="utf-8"?>
 <Control xmlns="http://schemas.microsoft.com/VisualStudio/2011/storyboarding/control">
-  <Id Name="fd7d7bed-114e-464c-a4f1-01a512005949" Revision="1" Stencil="System.MyShapes" StencilVersion="1.0"/>
+  <Id Name="System.Storyboarding.Annotation.CallOut" Revision="1" Stencil="System.Storyboarding.Annotation" StencilVersion="0.1"/>
 </Control>
 </file>
 
 <file path=customXml/item106.xml><?xml version="1.0" encoding="utf-8"?>
 <Control xmlns="http://schemas.microsoft.com/VisualStudio/2011/storyboarding/control">
-  <Id Name="System.Storyboarding.Common.Text" Revision="1" Stencil="System.Storyboarding.Common" StencilVersion="0.1"/>
+  <Id Name="System.Storyboarding.Annotation.CallOut" Revision="1" Stencil="System.Storyboarding.Annotation" StencilVersion="0.1"/>
 </Control>
 </file>
 
@@ -16221,13 +16381,13 @@
 
 <file path=customXml/item108.xml><?xml version="1.0" encoding="utf-8"?>
 <Control xmlns="http://schemas.microsoft.com/VisualStudio/2011/storyboarding/control">
-  <Id Name="fd7d7bed-114e-464c-a4f1-01a512005949" Revision="1" Stencil="System.MyShapes" StencilVersion="1.0"/>
+  <Id Name="System.Storyboarding.Annotation.CallOut" Revision="1" Stencil="System.Storyboarding.Annotation" StencilVersion="0.1"/>
 </Control>
 </file>
 
 <file path=customXml/item109.xml><?xml version="1.0" encoding="utf-8"?>
 <Control xmlns="http://schemas.microsoft.com/VisualStudio/2011/storyboarding/control">
-  <Id Name="System.Storyboarding.Annotation.CallOut" Revision="1" Stencil="System.Storyboarding.Annotation" StencilVersion="0.1"/>
+  <Id Name="fd7d7bed-114e-464c-a4f1-01a512005949" Revision="1" Stencil="System.MyShapes" StencilVersion="1.0"/>
 </Control>
 </file>
 
@@ -16245,25 +16405,37 @@
 
 <file path=customXml/item111.xml><?xml version="1.0" encoding="utf-8"?>
 <Control xmlns="http://schemas.microsoft.com/VisualStudio/2011/storyboarding/control">
-  <Id Name="System.Storyboarding.Annotation.CallOut" Revision="1" Stencil="System.Storyboarding.Annotation" StencilVersion="0.1"/>
+  <Id Name="fd7d7bed-114e-464c-a4f1-01a512005949" Revision="1" Stencil="System.MyShapes" StencilVersion="1.0"/>
 </Control>
 </file>
 
 <file path=customXml/item112.xml><?xml version="1.0" encoding="utf-8"?>
+<Control xmlns="http://schemas.microsoft.com/VisualStudio/2011/storyboarding/control">
+  <Id Name="fd7d7bed-114e-464c-a4f1-01a512005949" Revision="1" Stencil="System.MyShapes" StencilVersion="1.0"/>
+</Control>
+</file>
+
+<file path=customXml/item113.xml><?xml version="1.0" encoding="utf-8"?>
+<Control xmlns="http://schemas.microsoft.com/VisualStudio/2011/storyboarding/control">
+  <Id Name="fd7d7bed-114e-464c-a4f1-01a512005949" Revision="1" Stencil="System.MyShapes" StencilVersion="1.0"/>
+</Control>
+</file>
+
+<file path=customXml/item114.xml><?xml version="1.0" encoding="utf-8"?>
 <Control xmlns="http://schemas.microsoft.com/VisualStudio/2011/storyboarding/control">
   <Id Name="System.Storyboarding.Annotation.CallOut" Revision="1" Stencil="System.Storyboarding.Annotation" StencilVersion="0.1"/>
 </Control>
 </file>
 
-<file path=customXml/item113.xml><?xml version="1.0" encoding="utf-8"?>
+<file path=customXml/item115.xml><?xml version="1.0" encoding="utf-8"?>
 <Control xmlns="http://schemas.microsoft.com/VisualStudio/2011/storyboarding/control">
-  <Id Name="System.Storyboarding.Annotation.CallOut" Revision="1" Stencil="System.Storyboarding.Annotation" StencilVersion="0.1"/>
+  <Id Name="fd7d7bed-114e-464c-a4f1-01a512005949" Revision="1" Stencil="System.MyShapes" StencilVersion="1.0"/>
 </Control>
 </file>
 
 <file path=customXml/item12.xml><?xml version="1.0" encoding="utf-8"?>
 <Control xmlns="http://schemas.microsoft.com/VisualStudio/2011/storyboarding/control">
-  <Id Name="System.Storyboarding.Common.Text" Revision="1" Stencil="System.Storyboarding.Common" StencilVersion="0.1"/>
+  <Id Name="fd7d7bed-114e-464c-a4f1-01a512005949" Revision="1" Stencil="System.MyShapes" StencilVersion="1.0"/>
 </Control>
 </file>
 
@@ -16281,7 +16453,7 @@
 
 <file path=customXml/item15.xml><?xml version="1.0" encoding="utf-8"?>
 <Control xmlns="http://schemas.microsoft.com/VisualStudio/2011/storyboarding/control">
-  <Id Name="System.Storyboarding.Annotation.CallOut" Revision="1" Stencil="System.Storyboarding.Annotation" StencilVersion="0.1"/>
+  <Id Name="System.Storyboarding.Common.Text" Revision="1" Stencil="System.Storyboarding.Common" StencilVersion="0.1"/>
 </Control>
 </file>
 
@@ -16293,13 +16465,13 @@
 
 <file path=customXml/item17.xml><?xml version="1.0" encoding="utf-8"?>
 <Control xmlns="http://schemas.microsoft.com/VisualStudio/2011/storyboarding/control">
-  <Id Name="fd7d7bed-114e-464c-a4f1-01a512005949" Revision="1" Stencil="System.MyShapes" StencilVersion="1.0"/>
+  <Id Name="System.Storyboarding.Annotation.CallOut" Revision="1" Stencil="System.Storyboarding.Annotation" StencilVersion="0.1"/>
 </Control>
 </file>
 
 <file path=customXml/item18.xml><?xml version="1.0" encoding="utf-8"?>
 <Control xmlns="http://schemas.microsoft.com/VisualStudio/2011/storyboarding/control">
-  <Id Name="fd7d7bed-114e-464c-a4f1-01a512005949" Revision="1" Stencil="System.MyShapes" StencilVersion="1.0"/>
+  <Id Name="System.Storyboarding.Annotation.CallOut" Revision="1" Stencil="System.Storyboarding.Annotation" StencilVersion="0.1"/>
 </Control>
 </file>
 
@@ -16317,7 +16489,7 @@
 
 <file path=customXml/item20.xml><?xml version="1.0" encoding="utf-8"?>
 <Control xmlns="http://schemas.microsoft.com/VisualStudio/2011/storyboarding/control">
-  <Id Name="fd7d7bed-114e-464c-a4f1-01a512005949" Revision="1" Stencil="System.MyShapes" StencilVersion="1.0"/>
+  <Id Name="System.Storyboarding.Common.TextInput" Revision="1" Stencil="System.Storyboarding.Common" StencilVersion="0.1"/>
 </Control>
 </file>
 
@@ -16329,7 +16501,7 @@
 
 <file path=customXml/item22.xml><?xml version="1.0" encoding="utf-8"?>
 <Control xmlns="http://schemas.microsoft.com/VisualStudio/2011/storyboarding/control">
-  <Id Name="System.Storyboarding.Common.Text" Revision="1" Stencil="System.Storyboarding.Common" StencilVersion="0.1"/>
+  <Id Name="System.Storyboarding.Annotation.CallOut" Revision="1" Stencil="System.Storyboarding.Annotation" StencilVersion="0.1"/>
 </Control>
 </file>
 
@@ -16341,7 +16513,7 @@
 
 <file path=customXml/item24.xml><?xml version="1.0" encoding="utf-8"?>
 <Control xmlns="http://schemas.microsoft.com/VisualStudio/2011/storyboarding/control">
-  <Id Name="System.Storyboarding.Annotation.CallOut" Revision="1" Stencil="System.Storyboarding.Annotation" StencilVersion="0.1"/>
+  <Id Name="System.Storyboarding.Common.Text" Revision="1" Stencil="System.Storyboarding.Common" StencilVersion="0.1"/>
 </Control>
 </file>
 
@@ -16353,61 +16525,61 @@
 
 <file path=customXml/item26.xml><?xml version="1.0" encoding="utf-8"?>
 <Control xmlns="http://schemas.microsoft.com/VisualStudio/2011/storyboarding/control">
+  <Id Name="System.Storyboarding.Annotation.CallOut" Revision="1" Stencil="System.Storyboarding.Annotation" StencilVersion="0.1"/>
+</Control>
+</file>
+
+<file path=customXml/item27.xml><?xml version="1.0" encoding="utf-8"?>
+<Control xmlns="http://schemas.microsoft.com/VisualStudio/2011/storyboarding/control">
   <Id Name="fd7d7bed-114e-464c-a4f1-01a512005949" Revision="1" Stencil="System.MyShapes" StencilVersion="1.0"/>
 </Control>
 </file>
 
-<file path=customXml/item27.xml><?xml version="1.0" encoding="utf-8"?>
+<file path=customXml/item28.xml><?xml version="1.0" encoding="utf-8"?>
 <Control xmlns="http://schemas.microsoft.com/VisualStudio/2011/storyboarding/control">
   <Id Name="System.Storyboarding.Annotation.CallOut" Revision="1" Stencil="System.Storyboarding.Annotation" StencilVersion="0.1"/>
 </Control>
 </file>
 
-<file path=customXml/item28.xml><?xml version="1.0" encoding="utf-8"?>
+<file path=customXml/item29.xml><?xml version="1.0" encoding="utf-8"?>
 <Control xmlns="http://schemas.microsoft.com/VisualStudio/2011/storyboarding/control">
-  <Id Name="System.Storyboarding.Common.TextInput" Revision="1" Stencil="System.Storyboarding.Common" StencilVersion="0.1"/>
+  <Id Name="fd7d7bed-114e-464c-a4f1-01a512005949" Revision="1" Stencil="System.MyShapes" StencilVersion="1.0"/>
 </Control>
 </file>
 
-<file path=customXml/item29.xml><?xml version="1.0" encoding="utf-8"?>
+<file path=customXml/item3.xml><?xml version="1.0" encoding="utf-8"?>
+<Control xmlns="http://schemas.microsoft.com/VisualStudio/2011/storyboarding/control">
+  <Id Name="System.Storyboarding.WindowsDesktop.DialogBox" Revision="1" Stencil="System.Storyboarding.WindowsDesktop" StencilVersion="0.1"/>
+</Control>
+</file>
+
+<file path=customXml/item30.xml><?xml version="1.0" encoding="utf-8"?>
+<Control xmlns="http://schemas.microsoft.com/VisualStudio/2011/storyboarding/control">
+  <Id Name="fd7d7bed-114e-464c-a4f1-01a512005949" Revision="1" Stencil="System.MyShapes" StencilVersion="1.0"/>
+</Control>
+</file>
+
+<file path=customXml/item31.xml><?xml version="1.0" encoding="utf-8"?>
 <Control xmlns="http://schemas.microsoft.com/VisualStudio/2011/storyboarding/control">
   <Id Name="System.Storyboarding.Annotation.CallOut" Revision="1" Stencil="System.Storyboarding.Annotation" StencilVersion="0.1"/>
 </Control>
 </file>
 
-<file path=customXml/item3.xml><?xml version="1.0" encoding="utf-8"?>
+<file path=customXml/item32.xml><?xml version="1.0" encoding="utf-8"?>
 <Control xmlns="http://schemas.microsoft.com/VisualStudio/2011/storyboarding/control">
   <Id Name="System.Storyboarding.Annotation.CallOut" Revision="1" Stencil="System.Storyboarding.Annotation" StencilVersion="0.1"/>
 </Control>
 </file>
 
-<file path=customXml/item30.xml><?xml version="1.0" encoding="utf-8"?>
-<Control xmlns="http://schemas.microsoft.com/VisualStudio/2011/storyboarding/control">
-  <Id Name="System.Storyboarding.Annotation.CallOut" Revision="1" Stencil="System.Storyboarding.Annotation" StencilVersion="0.1"/>
-</Control>
-</file>
-
-<file path=customXml/item31.xml><?xml version="1.0" encoding="utf-8"?>
+<file path=customXml/item33.xml><?xml version="1.0" encoding="utf-8"?>
 <Control xmlns="http://schemas.microsoft.com/VisualStudio/2011/storyboarding/control">
   <Id Name="fd7d7bed-114e-464c-a4f1-01a512005949" Revision="1" Stencil="System.MyShapes" StencilVersion="1.0"/>
 </Control>
 </file>
 
-<file path=customXml/item32.xml><?xml version="1.0" encoding="utf-8"?>
+<file path=customXml/item34.xml><?xml version="1.0" encoding="utf-8"?>
 <Control xmlns="http://schemas.microsoft.com/VisualStudio/2011/storyboarding/control">
   <Id Name="fd7d7bed-114e-464c-a4f1-01a512005949" Revision="1" Stencil="System.MyShapes" StencilVersion="1.0"/>
-</Control>
-</file>
-
-<file path=customXml/item33.xml><?xml version="1.0" encoding="utf-8"?>
-<Control xmlns="http://schemas.microsoft.com/VisualStudio/2011/storyboarding/control">
-  <Id Name="System.Storyboarding.Common.RadioButtonSelected" Revision="1" Stencil="System.Storyboarding.Common" StencilVersion="0.1"/>
-</Control>
-</file>
-
-<file path=customXml/item34.xml><?xml version="1.0" encoding="utf-8"?>
-<Control xmlns="http://schemas.microsoft.com/VisualStudio/2011/storyboarding/control">
-  <Id Name="System.Storyboarding.Annotation.CallOut" Revision="1" Stencil="System.Storyboarding.Annotation" StencilVersion="0.1"/>
 </Control>
 </file>
 
@@ -16419,7 +16591,7 @@
 
 <file path=customXml/item36.xml><?xml version="1.0" encoding="utf-8"?>
 <Control xmlns="http://schemas.microsoft.com/VisualStudio/2011/storyboarding/control">
-  <Id Name="fd7d7bed-114e-464c-a4f1-01a512005949" Revision="1" Stencil="System.MyShapes" StencilVersion="1.0"/>
+  <Id Name="System.Storyboarding.Annotation.CallOut" Revision="1" Stencil="System.Storyboarding.Annotation" StencilVersion="0.1"/>
 </Control>
 </file>
 
@@ -16431,13 +16603,13 @@
 
 <file path=customXml/item38.xml><?xml version="1.0" encoding="utf-8"?>
 <Control xmlns="http://schemas.microsoft.com/VisualStudio/2011/storyboarding/control">
-  <Id Name="fd7d7bed-114e-464c-a4f1-01a512005949" Revision="1" Stencil="System.MyShapes" StencilVersion="1.0"/>
+  <Id Name="System.Storyboarding.Annotation.CallOut" Revision="1" Stencil="System.Storyboarding.Annotation" StencilVersion="0.1"/>
 </Control>
 </file>
 
 <file path=customXml/item39.xml><?xml version="1.0" encoding="utf-8"?>
 <Control xmlns="http://schemas.microsoft.com/VisualStudio/2011/storyboarding/control">
-  <Id Name="System.Storyboarding.Common.MouseClick" Revision="1" Stencil="System.Storyboarding.Common" StencilVersion="0.1"/>
+  <Id Name="fd7d7bed-114e-464c-a4f1-01a512005949" Revision="1" Stencil="System.MyShapes" StencilVersion="1.0"/>
 </Control>
 </file>
 
@@ -16455,13 +16627,13 @@
 
 <file path=customXml/item41.xml><?xml version="1.0" encoding="utf-8"?>
 <Control xmlns="http://schemas.microsoft.com/VisualStudio/2011/storyboarding/control">
-  <Id Name="System.Storyboarding.Annotation.CallOut" Revision="1" Stencil="System.Storyboarding.Annotation" StencilVersion="0.1"/>
+  <Id Name="fd7d7bed-114e-464c-a4f1-01a512005949" Revision="1" Stencil="System.MyShapes" StencilVersion="1.0"/>
 </Control>
 </file>
 
 <file path=customXml/item42.xml><?xml version="1.0" encoding="utf-8"?>
 <Control xmlns="http://schemas.microsoft.com/VisualStudio/2011/storyboarding/control">
-  <Id Name="System.Storyboarding.WindowsDesktop.DialogBox" Revision="1" Stencil="System.Storyboarding.WindowsDesktop" StencilVersion="0.1"/>
+  <Id Name="fd7d7bed-114e-464c-a4f1-01a512005949" Revision="1" Stencil="System.MyShapes" StencilVersion="1.0"/>
 </Control>
 </file>
 
@@ -16479,37 +16651,37 @@
 
 <file path=customXml/item45.xml><?xml version="1.0" encoding="utf-8"?>
 <Control xmlns="http://schemas.microsoft.com/VisualStudio/2011/storyboarding/control">
+  <Id Name="System.Storyboarding.Common.Text" Revision="1" Stencil="System.Storyboarding.Common" StencilVersion="0.1"/>
+</Control>
+</file>
+
+<file path=customXml/item46.xml><?xml version="1.0" encoding="utf-8"?>
+<Control xmlns="http://schemas.microsoft.com/VisualStudio/2011/storyboarding/control">
   <Id Name="fd7d7bed-114e-464c-a4f1-01a512005949" Revision="1" Stencil="System.MyShapes" StencilVersion="1.0"/>
 </Control>
 </file>
 
-<file path=customXml/item46.xml><?xml version="1.0" encoding="utf-8"?>
+<file path=customXml/item47.xml><?xml version="1.0" encoding="utf-8"?>
 <Control xmlns="http://schemas.microsoft.com/VisualStudio/2011/storyboarding/control">
   <Id Name="System.Storyboarding.Annotation.CallOut" Revision="1" Stencil="System.Storyboarding.Annotation" StencilVersion="0.1"/>
 </Control>
 </file>
 
-<file path=customXml/item47.xml><?xml version="1.0" encoding="utf-8"?>
+<file path=customXml/item48.xml><?xml version="1.0" encoding="utf-8"?>
+<Control xmlns="http://schemas.microsoft.com/VisualStudio/2011/storyboarding/control">
+  <Id Name="System.Storyboarding.Common.RadioButtonSelected" Revision="1" Stencil="System.Storyboarding.Common" StencilVersion="0.1"/>
+</Control>
+</file>
+
+<file path=customXml/item49.xml><?xml version="1.0" encoding="utf-8"?>
 <Control xmlns="http://schemas.microsoft.com/VisualStudio/2011/storyboarding/control">
   <Id Name="fd7d7bed-114e-464c-a4f1-01a512005949" Revision="1" Stencil="System.MyShapes" StencilVersion="1.0"/>
 </Control>
 </file>
 
-<file path=customXml/item48.xml><?xml version="1.0" encoding="utf-8"?>
-<Control xmlns="http://schemas.microsoft.com/VisualStudio/2011/storyboarding/control">
-  <Id Name="fd7d7bed-114e-464c-a4f1-01a512005949" Revision="1" Stencil="System.MyShapes" StencilVersion="1.0"/>
-</Control>
-</file>
-
-<file path=customXml/item49.xml><?xml version="1.0" encoding="utf-8"?>
+<file path=customXml/item5.xml><?xml version="1.0" encoding="utf-8"?>
 <Control xmlns="http://schemas.microsoft.com/VisualStudio/2011/storyboarding/control">
   <Id Name="System.Storyboarding.Annotation.CallOut" Revision="1" Stencil="System.Storyboarding.Annotation" StencilVersion="0.1"/>
-</Control>
-</file>
-
-<file path=customXml/item5.xml><?xml version="1.0" encoding="utf-8"?>
-<Control xmlns="http://schemas.microsoft.com/VisualStudio/2011/storyboarding/control">
-  <Id Name="System.Storyboarding.Common.TextInput" Revision="1" Stencil="System.Storyboarding.Common" StencilVersion="0.1"/>
 </Control>
 </file>
 
@@ -16533,13 +16705,13 @@
 
 <file path=customXml/item53.xml><?xml version="1.0" encoding="utf-8"?>
 <Control xmlns="http://schemas.microsoft.com/VisualStudio/2011/storyboarding/control">
-  <Id Name="System.Storyboarding.Common.Text" Revision="1" Stencil="System.Storyboarding.Common" StencilVersion="0.1"/>
+  <Id Name="System.Storyboarding.Annotation.CallOut" Revision="1" Stencil="System.Storyboarding.Annotation" StencilVersion="0.1"/>
 </Control>
 </file>
 
 <file path=customXml/item54.xml><?xml version="1.0" encoding="utf-8"?>
 <Control xmlns="http://schemas.microsoft.com/VisualStudio/2011/storyboarding/control">
-  <Id Name="System.Storyboarding.Annotation.CallOut" Revision="1" Stencil="System.Storyboarding.Annotation" StencilVersion="0.1"/>
+  <Id Name="fd7d7bed-114e-464c-a4f1-01a512005949" Revision="1" Stencil="System.MyShapes" StencilVersion="1.0"/>
 </Control>
 </file>
 
@@ -16551,19 +16723,19 @@
 
 <file path=customXml/item56.xml><?xml version="1.0" encoding="utf-8"?>
 <Control xmlns="http://schemas.microsoft.com/VisualStudio/2011/storyboarding/control">
-  <Id Name="fd7d7bed-114e-464c-a4f1-01a512005949" Revision="1" Stencil="System.MyShapes" StencilVersion="1.0"/>
+  <Id Name="System.Storyboarding.Annotation.CallOut" Revision="1" Stencil="System.Storyboarding.Annotation" StencilVersion="0.1"/>
 </Control>
 </file>
 
 <file path=customXml/item57.xml><?xml version="1.0" encoding="utf-8"?>
 <Control xmlns="http://schemas.microsoft.com/VisualStudio/2011/storyboarding/control">
-  <Id Name="fd7d7bed-114e-464c-a4f1-01a512005949" Revision="1" Stencil="System.MyShapes" StencilVersion="1.0"/>
+  <Id Name="System.Storyboarding.Annotation.CallOut" Revision="1" Stencil="System.Storyboarding.Annotation" StencilVersion="0.1"/>
 </Control>
 </file>
 
 <file path=customXml/item58.xml><?xml version="1.0" encoding="utf-8"?>
 <Control xmlns="http://schemas.microsoft.com/VisualStudio/2011/storyboarding/control">
-  <Id Name="fd7d7bed-114e-464c-a4f1-01a512005949" Revision="1" Stencil="System.MyShapes" StencilVersion="1.0"/>
+  <Id Name="System.Storyboarding.Annotation.CallOut" Revision="1" Stencil="System.Storyboarding.Annotation" StencilVersion="0.1"/>
 </Control>
 </file>
 
@@ -16575,13 +16747,13 @@
 
 <file path=customXml/item6.xml><?xml version="1.0" encoding="utf-8"?>
 <Control xmlns="http://schemas.microsoft.com/VisualStudio/2011/storyboarding/control">
-  <Id Name="System.Storyboarding.Common.Text" Revision="1" Stencil="System.Storyboarding.Common" StencilVersion="0.1"/>
+  <Id Name="System.Storyboarding.Annotation.CallOut" Revision="1" Stencil="System.Storyboarding.Annotation" StencilVersion="0.1"/>
 </Control>
 </file>
 
 <file path=customXml/item60.xml><?xml version="1.0" encoding="utf-8"?>
 <Control xmlns="http://schemas.microsoft.com/VisualStudio/2011/storyboarding/control">
-  <Id Name="System.Storyboarding.Common.TextInput" Revision="1" Stencil="System.Storyboarding.Common" StencilVersion="0.1"/>
+  <Id Name="fd7d7bed-114e-464c-a4f1-01a512005949" Revision="1" Stencil="System.MyShapes" StencilVersion="1.0"/>
 </Control>
 </file>
 
@@ -16599,19 +16771,19 @@
 
 <file path=customXml/item63.xml><?xml version="1.0" encoding="utf-8"?>
 <Control xmlns="http://schemas.microsoft.com/VisualStudio/2011/storyboarding/control">
-  <Id Name="System.Storyboarding.Annotation.CallOut" Revision="1" Stencil="System.Storyboarding.Annotation" StencilVersion="0.1"/>
+  <Id Name="fd7d7bed-114e-464c-a4f1-01a512005949" Revision="1" Stencil="System.MyShapes" StencilVersion="1.0"/>
 </Control>
 </file>
 
 <file path=customXml/item64.xml><?xml version="1.0" encoding="utf-8"?>
 <Control xmlns="http://schemas.microsoft.com/VisualStudio/2011/storyboarding/control">
-  <Id Name="System.Storyboarding.Annotation.CallOut" Revision="1" Stencil="System.Storyboarding.Annotation" StencilVersion="0.1"/>
+  <Id Name="System.Storyboarding.Common.TextInput" Revision="1" Stencil="System.Storyboarding.Common" StencilVersion="0.1"/>
 </Control>
 </file>
 
 <file path=customXml/item65.xml><?xml version="1.0" encoding="utf-8"?>
 <Control xmlns="http://schemas.microsoft.com/VisualStudio/2011/storyboarding/control">
-  <Id Name="fd7d7bed-114e-464c-a4f1-01a512005949" Revision="1" Stencil="System.MyShapes" StencilVersion="1.0"/>
+  <Id Name="System.Storyboarding.Annotation.CallOut" Revision="1" Stencil="System.Storyboarding.Annotation" StencilVersion="0.1"/>
 </Control>
 </file>
 
@@ -16623,7 +16795,7 @@
 
 <file path=customXml/item67.xml><?xml version="1.0" encoding="utf-8"?>
 <Control xmlns="http://schemas.microsoft.com/VisualStudio/2011/storyboarding/control">
-  <Id Name="System.Storyboarding.Annotation.CallOut" Revision="1" Stencil="System.Storyboarding.Annotation" StencilVersion="0.1"/>
+  <Id Name="System.Storyboarding.Common.Text" Revision="1" Stencil="System.Storyboarding.Common" StencilVersion="0.1"/>
 </Control>
 </file>
 
@@ -16635,7 +16807,7 @@
 
 <file path=customXml/item69.xml><?xml version="1.0" encoding="utf-8"?>
 <Control xmlns="http://schemas.microsoft.com/VisualStudio/2011/storyboarding/control">
-  <Id Name="System.Storyboarding.Annotation.CallOut" Revision="1" Stencil="System.Storyboarding.Annotation" StencilVersion="0.1"/>
+  <Id Name="fd7d7bed-114e-464c-a4f1-01a512005949" Revision="1" Stencil="System.MyShapes" StencilVersion="1.0"/>
 </Control>
 </file>
 
@@ -16647,31 +16819,31 @@
 
 <file path=customXml/item70.xml><?xml version="1.0" encoding="utf-8"?>
 <Control xmlns="http://schemas.microsoft.com/VisualStudio/2011/storyboarding/control">
-  <Id Name="System.Storyboarding.Annotation.CallOut" Revision="1" Stencil="System.Storyboarding.Annotation" StencilVersion="0.1"/>
+  <Id Name="System.Storyboarding.Common.TextInput" Revision="1" Stencil="System.Storyboarding.Common" StencilVersion="0.1"/>
 </Control>
 </file>
 
 <file path=customXml/item71.xml><?xml version="1.0" encoding="utf-8"?>
+<Control xmlns="http://schemas.microsoft.com/VisualStudio/2011/storyboarding/control">
+  <Id Name="fd7d7bed-114e-464c-a4f1-01a512005949" Revision="1" Stencil="System.MyShapes" StencilVersion="1.0"/>
+</Control>
+</file>
+
+<file path=customXml/item72.xml><?xml version="1.0" encoding="utf-8"?>
 <Control xmlns="http://schemas.microsoft.com/VisualStudio/2011/storyboarding/control">
   <Id Name="System.Storyboarding.Annotation.CallOut" Revision="1" Stencil="System.Storyboarding.Annotation" StencilVersion="0.1"/>
 </Control>
 </file>
 
-<file path=customXml/item72.xml><?xml version="1.0" encoding="utf-8"?>
+<file path=customXml/item73.xml><?xml version="1.0" encoding="utf-8"?>
 <Control xmlns="http://schemas.microsoft.com/VisualStudio/2011/storyboarding/control">
   <Id Name="fd7d7bed-114e-464c-a4f1-01a512005949" Revision="1" Stencil="System.MyShapes" StencilVersion="1.0"/>
 </Control>
 </file>
 
-<file path=customXml/item73.xml><?xml version="1.0" encoding="utf-8"?>
-<Control xmlns="http://schemas.microsoft.com/VisualStudio/2011/storyboarding/control">
-  <Id Name="System.Storyboarding.Annotation.CallOut" Revision="1" Stencil="System.Storyboarding.Annotation" StencilVersion="0.1"/>
-</Control>
-</file>
-
 <file path=customXml/item74.xml><?xml version="1.0" encoding="utf-8"?>
 <Control xmlns="http://schemas.microsoft.com/VisualStudio/2011/storyboarding/control">
-  <Id Name="System.Storyboarding.Annotation.CallOut" Revision="1" Stencil="System.Storyboarding.Annotation" StencilVersion="0.1"/>
+  <Id Name="System.Storyboarding.Common.Text" Revision="1" Stencil="System.Storyboarding.Common" StencilVersion="0.1"/>
 </Control>
 </file>
 
@@ -16683,43 +16855,43 @@
 
 <file path=customXml/item76.xml><?xml version="1.0" encoding="utf-8"?>
 <Control xmlns="http://schemas.microsoft.com/VisualStudio/2011/storyboarding/control">
+  <Id Name="fd7d7bed-114e-464c-a4f1-01a512005949" Revision="1" Stencil="System.MyShapes" StencilVersion="1.0"/>
+</Control>
+</file>
+
+<file path=customXml/item77.xml><?xml version="1.0" encoding="utf-8"?>
+<Control xmlns="http://schemas.microsoft.com/VisualStudio/2011/storyboarding/control">
   <Id Name="System.Storyboarding.Annotation.CallOut" Revision="1" Stencil="System.Storyboarding.Annotation" StencilVersion="0.1"/>
 </Control>
 </file>
 
-<file path=customXml/item77.xml><?xml version="1.0" encoding="utf-8"?>
+<file path=customXml/item78.xml><?xml version="1.0" encoding="utf-8"?>
+<Control xmlns="http://schemas.microsoft.com/VisualStudio/2011/storyboarding/control">
+  <Id Name="System.Storyboarding.Annotation.CallOut" Revision="1" Stencil="System.Storyboarding.Annotation" StencilVersion="0.1"/>
+</Control>
+</file>
+
+<file path=customXml/item79.xml><?xml version="1.0" encoding="utf-8"?>
+<Control xmlns="http://schemas.microsoft.com/VisualStudio/2011/storyboarding/control">
+  <Id Name="System.Storyboarding.Common.TextInput" Revision="1" Stencil="System.Storyboarding.Common" StencilVersion="0.1"/>
+</Control>
+</file>
+
+<file path=customXml/item8.xml><?xml version="1.0" encoding="utf-8"?>
+<Control xmlns="http://schemas.microsoft.com/VisualStudio/2011/storyboarding/control">
+  <Id Name="System.Storyboarding.Annotation.CallOut" Revision="1" Stencil="System.Storyboarding.Annotation" StencilVersion="0.1"/>
+</Control>
+</file>
+
+<file path=customXml/item80.xml><?xml version="1.0" encoding="utf-8"?>
 <Control xmlns="http://schemas.microsoft.com/VisualStudio/2011/storyboarding/control">
   <Id Name="fd7d7bed-114e-464c-a4f1-01a512005949" Revision="1" Stencil="System.MyShapes" StencilVersion="1.0"/>
 </Control>
 </file>
 
-<file path=customXml/item78.xml><?xml version="1.0" encoding="utf-8"?>
-<Control xmlns="http://schemas.microsoft.com/VisualStudio/2011/storyboarding/control">
-  <Id Name="fd7d7bed-114e-464c-a4f1-01a512005949" Revision="1" Stencil="System.MyShapes" StencilVersion="1.0"/>
-</Control>
-</file>
-
-<file path=customXml/item79.xml><?xml version="1.0" encoding="utf-8"?>
+<file path=customXml/item81.xml><?xml version="1.0" encoding="utf-8"?>
 <Control xmlns="http://schemas.microsoft.com/VisualStudio/2011/storyboarding/control">
   <Id Name="System.Storyboarding.Annotation.CallOut" Revision="1" Stencil="System.Storyboarding.Annotation" StencilVersion="0.1"/>
-</Control>
-</file>
-
-<file path=customXml/item8.xml><?xml version="1.0" encoding="utf-8"?>
-<Control xmlns="http://schemas.microsoft.com/VisualStudio/2011/storyboarding/control">
-  <Id Name="fd7d7bed-114e-464c-a4f1-01a512005949" Revision="1" Stencil="System.MyShapes" StencilVersion="1.0"/>
-</Control>
-</file>
-
-<file path=customXml/item80.xml><?xml version="1.0" encoding="utf-8"?>
-<Control xmlns="http://schemas.microsoft.com/VisualStudio/2011/storyboarding/control">
-  <Id Name="System.Storyboarding.Annotation.CallOut" Revision="1" Stencil="System.Storyboarding.Annotation" StencilVersion="0.1"/>
-</Control>
-</file>
-
-<file path=customXml/item81.xml><?xml version="1.0" encoding="utf-8"?>
-<Control xmlns="http://schemas.microsoft.com/VisualStudio/2011/storyboarding/control">
-  <Id Name="fd7d7bed-114e-464c-a4f1-01a512005949" Revision="1" Stencil="System.MyShapes" StencilVersion="1.0"/>
 </Control>
 </file>
 
@@ -16743,25 +16915,25 @@
 
 <file path=customXml/item85.xml><?xml version="1.0" encoding="utf-8"?>
 <Control xmlns="http://schemas.microsoft.com/VisualStudio/2011/storyboarding/control">
-  <Id Name="fd7d7bed-114e-464c-a4f1-01a512005949" Revision="1" Stencil="System.MyShapes" StencilVersion="1.0"/>
+  <Id Name="System.Storyboarding.Annotation.CallOut" Revision="1" Stencil="System.Storyboarding.Annotation" StencilVersion="0.1"/>
 </Control>
 </file>
 
 <file path=customXml/item86.xml><?xml version="1.0" encoding="utf-8"?>
 <Control xmlns="http://schemas.microsoft.com/VisualStudio/2011/storyboarding/control">
-  <Id Name="fd7d7bed-114e-464c-a4f1-01a512005949" Revision="1" Stencil="System.MyShapes" StencilVersion="1.0"/>
+  <Id Name="System.Storyboarding.Annotation.CallOut" Revision="1" Stencil="System.Storyboarding.Annotation" StencilVersion="0.1"/>
 </Control>
 </file>
 
 <file path=customXml/item87.xml><?xml version="1.0" encoding="utf-8"?>
 <Control xmlns="http://schemas.microsoft.com/VisualStudio/2011/storyboarding/control">
-  <Id Name="fd7d7bed-114e-464c-a4f1-01a512005949" Revision="1" Stencil="System.MyShapes" StencilVersion="1.0"/>
+  <Id Name="System.Storyboarding.Annotation.CallOut" Revision="1" Stencil="System.Storyboarding.Annotation" StencilVersion="0.1"/>
 </Control>
 </file>
 
 <file path=customXml/item88.xml><?xml version="1.0" encoding="utf-8"?>
 <Control xmlns="http://schemas.microsoft.com/VisualStudio/2011/storyboarding/control">
-  <Id Name="System.Storyboarding.Annotation.CallOut" Revision="1" Stencil="System.Storyboarding.Annotation" StencilVersion="0.1"/>
+  <Id Name="fd7d7bed-114e-464c-a4f1-01a512005949" Revision="1" Stencil="System.MyShapes" StencilVersion="1.0"/>
 </Control>
 </file>
 
@@ -16791,13 +16963,13 @@
 
 <file path=customXml/item92.xml><?xml version="1.0" encoding="utf-8"?>
 <Control xmlns="http://schemas.microsoft.com/VisualStudio/2011/storyboarding/control">
-  <Id Name="System.Storyboarding.Annotation.CallOut" Revision="1" Stencil="System.Storyboarding.Annotation" StencilVersion="0.1"/>
+  <Id Name="System.Storyboarding.Common.MouseClick" Revision="1" Stencil="System.Storyboarding.Common" StencilVersion="0.1"/>
 </Control>
 </file>
 
 <file path=customXml/item93.xml><?xml version="1.0" encoding="utf-8"?>
 <Control xmlns="http://schemas.microsoft.com/VisualStudio/2011/storyboarding/control">
-  <Id Name="fd7d7bed-114e-464c-a4f1-01a512005949" Revision="1" Stencil="System.MyShapes" StencilVersion="1.0"/>
+  <Id Name="System.Storyboarding.Annotation.CallOut" Revision="1" Stencil="System.Storyboarding.Annotation" StencilVersion="0.1"/>
 </Control>
 </file>
 
@@ -16815,19 +16987,19 @@
 
 <file path=customXml/item96.xml><?xml version="1.0" encoding="utf-8"?>
 <Control xmlns="http://schemas.microsoft.com/VisualStudio/2011/storyboarding/control">
-  <Id Name="System.Storyboarding.Common.TextInput" Revision="1" Stencil="System.Storyboarding.Common" StencilVersion="0.1"/>
+  <Id Name="fd7d7bed-114e-464c-a4f1-01a512005949" Revision="1" Stencil="System.MyShapes" StencilVersion="1.0"/>
 </Control>
 </file>
 
 <file path=customXml/item97.xml><?xml version="1.0" encoding="utf-8"?>
 <Control xmlns="http://schemas.microsoft.com/VisualStudio/2011/storyboarding/control">
-  <Id Name="System.Storyboarding.Common.RadioButtonUnselected" Revision="1" Stencil="System.Storyboarding.Common" StencilVersion="0.1"/>
+  <Id Name="System.Storyboarding.Annotation.CallOut" Revision="1" Stencil="System.Storyboarding.Annotation" StencilVersion="0.1"/>
 </Control>
 </file>
 
 <file path=customXml/item98.xml><?xml version="1.0" encoding="utf-8"?>
 <Control xmlns="http://schemas.microsoft.com/VisualStudio/2011/storyboarding/control">
-  <Id Name="System.Storyboarding.Annotation.CallOut" Revision="1" Stencil="System.Storyboarding.Annotation" StencilVersion="0.1"/>
+  <Id Name="System.Storyboarding.Common.RadioButtonUnselected" Revision="1" Stencil="System.Storyboarding.Common" StencilVersion="0.1"/>
 </Control>
 </file>
 
@@ -16838,7 +17010,7 @@
 </file>
 
 <file path=customXml/itemProps1.xml><?xml version="1.0" encoding="utf-8"?>
-<ds:datastoreItem xmlns:ds="http://schemas.openxmlformats.org/officeDocument/2006/customXml" ds:itemID="{ED3D69ED-38A9-48C8-B05E-83772337A98C}">
+<ds:datastoreItem xmlns:ds="http://schemas.openxmlformats.org/officeDocument/2006/customXml" ds:itemID="{DBFC18C8-41F2-4B67-ACD8-B4F649599337}">
   <ds:schemaRefs>
     <ds:schemaRef ds:uri="http://schemas.microsoft.com/VisualStudio/2011/storyboarding/control"/>
   </ds:schemaRefs>
@@ -16846,7 +17018,7 @@
 </file>
 
 <file path=customXml/itemProps10.xml><?xml version="1.0" encoding="utf-8"?>
-<ds:datastoreItem xmlns:ds="http://schemas.openxmlformats.org/officeDocument/2006/customXml" ds:itemID="{2E449097-FA9E-4910-B718-70633402799D}">
+<ds:datastoreItem xmlns:ds="http://schemas.openxmlformats.org/officeDocument/2006/customXml" ds:itemID="{1C58624C-ADD7-4638-9F03-50B6B0125115}">
   <ds:schemaRefs>
     <ds:schemaRef ds:uri="http://schemas.microsoft.com/VisualStudio/2011/storyboarding/control"/>
   </ds:schemaRefs>
@@ -16854,7 +17026,7 @@
 </file>
 
 <file path=customXml/itemProps100.xml><?xml version="1.0" encoding="utf-8"?>
-<ds:datastoreItem xmlns:ds="http://schemas.openxmlformats.org/officeDocument/2006/customXml" ds:itemID="{8A29F272-F02E-43A1-8757-98E7B6E22759}">
+<ds:datastoreItem xmlns:ds="http://schemas.openxmlformats.org/officeDocument/2006/customXml" ds:itemID="{3C2A0945-4362-41A2-990F-E920693D0CA2}">
   <ds:schemaRefs>
     <ds:schemaRef ds:uri="http://schemas.microsoft.com/VisualStudio/2011/storyboarding/control"/>
   </ds:schemaRefs>
@@ -16862,7 +17034,7 @@
 </file>
 
 <file path=customXml/itemProps101.xml><?xml version="1.0" encoding="utf-8"?>
-<ds:datastoreItem xmlns:ds="http://schemas.openxmlformats.org/officeDocument/2006/customXml" ds:itemID="{7FE5D889-C566-4205-8BB7-607167187A6D}">
+<ds:datastoreItem xmlns:ds="http://schemas.openxmlformats.org/officeDocument/2006/customXml" ds:itemID="{6260AC0F-4508-4430-BA12-847F69BCCF50}">
   <ds:schemaRefs>
     <ds:schemaRef ds:uri="http://schemas.microsoft.com/VisualStudio/2011/storyboarding/control"/>
   </ds:schemaRefs>
@@ -16870,7 +17042,7 @@
 </file>
 
 <file path=customXml/itemProps102.xml><?xml version="1.0" encoding="utf-8"?>
-<ds:datastoreItem xmlns:ds="http://schemas.openxmlformats.org/officeDocument/2006/customXml" ds:itemID="{B06BA414-8851-4C1D-86A5-61BD61A5ABF5}">
+<ds:datastoreItem xmlns:ds="http://schemas.openxmlformats.org/officeDocument/2006/customXml" ds:itemID="{0058B53A-1646-43DF-A09E-5B7ECDD1343F}">
   <ds:schemaRefs>
     <ds:schemaRef ds:uri="http://schemas.microsoft.com/VisualStudio/2011/storyboarding/control"/>
   </ds:schemaRefs>
@@ -16878,7 +17050,7 @@
 </file>
 
 <file path=customXml/itemProps103.xml><?xml version="1.0" encoding="utf-8"?>
-<ds:datastoreItem xmlns:ds="http://schemas.openxmlformats.org/officeDocument/2006/customXml" ds:itemID="{9E886169-7898-408A-A588-DC201EC0A018}">
+<ds:datastoreItem xmlns:ds="http://schemas.openxmlformats.org/officeDocument/2006/customXml" ds:itemID="{4C110DA4-838D-485D-9522-3AE017EA91BB}">
   <ds:schemaRefs>
     <ds:schemaRef ds:uri="http://schemas.microsoft.com/VisualStudio/2011/storyboarding/control"/>
   </ds:schemaRefs>
@@ -16886,7 +17058,7 @@
 </file>
 
 <file path=customXml/itemProps104.xml><?xml version="1.0" encoding="utf-8"?>
-<ds:datastoreItem xmlns:ds="http://schemas.openxmlformats.org/officeDocument/2006/customXml" ds:itemID="{EABA044C-F855-4F2D-8541-8B12F3450E94}">
+<ds:datastoreItem xmlns:ds="http://schemas.openxmlformats.org/officeDocument/2006/customXml" ds:itemID="{00284BA1-76DC-4304-8924-639E629F92EA}">
   <ds:schemaRefs>
     <ds:schemaRef ds:uri="http://schemas.microsoft.com/VisualStudio/2011/storyboarding/control"/>
   </ds:schemaRefs>
@@ -16894,7 +17066,7 @@
 </file>
 
 <file path=customXml/itemProps105.xml><?xml version="1.0" encoding="utf-8"?>
-<ds:datastoreItem xmlns:ds="http://schemas.openxmlformats.org/officeDocument/2006/customXml" ds:itemID="{C3959990-BEDE-4342-8909-D2CC7843CB1A}">
+<ds:datastoreItem xmlns:ds="http://schemas.openxmlformats.org/officeDocument/2006/customXml" ds:itemID="{8587DE98-B823-4671-8421-AEFBBB189344}">
   <ds:schemaRefs>
     <ds:schemaRef ds:uri="http://schemas.microsoft.com/VisualStudio/2011/storyboarding/control"/>
   </ds:schemaRefs>
@@ -16902,7 +17074,7 @@
 </file>
 
 <file path=customXml/itemProps106.xml><?xml version="1.0" encoding="utf-8"?>
-<ds:datastoreItem xmlns:ds="http://schemas.openxmlformats.org/officeDocument/2006/customXml" ds:itemID="{F2328595-B94A-4766-A678-942BFE76529D}">
+<ds:datastoreItem xmlns:ds="http://schemas.openxmlformats.org/officeDocument/2006/customXml" ds:itemID="{D5D1CCD8-856F-4AAF-AB27-FCEEA51943BA}">
   <ds:schemaRefs>
     <ds:schemaRef ds:uri="http://schemas.microsoft.com/VisualStudio/2011/storyboarding/control"/>
   </ds:schemaRefs>
@@ -16910,7 +17082,7 @@
 </file>
 
 <file path=customXml/itemProps107.xml><?xml version="1.0" encoding="utf-8"?>
-<ds:datastoreItem xmlns:ds="http://schemas.openxmlformats.org/officeDocument/2006/customXml" ds:itemID="{441C7EBE-B1F1-437D-A1A7-982CD016269C}">
+<ds:datastoreItem xmlns:ds="http://schemas.openxmlformats.org/officeDocument/2006/customXml" ds:itemID="{FED77ACA-A391-4822-BEF5-924372A3425F}">
   <ds:schemaRefs>
     <ds:schemaRef ds:uri="http://schemas.microsoft.com/VisualStudio/2011/storyboarding/control"/>
   </ds:schemaRefs>
@@ -16918,7 +17090,7 @@
 </file>
 
 <file path=customXml/itemProps108.xml><?xml version="1.0" encoding="utf-8"?>
-<ds:datastoreItem xmlns:ds="http://schemas.openxmlformats.org/officeDocument/2006/customXml" ds:itemID="{C64F239C-3EF9-4D6D-A2BC-C935A2E33DF3}">
+<ds:datastoreItem xmlns:ds="http://schemas.openxmlformats.org/officeDocument/2006/customXml" ds:itemID="{F0CBAB2F-75D2-4967-A27F-6965E3ED1778}">
   <ds:schemaRefs>
     <ds:schemaRef ds:uri="http://schemas.microsoft.com/VisualStudio/2011/storyboarding/control"/>
   </ds:schemaRefs>
@@ -16926,7 +17098,7 @@
 </file>
 
 <file path=customXml/itemProps109.xml><?xml version="1.0" encoding="utf-8"?>
-<ds:datastoreItem xmlns:ds="http://schemas.openxmlformats.org/officeDocument/2006/customXml" ds:itemID="{E73954B7-8733-4015-BBE9-68F0EBC1DC98}">
+<ds:datastoreItem xmlns:ds="http://schemas.openxmlformats.org/officeDocument/2006/customXml" ds:itemID="{6F15D997-6428-479A-B003-F79781CF55F4}">
   <ds:schemaRefs>
     <ds:schemaRef ds:uri="http://schemas.microsoft.com/VisualStudio/2011/storyboarding/control"/>
   </ds:schemaRefs>
@@ -16934,7 +17106,7 @@
 </file>
 
 <file path=customXml/itemProps11.xml><?xml version="1.0" encoding="utf-8"?>
-<ds:datastoreItem xmlns:ds="http://schemas.openxmlformats.org/officeDocument/2006/customXml" ds:itemID="{1486B02C-8CA8-4F9A-B4EB-C902A5F59C7B}">
+<ds:datastoreItem xmlns:ds="http://schemas.openxmlformats.org/officeDocument/2006/customXml" ds:itemID="{441C7EBE-B1F1-437D-A1A7-982CD016269C}">
   <ds:schemaRefs>
     <ds:schemaRef ds:uri="http://schemas.microsoft.com/VisualStudio/2011/storyboarding/control"/>
   </ds:schemaRefs>
@@ -16950,6 +17122,510 @@
 </file>
 
 <file path=customXml/itemProps111.xml><?xml version="1.0" encoding="utf-8"?>
+<ds:datastoreItem xmlns:ds="http://schemas.openxmlformats.org/officeDocument/2006/customXml" ds:itemID="{D828C4B5-7600-47DF-839B-3BBB7781697F}">
+  <ds:schemaRefs>
+    <ds:schemaRef ds:uri="http://schemas.microsoft.com/VisualStudio/2011/storyboarding/control"/>
+  </ds:schemaRefs>
+</ds:datastoreItem>
+</file>
+
+<file path=customXml/itemProps112.xml><?xml version="1.0" encoding="utf-8"?>
+<ds:datastoreItem xmlns:ds="http://schemas.openxmlformats.org/officeDocument/2006/customXml" ds:itemID="{96233AC8-4828-4C3E-8BAA-3E77009FB5EA}">
+  <ds:schemaRefs>
+    <ds:schemaRef ds:uri="http://schemas.microsoft.com/VisualStudio/2011/storyboarding/control"/>
+  </ds:schemaRefs>
+</ds:datastoreItem>
+</file>
+
+<file path=customXml/itemProps113.xml><?xml version="1.0" encoding="utf-8"?>
+<ds:datastoreItem xmlns:ds="http://schemas.openxmlformats.org/officeDocument/2006/customXml" ds:itemID="{C25A3B5F-7FB7-4E8E-8C1B-FE0B9A3E8DB1}">
+  <ds:schemaRefs>
+    <ds:schemaRef ds:uri="http://schemas.microsoft.com/VisualStudio/2011/storyboarding/control"/>
+  </ds:schemaRefs>
+</ds:datastoreItem>
+</file>
+
+<file path=customXml/itemProps114.xml><?xml version="1.0" encoding="utf-8"?>
+<ds:datastoreItem xmlns:ds="http://schemas.openxmlformats.org/officeDocument/2006/customXml" ds:itemID="{0EDAB4CF-04B1-453E-BF4F-263E04F8688F}">
+  <ds:schemaRefs>
+    <ds:schemaRef ds:uri="http://schemas.microsoft.com/VisualStudio/2011/storyboarding/control"/>
+  </ds:schemaRefs>
+</ds:datastoreItem>
+</file>
+
+<file path=customXml/itemProps115.xml><?xml version="1.0" encoding="utf-8"?>
+<ds:datastoreItem xmlns:ds="http://schemas.openxmlformats.org/officeDocument/2006/customXml" ds:itemID="{7436C3C2-62DC-431D-8B09-2D994F837C18}">
+  <ds:schemaRefs>
+    <ds:schemaRef ds:uri="http://schemas.microsoft.com/VisualStudio/2011/storyboarding/control"/>
+  </ds:schemaRefs>
+</ds:datastoreItem>
+</file>
+
+<file path=customXml/itemProps12.xml><?xml version="1.0" encoding="utf-8"?>
+<ds:datastoreItem xmlns:ds="http://schemas.openxmlformats.org/officeDocument/2006/customXml" ds:itemID="{1486B02C-8CA8-4F9A-B4EB-C902A5F59C7B}">
+  <ds:schemaRefs>
+    <ds:schemaRef ds:uri="http://schemas.microsoft.com/VisualStudio/2011/storyboarding/control"/>
+  </ds:schemaRefs>
+</ds:datastoreItem>
+</file>
+
+<file path=customXml/itemProps13.xml><?xml version="1.0" encoding="utf-8"?>
+<ds:datastoreItem xmlns:ds="http://schemas.openxmlformats.org/officeDocument/2006/customXml" ds:itemID="{B480FC82-3169-4C85-9FC9-6C3520CF1ADC}">
+  <ds:schemaRefs>
+    <ds:schemaRef ds:uri="http://schemas.microsoft.com/VisualStudio/2011/storyboarding/control"/>
+  </ds:schemaRefs>
+</ds:datastoreItem>
+</file>
+
+<file path=customXml/itemProps14.xml><?xml version="1.0" encoding="utf-8"?>
+<ds:datastoreItem xmlns:ds="http://schemas.openxmlformats.org/officeDocument/2006/customXml" ds:itemID="{FD116327-F1B7-432D-85A9-86B2CC29F909}">
+  <ds:schemaRefs>
+    <ds:schemaRef ds:uri="http://schemas.microsoft.com/VisualStudio/2011/storyboarding/control"/>
+  </ds:schemaRefs>
+</ds:datastoreItem>
+</file>
+
+<file path=customXml/itemProps15.xml><?xml version="1.0" encoding="utf-8"?>
+<ds:datastoreItem xmlns:ds="http://schemas.openxmlformats.org/officeDocument/2006/customXml" ds:itemID="{8EDC32C9-43BE-46C7-9EB2-520A513BD87F}">
+  <ds:schemaRefs>
+    <ds:schemaRef ds:uri="http://schemas.microsoft.com/VisualStudio/2011/storyboarding/control"/>
+  </ds:schemaRefs>
+</ds:datastoreItem>
+</file>
+
+<file path=customXml/itemProps16.xml><?xml version="1.0" encoding="utf-8"?>
+<ds:datastoreItem xmlns:ds="http://schemas.openxmlformats.org/officeDocument/2006/customXml" ds:itemID="{CBD75DB4-3633-4E3E-B326-F275DFDB66AF}">
+  <ds:schemaRefs>
+    <ds:schemaRef ds:uri="http://schemas.microsoft.com/VisualStudio/2011/storyboarding/control"/>
+  </ds:schemaRefs>
+</ds:datastoreItem>
+</file>
+
+<file path=customXml/itemProps17.xml><?xml version="1.0" encoding="utf-8"?>
+<ds:datastoreItem xmlns:ds="http://schemas.openxmlformats.org/officeDocument/2006/customXml" ds:itemID="{FAB399A9-BA87-438F-8948-9666816087A6}">
+  <ds:schemaRefs>
+    <ds:schemaRef ds:uri="http://schemas.microsoft.com/VisualStudio/2011/storyboarding/control"/>
+  </ds:schemaRefs>
+</ds:datastoreItem>
+</file>
+
+<file path=customXml/itemProps18.xml><?xml version="1.0" encoding="utf-8"?>
+<ds:datastoreItem xmlns:ds="http://schemas.openxmlformats.org/officeDocument/2006/customXml" ds:itemID="{735154BF-5FB2-4A42-9F50-5688C44EA915}">
+  <ds:schemaRefs>
+    <ds:schemaRef ds:uri="http://schemas.microsoft.com/VisualStudio/2011/storyboarding/control"/>
+  </ds:schemaRefs>
+</ds:datastoreItem>
+</file>
+
+<file path=customXml/itemProps19.xml><?xml version="1.0" encoding="utf-8"?>
+<ds:datastoreItem xmlns:ds="http://schemas.openxmlformats.org/officeDocument/2006/customXml" ds:itemID="{B06BA414-8851-4C1D-86A5-61BD61A5ABF5}">
+  <ds:schemaRefs>
+    <ds:schemaRef ds:uri="http://schemas.microsoft.com/VisualStudio/2011/storyboarding/control"/>
+  </ds:schemaRefs>
+</ds:datastoreItem>
+</file>
+
+<file path=customXml/itemProps2.xml><?xml version="1.0" encoding="utf-8"?>
+<ds:datastoreItem xmlns:ds="http://schemas.openxmlformats.org/officeDocument/2006/customXml" ds:itemID="{BB853E70-C52C-4C96-B715-5B968D2A994D}">
+  <ds:schemaRefs>
+    <ds:schemaRef ds:uri="http://schemas.microsoft.com/VisualStudio/2011/storyboarding/control"/>
+  </ds:schemaRefs>
+</ds:datastoreItem>
+</file>
+
+<file path=customXml/itemProps20.xml><?xml version="1.0" encoding="utf-8"?>
+<ds:datastoreItem xmlns:ds="http://schemas.openxmlformats.org/officeDocument/2006/customXml" ds:itemID="{F8966AEF-05C9-4F9E-ACC0-C77A7D3EC4A2}">
+  <ds:schemaRefs>
+    <ds:schemaRef ds:uri="http://schemas.microsoft.com/VisualStudio/2011/storyboarding/control"/>
+  </ds:schemaRefs>
+</ds:datastoreItem>
+</file>
+
+<file path=customXml/itemProps21.xml><?xml version="1.0" encoding="utf-8"?>
+<ds:datastoreItem xmlns:ds="http://schemas.openxmlformats.org/officeDocument/2006/customXml" ds:itemID="{4B2B6207-F426-47B3-B4AC-6480BED58F4D}">
+  <ds:schemaRefs>
+    <ds:schemaRef ds:uri="http://schemas.microsoft.com/VisualStudio/2011/storyboarding/control"/>
+  </ds:schemaRefs>
+</ds:datastoreItem>
+</file>
+
+<file path=customXml/itemProps22.xml><?xml version="1.0" encoding="utf-8"?>
+<ds:datastoreItem xmlns:ds="http://schemas.openxmlformats.org/officeDocument/2006/customXml" ds:itemID="{674F586C-3D4C-4BFE-B70F-20542F1925F6}">
+  <ds:schemaRefs>
+    <ds:schemaRef ds:uri="http://schemas.microsoft.com/VisualStudio/2011/storyboarding/control"/>
+  </ds:schemaRefs>
+</ds:datastoreItem>
+</file>
+
+<file path=customXml/itemProps23.xml><?xml version="1.0" encoding="utf-8"?>
+<ds:datastoreItem xmlns:ds="http://schemas.openxmlformats.org/officeDocument/2006/customXml" ds:itemID="{9B569E01-A437-4345-B3AE-325E5C4684C7}">
+  <ds:schemaRefs>
+    <ds:schemaRef ds:uri="http://schemas.microsoft.com/VisualStudio/2011/storyboarding/control"/>
+  </ds:schemaRefs>
+</ds:datastoreItem>
+</file>
+
+<file path=customXml/itemProps24.xml><?xml version="1.0" encoding="utf-8"?>
+<ds:datastoreItem xmlns:ds="http://schemas.openxmlformats.org/officeDocument/2006/customXml" ds:itemID="{0F220257-F99E-4E47-AD44-65D24C457664}">
+  <ds:schemaRefs>
+    <ds:schemaRef ds:uri="http://schemas.microsoft.com/VisualStudio/2011/storyboarding/control"/>
+  </ds:schemaRefs>
+</ds:datastoreItem>
+</file>
+
+<file path=customXml/itemProps25.xml><?xml version="1.0" encoding="utf-8"?>
+<ds:datastoreItem xmlns:ds="http://schemas.openxmlformats.org/officeDocument/2006/customXml" ds:itemID="{EA59DCB8-0416-4CDF-B7A8-3408237CE9AF}">
+  <ds:schemaRefs>
+    <ds:schemaRef ds:uri="http://schemas.microsoft.com/VisualStudio/2011/storyboarding/control"/>
+  </ds:schemaRefs>
+</ds:datastoreItem>
+</file>
+
+<file path=customXml/itemProps26.xml><?xml version="1.0" encoding="utf-8"?>
+<ds:datastoreItem xmlns:ds="http://schemas.openxmlformats.org/officeDocument/2006/customXml" ds:itemID="{6C28E3CC-A396-469F-8032-53D7143813C3}">
+  <ds:schemaRefs>
+    <ds:schemaRef ds:uri="http://schemas.microsoft.com/VisualStudio/2011/storyboarding/control"/>
+  </ds:schemaRefs>
+</ds:datastoreItem>
+</file>
+
+<file path=customXml/itemProps27.xml><?xml version="1.0" encoding="utf-8"?>
+<ds:datastoreItem xmlns:ds="http://schemas.openxmlformats.org/officeDocument/2006/customXml" ds:itemID="{D5C3212D-E796-40B4-9DF4-64C7020EEC39}">
+  <ds:schemaRefs>
+    <ds:schemaRef ds:uri="http://schemas.microsoft.com/VisualStudio/2011/storyboarding/control"/>
+  </ds:schemaRefs>
+</ds:datastoreItem>
+</file>
+
+<file path=customXml/itemProps28.xml><?xml version="1.0" encoding="utf-8"?>
+<ds:datastoreItem xmlns:ds="http://schemas.openxmlformats.org/officeDocument/2006/customXml" ds:itemID="{02F00EB1-4575-4249-800D-2D14D24AEC5B}">
+  <ds:schemaRefs>
+    <ds:schemaRef ds:uri="http://schemas.microsoft.com/VisualStudio/2011/storyboarding/control"/>
+  </ds:schemaRefs>
+</ds:datastoreItem>
+</file>
+
+<file path=customXml/itemProps29.xml><?xml version="1.0" encoding="utf-8"?>
+<ds:datastoreItem xmlns:ds="http://schemas.openxmlformats.org/officeDocument/2006/customXml" ds:itemID="{58E85928-2B8F-490C-9347-5C47C3112D67}">
+  <ds:schemaRefs>
+    <ds:schemaRef ds:uri="http://schemas.microsoft.com/VisualStudio/2011/storyboarding/control"/>
+  </ds:schemaRefs>
+</ds:datastoreItem>
+</file>
+
+<file path=customXml/itemProps3.xml><?xml version="1.0" encoding="utf-8"?>
+<ds:datastoreItem xmlns:ds="http://schemas.openxmlformats.org/officeDocument/2006/customXml" ds:itemID="{F250E77D-4307-4DF6-B5B0-A84E72ED7F70}">
+  <ds:schemaRefs>
+    <ds:schemaRef ds:uri="http://schemas.microsoft.com/VisualStudio/2011/storyboarding/control"/>
+  </ds:schemaRefs>
+</ds:datastoreItem>
+</file>
+
+<file path=customXml/itemProps30.xml><?xml version="1.0" encoding="utf-8"?>
+<ds:datastoreItem xmlns:ds="http://schemas.openxmlformats.org/officeDocument/2006/customXml" ds:itemID="{9F9D5C54-1675-4957-93CF-3A95802A5BCB}">
+  <ds:schemaRefs>
+    <ds:schemaRef ds:uri="http://schemas.microsoft.com/VisualStudio/2011/storyboarding/control"/>
+  </ds:schemaRefs>
+</ds:datastoreItem>
+</file>
+
+<file path=customXml/itemProps31.xml><?xml version="1.0" encoding="utf-8"?>
+<ds:datastoreItem xmlns:ds="http://schemas.openxmlformats.org/officeDocument/2006/customXml" ds:itemID="{737DBCAA-FD86-4EB1-AB9D-7F9F9C697E90}">
+  <ds:schemaRefs>
+    <ds:schemaRef ds:uri="http://schemas.microsoft.com/VisualStudio/2011/storyboarding/control"/>
+  </ds:schemaRefs>
+</ds:datastoreItem>
+</file>
+
+<file path=customXml/itemProps32.xml><?xml version="1.0" encoding="utf-8"?>
+<ds:datastoreItem xmlns:ds="http://schemas.openxmlformats.org/officeDocument/2006/customXml" ds:itemID="{6ED08AE2-393B-4601-A237-BFEBEB86ED97}">
+  <ds:schemaRefs>
+    <ds:schemaRef ds:uri="http://schemas.microsoft.com/VisualStudio/2011/storyboarding/control"/>
+  </ds:schemaRefs>
+</ds:datastoreItem>
+</file>
+
+<file path=customXml/itemProps33.xml><?xml version="1.0" encoding="utf-8"?>
+<ds:datastoreItem xmlns:ds="http://schemas.openxmlformats.org/officeDocument/2006/customXml" ds:itemID="{F0405DDA-F797-490F-9D04-6B64C56B9E95}">
+  <ds:schemaRefs>
+    <ds:schemaRef ds:uri="http://schemas.microsoft.com/VisualStudio/2011/storyboarding/control"/>
+  </ds:schemaRefs>
+</ds:datastoreItem>
+</file>
+
+<file path=customXml/itemProps34.xml><?xml version="1.0" encoding="utf-8"?>
+<ds:datastoreItem xmlns:ds="http://schemas.openxmlformats.org/officeDocument/2006/customXml" ds:itemID="{8A29F272-F02E-43A1-8757-98E7B6E22759}">
+  <ds:schemaRefs>
+    <ds:schemaRef ds:uri="http://schemas.microsoft.com/VisualStudio/2011/storyboarding/control"/>
+  </ds:schemaRefs>
+</ds:datastoreItem>
+</file>
+
+<file path=customXml/itemProps35.xml><?xml version="1.0" encoding="utf-8"?>
+<ds:datastoreItem xmlns:ds="http://schemas.openxmlformats.org/officeDocument/2006/customXml" ds:itemID="{C3959990-BEDE-4342-8909-D2CC7843CB1A}">
+  <ds:schemaRefs>
+    <ds:schemaRef ds:uri="http://schemas.microsoft.com/VisualStudio/2011/storyboarding/control"/>
+  </ds:schemaRefs>
+</ds:datastoreItem>
+</file>
+
+<file path=customXml/itemProps36.xml><?xml version="1.0" encoding="utf-8"?>
+<ds:datastoreItem xmlns:ds="http://schemas.openxmlformats.org/officeDocument/2006/customXml" ds:itemID="{2B8239E4-F3AC-4E73-B621-3377998C1E74}">
+  <ds:schemaRefs>
+    <ds:schemaRef ds:uri="http://schemas.microsoft.com/VisualStudio/2011/storyboarding/control"/>
+  </ds:schemaRefs>
+</ds:datastoreItem>
+</file>
+
+<file path=customXml/itemProps37.xml><?xml version="1.0" encoding="utf-8"?>
+<ds:datastoreItem xmlns:ds="http://schemas.openxmlformats.org/officeDocument/2006/customXml" ds:itemID="{3BEE128F-DCA4-40C0-8AB8-CBBC4CBDEC86}">
+  <ds:schemaRefs>
+    <ds:schemaRef ds:uri="http://schemas.microsoft.com/VisualStudio/2011/storyboarding/control"/>
+  </ds:schemaRefs>
+</ds:datastoreItem>
+</file>
+
+<file path=customXml/itemProps38.xml><?xml version="1.0" encoding="utf-8"?>
+<ds:datastoreItem xmlns:ds="http://schemas.openxmlformats.org/officeDocument/2006/customXml" ds:itemID="{FF693739-48CE-428A-A9E2-6DC984D9B3FA}">
+  <ds:schemaRefs>
+    <ds:schemaRef ds:uri="http://schemas.microsoft.com/VisualStudio/2011/storyboarding/control"/>
+  </ds:schemaRefs>
+</ds:datastoreItem>
+</file>
+
+<file path=customXml/itemProps39.xml><?xml version="1.0" encoding="utf-8"?>
+<ds:datastoreItem xmlns:ds="http://schemas.openxmlformats.org/officeDocument/2006/customXml" ds:itemID="{57009A2F-813A-4612-AA9D-4FFAC39B82A8}">
+  <ds:schemaRefs>
+    <ds:schemaRef ds:uri="http://schemas.microsoft.com/VisualStudio/2011/storyboarding/control"/>
+  </ds:schemaRefs>
+</ds:datastoreItem>
+</file>
+
+<file path=customXml/itemProps4.xml><?xml version="1.0" encoding="utf-8"?>
+<ds:datastoreItem xmlns:ds="http://schemas.openxmlformats.org/officeDocument/2006/customXml" ds:itemID="{CA460F31-B773-4067-B036-332848DF28B9}">
+  <ds:schemaRefs>
+    <ds:schemaRef ds:uri="http://schemas.microsoft.com/VisualStudio/2011/storyboarding/control"/>
+  </ds:schemaRefs>
+</ds:datastoreItem>
+</file>
+
+<file path=customXml/itemProps40.xml><?xml version="1.0" encoding="utf-8"?>
+<ds:datastoreItem xmlns:ds="http://schemas.openxmlformats.org/officeDocument/2006/customXml" ds:itemID="{214A0574-B4FE-4ED0-8624-A8CD52601755}">
+  <ds:schemaRefs>
+    <ds:schemaRef ds:uri="http://schemas.microsoft.com/VisualStudio/2011/storyboarding/control"/>
+  </ds:schemaRefs>
+</ds:datastoreItem>
+</file>
+
+<file path=customXml/itemProps41.xml><?xml version="1.0" encoding="utf-8"?>
+<ds:datastoreItem xmlns:ds="http://schemas.openxmlformats.org/officeDocument/2006/customXml" ds:itemID="{58531759-097F-466E-9EAE-BE5F2D403745}">
+  <ds:schemaRefs>
+    <ds:schemaRef ds:uri="http://schemas.microsoft.com/VisualStudio/2011/storyboarding/control"/>
+  </ds:schemaRefs>
+</ds:datastoreItem>
+</file>
+
+<file path=customXml/itemProps42.xml><?xml version="1.0" encoding="utf-8"?>
+<ds:datastoreItem xmlns:ds="http://schemas.openxmlformats.org/officeDocument/2006/customXml" ds:itemID="{11598C92-4116-4A08-8F58-D57ED2239CCE}">
+  <ds:schemaRefs>
+    <ds:schemaRef ds:uri="http://schemas.microsoft.com/VisualStudio/2011/storyboarding/control"/>
+  </ds:schemaRefs>
+</ds:datastoreItem>
+</file>
+
+<file path=customXml/itemProps43.xml><?xml version="1.0" encoding="utf-8"?>
+<ds:datastoreItem xmlns:ds="http://schemas.openxmlformats.org/officeDocument/2006/customXml" ds:itemID="{9A2A8AD0-14C2-4198-95FA-7CA78E84BB0E}">
+  <ds:schemaRefs>
+    <ds:schemaRef ds:uri="http://schemas.microsoft.com/VisualStudio/2011/storyboarding/control"/>
+  </ds:schemaRefs>
+</ds:datastoreItem>
+</file>
+
+<file path=customXml/itemProps44.xml><?xml version="1.0" encoding="utf-8"?>
+<ds:datastoreItem xmlns:ds="http://schemas.openxmlformats.org/officeDocument/2006/customXml" ds:itemID="{237C6A13-5570-4035-A906-49AEDEF159FC}">
+  <ds:schemaRefs>
+    <ds:schemaRef ds:uri="http://schemas.microsoft.com/VisualStudio/2011/storyboarding/control"/>
+  </ds:schemaRefs>
+</ds:datastoreItem>
+</file>
+
+<file path=customXml/itemProps45.xml><?xml version="1.0" encoding="utf-8"?>
+<ds:datastoreItem xmlns:ds="http://schemas.openxmlformats.org/officeDocument/2006/customXml" ds:itemID="{F06EC21E-1461-4C90-A408-E9BD4F8C6B5E}">
+  <ds:schemaRefs>
+    <ds:schemaRef ds:uri="http://schemas.microsoft.com/VisualStudio/2011/storyboarding/control"/>
+  </ds:schemaRefs>
+</ds:datastoreItem>
+</file>
+
+<file path=customXml/itemProps46.xml><?xml version="1.0" encoding="utf-8"?>
+<ds:datastoreItem xmlns:ds="http://schemas.openxmlformats.org/officeDocument/2006/customXml" ds:itemID="{6AD84BE9-0868-4CB2-8303-2FC4DD2D5CFA}">
+  <ds:schemaRefs>
+    <ds:schemaRef ds:uri="http://schemas.microsoft.com/VisualStudio/2011/storyboarding/control"/>
+  </ds:schemaRefs>
+</ds:datastoreItem>
+</file>
+
+<file path=customXml/itemProps47.xml><?xml version="1.0" encoding="utf-8"?>
+<ds:datastoreItem xmlns:ds="http://schemas.openxmlformats.org/officeDocument/2006/customXml" ds:itemID="{5A54DE4D-E8D6-437C-BFA0-88D994E5BBDE}">
+  <ds:schemaRefs>
+    <ds:schemaRef ds:uri="http://schemas.microsoft.com/VisualStudio/2011/storyboarding/control"/>
+  </ds:schemaRefs>
+</ds:datastoreItem>
+</file>
+
+<file path=customXml/itemProps48.xml><?xml version="1.0" encoding="utf-8"?>
+<ds:datastoreItem xmlns:ds="http://schemas.openxmlformats.org/officeDocument/2006/customXml" ds:itemID="{B15524AA-E671-4093-91E6-11A39F89BE8A}">
+  <ds:schemaRefs>
+    <ds:schemaRef ds:uri="http://schemas.microsoft.com/VisualStudio/2011/storyboarding/control"/>
+  </ds:schemaRefs>
+</ds:datastoreItem>
+</file>
+
+<file path=customXml/itemProps49.xml><?xml version="1.0" encoding="utf-8"?>
+<ds:datastoreItem xmlns:ds="http://schemas.openxmlformats.org/officeDocument/2006/customXml" ds:itemID="{665E4BBE-7760-4142-A7BE-17AB5980C22C}">
+  <ds:schemaRefs>
+    <ds:schemaRef ds:uri="http://schemas.microsoft.com/VisualStudio/2011/storyboarding/control"/>
+  </ds:schemaRefs>
+</ds:datastoreItem>
+</file>
+
+<file path=customXml/itemProps5.xml><?xml version="1.0" encoding="utf-8"?>
+<ds:datastoreItem xmlns:ds="http://schemas.openxmlformats.org/officeDocument/2006/customXml" ds:itemID="{7E04FC52-D4ED-44E8-B67A-EE8096314BAA}">
+  <ds:schemaRefs>
+    <ds:schemaRef ds:uri="http://schemas.microsoft.com/VisualStudio/2011/storyboarding/control"/>
+  </ds:schemaRefs>
+</ds:datastoreItem>
+</file>
+
+<file path=customXml/itemProps50.xml><?xml version="1.0" encoding="utf-8"?>
+<ds:datastoreItem xmlns:ds="http://schemas.openxmlformats.org/officeDocument/2006/customXml" ds:itemID="{BF3BA2C0-1BC0-4EE1-A0B3-3C1162A3C6D5}">
+  <ds:schemaRefs>
+    <ds:schemaRef ds:uri="http://schemas.microsoft.com/VisualStudio/2011/storyboarding/control"/>
+  </ds:schemaRefs>
+</ds:datastoreItem>
+</file>
+
+<file path=customXml/itemProps51.xml><?xml version="1.0" encoding="utf-8"?>
+<ds:datastoreItem xmlns:ds="http://schemas.openxmlformats.org/officeDocument/2006/customXml" ds:itemID="{98ED19BC-F2BE-474D-AE6A-03F6010F09B7}">
+  <ds:schemaRefs>
+    <ds:schemaRef ds:uri="http://schemas.microsoft.com/VisualStudio/2011/storyboarding/control"/>
+  </ds:schemaRefs>
+</ds:datastoreItem>
+</file>
+
+<file path=customXml/itemProps52.xml><?xml version="1.0" encoding="utf-8"?>
+<ds:datastoreItem xmlns:ds="http://schemas.openxmlformats.org/officeDocument/2006/customXml" ds:itemID="{7346DCBA-97EA-402E-B18D-E1C727EC93DD}">
+  <ds:schemaRefs>
+    <ds:schemaRef ds:uri="http://schemas.microsoft.com/VisualStudio/2011/storyboarding/control"/>
+  </ds:schemaRefs>
+</ds:datastoreItem>
+</file>
+
+<file path=customXml/itemProps53.xml><?xml version="1.0" encoding="utf-8"?>
+<ds:datastoreItem xmlns:ds="http://schemas.openxmlformats.org/officeDocument/2006/customXml" ds:itemID="{9E886169-7898-408A-A588-DC201EC0A018}">
+  <ds:schemaRefs>
+    <ds:schemaRef ds:uri="http://schemas.microsoft.com/VisualStudio/2011/storyboarding/control"/>
+  </ds:schemaRefs>
+</ds:datastoreItem>
+</file>
+
+<file path=customXml/itemProps54.xml><?xml version="1.0" encoding="utf-8"?>
+<ds:datastoreItem xmlns:ds="http://schemas.openxmlformats.org/officeDocument/2006/customXml" ds:itemID="{C64F239C-3EF9-4D6D-A2BC-C935A2E33DF3}">
+  <ds:schemaRefs>
+    <ds:schemaRef ds:uri="http://schemas.microsoft.com/VisualStudio/2011/storyboarding/control"/>
+  </ds:schemaRefs>
+</ds:datastoreItem>
+</file>
+
+<file path=customXml/itemProps55.xml><?xml version="1.0" encoding="utf-8"?>
+<ds:datastoreItem xmlns:ds="http://schemas.openxmlformats.org/officeDocument/2006/customXml" ds:itemID="{E3F9A2DC-3D79-46E6-A128-95D153FF0A57}">
+  <ds:schemaRefs>
+    <ds:schemaRef ds:uri="http://schemas.microsoft.com/VisualStudio/2011/storyboarding/control"/>
+  </ds:schemaRefs>
+</ds:datastoreItem>
+</file>
+
+<file path=customXml/itemProps56.xml><?xml version="1.0" encoding="utf-8"?>
+<ds:datastoreItem xmlns:ds="http://schemas.openxmlformats.org/officeDocument/2006/customXml" ds:itemID="{A0472940-DB88-4113-B969-16EA24F7EB7F}">
+  <ds:schemaRefs>
+    <ds:schemaRef ds:uri="http://schemas.microsoft.com/VisualStudio/2011/storyboarding/control"/>
+  </ds:schemaRefs>
+</ds:datastoreItem>
+</file>
+
+<file path=customXml/itemProps57.xml><?xml version="1.0" encoding="utf-8"?>
+<ds:datastoreItem xmlns:ds="http://schemas.openxmlformats.org/officeDocument/2006/customXml" ds:itemID="{DB943CB5-6ECD-4BD5-A62D-6B81C42065C2}">
+  <ds:schemaRefs>
+    <ds:schemaRef ds:uri="http://schemas.microsoft.com/VisualStudio/2011/storyboarding/control"/>
+  </ds:schemaRefs>
+</ds:datastoreItem>
+</file>
+
+<file path=customXml/itemProps58.xml><?xml version="1.0" encoding="utf-8"?>
+<ds:datastoreItem xmlns:ds="http://schemas.openxmlformats.org/officeDocument/2006/customXml" ds:itemID="{1687C12C-A316-4385-BDC5-EC5A54A01DFA}">
+  <ds:schemaRefs>
+    <ds:schemaRef ds:uri="http://schemas.microsoft.com/VisualStudio/2011/storyboarding/control"/>
+  </ds:schemaRefs>
+</ds:datastoreItem>
+</file>
+
+<file path=customXml/itemProps59.xml><?xml version="1.0" encoding="utf-8"?>
+<ds:datastoreItem xmlns:ds="http://schemas.openxmlformats.org/officeDocument/2006/customXml" ds:itemID="{6C369A29-791E-40A4-B896-725D656F6219}">
+  <ds:schemaRefs>
+    <ds:schemaRef ds:uri="http://schemas.microsoft.com/VisualStudio/2011/storyboarding/control"/>
+  </ds:schemaRefs>
+</ds:datastoreItem>
+</file>
+
+<file path=customXml/itemProps6.xml><?xml version="1.0" encoding="utf-8"?>
+<ds:datastoreItem xmlns:ds="http://schemas.openxmlformats.org/officeDocument/2006/customXml" ds:itemID="{DB567D2A-71FA-480A-800B-2D3CC4803E30}">
+  <ds:schemaRefs>
+    <ds:schemaRef ds:uri="http://schemas.microsoft.com/VisualStudio/2011/storyboarding/control"/>
+  </ds:schemaRefs>
+</ds:datastoreItem>
+</file>
+
+<file path=customXml/itemProps60.xml><?xml version="1.0" encoding="utf-8"?>
+<ds:datastoreItem xmlns:ds="http://schemas.openxmlformats.org/officeDocument/2006/customXml" ds:itemID="{D76D1104-82AB-4388-82F3-A2CDEB01CFFA}">
+  <ds:schemaRefs>
+    <ds:schemaRef ds:uri="http://schemas.microsoft.com/VisualStudio/2011/storyboarding/control"/>
+  </ds:schemaRefs>
+</ds:datastoreItem>
+</file>
+
+<file path=customXml/itemProps61.xml><?xml version="1.0" encoding="utf-8"?>
+<ds:datastoreItem xmlns:ds="http://schemas.openxmlformats.org/officeDocument/2006/customXml" ds:itemID="{FF490F7A-7175-4DBD-85E3-7747FC7592B9}">
+  <ds:schemaRefs>
+    <ds:schemaRef ds:uri="http://schemas.microsoft.com/VisualStudio/2011/storyboarding/control"/>
+  </ds:schemaRefs>
+</ds:datastoreItem>
+</file>
+
+<file path=customXml/itemProps62.xml><?xml version="1.0" encoding="utf-8"?>
+<ds:datastoreItem xmlns:ds="http://schemas.openxmlformats.org/officeDocument/2006/customXml" ds:itemID="{DBBAE149-4048-407F-90E7-559BE2D44973}">
+  <ds:schemaRefs>
+    <ds:schemaRef ds:uri="http://schemas.microsoft.com/VisualStudio/2011/storyboarding/control"/>
+  </ds:schemaRefs>
+</ds:datastoreItem>
+</file>
+
+<file path=customXml/itemProps63.xml><?xml version="1.0" encoding="utf-8"?>
+<ds:datastoreItem xmlns:ds="http://schemas.openxmlformats.org/officeDocument/2006/customXml" ds:itemID="{F6790068-EEA9-4B57-8D8F-B9B0BF431A70}">
+  <ds:schemaRefs>
+    <ds:schemaRef ds:uri="http://schemas.microsoft.com/VisualStudio/2011/storyboarding/control"/>
+  </ds:schemaRefs>
+</ds:datastoreItem>
+</file>
+
+<file path=customXml/itemProps64.xml><?xml version="1.0" encoding="utf-8"?>
+<ds:datastoreItem xmlns:ds="http://schemas.openxmlformats.org/officeDocument/2006/customXml" ds:itemID="{98F2AC4D-1065-4E36-8E34-ADCADB80A35E}">
+  <ds:schemaRefs>
+    <ds:schemaRef ds:uri="http://schemas.microsoft.com/VisualStudio/2011/storyboarding/control"/>
+  </ds:schemaRefs>
+</ds:datastoreItem>
+</file>
+
+<file path=customXml/itemProps65.xml><?xml version="1.0" encoding="utf-8"?>
 <ds:datastoreItem xmlns:ds="http://schemas.openxmlformats.org/officeDocument/2006/customXml" ds:itemID="{99D7A4E8-9013-43F4-9025-79641E2FD4AD}">
   <ds:schemaRefs>
     <ds:schemaRef ds:uri="http://schemas.microsoft.com/VisualStudio/2011/storyboarding/control"/>
@@ -16957,7 +17633,215 @@
 </ds:datastoreItem>
 </file>
 
-<file path=customXml/itemProps112.xml><?xml version="1.0" encoding="utf-8"?>
+<file path=customXml/itemProps66.xml><?xml version="1.0" encoding="utf-8"?>
+<ds:datastoreItem xmlns:ds="http://schemas.openxmlformats.org/officeDocument/2006/customXml" ds:itemID="{ED3D69ED-38A9-48C8-B05E-83772337A98C}">
+  <ds:schemaRefs>
+    <ds:schemaRef ds:uri="http://schemas.microsoft.com/VisualStudio/2011/storyboarding/control"/>
+  </ds:schemaRefs>
+</ds:datastoreItem>
+</file>
+
+<file path=customXml/itemProps67.xml><?xml version="1.0" encoding="utf-8"?>
+<ds:datastoreItem xmlns:ds="http://schemas.openxmlformats.org/officeDocument/2006/customXml" ds:itemID="{B8B89DFC-14C8-4A9F-A15A-190159CF0CFE}">
+  <ds:schemaRefs>
+    <ds:schemaRef ds:uri="http://schemas.microsoft.com/VisualStudio/2011/storyboarding/control"/>
+  </ds:schemaRefs>
+</ds:datastoreItem>
+</file>
+
+<file path=customXml/itemProps68.xml><?xml version="1.0" encoding="utf-8"?>
+<ds:datastoreItem xmlns:ds="http://schemas.openxmlformats.org/officeDocument/2006/customXml" ds:itemID="{5B12EFFA-8596-4679-8A5C-E1D50D2F072F}">
+  <ds:schemaRefs>
+    <ds:schemaRef ds:uri="http://schemas.microsoft.com/VisualStudio/2011/storyboarding/control"/>
+  </ds:schemaRefs>
+</ds:datastoreItem>
+</file>
+
+<file path=customXml/itemProps69.xml><?xml version="1.0" encoding="utf-8"?>
+<ds:datastoreItem xmlns:ds="http://schemas.openxmlformats.org/officeDocument/2006/customXml" ds:itemID="{A506862E-DD0E-4463-9537-58549E145A3C}">
+  <ds:schemaRefs>
+    <ds:schemaRef ds:uri="http://schemas.microsoft.com/VisualStudio/2011/storyboarding/control"/>
+  </ds:schemaRefs>
+</ds:datastoreItem>
+</file>
+
+<file path=customXml/itemProps7.xml><?xml version="1.0" encoding="utf-8"?>
+<ds:datastoreItem xmlns:ds="http://schemas.openxmlformats.org/officeDocument/2006/customXml" ds:itemID="{061016BA-8104-4015-8EC7-33408200BF3F}">
+  <ds:schemaRefs>
+    <ds:schemaRef ds:uri="http://schemas.microsoft.com/VisualStudio/2011/storyboarding/control"/>
+  </ds:schemaRefs>
+</ds:datastoreItem>
+</file>
+
+<file path=customXml/itemProps70.xml><?xml version="1.0" encoding="utf-8"?>
+<ds:datastoreItem xmlns:ds="http://schemas.openxmlformats.org/officeDocument/2006/customXml" ds:itemID="{D093DAC0-100F-4B88-AD30-6096F80046F1}">
+  <ds:schemaRefs>
+    <ds:schemaRef ds:uri="http://schemas.microsoft.com/VisualStudio/2011/storyboarding/control"/>
+  </ds:schemaRefs>
+</ds:datastoreItem>
+</file>
+
+<file path=customXml/itemProps71.xml><?xml version="1.0" encoding="utf-8"?>
+<ds:datastoreItem xmlns:ds="http://schemas.openxmlformats.org/officeDocument/2006/customXml" ds:itemID="{E6534C85-3FCF-4A96-A817-5FAEA8C983EC}">
+  <ds:schemaRefs>
+    <ds:schemaRef ds:uri="http://schemas.microsoft.com/VisualStudio/2011/storyboarding/control"/>
+  </ds:schemaRefs>
+</ds:datastoreItem>
+</file>
+
+<file path=customXml/itemProps72.xml><?xml version="1.0" encoding="utf-8"?>
+<ds:datastoreItem xmlns:ds="http://schemas.openxmlformats.org/officeDocument/2006/customXml" ds:itemID="{0ABEA74B-FF86-455C-8A72-E51D65593505}">
+  <ds:schemaRefs>
+    <ds:schemaRef ds:uri="http://schemas.microsoft.com/VisualStudio/2011/storyboarding/control"/>
+  </ds:schemaRefs>
+</ds:datastoreItem>
+</file>
+
+<file path=customXml/itemProps73.xml><?xml version="1.0" encoding="utf-8"?>
+<ds:datastoreItem xmlns:ds="http://schemas.openxmlformats.org/officeDocument/2006/customXml" ds:itemID="{0E6EDFFA-7DB4-478C-B4A0-D5E156E272F2}">
+  <ds:schemaRefs>
+    <ds:schemaRef ds:uri="http://schemas.microsoft.com/VisualStudio/2011/storyboarding/control"/>
+  </ds:schemaRefs>
+</ds:datastoreItem>
+</file>
+
+<file path=customXml/itemProps74.xml><?xml version="1.0" encoding="utf-8"?>
+<ds:datastoreItem xmlns:ds="http://schemas.openxmlformats.org/officeDocument/2006/customXml" ds:itemID="{F2328595-B94A-4766-A678-942BFE76529D}">
+  <ds:schemaRefs>
+    <ds:schemaRef ds:uri="http://schemas.microsoft.com/VisualStudio/2011/storyboarding/control"/>
+  </ds:schemaRefs>
+</ds:datastoreItem>
+</file>
+
+<file path=customXml/itemProps75.xml><?xml version="1.0" encoding="utf-8"?>
+<ds:datastoreItem xmlns:ds="http://schemas.openxmlformats.org/officeDocument/2006/customXml" ds:itemID="{2E449097-FA9E-4910-B718-70633402799D}">
+  <ds:schemaRefs>
+    <ds:schemaRef ds:uri="http://schemas.microsoft.com/VisualStudio/2011/storyboarding/control"/>
+  </ds:schemaRefs>
+</ds:datastoreItem>
+</file>
+
+<file path=customXml/itemProps76.xml><?xml version="1.0" encoding="utf-8"?>
+<ds:datastoreItem xmlns:ds="http://schemas.openxmlformats.org/officeDocument/2006/customXml" ds:itemID="{45E97D65-6343-4570-8097-EA7E7BF9672F}">
+  <ds:schemaRefs>
+    <ds:schemaRef ds:uri="http://schemas.microsoft.com/VisualStudio/2011/storyboarding/control"/>
+  </ds:schemaRefs>
+</ds:datastoreItem>
+</file>
+
+<file path=customXml/itemProps77.xml><?xml version="1.0" encoding="utf-8"?>
+<ds:datastoreItem xmlns:ds="http://schemas.openxmlformats.org/officeDocument/2006/customXml" ds:itemID="{1ACBFFF3-A1FA-4A8A-A886-2045487CFD4F}">
+  <ds:schemaRefs>
+    <ds:schemaRef ds:uri="http://schemas.microsoft.com/VisualStudio/2011/storyboarding/control"/>
+  </ds:schemaRefs>
+</ds:datastoreItem>
+</file>
+
+<file path=customXml/itemProps78.xml><?xml version="1.0" encoding="utf-8"?>
+<ds:datastoreItem xmlns:ds="http://schemas.openxmlformats.org/officeDocument/2006/customXml" ds:itemID="{54B2E962-2282-4EA5-98DB-CDA924B11B85}">
+  <ds:schemaRefs>
+    <ds:schemaRef ds:uri="http://schemas.microsoft.com/VisualStudio/2011/storyboarding/control"/>
+  </ds:schemaRefs>
+</ds:datastoreItem>
+</file>
+
+<file path=customXml/itemProps79.xml><?xml version="1.0" encoding="utf-8"?>
+<ds:datastoreItem xmlns:ds="http://schemas.openxmlformats.org/officeDocument/2006/customXml" ds:itemID="{40484B2B-32CA-4908-A849-9B88CBDFDD72}">
+  <ds:schemaRefs>
+    <ds:schemaRef ds:uri="http://schemas.microsoft.com/VisualStudio/2011/storyboarding/control"/>
+  </ds:schemaRefs>
+</ds:datastoreItem>
+</file>
+
+<file path=customXml/itemProps8.xml><?xml version="1.0" encoding="utf-8"?>
+<ds:datastoreItem xmlns:ds="http://schemas.openxmlformats.org/officeDocument/2006/customXml" ds:itemID="{B4FE2F49-6183-4BEB-8E3F-2E3F7B41D332}">
+  <ds:schemaRefs>
+    <ds:schemaRef ds:uri="http://schemas.microsoft.com/VisualStudio/2011/storyboarding/control"/>
+  </ds:schemaRefs>
+</ds:datastoreItem>
+</file>
+
+<file path=customXml/itemProps80.xml><?xml version="1.0" encoding="utf-8"?>
+<ds:datastoreItem xmlns:ds="http://schemas.openxmlformats.org/officeDocument/2006/customXml" ds:itemID="{FC3C3428-BA7F-4803-BE5A-3645D87A3A6C}">
+  <ds:schemaRefs>
+    <ds:schemaRef ds:uri="http://schemas.microsoft.com/VisualStudio/2011/storyboarding/control"/>
+  </ds:schemaRefs>
+</ds:datastoreItem>
+</file>
+
+<file path=customXml/itemProps81.xml><?xml version="1.0" encoding="utf-8"?>
+<ds:datastoreItem xmlns:ds="http://schemas.openxmlformats.org/officeDocument/2006/customXml" ds:itemID="{24CC90C9-DCFC-4768-840C-0D3A65CEFB1A}">
+  <ds:schemaRefs>
+    <ds:schemaRef ds:uri="http://schemas.microsoft.com/VisualStudio/2011/storyboarding/control"/>
+  </ds:schemaRefs>
+</ds:datastoreItem>
+</file>
+
+<file path=customXml/itemProps82.xml><?xml version="1.0" encoding="utf-8"?>
+<ds:datastoreItem xmlns:ds="http://schemas.openxmlformats.org/officeDocument/2006/customXml" ds:itemID="{8B4C81AF-3B4B-4CC7-9167-93AD49568C20}">
+  <ds:schemaRefs>
+    <ds:schemaRef ds:uri="http://schemas.microsoft.com/VisualStudio/2011/storyboarding/control"/>
+  </ds:schemaRefs>
+</ds:datastoreItem>
+</file>
+
+<file path=customXml/itemProps83.xml><?xml version="1.0" encoding="utf-8"?>
+<ds:datastoreItem xmlns:ds="http://schemas.openxmlformats.org/officeDocument/2006/customXml" ds:itemID="{FCAB2D3C-D644-40DE-B890-52EBFBEE6679}">
+  <ds:schemaRefs>
+    <ds:schemaRef ds:uri="http://schemas.microsoft.com/VisualStudio/2011/storyboarding/control"/>
+  </ds:schemaRefs>
+</ds:datastoreItem>
+</file>
+
+<file path=customXml/itemProps84.xml><?xml version="1.0" encoding="utf-8"?>
+<ds:datastoreItem xmlns:ds="http://schemas.openxmlformats.org/officeDocument/2006/customXml" ds:itemID="{21402A0C-EF81-416F-B759-93323EDF6668}">
+  <ds:schemaRefs>
+    <ds:schemaRef ds:uri="http://schemas.microsoft.com/VisualStudio/2011/storyboarding/control"/>
+  </ds:schemaRefs>
+</ds:datastoreItem>
+</file>
+
+<file path=customXml/itemProps85.xml><?xml version="1.0" encoding="utf-8"?>
+<ds:datastoreItem xmlns:ds="http://schemas.openxmlformats.org/officeDocument/2006/customXml" ds:itemID="{AE950B5B-F665-44E1-BC8D-E1ED5D08048D}">
+  <ds:schemaRefs>
+    <ds:schemaRef ds:uri="http://schemas.microsoft.com/VisualStudio/2011/storyboarding/control"/>
+  </ds:schemaRefs>
+</ds:datastoreItem>
+</file>
+
+<file path=customXml/itemProps86.xml><?xml version="1.0" encoding="utf-8"?>
+<ds:datastoreItem xmlns:ds="http://schemas.openxmlformats.org/officeDocument/2006/customXml" ds:itemID="{065B6D8A-DC5B-4E01-B4D6-F91111928221}">
+  <ds:schemaRefs>
+    <ds:schemaRef ds:uri="http://schemas.microsoft.com/VisualStudio/2011/storyboarding/control"/>
+  </ds:schemaRefs>
+</ds:datastoreItem>
+</file>
+
+<file path=customXml/itemProps87.xml><?xml version="1.0" encoding="utf-8"?>
+<ds:datastoreItem xmlns:ds="http://schemas.openxmlformats.org/officeDocument/2006/customXml" ds:itemID="{7FE5D889-C566-4205-8BB7-607167187A6D}">
+  <ds:schemaRefs>
+    <ds:schemaRef ds:uri="http://schemas.microsoft.com/VisualStudio/2011/storyboarding/control"/>
+  </ds:schemaRefs>
+</ds:datastoreItem>
+</file>
+
+<file path=customXml/itemProps88.xml><?xml version="1.0" encoding="utf-8"?>
+<ds:datastoreItem xmlns:ds="http://schemas.openxmlformats.org/officeDocument/2006/customXml" ds:itemID="{32ECFB9B-BC23-44D4-BB12-77EB94DEDC48}">
+  <ds:schemaRefs>
+    <ds:schemaRef ds:uri="http://schemas.microsoft.com/VisualStudio/2011/storyboarding/control"/>
+  </ds:schemaRefs>
+</ds:datastoreItem>
+</file>
+
+<file path=customXml/itemProps89.xml><?xml version="1.0" encoding="utf-8"?>
+<ds:datastoreItem xmlns:ds="http://schemas.openxmlformats.org/officeDocument/2006/customXml" ds:itemID="{436FFD07-9F07-4E04-BCEA-334C1946BE04}">
+  <ds:schemaRefs>
+    <ds:schemaRef ds:uri="http://schemas.microsoft.com/VisualStudio/2011/storyboarding/control"/>
+  </ds:schemaRefs>
+</ds:datastoreItem>
+</file>
+
+<file path=customXml/itemProps9.xml><?xml version="1.0" encoding="utf-8"?>
 <ds:datastoreItem xmlns:ds="http://schemas.openxmlformats.org/officeDocument/2006/customXml" ds:itemID="{4D978272-033F-42C0-945F-26C45B05BB06}">
   <ds:schemaRefs>
     <ds:schemaRef ds:uri="http://schemas.microsoft.com/VisualStudio/2011/storyboarding/control"/>
@@ -16965,23 +17849,7 @@
 </ds:datastoreItem>
 </file>
 
-<file path=customXml/itemProps113.xml><?xml version="1.0" encoding="utf-8"?>
-<ds:datastoreItem xmlns:ds="http://schemas.openxmlformats.org/officeDocument/2006/customXml" ds:itemID="{2B8239E4-F3AC-4E73-B621-3377998C1E74}">
-  <ds:schemaRefs>
-    <ds:schemaRef ds:uri="http://schemas.microsoft.com/VisualStudio/2011/storyboarding/control"/>
-  </ds:schemaRefs>
-</ds:datastoreItem>
-</file>
-
-<file path=customXml/itemProps12.xml><?xml version="1.0" encoding="utf-8"?>
-<ds:datastoreItem xmlns:ds="http://schemas.openxmlformats.org/officeDocument/2006/customXml" ds:itemID="{F06EC21E-1461-4C90-A408-E9BD4F8C6B5E}">
-  <ds:schemaRefs>
-    <ds:schemaRef ds:uri="http://schemas.microsoft.com/VisualStudio/2011/storyboarding/control"/>
-  </ds:schemaRefs>
-</ds:datastoreItem>
-</file>
-
-<file path=customXml/itemProps13.xml><?xml version="1.0" encoding="utf-8"?>
+<file path=customXml/itemProps90.xml><?xml version="1.0" encoding="utf-8"?>
 <ds:datastoreItem xmlns:ds="http://schemas.openxmlformats.org/officeDocument/2006/customXml" ds:itemID="{993CB5E4-ADDE-47D6-9231-FAC0EDC10899}">
   <ds:schemaRefs>
     <ds:schemaRef ds:uri="http://schemas.microsoft.com/VisualStudio/2011/storyboarding/control"/>
@@ -16989,39 +17857,7 @@
 </ds:datastoreItem>
 </file>
 
-<file path=customXml/itemProps14.xml><?xml version="1.0" encoding="utf-8"?>
-<ds:datastoreItem xmlns:ds="http://schemas.openxmlformats.org/officeDocument/2006/customXml" ds:itemID="{9B569E01-A437-4345-B3AE-325E5C4684C7}">
-  <ds:schemaRefs>
-    <ds:schemaRef ds:uri="http://schemas.microsoft.com/VisualStudio/2011/storyboarding/control"/>
-  </ds:schemaRefs>
-</ds:datastoreItem>
-</file>
-
-<file path=customXml/itemProps15.xml><?xml version="1.0" encoding="utf-8"?>
-<ds:datastoreItem xmlns:ds="http://schemas.openxmlformats.org/officeDocument/2006/customXml" ds:itemID="{5B12EFFA-8596-4679-8A5C-E1D50D2F072F}">
-  <ds:schemaRefs>
-    <ds:schemaRef ds:uri="http://schemas.microsoft.com/VisualStudio/2011/storyboarding/control"/>
-  </ds:schemaRefs>
-</ds:datastoreItem>
-</file>
-
-<file path=customXml/itemProps16.xml><?xml version="1.0" encoding="utf-8"?>
-<ds:datastoreItem xmlns:ds="http://schemas.openxmlformats.org/officeDocument/2006/customXml" ds:itemID="{1C58624C-ADD7-4638-9F03-50B6B0125115}">
-  <ds:schemaRefs>
-    <ds:schemaRef ds:uri="http://schemas.microsoft.com/VisualStudio/2011/storyboarding/control"/>
-  </ds:schemaRefs>
-</ds:datastoreItem>
-</file>
-
-<file path=customXml/itemProps17.xml><?xml version="1.0" encoding="utf-8"?>
-<ds:datastoreItem xmlns:ds="http://schemas.openxmlformats.org/officeDocument/2006/customXml" ds:itemID="{6AD84BE9-0868-4CB2-8303-2FC4DD2D5CFA}">
-  <ds:schemaRefs>
-    <ds:schemaRef ds:uri="http://schemas.microsoft.com/VisualStudio/2011/storyboarding/control"/>
-  </ds:schemaRefs>
-</ds:datastoreItem>
-</file>
-
-<file path=customXml/itemProps18.xml><?xml version="1.0" encoding="utf-8"?>
+<file path=customXml/itemProps91.xml><?xml version="1.0" encoding="utf-8"?>
 <ds:datastoreItem xmlns:ds="http://schemas.openxmlformats.org/officeDocument/2006/customXml" ds:itemID="{4C52FBD4-EF61-4C3F-833A-627EDCD6163F}">
   <ds:schemaRefs>
     <ds:schemaRef ds:uri="http://schemas.microsoft.com/VisualStudio/2011/storyboarding/control"/>
@@ -17029,143 +17865,23 @@
 </ds:datastoreItem>
 </file>
 
-<file path=customXml/itemProps19.xml><?xml version="1.0" encoding="utf-8"?>
-<ds:datastoreItem xmlns:ds="http://schemas.openxmlformats.org/officeDocument/2006/customXml" ds:itemID="{C25A3B5F-7FB7-4E8E-8C1B-FE0B9A3E8DB1}">
+<file path=customXml/itemProps92.xml><?xml version="1.0" encoding="utf-8"?>
+<ds:datastoreItem xmlns:ds="http://schemas.openxmlformats.org/officeDocument/2006/customXml" ds:itemID="{9A549DBF-0857-4182-A576-C9C6519C6A3E}">
   <ds:schemaRefs>
     <ds:schemaRef ds:uri="http://schemas.microsoft.com/VisualStudio/2011/storyboarding/control"/>
   </ds:schemaRefs>
 </ds:datastoreItem>
 </file>
 
-<file path=customXml/itemProps2.xml><?xml version="1.0" encoding="utf-8"?>
-<ds:datastoreItem xmlns:ds="http://schemas.openxmlformats.org/officeDocument/2006/customXml" ds:itemID="{4C110DA4-838D-485D-9522-3AE017EA91BB}">
+<file path=customXml/itemProps93.xml><?xml version="1.0" encoding="utf-8"?>
+<ds:datastoreItem xmlns:ds="http://schemas.openxmlformats.org/officeDocument/2006/customXml" ds:itemID="{E73954B7-8733-4015-BBE9-68F0EBC1DC98}">
   <ds:schemaRefs>
     <ds:schemaRef ds:uri="http://schemas.microsoft.com/VisualStudio/2011/storyboarding/control"/>
   </ds:schemaRefs>
 </ds:datastoreItem>
 </file>
 
-<file path=customXml/itemProps20.xml><?xml version="1.0" encoding="utf-8"?>
-<ds:datastoreItem xmlns:ds="http://schemas.openxmlformats.org/officeDocument/2006/customXml" ds:itemID="{E3F9A2DC-3D79-46E6-A128-95D153FF0A57}">
-  <ds:schemaRefs>
-    <ds:schemaRef ds:uri="http://schemas.microsoft.com/VisualStudio/2011/storyboarding/control"/>
-  </ds:schemaRefs>
-</ds:datastoreItem>
-</file>
-
-<file path=customXml/itemProps21.xml><?xml version="1.0" encoding="utf-8"?>
-<ds:datastoreItem xmlns:ds="http://schemas.openxmlformats.org/officeDocument/2006/customXml" ds:itemID="{BB853E70-C52C-4C96-B715-5B968D2A994D}">
-  <ds:schemaRefs>
-    <ds:schemaRef ds:uri="http://schemas.microsoft.com/VisualStudio/2011/storyboarding/control"/>
-  </ds:schemaRefs>
-</ds:datastoreItem>
-</file>
-
-<file path=customXml/itemProps22.xml><?xml version="1.0" encoding="utf-8"?>
-<ds:datastoreItem xmlns:ds="http://schemas.openxmlformats.org/officeDocument/2006/customXml" ds:itemID="{0F220257-F99E-4E47-AD44-65D24C457664}">
-  <ds:schemaRefs>
-    <ds:schemaRef ds:uri="http://schemas.microsoft.com/VisualStudio/2011/storyboarding/control"/>
-  </ds:schemaRefs>
-</ds:datastoreItem>
-</file>
-
-<file path=customXml/itemProps23.xml><?xml version="1.0" encoding="utf-8"?>
-<ds:datastoreItem xmlns:ds="http://schemas.openxmlformats.org/officeDocument/2006/customXml" ds:itemID="{A506862E-DD0E-4463-9537-58549E145A3C}">
-  <ds:schemaRefs>
-    <ds:schemaRef ds:uri="http://schemas.microsoft.com/VisualStudio/2011/storyboarding/control"/>
-  </ds:schemaRefs>
-</ds:datastoreItem>
-</file>
-
-<file path=customXml/itemProps24.xml><?xml version="1.0" encoding="utf-8"?>
-<ds:datastoreItem xmlns:ds="http://schemas.openxmlformats.org/officeDocument/2006/customXml" ds:itemID="{8587DE98-B823-4671-8421-AEFBBB189344}">
-  <ds:schemaRefs>
-    <ds:schemaRef ds:uri="http://schemas.microsoft.com/VisualStudio/2011/storyboarding/control"/>
-  </ds:schemaRefs>
-</ds:datastoreItem>
-</file>
-
-<file path=customXml/itemProps25.xml><?xml version="1.0" encoding="utf-8"?>
-<ds:datastoreItem xmlns:ds="http://schemas.openxmlformats.org/officeDocument/2006/customXml" ds:itemID="{5A54DE4D-E8D6-437C-BFA0-88D994E5BBDE}">
-  <ds:schemaRefs>
-    <ds:schemaRef ds:uri="http://schemas.microsoft.com/VisualStudio/2011/storyboarding/control"/>
-  </ds:schemaRefs>
-</ds:datastoreItem>
-</file>
-
-<file path=customXml/itemProps26.xml><?xml version="1.0" encoding="utf-8"?>
-<ds:datastoreItem xmlns:ds="http://schemas.openxmlformats.org/officeDocument/2006/customXml" ds:itemID="{DBFC18C8-41F2-4B67-ACD8-B4F649599337}">
-  <ds:schemaRefs>
-    <ds:schemaRef ds:uri="http://schemas.microsoft.com/VisualStudio/2011/storyboarding/control"/>
-  </ds:schemaRefs>
-</ds:datastoreItem>
-</file>
-
-<file path=customXml/itemProps27.xml><?xml version="1.0" encoding="utf-8"?>
-<ds:datastoreItem xmlns:ds="http://schemas.openxmlformats.org/officeDocument/2006/customXml" ds:itemID="{EA59DCB8-0416-4CDF-B7A8-3408237CE9AF}">
-  <ds:schemaRefs>
-    <ds:schemaRef ds:uri="http://schemas.microsoft.com/VisualStudio/2011/storyboarding/control"/>
-  </ds:schemaRefs>
-</ds:datastoreItem>
-</file>
-
-<file path=customXml/itemProps28.xml><?xml version="1.0" encoding="utf-8"?>
-<ds:datastoreItem xmlns:ds="http://schemas.openxmlformats.org/officeDocument/2006/customXml" ds:itemID="{D093DAC0-100F-4B88-AD30-6096F80046F1}">
-  <ds:schemaRefs>
-    <ds:schemaRef ds:uri="http://schemas.microsoft.com/VisualStudio/2011/storyboarding/control"/>
-  </ds:schemaRefs>
-</ds:datastoreItem>
-</file>
-
-<file path=customXml/itemProps29.xml><?xml version="1.0" encoding="utf-8"?>
-<ds:datastoreItem xmlns:ds="http://schemas.openxmlformats.org/officeDocument/2006/customXml" ds:itemID="{00284BA1-76DC-4304-8924-639E629F92EA}">
-  <ds:schemaRefs>
-    <ds:schemaRef ds:uri="http://schemas.microsoft.com/VisualStudio/2011/storyboarding/control"/>
-  </ds:schemaRefs>
-</ds:datastoreItem>
-</file>
-
-<file path=customXml/itemProps3.xml><?xml version="1.0" encoding="utf-8"?>
-<ds:datastoreItem xmlns:ds="http://schemas.openxmlformats.org/officeDocument/2006/customXml" ds:itemID="{237C6A13-5570-4035-A906-49AEDEF159FC}">
-  <ds:schemaRefs>
-    <ds:schemaRef ds:uri="http://schemas.microsoft.com/VisualStudio/2011/storyboarding/control"/>
-  </ds:schemaRefs>
-</ds:datastoreItem>
-</file>
-
-<file path=customXml/itemProps30.xml><?xml version="1.0" encoding="utf-8"?>
-<ds:datastoreItem xmlns:ds="http://schemas.openxmlformats.org/officeDocument/2006/customXml" ds:itemID="{6C28E3CC-A396-469F-8032-53D7143813C3}">
-  <ds:schemaRefs>
-    <ds:schemaRef ds:uri="http://schemas.microsoft.com/VisualStudio/2011/storyboarding/control"/>
-  </ds:schemaRefs>
-</ds:datastoreItem>
-</file>
-
-<file path=customXml/itemProps31.xml><?xml version="1.0" encoding="utf-8"?>
-<ds:datastoreItem xmlns:ds="http://schemas.openxmlformats.org/officeDocument/2006/customXml" ds:itemID="{45E97D65-6343-4570-8097-EA7E7BF9672F}">
-  <ds:schemaRefs>
-    <ds:schemaRef ds:uri="http://schemas.microsoft.com/VisualStudio/2011/storyboarding/control"/>
-  </ds:schemaRefs>
-</ds:datastoreItem>
-</file>
-
-<file path=customXml/itemProps32.xml><?xml version="1.0" encoding="utf-8"?>
-<ds:datastoreItem xmlns:ds="http://schemas.openxmlformats.org/officeDocument/2006/customXml" ds:itemID="{B480FC82-3169-4C85-9FC9-6C3520CF1ADC}">
-  <ds:schemaRefs>
-    <ds:schemaRef ds:uri="http://schemas.microsoft.com/VisualStudio/2011/storyboarding/control"/>
-  </ds:schemaRefs>
-</ds:datastoreItem>
-</file>
-
-<file path=customXml/itemProps33.xml><?xml version="1.0" encoding="utf-8"?>
-<ds:datastoreItem xmlns:ds="http://schemas.openxmlformats.org/officeDocument/2006/customXml" ds:itemID="{B15524AA-E671-4093-91E6-11A39F89BE8A}">
-  <ds:schemaRefs>
-    <ds:schemaRef ds:uri="http://schemas.microsoft.com/VisualStudio/2011/storyboarding/control"/>
-  </ds:schemaRefs>
-</ds:datastoreItem>
-</file>
-
-<file path=customXml/itemProps34.xml><?xml version="1.0" encoding="utf-8"?>
+<file path=customXml/itemProps94.xml><?xml version="1.0" encoding="utf-8"?>
 <ds:datastoreItem xmlns:ds="http://schemas.openxmlformats.org/officeDocument/2006/customXml" ds:itemID="{2487B05E-F758-49B5-914B-37AD8930ED02}">
   <ds:schemaRefs>
     <ds:schemaRef ds:uri="http://schemas.microsoft.com/VisualStudio/2011/storyboarding/control"/>
@@ -17173,143 +17889,7 @@
 </ds:datastoreItem>
 </file>
 
-<file path=customXml/itemProps35.xml><?xml version="1.0" encoding="utf-8"?>
-<ds:datastoreItem xmlns:ds="http://schemas.openxmlformats.org/officeDocument/2006/customXml" ds:itemID="{D5C3212D-E796-40B4-9DF4-64C7020EEC39}">
-  <ds:schemaRefs>
-    <ds:schemaRef ds:uri="http://schemas.microsoft.com/VisualStudio/2011/storyboarding/control"/>
-  </ds:schemaRefs>
-</ds:datastoreItem>
-</file>
-
-<file path=customXml/itemProps36.xml><?xml version="1.0" encoding="utf-8"?>
-<ds:datastoreItem xmlns:ds="http://schemas.openxmlformats.org/officeDocument/2006/customXml" ds:itemID="{E6534C85-3FCF-4A96-A817-5FAEA8C983EC}">
-  <ds:schemaRefs>
-    <ds:schemaRef ds:uri="http://schemas.microsoft.com/VisualStudio/2011/storyboarding/control"/>
-  </ds:schemaRefs>
-</ds:datastoreItem>
-</file>
-
-<file path=customXml/itemProps37.xml><?xml version="1.0" encoding="utf-8"?>
-<ds:datastoreItem xmlns:ds="http://schemas.openxmlformats.org/officeDocument/2006/customXml" ds:itemID="{FD116327-F1B7-432D-85A9-86B2CC29F909}">
-  <ds:schemaRefs>
-    <ds:schemaRef ds:uri="http://schemas.microsoft.com/VisualStudio/2011/storyboarding/control"/>
-  </ds:schemaRefs>
-</ds:datastoreItem>
-</file>
-
-<file path=customXml/itemProps38.xml><?xml version="1.0" encoding="utf-8"?>
-<ds:datastoreItem xmlns:ds="http://schemas.openxmlformats.org/officeDocument/2006/customXml" ds:itemID="{665E4BBE-7760-4142-A7BE-17AB5980C22C}">
-  <ds:schemaRefs>
-    <ds:schemaRef ds:uri="http://schemas.microsoft.com/VisualStudio/2011/storyboarding/control"/>
-  </ds:schemaRefs>
-</ds:datastoreItem>
-</file>
-
-<file path=customXml/itemProps39.xml><?xml version="1.0" encoding="utf-8"?>
-<ds:datastoreItem xmlns:ds="http://schemas.openxmlformats.org/officeDocument/2006/customXml" ds:itemID="{9A549DBF-0857-4182-A576-C9C6519C6A3E}">
-  <ds:schemaRefs>
-    <ds:schemaRef ds:uri="http://schemas.microsoft.com/VisualStudio/2011/storyboarding/control"/>
-  </ds:schemaRefs>
-</ds:datastoreItem>
-</file>
-
-<file path=customXml/itemProps4.xml><?xml version="1.0" encoding="utf-8"?>
-<ds:datastoreItem xmlns:ds="http://schemas.openxmlformats.org/officeDocument/2006/customXml" ds:itemID="{32ECFB9B-BC23-44D4-BB12-77EB94DEDC48}">
-  <ds:schemaRefs>
-    <ds:schemaRef ds:uri="http://schemas.microsoft.com/VisualStudio/2011/storyboarding/control"/>
-  </ds:schemaRefs>
-</ds:datastoreItem>
-</file>
-
-<file path=customXml/itemProps40.xml><?xml version="1.0" encoding="utf-8"?>
-<ds:datastoreItem xmlns:ds="http://schemas.openxmlformats.org/officeDocument/2006/customXml" ds:itemID="{D5D1CCD8-856F-4AAF-AB27-FCEEA51943BA}">
-  <ds:schemaRefs>
-    <ds:schemaRef ds:uri="http://schemas.microsoft.com/VisualStudio/2011/storyboarding/control"/>
-  </ds:schemaRefs>
-</ds:datastoreItem>
-</file>
-
-<file path=customXml/itemProps41.xml><?xml version="1.0" encoding="utf-8"?>
-<ds:datastoreItem xmlns:ds="http://schemas.openxmlformats.org/officeDocument/2006/customXml" ds:itemID="{A0472940-DB88-4113-B969-16EA24F7EB7F}">
-  <ds:schemaRefs>
-    <ds:schemaRef ds:uri="http://schemas.microsoft.com/VisualStudio/2011/storyboarding/control"/>
-  </ds:schemaRefs>
-</ds:datastoreItem>
-</file>
-
-<file path=customXml/itemProps42.xml><?xml version="1.0" encoding="utf-8"?>
-<ds:datastoreItem xmlns:ds="http://schemas.openxmlformats.org/officeDocument/2006/customXml" ds:itemID="{F250E77D-4307-4DF6-B5B0-A84E72ED7F70}">
-  <ds:schemaRefs>
-    <ds:schemaRef ds:uri="http://schemas.microsoft.com/VisualStudio/2011/storyboarding/control"/>
-  </ds:schemaRefs>
-</ds:datastoreItem>
-</file>
-
-<file path=customXml/itemProps43.xml><?xml version="1.0" encoding="utf-8"?>
-<ds:datastoreItem xmlns:ds="http://schemas.openxmlformats.org/officeDocument/2006/customXml" ds:itemID="{02F00EB1-4575-4249-800D-2D14D24AEC5B}">
-  <ds:schemaRefs>
-    <ds:schemaRef ds:uri="http://schemas.microsoft.com/VisualStudio/2011/storyboarding/control"/>
-  </ds:schemaRefs>
-</ds:datastoreItem>
-</file>
-
-<file path=customXml/itemProps44.xml><?xml version="1.0" encoding="utf-8"?>
-<ds:datastoreItem xmlns:ds="http://schemas.openxmlformats.org/officeDocument/2006/customXml" ds:itemID="{1ACBFFF3-A1FA-4A8A-A886-2045487CFD4F}">
-  <ds:schemaRefs>
-    <ds:schemaRef ds:uri="http://schemas.microsoft.com/VisualStudio/2011/storyboarding/control"/>
-  </ds:schemaRefs>
-</ds:datastoreItem>
-</file>
-
-<file path=customXml/itemProps45.xml><?xml version="1.0" encoding="utf-8"?>
-<ds:datastoreItem xmlns:ds="http://schemas.openxmlformats.org/officeDocument/2006/customXml" ds:itemID="{FED77ACA-A391-4822-BEF5-924372A3425F}">
-  <ds:schemaRefs>
-    <ds:schemaRef ds:uri="http://schemas.microsoft.com/VisualStudio/2011/storyboarding/control"/>
-  </ds:schemaRefs>
-</ds:datastoreItem>
-</file>
-
-<file path=customXml/itemProps46.xml><?xml version="1.0" encoding="utf-8"?>
-<ds:datastoreItem xmlns:ds="http://schemas.openxmlformats.org/officeDocument/2006/customXml" ds:itemID="{BF3BA2C0-1BC0-4EE1-A0B3-3C1162A3C6D5}">
-  <ds:schemaRefs>
-    <ds:schemaRef ds:uri="http://schemas.microsoft.com/VisualStudio/2011/storyboarding/control"/>
-  </ds:schemaRefs>
-</ds:datastoreItem>
-</file>
-
-<file path=customXml/itemProps47.xml><?xml version="1.0" encoding="utf-8"?>
-<ds:datastoreItem xmlns:ds="http://schemas.openxmlformats.org/officeDocument/2006/customXml" ds:itemID="{CA460F31-B773-4067-B036-332848DF28B9}">
-  <ds:schemaRefs>
-    <ds:schemaRef ds:uri="http://schemas.microsoft.com/VisualStudio/2011/storyboarding/control"/>
-  </ds:schemaRefs>
-</ds:datastoreItem>
-</file>
-
-<file path=customXml/itemProps48.xml><?xml version="1.0" encoding="utf-8"?>
-<ds:datastoreItem xmlns:ds="http://schemas.openxmlformats.org/officeDocument/2006/customXml" ds:itemID="{58E85928-2B8F-490C-9347-5C47C3112D67}">
-  <ds:schemaRefs>
-    <ds:schemaRef ds:uri="http://schemas.microsoft.com/VisualStudio/2011/storyboarding/control"/>
-  </ds:schemaRefs>
-</ds:datastoreItem>
-</file>
-
-<file path=customXml/itemProps49.xml><?xml version="1.0" encoding="utf-8"?>
-<ds:datastoreItem xmlns:ds="http://schemas.openxmlformats.org/officeDocument/2006/customXml" ds:itemID="{0ABEA74B-FF86-455C-8A72-E51D65593505}">
-  <ds:schemaRefs>
-    <ds:schemaRef ds:uri="http://schemas.microsoft.com/VisualStudio/2011/storyboarding/control"/>
-  </ds:schemaRefs>
-</ds:datastoreItem>
-</file>
-
-<file path=customXml/itemProps5.xml><?xml version="1.0" encoding="utf-8"?>
-<ds:datastoreItem xmlns:ds="http://schemas.openxmlformats.org/officeDocument/2006/customXml" ds:itemID="{F8966AEF-05C9-4F9E-ACC0-C77A7D3EC4A2}">
-  <ds:schemaRefs>
-    <ds:schemaRef ds:uri="http://schemas.microsoft.com/VisualStudio/2011/storyboarding/control"/>
-  </ds:schemaRefs>
-</ds:datastoreItem>
-</file>
-
-<file path=customXml/itemProps50.xml><?xml version="1.0" encoding="utf-8"?>
+<file path=customXml/itemProps95.xml><?xml version="1.0" encoding="utf-8"?>
 <ds:datastoreItem xmlns:ds="http://schemas.openxmlformats.org/officeDocument/2006/customXml" ds:itemID="{B9EF3FF1-AB90-46CE-9292-50C2C5E9F7FC}">
   <ds:schemaRefs>
     <ds:schemaRef ds:uri="http://schemas.microsoft.com/VisualStudio/2011/storyboarding/control"/>
@@ -17317,39 +17897,7 @@
 </ds:datastoreItem>
 </file>
 
-<file path=customXml/itemProps51.xml><?xml version="1.0" encoding="utf-8"?>
-<ds:datastoreItem xmlns:ds="http://schemas.openxmlformats.org/officeDocument/2006/customXml" ds:itemID="{FF693739-48CE-428A-A9E2-6DC984D9B3FA}">
-  <ds:schemaRefs>
-    <ds:schemaRef ds:uri="http://schemas.microsoft.com/VisualStudio/2011/storyboarding/control"/>
-  </ds:schemaRefs>
-</ds:datastoreItem>
-</file>
-
-<file path=customXml/itemProps52.xml><?xml version="1.0" encoding="utf-8"?>
-<ds:datastoreItem xmlns:ds="http://schemas.openxmlformats.org/officeDocument/2006/customXml" ds:itemID="{54B2E962-2282-4EA5-98DB-CDA924B11B85}">
-  <ds:schemaRefs>
-    <ds:schemaRef ds:uri="http://schemas.microsoft.com/VisualStudio/2011/storyboarding/control"/>
-  </ds:schemaRefs>
-</ds:datastoreItem>
-</file>
-
-<file path=customXml/itemProps53.xml><?xml version="1.0" encoding="utf-8"?>
-<ds:datastoreItem xmlns:ds="http://schemas.openxmlformats.org/officeDocument/2006/customXml" ds:itemID="{8EDC32C9-43BE-46C7-9EB2-520A513BD87F}">
-  <ds:schemaRefs>
-    <ds:schemaRef ds:uri="http://schemas.microsoft.com/VisualStudio/2011/storyboarding/control"/>
-  </ds:schemaRefs>
-</ds:datastoreItem>
-</file>
-
-<file path=customXml/itemProps54.xml><?xml version="1.0" encoding="utf-8"?>
-<ds:datastoreItem xmlns:ds="http://schemas.openxmlformats.org/officeDocument/2006/customXml" ds:itemID="{DB943CB5-6ECD-4BD5-A62D-6B81C42065C2}">
-  <ds:schemaRefs>
-    <ds:schemaRef ds:uri="http://schemas.microsoft.com/VisualStudio/2011/storyboarding/control"/>
-  </ds:schemaRefs>
-</ds:datastoreItem>
-</file>
-
-<file path=customXml/itemProps55.xml><?xml version="1.0" encoding="utf-8"?>
+<file path=customXml/itemProps96.xml><?xml version="1.0" encoding="utf-8"?>
 <ds:datastoreItem xmlns:ds="http://schemas.openxmlformats.org/officeDocument/2006/customXml" ds:itemID="{4E2C718C-25E1-456F-90E3-4B831D06B6F8}">
   <ds:schemaRefs>
     <ds:schemaRef ds:uri="http://schemas.microsoft.com/VisualStudio/2011/storyboarding/control"/>
@@ -17357,183 +17905,7 @@
 </ds:datastoreItem>
 </file>
 
-<file path=customXml/itemProps56.xml><?xml version="1.0" encoding="utf-8"?>
-<ds:datastoreItem xmlns:ds="http://schemas.openxmlformats.org/officeDocument/2006/customXml" ds:itemID="{9F9D5C54-1675-4957-93CF-3A95802A5BCB}">
-  <ds:schemaRefs>
-    <ds:schemaRef ds:uri="http://schemas.microsoft.com/VisualStudio/2011/storyboarding/control"/>
-  </ds:schemaRefs>
-</ds:datastoreItem>
-</file>
-
-<file path=customXml/itemProps57.xml><?xml version="1.0" encoding="utf-8"?>
-<ds:datastoreItem xmlns:ds="http://schemas.openxmlformats.org/officeDocument/2006/customXml" ds:itemID="{0E6EDFFA-7DB4-478C-B4A0-D5E156E272F2}">
-  <ds:schemaRefs>
-    <ds:schemaRef ds:uri="http://schemas.microsoft.com/VisualStudio/2011/storyboarding/control"/>
-  </ds:schemaRefs>
-</ds:datastoreItem>
-</file>
-
-<file path=customXml/itemProps58.xml><?xml version="1.0" encoding="utf-8"?>
-<ds:datastoreItem xmlns:ds="http://schemas.openxmlformats.org/officeDocument/2006/customXml" ds:itemID="{CBD75DB4-3633-4E3E-B326-F275DFDB66AF}">
-  <ds:schemaRefs>
-    <ds:schemaRef ds:uri="http://schemas.microsoft.com/VisualStudio/2011/storyboarding/control"/>
-  </ds:schemaRefs>
-</ds:datastoreItem>
-</file>
-
-<file path=customXml/itemProps59.xml><?xml version="1.0" encoding="utf-8"?>
-<ds:datastoreItem xmlns:ds="http://schemas.openxmlformats.org/officeDocument/2006/customXml" ds:itemID="{98ED19BC-F2BE-474D-AE6A-03F6010F09B7}">
-  <ds:schemaRefs>
-    <ds:schemaRef ds:uri="http://schemas.microsoft.com/VisualStudio/2011/storyboarding/control"/>
-  </ds:schemaRefs>
-</ds:datastoreItem>
-</file>
-
-<file path=customXml/itemProps6.xml><?xml version="1.0" encoding="utf-8"?>
-<ds:datastoreItem xmlns:ds="http://schemas.openxmlformats.org/officeDocument/2006/customXml" ds:itemID="{B8B89DFC-14C8-4A9F-A15A-190159CF0CFE}">
-  <ds:schemaRefs>
-    <ds:schemaRef ds:uri="http://schemas.microsoft.com/VisualStudio/2011/storyboarding/control"/>
-  </ds:schemaRefs>
-</ds:datastoreItem>
-</file>
-
-<file path=customXml/itemProps60.xml><?xml version="1.0" encoding="utf-8"?>
-<ds:datastoreItem xmlns:ds="http://schemas.openxmlformats.org/officeDocument/2006/customXml" ds:itemID="{40484B2B-32CA-4908-A849-9B88CBDFDD72}">
-  <ds:schemaRefs>
-    <ds:schemaRef ds:uri="http://schemas.microsoft.com/VisualStudio/2011/storyboarding/control"/>
-  </ds:schemaRefs>
-</ds:datastoreItem>
-</file>
-
-<file path=customXml/itemProps61.xml><?xml version="1.0" encoding="utf-8"?>
-<ds:datastoreItem xmlns:ds="http://schemas.openxmlformats.org/officeDocument/2006/customXml" ds:itemID="{D828C4B5-7600-47DF-839B-3BBB7781697F}">
-  <ds:schemaRefs>
-    <ds:schemaRef ds:uri="http://schemas.microsoft.com/VisualStudio/2011/storyboarding/control"/>
-  </ds:schemaRefs>
-</ds:datastoreItem>
-</file>
-
-<file path=customXml/itemProps62.xml><?xml version="1.0" encoding="utf-8"?>
-<ds:datastoreItem xmlns:ds="http://schemas.openxmlformats.org/officeDocument/2006/customXml" ds:itemID="{1687C12C-A316-4385-BDC5-EC5A54A01DFA}">
-  <ds:schemaRefs>
-    <ds:schemaRef ds:uri="http://schemas.microsoft.com/VisualStudio/2011/storyboarding/control"/>
-  </ds:schemaRefs>
-</ds:datastoreItem>
-</file>
-
-<file path=customXml/itemProps63.xml><?xml version="1.0" encoding="utf-8"?>
-<ds:datastoreItem xmlns:ds="http://schemas.openxmlformats.org/officeDocument/2006/customXml" ds:itemID="{7E04FC52-D4ED-44E8-B67A-EE8096314BAA}">
-  <ds:schemaRefs>
-    <ds:schemaRef ds:uri="http://schemas.microsoft.com/VisualStudio/2011/storyboarding/control"/>
-  </ds:schemaRefs>
-</ds:datastoreItem>
-</file>
-
-<file path=customXml/itemProps64.xml><?xml version="1.0" encoding="utf-8"?>
-<ds:datastoreItem xmlns:ds="http://schemas.openxmlformats.org/officeDocument/2006/customXml" ds:itemID="{737DBCAA-FD86-4EB1-AB9D-7F9F9C697E90}">
-  <ds:schemaRefs>
-    <ds:schemaRef ds:uri="http://schemas.microsoft.com/VisualStudio/2011/storyboarding/control"/>
-  </ds:schemaRefs>
-</ds:datastoreItem>
-</file>
-
-<file path=customXml/itemProps65.xml><?xml version="1.0" encoding="utf-8"?>
-<ds:datastoreItem xmlns:ds="http://schemas.openxmlformats.org/officeDocument/2006/customXml" ds:itemID="{FC3C3428-BA7F-4803-BE5A-3645D87A3A6C}">
-  <ds:schemaRefs>
-    <ds:schemaRef ds:uri="http://schemas.microsoft.com/VisualStudio/2011/storyboarding/control"/>
-  </ds:schemaRefs>
-</ds:datastoreItem>
-</file>
-
-<file path=customXml/itemProps66.xml><?xml version="1.0" encoding="utf-8"?>
-<ds:datastoreItem xmlns:ds="http://schemas.openxmlformats.org/officeDocument/2006/customXml" ds:itemID="{F0CBAB2F-75D2-4967-A27F-6965E3ED1778}">
-  <ds:schemaRefs>
-    <ds:schemaRef ds:uri="http://schemas.microsoft.com/VisualStudio/2011/storyboarding/control"/>
-  </ds:schemaRefs>
-</ds:datastoreItem>
-</file>
-
-<file path=customXml/itemProps67.xml><?xml version="1.0" encoding="utf-8"?>
-<ds:datastoreItem xmlns:ds="http://schemas.openxmlformats.org/officeDocument/2006/customXml" ds:itemID="{7346DCBA-97EA-402E-B18D-E1C727EC93DD}">
-  <ds:schemaRefs>
-    <ds:schemaRef ds:uri="http://schemas.microsoft.com/VisualStudio/2011/storyboarding/control"/>
-  </ds:schemaRefs>
-</ds:datastoreItem>
-</file>
-
-<file path=customXml/itemProps68.xml><?xml version="1.0" encoding="utf-8"?>
-<ds:datastoreItem xmlns:ds="http://schemas.openxmlformats.org/officeDocument/2006/customXml" ds:itemID="{DB567D2A-71FA-480A-800B-2D3CC4803E30}">
-  <ds:schemaRefs>
-    <ds:schemaRef ds:uri="http://schemas.microsoft.com/VisualStudio/2011/storyboarding/control"/>
-  </ds:schemaRefs>
-</ds:datastoreItem>
-</file>
-
-<file path=customXml/itemProps69.xml><?xml version="1.0" encoding="utf-8"?>
-<ds:datastoreItem xmlns:ds="http://schemas.openxmlformats.org/officeDocument/2006/customXml" ds:itemID="{6ED08AE2-393B-4601-A237-BFEBEB86ED97}">
-  <ds:schemaRefs>
-    <ds:schemaRef ds:uri="http://schemas.microsoft.com/VisualStudio/2011/storyboarding/control"/>
-  </ds:schemaRefs>
-</ds:datastoreItem>
-</file>
-
-<file path=customXml/itemProps7.xml><?xml version="1.0" encoding="utf-8"?>
-<ds:datastoreItem xmlns:ds="http://schemas.openxmlformats.org/officeDocument/2006/customXml" ds:itemID="{3C2A0945-4362-41A2-990F-E920693D0CA2}">
-  <ds:schemaRefs>
-    <ds:schemaRef ds:uri="http://schemas.microsoft.com/VisualStudio/2011/storyboarding/control"/>
-  </ds:schemaRefs>
-</ds:datastoreItem>
-</file>
-
-<file path=customXml/itemProps70.xml><?xml version="1.0" encoding="utf-8"?>
-<ds:datastoreItem xmlns:ds="http://schemas.openxmlformats.org/officeDocument/2006/customXml" ds:itemID="{6C369A29-791E-40A4-B896-725D656F6219}">
-  <ds:schemaRefs>
-    <ds:schemaRef ds:uri="http://schemas.microsoft.com/VisualStudio/2011/storyboarding/control"/>
-  </ds:schemaRefs>
-</ds:datastoreItem>
-</file>
-
-<file path=customXml/itemProps71.xml><?xml version="1.0" encoding="utf-8"?>
-<ds:datastoreItem xmlns:ds="http://schemas.openxmlformats.org/officeDocument/2006/customXml" ds:itemID="{6260AC0F-4508-4430-BA12-847F69BCCF50}">
-  <ds:schemaRefs>
-    <ds:schemaRef ds:uri="http://schemas.microsoft.com/VisualStudio/2011/storyboarding/control"/>
-  </ds:schemaRefs>
-</ds:datastoreItem>
-</file>
-
-<file path=customXml/itemProps72.xml><?xml version="1.0" encoding="utf-8"?>
-<ds:datastoreItem xmlns:ds="http://schemas.openxmlformats.org/officeDocument/2006/customXml" ds:itemID="{57009A2F-813A-4612-AA9D-4FFAC39B82A8}">
-  <ds:schemaRefs>
-    <ds:schemaRef ds:uri="http://schemas.microsoft.com/VisualStudio/2011/storyboarding/control"/>
-  </ds:schemaRefs>
-</ds:datastoreItem>
-</file>
-
-<file path=customXml/itemProps73.xml><?xml version="1.0" encoding="utf-8"?>
-<ds:datastoreItem xmlns:ds="http://schemas.openxmlformats.org/officeDocument/2006/customXml" ds:itemID="{24CC90C9-DCFC-4768-840C-0D3A65CEFB1A}">
-  <ds:schemaRefs>
-    <ds:schemaRef ds:uri="http://schemas.microsoft.com/VisualStudio/2011/storyboarding/control"/>
-  </ds:schemaRefs>
-</ds:datastoreItem>
-</file>
-
-<file path=customXml/itemProps74.xml><?xml version="1.0" encoding="utf-8"?>
-<ds:datastoreItem xmlns:ds="http://schemas.openxmlformats.org/officeDocument/2006/customXml" ds:itemID="{FAB399A9-BA87-438F-8948-9666816087A6}">
-  <ds:schemaRefs>
-    <ds:schemaRef ds:uri="http://schemas.microsoft.com/VisualStudio/2011/storyboarding/control"/>
-  </ds:schemaRefs>
-</ds:datastoreItem>
-</file>
-
-<file path=customXml/itemProps75.xml><?xml version="1.0" encoding="utf-8"?>
-<ds:datastoreItem xmlns:ds="http://schemas.openxmlformats.org/officeDocument/2006/customXml" ds:itemID="{D76D1104-82AB-4388-82F3-A2CDEB01CFFA}">
-  <ds:schemaRefs>
-    <ds:schemaRef ds:uri="http://schemas.microsoft.com/VisualStudio/2011/storyboarding/control"/>
-  </ds:schemaRefs>
-</ds:datastoreItem>
-</file>
-
-<file path=customXml/itemProps76.xml><?xml version="1.0" encoding="utf-8"?>
+<file path=customXml/itemProps97.xml><?xml version="1.0" encoding="utf-8"?>
 <ds:datastoreItem xmlns:ds="http://schemas.openxmlformats.org/officeDocument/2006/customXml" ds:itemID="{F232015F-DAF1-45FF-BD7C-647A088BFD71}">
   <ds:schemaRefs>
     <ds:schemaRef ds:uri="http://schemas.microsoft.com/VisualStudio/2011/storyboarding/control"/>
@@ -17541,183 +17913,7 @@
 </ds:datastoreItem>
 </file>
 
-<file path=customXml/itemProps77.xml><?xml version="1.0" encoding="utf-8"?>
-<ds:datastoreItem xmlns:ds="http://schemas.openxmlformats.org/officeDocument/2006/customXml" ds:itemID="{F0405DDA-F797-490F-9D04-6B64C56B9E95}">
-  <ds:schemaRefs>
-    <ds:schemaRef ds:uri="http://schemas.microsoft.com/VisualStudio/2011/storyboarding/control"/>
-  </ds:schemaRefs>
-</ds:datastoreItem>
-</file>
-
-<file path=customXml/itemProps78.xml><?xml version="1.0" encoding="utf-8"?>
-<ds:datastoreItem xmlns:ds="http://schemas.openxmlformats.org/officeDocument/2006/customXml" ds:itemID="{8B4C81AF-3B4B-4CC7-9167-93AD49568C20}">
-  <ds:schemaRefs>
-    <ds:schemaRef ds:uri="http://schemas.microsoft.com/VisualStudio/2011/storyboarding/control"/>
-  </ds:schemaRefs>
-</ds:datastoreItem>
-</file>
-
-<file path=customXml/itemProps79.xml><?xml version="1.0" encoding="utf-8"?>
-<ds:datastoreItem xmlns:ds="http://schemas.openxmlformats.org/officeDocument/2006/customXml" ds:itemID="{735154BF-5FB2-4A42-9F50-5688C44EA915}">
-  <ds:schemaRefs>
-    <ds:schemaRef ds:uri="http://schemas.microsoft.com/VisualStudio/2011/storyboarding/control"/>
-  </ds:schemaRefs>
-</ds:datastoreItem>
-</file>
-
-<file path=customXml/itemProps8.xml><?xml version="1.0" encoding="utf-8"?>
-<ds:datastoreItem xmlns:ds="http://schemas.openxmlformats.org/officeDocument/2006/customXml" ds:itemID="{3BEE128F-DCA4-40C0-8AB8-CBBC4CBDEC86}">
-  <ds:schemaRefs>
-    <ds:schemaRef ds:uri="http://schemas.microsoft.com/VisualStudio/2011/storyboarding/control"/>
-  </ds:schemaRefs>
-</ds:datastoreItem>
-</file>
-
-<file path=customXml/itemProps80.xml><?xml version="1.0" encoding="utf-8"?>
-<ds:datastoreItem xmlns:ds="http://schemas.openxmlformats.org/officeDocument/2006/customXml" ds:itemID="{214A0574-B4FE-4ED0-8624-A8CD52601755}">
-  <ds:schemaRefs>
-    <ds:schemaRef ds:uri="http://schemas.microsoft.com/VisualStudio/2011/storyboarding/control"/>
-  </ds:schemaRefs>
-</ds:datastoreItem>
-</file>
-
-<file path=customXml/itemProps81.xml><?xml version="1.0" encoding="utf-8"?>
-<ds:datastoreItem xmlns:ds="http://schemas.openxmlformats.org/officeDocument/2006/customXml" ds:itemID="{FCAB2D3C-D644-40DE-B890-52EBFBEE6679}">
-  <ds:schemaRefs>
-    <ds:schemaRef ds:uri="http://schemas.microsoft.com/VisualStudio/2011/storyboarding/control"/>
-  </ds:schemaRefs>
-</ds:datastoreItem>
-</file>
-
-<file path=customXml/itemProps82.xml><?xml version="1.0" encoding="utf-8"?>
-<ds:datastoreItem xmlns:ds="http://schemas.openxmlformats.org/officeDocument/2006/customXml" ds:itemID="{96233AC8-4828-4C3E-8BAA-3E77009FB5EA}">
-  <ds:schemaRefs>
-    <ds:schemaRef ds:uri="http://schemas.microsoft.com/VisualStudio/2011/storyboarding/control"/>
-  </ds:schemaRefs>
-</ds:datastoreItem>
-</file>
-
-<file path=customXml/itemProps83.xml><?xml version="1.0" encoding="utf-8"?>
-<ds:datastoreItem xmlns:ds="http://schemas.openxmlformats.org/officeDocument/2006/customXml" ds:itemID="{FF490F7A-7175-4DBD-85E3-7747FC7592B9}">
-  <ds:schemaRefs>
-    <ds:schemaRef ds:uri="http://schemas.microsoft.com/VisualStudio/2011/storyboarding/control"/>
-  </ds:schemaRefs>
-</ds:datastoreItem>
-</file>
-
-<file path=customXml/itemProps84.xml><?xml version="1.0" encoding="utf-8"?>
-<ds:datastoreItem xmlns:ds="http://schemas.openxmlformats.org/officeDocument/2006/customXml" ds:itemID="{061016BA-8104-4015-8EC7-33408200BF3F}">
-  <ds:schemaRefs>
-    <ds:schemaRef ds:uri="http://schemas.microsoft.com/VisualStudio/2011/storyboarding/control"/>
-  </ds:schemaRefs>
-</ds:datastoreItem>
-</file>
-
-<file path=customXml/itemProps85.xml><?xml version="1.0" encoding="utf-8"?>
-<ds:datastoreItem xmlns:ds="http://schemas.openxmlformats.org/officeDocument/2006/customXml" ds:itemID="{58531759-097F-466E-9EAE-BE5F2D403745}">
-  <ds:schemaRefs>
-    <ds:schemaRef ds:uri="http://schemas.microsoft.com/VisualStudio/2011/storyboarding/control"/>
-  </ds:schemaRefs>
-</ds:datastoreItem>
-</file>
-
-<file path=customXml/itemProps86.xml><?xml version="1.0" encoding="utf-8"?>
-<ds:datastoreItem xmlns:ds="http://schemas.openxmlformats.org/officeDocument/2006/customXml" ds:itemID="{21402A0C-EF81-416F-B759-93323EDF6668}">
-  <ds:schemaRefs>
-    <ds:schemaRef ds:uri="http://schemas.microsoft.com/VisualStudio/2011/storyboarding/control"/>
-  </ds:schemaRefs>
-</ds:datastoreItem>
-</file>
-
-<file path=customXml/itemProps87.xml><?xml version="1.0" encoding="utf-8"?>
-<ds:datastoreItem xmlns:ds="http://schemas.openxmlformats.org/officeDocument/2006/customXml" ds:itemID="{6F15D997-6428-479A-B003-F79781CF55F4}">
-  <ds:schemaRefs>
-    <ds:schemaRef ds:uri="http://schemas.microsoft.com/VisualStudio/2011/storyboarding/control"/>
-  </ds:schemaRefs>
-</ds:datastoreItem>
-</file>
-
-<file path=customXml/itemProps88.xml><?xml version="1.0" encoding="utf-8"?>
-<ds:datastoreItem xmlns:ds="http://schemas.openxmlformats.org/officeDocument/2006/customXml" ds:itemID="{DBBAE149-4048-407F-90E7-559BE2D44973}">
-  <ds:schemaRefs>
-    <ds:schemaRef ds:uri="http://schemas.microsoft.com/VisualStudio/2011/storyboarding/control"/>
-  </ds:schemaRefs>
-</ds:datastoreItem>
-</file>
-
-<file path=customXml/itemProps89.xml><?xml version="1.0" encoding="utf-8"?>
-<ds:datastoreItem xmlns:ds="http://schemas.openxmlformats.org/officeDocument/2006/customXml" ds:itemID="{B4FE2F49-6183-4BEB-8E3F-2E3F7B41D332}">
-  <ds:schemaRefs>
-    <ds:schemaRef ds:uri="http://schemas.microsoft.com/VisualStudio/2011/storyboarding/control"/>
-  </ds:schemaRefs>
-</ds:datastoreItem>
-</file>
-
-<file path=customXml/itemProps9.xml><?xml version="1.0" encoding="utf-8"?>
-<ds:datastoreItem xmlns:ds="http://schemas.openxmlformats.org/officeDocument/2006/customXml" ds:itemID="{436FFD07-9F07-4E04-BCEA-334C1946BE04}">
-  <ds:schemaRefs>
-    <ds:schemaRef ds:uri="http://schemas.microsoft.com/VisualStudio/2011/storyboarding/control"/>
-  </ds:schemaRefs>
-</ds:datastoreItem>
-</file>
-
-<file path=customXml/itemProps90.xml><?xml version="1.0" encoding="utf-8"?>
-<ds:datastoreItem xmlns:ds="http://schemas.openxmlformats.org/officeDocument/2006/customXml" ds:itemID="{4B2B6207-F426-47B3-B4AC-6480BED58F4D}">
-  <ds:schemaRefs>
-    <ds:schemaRef ds:uri="http://schemas.microsoft.com/VisualStudio/2011/storyboarding/control"/>
-  </ds:schemaRefs>
-</ds:datastoreItem>
-</file>
-
-<file path=customXml/itemProps91.xml><?xml version="1.0" encoding="utf-8"?>
-<ds:datastoreItem xmlns:ds="http://schemas.openxmlformats.org/officeDocument/2006/customXml" ds:itemID="{F6790068-EEA9-4B57-8D8F-B9B0BF431A70}">
-  <ds:schemaRefs>
-    <ds:schemaRef ds:uri="http://schemas.microsoft.com/VisualStudio/2011/storyboarding/control"/>
-  </ds:schemaRefs>
-</ds:datastoreItem>
-</file>
-
-<file path=customXml/itemProps92.xml><?xml version="1.0" encoding="utf-8"?>
-<ds:datastoreItem xmlns:ds="http://schemas.openxmlformats.org/officeDocument/2006/customXml" ds:itemID="{0058B53A-1646-43DF-A09E-5B7ECDD1343F}">
-  <ds:schemaRefs>
-    <ds:schemaRef ds:uri="http://schemas.microsoft.com/VisualStudio/2011/storyboarding/control"/>
-  </ds:schemaRefs>
-</ds:datastoreItem>
-</file>
-
-<file path=customXml/itemProps93.xml><?xml version="1.0" encoding="utf-8"?>
-<ds:datastoreItem xmlns:ds="http://schemas.openxmlformats.org/officeDocument/2006/customXml" ds:itemID="{11598C92-4116-4A08-8F58-D57ED2239CCE}">
-  <ds:schemaRefs>
-    <ds:schemaRef ds:uri="http://schemas.microsoft.com/VisualStudio/2011/storyboarding/control"/>
-  </ds:schemaRefs>
-</ds:datastoreItem>
-</file>
-
-<file path=customXml/itemProps94.xml><?xml version="1.0" encoding="utf-8"?>
-<ds:datastoreItem xmlns:ds="http://schemas.openxmlformats.org/officeDocument/2006/customXml" ds:itemID="{AE950B5B-F665-44E1-BC8D-E1ED5D08048D}">
-  <ds:schemaRefs>
-    <ds:schemaRef ds:uri="http://schemas.microsoft.com/VisualStudio/2011/storyboarding/control"/>
-  </ds:schemaRefs>
-</ds:datastoreItem>
-</file>
-
-<file path=customXml/itemProps95.xml><?xml version="1.0" encoding="utf-8"?>
-<ds:datastoreItem xmlns:ds="http://schemas.openxmlformats.org/officeDocument/2006/customXml" ds:itemID="{674F586C-3D4C-4BFE-B70F-20542F1925F6}">
-  <ds:schemaRefs>
-    <ds:schemaRef ds:uri="http://schemas.microsoft.com/VisualStudio/2011/storyboarding/control"/>
-  </ds:schemaRefs>
-</ds:datastoreItem>
-</file>
-
-<file path=customXml/itemProps96.xml><?xml version="1.0" encoding="utf-8"?>
-<ds:datastoreItem xmlns:ds="http://schemas.openxmlformats.org/officeDocument/2006/customXml" ds:itemID="{98F2AC4D-1065-4E36-8E34-ADCADB80A35E}">
-  <ds:schemaRefs>
-    <ds:schemaRef ds:uri="http://schemas.microsoft.com/VisualStudio/2011/storyboarding/control"/>
-  </ds:schemaRefs>
-</ds:datastoreItem>
-</file>
-
-<file path=customXml/itemProps97.xml><?xml version="1.0" encoding="utf-8"?>
+<file path=customXml/itemProps98.xml><?xml version="1.0" encoding="utf-8"?>
 <ds:datastoreItem xmlns:ds="http://schemas.openxmlformats.org/officeDocument/2006/customXml" ds:itemID="{52C22ECF-CB94-4099-8D5D-534B8A0F76FA}">
   <ds:schemaRefs>
     <ds:schemaRef ds:uri="http://schemas.microsoft.com/VisualStudio/2011/storyboarding/control"/>
@@ -17725,16 +17921,8 @@
 </ds:datastoreItem>
 </file>
 
-<file path=customXml/itemProps98.xml><?xml version="1.0" encoding="utf-8"?>
-<ds:datastoreItem xmlns:ds="http://schemas.openxmlformats.org/officeDocument/2006/customXml" ds:itemID="{9A2A8AD0-14C2-4198-95FA-7CA78E84BB0E}">
-  <ds:schemaRefs>
-    <ds:schemaRef ds:uri="http://schemas.microsoft.com/VisualStudio/2011/storyboarding/control"/>
-  </ds:schemaRefs>
-</ds:datastoreItem>
-</file>
-
 <file path=customXml/itemProps99.xml><?xml version="1.0" encoding="utf-8"?>
-<ds:datastoreItem xmlns:ds="http://schemas.openxmlformats.org/officeDocument/2006/customXml" ds:itemID="{065B6D8A-DC5B-4E01-B4D6-F91111928221}">
+<ds:datastoreItem xmlns:ds="http://schemas.openxmlformats.org/officeDocument/2006/customXml" ds:itemID="{EABA044C-F855-4F2D-8541-8B12F3450E94}">
   <ds:schemaRefs>
     <ds:schemaRef ds:uri="http://schemas.microsoft.com/VisualStudio/2011/storyboarding/control"/>
   </ds:schemaRefs>

--- a/Document/UI_source/스토리보드(원본).pptx
+++ b/Document/UI_source/스토리보드(원본).pptx
@@ -2,24 +2,25 @@
 <file path=ppt/presentation.xml><?xml version="1.0" encoding="utf-8"?>
 <p:presentation xmlns:a="http://schemas.openxmlformats.org/drawingml/2006/main" xmlns:r="http://schemas.openxmlformats.org/officeDocument/2006/relationships" xmlns:p="http://schemas.openxmlformats.org/presentationml/2006/main" saveSubsetFonts="1">
   <p:sldMasterIdLst>
-    <p:sldMasterId id="2147483660" r:id="rId116"/>
-    <p:sldMasterId id="2147483663" r:id="rId117"/>
-    <p:sldMasterId id="2147483667" r:id="rId118"/>
+    <p:sldMasterId id="2147483660" r:id="rId124"/>
+    <p:sldMasterId id="2147483663" r:id="rId125"/>
+    <p:sldMasterId id="2147483667" r:id="rId126"/>
   </p:sldMasterIdLst>
   <p:sldIdLst>
-    <p:sldId id="269" r:id="rId119"/>
-    <p:sldId id="259" r:id="rId120"/>
-    <p:sldId id="268" r:id="rId121"/>
-    <p:sldId id="260" r:id="rId122"/>
-    <p:sldId id="267" r:id="rId123"/>
-    <p:sldId id="261" r:id="rId124"/>
-    <p:sldId id="262" r:id="rId125"/>
-    <p:sldId id="263" r:id="rId126"/>
-    <p:sldId id="264" r:id="rId127"/>
-    <p:sldId id="265" r:id="rId128"/>
-    <p:sldId id="266" r:id="rId129"/>
-    <p:sldId id="270" r:id="rId130"/>
-    <p:sldId id="271" r:id="rId131"/>
+    <p:sldId id="269" r:id="rId127"/>
+    <p:sldId id="259" r:id="rId128"/>
+    <p:sldId id="268" r:id="rId129"/>
+    <p:sldId id="260" r:id="rId130"/>
+    <p:sldId id="267" r:id="rId131"/>
+    <p:sldId id="261" r:id="rId132"/>
+    <p:sldId id="262" r:id="rId133"/>
+    <p:sldId id="263" r:id="rId134"/>
+    <p:sldId id="272" r:id="rId135"/>
+    <p:sldId id="264" r:id="rId136"/>
+    <p:sldId id="265" r:id="rId137"/>
+    <p:sldId id="266" r:id="rId138"/>
+    <p:sldId id="270" r:id="rId139"/>
+    <p:sldId id="271" r:id="rId140"/>
   </p:sldIdLst>
   <p:sldSz cx="12192000" cy="6858000"/>
   <p:notesSz cx="6858000" cy="9144000"/>
@@ -120,7 +121,18 @@
   </p:defaultTextStyle>
   <p:extLst>
     <p:ext uri="{EFAFB233-063F-42B5-8137-9DF3F51BA10A}">
-      <p15:sldGuideLst xmlns="" xmlns:p15="http://schemas.microsoft.com/office/powerpoint/2012/main"/>
+      <p15:sldGuideLst xmlns:p15="http://schemas.microsoft.com/office/powerpoint/2012/main">
+        <p15:guide id="1" orient="horz" pos="2160">
+          <p15:clr>
+            <a:srgbClr val="A4A3A4"/>
+          </p15:clr>
+        </p15:guide>
+        <p15:guide id="2" pos="3840">
+          <p15:clr>
+            <a:srgbClr val="A4A3A4"/>
+          </p15:clr>
+        </p15:guide>
+      </p15:sldGuideLst>
     </p:ext>
   </p:extLst>
 </p:presentation>
@@ -325,7 +337,7 @@
     </p:spTree>
     <p:extLst>
       <p:ext uri="{BB962C8B-B14F-4D97-AF65-F5344CB8AC3E}">
-        <p14:creationId xmlns="" xmlns:p14="http://schemas.microsoft.com/office/powerpoint/2010/main" val="2721893439"/>
+        <p14:creationId xmlns:p14="http://schemas.microsoft.com/office/powerpoint/2010/main" val="2721893439"/>
       </p:ext>
     </p:extLst>
   </p:cSld>
@@ -612,7 +624,7 @@
     </p:spTree>
     <p:extLst>
       <p:ext uri="{BB962C8B-B14F-4D97-AF65-F5344CB8AC3E}">
-        <p14:creationId xmlns="" xmlns:p14="http://schemas.microsoft.com/office/powerpoint/2010/main" val="2584447917"/>
+        <p14:creationId xmlns:p14="http://schemas.microsoft.com/office/powerpoint/2010/main" val="2584447917"/>
       </p:ext>
     </p:extLst>
   </p:cSld>
@@ -680,7 +692,7 @@
     </p:spTree>
     <p:extLst>
       <p:ext uri="{BB962C8B-B14F-4D97-AF65-F5344CB8AC3E}">
-        <p14:creationId xmlns="" xmlns:p14="http://schemas.microsoft.com/office/powerpoint/2010/main" val="2542078823"/>
+        <p14:creationId xmlns:p14="http://schemas.microsoft.com/office/powerpoint/2010/main" val="2542078823"/>
       </p:ext>
     </p:extLst>
   </p:cSld>
@@ -944,7 +956,7 @@
     </p:spTree>
     <p:extLst>
       <p:ext uri="{BB962C8B-B14F-4D97-AF65-F5344CB8AC3E}">
-        <p14:creationId xmlns="" xmlns:p14="http://schemas.microsoft.com/office/powerpoint/2010/main" val="393528301"/>
+        <p14:creationId xmlns:p14="http://schemas.microsoft.com/office/powerpoint/2010/main" val="393528301"/>
       </p:ext>
     </p:extLst>
   </p:cSld>
@@ -1141,7 +1153,7 @@
     </p:spTree>
     <p:extLst>
       <p:ext uri="{BB962C8B-B14F-4D97-AF65-F5344CB8AC3E}">
-        <p14:creationId xmlns="" xmlns:p14="http://schemas.microsoft.com/office/powerpoint/2010/main" val="3464343823"/>
+        <p14:creationId xmlns:p14="http://schemas.microsoft.com/office/powerpoint/2010/main" val="3464343823"/>
       </p:ext>
     </p:extLst>
   </p:cSld>
@@ -1380,7 +1392,7 @@
     </p:spTree>
     <p:extLst>
       <p:ext uri="{BB962C8B-B14F-4D97-AF65-F5344CB8AC3E}">
-        <p14:creationId xmlns="" xmlns:p14="http://schemas.microsoft.com/office/powerpoint/2010/main" val="1599353245"/>
+        <p14:creationId xmlns:p14="http://schemas.microsoft.com/office/powerpoint/2010/main" val="1599353245"/>
       </p:ext>
     </p:extLst>
   </p:cSld>
@@ -1667,7 +1679,7 @@
     </p:spTree>
     <p:extLst>
       <p:ext uri="{BB962C8B-B14F-4D97-AF65-F5344CB8AC3E}">
-        <p14:creationId xmlns="" xmlns:p14="http://schemas.microsoft.com/office/powerpoint/2010/main" val="756079115"/>
+        <p14:creationId xmlns:p14="http://schemas.microsoft.com/office/powerpoint/2010/main" val="756079115"/>
       </p:ext>
     </p:extLst>
   </p:cSld>
@@ -1809,7 +1821,7 @@
           <p:nvPr>
             <p:extLst>
               <p:ext uri="{D42A27DB-BD31-4B8C-83A1-F6EECF244321}">
-                <p14:modId xmlns="" xmlns:p14="http://schemas.microsoft.com/office/powerpoint/2010/main" val="1108353174"/>
+                <p14:modId xmlns:p14="http://schemas.microsoft.com/office/powerpoint/2010/main" val="1108353174"/>
               </p:ext>
             </p:extLst>
           </p:nvPr>
@@ -1828,28 +1840,28 @@
                 <a:gridCol w="2713713">
                   <a:extLst>
                     <a:ext uri="{9D8B030D-6E8A-4147-A177-3AD203B41FA5}">
-                      <a16:colId xmlns="" xmlns:a16="http://schemas.microsoft.com/office/drawing/2014/main" val="20000"/>
+                      <a16:colId xmlns:a16="http://schemas.microsoft.com/office/drawing/2014/main" val="20000"/>
                     </a:ext>
                   </a:extLst>
                 </a:gridCol>
                 <a:gridCol w="2713713">
                   <a:extLst>
                     <a:ext uri="{9D8B030D-6E8A-4147-A177-3AD203B41FA5}">
-                      <a16:colId xmlns="" xmlns:a16="http://schemas.microsoft.com/office/drawing/2014/main" val="20001"/>
+                      <a16:colId xmlns:a16="http://schemas.microsoft.com/office/drawing/2014/main" val="20001"/>
                     </a:ext>
                   </a:extLst>
                 </a:gridCol>
                 <a:gridCol w="2713713">
                   <a:extLst>
                     <a:ext uri="{9D8B030D-6E8A-4147-A177-3AD203B41FA5}">
-                      <a16:colId xmlns="" xmlns:a16="http://schemas.microsoft.com/office/drawing/2014/main" val="20002"/>
+                      <a16:colId xmlns:a16="http://schemas.microsoft.com/office/drawing/2014/main" val="20002"/>
                     </a:ext>
                   </a:extLst>
                 </a:gridCol>
                 <a:gridCol w="2713713">
                   <a:extLst>
                     <a:ext uri="{9D8B030D-6E8A-4147-A177-3AD203B41FA5}">
-                      <a16:colId xmlns="" xmlns:a16="http://schemas.microsoft.com/office/drawing/2014/main" val="20003"/>
+                      <a16:colId xmlns:a16="http://schemas.microsoft.com/office/drawing/2014/main" val="20003"/>
                     </a:ext>
                   </a:extLst>
                 </a:gridCol>
@@ -2203,7 +2215,7 @@
                 </a:tc>
                 <a:extLst>
                   <a:ext uri="{0D108BD9-81ED-4DB2-BD59-A6C34878D82A}">
-                    <a16:rowId xmlns="" xmlns:a16="http://schemas.microsoft.com/office/drawing/2014/main" val="10000"/>
+                    <a16:rowId xmlns:a16="http://schemas.microsoft.com/office/drawing/2014/main" val="10000"/>
                   </a:ext>
                 </a:extLst>
               </a:tr>
@@ -2520,7 +2532,7 @@
                 </a:tc>
                 <a:extLst>
                   <a:ext uri="{0D108BD9-81ED-4DB2-BD59-A6C34878D82A}">
-                    <a16:rowId xmlns="" xmlns:a16="http://schemas.microsoft.com/office/drawing/2014/main" val="10001"/>
+                    <a16:rowId xmlns:a16="http://schemas.microsoft.com/office/drawing/2014/main" val="10001"/>
                   </a:ext>
                 </a:extLst>
               </a:tr>
@@ -2531,7 +2543,7 @@
     </p:spTree>
     <p:extLst>
       <p:ext uri="{BB962C8B-B14F-4D97-AF65-F5344CB8AC3E}">
-        <p14:creationId xmlns="" xmlns:p14="http://schemas.microsoft.com/office/powerpoint/2010/main" val="2141507849"/>
+        <p14:creationId xmlns:p14="http://schemas.microsoft.com/office/powerpoint/2010/main" val="2141507849"/>
       </p:ext>
     </p:extLst>
   </p:cSld>
@@ -2855,7 +2867,7 @@
     </p:spTree>
     <p:extLst>
       <p:ext uri="{BB962C8B-B14F-4D97-AF65-F5344CB8AC3E}">
-        <p14:creationId xmlns="" xmlns:p14="http://schemas.microsoft.com/office/powerpoint/2010/main" val="679396485"/>
+        <p14:creationId xmlns:p14="http://schemas.microsoft.com/office/powerpoint/2010/main" val="679396485"/>
       </p:ext>
     </p:extLst>
   </p:cSld>
@@ -3377,7 +3389,7 @@
     </p:spTree>
     <p:extLst>
       <p:ext uri="{BB962C8B-B14F-4D97-AF65-F5344CB8AC3E}">
-        <p14:creationId xmlns="" xmlns:p14="http://schemas.microsoft.com/office/powerpoint/2010/main" val="3769480503"/>
+        <p14:creationId xmlns:p14="http://schemas.microsoft.com/office/powerpoint/2010/main" val="3769480503"/>
       </p:ext>
     </p:extLst>
   </p:cSld>
@@ -3830,7 +3842,7 @@
           <a:blip r:embed="rId2" cstate="print">
             <a:extLst>
               <a:ext uri="{28A0092B-C50C-407E-A947-70E740481C1C}">
-                <a14:useLocalDpi xmlns="" xmlns:a14="http://schemas.microsoft.com/office/drawing/2010/main" val="0"/>
+                <a14:useLocalDpi xmlns:a14="http://schemas.microsoft.com/office/drawing/2010/main" val="0"/>
               </a:ext>
             </a:extLst>
           </a:blip>
@@ -3868,7 +3880,7 @@
           <a:blip r:embed="rId3" cstate="print">
             <a:extLst>
               <a:ext uri="{28A0092B-C50C-407E-A947-70E740481C1C}">
-                <a14:useLocalDpi xmlns="" xmlns:a14="http://schemas.microsoft.com/office/drawing/2010/main" val="0"/>
+                <a14:useLocalDpi xmlns:a14="http://schemas.microsoft.com/office/drawing/2010/main" val="0"/>
               </a:ext>
             </a:extLst>
           </a:blip>
@@ -3980,7 +3992,7 @@
     </p:spTree>
     <p:extLst>
       <p:ext uri="{BB962C8B-B14F-4D97-AF65-F5344CB8AC3E}">
-        <p14:creationId xmlns="" xmlns:p14="http://schemas.microsoft.com/office/powerpoint/2010/main" val="4097290702"/>
+        <p14:creationId xmlns:p14="http://schemas.microsoft.com/office/powerpoint/2010/main" val="4097290702"/>
       </p:ext>
     </p:extLst>
   </p:cSld>
@@ -3998,6 +4010,1166 @@
 </file>
 
 <file path=ppt/slides/slide10.xml><?xml version="1.0" encoding="utf-8"?>
+<p:sld xmlns:a="http://schemas.openxmlformats.org/drawingml/2006/main" xmlns:r="http://schemas.openxmlformats.org/officeDocument/2006/relationships" xmlns:p="http://schemas.openxmlformats.org/presentationml/2006/main">
+  <p:cSld>
+    <p:spTree>
+      <p:nvGrpSpPr>
+        <p:cNvPr id="1" name=""/>
+        <p:cNvGrpSpPr/>
+        <p:nvPr/>
+      </p:nvGrpSpPr>
+      <p:grpSpPr>
+        <a:xfrm>
+          <a:off x="0" y="0"/>
+          <a:ext cx="0" cy="0"/>
+          <a:chOff x="0" y="0"/>
+          <a:chExt cx="0" cy="0"/>
+        </a:xfrm>
+      </p:grpSpPr>
+      <p:pic>
+        <p:nvPicPr>
+          <p:cNvPr id="2" name="그림 1"/>
+          <p:cNvPicPr>
+            <a:picLocks noChangeAspect="1"/>
+          </p:cNvPicPr>
+          <p:nvPr/>
+        </p:nvPicPr>
+        <p:blipFill>
+          <a:blip r:embed="rId12">
+            <a:extLst>
+              <a:ext uri="{28A0092B-C50C-407E-A947-70E740481C1C}">
+                <a14:useLocalDpi xmlns:a14="http://schemas.microsoft.com/office/drawing/2010/main" val="0"/>
+              </a:ext>
+            </a:extLst>
+          </a:blip>
+          <a:stretch>
+            <a:fillRect/>
+          </a:stretch>
+        </p:blipFill>
+        <p:spPr>
+          <a:xfrm>
+            <a:off x="463184" y="440897"/>
+            <a:ext cx="8826590" cy="6415697"/>
+          </a:xfrm>
+          <a:prstGeom prst="rect">
+            <a:avLst/>
+          </a:prstGeom>
+        </p:spPr>
+      </p:pic>
+      <p:sp>
+        <p:nvSpPr>
+          <p:cNvPr id="4" name="텍스트 개체 틀 3"/>
+          <p:cNvSpPr>
+            <a:spLocks noGrp="1"/>
+          </p:cNvSpPr>
+          <p:nvPr>
+            <p:ph type="body" sz="quarter" idx="10"/>
+          </p:nvPr>
+        </p:nvSpPr>
+        <p:spPr/>
+        <p:txBody>
+          <a:bodyPr/>
+          <a:lstStyle/>
+          <a:p>
+            <a:r>
+              <a:rPr lang="en-US" altLang="ko-KR" dirty="0" smtClean="0"/>
+              <a:t>1.3.4</a:t>
+            </a:r>
+            <a:endParaRPr lang="ko-KR" altLang="en-US" dirty="0"/>
+          </a:p>
+        </p:txBody>
+      </p:sp>
+      <p:sp>
+        <p:nvSpPr>
+          <p:cNvPr id="6" name="텍스트 개체 틀 5"/>
+          <p:cNvSpPr>
+            <a:spLocks noGrp="1"/>
+          </p:cNvSpPr>
+          <p:nvPr>
+            <p:ph type="body" sz="quarter" idx="11"/>
+          </p:nvPr>
+        </p:nvSpPr>
+        <p:spPr/>
+        <p:txBody>
+          <a:bodyPr/>
+          <a:lstStyle/>
+          <a:p>
+            <a:r>
+              <a:rPr lang="ko-KR" altLang="en-US" dirty="0" smtClean="0"/>
+              <a:t>구현 화면 </a:t>
+            </a:r>
+            <a:r>
+              <a:rPr lang="en-US" altLang="ko-KR" dirty="0" smtClean="0"/>
+              <a:t>(</a:t>
+            </a:r>
+            <a:r>
+              <a:rPr lang="ko-KR" altLang="en-US" dirty="0" err="1" smtClean="0"/>
+              <a:t>관리탭</a:t>
+            </a:r>
+            <a:r>
+              <a:rPr lang="ko-KR" altLang="en-US" dirty="0" smtClean="0"/>
+              <a:t> </a:t>
+            </a:r>
+            <a:r>
+              <a:rPr lang="en-US" altLang="ko-KR" dirty="0" smtClean="0"/>
+              <a:t>- </a:t>
+            </a:r>
+            <a:r>
+              <a:rPr lang="ko-KR" altLang="en-US" dirty="0" err="1" smtClean="0"/>
+              <a:t>매출관리</a:t>
+            </a:r>
+            <a:r>
+              <a:rPr lang="en-US" altLang="ko-KR" dirty="0" smtClean="0"/>
+              <a:t>)</a:t>
+            </a:r>
+            <a:endParaRPr lang="ko-KR" altLang="en-US" dirty="0"/>
+          </a:p>
+        </p:txBody>
+      </p:sp>
+      <p:sp>
+        <p:nvSpPr>
+          <p:cNvPr id="28" name="텍스트 개체 틀 27"/>
+          <p:cNvSpPr>
+            <a:spLocks noGrp="1"/>
+          </p:cNvSpPr>
+          <p:nvPr>
+            <p:ph type="body" sz="quarter" idx="12"/>
+          </p:nvPr>
+        </p:nvSpPr>
+        <p:spPr/>
+        <p:txBody>
+          <a:bodyPr/>
+          <a:lstStyle/>
+          <a:p>
+            <a:pPr marL="0" indent="0">
+              <a:lnSpc>
+                <a:spcPct val="100000"/>
+              </a:lnSpc>
+              <a:spcBef>
+                <a:spcPts val="0"/>
+              </a:spcBef>
+              <a:buNone/>
+            </a:pPr>
+            <a:r>
+              <a:rPr lang="ko-KR" altLang="en-US" sz="1000" dirty="0" smtClean="0"/>
+              <a:t>① 월 판매량</a:t>
+            </a:r>
+            <a:endParaRPr lang="en-US" altLang="ko-KR" sz="1000" dirty="0" smtClean="0"/>
+          </a:p>
+          <a:p>
+            <a:pPr marL="0" indent="0">
+              <a:lnSpc>
+                <a:spcPct val="100000"/>
+              </a:lnSpc>
+              <a:spcBef>
+                <a:spcPts val="0"/>
+              </a:spcBef>
+              <a:buNone/>
+            </a:pPr>
+            <a:r>
+              <a:rPr lang="en-US" altLang="ko-KR" sz="1000" dirty="0"/>
+              <a:t> </a:t>
+            </a:r>
+            <a:r>
+              <a:rPr lang="en-US" altLang="ko-KR" sz="1000" dirty="0" smtClean="0"/>
+              <a:t>   - </a:t>
+            </a:r>
+            <a:r>
+              <a:rPr lang="ko-KR" altLang="en-US" sz="1000" dirty="0" smtClean="0"/>
+              <a:t>주문량을 토대로 </a:t>
+            </a:r>
+            <a:r>
+              <a:rPr lang="ko-KR" altLang="en-US" sz="1000" dirty="0" err="1" smtClean="0"/>
+              <a:t>주차별</a:t>
+            </a:r>
+            <a:r>
+              <a:rPr lang="ko-KR" altLang="en-US" sz="1000" dirty="0" smtClean="0"/>
+              <a:t> 그래프를 </a:t>
+            </a:r>
+            <a:endParaRPr lang="en-US" altLang="ko-KR" sz="1000" dirty="0" smtClean="0"/>
+          </a:p>
+          <a:p>
+            <a:pPr marL="0" indent="0">
+              <a:lnSpc>
+                <a:spcPct val="100000"/>
+              </a:lnSpc>
+              <a:spcBef>
+                <a:spcPts val="0"/>
+              </a:spcBef>
+              <a:buNone/>
+            </a:pPr>
+            <a:r>
+              <a:rPr lang="en-US" altLang="ko-KR" sz="1000" dirty="0"/>
+              <a:t> </a:t>
+            </a:r>
+            <a:r>
+              <a:rPr lang="en-US" altLang="ko-KR" sz="1000" dirty="0" smtClean="0"/>
+              <a:t>     </a:t>
+            </a:r>
+            <a:r>
+              <a:rPr lang="ko-KR" altLang="en-US" sz="1000" dirty="0" smtClean="0"/>
+              <a:t>보여준다</a:t>
+            </a:r>
+            <a:r>
+              <a:rPr lang="en-US" altLang="ko-KR" sz="1000" dirty="0" smtClean="0"/>
+              <a:t>.</a:t>
+            </a:r>
+          </a:p>
+          <a:p>
+            <a:pPr marL="0" indent="0">
+              <a:lnSpc>
+                <a:spcPct val="100000"/>
+              </a:lnSpc>
+              <a:spcBef>
+                <a:spcPts val="0"/>
+              </a:spcBef>
+              <a:buNone/>
+            </a:pPr>
+            <a:r>
+              <a:rPr lang="ko-KR" altLang="en-US" sz="1000" dirty="0" smtClean="0"/>
+              <a:t>② 월 매출 분포</a:t>
+            </a:r>
+            <a:endParaRPr lang="en-US" altLang="ko-KR" sz="1000" dirty="0" smtClean="0"/>
+          </a:p>
+          <a:p>
+            <a:pPr marL="0" indent="0">
+              <a:lnSpc>
+                <a:spcPct val="100000"/>
+              </a:lnSpc>
+              <a:spcBef>
+                <a:spcPts val="0"/>
+              </a:spcBef>
+              <a:buNone/>
+            </a:pPr>
+            <a:r>
+              <a:rPr lang="en-US" altLang="ko-KR" sz="1000" dirty="0"/>
+              <a:t> </a:t>
+            </a:r>
+            <a:r>
+              <a:rPr lang="en-US" altLang="ko-KR" sz="1000" dirty="0" smtClean="0"/>
+              <a:t>   - </a:t>
+            </a:r>
+            <a:r>
+              <a:rPr lang="ko-KR" altLang="en-US" sz="1000" dirty="0" smtClean="0"/>
+              <a:t>금액별로 주문량을 보여준다</a:t>
+            </a:r>
+            <a:r>
+              <a:rPr lang="en-US" altLang="ko-KR" sz="1000" dirty="0" smtClean="0"/>
+              <a:t>.</a:t>
+            </a:r>
+          </a:p>
+          <a:p>
+            <a:pPr marL="0" indent="0">
+              <a:lnSpc>
+                <a:spcPct val="100000"/>
+              </a:lnSpc>
+              <a:spcBef>
+                <a:spcPts val="0"/>
+              </a:spcBef>
+              <a:buNone/>
+            </a:pPr>
+            <a:r>
+              <a:rPr lang="ko-KR" altLang="en-US" sz="1000" dirty="0" smtClean="0"/>
+              <a:t>③ 월 매출액</a:t>
+            </a:r>
+            <a:endParaRPr lang="en-US" altLang="ko-KR" sz="1000" dirty="0" smtClean="0"/>
+          </a:p>
+          <a:p>
+            <a:pPr marL="0" indent="0">
+              <a:lnSpc>
+                <a:spcPct val="100000"/>
+              </a:lnSpc>
+              <a:spcBef>
+                <a:spcPts val="0"/>
+              </a:spcBef>
+              <a:buNone/>
+            </a:pPr>
+            <a:r>
+              <a:rPr lang="en-US" altLang="ko-KR" sz="1000" dirty="0" smtClean="0"/>
+              <a:t>     - </a:t>
+            </a:r>
+            <a:r>
+              <a:rPr lang="ko-KR" altLang="en-US" sz="1000" dirty="0" err="1" smtClean="0"/>
+              <a:t>주문금액을</a:t>
+            </a:r>
+            <a:r>
+              <a:rPr lang="ko-KR" altLang="en-US" sz="1000" dirty="0" smtClean="0"/>
+              <a:t> 토대로 그래프를 </a:t>
+            </a:r>
+            <a:endParaRPr lang="en-US" altLang="ko-KR" sz="1000" dirty="0" smtClean="0"/>
+          </a:p>
+          <a:p>
+            <a:pPr marL="0" indent="0">
+              <a:lnSpc>
+                <a:spcPct val="100000"/>
+              </a:lnSpc>
+              <a:spcBef>
+                <a:spcPts val="0"/>
+              </a:spcBef>
+              <a:buNone/>
+            </a:pPr>
+            <a:r>
+              <a:rPr lang="en-US" altLang="ko-KR" sz="1000" dirty="0"/>
+              <a:t> </a:t>
+            </a:r>
+            <a:r>
+              <a:rPr lang="en-US" altLang="ko-KR" sz="1000" dirty="0" smtClean="0"/>
+              <a:t>       </a:t>
+            </a:r>
+            <a:r>
+              <a:rPr lang="ko-KR" altLang="en-US" sz="1000" dirty="0" smtClean="0"/>
+              <a:t>보여준다</a:t>
+            </a:r>
+            <a:r>
+              <a:rPr lang="en-US" altLang="ko-KR" sz="1000" dirty="0" smtClean="0"/>
+              <a:t>.</a:t>
+            </a:r>
+            <a:endParaRPr lang="en-US" altLang="ko-KR" sz="1000" dirty="0"/>
+          </a:p>
+          <a:p>
+            <a:pPr marL="0" indent="0">
+              <a:lnSpc>
+                <a:spcPct val="100000"/>
+              </a:lnSpc>
+              <a:spcBef>
+                <a:spcPts val="0"/>
+              </a:spcBef>
+              <a:buNone/>
+            </a:pPr>
+            <a:r>
+              <a:rPr lang="ko-KR" altLang="en-US" sz="1000" dirty="0" smtClean="0"/>
+              <a:t>④ </a:t>
+            </a:r>
+            <a:r>
+              <a:rPr lang="ko-KR" altLang="en-US" sz="1000" dirty="0" err="1" smtClean="0"/>
+              <a:t>부품별</a:t>
+            </a:r>
+            <a:r>
+              <a:rPr lang="ko-KR" altLang="en-US" sz="1000" dirty="0" smtClean="0"/>
+              <a:t> 매출 순위</a:t>
+            </a:r>
+            <a:endParaRPr lang="en-US" altLang="ko-KR" sz="1000" dirty="0" smtClean="0"/>
+          </a:p>
+          <a:p>
+            <a:pPr marL="0" indent="0">
+              <a:lnSpc>
+                <a:spcPct val="100000"/>
+              </a:lnSpc>
+              <a:spcBef>
+                <a:spcPts val="0"/>
+              </a:spcBef>
+              <a:buNone/>
+            </a:pPr>
+            <a:r>
+              <a:rPr lang="en-US" altLang="ko-KR" sz="1000" dirty="0" smtClean="0"/>
+              <a:t>     - </a:t>
+            </a:r>
+            <a:r>
+              <a:rPr lang="ko-KR" altLang="en-US" sz="1000" dirty="0" smtClean="0"/>
+              <a:t>제품별로 가장 많은 주문량을 </a:t>
+            </a:r>
+            <a:endParaRPr lang="en-US" altLang="ko-KR" sz="1000" dirty="0" smtClean="0"/>
+          </a:p>
+          <a:p>
+            <a:pPr marL="0" indent="0">
+              <a:lnSpc>
+                <a:spcPct val="100000"/>
+              </a:lnSpc>
+              <a:spcBef>
+                <a:spcPts val="0"/>
+              </a:spcBef>
+              <a:buNone/>
+            </a:pPr>
+            <a:r>
+              <a:rPr lang="en-US" altLang="ko-KR" sz="1000" dirty="0"/>
+              <a:t> </a:t>
+            </a:r>
+            <a:r>
+              <a:rPr lang="en-US" altLang="ko-KR" sz="1000" dirty="0" smtClean="0"/>
+              <a:t>        </a:t>
+            </a:r>
+            <a:r>
+              <a:rPr lang="ko-KR" altLang="en-US" sz="1000" dirty="0" smtClean="0"/>
+              <a:t>추려서 보여준다</a:t>
+            </a:r>
+            <a:r>
+              <a:rPr lang="en-US" altLang="ko-KR" sz="1000" dirty="0" smtClean="0"/>
+              <a:t>.</a:t>
+            </a:r>
+          </a:p>
+          <a:p>
+            <a:pPr marL="0" indent="0">
+              <a:lnSpc>
+                <a:spcPct val="100000"/>
+              </a:lnSpc>
+              <a:spcBef>
+                <a:spcPts val="0"/>
+              </a:spcBef>
+              <a:buNone/>
+            </a:pPr>
+            <a:r>
+              <a:rPr lang="ko-KR" altLang="en-US" sz="1000" dirty="0" smtClean="0"/>
+              <a:t>⑤ 연 매출액</a:t>
+            </a:r>
+            <a:endParaRPr lang="en-US" altLang="ko-KR" sz="1000" dirty="0" smtClean="0"/>
+          </a:p>
+          <a:p>
+            <a:pPr marL="0" indent="0">
+              <a:lnSpc>
+                <a:spcPct val="100000"/>
+              </a:lnSpc>
+              <a:spcBef>
+                <a:spcPts val="0"/>
+              </a:spcBef>
+              <a:buNone/>
+            </a:pPr>
+            <a:r>
+              <a:rPr lang="en-US" altLang="ko-KR" sz="1000" dirty="0"/>
+              <a:t> </a:t>
+            </a:r>
+            <a:r>
+              <a:rPr lang="en-US" altLang="ko-KR" sz="1000" dirty="0" smtClean="0"/>
+              <a:t>    -</a:t>
+            </a:r>
+            <a:r>
+              <a:rPr lang="ko-KR" altLang="en-US" sz="1000" dirty="0" smtClean="0"/>
+              <a:t>기본 설정은 </a:t>
+            </a:r>
+            <a:r>
+              <a:rPr lang="en-US" altLang="ko-KR" sz="1000" dirty="0" smtClean="0"/>
+              <a:t>”</a:t>
+            </a:r>
+            <a:r>
+              <a:rPr lang="ko-KR" altLang="en-US" sz="1000" dirty="0" smtClean="0"/>
+              <a:t>회원 아이디</a:t>
+            </a:r>
+            <a:r>
+              <a:rPr lang="en-US" altLang="ko-KR" sz="1000" dirty="0" smtClean="0"/>
+              <a:t>’s Page”</a:t>
+            </a:r>
+            <a:r>
+              <a:rPr lang="ko-KR" altLang="en-US" sz="1000" dirty="0" smtClean="0"/>
+              <a:t>로 </a:t>
+            </a:r>
+            <a:endParaRPr lang="en-US" altLang="ko-KR" sz="1000" dirty="0" smtClean="0"/>
+          </a:p>
+          <a:p>
+            <a:pPr marL="0" indent="0">
+              <a:lnSpc>
+                <a:spcPct val="100000"/>
+              </a:lnSpc>
+              <a:spcBef>
+                <a:spcPts val="0"/>
+              </a:spcBef>
+              <a:buNone/>
+            </a:pPr>
+            <a:r>
+              <a:rPr lang="en-US" altLang="ko-KR" sz="1000" dirty="0"/>
+              <a:t> </a:t>
+            </a:r>
+            <a:r>
+              <a:rPr lang="en-US" altLang="ko-KR" sz="1000" dirty="0" smtClean="0"/>
+              <a:t>     </a:t>
+            </a:r>
+            <a:r>
+              <a:rPr lang="ko-KR" altLang="en-US" sz="1000" dirty="0" smtClean="0"/>
+              <a:t>구성한다</a:t>
+            </a:r>
+            <a:r>
+              <a:rPr lang="en-US" altLang="ko-KR" sz="1000" dirty="0" smtClean="0"/>
+              <a:t>. </a:t>
+            </a:r>
+          </a:p>
+          <a:p>
+            <a:pPr marL="0" indent="0">
+              <a:lnSpc>
+                <a:spcPct val="100000"/>
+              </a:lnSpc>
+              <a:spcBef>
+                <a:spcPts val="0"/>
+              </a:spcBef>
+              <a:buNone/>
+            </a:pPr>
+            <a:r>
+              <a:rPr lang="en-US" altLang="ko-KR" sz="1000" dirty="0" smtClean="0"/>
+              <a:t>      ( </a:t>
+            </a:r>
+            <a:r>
+              <a:rPr lang="ko-KR" altLang="en-US" sz="1000" dirty="0" err="1" smtClean="0"/>
+              <a:t>비로그인</a:t>
+            </a:r>
+            <a:r>
+              <a:rPr lang="ko-KR" altLang="en-US" sz="1000" dirty="0" smtClean="0"/>
+              <a:t> 시</a:t>
+            </a:r>
+            <a:r>
+              <a:rPr lang="en-US" altLang="ko-KR" sz="1000" dirty="0" smtClean="0"/>
+              <a:t>, “</a:t>
+            </a:r>
+            <a:r>
+              <a:rPr lang="en-US" altLang="ko-KR" sz="1000" dirty="0" err="1" smtClean="0"/>
+              <a:t>PS.Page</a:t>
+            </a:r>
+            <a:r>
+              <a:rPr lang="en-US" altLang="ko-KR" sz="1000" dirty="0" smtClean="0"/>
+              <a:t>”</a:t>
+            </a:r>
+            <a:r>
+              <a:rPr lang="ko-KR" altLang="en-US" sz="1000" dirty="0" smtClean="0"/>
+              <a:t>로 표시</a:t>
+            </a:r>
+            <a:r>
+              <a:rPr lang="en-US" altLang="ko-KR" sz="1000" dirty="0" smtClean="0"/>
+              <a:t>)</a:t>
+            </a:r>
+          </a:p>
+        </p:txBody>
+      </p:sp>
+      <p:grpSp>
+        <p:nvGrpSpPr>
+          <p:cNvPr id="149" name="Callout"/>
+          <p:cNvGrpSpPr/>
+          <p:nvPr>
+            <p:custDataLst>
+              <p:custData r:id="rId1"/>
+            </p:custDataLst>
+          </p:nvPr>
+        </p:nvGrpSpPr>
+        <p:grpSpPr>
+          <a:xfrm>
+            <a:off x="1321928" y="1059001"/>
+            <a:ext cx="320451" cy="319476"/>
+            <a:chOff x="4283964" y="3147930"/>
+            <a:chExt cx="320451" cy="319476"/>
+          </a:xfrm>
+        </p:grpSpPr>
+        <p:sp>
+          <p:nvSpPr>
+            <p:cNvPr id="150" name="Circle"/>
+            <p:cNvSpPr/>
+            <p:nvPr>
+              <p:custDataLst>
+                <p:custData r:id="rId10"/>
+              </p:custDataLst>
+            </p:nvPr>
+          </p:nvSpPr>
+          <p:spPr>
+            <a:xfrm>
+              <a:off x="4283964" y="3147930"/>
+              <a:ext cx="320451" cy="319476"/>
+            </a:xfrm>
+            <a:prstGeom prst="ellipse">
+              <a:avLst/>
+            </a:prstGeom>
+            <a:solidFill>
+              <a:srgbClr val="FFFF00"/>
+            </a:solidFill>
+            <a:ln w="38100" cap="flat" cmpd="sng" algn="ctr">
+              <a:solidFill>
+                <a:srgbClr val="FFFFFF">
+                  <a:lumMod val="50000"/>
+                </a:srgbClr>
+              </a:solidFill>
+              <a:prstDash val="solid"/>
+            </a:ln>
+            <a:effectLst/>
+          </p:spPr>
+          <p:txBody>
+            <a:bodyPr rot="0" spcFirstLastPara="0" vertOverflow="overflow" horzOverflow="overflow" vert="horz" wrap="square" lIns="45720" tIns="45720" rIns="91440" bIns="45720" numCol="1" spcCol="0" rtlCol="0" fromWordArt="0" anchor="ctr" anchorCtr="0" forceAA="0" compatLnSpc="1">
+              <a:prstTxWarp prst="textNoShape">
+                <a:avLst/>
+              </a:prstTxWarp>
+              <a:noAutofit/>
+            </a:bodyPr>
+            <a:lstStyle/>
+            <a:p>
+              <a:pPr marL="0" marR="0" indent="0" algn="ctr" defTabSz="914400" eaLnBrk="1" fontAlgn="auto" latinLnBrk="0" hangingPunct="1">
+                <a:lnSpc>
+                  <a:spcPct val="100000"/>
+                </a:lnSpc>
+                <a:spcBef>
+                  <a:spcPts val="0"/>
+                </a:spcBef>
+                <a:spcAft>
+                  <a:spcPts val="0"/>
+                </a:spcAft>
+                <a:buClrTx/>
+                <a:buSzTx/>
+                <a:buFontTx/>
+                <a:buNone/>
+                <a:tabLst/>
+              </a:pPr>
+              <a:endParaRPr kumimoji="0" lang="en-US" sz="800" b="0" i="0" u="none" strike="noStrike" kern="0" cap="none" spc="0" normalizeH="0" baseline="0" noProof="0" dirty="0" smtClean="0">
+                <a:ln>
+                  <a:noFill/>
+                </a:ln>
+                <a:solidFill>
+                  <a:srgbClr val="000000">
+                    <a:lumMod val="75000"/>
+                    <a:lumOff val="25000"/>
+                  </a:srgbClr>
+                </a:solidFill>
+                <a:effectLst/>
+                <a:uLnTx/>
+                <a:uFillTx/>
+                <a:latin typeface="Segoe UI"/>
+                <a:ea typeface="+mn-ea"/>
+                <a:cs typeface="+mn-cs"/>
+              </a:endParaRPr>
+            </a:p>
+          </p:txBody>
+        </p:sp>
+        <p:sp>
+          <p:nvSpPr>
+            <p:cNvPr id="151" name="Content"/>
+            <p:cNvSpPr txBox="1"/>
+            <p:nvPr/>
+          </p:nvSpPr>
+          <p:spPr>
+            <a:xfrm flipH="1">
+              <a:off x="4309771" y="3157455"/>
+              <a:ext cx="268835" cy="276999"/>
+            </a:xfrm>
+            <a:prstGeom prst="rect">
+              <a:avLst/>
+            </a:prstGeom>
+            <a:noFill/>
+          </p:spPr>
+          <p:txBody>
+            <a:bodyPr wrap="square" rtlCol="0">
+              <a:spAutoFit/>
+            </a:bodyPr>
+            <a:lstStyle/>
+            <a:p>
+              <a:r>
+                <a:rPr lang="en-US" sz="1200" dirty="0" smtClean="0"/>
+                <a:t>1</a:t>
+              </a:r>
+              <a:endParaRPr lang="en-US" sz="1200" dirty="0"/>
+            </a:p>
+          </p:txBody>
+        </p:sp>
+      </p:grpSp>
+      <p:grpSp>
+        <p:nvGrpSpPr>
+          <p:cNvPr id="152" name="Callout"/>
+          <p:cNvGrpSpPr/>
+          <p:nvPr>
+            <p:custDataLst>
+              <p:custData r:id="rId2"/>
+            </p:custDataLst>
+          </p:nvPr>
+        </p:nvGrpSpPr>
+        <p:grpSpPr>
+          <a:xfrm>
+            <a:off x="3557816" y="1068526"/>
+            <a:ext cx="320451" cy="319476"/>
+            <a:chOff x="4283964" y="3147930"/>
+            <a:chExt cx="320451" cy="319476"/>
+          </a:xfrm>
+        </p:grpSpPr>
+        <p:sp>
+          <p:nvSpPr>
+            <p:cNvPr id="153" name="Circle"/>
+            <p:cNvSpPr/>
+            <p:nvPr>
+              <p:custDataLst>
+                <p:custData r:id="rId9"/>
+              </p:custDataLst>
+            </p:nvPr>
+          </p:nvSpPr>
+          <p:spPr>
+            <a:xfrm>
+              <a:off x="4283964" y="3147930"/>
+              <a:ext cx="320451" cy="319476"/>
+            </a:xfrm>
+            <a:prstGeom prst="ellipse">
+              <a:avLst/>
+            </a:prstGeom>
+            <a:solidFill>
+              <a:srgbClr val="FFFF00"/>
+            </a:solidFill>
+            <a:ln w="38100" cap="flat" cmpd="sng" algn="ctr">
+              <a:solidFill>
+                <a:srgbClr val="FFFFFF">
+                  <a:lumMod val="50000"/>
+                </a:srgbClr>
+              </a:solidFill>
+              <a:prstDash val="solid"/>
+            </a:ln>
+            <a:effectLst/>
+          </p:spPr>
+          <p:txBody>
+            <a:bodyPr rot="0" spcFirstLastPara="0" vertOverflow="overflow" horzOverflow="overflow" vert="horz" wrap="square" lIns="45720" tIns="45720" rIns="91440" bIns="45720" numCol="1" spcCol="0" rtlCol="0" fromWordArt="0" anchor="ctr" anchorCtr="0" forceAA="0" compatLnSpc="1">
+              <a:prstTxWarp prst="textNoShape">
+                <a:avLst/>
+              </a:prstTxWarp>
+              <a:noAutofit/>
+            </a:bodyPr>
+            <a:lstStyle/>
+            <a:p>
+              <a:pPr marL="0" marR="0" indent="0" algn="ctr" defTabSz="914400" eaLnBrk="1" fontAlgn="auto" latinLnBrk="0" hangingPunct="1">
+                <a:lnSpc>
+                  <a:spcPct val="100000"/>
+                </a:lnSpc>
+                <a:spcBef>
+                  <a:spcPts val="0"/>
+                </a:spcBef>
+                <a:spcAft>
+                  <a:spcPts val="0"/>
+                </a:spcAft>
+                <a:buClrTx/>
+                <a:buSzTx/>
+                <a:buFontTx/>
+                <a:buNone/>
+                <a:tabLst/>
+              </a:pPr>
+              <a:endParaRPr kumimoji="0" lang="en-US" sz="800" b="0" i="0" u="none" strike="noStrike" kern="0" cap="none" spc="0" normalizeH="0" baseline="0" noProof="0" dirty="0" smtClean="0">
+                <a:ln>
+                  <a:noFill/>
+                </a:ln>
+                <a:solidFill>
+                  <a:srgbClr val="000000">
+                    <a:lumMod val="75000"/>
+                    <a:lumOff val="25000"/>
+                  </a:srgbClr>
+                </a:solidFill>
+                <a:effectLst/>
+                <a:uLnTx/>
+                <a:uFillTx/>
+                <a:latin typeface="Segoe UI"/>
+                <a:ea typeface="+mn-ea"/>
+                <a:cs typeface="+mn-cs"/>
+              </a:endParaRPr>
+            </a:p>
+          </p:txBody>
+        </p:sp>
+        <p:sp>
+          <p:nvSpPr>
+            <p:cNvPr id="154" name="Content"/>
+            <p:cNvSpPr txBox="1"/>
+            <p:nvPr/>
+          </p:nvSpPr>
+          <p:spPr>
+            <a:xfrm flipH="1">
+              <a:off x="4309771" y="3157455"/>
+              <a:ext cx="268835" cy="276999"/>
+            </a:xfrm>
+            <a:prstGeom prst="rect">
+              <a:avLst/>
+            </a:prstGeom>
+            <a:noFill/>
+          </p:spPr>
+          <p:txBody>
+            <a:bodyPr wrap="square" rtlCol="0">
+              <a:spAutoFit/>
+            </a:bodyPr>
+            <a:lstStyle/>
+            <a:p>
+              <a:r>
+                <a:rPr lang="en-US" sz="1200" dirty="0" smtClean="0"/>
+                <a:t>2</a:t>
+              </a:r>
+              <a:endParaRPr lang="en-US" sz="1200" dirty="0"/>
+            </a:p>
+          </p:txBody>
+        </p:sp>
+      </p:grpSp>
+      <p:grpSp>
+        <p:nvGrpSpPr>
+          <p:cNvPr id="158" name="Callout"/>
+          <p:cNvGrpSpPr/>
+          <p:nvPr>
+            <p:custDataLst>
+              <p:custData r:id="rId3"/>
+            </p:custDataLst>
+          </p:nvPr>
+        </p:nvGrpSpPr>
+        <p:grpSpPr>
+          <a:xfrm>
+            <a:off x="6870329" y="1068526"/>
+            <a:ext cx="320451" cy="319476"/>
+            <a:chOff x="4283964" y="3147930"/>
+            <a:chExt cx="320451" cy="319476"/>
+          </a:xfrm>
+        </p:grpSpPr>
+        <p:sp>
+          <p:nvSpPr>
+            <p:cNvPr id="159" name="Circle"/>
+            <p:cNvSpPr/>
+            <p:nvPr>
+              <p:custDataLst>
+                <p:custData r:id="rId8"/>
+              </p:custDataLst>
+            </p:nvPr>
+          </p:nvSpPr>
+          <p:spPr>
+            <a:xfrm>
+              <a:off x="4283964" y="3147930"/>
+              <a:ext cx="320451" cy="319476"/>
+            </a:xfrm>
+            <a:prstGeom prst="ellipse">
+              <a:avLst/>
+            </a:prstGeom>
+            <a:solidFill>
+              <a:srgbClr val="FFFF00"/>
+            </a:solidFill>
+            <a:ln w="38100" cap="flat" cmpd="sng" algn="ctr">
+              <a:solidFill>
+                <a:srgbClr val="FFFFFF">
+                  <a:lumMod val="50000"/>
+                </a:srgbClr>
+              </a:solidFill>
+              <a:prstDash val="solid"/>
+            </a:ln>
+            <a:effectLst/>
+          </p:spPr>
+          <p:txBody>
+            <a:bodyPr rot="0" spcFirstLastPara="0" vertOverflow="overflow" horzOverflow="overflow" vert="horz" wrap="square" lIns="45720" tIns="45720" rIns="91440" bIns="45720" numCol="1" spcCol="0" rtlCol="0" fromWordArt="0" anchor="ctr" anchorCtr="0" forceAA="0" compatLnSpc="1">
+              <a:prstTxWarp prst="textNoShape">
+                <a:avLst/>
+              </a:prstTxWarp>
+              <a:noAutofit/>
+            </a:bodyPr>
+            <a:lstStyle/>
+            <a:p>
+              <a:pPr marL="0" marR="0" indent="0" algn="ctr" defTabSz="914400" eaLnBrk="1" fontAlgn="auto" latinLnBrk="0" hangingPunct="1">
+                <a:lnSpc>
+                  <a:spcPct val="100000"/>
+                </a:lnSpc>
+                <a:spcBef>
+                  <a:spcPts val="0"/>
+                </a:spcBef>
+                <a:spcAft>
+                  <a:spcPts val="0"/>
+                </a:spcAft>
+                <a:buClrTx/>
+                <a:buSzTx/>
+                <a:buFontTx/>
+                <a:buNone/>
+                <a:tabLst/>
+              </a:pPr>
+              <a:endParaRPr kumimoji="0" lang="en-US" sz="800" b="0" i="0" u="none" strike="noStrike" kern="0" cap="none" spc="0" normalizeH="0" baseline="0" noProof="0" dirty="0" smtClean="0">
+                <a:ln>
+                  <a:noFill/>
+                </a:ln>
+                <a:solidFill>
+                  <a:srgbClr val="000000">
+                    <a:lumMod val="75000"/>
+                    <a:lumOff val="25000"/>
+                  </a:srgbClr>
+                </a:solidFill>
+                <a:effectLst/>
+                <a:uLnTx/>
+                <a:uFillTx/>
+                <a:latin typeface="Segoe UI"/>
+                <a:ea typeface="+mn-ea"/>
+                <a:cs typeface="+mn-cs"/>
+              </a:endParaRPr>
+            </a:p>
+          </p:txBody>
+        </p:sp>
+        <p:sp>
+          <p:nvSpPr>
+            <p:cNvPr id="160" name="Content"/>
+            <p:cNvSpPr txBox="1"/>
+            <p:nvPr/>
+          </p:nvSpPr>
+          <p:spPr>
+            <a:xfrm flipH="1">
+              <a:off x="4309771" y="3157455"/>
+              <a:ext cx="268835" cy="276999"/>
+            </a:xfrm>
+            <a:prstGeom prst="rect">
+              <a:avLst/>
+            </a:prstGeom>
+            <a:noFill/>
+          </p:spPr>
+          <p:txBody>
+            <a:bodyPr wrap="square" rtlCol="0">
+              <a:spAutoFit/>
+            </a:bodyPr>
+            <a:lstStyle/>
+            <a:p>
+              <a:r>
+                <a:rPr lang="en-US" sz="1200" dirty="0" smtClean="0"/>
+                <a:t>3</a:t>
+              </a:r>
+              <a:endParaRPr lang="en-US" sz="1200" dirty="0"/>
+            </a:p>
+          </p:txBody>
+        </p:sp>
+      </p:grpSp>
+      <p:grpSp>
+        <p:nvGrpSpPr>
+          <p:cNvPr id="161" name="Callout"/>
+          <p:cNvGrpSpPr/>
+          <p:nvPr>
+            <p:custDataLst>
+              <p:custData r:id="rId4"/>
+            </p:custDataLst>
+          </p:nvPr>
+        </p:nvGrpSpPr>
+        <p:grpSpPr>
+          <a:xfrm>
+            <a:off x="729926" y="3802668"/>
+            <a:ext cx="320451" cy="319476"/>
+            <a:chOff x="4283964" y="3147930"/>
+            <a:chExt cx="320451" cy="319476"/>
+          </a:xfrm>
+        </p:grpSpPr>
+        <p:sp>
+          <p:nvSpPr>
+            <p:cNvPr id="162" name="Circle"/>
+            <p:cNvSpPr/>
+            <p:nvPr>
+              <p:custDataLst>
+                <p:custData r:id="rId7"/>
+              </p:custDataLst>
+            </p:nvPr>
+          </p:nvSpPr>
+          <p:spPr>
+            <a:xfrm>
+              <a:off x="4283964" y="3147930"/>
+              <a:ext cx="320451" cy="319476"/>
+            </a:xfrm>
+            <a:prstGeom prst="ellipse">
+              <a:avLst/>
+            </a:prstGeom>
+            <a:solidFill>
+              <a:srgbClr val="FFFF00"/>
+            </a:solidFill>
+            <a:ln w="38100" cap="flat" cmpd="sng" algn="ctr">
+              <a:solidFill>
+                <a:srgbClr val="FFFFFF">
+                  <a:lumMod val="50000"/>
+                </a:srgbClr>
+              </a:solidFill>
+              <a:prstDash val="solid"/>
+            </a:ln>
+            <a:effectLst/>
+          </p:spPr>
+          <p:txBody>
+            <a:bodyPr rot="0" spcFirstLastPara="0" vertOverflow="overflow" horzOverflow="overflow" vert="horz" wrap="square" lIns="45720" tIns="45720" rIns="91440" bIns="45720" numCol="1" spcCol="0" rtlCol="0" fromWordArt="0" anchor="ctr" anchorCtr="0" forceAA="0" compatLnSpc="1">
+              <a:prstTxWarp prst="textNoShape">
+                <a:avLst/>
+              </a:prstTxWarp>
+              <a:noAutofit/>
+            </a:bodyPr>
+            <a:lstStyle/>
+            <a:p>
+              <a:pPr marL="0" marR="0" indent="0" algn="ctr" defTabSz="914400" eaLnBrk="1" fontAlgn="auto" latinLnBrk="0" hangingPunct="1">
+                <a:lnSpc>
+                  <a:spcPct val="100000"/>
+                </a:lnSpc>
+                <a:spcBef>
+                  <a:spcPts val="0"/>
+                </a:spcBef>
+                <a:spcAft>
+                  <a:spcPts val="0"/>
+                </a:spcAft>
+                <a:buClrTx/>
+                <a:buSzTx/>
+                <a:buFontTx/>
+                <a:buNone/>
+                <a:tabLst/>
+              </a:pPr>
+              <a:endParaRPr kumimoji="0" lang="en-US" sz="800" b="0" i="0" u="none" strike="noStrike" kern="0" cap="none" spc="0" normalizeH="0" baseline="0" noProof="0" dirty="0" smtClean="0">
+                <a:ln>
+                  <a:noFill/>
+                </a:ln>
+                <a:solidFill>
+                  <a:srgbClr val="000000">
+                    <a:lumMod val="75000"/>
+                    <a:lumOff val="25000"/>
+                  </a:srgbClr>
+                </a:solidFill>
+                <a:effectLst/>
+                <a:uLnTx/>
+                <a:uFillTx/>
+                <a:latin typeface="Segoe UI"/>
+                <a:ea typeface="+mn-ea"/>
+                <a:cs typeface="+mn-cs"/>
+              </a:endParaRPr>
+            </a:p>
+          </p:txBody>
+        </p:sp>
+        <p:sp>
+          <p:nvSpPr>
+            <p:cNvPr id="163" name="Content"/>
+            <p:cNvSpPr txBox="1"/>
+            <p:nvPr/>
+          </p:nvSpPr>
+          <p:spPr>
+            <a:xfrm flipH="1">
+              <a:off x="4309771" y="3157455"/>
+              <a:ext cx="268835" cy="276999"/>
+            </a:xfrm>
+            <a:prstGeom prst="rect">
+              <a:avLst/>
+            </a:prstGeom>
+            <a:noFill/>
+          </p:spPr>
+          <p:txBody>
+            <a:bodyPr wrap="square" rtlCol="0">
+              <a:spAutoFit/>
+            </a:bodyPr>
+            <a:lstStyle/>
+            <a:p>
+              <a:r>
+                <a:rPr lang="en-US" sz="1200" dirty="0"/>
+                <a:t>4</a:t>
+              </a:r>
+            </a:p>
+          </p:txBody>
+        </p:sp>
+      </p:grpSp>
+      <p:grpSp>
+        <p:nvGrpSpPr>
+          <p:cNvPr id="164" name="Callout"/>
+          <p:cNvGrpSpPr/>
+          <p:nvPr>
+            <p:custDataLst>
+              <p:custData r:id="rId5"/>
+            </p:custDataLst>
+          </p:nvPr>
+        </p:nvGrpSpPr>
+        <p:grpSpPr>
+          <a:xfrm>
+            <a:off x="6812671" y="3814382"/>
+            <a:ext cx="320451" cy="319476"/>
+            <a:chOff x="4283964" y="3147930"/>
+            <a:chExt cx="320451" cy="319476"/>
+          </a:xfrm>
+        </p:grpSpPr>
+        <p:sp>
+          <p:nvSpPr>
+            <p:cNvPr id="165" name="Circle"/>
+            <p:cNvSpPr/>
+            <p:nvPr>
+              <p:custDataLst>
+                <p:custData r:id="rId6"/>
+              </p:custDataLst>
+            </p:nvPr>
+          </p:nvSpPr>
+          <p:spPr>
+            <a:xfrm>
+              <a:off x="4283964" y="3147930"/>
+              <a:ext cx="320451" cy="319476"/>
+            </a:xfrm>
+            <a:prstGeom prst="ellipse">
+              <a:avLst/>
+            </a:prstGeom>
+            <a:solidFill>
+              <a:srgbClr val="FFFF00"/>
+            </a:solidFill>
+            <a:ln w="38100" cap="flat" cmpd="sng" algn="ctr">
+              <a:solidFill>
+                <a:srgbClr val="FFFFFF">
+                  <a:lumMod val="50000"/>
+                </a:srgbClr>
+              </a:solidFill>
+              <a:prstDash val="solid"/>
+            </a:ln>
+            <a:effectLst/>
+          </p:spPr>
+          <p:txBody>
+            <a:bodyPr rot="0" spcFirstLastPara="0" vertOverflow="overflow" horzOverflow="overflow" vert="horz" wrap="square" lIns="45720" tIns="45720" rIns="91440" bIns="45720" numCol="1" spcCol="0" rtlCol="0" fromWordArt="0" anchor="ctr" anchorCtr="0" forceAA="0" compatLnSpc="1">
+              <a:prstTxWarp prst="textNoShape">
+                <a:avLst/>
+              </a:prstTxWarp>
+              <a:noAutofit/>
+            </a:bodyPr>
+            <a:lstStyle/>
+            <a:p>
+              <a:pPr marL="0" marR="0" indent="0" algn="ctr" defTabSz="914400" eaLnBrk="1" fontAlgn="auto" latinLnBrk="0" hangingPunct="1">
+                <a:lnSpc>
+                  <a:spcPct val="100000"/>
+                </a:lnSpc>
+                <a:spcBef>
+                  <a:spcPts val="0"/>
+                </a:spcBef>
+                <a:spcAft>
+                  <a:spcPts val="0"/>
+                </a:spcAft>
+                <a:buClrTx/>
+                <a:buSzTx/>
+                <a:buFontTx/>
+                <a:buNone/>
+                <a:tabLst/>
+              </a:pPr>
+              <a:endParaRPr kumimoji="0" lang="en-US" sz="800" b="0" i="0" u="none" strike="noStrike" kern="0" cap="none" spc="0" normalizeH="0" baseline="0" noProof="0" dirty="0" smtClean="0">
+                <a:ln>
+                  <a:noFill/>
+                </a:ln>
+                <a:solidFill>
+                  <a:srgbClr val="000000">
+                    <a:lumMod val="75000"/>
+                    <a:lumOff val="25000"/>
+                  </a:srgbClr>
+                </a:solidFill>
+                <a:effectLst/>
+                <a:uLnTx/>
+                <a:uFillTx/>
+                <a:latin typeface="Segoe UI"/>
+                <a:ea typeface="+mn-ea"/>
+                <a:cs typeface="+mn-cs"/>
+              </a:endParaRPr>
+            </a:p>
+          </p:txBody>
+        </p:sp>
+        <p:sp>
+          <p:nvSpPr>
+            <p:cNvPr id="166" name="Content"/>
+            <p:cNvSpPr txBox="1"/>
+            <p:nvPr/>
+          </p:nvSpPr>
+          <p:spPr>
+            <a:xfrm flipH="1">
+              <a:off x="4309771" y="3157455"/>
+              <a:ext cx="268835" cy="276999"/>
+            </a:xfrm>
+            <a:prstGeom prst="rect">
+              <a:avLst/>
+            </a:prstGeom>
+            <a:noFill/>
+          </p:spPr>
+          <p:txBody>
+            <a:bodyPr wrap="square" rtlCol="0">
+              <a:spAutoFit/>
+            </a:bodyPr>
+            <a:lstStyle/>
+            <a:p>
+              <a:r>
+                <a:rPr lang="en-US" sz="1200" dirty="0" smtClean="0"/>
+                <a:t>5</a:t>
+              </a:r>
+              <a:endParaRPr lang="en-US" sz="1200" dirty="0"/>
+            </a:p>
+          </p:txBody>
+        </p:sp>
+      </p:grpSp>
+    </p:spTree>
+    <p:extLst>
+      <p:ext uri="{BB962C8B-B14F-4D97-AF65-F5344CB8AC3E}">
+        <p14:creationId xmlns:p14="http://schemas.microsoft.com/office/powerpoint/2010/main" val="2346978374"/>
+      </p:ext>
+    </p:extLst>
+  </p:cSld>
+  <p:clrMapOvr>
+    <a:masterClrMapping/>
+  </p:clrMapOvr>
+  <p:timing>
+    <p:tnLst>
+      <p:par>
+        <p:cTn id="1" dur="indefinite" restart="never" nodeType="tmRoot"/>
+      </p:par>
+    </p:tnLst>
+  </p:timing>
+</p:sld>
+</file>
+
+<file path=ppt/slides/slide11.xml><?xml version="1.0" encoding="utf-8"?>
 <p:sld xmlns:a="http://schemas.openxmlformats.org/drawingml/2006/main" xmlns:r="http://schemas.openxmlformats.org/officeDocument/2006/relationships" xmlns:p="http://schemas.openxmlformats.org/presentationml/2006/main">
   <p:cSld>
     <p:spTree>
@@ -4026,7 +5198,7 @@
           <a:blip r:embed="rId12">
             <a:extLst>
               <a:ext uri="{28A0092B-C50C-407E-A947-70E740481C1C}">
-                <a14:useLocalDpi xmlns="" xmlns:a14="http://schemas.microsoft.com/office/drawing/2010/main" val="0"/>
+                <a14:useLocalDpi xmlns:a14="http://schemas.microsoft.com/office/drawing/2010/main" val="0"/>
               </a:ext>
             </a:extLst>
           </a:blip>
@@ -4061,7 +5233,7 @@
           <a:p>
             <a:r>
               <a:rPr lang="en-US" altLang="ko-KR" dirty="0" smtClean="0"/>
-              <a:t>1.3.4</a:t>
+              <a:t>1.3.5</a:t>
             </a:r>
             <a:endParaRPr lang="ko-KR" altLang="en-US" dirty="0"/>
           </a:p>
@@ -5061,7 +6233,7 @@
     </p:spTree>
     <p:extLst>
       <p:ext uri="{BB962C8B-B14F-4D97-AF65-F5344CB8AC3E}">
-        <p14:creationId xmlns="" xmlns:p14="http://schemas.microsoft.com/office/powerpoint/2010/main" val="3437830613"/>
+        <p14:creationId xmlns:p14="http://schemas.microsoft.com/office/powerpoint/2010/main" val="3437830613"/>
       </p:ext>
     </p:extLst>
   </p:cSld>
@@ -5078,7 +6250,7 @@
 </p:sld>
 </file>
 
-<file path=ppt/slides/slide11.xml><?xml version="1.0" encoding="utf-8"?>
+<file path=ppt/slides/slide12.xml><?xml version="1.0" encoding="utf-8"?>
 <p:sld xmlns:a="http://schemas.openxmlformats.org/drawingml/2006/main" xmlns:r="http://schemas.openxmlformats.org/officeDocument/2006/relationships" xmlns:p="http://schemas.openxmlformats.org/presentationml/2006/main">
   <p:cSld>
     <p:spTree>
@@ -5138,7 +6310,7 @@
           <a:p>
             <a:r>
               <a:rPr lang="en-US" altLang="ko-KR" dirty="0" smtClean="0"/>
-              <a:t>1.3.5</a:t>
+              <a:t>1.3.6</a:t>
             </a:r>
             <a:endParaRPr lang="ko-KR" altLang="en-US" dirty="0"/>
           </a:p>
@@ -5738,7 +6910,7 @@
     </p:spTree>
     <p:extLst>
       <p:ext uri="{BB962C8B-B14F-4D97-AF65-F5344CB8AC3E}">
-        <p14:creationId xmlns="" xmlns:p14="http://schemas.microsoft.com/office/powerpoint/2010/main" val="492694439"/>
+        <p14:creationId xmlns:p14="http://schemas.microsoft.com/office/powerpoint/2010/main" val="492694439"/>
       </p:ext>
     </p:extLst>
   </p:cSld>
@@ -5755,7 +6927,7 @@
 </p:sld>
 </file>
 
-<file path=ppt/slides/slide12.xml><?xml version="1.0" encoding="utf-8"?>
+<file path=ppt/slides/slide13.xml><?xml version="1.0" encoding="utf-8"?>
 <p:sld xmlns:a="http://schemas.openxmlformats.org/drawingml/2006/main" xmlns:r="http://schemas.openxmlformats.org/officeDocument/2006/relationships" xmlns:p="http://schemas.openxmlformats.org/presentationml/2006/main">
   <p:cSld>
     <p:spTree>
@@ -5815,8 +6987,9 @@
           <a:p>
             <a:r>
               <a:rPr lang="en-US" altLang="ko-KR" dirty="0" smtClean="0"/>
-              <a:t>1.3.6</a:t>
-            </a:r>
+              <a:t>1.3.7</a:t>
+            </a:r>
+            <a:endParaRPr lang="en-US" altLang="ko-KR" dirty="0" smtClean="0"/>
           </a:p>
         </p:txBody>
       </p:sp>
@@ -6218,7 +7391,7 @@
     </p:spTree>
     <p:extLst>
       <p:ext uri="{BB962C8B-B14F-4D97-AF65-F5344CB8AC3E}">
-        <p14:creationId xmlns="" xmlns:p14="http://schemas.microsoft.com/office/powerpoint/2010/main" val="492694439"/>
+        <p14:creationId xmlns:p14="http://schemas.microsoft.com/office/powerpoint/2010/main" val="492694439"/>
       </p:ext>
     </p:extLst>
   </p:cSld>
@@ -6235,7 +7408,7 @@
 </p:sld>
 </file>
 
-<file path=ppt/slides/slide13.xml><?xml version="1.0" encoding="utf-8"?>
+<file path=ppt/slides/slide14.xml><?xml version="1.0" encoding="utf-8"?>
 <p:sld xmlns:a="http://schemas.openxmlformats.org/drawingml/2006/main" xmlns:r="http://schemas.openxmlformats.org/officeDocument/2006/relationships" xmlns:p="http://schemas.openxmlformats.org/presentationml/2006/main">
   <p:cSld>
     <p:spTree>
@@ -6295,8 +7468,9 @@
           <a:p>
             <a:r>
               <a:rPr lang="en-US" altLang="ko-KR" dirty="0" smtClean="0"/>
-              <a:t>1.3.7</a:t>
-            </a:r>
+              <a:t>1.3.8</a:t>
+            </a:r>
+            <a:endParaRPr lang="en-US" altLang="ko-KR" dirty="0" smtClean="0"/>
           </a:p>
         </p:txBody>
       </p:sp>
@@ -7273,7 +8447,7 @@
     </p:spTree>
     <p:extLst>
       <p:ext uri="{BB962C8B-B14F-4D97-AF65-F5344CB8AC3E}">
-        <p14:creationId xmlns="" xmlns:p14="http://schemas.microsoft.com/office/powerpoint/2010/main" val="492694439"/>
+        <p14:creationId xmlns:p14="http://schemas.microsoft.com/office/powerpoint/2010/main" val="492694439"/>
       </p:ext>
     </p:extLst>
   </p:cSld>
@@ -7319,7 +8493,7 @@
           <a:blip r:embed="rId10">
             <a:extLst>
               <a:ext uri="{28A0092B-C50C-407E-A947-70E740481C1C}">
-                <a14:useLocalDpi xmlns="" xmlns:a14="http://schemas.microsoft.com/office/drawing/2010/main" val="0"/>
+                <a14:useLocalDpi xmlns:a14="http://schemas.microsoft.com/office/drawing/2010/main" val="0"/>
               </a:ext>
             </a:extLst>
           </a:blip>
@@ -8230,7 +9404,7 @@
     </p:spTree>
     <p:extLst>
       <p:ext uri="{BB962C8B-B14F-4D97-AF65-F5344CB8AC3E}">
-        <p14:creationId xmlns="" xmlns:p14="http://schemas.microsoft.com/office/powerpoint/2010/main" val="2011225551"/>
+        <p14:creationId xmlns:p14="http://schemas.microsoft.com/office/powerpoint/2010/main" val="2011225551"/>
       </p:ext>
     </p:extLst>
   </p:cSld>
@@ -8276,7 +9450,7 @@
           <a:blip r:embed="rId10">
             <a:extLst>
               <a:ext uri="{28A0092B-C50C-407E-A947-70E740481C1C}">
-                <a14:useLocalDpi xmlns="" xmlns:a14="http://schemas.microsoft.com/office/drawing/2010/main" val="0"/>
+                <a14:useLocalDpi xmlns:a14="http://schemas.microsoft.com/office/drawing/2010/main" val="0"/>
               </a:ext>
             </a:extLst>
           </a:blip>
@@ -9204,7 +10378,7 @@
     </p:spTree>
     <p:extLst>
       <p:ext uri="{BB962C8B-B14F-4D97-AF65-F5344CB8AC3E}">
-        <p14:creationId xmlns="" xmlns:p14="http://schemas.microsoft.com/office/powerpoint/2010/main" val="1190408124"/>
+        <p14:creationId xmlns:p14="http://schemas.microsoft.com/office/powerpoint/2010/main" val="1190408124"/>
       </p:ext>
     </p:extLst>
   </p:cSld>
@@ -9250,7 +10424,7 @@
           <a:blip r:embed="rId10">
             <a:extLst>
               <a:ext uri="{28A0092B-C50C-407E-A947-70E740481C1C}">
-                <a14:useLocalDpi xmlns="" xmlns:a14="http://schemas.microsoft.com/office/drawing/2010/main" val="0"/>
+                <a14:useLocalDpi xmlns:a14="http://schemas.microsoft.com/office/drawing/2010/main" val="0"/>
               </a:ext>
             </a:extLst>
           </a:blip>
@@ -10141,7 +11315,7 @@
           <a:blip r:embed="rId11" cstate="print">
             <a:extLst>
               <a:ext uri="{28A0092B-C50C-407E-A947-70E740481C1C}">
-                <a14:useLocalDpi xmlns="" xmlns:a14="http://schemas.microsoft.com/office/drawing/2010/main" val="0"/>
+                <a14:useLocalDpi xmlns:a14="http://schemas.microsoft.com/office/drawing/2010/main" val="0"/>
               </a:ext>
             </a:extLst>
           </a:blip>
@@ -10171,7 +11345,7 @@
           <a:blip r:embed="rId12" cstate="print">
             <a:extLst>
               <a:ext uri="{28A0092B-C50C-407E-A947-70E740481C1C}">
-                <a14:useLocalDpi xmlns="" xmlns:a14="http://schemas.microsoft.com/office/drawing/2010/main" val="0"/>
+                <a14:useLocalDpi xmlns:a14="http://schemas.microsoft.com/office/drawing/2010/main" val="0"/>
               </a:ext>
             </a:extLst>
           </a:blip>
@@ -10201,7 +11375,7 @@
           <a:blip r:embed="rId13" cstate="print">
             <a:extLst>
               <a:ext uri="{28A0092B-C50C-407E-A947-70E740481C1C}">
-                <a14:useLocalDpi xmlns="" xmlns:a14="http://schemas.microsoft.com/office/drawing/2010/main" val="0"/>
+                <a14:useLocalDpi xmlns:a14="http://schemas.microsoft.com/office/drawing/2010/main" val="0"/>
               </a:ext>
             </a:extLst>
           </a:blip>
@@ -10231,7 +11405,7 @@
           <a:blip r:embed="rId14" cstate="print">
             <a:extLst>
               <a:ext uri="{28A0092B-C50C-407E-A947-70E740481C1C}">
-                <a14:useLocalDpi xmlns="" xmlns:a14="http://schemas.microsoft.com/office/drawing/2010/main" val="0"/>
+                <a14:useLocalDpi xmlns:a14="http://schemas.microsoft.com/office/drawing/2010/main" val="0"/>
               </a:ext>
             </a:extLst>
           </a:blip>
@@ -10261,7 +11435,7 @@
           <a:blip r:embed="rId15" cstate="print">
             <a:extLst>
               <a:ext uri="{28A0092B-C50C-407E-A947-70E740481C1C}">
-                <a14:useLocalDpi xmlns="" xmlns:a14="http://schemas.microsoft.com/office/drawing/2010/main" val="0"/>
+                <a14:useLocalDpi xmlns:a14="http://schemas.microsoft.com/office/drawing/2010/main" val="0"/>
               </a:ext>
             </a:extLst>
           </a:blip>
@@ -10291,7 +11465,7 @@
           <a:blip r:embed="rId16" cstate="print">
             <a:extLst>
               <a:ext uri="{28A0092B-C50C-407E-A947-70E740481C1C}">
-                <a14:useLocalDpi xmlns="" xmlns:a14="http://schemas.microsoft.com/office/drawing/2010/main" val="0"/>
+                <a14:useLocalDpi xmlns:a14="http://schemas.microsoft.com/office/drawing/2010/main" val="0"/>
               </a:ext>
             </a:extLst>
           </a:blip>
@@ -10321,7 +11495,7 @@
           <a:blip r:embed="rId17" cstate="print">
             <a:extLst>
               <a:ext uri="{28A0092B-C50C-407E-A947-70E740481C1C}">
-                <a14:useLocalDpi xmlns="" xmlns:a14="http://schemas.microsoft.com/office/drawing/2010/main" val="0"/>
+                <a14:useLocalDpi xmlns:a14="http://schemas.microsoft.com/office/drawing/2010/main" val="0"/>
               </a:ext>
             </a:extLst>
           </a:blip>
@@ -10351,7 +11525,7 @@
           <a:blip r:embed="rId18" cstate="print">
             <a:extLst>
               <a:ext uri="{28A0092B-C50C-407E-A947-70E740481C1C}">
-                <a14:useLocalDpi xmlns="" xmlns:a14="http://schemas.microsoft.com/office/drawing/2010/main" val="0"/>
+                <a14:useLocalDpi xmlns:a14="http://schemas.microsoft.com/office/drawing/2010/main" val="0"/>
               </a:ext>
             </a:extLst>
           </a:blip>
@@ -10381,7 +11555,7 @@
           <a:blip r:embed="rId19" cstate="print">
             <a:extLst>
               <a:ext uri="{28A0092B-C50C-407E-A947-70E740481C1C}">
-                <a14:useLocalDpi xmlns="" xmlns:a14="http://schemas.microsoft.com/office/drawing/2010/main" val="0"/>
+                <a14:useLocalDpi xmlns:a14="http://schemas.microsoft.com/office/drawing/2010/main" val="0"/>
               </a:ext>
             </a:extLst>
           </a:blip>
@@ -10411,7 +11585,7 @@
           <a:blip r:embed="rId20" cstate="print">
             <a:extLst>
               <a:ext uri="{28A0092B-C50C-407E-A947-70E740481C1C}">
-                <a14:useLocalDpi xmlns="" xmlns:a14="http://schemas.microsoft.com/office/drawing/2010/main" val="0"/>
+                <a14:useLocalDpi xmlns:a14="http://schemas.microsoft.com/office/drawing/2010/main" val="0"/>
               </a:ext>
             </a:extLst>
           </a:blip>
@@ -10441,7 +11615,7 @@
           <a:blip r:embed="rId21" cstate="print">
             <a:extLst>
               <a:ext uri="{28A0092B-C50C-407E-A947-70E740481C1C}">
-                <a14:useLocalDpi xmlns="" xmlns:a14="http://schemas.microsoft.com/office/drawing/2010/main" val="0"/>
+                <a14:useLocalDpi xmlns:a14="http://schemas.microsoft.com/office/drawing/2010/main" val="0"/>
               </a:ext>
             </a:extLst>
           </a:blip>
@@ -10471,7 +11645,7 @@
           <a:blip r:embed="rId22" cstate="print">
             <a:extLst>
               <a:ext uri="{28A0092B-C50C-407E-A947-70E740481C1C}">
-                <a14:useLocalDpi xmlns="" xmlns:a14="http://schemas.microsoft.com/office/drawing/2010/main" val="0"/>
+                <a14:useLocalDpi xmlns:a14="http://schemas.microsoft.com/office/drawing/2010/main" val="0"/>
               </a:ext>
             </a:extLst>
           </a:blip>
@@ -10501,7 +11675,7 @@
           <a:blip r:embed="rId23" cstate="print">
             <a:extLst>
               <a:ext uri="{28A0092B-C50C-407E-A947-70E740481C1C}">
-                <a14:useLocalDpi xmlns="" xmlns:a14="http://schemas.microsoft.com/office/drawing/2010/main" val="0"/>
+                <a14:useLocalDpi xmlns:a14="http://schemas.microsoft.com/office/drawing/2010/main" val="0"/>
               </a:ext>
             </a:extLst>
           </a:blip>
@@ -10531,7 +11705,7 @@
           <a:blip r:embed="rId24" cstate="print">
             <a:extLst>
               <a:ext uri="{28A0092B-C50C-407E-A947-70E740481C1C}">
-                <a14:useLocalDpi xmlns="" xmlns:a14="http://schemas.microsoft.com/office/drawing/2010/main" val="0"/>
+                <a14:useLocalDpi xmlns:a14="http://schemas.microsoft.com/office/drawing/2010/main" val="0"/>
               </a:ext>
             </a:extLst>
           </a:blip>
@@ -10561,7 +11735,7 @@
           <a:blip r:embed="rId25" cstate="print">
             <a:extLst>
               <a:ext uri="{28A0092B-C50C-407E-A947-70E740481C1C}">
-                <a14:useLocalDpi xmlns="" xmlns:a14="http://schemas.microsoft.com/office/drawing/2010/main" val="0"/>
+                <a14:useLocalDpi xmlns:a14="http://schemas.microsoft.com/office/drawing/2010/main" val="0"/>
               </a:ext>
             </a:extLst>
           </a:blip>
@@ -10591,7 +11765,7 @@
           <a:blip r:embed="rId26" cstate="print">
             <a:extLst>
               <a:ext uri="{28A0092B-C50C-407E-A947-70E740481C1C}">
-                <a14:useLocalDpi xmlns="" xmlns:a14="http://schemas.microsoft.com/office/drawing/2010/main" val="0"/>
+                <a14:useLocalDpi xmlns:a14="http://schemas.microsoft.com/office/drawing/2010/main" val="0"/>
               </a:ext>
             </a:extLst>
           </a:blip>
@@ -10612,7 +11786,7 @@
     </p:spTree>
     <p:extLst>
       <p:ext uri="{BB962C8B-B14F-4D97-AF65-F5344CB8AC3E}">
-        <p14:creationId xmlns="" xmlns:p14="http://schemas.microsoft.com/office/powerpoint/2010/main" val="4243883722"/>
+        <p14:creationId xmlns:p14="http://schemas.microsoft.com/office/powerpoint/2010/main" val="4243883722"/>
       </p:ext>
     </p:extLst>
   </p:cSld>
@@ -10843,15 +12017,7 @@
             </a:pPr>
             <a:r>
               <a:rPr lang="ko-KR" altLang="en-US" sz="1000" dirty="0" smtClean="0"/>
-              <a:t>② 제품 </a:t>
-            </a:r>
-            <a:r>
-              <a:rPr lang="ko-KR" altLang="en-US" sz="1000" dirty="0" smtClean="0"/>
-              <a:t>선</a:t>
-            </a:r>
-            <a:r>
-              <a:rPr lang="ko-KR" altLang="en-US" sz="1000" dirty="0" smtClean="0"/>
-              <a:t>택</a:t>
+              <a:t>② 제품 선택</a:t>
             </a:r>
             <a:endParaRPr lang="en-US" altLang="ko-KR" sz="1000" dirty="0" smtClean="0"/>
           </a:p>
@@ -11077,8 +12243,8 @@
         </p:nvCxnSpPr>
         <p:spPr>
           <a:xfrm>
-            <a:off x="986118" y="3065929"/>
-            <a:ext cx="3836894" cy="3352800"/>
+            <a:off x="953037" y="2931911"/>
+            <a:ext cx="3869975" cy="3486818"/>
           </a:xfrm>
           <a:prstGeom prst="line">
             <a:avLst/>
@@ -11232,7 +12398,7 @@
     </p:spTree>
     <p:extLst>
       <p:ext uri="{BB962C8B-B14F-4D97-AF65-F5344CB8AC3E}">
-        <p14:creationId xmlns="" xmlns:p14="http://schemas.microsoft.com/office/powerpoint/2010/main" val="2654336337"/>
+        <p14:creationId xmlns:p14="http://schemas.microsoft.com/office/powerpoint/2010/main" val="2654336337"/>
       </p:ext>
     </p:extLst>
   </p:cSld>
@@ -11278,7 +12444,7 @@
           <a:blip r:embed="rId10">
             <a:extLst>
               <a:ext uri="{28A0092B-C50C-407E-A947-70E740481C1C}">
-                <a14:useLocalDpi xmlns="" xmlns:a14="http://schemas.microsoft.com/office/drawing/2010/main" val="0"/>
+                <a14:useLocalDpi xmlns:a14="http://schemas.microsoft.com/office/drawing/2010/main" val="0"/>
               </a:ext>
             </a:extLst>
           </a:blip>
@@ -12097,7 +13263,7 @@
     </p:spTree>
     <p:extLst>
       <p:ext uri="{BB962C8B-B14F-4D97-AF65-F5344CB8AC3E}">
-        <p14:creationId xmlns="" xmlns:p14="http://schemas.microsoft.com/office/powerpoint/2010/main" val="3855243553"/>
+        <p14:creationId xmlns:p14="http://schemas.microsoft.com/office/powerpoint/2010/main" val="3855243553"/>
       </p:ext>
     </p:extLst>
   </p:cSld>
@@ -12143,7 +13309,7 @@
           <a:blip r:embed="rId12">
             <a:extLst>
               <a:ext uri="{28A0092B-C50C-407E-A947-70E740481C1C}">
-                <a14:useLocalDpi xmlns="" xmlns:a14="http://schemas.microsoft.com/office/drawing/2010/main" val="0"/>
+                <a14:useLocalDpi xmlns:a14="http://schemas.microsoft.com/office/drawing/2010/main" val="0"/>
               </a:ext>
             </a:extLst>
           </a:blip>
@@ -13251,7 +14417,7 @@
     </p:spTree>
     <p:extLst>
       <p:ext uri="{BB962C8B-B14F-4D97-AF65-F5344CB8AC3E}">
-        <p14:creationId xmlns="" xmlns:p14="http://schemas.microsoft.com/office/powerpoint/2010/main" val="114933176"/>
+        <p14:creationId xmlns:p14="http://schemas.microsoft.com/office/powerpoint/2010/main" val="114933176"/>
       </p:ext>
     </p:extLst>
   </p:cSld>
@@ -13287,17 +14453,17 @@
       </p:grpSpPr>
       <p:pic>
         <p:nvPicPr>
-          <p:cNvPr id="5" name="그림 4"/>
+          <p:cNvPr id="2" name="그림 1"/>
           <p:cNvPicPr>
             <a:picLocks noChangeAspect="1"/>
           </p:cNvPicPr>
           <p:nvPr/>
         </p:nvPicPr>
         <p:blipFill>
-          <a:blip r:embed="rId12">
+          <a:blip r:embed="rId14">
             <a:extLst>
               <a:ext uri="{28A0092B-C50C-407E-A947-70E740481C1C}">
-                <a14:useLocalDpi xmlns="" xmlns:a14="http://schemas.microsoft.com/office/drawing/2010/main" val="0"/>
+                <a14:useLocalDpi xmlns:a14="http://schemas.microsoft.com/office/drawing/2010/main" val="0"/>
               </a:ext>
             </a:extLst>
           </a:blip>
@@ -13307,8 +14473,8 @@
         </p:blipFill>
         <p:spPr>
           <a:xfrm>
-            <a:off x="451863" y="450573"/>
-            <a:ext cx="8776763" cy="6380922"/>
+            <a:off x="516630" y="468632"/>
+            <a:ext cx="8717522" cy="6337852"/>
           </a:xfrm>
           <a:prstGeom prst="rect">
             <a:avLst/>
@@ -13609,7 +14775,7 @@
             </a:r>
             <a:r>
               <a:rPr lang="ko-KR" altLang="en-US" sz="1000" dirty="0" err="1" smtClean="0"/>
-              <a:t>제품리스트</a:t>
+              <a:t>입고관리</a:t>
             </a:r>
             <a:endParaRPr lang="en-US" altLang="ko-KR" sz="1000" dirty="0" smtClean="0"/>
           </a:p>
@@ -13629,12 +14795,17 @@
             </a:r>
             <a:r>
               <a:rPr lang="ko-KR" altLang="en-US" sz="1000" dirty="0" smtClean="0"/>
-              <a:t>제품의 목록을 보여준다</a:t>
-            </a:r>
-            <a:r>
-              <a:rPr lang="en-US" altLang="ko-KR" sz="1000" dirty="0" smtClean="0"/>
-              <a:t>.</a:t>
-            </a:r>
+              <a:t>선택한 </a:t>
+            </a:r>
+            <a:r>
+              <a:rPr lang="ko-KR" altLang="en-US" sz="1000" dirty="0" err="1" smtClean="0"/>
+              <a:t>제품번호에</a:t>
+            </a:r>
+            <a:r>
+              <a:rPr lang="ko-KR" altLang="en-US" sz="1000" dirty="0" smtClean="0"/>
+              <a:t> 대한 입고를 </a:t>
+            </a:r>
+            <a:endParaRPr lang="en-US" altLang="ko-KR" sz="1000" dirty="0" smtClean="0"/>
           </a:p>
           <a:p>
             <a:pPr marL="0" indent="0">
@@ -13647,18 +14818,21 @@
               <a:buNone/>
             </a:pPr>
             <a:r>
-              <a:rPr lang="ko-KR" altLang="en-US" sz="1000" dirty="0"/>
-              <a:t>⑤ </a:t>
+              <a:rPr lang="en-US" altLang="ko-KR" sz="1000" dirty="0"/>
+              <a:t> </a:t>
+            </a:r>
+            <a:r>
+              <a:rPr lang="en-US" altLang="ko-KR" sz="1000" dirty="0" smtClean="0"/>
+              <a:t>      </a:t>
             </a:r>
             <a:r>
               <a:rPr lang="ko-KR" altLang="en-US" sz="1000" dirty="0" smtClean="0"/>
-              <a:t>제품 정보 </a:t>
-            </a:r>
-            <a:r>
-              <a:rPr lang="ko-KR" altLang="en-US" sz="1000" dirty="0"/>
-              <a:t>관리</a:t>
-            </a:r>
-            <a:endParaRPr lang="en-US" altLang="ko-KR" sz="1000" dirty="0"/>
+              <a:t>진행한다</a:t>
+            </a:r>
+            <a:r>
+              <a:rPr lang="en-US" altLang="ko-KR" sz="1000" dirty="0" smtClean="0"/>
+              <a:t>.</a:t>
+            </a:r>
           </a:p>
           <a:p>
             <a:pPr marL="0" indent="0">
@@ -13671,16 +14845,91 @@
               <a:buNone/>
             </a:pPr>
             <a:r>
+              <a:rPr lang="ko-KR" altLang="en-US" sz="1000" dirty="0" smtClean="0"/>
+              <a:t>⑤ </a:t>
+            </a:r>
+            <a:r>
+              <a:rPr lang="ko-KR" altLang="en-US" sz="1000" dirty="0" err="1" smtClean="0"/>
+              <a:t>제품리스트</a:t>
+            </a:r>
+            <a:endParaRPr lang="en-US" altLang="ko-KR" sz="1000" dirty="0"/>
+          </a:p>
+          <a:p>
+            <a:pPr marL="0" indent="0">
+              <a:lnSpc>
+                <a:spcPct val="100000"/>
+              </a:lnSpc>
+              <a:spcBef>
+                <a:spcPts val="0"/>
+              </a:spcBef>
+              <a:buNone/>
+            </a:pPr>
+            <a:r>
               <a:rPr lang="en-US" altLang="ko-KR" sz="1000" dirty="0"/>
               <a:t>     - </a:t>
             </a:r>
             <a:r>
+              <a:rPr lang="ko-KR" altLang="en-US" sz="1000" dirty="0"/>
+              <a:t>제품의 목록을 보여준다</a:t>
+            </a:r>
+            <a:r>
+              <a:rPr lang="en-US" altLang="ko-KR" sz="1000" dirty="0"/>
+              <a:t>.</a:t>
+            </a:r>
+          </a:p>
+          <a:p>
+            <a:pPr marL="0" indent="0">
+              <a:lnSpc>
+                <a:spcPct val="100000"/>
+              </a:lnSpc>
+              <a:spcBef>
+                <a:spcPts val="0"/>
+              </a:spcBef>
+              <a:buNone/>
+            </a:pPr>
+            <a:endParaRPr lang="en-US" altLang="ko-KR" sz="1000" dirty="0" smtClean="0"/>
+          </a:p>
+          <a:p>
+            <a:pPr marL="0" indent="0">
+              <a:lnSpc>
+                <a:spcPct val="100000"/>
+              </a:lnSpc>
+              <a:spcBef>
+                <a:spcPts val="0"/>
+              </a:spcBef>
+              <a:buNone/>
+            </a:pPr>
+            <a:r>
+              <a:rPr lang="en-US" altLang="ko-KR" sz="1000" dirty="0" smtClean="0"/>
+              <a:t>⑥ </a:t>
+            </a:r>
+            <a:r>
               <a:rPr lang="ko-KR" altLang="en-US" sz="1000" dirty="0" smtClean="0"/>
-              <a:t>제품의 </a:t>
+              <a:t>제품 </a:t>
             </a:r>
             <a:r>
               <a:rPr lang="ko-KR" altLang="en-US" sz="1000" dirty="0"/>
-              <a:t>정보를 등록</a:t>
+              <a:t>정보 관리</a:t>
+            </a:r>
+            <a:endParaRPr lang="en-US" altLang="ko-KR" sz="1000" dirty="0"/>
+          </a:p>
+          <a:p>
+            <a:pPr marL="0" indent="0">
+              <a:lnSpc>
+                <a:spcPct val="100000"/>
+              </a:lnSpc>
+              <a:spcBef>
+                <a:spcPts val="0"/>
+              </a:spcBef>
+              <a:buNone/>
+            </a:pPr>
+            <a:r>
+              <a:rPr lang="en-US" altLang="ko-KR" sz="1000" dirty="0"/>
+              <a:t>     - </a:t>
+            </a:r>
+            <a:r>
+              <a:rPr lang="ko-KR" altLang="en-US" sz="1000" dirty="0"/>
+              <a:t>제품의 정보를 등록</a:t>
             </a:r>
             <a:r>
               <a:rPr lang="en-US" altLang="ko-KR" sz="1000" dirty="0"/>
@@ -13756,7 +15005,7 @@
             <p:cNvSpPr/>
             <p:nvPr>
               <p:custDataLst>
-                <p:custData r:id="rId10"/>
+                <p:custData r:id="rId12"/>
               </p:custDataLst>
             </p:nvPr>
           </p:nvSpPr>
@@ -13881,7 +15130,7 @@
             <p:cNvSpPr/>
             <p:nvPr>
               <p:custDataLst>
-                <p:custData r:id="rId9"/>
+                <p:custData r:id="rId11"/>
               </p:custDataLst>
             </p:nvPr>
           </p:nvSpPr>
@@ -14006,7 +15255,7 @@
             <p:cNvSpPr/>
             <p:nvPr>
               <p:custDataLst>
-                <p:custData r:id="rId8"/>
+                <p:custData r:id="rId10"/>
               </p:custDataLst>
             </p:nvPr>
           </p:nvSpPr>
@@ -14119,7 +15368,7 @@
         </p:nvGrpSpPr>
         <p:grpSpPr>
           <a:xfrm>
-            <a:off x="3271769" y="1760836"/>
+            <a:off x="7886755" y="1294954"/>
             <a:ext cx="320451" cy="319476"/>
             <a:chOff x="4283964" y="3147930"/>
             <a:chExt cx="320451" cy="319476"/>
@@ -14131,7 +15380,7 @@
             <p:cNvSpPr/>
             <p:nvPr>
               <p:custDataLst>
-                <p:custData r:id="rId7"/>
+                <p:custData r:id="rId9"/>
               </p:custDataLst>
             </p:nvPr>
           </p:nvSpPr>
@@ -14243,7 +15492,7 @@
         </p:nvGrpSpPr>
         <p:grpSpPr>
           <a:xfrm>
-            <a:off x="712056" y="5619093"/>
+            <a:off x="3295605" y="1900954"/>
             <a:ext cx="320451" cy="319476"/>
             <a:chOff x="4283964" y="3147930"/>
             <a:chExt cx="320451" cy="319476"/>
@@ -14255,7 +15504,7 @@
             <p:cNvSpPr/>
             <p:nvPr>
               <p:custDataLst>
-                <p:custData r:id="rId6"/>
+                <p:custData r:id="rId8"/>
               </p:custDataLst>
             </p:nvPr>
           </p:nvSpPr>
@@ -14356,10 +15605,135 @@
           </p:txBody>
         </p:sp>
       </p:grpSp>
+      <p:grpSp>
+        <p:nvGrpSpPr>
+          <p:cNvPr id="22" name="Callout"/>
+          <p:cNvGrpSpPr/>
+          <p:nvPr>
+            <p:custDataLst>
+              <p:custData r:id="rId6"/>
+            </p:custDataLst>
+          </p:nvPr>
+        </p:nvGrpSpPr>
+        <p:grpSpPr>
+          <a:xfrm>
+            <a:off x="776304" y="5801107"/>
+            <a:ext cx="320451" cy="319476"/>
+            <a:chOff x="4283964" y="3147930"/>
+            <a:chExt cx="320451" cy="319476"/>
+          </a:xfrm>
+        </p:grpSpPr>
+        <p:sp>
+          <p:nvSpPr>
+            <p:cNvPr id="23" name="Circle"/>
+            <p:cNvSpPr/>
+            <p:nvPr>
+              <p:custDataLst>
+                <p:custData r:id="rId7"/>
+              </p:custDataLst>
+            </p:nvPr>
+          </p:nvSpPr>
+          <p:spPr>
+            <a:xfrm>
+              <a:off x="4283964" y="3147930"/>
+              <a:ext cx="320451" cy="319476"/>
+            </a:xfrm>
+            <a:prstGeom prst="ellipse">
+              <a:avLst/>
+            </a:prstGeom>
+            <a:solidFill>
+              <a:srgbClr val="FFFF00"/>
+            </a:solidFill>
+            <a:ln w="38100" cap="flat" cmpd="sng" algn="ctr">
+              <a:solidFill>
+                <a:srgbClr val="FFFFFF">
+                  <a:lumMod val="50000"/>
+                </a:srgbClr>
+              </a:solidFill>
+              <a:prstDash val="solid"/>
+            </a:ln>
+            <a:effectLst/>
+          </p:spPr>
+          <p:txBody>
+            <a:bodyPr rot="0" spcFirstLastPara="0" vertOverflow="overflow" horzOverflow="overflow" vert="horz" wrap="square" lIns="45720" tIns="45720" rIns="91440" bIns="45720" numCol="1" spcCol="0" rtlCol="0" fromWordArt="0" anchor="ctr" anchorCtr="0" forceAA="0" compatLnSpc="1">
+              <a:prstTxWarp prst="textNoShape">
+                <a:avLst/>
+              </a:prstTxWarp>
+              <a:noAutofit/>
+            </a:bodyPr>
+            <a:lstStyle/>
+            <a:p>
+              <a:pPr marL="0" marR="0" indent="0" algn="ctr" defTabSz="914400" eaLnBrk="1" fontAlgn="auto" latinLnBrk="0" hangingPunct="1">
+                <a:lnSpc>
+                  <a:spcPct val="100000"/>
+                </a:lnSpc>
+                <a:spcBef>
+                  <a:spcPts val="0"/>
+                </a:spcBef>
+                <a:spcAft>
+                  <a:spcPts val="0"/>
+                </a:spcAft>
+                <a:buClrTx/>
+                <a:buSzTx/>
+                <a:buFontTx/>
+                <a:buNone/>
+                <a:tabLst/>
+              </a:pPr>
+              <a:endParaRPr kumimoji="0" lang="en-US" sz="800" b="0" i="0" u="none" strike="noStrike" kern="0" cap="none" spc="0" normalizeH="0" baseline="0" noProof="0" dirty="0" smtClean="0">
+                <a:ln>
+                  <a:noFill/>
+                </a:ln>
+                <a:solidFill>
+                  <a:srgbClr val="000000">
+                    <a:lumMod val="75000"/>
+                    <a:lumOff val="25000"/>
+                  </a:srgbClr>
+                </a:solidFill>
+                <a:effectLst/>
+                <a:uLnTx/>
+                <a:uFillTx/>
+                <a:latin typeface="Segoe UI"/>
+                <a:ea typeface="+mn-ea"/>
+                <a:cs typeface="+mn-cs"/>
+              </a:endParaRPr>
+            </a:p>
+          </p:txBody>
+        </p:sp>
+        <p:sp>
+          <p:nvSpPr>
+            <p:cNvPr id="24" name="Content"/>
+            <p:cNvSpPr txBox="1"/>
+            <p:nvPr/>
+          </p:nvSpPr>
+          <p:spPr>
+            <a:xfrm flipH="1">
+              <a:off x="4309771" y="3157455"/>
+              <a:ext cx="268835" cy="276999"/>
+            </a:xfrm>
+            <a:prstGeom prst="rect">
+              <a:avLst/>
+            </a:prstGeom>
+            <a:noFill/>
+          </p:spPr>
+          <p:txBody>
+            <a:bodyPr wrap="square" rtlCol="0">
+              <a:spAutoFit/>
+            </a:bodyPr>
+            <a:lstStyle/>
+            <a:p>
+              <a:r>
+                <a:rPr lang="en-US" sz="1200" dirty="0"/>
+                <a:t>6</a:t>
+              </a:r>
+              <a:endParaRPr lang="en-US" sz="1200" dirty="0"/>
+            </a:p>
+          </p:txBody>
+        </p:sp>
+      </p:grpSp>
     </p:spTree>
     <p:extLst>
       <p:ext uri="{BB962C8B-B14F-4D97-AF65-F5344CB8AC3E}">
-        <p14:creationId xmlns="" xmlns:p14="http://schemas.microsoft.com/office/powerpoint/2010/main" val="3899408202"/>
+        <p14:creationId xmlns:p14="http://schemas.microsoft.com/office/powerpoint/2010/main" val="3899408202"/>
       </p:ext>
     </p:extLst>
   </p:cSld>
@@ -14395,17 +15769,17 @@
       </p:grpSpPr>
       <p:pic>
         <p:nvPicPr>
-          <p:cNvPr id="2" name="그림 1"/>
+          <p:cNvPr id="3" name="그림 2"/>
           <p:cNvPicPr>
             <a:picLocks noChangeAspect="1"/>
           </p:cNvPicPr>
           <p:nvPr/>
         </p:nvPicPr>
         <p:blipFill>
-          <a:blip r:embed="rId12">
+          <a:blip r:embed="rId8">
             <a:extLst>
               <a:ext uri="{28A0092B-C50C-407E-A947-70E740481C1C}">
-                <a14:useLocalDpi xmlns="" xmlns:a14="http://schemas.microsoft.com/office/drawing/2010/main" val="0"/>
+                <a14:useLocalDpi xmlns:a14="http://schemas.microsoft.com/office/drawing/2010/main" val="0"/>
               </a:ext>
             </a:extLst>
           </a:blip>
@@ -14415,8 +15789,8 @@
         </p:blipFill>
         <p:spPr>
           <a:xfrm>
-            <a:off x="463184" y="440897"/>
-            <a:ext cx="8826590" cy="6415697"/>
+            <a:off x="2949838" y="2533146"/>
+            <a:ext cx="6163535" cy="3801005"/>
           </a:xfrm>
           <a:prstGeom prst="rect">
             <a:avLst/>
@@ -14482,8 +15856,12 @@
               <a:t>- </a:t>
             </a:r>
             <a:r>
+              <a:rPr lang="ko-KR" altLang="en-US" dirty="0" err="1"/>
+              <a:t>입</a:t>
+            </a:r>
+            <a:r>
               <a:rPr lang="ko-KR" altLang="en-US" dirty="0" err="1" smtClean="0"/>
-              <a:t>매출관리</a:t>
+              <a:t>고관리</a:t>
             </a:r>
             <a:r>
               <a:rPr lang="en-US" altLang="ko-KR" dirty="0" smtClean="0"/>
@@ -14519,7 +15897,19 @@
             </a:pPr>
             <a:r>
               <a:rPr lang="ko-KR" altLang="en-US" sz="1000" dirty="0" smtClean="0"/>
-              <a:t>① 월 판매량</a:t>
+              <a:t>①</a:t>
+            </a:r>
+            <a:r>
+              <a:rPr lang="en-US" altLang="ko-KR" sz="1000" dirty="0"/>
+              <a:t> </a:t>
+            </a:r>
+            <a:r>
+              <a:rPr lang="ko-KR" altLang="en-US" sz="1000" dirty="0" err="1" smtClean="0"/>
+              <a:t>입고</a:t>
+            </a:r>
+            <a:r>
+              <a:rPr lang="ko-KR" altLang="en-US" sz="1000" dirty="0" err="1" smtClean="0"/>
+              <a:t>정보</a:t>
             </a:r>
             <a:endParaRPr lang="en-US" altLang="ko-KR" sz="1000" dirty="0" smtClean="0"/>
           </a:p>
@@ -14534,24 +15924,16 @@
               <a:buNone/>
             </a:pPr>
             <a:r>
-              <a:rPr lang="en-US" altLang="ko-KR" sz="1000" dirty="0"/>
-              <a:t> </a:t>
-            </a:r>
-            <a:r>
               <a:rPr lang="en-US" altLang="ko-KR" sz="1000" dirty="0" smtClean="0"/>
-              <a:t>   - </a:t>
+              <a:t>    - </a:t>
             </a:r>
             <a:r>
               <a:rPr lang="ko-KR" altLang="en-US" sz="1000" dirty="0" smtClean="0"/>
-              <a:t>주문량을 토대로 </a:t>
-            </a:r>
-            <a:r>
-              <a:rPr lang="ko-KR" altLang="en-US" sz="1000" dirty="0" err="1" smtClean="0"/>
-              <a:t>주차별</a:t>
+              <a:t>제품의 입고에 </a:t>
             </a:r>
             <a:r>
               <a:rPr lang="ko-KR" altLang="en-US" sz="1000" dirty="0" smtClean="0"/>
-              <a:t> 그래프를 </a:t>
+              <a:t>대한 정보를 </a:t>
             </a:r>
             <a:endParaRPr lang="en-US" altLang="ko-KR" sz="1000" dirty="0" smtClean="0"/>
           </a:p>
@@ -14571,7 +15953,7 @@
             </a:r>
             <a:r>
               <a:rPr lang="en-US" altLang="ko-KR" sz="1000" dirty="0" smtClean="0"/>
-              <a:t>     </a:t>
+              <a:t>      </a:t>
             </a:r>
             <a:r>
               <a:rPr lang="ko-KR" altLang="en-US" sz="1000" dirty="0" smtClean="0"/>
@@ -14594,7 +15976,11 @@
             </a:pPr>
             <a:r>
               <a:rPr lang="ko-KR" altLang="en-US" sz="1000" dirty="0" smtClean="0"/>
-              <a:t>② 월 매출 분포</a:t>
+              <a:t>② </a:t>
+            </a:r>
+            <a:r>
+              <a:rPr lang="ko-KR" altLang="en-US" sz="1000" dirty="0" smtClean="0"/>
+              <a:t>조회</a:t>
             </a:r>
             <a:endParaRPr lang="en-US" altLang="ko-KR" sz="1000" dirty="0" smtClean="0"/>
           </a:p>
@@ -14609,21 +15995,22 @@
               <a:buNone/>
             </a:pPr>
             <a:r>
-              <a:rPr lang="en-US" altLang="ko-KR" sz="1000" dirty="0"/>
-              <a:t> </a:t>
-            </a:r>
-            <a:r>
               <a:rPr lang="en-US" altLang="ko-KR" sz="1000" dirty="0" smtClean="0"/>
-              <a:t>   - </a:t>
+              <a:t>    - </a:t>
+            </a:r>
+            <a:r>
+              <a:rPr lang="ko-KR" altLang="en-US" sz="1000" dirty="0" err="1" smtClean="0"/>
+              <a:t>입고내역을</a:t>
             </a:r>
             <a:r>
               <a:rPr lang="ko-KR" altLang="en-US" sz="1000" dirty="0" smtClean="0"/>
-              <a:t>금액별로 주문량을 보여준다</a:t>
+              <a:t> 보여준다</a:t>
             </a:r>
             <a:r>
               <a:rPr lang="en-US" altLang="ko-KR" sz="1000" dirty="0" smtClean="0"/>
               <a:t>.</a:t>
             </a:r>
+            <a:endParaRPr lang="en-US" altLang="ko-KR" sz="1000" dirty="0"/>
           </a:p>
           <a:p>
             <a:pPr marL="0" indent="0">
@@ -14637,9 +16024,17 @@
             </a:pPr>
             <a:r>
               <a:rPr lang="ko-KR" altLang="en-US" sz="1000" dirty="0" smtClean="0"/>
-              <a:t>③ 월 매출액</a:t>
-            </a:r>
-            <a:endParaRPr lang="en-US" altLang="ko-KR" sz="1000" dirty="0" smtClean="0"/>
+              <a:t>③ </a:t>
+            </a:r>
+            <a:r>
+              <a:rPr lang="ko-KR" altLang="en-US" sz="1000" dirty="0" err="1" smtClean="0"/>
+              <a:t>입고</a:t>
+            </a:r>
+            <a:r>
+              <a:rPr lang="ko-KR" altLang="en-US" sz="1000" dirty="0" err="1" smtClean="0"/>
+              <a:t>관리</a:t>
+            </a:r>
+            <a:endParaRPr lang="en-US" altLang="ko-KR" sz="1000" dirty="0"/>
           </a:p>
           <a:p>
             <a:pPr marL="0" indent="0">
@@ -14652,18 +16047,25 @@
               <a:buNone/>
             </a:pPr>
             <a:r>
+              <a:rPr lang="en-US" altLang="ko-KR" sz="1000" dirty="0"/>
+              <a:t>     - </a:t>
+            </a:r>
+            <a:r>
+              <a:rPr lang="ko-KR" altLang="en-US" sz="1000" dirty="0"/>
+              <a:t>제품의 정보를 등록</a:t>
+            </a:r>
+            <a:r>
               <a:rPr lang="en-US" altLang="ko-KR" sz="1000" dirty="0" smtClean="0"/>
-              <a:t>     - </a:t>
-            </a:r>
-            <a:r>
-              <a:rPr lang="ko-KR" altLang="en-US" sz="1000" dirty="0" err="1" smtClean="0"/>
-              <a:t>주문금액을</a:t>
+              <a:t>, </a:t>
             </a:r>
             <a:r>
               <a:rPr lang="ko-KR" altLang="en-US" sz="1000" dirty="0" smtClean="0"/>
-              <a:t> 토대로 그래프를 </a:t>
-            </a:r>
-            <a:endParaRPr lang="en-US" altLang="ko-KR" sz="1000" dirty="0" smtClean="0"/>
+              <a:t>삭제한다</a:t>
+            </a:r>
+            <a:r>
+              <a:rPr lang="en-US" altLang="ko-KR" sz="1000" dirty="0"/>
+              <a:t>.</a:t>
+            </a:r>
           </a:p>
           <a:p>
             <a:pPr marL="0" indent="0">
@@ -14675,220 +16077,7 @@
               </a:spcBef>
               <a:buNone/>
             </a:pPr>
-            <a:r>
-              <a:rPr lang="en-US" altLang="ko-KR" sz="1000" dirty="0"/>
-              <a:t> </a:t>
-            </a:r>
-            <a:r>
-              <a:rPr lang="en-US" altLang="ko-KR" sz="1000" dirty="0" smtClean="0"/>
-              <a:t>       </a:t>
-            </a:r>
-            <a:r>
-              <a:rPr lang="ko-KR" altLang="en-US" sz="1000" dirty="0" smtClean="0"/>
-              <a:t>보여준다</a:t>
-            </a:r>
-            <a:r>
-              <a:rPr lang="en-US" altLang="ko-KR" sz="1000" dirty="0" smtClean="0"/>
-              <a:t>.</a:t>
-            </a:r>
-            <a:endParaRPr lang="en-US" altLang="ko-KR" sz="1000" dirty="0"/>
-          </a:p>
-          <a:p>
-            <a:pPr marL="0" indent="0">
-              <a:lnSpc>
-                <a:spcPct val="100000"/>
-              </a:lnSpc>
-              <a:spcBef>
-                <a:spcPts val="0"/>
-              </a:spcBef>
-              <a:buNone/>
-            </a:pPr>
-            <a:r>
-              <a:rPr lang="ko-KR" altLang="en-US" sz="1000" dirty="0" smtClean="0"/>
-              <a:t>④ </a:t>
-            </a:r>
-            <a:r>
-              <a:rPr lang="ko-KR" altLang="en-US" sz="1000" dirty="0" err="1" smtClean="0"/>
-              <a:t>부품별</a:t>
-            </a:r>
-            <a:r>
-              <a:rPr lang="ko-KR" altLang="en-US" sz="1000" dirty="0" smtClean="0"/>
-              <a:t> 매출 순위</a:t>
-            </a:r>
             <a:endParaRPr lang="en-US" altLang="ko-KR" sz="1000" dirty="0" smtClean="0"/>
-          </a:p>
-          <a:p>
-            <a:pPr marL="0" indent="0">
-              <a:lnSpc>
-                <a:spcPct val="100000"/>
-              </a:lnSpc>
-              <a:spcBef>
-                <a:spcPts val="0"/>
-              </a:spcBef>
-              <a:buNone/>
-            </a:pPr>
-            <a:r>
-              <a:rPr lang="en-US" altLang="ko-KR" sz="1000" dirty="0" smtClean="0"/>
-              <a:t>     - </a:t>
-            </a:r>
-            <a:r>
-              <a:rPr lang="ko-KR" altLang="en-US" sz="1000" dirty="0" smtClean="0"/>
-              <a:t>제품별로 가장 많은 주문량을 </a:t>
-            </a:r>
-            <a:endParaRPr lang="en-US" altLang="ko-KR" sz="1000" dirty="0" smtClean="0"/>
-          </a:p>
-          <a:p>
-            <a:pPr marL="0" indent="0">
-              <a:lnSpc>
-                <a:spcPct val="100000"/>
-              </a:lnSpc>
-              <a:spcBef>
-                <a:spcPts val="0"/>
-              </a:spcBef>
-              <a:buNone/>
-            </a:pPr>
-            <a:r>
-              <a:rPr lang="en-US" altLang="ko-KR" sz="1000" dirty="0"/>
-              <a:t> </a:t>
-            </a:r>
-            <a:r>
-              <a:rPr lang="en-US" altLang="ko-KR" sz="1000" dirty="0" smtClean="0"/>
-              <a:t>        </a:t>
-            </a:r>
-            <a:r>
-              <a:rPr lang="ko-KR" altLang="en-US" sz="1000" dirty="0" smtClean="0"/>
-              <a:t>추려서 보여준다</a:t>
-            </a:r>
-            <a:r>
-              <a:rPr lang="en-US" altLang="ko-KR" sz="1000" dirty="0" smtClean="0"/>
-              <a:t>.</a:t>
-            </a:r>
-          </a:p>
-          <a:p>
-            <a:pPr marL="0" indent="0">
-              <a:lnSpc>
-                <a:spcPct val="100000"/>
-              </a:lnSpc>
-              <a:spcBef>
-                <a:spcPts val="0"/>
-              </a:spcBef>
-              <a:buNone/>
-            </a:pPr>
-            <a:r>
-              <a:rPr lang="ko-KR" altLang="en-US" sz="1000" dirty="0" smtClean="0"/>
-              <a:t>⑤ 연 매출액</a:t>
-            </a:r>
-            <a:endParaRPr lang="en-US" altLang="ko-KR" sz="1000" dirty="0" smtClean="0"/>
-          </a:p>
-          <a:p>
-            <a:pPr marL="0" indent="0">
-              <a:lnSpc>
-                <a:spcPct val="100000"/>
-              </a:lnSpc>
-              <a:spcBef>
-                <a:spcPts val="0"/>
-              </a:spcBef>
-              <a:buNone/>
-            </a:pPr>
-            <a:r>
-              <a:rPr lang="en-US" altLang="ko-KR" sz="1000" dirty="0"/>
-              <a:t> </a:t>
-            </a:r>
-            <a:r>
-              <a:rPr lang="en-US" altLang="ko-KR" sz="1000" dirty="0" smtClean="0"/>
-              <a:t>    -</a:t>
-            </a:r>
-            <a:r>
-              <a:rPr lang="ko-KR" altLang="en-US" sz="1000" dirty="0" smtClean="0"/>
-              <a:t>기본 설정은 </a:t>
-            </a:r>
-            <a:r>
-              <a:rPr lang="en-US" altLang="ko-KR" sz="1000" dirty="0" smtClean="0"/>
-              <a:t>”</a:t>
-            </a:r>
-            <a:r>
-              <a:rPr lang="ko-KR" altLang="en-US" sz="1000" dirty="0" smtClean="0"/>
-              <a:t>회원 아이디</a:t>
-            </a:r>
-            <a:r>
-              <a:rPr lang="en-US" altLang="ko-KR" sz="1000" dirty="0" smtClean="0"/>
-              <a:t>’s Page”</a:t>
-            </a:r>
-            <a:r>
-              <a:rPr lang="ko-KR" altLang="en-US" sz="1000" dirty="0" smtClean="0"/>
-              <a:t>로 </a:t>
-            </a:r>
-            <a:endParaRPr lang="en-US" altLang="ko-KR" sz="1000" dirty="0" smtClean="0"/>
-          </a:p>
-          <a:p>
-            <a:pPr marL="0" indent="0">
-              <a:lnSpc>
-                <a:spcPct val="100000"/>
-              </a:lnSpc>
-              <a:spcBef>
-                <a:spcPts val="0"/>
-              </a:spcBef>
-              <a:buNone/>
-            </a:pPr>
-            <a:r>
-              <a:rPr lang="en-US" altLang="ko-KR" sz="1000" dirty="0"/>
-              <a:t> </a:t>
-            </a:r>
-            <a:r>
-              <a:rPr lang="en-US" altLang="ko-KR" sz="1000" dirty="0" smtClean="0"/>
-              <a:t>     </a:t>
-            </a:r>
-            <a:r>
-              <a:rPr lang="ko-KR" altLang="en-US" sz="1000" dirty="0" smtClean="0"/>
-              <a:t>구성한다</a:t>
-            </a:r>
-            <a:r>
-              <a:rPr lang="en-US" altLang="ko-KR" sz="1000" dirty="0" smtClean="0"/>
-              <a:t>. </a:t>
-            </a:r>
-          </a:p>
-          <a:p>
-            <a:pPr marL="0" indent="0">
-              <a:lnSpc>
-                <a:spcPct val="100000"/>
-              </a:lnSpc>
-              <a:spcBef>
-                <a:spcPts val="0"/>
-              </a:spcBef>
-              <a:buNone/>
-            </a:pPr>
-            <a:r>
-              <a:rPr lang="en-US" altLang="ko-KR" sz="1000" dirty="0" smtClean="0"/>
-              <a:t>      ( </a:t>
-            </a:r>
-            <a:r>
-              <a:rPr lang="ko-KR" altLang="en-US" sz="1000" dirty="0" err="1" smtClean="0"/>
-              <a:t>비로그인</a:t>
-            </a:r>
-            <a:r>
-              <a:rPr lang="ko-KR" altLang="en-US" sz="1000" dirty="0" smtClean="0"/>
-              <a:t> 시</a:t>
-            </a:r>
-            <a:r>
-              <a:rPr lang="en-US" altLang="ko-KR" sz="1000" dirty="0" smtClean="0"/>
-              <a:t>, “</a:t>
-            </a:r>
-            <a:r>
-              <a:rPr lang="en-US" altLang="ko-KR" sz="1000" dirty="0" err="1" smtClean="0"/>
-              <a:t>PS.Page</a:t>
-            </a:r>
-            <a:r>
-              <a:rPr lang="en-US" altLang="ko-KR" sz="1000" dirty="0" smtClean="0"/>
-              <a:t>”</a:t>
-            </a:r>
-            <a:r>
-              <a:rPr lang="ko-KR" altLang="en-US" sz="1000" dirty="0" smtClean="0"/>
-              <a:t>로 표시</a:t>
-            </a:r>
-            <a:r>
-              <a:rPr lang="en-US" altLang="ko-KR" sz="1000" dirty="0" smtClean="0"/>
-              <a:t>)</a:t>
-            </a:r>
           </a:p>
         </p:txBody>
       </p:sp>
@@ -14904,7 +16093,7 @@
         </p:nvGrpSpPr>
         <p:grpSpPr>
           <a:xfrm>
-            <a:off x="1321928" y="1059001"/>
+            <a:off x="3023814" y="3155457"/>
             <a:ext cx="320451" cy="319476"/>
             <a:chOff x="4283964" y="3147930"/>
             <a:chExt cx="320451" cy="319476"/>
@@ -14916,7 +16105,7 @@
             <p:cNvSpPr/>
             <p:nvPr>
               <p:custDataLst>
-                <p:custData r:id="rId10"/>
+                <p:custData r:id="rId6"/>
               </p:custDataLst>
             </p:nvPr>
           </p:nvSpPr>
@@ -15029,7 +16218,7 @@
         </p:nvGrpSpPr>
         <p:grpSpPr>
           <a:xfrm>
-            <a:off x="3557816" y="1068526"/>
+            <a:off x="5275556" y="3155457"/>
             <a:ext cx="320451" cy="319476"/>
             <a:chOff x="4283964" y="3147930"/>
             <a:chExt cx="320451" cy="319476"/>
@@ -15041,7 +16230,7 @@
             <p:cNvSpPr/>
             <p:nvPr>
               <p:custDataLst>
-                <p:custData r:id="rId9"/>
+                <p:custData r:id="rId5"/>
               </p:custDataLst>
             </p:nvPr>
           </p:nvSpPr>
@@ -15154,7 +16343,7 @@
         </p:nvGrpSpPr>
         <p:grpSpPr>
           <a:xfrm>
-            <a:off x="6870329" y="1068526"/>
+            <a:off x="3184039" y="5254043"/>
             <a:ext cx="320451" cy="319476"/>
             <a:chOff x="4283964" y="3147930"/>
             <a:chExt cx="320451" cy="319476"/>
@@ -15166,7 +16355,7 @@
             <p:cNvSpPr/>
             <p:nvPr>
               <p:custDataLst>
-                <p:custData r:id="rId8"/>
+                <p:custData r:id="rId4"/>
               </p:custDataLst>
             </p:nvPr>
           </p:nvSpPr>
@@ -15267,259 +16456,104 @@
           </p:txBody>
         </p:sp>
       </p:grpSp>
-      <p:grpSp>
-        <p:nvGrpSpPr>
-          <p:cNvPr id="161" name="Callout"/>
-          <p:cNvGrpSpPr/>
-          <p:nvPr>
-            <p:custDataLst>
-              <p:custData r:id="rId4"/>
-            </p:custDataLst>
-          </p:nvPr>
-        </p:nvGrpSpPr>
-        <p:grpSpPr>
+      <p:pic>
+        <p:nvPicPr>
+          <p:cNvPr id="5" name="그림 4"/>
+          <p:cNvPicPr>
+            <a:picLocks noChangeAspect="1"/>
+          </p:cNvPicPr>
+          <p:nvPr/>
+        </p:nvPicPr>
+        <p:blipFill>
+          <a:blip r:embed="rId9"/>
+          <a:stretch>
+            <a:fillRect/>
+          </a:stretch>
+        </p:blipFill>
+        <p:spPr>
           <a:xfrm>
-            <a:off x="729926" y="3802668"/>
-            <a:ext cx="320451" cy="319476"/>
-            <a:chOff x="4283964" y="3147930"/>
-            <a:chExt cx="320451" cy="319476"/>
+            <a:off x="1467089" y="990876"/>
+            <a:ext cx="685896" cy="266737"/>
           </a:xfrm>
-        </p:grpSpPr>
-        <p:sp>
-          <p:nvSpPr>
-            <p:cNvPr id="162" name="Circle"/>
-            <p:cNvSpPr/>
-            <p:nvPr>
-              <p:custDataLst>
-                <p:custData r:id="rId7"/>
-              </p:custDataLst>
-            </p:nvPr>
-          </p:nvSpPr>
-          <p:spPr>
-            <a:xfrm>
-              <a:off x="4283964" y="3147930"/>
-              <a:ext cx="320451" cy="319476"/>
-            </a:xfrm>
-            <a:prstGeom prst="ellipse">
-              <a:avLst/>
-            </a:prstGeom>
+          <a:prstGeom prst="rect">
+            <a:avLst/>
+          </a:prstGeom>
+        </p:spPr>
+      </p:pic>
+      <p:cxnSp>
+        <p:nvCxnSpPr>
+          <p:cNvPr id="26" name="직선 연결선 25"/>
+          <p:cNvCxnSpPr/>
+          <p:nvPr/>
+        </p:nvCxnSpPr>
+        <p:spPr>
+          <a:xfrm>
+            <a:off x="2176803" y="1218689"/>
+            <a:ext cx="6838408" cy="1254055"/>
+          </a:xfrm>
+          <a:prstGeom prst="line">
+            <a:avLst/>
+          </a:prstGeom>
+          <a:ln w="19050">
             <a:solidFill>
-              <a:srgbClr val="FFFF00"/>
+              <a:srgbClr val="F27724"/>
             </a:solidFill>
-            <a:ln w="38100" cap="flat" cmpd="sng" algn="ctr">
-              <a:solidFill>
-                <a:srgbClr val="FFFFFF">
-                  <a:lumMod val="50000"/>
-                </a:srgbClr>
-              </a:solidFill>
-              <a:prstDash val="solid"/>
-            </a:ln>
-            <a:effectLst/>
-          </p:spPr>
-          <p:txBody>
-            <a:bodyPr rot="0" spcFirstLastPara="0" vertOverflow="overflow" horzOverflow="overflow" vert="horz" wrap="square" lIns="45720" tIns="45720" rIns="91440" bIns="45720" numCol="1" spcCol="0" rtlCol="0" fromWordArt="0" anchor="ctr" anchorCtr="0" forceAA="0" compatLnSpc="1">
-              <a:prstTxWarp prst="textNoShape">
-                <a:avLst/>
-              </a:prstTxWarp>
-              <a:noAutofit/>
-            </a:bodyPr>
-            <a:lstStyle/>
-            <a:p>
-              <a:pPr marL="0" marR="0" indent="0" algn="ctr" defTabSz="914400" eaLnBrk="1" fontAlgn="auto" latinLnBrk="0" hangingPunct="1">
-                <a:lnSpc>
-                  <a:spcPct val="100000"/>
-                </a:lnSpc>
-                <a:spcBef>
-                  <a:spcPts val="0"/>
-                </a:spcBef>
-                <a:spcAft>
-                  <a:spcPts val="0"/>
-                </a:spcAft>
-                <a:buClrTx/>
-                <a:buSzTx/>
-                <a:buFontTx/>
-                <a:buNone/>
-                <a:tabLst/>
-              </a:pPr>
-              <a:endParaRPr kumimoji="0" lang="en-US" sz="800" b="0" i="0" u="none" strike="noStrike" kern="0" cap="none" spc="0" normalizeH="0" baseline="0" noProof="0" dirty="0" smtClean="0">
-                <a:ln>
-                  <a:noFill/>
-                </a:ln>
-                <a:solidFill>
-                  <a:srgbClr val="000000">
-                    <a:lumMod val="75000"/>
-                    <a:lumOff val="25000"/>
-                  </a:srgbClr>
-                </a:solidFill>
-                <a:effectLst/>
-                <a:uLnTx/>
-                <a:uFillTx/>
-                <a:latin typeface="Segoe UI"/>
-                <a:ea typeface="+mn-ea"/>
-                <a:cs typeface="+mn-cs"/>
-              </a:endParaRPr>
-            </a:p>
-          </p:txBody>
-        </p:sp>
-        <p:sp>
-          <p:nvSpPr>
-            <p:cNvPr id="163" name="Content"/>
-            <p:cNvSpPr txBox="1"/>
-            <p:nvPr/>
-          </p:nvSpPr>
-          <p:spPr>
-            <a:xfrm flipH="1">
-              <a:off x="4309771" y="3157455"/>
-              <a:ext cx="268835" cy="276999"/>
-            </a:xfrm>
-            <a:prstGeom prst="rect">
-              <a:avLst/>
-            </a:prstGeom>
-            <a:noFill/>
-          </p:spPr>
-          <p:txBody>
-            <a:bodyPr wrap="square" rtlCol="0">
-              <a:spAutoFit/>
-            </a:bodyPr>
-            <a:lstStyle/>
-            <a:p>
-              <a:r>
-                <a:rPr lang="en-US" sz="1200" dirty="0"/>
-                <a:t>4</a:t>
-              </a:r>
-            </a:p>
-          </p:txBody>
-        </p:sp>
-      </p:grpSp>
-      <p:grpSp>
-        <p:nvGrpSpPr>
-          <p:cNvPr id="164" name="Callout"/>
-          <p:cNvGrpSpPr/>
-          <p:nvPr>
-            <p:custDataLst>
-              <p:custData r:id="rId5"/>
-            </p:custDataLst>
-          </p:nvPr>
-        </p:nvGrpSpPr>
-        <p:grpSpPr>
+          </a:ln>
+        </p:spPr>
+        <p:style>
+          <a:lnRef idx="1">
+            <a:schemeClr val="accent1"/>
+          </a:lnRef>
+          <a:fillRef idx="0">
+            <a:schemeClr val="accent1"/>
+          </a:fillRef>
+          <a:effectRef idx="0">
+            <a:schemeClr val="accent1"/>
+          </a:effectRef>
+          <a:fontRef idx="minor">
+            <a:schemeClr val="tx1"/>
+          </a:fontRef>
+        </p:style>
+      </p:cxnSp>
+      <p:cxnSp>
+        <p:nvCxnSpPr>
+          <p:cNvPr id="27" name="직선 연결선 26"/>
+          <p:cNvCxnSpPr/>
+          <p:nvPr/>
+        </p:nvCxnSpPr>
+        <p:spPr>
           <a:xfrm>
-            <a:off x="6812671" y="3814382"/>
-            <a:ext cx="320451" cy="319476"/>
-            <a:chOff x="4283964" y="3147930"/>
-            <a:chExt cx="320451" cy="319476"/>
+            <a:off x="1465352" y="1304479"/>
+            <a:ext cx="1432394" cy="4928896"/>
           </a:xfrm>
-        </p:grpSpPr>
-        <p:sp>
-          <p:nvSpPr>
-            <p:cNvPr id="165" name="Circle"/>
-            <p:cNvSpPr/>
-            <p:nvPr>
-              <p:custDataLst>
-                <p:custData r:id="rId6"/>
-              </p:custDataLst>
-            </p:nvPr>
-          </p:nvSpPr>
-          <p:spPr>
-            <a:xfrm>
-              <a:off x="4283964" y="3147930"/>
-              <a:ext cx="320451" cy="319476"/>
-            </a:xfrm>
-            <a:prstGeom prst="ellipse">
-              <a:avLst/>
-            </a:prstGeom>
+          <a:prstGeom prst="line">
+            <a:avLst/>
+          </a:prstGeom>
+          <a:ln w="19050">
             <a:solidFill>
-              <a:srgbClr val="FFFF00"/>
+              <a:srgbClr val="F27724"/>
             </a:solidFill>
-            <a:ln w="38100" cap="flat" cmpd="sng" algn="ctr">
-              <a:solidFill>
-                <a:srgbClr val="FFFFFF">
-                  <a:lumMod val="50000"/>
-                </a:srgbClr>
-              </a:solidFill>
-              <a:prstDash val="solid"/>
-            </a:ln>
-            <a:effectLst/>
-          </p:spPr>
-          <p:txBody>
-            <a:bodyPr rot="0" spcFirstLastPara="0" vertOverflow="overflow" horzOverflow="overflow" vert="horz" wrap="square" lIns="45720" tIns="45720" rIns="91440" bIns="45720" numCol="1" spcCol="0" rtlCol="0" fromWordArt="0" anchor="ctr" anchorCtr="0" forceAA="0" compatLnSpc="1">
-              <a:prstTxWarp prst="textNoShape">
-                <a:avLst/>
-              </a:prstTxWarp>
-              <a:noAutofit/>
-            </a:bodyPr>
-            <a:lstStyle/>
-            <a:p>
-              <a:pPr marL="0" marR="0" indent="0" algn="ctr" defTabSz="914400" eaLnBrk="1" fontAlgn="auto" latinLnBrk="0" hangingPunct="1">
-                <a:lnSpc>
-                  <a:spcPct val="100000"/>
-                </a:lnSpc>
-                <a:spcBef>
-                  <a:spcPts val="0"/>
-                </a:spcBef>
-                <a:spcAft>
-                  <a:spcPts val="0"/>
-                </a:spcAft>
-                <a:buClrTx/>
-                <a:buSzTx/>
-                <a:buFontTx/>
-                <a:buNone/>
-                <a:tabLst/>
-              </a:pPr>
-              <a:endParaRPr kumimoji="0" lang="en-US" sz="800" b="0" i="0" u="none" strike="noStrike" kern="0" cap="none" spc="0" normalizeH="0" baseline="0" noProof="0" dirty="0" smtClean="0">
-                <a:ln>
-                  <a:noFill/>
-                </a:ln>
-                <a:solidFill>
-                  <a:srgbClr val="000000">
-                    <a:lumMod val="75000"/>
-                    <a:lumOff val="25000"/>
-                  </a:srgbClr>
-                </a:solidFill>
-                <a:effectLst/>
-                <a:uLnTx/>
-                <a:uFillTx/>
-                <a:latin typeface="Segoe UI"/>
-                <a:ea typeface="+mn-ea"/>
-                <a:cs typeface="+mn-cs"/>
-              </a:endParaRPr>
-            </a:p>
-          </p:txBody>
-        </p:sp>
-        <p:sp>
-          <p:nvSpPr>
-            <p:cNvPr id="166" name="Content"/>
-            <p:cNvSpPr txBox="1"/>
-            <p:nvPr/>
-          </p:nvSpPr>
-          <p:spPr>
-            <a:xfrm flipH="1">
-              <a:off x="4309771" y="3157455"/>
-              <a:ext cx="268835" cy="276999"/>
-            </a:xfrm>
-            <a:prstGeom prst="rect">
-              <a:avLst/>
-            </a:prstGeom>
-            <a:noFill/>
-          </p:spPr>
-          <p:txBody>
-            <a:bodyPr wrap="square" rtlCol="0">
-              <a:spAutoFit/>
-            </a:bodyPr>
-            <a:lstStyle/>
-            <a:p>
-              <a:r>
-                <a:rPr lang="en-US" sz="1200" dirty="0" smtClean="0"/>
-                <a:t>5</a:t>
-              </a:r>
-              <a:endParaRPr lang="en-US" sz="1200" dirty="0"/>
-            </a:p>
-          </p:txBody>
-        </p:sp>
-      </p:grpSp>
+          </a:ln>
+        </p:spPr>
+        <p:style>
+          <a:lnRef idx="1">
+            <a:schemeClr val="accent1"/>
+          </a:lnRef>
+          <a:fillRef idx="0">
+            <a:schemeClr val="accent1"/>
+          </a:fillRef>
+          <a:effectRef idx="0">
+            <a:schemeClr val="accent1"/>
+          </a:effectRef>
+          <a:fontRef idx="minor">
+            <a:schemeClr val="tx1"/>
+          </a:fontRef>
+        </p:style>
+      </p:cxnSp>
     </p:spTree>
     <p:extLst>
       <p:ext uri="{BB962C8B-B14F-4D97-AF65-F5344CB8AC3E}">
-        <p14:creationId xmlns="" xmlns:p14="http://schemas.microsoft.com/office/powerpoint/2010/main" val="2346978374"/>
+        <p14:creationId xmlns:p14="http://schemas.microsoft.com/office/powerpoint/2010/main" val="1911056576"/>
       </p:ext>
     </p:extLst>
   </p:cSld>
@@ -15791,7 +16825,7 @@
   <a:extraClrSchemeLst/>
   <a:extLst>
     <a:ext uri="{05A4C25C-085E-4340-85A3-A5531E510DB2}">
-      <thm15:themeFamily xmlns="" xmlns:thm15="http://schemas.microsoft.com/office/thememl/2012/main" name="스토리보드" id="{8099603D-1BE1-4B6A-908A-4AF7E08E24D0}" vid="{621F26AD-25D5-4C4F-8BBC-5A17BFE16C3F}"/>
+      <thm15:themeFamily xmlns:thm15="http://schemas.microsoft.com/office/thememl/2012/main" name="스토리보드" id="{8099603D-1BE1-4B6A-908A-4AF7E08E24D0}" vid="{621F26AD-25D5-4C4F-8BBC-5A17BFE16C3F}"/>
     </a:ext>
   </a:extLst>
 </a:theme>
@@ -16052,7 +17086,7 @@
   <a:extraClrSchemeLst/>
   <a:extLst>
     <a:ext uri="{05A4C25C-085E-4340-85A3-A5531E510DB2}">
-      <thm15:themeFamily xmlns="" xmlns:thm15="http://schemas.microsoft.com/office/thememl/2012/main" name="Office Theme" id="{62F939B6-93AF-4DB8-9C6B-D6C7DFDC589F}" vid="{4A3C46E8-61CC-4603-A589-7422A47A8E4A}"/>
+      <thm15:themeFamily xmlns:thm15="http://schemas.microsoft.com/office/thememl/2012/main" name="Office Theme" id="{62F939B6-93AF-4DB8-9C6B-D6C7DFDC589F}" vid="{4A3C46E8-61CC-4603-A589-7422A47A8E4A}"/>
     </a:ext>
   </a:extLst>
 </a:theme>
@@ -16313,7 +17347,7 @@
   <a:extraClrSchemeLst/>
   <a:extLst>
     <a:ext uri="{05A4C25C-085E-4340-85A3-A5531E510DB2}">
-      <thm15:themeFamily xmlns="" xmlns:thm15="http://schemas.microsoft.com/office/thememl/2012/main" name="Office Theme" id="{62F939B6-93AF-4DB8-9C6B-D6C7DFDC589F}" vid="{4A3C46E8-61CC-4603-A589-7422A47A8E4A}"/>
+      <thm15:themeFamily xmlns:thm15="http://schemas.microsoft.com/office/thememl/2012/main" name="Office Theme" id="{62F939B6-93AF-4DB8-9C6B-D6C7DFDC589F}" vid="{4A3C46E8-61CC-4603-A589-7422A47A8E4A}"/>
     </a:ext>
   </a:extLst>
 </a:theme>
@@ -16333,7 +17367,7 @@
 
 <file path=customXml/item100.xml><?xml version="1.0" encoding="utf-8"?>
 <Control xmlns="http://schemas.microsoft.com/VisualStudio/2011/storyboarding/control">
-  <Id Name="fd7d7bed-114e-464c-a4f1-01a512005949" Revision="1" Stencil="System.MyShapes" StencilVersion="1.0"/>
+  <Id Name="System.Storyboarding.Annotation.CallOut" Revision="1" Stencil="System.Storyboarding.Annotation" StencilVersion="0.1"/>
 </Control>
 </file>
 
@@ -16375,7 +17409,7 @@
 
 <file path=customXml/item107.xml><?xml version="1.0" encoding="utf-8"?>
 <Control xmlns="http://schemas.microsoft.com/VisualStudio/2011/storyboarding/control">
-  <Id Name="fd7d7bed-114e-464c-a4f1-01a512005949" Revision="1" Stencil="System.MyShapes" StencilVersion="1.0"/>
+  <Id Name="System.Storyboarding.Annotation.CallOut" Revision="1" Stencil="System.Storyboarding.Annotation" StencilVersion="0.1"/>
 </Control>
 </file>
 
@@ -16393,13 +17427,13 @@
 
 <file path=customXml/item11.xml><?xml version="1.0" encoding="utf-8"?>
 <Control xmlns="http://schemas.microsoft.com/VisualStudio/2011/storyboarding/control">
-  <Id Name="fd7d7bed-114e-464c-a4f1-01a512005949" Revision="1" Stencil="System.MyShapes" StencilVersion="1.0"/>
+  <Id Name="System.Storyboarding.Annotation.CallOut" Revision="1" Stencil="System.Storyboarding.Annotation" StencilVersion="0.1"/>
 </Control>
 </file>
 
 <file path=customXml/item110.xml><?xml version="1.0" encoding="utf-8"?>
 <Control xmlns="http://schemas.microsoft.com/VisualStudio/2011/storyboarding/control">
-  <Id Name="System.Storyboarding.Annotation.CallOut" Revision="1" Stencil="System.Storyboarding.Annotation" StencilVersion="0.1"/>
+  <Id Name="fd7d7bed-114e-464c-a4f1-01a512005949" Revision="1" Stencil="System.MyShapes" StencilVersion="1.0"/>
 </Control>
 </file>
 
@@ -16423,7 +17457,7 @@
 
 <file path=customXml/item114.xml><?xml version="1.0" encoding="utf-8"?>
 <Control xmlns="http://schemas.microsoft.com/VisualStudio/2011/storyboarding/control">
-  <Id Name="System.Storyboarding.Annotation.CallOut" Revision="1" Stencil="System.Storyboarding.Annotation" StencilVersion="0.1"/>
+  <Id Name="fd7d7bed-114e-464c-a4f1-01a512005949" Revision="1" Stencil="System.MyShapes" StencilVersion="1.0"/>
 </Control>
 </file>
 
@@ -16433,7 +17467,55 @@
 </Control>
 </file>
 
+<file path=customXml/item116.xml><?xml version="1.0" encoding="utf-8"?>
+<Control xmlns="http://schemas.microsoft.com/VisualStudio/2011/storyboarding/control">
+  <Id Name="System.Storyboarding.Annotation.CallOut" Revision="1" Stencil="System.Storyboarding.Annotation" StencilVersion="0.1"/>
+</Control>
+</file>
+
+<file path=customXml/item117.xml><?xml version="1.0" encoding="utf-8"?>
+<Control xmlns="http://schemas.microsoft.com/VisualStudio/2011/storyboarding/control">
+  <Id Name="fd7d7bed-114e-464c-a4f1-01a512005949" Revision="1" Stencil="System.MyShapes" StencilVersion="1.0"/>
+</Control>
+</file>
+
+<file path=customXml/item118.xml><?xml version="1.0" encoding="utf-8"?>
+<Control xmlns="http://schemas.microsoft.com/VisualStudio/2011/storyboarding/control">
+  <Id Name="System.Storyboarding.Annotation.CallOut" Revision="1" Stencil="System.Storyboarding.Annotation" StencilVersion="0.1"/>
+</Control>
+</file>
+
+<file path=customXml/item119.xml><?xml version="1.0" encoding="utf-8"?>
+<Control xmlns="http://schemas.microsoft.com/VisualStudio/2011/storyboarding/control">
+  <Id Name="fd7d7bed-114e-464c-a4f1-01a512005949" Revision="1" Stencil="System.MyShapes" StencilVersion="1.0"/>
+</Control>
+</file>
+
 <file path=customXml/item12.xml><?xml version="1.0" encoding="utf-8"?>
+<Control xmlns="http://schemas.microsoft.com/VisualStudio/2011/storyboarding/control">
+  <Id Name="System.Storyboarding.Annotation.CallOut" Revision="1" Stencil="System.Storyboarding.Annotation" StencilVersion="0.1"/>
+</Control>
+</file>
+
+<file path=customXml/item120.xml><?xml version="1.0" encoding="utf-8"?>
+<Control xmlns="http://schemas.microsoft.com/VisualStudio/2011/storyboarding/control">
+  <Id Name="System.Storyboarding.Annotation.CallOut" Revision="1" Stencil="System.Storyboarding.Annotation" StencilVersion="0.1"/>
+</Control>
+</file>
+
+<file path=customXml/item121.xml><?xml version="1.0" encoding="utf-8"?>
+<Control xmlns="http://schemas.microsoft.com/VisualStudio/2011/storyboarding/control">
+  <Id Name="fd7d7bed-114e-464c-a4f1-01a512005949" Revision="1" Stencil="System.MyShapes" StencilVersion="1.0"/>
+</Control>
+</file>
+
+<file path=customXml/item122.xml><?xml version="1.0" encoding="utf-8"?>
+<Control xmlns="http://schemas.microsoft.com/VisualStudio/2011/storyboarding/control">
+  <Id Name="System.Storyboarding.Annotation.CallOut" Revision="1" Stencil="System.Storyboarding.Annotation" StencilVersion="0.1"/>
+</Control>
+</file>
+
+<file path=customXml/item123.xml><?xml version="1.0" encoding="utf-8"?>
 <Control xmlns="http://schemas.microsoft.com/VisualStudio/2011/storyboarding/control">
   <Id Name="fd7d7bed-114e-464c-a4f1-01a512005949" Revision="1" Stencil="System.MyShapes" StencilVersion="1.0"/>
 </Control>
@@ -16447,31 +17529,31 @@
 
 <file path=customXml/item14.xml><?xml version="1.0" encoding="utf-8"?>
 <Control xmlns="http://schemas.microsoft.com/VisualStudio/2011/storyboarding/control">
-  <Id Name="fd7d7bed-114e-464c-a4f1-01a512005949" Revision="1" Stencil="System.MyShapes" StencilVersion="1.0"/>
+  <Id Name="System.Storyboarding.Annotation.CallOut" Revision="1" Stencil="System.Storyboarding.Annotation" StencilVersion="0.1"/>
 </Control>
 </file>
 
 <file path=customXml/item15.xml><?xml version="1.0" encoding="utf-8"?>
 <Control xmlns="http://schemas.microsoft.com/VisualStudio/2011/storyboarding/control">
-  <Id Name="System.Storyboarding.Common.Text" Revision="1" Stencil="System.Storyboarding.Common" StencilVersion="0.1"/>
+  <Id Name="System.Storyboarding.Common.RadioButtonSelected" Revision="1" Stencil="System.Storyboarding.Common" StencilVersion="0.1"/>
 </Control>
 </file>
 
 <file path=customXml/item16.xml><?xml version="1.0" encoding="utf-8"?>
+<Control xmlns="http://schemas.microsoft.com/VisualStudio/2011/storyboarding/control">
+  <Id Name="System.Storyboarding.Common.TextInput" Revision="1" Stencil="System.Storyboarding.Common" StencilVersion="0.1"/>
+</Control>
+</file>
+
+<file path=customXml/item17.xml><?xml version="1.0" encoding="utf-8"?>
 <Control xmlns="http://schemas.microsoft.com/VisualStudio/2011/storyboarding/control">
   <Id Name="fd7d7bed-114e-464c-a4f1-01a512005949" Revision="1" Stencil="System.MyShapes" StencilVersion="1.0"/>
 </Control>
 </file>
 
-<file path=customXml/item17.xml><?xml version="1.0" encoding="utf-8"?>
-<Control xmlns="http://schemas.microsoft.com/VisualStudio/2011/storyboarding/control">
-  <Id Name="System.Storyboarding.Annotation.CallOut" Revision="1" Stencil="System.Storyboarding.Annotation" StencilVersion="0.1"/>
-</Control>
-</file>
-
 <file path=customXml/item18.xml><?xml version="1.0" encoding="utf-8"?>
 <Control xmlns="http://schemas.microsoft.com/VisualStudio/2011/storyboarding/control">
-  <Id Name="System.Storyboarding.Annotation.CallOut" Revision="1" Stencil="System.Storyboarding.Annotation" StencilVersion="0.1"/>
+  <Id Name="fd7d7bed-114e-464c-a4f1-01a512005949" Revision="1" Stencil="System.MyShapes" StencilVersion="1.0"/>
 </Control>
 </file>
 
@@ -16483,13 +17565,13 @@
 
 <file path=customXml/item2.xml><?xml version="1.0" encoding="utf-8"?>
 <Control xmlns="http://schemas.microsoft.com/VisualStudio/2011/storyboarding/control">
-  <Id Name="fd7d7bed-114e-464c-a4f1-01a512005949" Revision="1" Stencil="System.MyShapes" StencilVersion="1.0"/>
+  <Id Name="System.Storyboarding.Annotation.CallOut" Revision="1" Stencil="System.Storyboarding.Annotation" StencilVersion="0.1"/>
 </Control>
 </file>
 
 <file path=customXml/item20.xml><?xml version="1.0" encoding="utf-8"?>
 <Control xmlns="http://schemas.microsoft.com/VisualStudio/2011/storyboarding/control">
-  <Id Name="System.Storyboarding.Common.TextInput" Revision="1" Stencil="System.Storyboarding.Common" StencilVersion="0.1"/>
+  <Id Name="System.Storyboarding.Annotation.CallOut" Revision="1" Stencil="System.Storyboarding.Annotation" StencilVersion="0.1"/>
 </Control>
 </file>
 
@@ -16513,7 +17595,7 @@
 
 <file path=customXml/item24.xml><?xml version="1.0" encoding="utf-8"?>
 <Control xmlns="http://schemas.microsoft.com/VisualStudio/2011/storyboarding/control">
-  <Id Name="System.Storyboarding.Common.Text" Revision="1" Stencil="System.Storyboarding.Common" StencilVersion="0.1"/>
+  <Id Name="System.Storyboarding.Annotation.CallOut" Revision="1" Stencil="System.Storyboarding.Annotation" StencilVersion="0.1"/>
 </Control>
 </file>
 
@@ -16525,31 +17607,31 @@
 
 <file path=customXml/item26.xml><?xml version="1.0" encoding="utf-8"?>
 <Control xmlns="http://schemas.microsoft.com/VisualStudio/2011/storyboarding/control">
+  <Id Name="fd7d7bed-114e-464c-a4f1-01a512005949" Revision="1" Stencil="System.MyShapes" StencilVersion="1.0"/>
+</Control>
+</file>
+
+<file path=customXml/item27.xml><?xml version="1.0" encoding="utf-8"?>
+<Control xmlns="http://schemas.microsoft.com/VisualStudio/2011/storyboarding/control">
   <Id Name="System.Storyboarding.Annotation.CallOut" Revision="1" Stencil="System.Storyboarding.Annotation" StencilVersion="0.1"/>
 </Control>
 </file>
 
-<file path=customXml/item27.xml><?xml version="1.0" encoding="utf-8"?>
+<file path=customXml/item28.xml><?xml version="1.0" encoding="utf-8"?>
 <Control xmlns="http://schemas.microsoft.com/VisualStudio/2011/storyboarding/control">
   <Id Name="fd7d7bed-114e-464c-a4f1-01a512005949" Revision="1" Stencil="System.MyShapes" StencilVersion="1.0"/>
 </Control>
 </file>
 
-<file path=customXml/item28.xml><?xml version="1.0" encoding="utf-8"?>
-<Control xmlns="http://schemas.microsoft.com/VisualStudio/2011/storyboarding/control">
-  <Id Name="System.Storyboarding.Annotation.CallOut" Revision="1" Stencil="System.Storyboarding.Annotation" StencilVersion="0.1"/>
-</Control>
-</file>
-
 <file path=customXml/item29.xml><?xml version="1.0" encoding="utf-8"?>
 <Control xmlns="http://schemas.microsoft.com/VisualStudio/2011/storyboarding/control">
-  <Id Name="fd7d7bed-114e-464c-a4f1-01a512005949" Revision="1" Stencil="System.MyShapes" StencilVersion="1.0"/>
+  <Id Name="System.Storyboarding.Common.TextInput" Revision="1" Stencil="System.Storyboarding.Common" StencilVersion="0.1"/>
 </Control>
 </file>
 
 <file path=customXml/item3.xml><?xml version="1.0" encoding="utf-8"?>
 <Control xmlns="http://schemas.microsoft.com/VisualStudio/2011/storyboarding/control">
-  <Id Name="System.Storyboarding.WindowsDesktop.DialogBox" Revision="1" Stencil="System.Storyboarding.WindowsDesktop" StencilVersion="0.1"/>
+  <Id Name="fd7d7bed-114e-464c-a4f1-01a512005949" Revision="1" Stencil="System.MyShapes" StencilVersion="1.0"/>
 </Control>
 </file>
 
@@ -16561,13 +17643,13 @@
 
 <file path=customXml/item31.xml><?xml version="1.0" encoding="utf-8"?>
 <Control xmlns="http://schemas.microsoft.com/VisualStudio/2011/storyboarding/control">
-  <Id Name="System.Storyboarding.Annotation.CallOut" Revision="1" Stencil="System.Storyboarding.Annotation" StencilVersion="0.1"/>
+  <Id Name="fd7d7bed-114e-464c-a4f1-01a512005949" Revision="1" Stencil="System.MyShapes" StencilVersion="1.0"/>
 </Control>
 </file>
 
 <file path=customXml/item32.xml><?xml version="1.0" encoding="utf-8"?>
 <Control xmlns="http://schemas.microsoft.com/VisualStudio/2011/storyboarding/control">
-  <Id Name="System.Storyboarding.Annotation.CallOut" Revision="1" Stencil="System.Storyboarding.Annotation" StencilVersion="0.1"/>
+  <Id Name="fd7d7bed-114e-464c-a4f1-01a512005949" Revision="1" Stencil="System.MyShapes" StencilVersion="1.0"/>
 </Control>
 </file>
 
@@ -16579,7 +17661,7 @@
 
 <file path=customXml/item34.xml><?xml version="1.0" encoding="utf-8"?>
 <Control xmlns="http://schemas.microsoft.com/VisualStudio/2011/storyboarding/control">
-  <Id Name="fd7d7bed-114e-464c-a4f1-01a512005949" Revision="1" Stencil="System.MyShapes" StencilVersion="1.0"/>
+  <Id Name="System.Storyboarding.Annotation.CallOut" Revision="1" Stencil="System.Storyboarding.Annotation" StencilVersion="0.1"/>
 </Control>
 </file>
 
@@ -16609,31 +17691,31 @@
 
 <file path=customXml/item39.xml><?xml version="1.0" encoding="utf-8"?>
 <Control xmlns="http://schemas.microsoft.com/VisualStudio/2011/storyboarding/control">
-  <Id Name="fd7d7bed-114e-464c-a4f1-01a512005949" Revision="1" Stencil="System.MyShapes" StencilVersion="1.0"/>
+  <Id Name="System.Storyboarding.Annotation.CallOut" Revision="1" Stencil="System.Storyboarding.Annotation" StencilVersion="0.1"/>
 </Control>
 </file>
 
 <file path=customXml/item4.xml><?xml version="1.0" encoding="utf-8"?>
+<Control xmlns="http://schemas.microsoft.com/VisualStudio/2011/storyboarding/control">
+  <Id Name="System.Storyboarding.Annotation.CallOut" Revision="1" Stencil="System.Storyboarding.Annotation" StencilVersion="0.1"/>
+</Control>
+</file>
+
+<file path=customXml/item40.xml><?xml version="1.0" encoding="utf-8"?>
 <Control xmlns="http://schemas.microsoft.com/VisualStudio/2011/storyboarding/control">
   <Id Name="fd7d7bed-114e-464c-a4f1-01a512005949" Revision="1" Stencil="System.MyShapes" StencilVersion="1.0"/>
 </Control>
 </file>
 
-<file path=customXml/item40.xml><?xml version="1.0" encoding="utf-8"?>
+<file path=customXml/item41.xml><?xml version="1.0" encoding="utf-8"?>
 <Control xmlns="http://schemas.microsoft.com/VisualStudio/2011/storyboarding/control">
   <Id Name="System.Storyboarding.Annotation.CallOut" Revision="1" Stencil="System.Storyboarding.Annotation" StencilVersion="0.1"/>
 </Control>
 </file>
 
-<file path=customXml/item41.xml><?xml version="1.0" encoding="utf-8"?>
-<Control xmlns="http://schemas.microsoft.com/VisualStudio/2011/storyboarding/control">
-  <Id Name="fd7d7bed-114e-464c-a4f1-01a512005949" Revision="1" Stencil="System.MyShapes" StencilVersion="1.0"/>
-</Control>
-</file>
-
 <file path=customXml/item42.xml><?xml version="1.0" encoding="utf-8"?>
 <Control xmlns="http://schemas.microsoft.com/VisualStudio/2011/storyboarding/control">
-  <Id Name="fd7d7bed-114e-464c-a4f1-01a512005949" Revision="1" Stencil="System.MyShapes" StencilVersion="1.0"/>
+  <Id Name="System.Storyboarding.Annotation.CallOut" Revision="1" Stencil="System.Storyboarding.Annotation" StencilVersion="0.1"/>
 </Control>
 </file>
 
@@ -16645,13 +17727,13 @@
 
 <file path=customXml/item44.xml><?xml version="1.0" encoding="utf-8"?>
 <Control xmlns="http://schemas.microsoft.com/VisualStudio/2011/storyboarding/control">
-  <Id Name="System.Storyboarding.Annotation.CallOut" Revision="1" Stencil="System.Storyboarding.Annotation" StencilVersion="0.1"/>
+  <Id Name="fd7d7bed-114e-464c-a4f1-01a512005949" Revision="1" Stencil="System.MyShapes" StencilVersion="1.0"/>
 </Control>
 </file>
 
 <file path=customXml/item45.xml><?xml version="1.0" encoding="utf-8"?>
 <Control xmlns="http://schemas.microsoft.com/VisualStudio/2011/storyboarding/control">
-  <Id Name="System.Storyboarding.Common.Text" Revision="1" Stencil="System.Storyboarding.Common" StencilVersion="0.1"/>
+  <Id Name="System.Storyboarding.Annotation.CallOut" Revision="1" Stencil="System.Storyboarding.Annotation" StencilVersion="0.1"/>
 </Control>
 </file>
 
@@ -16663,19 +17745,19 @@
 
 <file path=customXml/item47.xml><?xml version="1.0" encoding="utf-8"?>
 <Control xmlns="http://schemas.microsoft.com/VisualStudio/2011/storyboarding/control">
-  <Id Name="System.Storyboarding.Annotation.CallOut" Revision="1" Stencil="System.Storyboarding.Annotation" StencilVersion="0.1"/>
+  <Id Name="fd7d7bed-114e-464c-a4f1-01a512005949" Revision="1" Stencil="System.MyShapes" StencilVersion="1.0"/>
 </Control>
 </file>
 
 <file path=customXml/item48.xml><?xml version="1.0" encoding="utf-8"?>
 <Control xmlns="http://schemas.microsoft.com/VisualStudio/2011/storyboarding/control">
-  <Id Name="System.Storyboarding.Common.RadioButtonSelected" Revision="1" Stencil="System.Storyboarding.Common" StencilVersion="0.1"/>
+  <Id Name="fd7d7bed-114e-464c-a4f1-01a512005949" Revision="1" Stencil="System.MyShapes" StencilVersion="1.0"/>
 </Control>
 </file>
 
 <file path=customXml/item49.xml><?xml version="1.0" encoding="utf-8"?>
 <Control xmlns="http://schemas.microsoft.com/VisualStudio/2011/storyboarding/control">
-  <Id Name="fd7d7bed-114e-464c-a4f1-01a512005949" Revision="1" Stencil="System.MyShapes" StencilVersion="1.0"/>
+  <Id Name="System.Storyboarding.Annotation.CallOut" Revision="1" Stencil="System.Storyboarding.Annotation" StencilVersion="0.1"/>
 </Control>
 </file>
 
@@ -16687,13 +17769,13 @@
 
 <file path=customXml/item50.xml><?xml version="1.0" encoding="utf-8"?>
 <Control xmlns="http://schemas.microsoft.com/VisualStudio/2011/storyboarding/control">
-  <Id Name="System.Storyboarding.Annotation.CallOut" Revision="1" Stencil="System.Storyboarding.Annotation" StencilVersion="0.1"/>
+  <Id Name="fd7d7bed-114e-464c-a4f1-01a512005949" Revision="1" Stencil="System.MyShapes" StencilVersion="1.0"/>
 </Control>
 </file>
 
 <file path=customXml/item51.xml><?xml version="1.0" encoding="utf-8"?>
 <Control xmlns="http://schemas.microsoft.com/VisualStudio/2011/storyboarding/control">
-  <Id Name="System.Storyboarding.Annotation.CallOut" Revision="1" Stencil="System.Storyboarding.Annotation" StencilVersion="0.1"/>
+  <Id Name="fd7d7bed-114e-464c-a4f1-01a512005949" Revision="1" Stencil="System.MyShapes" StencilVersion="1.0"/>
 </Control>
 </file>
 
@@ -16723,43 +17805,43 @@
 
 <file path=customXml/item56.xml><?xml version="1.0" encoding="utf-8"?>
 <Control xmlns="http://schemas.microsoft.com/VisualStudio/2011/storyboarding/control">
-  <Id Name="System.Storyboarding.Annotation.CallOut" Revision="1" Stencil="System.Storyboarding.Annotation" StencilVersion="0.1"/>
+  <Id Name="System.Storyboarding.Common.MouseClick" Revision="1" Stencil="System.Storyboarding.Common" StencilVersion="0.1"/>
 </Control>
 </file>
 
 <file path=customXml/item57.xml><?xml version="1.0" encoding="utf-8"?>
+<Control xmlns="http://schemas.microsoft.com/VisualStudio/2011/storyboarding/control">
+  <Id Name="fd7d7bed-114e-464c-a4f1-01a512005949" Revision="1" Stencil="System.MyShapes" StencilVersion="1.0"/>
+</Control>
+</file>
+
+<file path=customXml/item58.xml><?xml version="1.0" encoding="utf-8"?>
+<Control xmlns="http://schemas.microsoft.com/VisualStudio/2011/storyboarding/control">
+  <Id Name="fd7d7bed-114e-464c-a4f1-01a512005949" Revision="1" Stencil="System.MyShapes" StencilVersion="1.0"/>
+</Control>
+</file>
+
+<file path=customXml/item59.xml><?xml version="1.0" encoding="utf-8"?>
+<Control xmlns="http://schemas.microsoft.com/VisualStudio/2011/storyboarding/control">
+  <Id Name="System.Storyboarding.Common.Text" Revision="1" Stencil="System.Storyboarding.Common" StencilVersion="0.1"/>
+</Control>
+</file>
+
+<file path=customXml/item6.xml><?xml version="1.0" encoding="utf-8"?>
+<Control xmlns="http://schemas.microsoft.com/VisualStudio/2011/storyboarding/control">
+  <Id Name="System.Storyboarding.Common.Text" Revision="1" Stencil="System.Storyboarding.Common" StencilVersion="0.1"/>
+</Control>
+</file>
+
+<file path=customXml/item60.xml><?xml version="1.0" encoding="utf-8"?>
 <Control xmlns="http://schemas.microsoft.com/VisualStudio/2011/storyboarding/control">
   <Id Name="System.Storyboarding.Annotation.CallOut" Revision="1" Stencil="System.Storyboarding.Annotation" StencilVersion="0.1"/>
 </Control>
 </file>
 
-<file path=customXml/item58.xml><?xml version="1.0" encoding="utf-8"?>
-<Control xmlns="http://schemas.microsoft.com/VisualStudio/2011/storyboarding/control">
-  <Id Name="System.Storyboarding.Annotation.CallOut" Revision="1" Stencil="System.Storyboarding.Annotation" StencilVersion="0.1"/>
-</Control>
-</file>
-
-<file path=customXml/item59.xml><?xml version="1.0" encoding="utf-8"?>
-<Control xmlns="http://schemas.microsoft.com/VisualStudio/2011/storyboarding/control">
-  <Id Name="System.Storyboarding.Annotation.CallOut" Revision="1" Stencil="System.Storyboarding.Annotation" StencilVersion="0.1"/>
-</Control>
-</file>
-
-<file path=customXml/item6.xml><?xml version="1.0" encoding="utf-8"?>
-<Control xmlns="http://schemas.microsoft.com/VisualStudio/2011/storyboarding/control">
-  <Id Name="System.Storyboarding.Annotation.CallOut" Revision="1" Stencil="System.Storyboarding.Annotation" StencilVersion="0.1"/>
-</Control>
-</file>
-
-<file path=customXml/item60.xml><?xml version="1.0" encoding="utf-8"?>
-<Control xmlns="http://schemas.microsoft.com/VisualStudio/2011/storyboarding/control">
-  <Id Name="fd7d7bed-114e-464c-a4f1-01a512005949" Revision="1" Stencil="System.MyShapes" StencilVersion="1.0"/>
-</Control>
-</file>
-
 <file path=customXml/item61.xml><?xml version="1.0" encoding="utf-8"?>
 <Control xmlns="http://schemas.microsoft.com/VisualStudio/2011/storyboarding/control">
-  <Id Name="fd7d7bed-114e-464c-a4f1-01a512005949" Revision="1" Stencil="System.MyShapes" StencilVersion="1.0"/>
+  <Id Name="System.Storyboarding.Common.Text" Revision="1" Stencil="System.Storyboarding.Common" StencilVersion="0.1"/>
 </Control>
 </file>
 
@@ -16771,37 +17853,37 @@
 
 <file path=customXml/item63.xml><?xml version="1.0" encoding="utf-8"?>
 <Control xmlns="http://schemas.microsoft.com/VisualStudio/2011/storyboarding/control">
-  <Id Name="fd7d7bed-114e-464c-a4f1-01a512005949" Revision="1" Stencil="System.MyShapes" StencilVersion="1.0"/>
+  <Id Name="System.Storyboarding.Annotation.CallOut" Revision="1" Stencil="System.Storyboarding.Annotation" StencilVersion="0.1"/>
 </Control>
 </file>
 
 <file path=customXml/item64.xml><?xml version="1.0" encoding="utf-8"?>
-<Control xmlns="http://schemas.microsoft.com/VisualStudio/2011/storyboarding/control">
-  <Id Name="System.Storyboarding.Common.TextInput" Revision="1" Stencil="System.Storyboarding.Common" StencilVersion="0.1"/>
-</Control>
-</file>
-
-<file path=customXml/item65.xml><?xml version="1.0" encoding="utf-8"?>
 <Control xmlns="http://schemas.microsoft.com/VisualStudio/2011/storyboarding/control">
   <Id Name="System.Storyboarding.Annotation.CallOut" Revision="1" Stencil="System.Storyboarding.Annotation" StencilVersion="0.1"/>
 </Control>
 </file>
 
+<file path=customXml/item65.xml><?xml version="1.0" encoding="utf-8"?>
+<Control xmlns="http://schemas.microsoft.com/VisualStudio/2011/storyboarding/control">
+  <Id Name="fd7d7bed-114e-464c-a4f1-01a512005949" Revision="1" Stencil="System.MyShapes" StencilVersion="1.0"/>
+</Control>
+</file>
+
 <file path=customXml/item66.xml><?xml version="1.0" encoding="utf-8"?>
 <Control xmlns="http://schemas.microsoft.com/VisualStudio/2011/storyboarding/control">
-  <Id Name="System.Storyboarding.Annotation.CallOut" Revision="1" Stencil="System.Storyboarding.Annotation" StencilVersion="0.1"/>
+  <Id Name="fd7d7bed-114e-464c-a4f1-01a512005949" Revision="1" Stencil="System.MyShapes" StencilVersion="1.0"/>
 </Control>
 </file>
 
 <file path=customXml/item67.xml><?xml version="1.0" encoding="utf-8"?>
 <Control xmlns="http://schemas.microsoft.com/VisualStudio/2011/storyboarding/control">
-  <Id Name="System.Storyboarding.Common.Text" Revision="1" Stencil="System.Storyboarding.Common" StencilVersion="0.1"/>
+  <Id Name="fd7d7bed-114e-464c-a4f1-01a512005949" Revision="1" Stencil="System.MyShapes" StencilVersion="1.0"/>
 </Control>
 </file>
 
 <file path=customXml/item68.xml><?xml version="1.0" encoding="utf-8"?>
 <Control xmlns="http://schemas.microsoft.com/VisualStudio/2011/storyboarding/control">
-  <Id Name="System.Storyboarding.Annotation.CallOut" Revision="1" Stencil="System.Storyboarding.Annotation" StencilVersion="0.1"/>
+  <Id Name="fd7d7bed-114e-464c-a4f1-01a512005949" Revision="1" Stencil="System.MyShapes" StencilVersion="1.0"/>
 </Control>
 </file>
 
@@ -16813,13 +17895,13 @@
 
 <file path=customXml/item7.xml><?xml version="1.0" encoding="utf-8"?>
 <Control xmlns="http://schemas.microsoft.com/VisualStudio/2011/storyboarding/control">
-  <Id Name="fd7d7bed-114e-464c-a4f1-01a512005949" Revision="1" Stencil="System.MyShapes" StencilVersion="1.0"/>
+  <Id Name="System.Storyboarding.Common.TextInput" Revision="1" Stencil="System.Storyboarding.Common" StencilVersion="0.1"/>
 </Control>
 </file>
 
 <file path=customXml/item70.xml><?xml version="1.0" encoding="utf-8"?>
 <Control xmlns="http://schemas.microsoft.com/VisualStudio/2011/storyboarding/control">
-  <Id Name="System.Storyboarding.Common.TextInput" Revision="1" Stencil="System.Storyboarding.Common" StencilVersion="0.1"/>
+  <Id Name="fd7d7bed-114e-464c-a4f1-01a512005949" Revision="1" Stencil="System.MyShapes" StencilVersion="1.0"/>
 </Control>
 </file>
 
@@ -16837,25 +17919,25 @@
 
 <file path=customXml/item73.xml><?xml version="1.0" encoding="utf-8"?>
 <Control xmlns="http://schemas.microsoft.com/VisualStudio/2011/storyboarding/control">
-  <Id Name="fd7d7bed-114e-464c-a4f1-01a512005949" Revision="1" Stencil="System.MyShapes" StencilVersion="1.0"/>
+  <Id Name="System.Storyboarding.Annotation.CallOut" Revision="1" Stencil="System.Storyboarding.Annotation" StencilVersion="0.1"/>
 </Control>
 </file>
 
 <file path=customXml/item74.xml><?xml version="1.0" encoding="utf-8"?>
-<Control xmlns="http://schemas.microsoft.com/VisualStudio/2011/storyboarding/control">
-  <Id Name="System.Storyboarding.Common.Text" Revision="1" Stencil="System.Storyboarding.Common" StencilVersion="0.1"/>
-</Control>
-</file>
-
-<file path=customXml/item75.xml><?xml version="1.0" encoding="utf-8"?>
 <Control xmlns="http://schemas.microsoft.com/VisualStudio/2011/storyboarding/control">
   <Id Name="fd7d7bed-114e-464c-a4f1-01a512005949" Revision="1" Stencil="System.MyShapes" StencilVersion="1.0"/>
 </Control>
 </file>
 
+<file path=customXml/item75.xml><?xml version="1.0" encoding="utf-8"?>
+<Control xmlns="http://schemas.microsoft.com/VisualStudio/2011/storyboarding/control">
+  <Id Name="System.Storyboarding.Annotation.CallOut" Revision="1" Stencil="System.Storyboarding.Annotation" StencilVersion="0.1"/>
+</Control>
+</file>
+
 <file path=customXml/item76.xml><?xml version="1.0" encoding="utf-8"?>
 <Control xmlns="http://schemas.microsoft.com/VisualStudio/2011/storyboarding/control">
-  <Id Name="fd7d7bed-114e-464c-a4f1-01a512005949" Revision="1" Stencil="System.MyShapes" StencilVersion="1.0"/>
+  <Id Name="System.Storyboarding.Annotation.CallOut" Revision="1" Stencil="System.Storyboarding.Annotation" StencilVersion="0.1"/>
 </Control>
 </file>
 
@@ -16873,7 +17955,7 @@
 
 <file path=customXml/item79.xml><?xml version="1.0" encoding="utf-8"?>
 <Control xmlns="http://schemas.microsoft.com/VisualStudio/2011/storyboarding/control">
-  <Id Name="System.Storyboarding.Common.TextInput" Revision="1" Stencil="System.Storyboarding.Common" StencilVersion="0.1"/>
+  <Id Name="System.Storyboarding.Annotation.CallOut" Revision="1" Stencil="System.Storyboarding.Annotation" StencilVersion="0.1"/>
 </Control>
 </file>
 
@@ -16885,19 +17967,19 @@
 
 <file path=customXml/item80.xml><?xml version="1.0" encoding="utf-8"?>
 <Control xmlns="http://schemas.microsoft.com/VisualStudio/2011/storyboarding/control">
-  <Id Name="fd7d7bed-114e-464c-a4f1-01a512005949" Revision="1" Stencil="System.MyShapes" StencilVersion="1.0"/>
+  <Id Name="System.Storyboarding.Common.RadioButtonUnselected" Revision="1" Stencil="System.Storyboarding.Common" StencilVersion="0.1"/>
 </Control>
 </file>
 
 <file path=customXml/item81.xml><?xml version="1.0" encoding="utf-8"?>
 <Control xmlns="http://schemas.microsoft.com/VisualStudio/2011/storyboarding/control">
-  <Id Name="System.Storyboarding.Annotation.CallOut" Revision="1" Stencil="System.Storyboarding.Annotation" StencilVersion="0.1"/>
+  <Id Name="System.Storyboarding.WindowsDesktop.DialogBox" Revision="1" Stencil="System.Storyboarding.WindowsDesktop" StencilVersion="0.1"/>
 </Control>
 </file>
 
 <file path=customXml/item82.xml><?xml version="1.0" encoding="utf-8"?>
 <Control xmlns="http://schemas.microsoft.com/VisualStudio/2011/storyboarding/control">
-  <Id Name="fd7d7bed-114e-464c-a4f1-01a512005949" Revision="1" Stencil="System.MyShapes" StencilVersion="1.0"/>
+  <Id Name="System.Storyboarding.Annotation.CallOut" Revision="1" Stencil="System.Storyboarding.Annotation" StencilVersion="0.1"/>
 </Control>
 </file>
 
@@ -16909,19 +17991,19 @@
 
 <file path=customXml/item84.xml><?xml version="1.0" encoding="utf-8"?>
 <Control xmlns="http://schemas.microsoft.com/VisualStudio/2011/storyboarding/control">
-  <Id Name="fd7d7bed-114e-464c-a4f1-01a512005949" Revision="1" Stencil="System.MyShapes" StencilVersion="1.0"/>
+  <Id Name="System.Storyboarding.Common.Text" Revision="1" Stencil="System.Storyboarding.Common" StencilVersion="0.1"/>
 </Control>
 </file>
 
 <file path=customXml/item85.xml><?xml version="1.0" encoding="utf-8"?>
 <Control xmlns="http://schemas.microsoft.com/VisualStudio/2011/storyboarding/control">
-  <Id Name="System.Storyboarding.Annotation.CallOut" Revision="1" Stencil="System.Storyboarding.Annotation" StencilVersion="0.1"/>
+  <Id Name="System.Storyboarding.Common.TextInput" Revision="1" Stencil="System.Storyboarding.Common" StencilVersion="0.1"/>
 </Control>
 </file>
 
 <file path=customXml/item86.xml><?xml version="1.0" encoding="utf-8"?>
 <Control xmlns="http://schemas.microsoft.com/VisualStudio/2011/storyboarding/control">
-  <Id Name="System.Storyboarding.Annotation.CallOut" Revision="1" Stencil="System.Storyboarding.Annotation" StencilVersion="0.1"/>
+  <Id Name="fd7d7bed-114e-464c-a4f1-01a512005949" Revision="1" Stencil="System.MyShapes" StencilVersion="1.0"/>
 </Control>
 </file>
 
@@ -16939,7 +18021,7 @@
 
 <file path=customXml/item89.xml><?xml version="1.0" encoding="utf-8"?>
 <Control xmlns="http://schemas.microsoft.com/VisualStudio/2011/storyboarding/control">
-  <Id Name="System.Storyboarding.Annotation.CallOut" Revision="1" Stencil="System.Storyboarding.Annotation" StencilVersion="0.1"/>
+  <Id Name="fd7d7bed-114e-464c-a4f1-01a512005949" Revision="1" Stencil="System.MyShapes" StencilVersion="1.0"/>
 </Control>
 </file>
 
@@ -16957,13 +18039,13 @@
 
 <file path=customXml/item91.xml><?xml version="1.0" encoding="utf-8"?>
 <Control xmlns="http://schemas.microsoft.com/VisualStudio/2011/storyboarding/control">
-  <Id Name="fd7d7bed-114e-464c-a4f1-01a512005949" Revision="1" Stencil="System.MyShapes" StencilVersion="1.0"/>
+  <Id Name="System.Storyboarding.Common.Text" Revision="1" Stencil="System.Storyboarding.Common" StencilVersion="0.1"/>
 </Control>
 </file>
 
 <file path=customXml/item92.xml><?xml version="1.0" encoding="utf-8"?>
 <Control xmlns="http://schemas.microsoft.com/VisualStudio/2011/storyboarding/control">
-  <Id Name="System.Storyboarding.Common.MouseClick" Revision="1" Stencil="System.Storyboarding.Common" StencilVersion="0.1"/>
+  <Id Name="System.Storyboarding.Annotation.CallOut" Revision="1" Stencil="System.Storyboarding.Annotation" StencilVersion="0.1"/>
 </Control>
 </file>
 
@@ -16981,13 +18063,13 @@
 
 <file path=customXml/item95.xml><?xml version="1.0" encoding="utf-8"?>
 <Control xmlns="http://schemas.microsoft.com/VisualStudio/2011/storyboarding/control">
-  <Id Name="System.Storyboarding.Annotation.CallOut" Revision="1" Stencil="System.Storyboarding.Annotation" StencilVersion="0.1"/>
+  <Id Name="fd7d7bed-114e-464c-a4f1-01a512005949" Revision="1" Stencil="System.MyShapes" StencilVersion="1.0"/>
 </Control>
 </file>
 
 <file path=customXml/item96.xml><?xml version="1.0" encoding="utf-8"?>
 <Control xmlns="http://schemas.microsoft.com/VisualStudio/2011/storyboarding/control">
-  <Id Name="fd7d7bed-114e-464c-a4f1-01a512005949" Revision="1" Stencil="System.MyShapes" StencilVersion="1.0"/>
+  <Id Name="System.Storyboarding.Annotation.CallOut" Revision="1" Stencil="System.Storyboarding.Annotation" StencilVersion="0.1"/>
 </Control>
 </file>
 
@@ -16999,7 +18081,7 @@
 
 <file path=customXml/item98.xml><?xml version="1.0" encoding="utf-8"?>
 <Control xmlns="http://schemas.microsoft.com/VisualStudio/2011/storyboarding/control">
-  <Id Name="System.Storyboarding.Common.RadioButtonUnselected" Revision="1" Stencil="System.Storyboarding.Common" StencilVersion="0.1"/>
+  <Id Name="fd7d7bed-114e-464c-a4f1-01a512005949" Revision="1" Stencil="System.MyShapes" StencilVersion="1.0"/>
 </Control>
 </file>
 
@@ -17010,6 +18092,406 @@
 </file>
 
 <file path=customXml/itemProps1.xml><?xml version="1.0" encoding="utf-8"?>
+<ds:datastoreItem xmlns:ds="http://schemas.openxmlformats.org/officeDocument/2006/customXml" ds:itemID="{441C7EBE-B1F1-437D-A1A7-982CD016269C}">
+  <ds:schemaRefs>
+    <ds:schemaRef ds:uri="http://schemas.microsoft.com/VisualStudio/2011/storyboarding/control"/>
+  </ds:schemaRefs>
+</ds:datastoreItem>
+</file>
+
+<file path=customXml/itemProps10.xml><?xml version="1.0" encoding="utf-8"?>
+<ds:datastoreItem xmlns:ds="http://schemas.openxmlformats.org/officeDocument/2006/customXml" ds:itemID="{993CB5E4-ADDE-47D6-9231-FAC0EDC10899}">
+  <ds:schemaRefs>
+    <ds:schemaRef ds:uri="http://schemas.microsoft.com/VisualStudio/2011/storyboarding/control"/>
+  </ds:schemaRefs>
+</ds:datastoreItem>
+</file>
+
+<file path=customXml/itemProps100.xml><?xml version="1.0" encoding="utf-8"?>
+<ds:datastoreItem xmlns:ds="http://schemas.openxmlformats.org/officeDocument/2006/customXml" ds:itemID="{2487B05E-F758-49B5-914B-37AD8930ED02}">
+  <ds:schemaRefs>
+    <ds:schemaRef ds:uri="http://schemas.microsoft.com/VisualStudio/2011/storyboarding/control"/>
+  </ds:schemaRefs>
+</ds:datastoreItem>
+</file>
+
+<file path=customXml/itemProps101.xml><?xml version="1.0" encoding="utf-8"?>
+<ds:datastoreItem xmlns:ds="http://schemas.openxmlformats.org/officeDocument/2006/customXml" ds:itemID="{EABA044C-F855-4F2D-8541-8B12F3450E94}">
+  <ds:schemaRefs>
+    <ds:schemaRef ds:uri="http://schemas.microsoft.com/VisualStudio/2011/storyboarding/control"/>
+  </ds:schemaRefs>
+</ds:datastoreItem>
+</file>
+
+<file path=customXml/itemProps102.xml><?xml version="1.0" encoding="utf-8"?>
+<ds:datastoreItem xmlns:ds="http://schemas.openxmlformats.org/officeDocument/2006/customXml" ds:itemID="{6260AC0F-4508-4430-BA12-847F69BCCF50}">
+  <ds:schemaRefs>
+    <ds:schemaRef ds:uri="http://schemas.microsoft.com/VisualStudio/2011/storyboarding/control"/>
+  </ds:schemaRefs>
+</ds:datastoreItem>
+</file>
+
+<file path=customXml/itemProps103.xml><?xml version="1.0" encoding="utf-8"?>
+<ds:datastoreItem xmlns:ds="http://schemas.openxmlformats.org/officeDocument/2006/customXml" ds:itemID="{CA460F31-B773-4067-B036-332848DF28B9}">
+  <ds:schemaRefs>
+    <ds:schemaRef ds:uri="http://schemas.microsoft.com/VisualStudio/2011/storyboarding/control"/>
+  </ds:schemaRefs>
+</ds:datastoreItem>
+</file>
+
+<file path=customXml/itemProps104.xml><?xml version="1.0" encoding="utf-8"?>
+<ds:datastoreItem xmlns:ds="http://schemas.openxmlformats.org/officeDocument/2006/customXml" ds:itemID="{4D978272-033F-42C0-945F-26C45B05BB06}">
+  <ds:schemaRefs>
+    <ds:schemaRef ds:uri="http://schemas.microsoft.com/VisualStudio/2011/storyboarding/control"/>
+  </ds:schemaRefs>
+</ds:datastoreItem>
+</file>
+
+<file path=customXml/itemProps105.xml><?xml version="1.0" encoding="utf-8"?>
+<ds:datastoreItem xmlns:ds="http://schemas.openxmlformats.org/officeDocument/2006/customXml" ds:itemID="{6C28E3CC-A396-469F-8032-53D7143813C3}">
+  <ds:schemaRefs>
+    <ds:schemaRef ds:uri="http://schemas.microsoft.com/VisualStudio/2011/storyboarding/control"/>
+  </ds:schemaRefs>
+</ds:datastoreItem>
+</file>
+
+<file path=customXml/itemProps106.xml><?xml version="1.0" encoding="utf-8"?>
+<ds:datastoreItem xmlns:ds="http://schemas.openxmlformats.org/officeDocument/2006/customXml" ds:itemID="{5A54DE4D-E8D6-437C-BFA0-88D994E5BBDE}">
+  <ds:schemaRefs>
+    <ds:schemaRef ds:uri="http://schemas.microsoft.com/VisualStudio/2011/storyboarding/control"/>
+  </ds:schemaRefs>
+</ds:datastoreItem>
+</file>
+
+<file path=customXml/itemProps107.xml><?xml version="1.0" encoding="utf-8"?>
+<ds:datastoreItem xmlns:ds="http://schemas.openxmlformats.org/officeDocument/2006/customXml" ds:itemID="{5B12EFFA-8596-4679-8A5C-E1D50D2F072F}">
+  <ds:schemaRefs>
+    <ds:schemaRef ds:uri="http://schemas.microsoft.com/VisualStudio/2011/storyboarding/control"/>
+  </ds:schemaRefs>
+</ds:datastoreItem>
+</file>
+
+<file path=customXml/itemProps108.xml><?xml version="1.0" encoding="utf-8"?>
+<ds:datastoreItem xmlns:ds="http://schemas.openxmlformats.org/officeDocument/2006/customXml" ds:itemID="{436FFD07-9F07-4E04-BCEA-334C1946BE04}">
+  <ds:schemaRefs>
+    <ds:schemaRef ds:uri="http://schemas.microsoft.com/VisualStudio/2011/storyboarding/control"/>
+  </ds:schemaRefs>
+</ds:datastoreItem>
+</file>
+
+<file path=customXml/itemProps109.xml><?xml version="1.0" encoding="utf-8"?>
+<ds:datastoreItem xmlns:ds="http://schemas.openxmlformats.org/officeDocument/2006/customXml" ds:itemID="{96233AC8-4828-4C3E-8BAA-3E77009FB5EA}">
+  <ds:schemaRefs>
+    <ds:schemaRef ds:uri="http://schemas.microsoft.com/VisualStudio/2011/storyboarding/control"/>
+  </ds:schemaRefs>
+</ds:datastoreItem>
+</file>
+
+<file path=customXml/itemProps11.xml><?xml version="1.0" encoding="utf-8"?>
+<ds:datastoreItem xmlns:ds="http://schemas.openxmlformats.org/officeDocument/2006/customXml" ds:itemID="{B9EF3FF1-AB90-46CE-9292-50C2C5E9F7FC}">
+  <ds:schemaRefs>
+    <ds:schemaRef ds:uri="http://schemas.microsoft.com/VisualStudio/2011/storyboarding/control"/>
+  </ds:schemaRefs>
+</ds:datastoreItem>
+</file>
+
+<file path=customXml/itemProps110.xml><?xml version="1.0" encoding="utf-8"?>
+<ds:datastoreItem xmlns:ds="http://schemas.openxmlformats.org/officeDocument/2006/customXml" ds:itemID="{4B2B6207-F426-47B3-B4AC-6480BED58F4D}">
+  <ds:schemaRefs>
+    <ds:schemaRef ds:uri="http://schemas.microsoft.com/VisualStudio/2011/storyboarding/control"/>
+  </ds:schemaRefs>
+</ds:datastoreItem>
+</file>
+
+<file path=customXml/itemProps111.xml><?xml version="1.0" encoding="utf-8"?>
+<ds:datastoreItem xmlns:ds="http://schemas.openxmlformats.org/officeDocument/2006/customXml" ds:itemID="{11598C92-4116-4A08-8F58-D57ED2239CCE}">
+  <ds:schemaRefs>
+    <ds:schemaRef ds:uri="http://schemas.microsoft.com/VisualStudio/2011/storyboarding/control"/>
+  </ds:schemaRefs>
+</ds:datastoreItem>
+</file>
+
+<file path=customXml/itemProps112.xml><?xml version="1.0" encoding="utf-8"?>
+<ds:datastoreItem xmlns:ds="http://schemas.openxmlformats.org/officeDocument/2006/customXml" ds:itemID="{F6790068-EEA9-4B57-8D8F-B9B0BF431A70}">
+  <ds:schemaRefs>
+    <ds:schemaRef ds:uri="http://schemas.microsoft.com/VisualStudio/2011/storyboarding/control"/>
+  </ds:schemaRefs>
+</ds:datastoreItem>
+</file>
+
+<file path=customXml/itemProps113.xml><?xml version="1.0" encoding="utf-8"?>
+<ds:datastoreItem xmlns:ds="http://schemas.openxmlformats.org/officeDocument/2006/customXml" ds:itemID="{21402A0C-EF81-416F-B759-93323EDF6668}">
+  <ds:schemaRefs>
+    <ds:schemaRef ds:uri="http://schemas.microsoft.com/VisualStudio/2011/storyboarding/control"/>
+  </ds:schemaRefs>
+</ds:datastoreItem>
+</file>
+
+<file path=customXml/itemProps114.xml><?xml version="1.0" encoding="utf-8"?>
+<ds:datastoreItem xmlns:ds="http://schemas.openxmlformats.org/officeDocument/2006/customXml" ds:itemID="{CBD75DB4-3633-4E3E-B326-F275DFDB66AF}">
+  <ds:schemaRefs>
+    <ds:schemaRef ds:uri="http://schemas.microsoft.com/VisualStudio/2011/storyboarding/control"/>
+  </ds:schemaRefs>
+</ds:datastoreItem>
+</file>
+
+<file path=customXml/itemProps115.xml><?xml version="1.0" encoding="utf-8"?>
+<ds:datastoreItem xmlns:ds="http://schemas.openxmlformats.org/officeDocument/2006/customXml" ds:itemID="{FED77ACA-A391-4822-BEF5-924372A3425F}">
+  <ds:schemaRefs>
+    <ds:schemaRef ds:uri="http://schemas.microsoft.com/VisualStudio/2011/storyboarding/control"/>
+  </ds:schemaRefs>
+</ds:datastoreItem>
+</file>
+
+<file path=customXml/itemProps116.xml><?xml version="1.0" encoding="utf-8"?>
+<ds:datastoreItem xmlns:ds="http://schemas.openxmlformats.org/officeDocument/2006/customXml" ds:itemID="{90BA3DCC-9C0C-4501-B341-6205679FE91C}">
+  <ds:schemaRefs>
+    <ds:schemaRef ds:uri="http://schemas.microsoft.com/VisualStudio/2011/storyboarding/control"/>
+  </ds:schemaRefs>
+</ds:datastoreItem>
+</file>
+
+<file path=customXml/itemProps117.xml><?xml version="1.0" encoding="utf-8"?>
+<ds:datastoreItem xmlns:ds="http://schemas.openxmlformats.org/officeDocument/2006/customXml" ds:itemID="{8D444E0F-B298-4F85-80DB-4864BBDD630C}">
+  <ds:schemaRefs>
+    <ds:schemaRef ds:uri="http://schemas.microsoft.com/VisualStudio/2011/storyboarding/control"/>
+  </ds:schemaRefs>
+</ds:datastoreItem>
+</file>
+
+<file path=customXml/itemProps118.xml><?xml version="1.0" encoding="utf-8"?>
+<ds:datastoreItem xmlns:ds="http://schemas.openxmlformats.org/officeDocument/2006/customXml" ds:itemID="{A853F2C9-219C-40E7-A52F-F132C589E8C3}">
+  <ds:schemaRefs>
+    <ds:schemaRef ds:uri="http://schemas.microsoft.com/VisualStudio/2011/storyboarding/control"/>
+  </ds:schemaRefs>
+</ds:datastoreItem>
+</file>
+
+<file path=customXml/itemProps119.xml><?xml version="1.0" encoding="utf-8"?>
+<ds:datastoreItem xmlns:ds="http://schemas.openxmlformats.org/officeDocument/2006/customXml" ds:itemID="{0BC17F50-72BC-41F4-9023-1D6212A18398}">
+  <ds:schemaRefs>
+    <ds:schemaRef ds:uri="http://schemas.microsoft.com/VisualStudio/2011/storyboarding/control"/>
+  </ds:schemaRefs>
+</ds:datastoreItem>
+</file>
+
+<file path=customXml/itemProps12.xml><?xml version="1.0" encoding="utf-8"?>
+<ds:datastoreItem xmlns:ds="http://schemas.openxmlformats.org/officeDocument/2006/customXml" ds:itemID="{674F586C-3D4C-4BFE-B70F-20542F1925F6}">
+  <ds:schemaRefs>
+    <ds:schemaRef ds:uri="http://schemas.microsoft.com/VisualStudio/2011/storyboarding/control"/>
+  </ds:schemaRefs>
+</ds:datastoreItem>
+</file>
+
+<file path=customXml/itemProps120.xml><?xml version="1.0" encoding="utf-8"?>
+<ds:datastoreItem xmlns:ds="http://schemas.openxmlformats.org/officeDocument/2006/customXml" ds:itemID="{3636A990-E604-4985-A281-5007ABD2B44B}">
+  <ds:schemaRefs>
+    <ds:schemaRef ds:uri="http://schemas.microsoft.com/VisualStudio/2011/storyboarding/control"/>
+  </ds:schemaRefs>
+</ds:datastoreItem>
+</file>
+
+<file path=customXml/itemProps121.xml><?xml version="1.0" encoding="utf-8"?>
+<ds:datastoreItem xmlns:ds="http://schemas.openxmlformats.org/officeDocument/2006/customXml" ds:itemID="{47B9965D-7646-4408-84CB-825B5A8AF974}">
+  <ds:schemaRefs>
+    <ds:schemaRef ds:uri="http://schemas.microsoft.com/VisualStudio/2011/storyboarding/control"/>
+  </ds:schemaRefs>
+</ds:datastoreItem>
+</file>
+
+<file path=customXml/itemProps122.xml><?xml version="1.0" encoding="utf-8"?>
+<ds:datastoreItem xmlns:ds="http://schemas.openxmlformats.org/officeDocument/2006/customXml" ds:itemID="{DDD56CC7-BD63-4B04-BE57-446217F91C9B}">
+  <ds:schemaRefs>
+    <ds:schemaRef ds:uri="http://schemas.microsoft.com/VisualStudio/2011/storyboarding/control"/>
+  </ds:schemaRefs>
+</ds:datastoreItem>
+</file>
+
+<file path=customXml/itemProps123.xml><?xml version="1.0" encoding="utf-8"?>
+<ds:datastoreItem xmlns:ds="http://schemas.openxmlformats.org/officeDocument/2006/customXml" ds:itemID="{D0968328-8448-475B-B332-2B7AAF11C055}">
+  <ds:schemaRefs>
+    <ds:schemaRef ds:uri="http://schemas.microsoft.com/VisualStudio/2011/storyboarding/control"/>
+  </ds:schemaRefs>
+</ds:datastoreItem>
+</file>
+
+<file path=customXml/itemProps13.xml><?xml version="1.0" encoding="utf-8"?>
+<ds:datastoreItem xmlns:ds="http://schemas.openxmlformats.org/officeDocument/2006/customXml" ds:itemID="{D5C3212D-E796-40B4-9DF4-64C7020EEC39}">
+  <ds:schemaRefs>
+    <ds:schemaRef ds:uri="http://schemas.microsoft.com/VisualStudio/2011/storyboarding/control"/>
+  </ds:schemaRefs>
+</ds:datastoreItem>
+</file>
+
+<file path=customXml/itemProps14.xml><?xml version="1.0" encoding="utf-8"?>
+<ds:datastoreItem xmlns:ds="http://schemas.openxmlformats.org/officeDocument/2006/customXml" ds:itemID="{9A2A8AD0-14C2-4198-95FA-7CA78E84BB0E}">
+  <ds:schemaRefs>
+    <ds:schemaRef ds:uri="http://schemas.microsoft.com/VisualStudio/2011/storyboarding/control"/>
+  </ds:schemaRefs>
+</ds:datastoreItem>
+</file>
+
+<file path=customXml/itemProps15.xml><?xml version="1.0" encoding="utf-8"?>
+<ds:datastoreItem xmlns:ds="http://schemas.openxmlformats.org/officeDocument/2006/customXml" ds:itemID="{B15524AA-E671-4093-91E6-11A39F89BE8A}">
+  <ds:schemaRefs>
+    <ds:schemaRef ds:uri="http://schemas.microsoft.com/VisualStudio/2011/storyboarding/control"/>
+  </ds:schemaRefs>
+</ds:datastoreItem>
+</file>
+
+<file path=customXml/itemProps16.xml><?xml version="1.0" encoding="utf-8"?>
+<ds:datastoreItem xmlns:ds="http://schemas.openxmlformats.org/officeDocument/2006/customXml" ds:itemID="{98F2AC4D-1065-4E36-8E34-ADCADB80A35E}">
+  <ds:schemaRefs>
+    <ds:schemaRef ds:uri="http://schemas.microsoft.com/VisualStudio/2011/storyboarding/control"/>
+  </ds:schemaRefs>
+</ds:datastoreItem>
+</file>
+
+<file path=customXml/itemProps17.xml><?xml version="1.0" encoding="utf-8"?>
+<ds:datastoreItem xmlns:ds="http://schemas.openxmlformats.org/officeDocument/2006/customXml" ds:itemID="{A506862E-DD0E-4463-9537-58549E145A3C}">
+  <ds:schemaRefs>
+    <ds:schemaRef ds:uri="http://schemas.microsoft.com/VisualStudio/2011/storyboarding/control"/>
+  </ds:schemaRefs>
+</ds:datastoreItem>
+</file>
+
+<file path=customXml/itemProps18.xml><?xml version="1.0" encoding="utf-8"?>
+<ds:datastoreItem xmlns:ds="http://schemas.openxmlformats.org/officeDocument/2006/customXml" ds:itemID="{C25A3B5F-7FB7-4E8E-8C1B-FE0B9A3E8DB1}">
+  <ds:schemaRefs>
+    <ds:schemaRef ds:uri="http://schemas.microsoft.com/VisualStudio/2011/storyboarding/control"/>
+  </ds:schemaRefs>
+</ds:datastoreItem>
+</file>
+
+<file path=customXml/itemProps19.xml><?xml version="1.0" encoding="utf-8"?>
+<ds:datastoreItem xmlns:ds="http://schemas.openxmlformats.org/officeDocument/2006/customXml" ds:itemID="{FC3C3428-BA7F-4803-BE5A-3645D87A3A6C}">
+  <ds:schemaRefs>
+    <ds:schemaRef ds:uri="http://schemas.microsoft.com/VisualStudio/2011/storyboarding/control"/>
+  </ds:schemaRefs>
+</ds:datastoreItem>
+</file>
+
+<file path=customXml/itemProps2.xml><?xml version="1.0" encoding="utf-8"?>
+<ds:datastoreItem xmlns:ds="http://schemas.openxmlformats.org/officeDocument/2006/customXml" ds:itemID="{6ED08AE2-393B-4601-A237-BFEBEB86ED97}">
+  <ds:schemaRefs>
+    <ds:schemaRef ds:uri="http://schemas.microsoft.com/VisualStudio/2011/storyboarding/control"/>
+  </ds:schemaRefs>
+</ds:datastoreItem>
+</file>
+
+<file path=customXml/itemProps20.xml><?xml version="1.0" encoding="utf-8"?>
+<ds:datastoreItem xmlns:ds="http://schemas.openxmlformats.org/officeDocument/2006/customXml" ds:itemID="{AE950B5B-F665-44E1-BC8D-E1ED5D08048D}">
+  <ds:schemaRefs>
+    <ds:schemaRef ds:uri="http://schemas.microsoft.com/VisualStudio/2011/storyboarding/control"/>
+  </ds:schemaRefs>
+</ds:datastoreItem>
+</file>
+
+<file path=customXml/itemProps21.xml><?xml version="1.0" encoding="utf-8"?>
+<ds:datastoreItem xmlns:ds="http://schemas.openxmlformats.org/officeDocument/2006/customXml" ds:itemID="{1486B02C-8CA8-4F9A-B4EB-C902A5F59C7B}">
+  <ds:schemaRefs>
+    <ds:schemaRef ds:uri="http://schemas.microsoft.com/VisualStudio/2011/storyboarding/control"/>
+  </ds:schemaRefs>
+</ds:datastoreItem>
+</file>
+
+<file path=customXml/itemProps22.xml><?xml version="1.0" encoding="utf-8"?>
+<ds:datastoreItem xmlns:ds="http://schemas.openxmlformats.org/officeDocument/2006/customXml" ds:itemID="{FAB399A9-BA87-438F-8948-9666816087A6}">
+  <ds:schemaRefs>
+    <ds:schemaRef ds:uri="http://schemas.microsoft.com/VisualStudio/2011/storyboarding/control"/>
+  </ds:schemaRefs>
+</ds:datastoreItem>
+</file>
+
+<file path=customXml/itemProps23.xml><?xml version="1.0" encoding="utf-8"?>
+<ds:datastoreItem xmlns:ds="http://schemas.openxmlformats.org/officeDocument/2006/customXml" ds:itemID="{F0405DDA-F797-490F-9D04-6B64C56B9E95}">
+  <ds:schemaRefs>
+    <ds:schemaRef ds:uri="http://schemas.microsoft.com/VisualStudio/2011/storyboarding/control"/>
+  </ds:schemaRefs>
+</ds:datastoreItem>
+</file>
+
+<file path=customXml/itemProps24.xml><?xml version="1.0" encoding="utf-8"?>
+<ds:datastoreItem xmlns:ds="http://schemas.openxmlformats.org/officeDocument/2006/customXml" ds:itemID="{FF693739-48CE-428A-A9E2-6DC984D9B3FA}">
+  <ds:schemaRefs>
+    <ds:schemaRef ds:uri="http://schemas.microsoft.com/VisualStudio/2011/storyboarding/control"/>
+  </ds:schemaRefs>
+</ds:datastoreItem>
+</file>
+
+<file path=customXml/itemProps25.xml><?xml version="1.0" encoding="utf-8"?>
+<ds:datastoreItem xmlns:ds="http://schemas.openxmlformats.org/officeDocument/2006/customXml" ds:itemID="{6C369A29-791E-40A4-B896-725D656F6219}">
+  <ds:schemaRefs>
+    <ds:schemaRef ds:uri="http://schemas.microsoft.com/VisualStudio/2011/storyboarding/control"/>
+  </ds:schemaRefs>
+</ds:datastoreItem>
+</file>
+
+<file path=customXml/itemProps26.xml><?xml version="1.0" encoding="utf-8"?>
+<ds:datastoreItem xmlns:ds="http://schemas.openxmlformats.org/officeDocument/2006/customXml" ds:itemID="{4C110DA4-838D-485D-9522-3AE017EA91BB}">
+  <ds:schemaRefs>
+    <ds:schemaRef ds:uri="http://schemas.microsoft.com/VisualStudio/2011/storyboarding/control"/>
+  </ds:schemaRefs>
+</ds:datastoreItem>
+</file>
+
+<file path=customXml/itemProps27.xml><?xml version="1.0" encoding="utf-8"?>
+<ds:datastoreItem xmlns:ds="http://schemas.openxmlformats.org/officeDocument/2006/customXml" ds:itemID="{F0CBAB2F-75D2-4967-A27F-6965E3ED1778}">
+  <ds:schemaRefs>
+    <ds:schemaRef ds:uri="http://schemas.microsoft.com/VisualStudio/2011/storyboarding/control"/>
+  </ds:schemaRefs>
+</ds:datastoreItem>
+</file>
+
+<file path=customXml/itemProps28.xml><?xml version="1.0" encoding="utf-8"?>
+<ds:datastoreItem xmlns:ds="http://schemas.openxmlformats.org/officeDocument/2006/customXml" ds:itemID="{C64F239C-3EF9-4D6D-A2BC-C935A2E33DF3}">
+  <ds:schemaRefs>
+    <ds:schemaRef ds:uri="http://schemas.microsoft.com/VisualStudio/2011/storyboarding/control"/>
+  </ds:schemaRefs>
+</ds:datastoreItem>
+</file>
+
+<file path=customXml/itemProps29.xml><?xml version="1.0" encoding="utf-8"?>
+<ds:datastoreItem xmlns:ds="http://schemas.openxmlformats.org/officeDocument/2006/customXml" ds:itemID="{D093DAC0-100F-4B88-AD30-6096F80046F1}">
+  <ds:schemaRefs>
+    <ds:schemaRef ds:uri="http://schemas.microsoft.com/VisualStudio/2011/storyboarding/control"/>
+  </ds:schemaRefs>
+</ds:datastoreItem>
+</file>
+
+<file path=customXml/itemProps3.xml><?xml version="1.0" encoding="utf-8"?>
+<ds:datastoreItem xmlns:ds="http://schemas.openxmlformats.org/officeDocument/2006/customXml" ds:itemID="{3BEE128F-DCA4-40C0-8AB8-CBBC4CBDEC86}">
+  <ds:schemaRefs>
+    <ds:schemaRef ds:uri="http://schemas.microsoft.com/VisualStudio/2011/storyboarding/control"/>
+  </ds:schemaRefs>
+</ds:datastoreItem>
+</file>
+
+<file path=customXml/itemProps30.xml><?xml version="1.0" encoding="utf-8"?>
+<ds:datastoreItem xmlns:ds="http://schemas.openxmlformats.org/officeDocument/2006/customXml" ds:itemID="{2E449097-FA9E-4910-B718-70633402799D}">
+  <ds:schemaRefs>
+    <ds:schemaRef ds:uri="http://schemas.microsoft.com/VisualStudio/2011/storyboarding/control"/>
+  </ds:schemaRefs>
+</ds:datastoreItem>
+</file>
+
+<file path=customXml/itemProps31.xml><?xml version="1.0" encoding="utf-8"?>
+<ds:datastoreItem xmlns:ds="http://schemas.openxmlformats.org/officeDocument/2006/customXml" ds:itemID="{4C52FBD4-EF61-4C3F-833A-627EDCD6163F}">
+  <ds:schemaRefs>
+    <ds:schemaRef ds:uri="http://schemas.microsoft.com/VisualStudio/2011/storyboarding/control"/>
+  </ds:schemaRefs>
+</ds:datastoreItem>
+</file>
+
+<file path=customXml/itemProps32.xml><?xml version="1.0" encoding="utf-8"?>
+<ds:datastoreItem xmlns:ds="http://schemas.openxmlformats.org/officeDocument/2006/customXml" ds:itemID="{4E2C718C-25E1-456F-90E3-4B831D06B6F8}">
+  <ds:schemaRefs>
+    <ds:schemaRef ds:uri="http://schemas.microsoft.com/VisualStudio/2011/storyboarding/control"/>
+  </ds:schemaRefs>
+</ds:datastoreItem>
+</file>
+
+<file path=customXml/itemProps33.xml><?xml version="1.0" encoding="utf-8"?>
 <ds:datastoreItem xmlns:ds="http://schemas.openxmlformats.org/officeDocument/2006/customXml" ds:itemID="{DBFC18C8-41F2-4B67-ACD8-B4F649599337}">
   <ds:schemaRefs>
     <ds:schemaRef ds:uri="http://schemas.microsoft.com/VisualStudio/2011/storyboarding/control"/>
@@ -17017,7 +18499,543 @@
 </ds:datastoreItem>
 </file>
 
-<file path=customXml/itemProps10.xml><?xml version="1.0" encoding="utf-8"?>
+<file path=customXml/itemProps34.xml><?xml version="1.0" encoding="utf-8"?>
+<ds:datastoreItem xmlns:ds="http://schemas.openxmlformats.org/officeDocument/2006/customXml" ds:itemID="{DB567D2A-71FA-480A-800B-2D3CC4803E30}">
+  <ds:schemaRefs>
+    <ds:schemaRef ds:uri="http://schemas.microsoft.com/VisualStudio/2011/storyboarding/control"/>
+  </ds:schemaRefs>
+</ds:datastoreItem>
+</file>
+
+<file path=customXml/itemProps35.xml><?xml version="1.0" encoding="utf-8"?>
+<ds:datastoreItem xmlns:ds="http://schemas.openxmlformats.org/officeDocument/2006/customXml" ds:itemID="{9B569E01-A437-4345-B3AE-325E5C4684C7}">
+  <ds:schemaRefs>
+    <ds:schemaRef ds:uri="http://schemas.microsoft.com/VisualStudio/2011/storyboarding/control"/>
+  </ds:schemaRefs>
+</ds:datastoreItem>
+</file>
+
+<file path=customXml/itemProps36.xml><?xml version="1.0" encoding="utf-8"?>
+<ds:datastoreItem xmlns:ds="http://schemas.openxmlformats.org/officeDocument/2006/customXml" ds:itemID="{02F00EB1-4575-4249-800D-2D14D24AEC5B}">
+  <ds:schemaRefs>
+    <ds:schemaRef ds:uri="http://schemas.microsoft.com/VisualStudio/2011/storyboarding/control"/>
+  </ds:schemaRefs>
+</ds:datastoreItem>
+</file>
+
+<file path=customXml/itemProps37.xml><?xml version="1.0" encoding="utf-8"?>
+<ds:datastoreItem xmlns:ds="http://schemas.openxmlformats.org/officeDocument/2006/customXml" ds:itemID="{665E4BBE-7760-4142-A7BE-17AB5980C22C}">
+  <ds:schemaRefs>
+    <ds:schemaRef ds:uri="http://schemas.microsoft.com/VisualStudio/2011/storyboarding/control"/>
+  </ds:schemaRefs>
+</ds:datastoreItem>
+</file>
+
+<file path=customXml/itemProps38.xml><?xml version="1.0" encoding="utf-8"?>
+<ds:datastoreItem xmlns:ds="http://schemas.openxmlformats.org/officeDocument/2006/customXml" ds:itemID="{0EDAB4CF-04B1-453E-BF4F-263E04F8688F}">
+  <ds:schemaRefs>
+    <ds:schemaRef ds:uri="http://schemas.microsoft.com/VisualStudio/2011/storyboarding/control"/>
+  </ds:schemaRefs>
+</ds:datastoreItem>
+</file>
+
+<file path=customXml/itemProps39.xml><?xml version="1.0" encoding="utf-8"?>
+<ds:datastoreItem xmlns:ds="http://schemas.openxmlformats.org/officeDocument/2006/customXml" ds:itemID="{237C6A13-5570-4035-A906-49AEDEF159FC}">
+  <ds:schemaRefs>
+    <ds:schemaRef ds:uri="http://schemas.microsoft.com/VisualStudio/2011/storyboarding/control"/>
+  </ds:schemaRefs>
+</ds:datastoreItem>
+</file>
+
+<file path=customXml/itemProps4.xml><?xml version="1.0" encoding="utf-8"?>
+<ds:datastoreItem xmlns:ds="http://schemas.openxmlformats.org/officeDocument/2006/customXml" ds:itemID="{9E886169-7898-408A-A588-DC201EC0A018}">
+  <ds:schemaRefs>
+    <ds:schemaRef ds:uri="http://schemas.microsoft.com/VisualStudio/2011/storyboarding/control"/>
+  </ds:schemaRefs>
+</ds:datastoreItem>
+</file>
+
+<file path=customXml/itemProps40.xml><?xml version="1.0" encoding="utf-8"?>
+<ds:datastoreItem xmlns:ds="http://schemas.openxmlformats.org/officeDocument/2006/customXml" ds:itemID="{D76D1104-82AB-4388-82F3-A2CDEB01CFFA}">
+  <ds:schemaRefs>
+    <ds:schemaRef ds:uri="http://schemas.microsoft.com/VisualStudio/2011/storyboarding/control"/>
+  </ds:schemaRefs>
+</ds:datastoreItem>
+</file>
+
+<file path=customXml/itemProps41.xml><?xml version="1.0" encoding="utf-8"?>
+<ds:datastoreItem xmlns:ds="http://schemas.openxmlformats.org/officeDocument/2006/customXml" ds:itemID="{99D7A4E8-9013-43F4-9025-79641E2FD4AD}">
+  <ds:schemaRefs>
+    <ds:schemaRef ds:uri="http://schemas.microsoft.com/VisualStudio/2011/storyboarding/control"/>
+  </ds:schemaRefs>
+</ds:datastoreItem>
+</file>
+
+<file path=customXml/itemProps42.xml><?xml version="1.0" encoding="utf-8"?>
+<ds:datastoreItem xmlns:ds="http://schemas.openxmlformats.org/officeDocument/2006/customXml" ds:itemID="{24CC90C9-DCFC-4768-840C-0D3A65CEFB1A}">
+  <ds:schemaRefs>
+    <ds:schemaRef ds:uri="http://schemas.microsoft.com/VisualStudio/2011/storyboarding/control"/>
+  </ds:schemaRefs>
+</ds:datastoreItem>
+</file>
+
+<file path=customXml/itemProps43.xml><?xml version="1.0" encoding="utf-8"?>
+<ds:datastoreItem xmlns:ds="http://schemas.openxmlformats.org/officeDocument/2006/customXml" ds:itemID="{065B6D8A-DC5B-4E01-B4D6-F91111928221}">
+  <ds:schemaRefs>
+    <ds:schemaRef ds:uri="http://schemas.microsoft.com/VisualStudio/2011/storyboarding/control"/>
+  </ds:schemaRefs>
+</ds:datastoreItem>
+</file>
+
+<file path=customXml/itemProps44.xml><?xml version="1.0" encoding="utf-8"?>
+<ds:datastoreItem xmlns:ds="http://schemas.openxmlformats.org/officeDocument/2006/customXml" ds:itemID="{B480FC82-3169-4C85-9FC9-6C3520CF1ADC}">
+  <ds:schemaRefs>
+    <ds:schemaRef ds:uri="http://schemas.microsoft.com/VisualStudio/2011/storyboarding/control"/>
+  </ds:schemaRefs>
+</ds:datastoreItem>
+</file>
+
+<file path=customXml/itemProps45.xml><?xml version="1.0" encoding="utf-8"?>
+<ds:datastoreItem xmlns:ds="http://schemas.openxmlformats.org/officeDocument/2006/customXml" ds:itemID="{735154BF-5FB2-4A42-9F50-5688C44EA915}">
+  <ds:schemaRefs>
+    <ds:schemaRef ds:uri="http://schemas.microsoft.com/VisualStudio/2011/storyboarding/control"/>
+  </ds:schemaRefs>
+</ds:datastoreItem>
+</file>
+
+<file path=customXml/itemProps46.xml><?xml version="1.0" encoding="utf-8"?>
+<ds:datastoreItem xmlns:ds="http://schemas.openxmlformats.org/officeDocument/2006/customXml" ds:itemID="{57009A2F-813A-4612-AA9D-4FFAC39B82A8}">
+  <ds:schemaRefs>
+    <ds:schemaRef ds:uri="http://schemas.microsoft.com/VisualStudio/2011/storyboarding/control"/>
+  </ds:schemaRefs>
+</ds:datastoreItem>
+</file>
+
+<file path=customXml/itemProps47.xml><?xml version="1.0" encoding="utf-8"?>
+<ds:datastoreItem xmlns:ds="http://schemas.openxmlformats.org/officeDocument/2006/customXml" ds:itemID="{6F15D997-6428-479A-B003-F79781CF55F4}">
+  <ds:schemaRefs>
+    <ds:schemaRef ds:uri="http://schemas.microsoft.com/VisualStudio/2011/storyboarding/control"/>
+  </ds:schemaRefs>
+</ds:datastoreItem>
+</file>
+
+<file path=customXml/itemProps48.xml><?xml version="1.0" encoding="utf-8"?>
+<ds:datastoreItem xmlns:ds="http://schemas.openxmlformats.org/officeDocument/2006/customXml" ds:itemID="{8A29F272-F02E-43A1-8757-98E7B6E22759}">
+  <ds:schemaRefs>
+    <ds:schemaRef ds:uri="http://schemas.microsoft.com/VisualStudio/2011/storyboarding/control"/>
+  </ds:schemaRefs>
+</ds:datastoreItem>
+</file>
+
+<file path=customXml/itemProps49.xml><?xml version="1.0" encoding="utf-8"?>
+<ds:datastoreItem xmlns:ds="http://schemas.openxmlformats.org/officeDocument/2006/customXml" ds:itemID="{BF3BA2C0-1BC0-4EE1-A0B3-3C1162A3C6D5}">
+  <ds:schemaRefs>
+    <ds:schemaRef ds:uri="http://schemas.microsoft.com/VisualStudio/2011/storyboarding/control"/>
+  </ds:schemaRefs>
+</ds:datastoreItem>
+</file>
+
+<file path=customXml/itemProps5.xml><?xml version="1.0" encoding="utf-8"?>
+<ds:datastoreItem xmlns:ds="http://schemas.openxmlformats.org/officeDocument/2006/customXml" ds:itemID="{1687C12C-A316-4385-BDC5-EC5A54A01DFA}">
+  <ds:schemaRefs>
+    <ds:schemaRef ds:uri="http://schemas.microsoft.com/VisualStudio/2011/storyboarding/control"/>
+  </ds:schemaRefs>
+</ds:datastoreItem>
+</file>
+
+<file path=customXml/itemProps50.xml><?xml version="1.0" encoding="utf-8"?>
+<ds:datastoreItem xmlns:ds="http://schemas.openxmlformats.org/officeDocument/2006/customXml" ds:itemID="{E3F9A2DC-3D79-46E6-A128-95D153FF0A57}">
+  <ds:schemaRefs>
+    <ds:schemaRef ds:uri="http://schemas.microsoft.com/VisualStudio/2011/storyboarding/control"/>
+  </ds:schemaRefs>
+</ds:datastoreItem>
+</file>
+
+<file path=customXml/itemProps51.xml><?xml version="1.0" encoding="utf-8"?>
+<ds:datastoreItem xmlns:ds="http://schemas.openxmlformats.org/officeDocument/2006/customXml" ds:itemID="{45E97D65-6343-4570-8097-EA7E7BF9672F}">
+  <ds:schemaRefs>
+    <ds:schemaRef ds:uri="http://schemas.microsoft.com/VisualStudio/2011/storyboarding/control"/>
+  </ds:schemaRefs>
+</ds:datastoreItem>
+</file>
+
+<file path=customXml/itemProps52.xml><?xml version="1.0" encoding="utf-8"?>
+<ds:datastoreItem xmlns:ds="http://schemas.openxmlformats.org/officeDocument/2006/customXml" ds:itemID="{F232015F-DAF1-45FF-BD7C-647A088BFD71}">
+  <ds:schemaRefs>
+    <ds:schemaRef ds:uri="http://schemas.microsoft.com/VisualStudio/2011/storyboarding/control"/>
+  </ds:schemaRefs>
+</ds:datastoreItem>
+</file>
+
+<file path=customXml/itemProps53.xml><?xml version="1.0" encoding="utf-8"?>
+<ds:datastoreItem xmlns:ds="http://schemas.openxmlformats.org/officeDocument/2006/customXml" ds:itemID="{00284BA1-76DC-4304-8924-639E629F92EA}">
+  <ds:schemaRefs>
+    <ds:schemaRef ds:uri="http://schemas.microsoft.com/VisualStudio/2011/storyboarding/control"/>
+  </ds:schemaRefs>
+</ds:datastoreItem>
+</file>
+
+<file path=customXml/itemProps54.xml><?xml version="1.0" encoding="utf-8"?>
+<ds:datastoreItem xmlns:ds="http://schemas.openxmlformats.org/officeDocument/2006/customXml" ds:itemID="{061016BA-8104-4015-8EC7-33408200BF3F}">
+  <ds:schemaRefs>
+    <ds:schemaRef ds:uri="http://schemas.microsoft.com/VisualStudio/2011/storyboarding/control"/>
+  </ds:schemaRefs>
+</ds:datastoreItem>
+</file>
+
+<file path=customXml/itemProps55.xml><?xml version="1.0" encoding="utf-8"?>
+<ds:datastoreItem xmlns:ds="http://schemas.openxmlformats.org/officeDocument/2006/customXml" ds:itemID="{E6534C85-3FCF-4A96-A817-5FAEA8C983EC}">
+  <ds:schemaRefs>
+    <ds:schemaRef ds:uri="http://schemas.microsoft.com/VisualStudio/2011/storyboarding/control"/>
+  </ds:schemaRefs>
+</ds:datastoreItem>
+</file>
+
+<file path=customXml/itemProps56.xml><?xml version="1.0" encoding="utf-8"?>
+<ds:datastoreItem xmlns:ds="http://schemas.openxmlformats.org/officeDocument/2006/customXml" ds:itemID="{9A549DBF-0857-4182-A576-C9C6519C6A3E}">
+  <ds:schemaRefs>
+    <ds:schemaRef ds:uri="http://schemas.microsoft.com/VisualStudio/2011/storyboarding/control"/>
+  </ds:schemaRefs>
+</ds:datastoreItem>
+</file>
+
+<file path=customXml/itemProps57.xml><?xml version="1.0" encoding="utf-8"?>
+<ds:datastoreItem xmlns:ds="http://schemas.openxmlformats.org/officeDocument/2006/customXml" ds:itemID="{BB853E70-C52C-4C96-B715-5B968D2A994D}">
+  <ds:schemaRefs>
+    <ds:schemaRef ds:uri="http://schemas.microsoft.com/VisualStudio/2011/storyboarding/control"/>
+  </ds:schemaRefs>
+</ds:datastoreItem>
+</file>
+
+<file path=customXml/itemProps58.xml><?xml version="1.0" encoding="utf-8"?>
+<ds:datastoreItem xmlns:ds="http://schemas.openxmlformats.org/officeDocument/2006/customXml" ds:itemID="{58E85928-2B8F-490C-9347-5C47C3112D67}">
+  <ds:schemaRefs>
+    <ds:schemaRef ds:uri="http://schemas.microsoft.com/VisualStudio/2011/storyboarding/control"/>
+  </ds:schemaRefs>
+</ds:datastoreItem>
+</file>
+
+<file path=customXml/itemProps59.xml><?xml version="1.0" encoding="utf-8"?>
+<ds:datastoreItem xmlns:ds="http://schemas.openxmlformats.org/officeDocument/2006/customXml" ds:itemID="{0F220257-F99E-4E47-AD44-65D24C457664}">
+  <ds:schemaRefs>
+    <ds:schemaRef ds:uri="http://schemas.microsoft.com/VisualStudio/2011/storyboarding/control"/>
+  </ds:schemaRefs>
+</ds:datastoreItem>
+</file>
+
+<file path=customXml/itemProps6.xml><?xml version="1.0" encoding="utf-8"?>
+<ds:datastoreItem xmlns:ds="http://schemas.openxmlformats.org/officeDocument/2006/customXml" ds:itemID="{F2328595-B94A-4766-A678-942BFE76529D}">
+  <ds:schemaRefs>
+    <ds:schemaRef ds:uri="http://schemas.microsoft.com/VisualStudio/2011/storyboarding/control"/>
+  </ds:schemaRefs>
+</ds:datastoreItem>
+</file>
+
+<file path=customXml/itemProps60.xml><?xml version="1.0" encoding="utf-8"?>
+<ds:datastoreItem xmlns:ds="http://schemas.openxmlformats.org/officeDocument/2006/customXml" ds:itemID="{214A0574-B4FE-4ED0-8624-A8CD52601755}">
+  <ds:schemaRefs>
+    <ds:schemaRef ds:uri="http://schemas.microsoft.com/VisualStudio/2011/storyboarding/control"/>
+  </ds:schemaRefs>
+</ds:datastoreItem>
+</file>
+
+<file path=customXml/itemProps61.xml><?xml version="1.0" encoding="utf-8"?>
+<ds:datastoreItem xmlns:ds="http://schemas.openxmlformats.org/officeDocument/2006/customXml" ds:itemID="{F06EC21E-1461-4C90-A408-E9BD4F8C6B5E}">
+  <ds:schemaRefs>
+    <ds:schemaRef ds:uri="http://schemas.microsoft.com/VisualStudio/2011/storyboarding/control"/>
+  </ds:schemaRefs>
+</ds:datastoreItem>
+</file>
+
+<file path=customXml/itemProps62.xml><?xml version="1.0" encoding="utf-8"?>
+<ds:datastoreItem xmlns:ds="http://schemas.openxmlformats.org/officeDocument/2006/customXml" ds:itemID="{ED3D69ED-38A9-48C8-B05E-83772337A98C}">
+  <ds:schemaRefs>
+    <ds:schemaRef ds:uri="http://schemas.microsoft.com/VisualStudio/2011/storyboarding/control"/>
+  </ds:schemaRefs>
+</ds:datastoreItem>
+</file>
+
+<file path=customXml/itemProps63.xml><?xml version="1.0" encoding="utf-8"?>
+<ds:datastoreItem xmlns:ds="http://schemas.openxmlformats.org/officeDocument/2006/customXml" ds:itemID="{7FE5D889-C566-4205-8BB7-607167187A6D}">
+  <ds:schemaRefs>
+    <ds:schemaRef ds:uri="http://schemas.microsoft.com/VisualStudio/2011/storyboarding/control"/>
+  </ds:schemaRefs>
+</ds:datastoreItem>
+</file>
+
+<file path=customXml/itemProps64.xml><?xml version="1.0" encoding="utf-8"?>
+<ds:datastoreItem xmlns:ds="http://schemas.openxmlformats.org/officeDocument/2006/customXml" ds:itemID="{766AAA37-C280-4DC8-8509-D7D6C194E5E2}">
+  <ds:schemaRefs>
+    <ds:schemaRef ds:uri="http://schemas.microsoft.com/VisualStudio/2011/storyboarding/control"/>
+  </ds:schemaRefs>
+</ds:datastoreItem>
+</file>
+
+<file path=customXml/itemProps65.xml><?xml version="1.0" encoding="utf-8"?>
+<ds:datastoreItem xmlns:ds="http://schemas.openxmlformats.org/officeDocument/2006/customXml" ds:itemID="{7436C3C2-62DC-431D-8B09-2D994F837C18}">
+  <ds:schemaRefs>
+    <ds:schemaRef ds:uri="http://schemas.microsoft.com/VisualStudio/2011/storyboarding/control"/>
+  </ds:schemaRefs>
+</ds:datastoreItem>
+</file>
+
+<file path=customXml/itemProps66.xml><?xml version="1.0" encoding="utf-8"?>
+<ds:datastoreItem xmlns:ds="http://schemas.openxmlformats.org/officeDocument/2006/customXml" ds:itemID="{FF490F7A-7175-4DBD-85E3-7747FC7592B9}">
+  <ds:schemaRefs>
+    <ds:schemaRef ds:uri="http://schemas.microsoft.com/VisualStudio/2011/storyboarding/control"/>
+  </ds:schemaRefs>
+</ds:datastoreItem>
+</file>
+
+<file path=customXml/itemProps67.xml><?xml version="1.0" encoding="utf-8"?>
+<ds:datastoreItem xmlns:ds="http://schemas.openxmlformats.org/officeDocument/2006/customXml" ds:itemID="{8B4C81AF-3B4B-4CC7-9167-93AD49568C20}">
+  <ds:schemaRefs>
+    <ds:schemaRef ds:uri="http://schemas.microsoft.com/VisualStudio/2011/storyboarding/control"/>
+  </ds:schemaRefs>
+</ds:datastoreItem>
+</file>
+
+<file path=customXml/itemProps68.xml><?xml version="1.0" encoding="utf-8"?>
+<ds:datastoreItem xmlns:ds="http://schemas.openxmlformats.org/officeDocument/2006/customXml" ds:itemID="{B06BA414-8851-4C1D-86A5-61BD61A5ABF5}">
+  <ds:schemaRefs>
+    <ds:schemaRef ds:uri="http://schemas.microsoft.com/VisualStudio/2011/storyboarding/control"/>
+  </ds:schemaRefs>
+</ds:datastoreItem>
+</file>
+
+<file path=customXml/itemProps69.xml><?xml version="1.0" encoding="utf-8"?>
+<ds:datastoreItem xmlns:ds="http://schemas.openxmlformats.org/officeDocument/2006/customXml" ds:itemID="{FD116327-F1B7-432D-85A9-86B2CC29F909}">
+  <ds:schemaRefs>
+    <ds:schemaRef ds:uri="http://schemas.microsoft.com/VisualStudio/2011/storyboarding/control"/>
+  </ds:schemaRefs>
+</ds:datastoreItem>
+</file>
+
+<file path=customXml/itemProps7.xml><?xml version="1.0" encoding="utf-8"?>
+<ds:datastoreItem xmlns:ds="http://schemas.openxmlformats.org/officeDocument/2006/customXml" ds:itemID="{40484B2B-32CA-4908-A849-9B88CBDFDD72}">
+  <ds:schemaRefs>
+    <ds:schemaRef ds:uri="http://schemas.microsoft.com/VisualStudio/2011/storyboarding/control"/>
+  </ds:schemaRefs>
+</ds:datastoreItem>
+</file>
+
+<file path=customXml/itemProps70.xml><?xml version="1.0" encoding="utf-8"?>
+<ds:datastoreItem xmlns:ds="http://schemas.openxmlformats.org/officeDocument/2006/customXml" ds:itemID="{9F9D5C54-1675-4957-93CF-3A95802A5BCB}">
+  <ds:schemaRefs>
+    <ds:schemaRef ds:uri="http://schemas.microsoft.com/VisualStudio/2011/storyboarding/control"/>
+  </ds:schemaRefs>
+</ds:datastoreItem>
+</file>
+
+<file path=customXml/itemProps71.xml><?xml version="1.0" encoding="utf-8"?>
+<ds:datastoreItem xmlns:ds="http://schemas.openxmlformats.org/officeDocument/2006/customXml" ds:itemID="{C3959990-BEDE-4342-8909-D2CC7843CB1A}">
+  <ds:schemaRefs>
+    <ds:schemaRef ds:uri="http://schemas.microsoft.com/VisualStudio/2011/storyboarding/control"/>
+  </ds:schemaRefs>
+</ds:datastoreItem>
+</file>
+
+<file path=customXml/itemProps72.xml><?xml version="1.0" encoding="utf-8"?>
+<ds:datastoreItem xmlns:ds="http://schemas.openxmlformats.org/officeDocument/2006/customXml" ds:itemID="{A0472940-DB88-4113-B969-16EA24F7EB7F}">
+  <ds:schemaRefs>
+    <ds:schemaRef ds:uri="http://schemas.microsoft.com/VisualStudio/2011/storyboarding/control"/>
+  </ds:schemaRefs>
+</ds:datastoreItem>
+</file>
+
+<file path=customXml/itemProps73.xml><?xml version="1.0" encoding="utf-8"?>
+<ds:datastoreItem xmlns:ds="http://schemas.openxmlformats.org/officeDocument/2006/customXml" ds:itemID="{1ACBFFF3-A1FA-4A8A-A886-2045487CFD4F}">
+  <ds:schemaRefs>
+    <ds:schemaRef ds:uri="http://schemas.microsoft.com/VisualStudio/2011/storyboarding/control"/>
+  </ds:schemaRefs>
+</ds:datastoreItem>
+</file>
+
+<file path=customXml/itemProps74.xml><?xml version="1.0" encoding="utf-8"?>
+<ds:datastoreItem xmlns:ds="http://schemas.openxmlformats.org/officeDocument/2006/customXml" ds:itemID="{3C2A0945-4362-41A2-990F-E920693D0CA2}">
+  <ds:schemaRefs>
+    <ds:schemaRef ds:uri="http://schemas.microsoft.com/VisualStudio/2011/storyboarding/control"/>
+  </ds:schemaRefs>
+</ds:datastoreItem>
+</file>
+
+<file path=customXml/itemProps75.xml><?xml version="1.0" encoding="utf-8"?>
+<ds:datastoreItem xmlns:ds="http://schemas.openxmlformats.org/officeDocument/2006/customXml" ds:itemID="{8587DE98-B823-4671-8421-AEFBBB189344}">
+  <ds:schemaRefs>
+    <ds:schemaRef ds:uri="http://schemas.microsoft.com/VisualStudio/2011/storyboarding/control"/>
+  </ds:schemaRefs>
+</ds:datastoreItem>
+</file>
+
+<file path=customXml/itemProps76.xml><?xml version="1.0" encoding="utf-8"?>
+<ds:datastoreItem xmlns:ds="http://schemas.openxmlformats.org/officeDocument/2006/customXml" ds:itemID="{B4FE2F49-6183-4BEB-8E3F-2E3F7B41D332}">
+  <ds:schemaRefs>
+    <ds:schemaRef ds:uri="http://schemas.microsoft.com/VisualStudio/2011/storyboarding/control"/>
+  </ds:schemaRefs>
+</ds:datastoreItem>
+</file>
+
+<file path=customXml/itemProps77.xml><?xml version="1.0" encoding="utf-8"?>
+<ds:datastoreItem xmlns:ds="http://schemas.openxmlformats.org/officeDocument/2006/customXml" ds:itemID="{98ED19BC-F2BE-474D-AE6A-03F6010F09B7}">
+  <ds:schemaRefs>
+    <ds:schemaRef ds:uri="http://schemas.microsoft.com/VisualStudio/2011/storyboarding/control"/>
+  </ds:schemaRefs>
+</ds:datastoreItem>
+</file>
+
+<file path=customXml/itemProps78.xml><?xml version="1.0" encoding="utf-8"?>
+<ds:datastoreItem xmlns:ds="http://schemas.openxmlformats.org/officeDocument/2006/customXml" ds:itemID="{0ABEA74B-FF86-455C-8A72-E51D65593505}">
+  <ds:schemaRefs>
+    <ds:schemaRef ds:uri="http://schemas.microsoft.com/VisualStudio/2011/storyboarding/control"/>
+  </ds:schemaRefs>
+</ds:datastoreItem>
+</file>
+
+<file path=customXml/itemProps79.xml><?xml version="1.0" encoding="utf-8"?>
+<ds:datastoreItem xmlns:ds="http://schemas.openxmlformats.org/officeDocument/2006/customXml" ds:itemID="{E73954B7-8733-4015-BBE9-68F0EBC1DC98}">
+  <ds:schemaRefs>
+    <ds:schemaRef ds:uri="http://schemas.microsoft.com/VisualStudio/2011/storyboarding/control"/>
+  </ds:schemaRefs>
+</ds:datastoreItem>
+</file>
+
+<file path=customXml/itemProps8.xml><?xml version="1.0" encoding="utf-8"?>
+<ds:datastoreItem xmlns:ds="http://schemas.openxmlformats.org/officeDocument/2006/customXml" ds:itemID="{0058B53A-1646-43DF-A09E-5B7ECDD1343F}">
+  <ds:schemaRefs>
+    <ds:schemaRef ds:uri="http://schemas.microsoft.com/VisualStudio/2011/storyboarding/control"/>
+  </ds:schemaRefs>
+</ds:datastoreItem>
+</file>
+
+<file path=customXml/itemProps80.xml><?xml version="1.0" encoding="utf-8"?>
+<ds:datastoreItem xmlns:ds="http://schemas.openxmlformats.org/officeDocument/2006/customXml" ds:itemID="{52C22ECF-CB94-4099-8D5D-534B8A0F76FA}">
+  <ds:schemaRefs>
+    <ds:schemaRef ds:uri="http://schemas.microsoft.com/VisualStudio/2011/storyboarding/control"/>
+  </ds:schemaRefs>
+</ds:datastoreItem>
+</file>
+
+<file path=customXml/itemProps81.xml><?xml version="1.0" encoding="utf-8"?>
+<ds:datastoreItem xmlns:ds="http://schemas.openxmlformats.org/officeDocument/2006/customXml" ds:itemID="{F250E77D-4307-4DF6-B5B0-A84E72ED7F70}">
+  <ds:schemaRefs>
+    <ds:schemaRef ds:uri="http://schemas.microsoft.com/VisualStudio/2011/storyboarding/control"/>
+  </ds:schemaRefs>
+</ds:datastoreItem>
+</file>
+
+<file path=customXml/itemProps82.xml><?xml version="1.0" encoding="utf-8"?>
+<ds:datastoreItem xmlns:ds="http://schemas.openxmlformats.org/officeDocument/2006/customXml" ds:itemID="{EA59DCB8-0416-4CDF-B7A8-3408237CE9AF}">
+  <ds:schemaRefs>
+    <ds:schemaRef ds:uri="http://schemas.microsoft.com/VisualStudio/2011/storyboarding/control"/>
+  </ds:schemaRefs>
+</ds:datastoreItem>
+</file>
+
+<file path=customXml/itemProps83.xml><?xml version="1.0" encoding="utf-8"?>
+<ds:datastoreItem xmlns:ds="http://schemas.openxmlformats.org/officeDocument/2006/customXml" ds:itemID="{6AD84BE9-0868-4CB2-8303-2FC4DD2D5CFA}">
+  <ds:schemaRefs>
+    <ds:schemaRef ds:uri="http://schemas.microsoft.com/VisualStudio/2011/storyboarding/control"/>
+  </ds:schemaRefs>
+</ds:datastoreItem>
+</file>
+
+<file path=customXml/itemProps84.xml><?xml version="1.0" encoding="utf-8"?>
+<ds:datastoreItem xmlns:ds="http://schemas.openxmlformats.org/officeDocument/2006/customXml" ds:itemID="{B8B89DFC-14C8-4A9F-A15A-190159CF0CFE}">
+  <ds:schemaRefs>
+    <ds:schemaRef ds:uri="http://schemas.microsoft.com/VisualStudio/2011/storyboarding/control"/>
+  </ds:schemaRefs>
+</ds:datastoreItem>
+</file>
+
+<file path=customXml/itemProps85.xml><?xml version="1.0" encoding="utf-8"?>
+<ds:datastoreItem xmlns:ds="http://schemas.openxmlformats.org/officeDocument/2006/customXml" ds:itemID="{F8966AEF-05C9-4F9E-ACC0-C77A7D3EC4A2}">
+  <ds:schemaRefs>
+    <ds:schemaRef ds:uri="http://schemas.microsoft.com/VisualStudio/2011/storyboarding/control"/>
+  </ds:schemaRefs>
+</ds:datastoreItem>
+</file>
+
+<file path=customXml/itemProps86.xml><?xml version="1.0" encoding="utf-8"?>
+<ds:datastoreItem xmlns:ds="http://schemas.openxmlformats.org/officeDocument/2006/customXml" ds:itemID="{58531759-097F-466E-9EAE-BE5F2D403745}">
+  <ds:schemaRefs>
+    <ds:schemaRef ds:uri="http://schemas.microsoft.com/VisualStudio/2011/storyboarding/control"/>
+  </ds:schemaRefs>
+</ds:datastoreItem>
+</file>
+
+<file path=customXml/itemProps87.xml><?xml version="1.0" encoding="utf-8"?>
+<ds:datastoreItem xmlns:ds="http://schemas.openxmlformats.org/officeDocument/2006/customXml" ds:itemID="{DBBAE149-4048-407F-90E7-559BE2D44973}">
+  <ds:schemaRefs>
+    <ds:schemaRef ds:uri="http://schemas.microsoft.com/VisualStudio/2011/storyboarding/control"/>
+  </ds:schemaRefs>
+</ds:datastoreItem>
+</file>
+
+<file path=customXml/itemProps88.xml><?xml version="1.0" encoding="utf-8"?>
+<ds:datastoreItem xmlns:ds="http://schemas.openxmlformats.org/officeDocument/2006/customXml" ds:itemID="{FCAB2D3C-D644-40DE-B890-52EBFBEE6679}">
+  <ds:schemaRefs>
+    <ds:schemaRef ds:uri="http://schemas.microsoft.com/VisualStudio/2011/storyboarding/control"/>
+  </ds:schemaRefs>
+</ds:datastoreItem>
+</file>
+
+<file path=customXml/itemProps89.xml><?xml version="1.0" encoding="utf-8"?>
+<ds:datastoreItem xmlns:ds="http://schemas.openxmlformats.org/officeDocument/2006/customXml" ds:itemID="{32ECFB9B-BC23-44D4-BB12-77EB94DEDC48}">
+  <ds:schemaRefs>
+    <ds:schemaRef ds:uri="http://schemas.microsoft.com/VisualStudio/2011/storyboarding/control"/>
+  </ds:schemaRefs>
+</ds:datastoreItem>
+</file>
+
+<file path=customXml/itemProps9.xml><?xml version="1.0" encoding="utf-8"?>
+<ds:datastoreItem xmlns:ds="http://schemas.openxmlformats.org/officeDocument/2006/customXml" ds:itemID="{7E04FC52-D4ED-44E8-B67A-EE8096314BAA}">
+  <ds:schemaRefs>
+    <ds:schemaRef ds:uri="http://schemas.microsoft.com/VisualStudio/2011/storyboarding/control"/>
+  </ds:schemaRefs>
+</ds:datastoreItem>
+</file>
+
+<file path=customXml/itemProps90.xml><?xml version="1.0" encoding="utf-8"?>
+<ds:datastoreItem xmlns:ds="http://schemas.openxmlformats.org/officeDocument/2006/customXml" ds:itemID="{D828C4B5-7600-47DF-839B-3BBB7781697F}">
+  <ds:schemaRefs>
+    <ds:schemaRef ds:uri="http://schemas.microsoft.com/VisualStudio/2011/storyboarding/control"/>
+  </ds:schemaRefs>
+</ds:datastoreItem>
+</file>
+
+<file path=customXml/itemProps91.xml><?xml version="1.0" encoding="utf-8"?>
+<ds:datastoreItem xmlns:ds="http://schemas.openxmlformats.org/officeDocument/2006/customXml" ds:itemID="{8EDC32C9-43BE-46C7-9EB2-520A513BD87F}">
+  <ds:schemaRefs>
+    <ds:schemaRef ds:uri="http://schemas.microsoft.com/VisualStudio/2011/storyboarding/control"/>
+  </ds:schemaRefs>
+</ds:datastoreItem>
+</file>
+
+<file path=customXml/itemProps92.xml><?xml version="1.0" encoding="utf-8"?>
+<ds:datastoreItem xmlns:ds="http://schemas.openxmlformats.org/officeDocument/2006/customXml" ds:itemID="{2B8239E4-F3AC-4E73-B621-3377998C1E74}">
+  <ds:schemaRefs>
+    <ds:schemaRef ds:uri="http://schemas.microsoft.com/VisualStudio/2011/storyboarding/control"/>
+  </ds:schemaRefs>
+</ds:datastoreItem>
+</file>
+
+<file path=customXml/itemProps93.xml><?xml version="1.0" encoding="utf-8"?>
+<ds:datastoreItem xmlns:ds="http://schemas.openxmlformats.org/officeDocument/2006/customXml" ds:itemID="{DB943CB5-6ECD-4BD5-A62D-6B81C42065C2}">
+  <ds:schemaRefs>
+    <ds:schemaRef ds:uri="http://schemas.microsoft.com/VisualStudio/2011/storyboarding/control"/>
+  </ds:schemaRefs>
+</ds:datastoreItem>
+</file>
+
+<file path=customXml/itemProps94.xml><?xml version="1.0" encoding="utf-8"?>
+<ds:datastoreItem xmlns:ds="http://schemas.openxmlformats.org/officeDocument/2006/customXml" ds:itemID="{D5D1CCD8-856F-4AAF-AB27-FCEEA51943BA}">
+  <ds:schemaRefs>
+    <ds:schemaRef ds:uri="http://schemas.microsoft.com/VisualStudio/2011/storyboarding/control"/>
+  </ds:schemaRefs>
+</ds:datastoreItem>
+</file>
+
+<file path=customXml/itemProps95.xml><?xml version="1.0" encoding="utf-8"?>
 <ds:datastoreItem xmlns:ds="http://schemas.openxmlformats.org/officeDocument/2006/customXml" ds:itemID="{1C58624C-ADD7-4638-9F03-50B6B0125115}">
   <ds:schemaRefs>
     <ds:schemaRef ds:uri="http://schemas.microsoft.com/VisualStudio/2011/storyboarding/control"/>
@@ -17025,311 +19043,7 @@
 </ds:datastoreItem>
 </file>
 
-<file path=customXml/itemProps100.xml><?xml version="1.0" encoding="utf-8"?>
-<ds:datastoreItem xmlns:ds="http://schemas.openxmlformats.org/officeDocument/2006/customXml" ds:itemID="{3C2A0945-4362-41A2-990F-E920693D0CA2}">
-  <ds:schemaRefs>
-    <ds:schemaRef ds:uri="http://schemas.microsoft.com/VisualStudio/2011/storyboarding/control"/>
-  </ds:schemaRefs>
-</ds:datastoreItem>
-</file>
-
-<file path=customXml/itemProps101.xml><?xml version="1.0" encoding="utf-8"?>
-<ds:datastoreItem xmlns:ds="http://schemas.openxmlformats.org/officeDocument/2006/customXml" ds:itemID="{6260AC0F-4508-4430-BA12-847F69BCCF50}">
-  <ds:schemaRefs>
-    <ds:schemaRef ds:uri="http://schemas.microsoft.com/VisualStudio/2011/storyboarding/control"/>
-  </ds:schemaRefs>
-</ds:datastoreItem>
-</file>
-
-<file path=customXml/itemProps102.xml><?xml version="1.0" encoding="utf-8"?>
-<ds:datastoreItem xmlns:ds="http://schemas.openxmlformats.org/officeDocument/2006/customXml" ds:itemID="{0058B53A-1646-43DF-A09E-5B7ECDD1343F}">
-  <ds:schemaRefs>
-    <ds:schemaRef ds:uri="http://schemas.microsoft.com/VisualStudio/2011/storyboarding/control"/>
-  </ds:schemaRefs>
-</ds:datastoreItem>
-</file>
-
-<file path=customXml/itemProps103.xml><?xml version="1.0" encoding="utf-8"?>
-<ds:datastoreItem xmlns:ds="http://schemas.openxmlformats.org/officeDocument/2006/customXml" ds:itemID="{4C110DA4-838D-485D-9522-3AE017EA91BB}">
-  <ds:schemaRefs>
-    <ds:schemaRef ds:uri="http://schemas.microsoft.com/VisualStudio/2011/storyboarding/control"/>
-  </ds:schemaRefs>
-</ds:datastoreItem>
-</file>
-
-<file path=customXml/itemProps104.xml><?xml version="1.0" encoding="utf-8"?>
-<ds:datastoreItem xmlns:ds="http://schemas.openxmlformats.org/officeDocument/2006/customXml" ds:itemID="{00284BA1-76DC-4304-8924-639E629F92EA}">
-  <ds:schemaRefs>
-    <ds:schemaRef ds:uri="http://schemas.microsoft.com/VisualStudio/2011/storyboarding/control"/>
-  </ds:schemaRefs>
-</ds:datastoreItem>
-</file>
-
-<file path=customXml/itemProps105.xml><?xml version="1.0" encoding="utf-8"?>
-<ds:datastoreItem xmlns:ds="http://schemas.openxmlformats.org/officeDocument/2006/customXml" ds:itemID="{8587DE98-B823-4671-8421-AEFBBB189344}">
-  <ds:schemaRefs>
-    <ds:schemaRef ds:uri="http://schemas.microsoft.com/VisualStudio/2011/storyboarding/control"/>
-  </ds:schemaRefs>
-</ds:datastoreItem>
-</file>
-
-<file path=customXml/itemProps106.xml><?xml version="1.0" encoding="utf-8"?>
-<ds:datastoreItem xmlns:ds="http://schemas.openxmlformats.org/officeDocument/2006/customXml" ds:itemID="{D5D1CCD8-856F-4AAF-AB27-FCEEA51943BA}">
-  <ds:schemaRefs>
-    <ds:schemaRef ds:uri="http://schemas.microsoft.com/VisualStudio/2011/storyboarding/control"/>
-  </ds:schemaRefs>
-</ds:datastoreItem>
-</file>
-
-<file path=customXml/itemProps107.xml><?xml version="1.0" encoding="utf-8"?>
-<ds:datastoreItem xmlns:ds="http://schemas.openxmlformats.org/officeDocument/2006/customXml" ds:itemID="{FED77ACA-A391-4822-BEF5-924372A3425F}">
-  <ds:schemaRefs>
-    <ds:schemaRef ds:uri="http://schemas.microsoft.com/VisualStudio/2011/storyboarding/control"/>
-  </ds:schemaRefs>
-</ds:datastoreItem>
-</file>
-
-<file path=customXml/itemProps108.xml><?xml version="1.0" encoding="utf-8"?>
-<ds:datastoreItem xmlns:ds="http://schemas.openxmlformats.org/officeDocument/2006/customXml" ds:itemID="{F0CBAB2F-75D2-4967-A27F-6965E3ED1778}">
-  <ds:schemaRefs>
-    <ds:schemaRef ds:uri="http://schemas.microsoft.com/VisualStudio/2011/storyboarding/control"/>
-  </ds:schemaRefs>
-</ds:datastoreItem>
-</file>
-
-<file path=customXml/itemProps109.xml><?xml version="1.0" encoding="utf-8"?>
-<ds:datastoreItem xmlns:ds="http://schemas.openxmlformats.org/officeDocument/2006/customXml" ds:itemID="{6F15D997-6428-479A-B003-F79781CF55F4}">
-  <ds:schemaRefs>
-    <ds:schemaRef ds:uri="http://schemas.microsoft.com/VisualStudio/2011/storyboarding/control"/>
-  </ds:schemaRefs>
-</ds:datastoreItem>
-</file>
-
-<file path=customXml/itemProps11.xml><?xml version="1.0" encoding="utf-8"?>
-<ds:datastoreItem xmlns:ds="http://schemas.openxmlformats.org/officeDocument/2006/customXml" ds:itemID="{441C7EBE-B1F1-437D-A1A7-982CD016269C}">
-  <ds:schemaRefs>
-    <ds:schemaRef ds:uri="http://schemas.microsoft.com/VisualStudio/2011/storyboarding/control"/>
-  </ds:schemaRefs>
-</ds:datastoreItem>
-</file>
-
-<file path=customXml/itemProps110.xml><?xml version="1.0" encoding="utf-8"?>
-<ds:datastoreItem xmlns:ds="http://schemas.openxmlformats.org/officeDocument/2006/customXml" ds:itemID="{766AAA37-C280-4DC8-8509-D7D6C194E5E2}">
-  <ds:schemaRefs>
-    <ds:schemaRef ds:uri="http://schemas.microsoft.com/VisualStudio/2011/storyboarding/control"/>
-  </ds:schemaRefs>
-</ds:datastoreItem>
-</file>
-
-<file path=customXml/itemProps111.xml><?xml version="1.0" encoding="utf-8"?>
-<ds:datastoreItem xmlns:ds="http://schemas.openxmlformats.org/officeDocument/2006/customXml" ds:itemID="{D828C4B5-7600-47DF-839B-3BBB7781697F}">
-  <ds:schemaRefs>
-    <ds:schemaRef ds:uri="http://schemas.microsoft.com/VisualStudio/2011/storyboarding/control"/>
-  </ds:schemaRefs>
-</ds:datastoreItem>
-</file>
-
-<file path=customXml/itemProps112.xml><?xml version="1.0" encoding="utf-8"?>
-<ds:datastoreItem xmlns:ds="http://schemas.openxmlformats.org/officeDocument/2006/customXml" ds:itemID="{96233AC8-4828-4C3E-8BAA-3E77009FB5EA}">
-  <ds:schemaRefs>
-    <ds:schemaRef ds:uri="http://schemas.microsoft.com/VisualStudio/2011/storyboarding/control"/>
-  </ds:schemaRefs>
-</ds:datastoreItem>
-</file>
-
-<file path=customXml/itemProps113.xml><?xml version="1.0" encoding="utf-8"?>
-<ds:datastoreItem xmlns:ds="http://schemas.openxmlformats.org/officeDocument/2006/customXml" ds:itemID="{C25A3B5F-7FB7-4E8E-8C1B-FE0B9A3E8DB1}">
-  <ds:schemaRefs>
-    <ds:schemaRef ds:uri="http://schemas.microsoft.com/VisualStudio/2011/storyboarding/control"/>
-  </ds:schemaRefs>
-</ds:datastoreItem>
-</file>
-
-<file path=customXml/itemProps114.xml><?xml version="1.0" encoding="utf-8"?>
-<ds:datastoreItem xmlns:ds="http://schemas.openxmlformats.org/officeDocument/2006/customXml" ds:itemID="{0EDAB4CF-04B1-453E-BF4F-263E04F8688F}">
-  <ds:schemaRefs>
-    <ds:schemaRef ds:uri="http://schemas.microsoft.com/VisualStudio/2011/storyboarding/control"/>
-  </ds:schemaRefs>
-</ds:datastoreItem>
-</file>
-
-<file path=customXml/itemProps115.xml><?xml version="1.0" encoding="utf-8"?>
-<ds:datastoreItem xmlns:ds="http://schemas.openxmlformats.org/officeDocument/2006/customXml" ds:itemID="{7436C3C2-62DC-431D-8B09-2D994F837C18}">
-  <ds:schemaRefs>
-    <ds:schemaRef ds:uri="http://schemas.microsoft.com/VisualStudio/2011/storyboarding/control"/>
-  </ds:schemaRefs>
-</ds:datastoreItem>
-</file>
-
-<file path=customXml/itemProps12.xml><?xml version="1.0" encoding="utf-8"?>
-<ds:datastoreItem xmlns:ds="http://schemas.openxmlformats.org/officeDocument/2006/customXml" ds:itemID="{1486B02C-8CA8-4F9A-B4EB-C902A5F59C7B}">
-  <ds:schemaRefs>
-    <ds:schemaRef ds:uri="http://schemas.microsoft.com/VisualStudio/2011/storyboarding/control"/>
-  </ds:schemaRefs>
-</ds:datastoreItem>
-</file>
-
-<file path=customXml/itemProps13.xml><?xml version="1.0" encoding="utf-8"?>
-<ds:datastoreItem xmlns:ds="http://schemas.openxmlformats.org/officeDocument/2006/customXml" ds:itemID="{B480FC82-3169-4C85-9FC9-6C3520CF1ADC}">
-  <ds:schemaRefs>
-    <ds:schemaRef ds:uri="http://schemas.microsoft.com/VisualStudio/2011/storyboarding/control"/>
-  </ds:schemaRefs>
-</ds:datastoreItem>
-</file>
-
-<file path=customXml/itemProps14.xml><?xml version="1.0" encoding="utf-8"?>
-<ds:datastoreItem xmlns:ds="http://schemas.openxmlformats.org/officeDocument/2006/customXml" ds:itemID="{FD116327-F1B7-432D-85A9-86B2CC29F909}">
-  <ds:schemaRefs>
-    <ds:schemaRef ds:uri="http://schemas.microsoft.com/VisualStudio/2011/storyboarding/control"/>
-  </ds:schemaRefs>
-</ds:datastoreItem>
-</file>
-
-<file path=customXml/itemProps15.xml><?xml version="1.0" encoding="utf-8"?>
-<ds:datastoreItem xmlns:ds="http://schemas.openxmlformats.org/officeDocument/2006/customXml" ds:itemID="{8EDC32C9-43BE-46C7-9EB2-520A513BD87F}">
-  <ds:schemaRefs>
-    <ds:schemaRef ds:uri="http://schemas.microsoft.com/VisualStudio/2011/storyboarding/control"/>
-  </ds:schemaRefs>
-</ds:datastoreItem>
-</file>
-
-<file path=customXml/itemProps16.xml><?xml version="1.0" encoding="utf-8"?>
-<ds:datastoreItem xmlns:ds="http://schemas.openxmlformats.org/officeDocument/2006/customXml" ds:itemID="{CBD75DB4-3633-4E3E-B326-F275DFDB66AF}">
-  <ds:schemaRefs>
-    <ds:schemaRef ds:uri="http://schemas.microsoft.com/VisualStudio/2011/storyboarding/control"/>
-  </ds:schemaRefs>
-</ds:datastoreItem>
-</file>
-
-<file path=customXml/itemProps17.xml><?xml version="1.0" encoding="utf-8"?>
-<ds:datastoreItem xmlns:ds="http://schemas.openxmlformats.org/officeDocument/2006/customXml" ds:itemID="{FAB399A9-BA87-438F-8948-9666816087A6}">
-  <ds:schemaRefs>
-    <ds:schemaRef ds:uri="http://schemas.microsoft.com/VisualStudio/2011/storyboarding/control"/>
-  </ds:schemaRefs>
-</ds:datastoreItem>
-</file>
-
-<file path=customXml/itemProps18.xml><?xml version="1.0" encoding="utf-8"?>
-<ds:datastoreItem xmlns:ds="http://schemas.openxmlformats.org/officeDocument/2006/customXml" ds:itemID="{735154BF-5FB2-4A42-9F50-5688C44EA915}">
-  <ds:schemaRefs>
-    <ds:schemaRef ds:uri="http://schemas.microsoft.com/VisualStudio/2011/storyboarding/control"/>
-  </ds:schemaRefs>
-</ds:datastoreItem>
-</file>
-
-<file path=customXml/itemProps19.xml><?xml version="1.0" encoding="utf-8"?>
-<ds:datastoreItem xmlns:ds="http://schemas.openxmlformats.org/officeDocument/2006/customXml" ds:itemID="{B06BA414-8851-4C1D-86A5-61BD61A5ABF5}">
-  <ds:schemaRefs>
-    <ds:schemaRef ds:uri="http://schemas.microsoft.com/VisualStudio/2011/storyboarding/control"/>
-  </ds:schemaRefs>
-</ds:datastoreItem>
-</file>
-
-<file path=customXml/itemProps2.xml><?xml version="1.0" encoding="utf-8"?>
-<ds:datastoreItem xmlns:ds="http://schemas.openxmlformats.org/officeDocument/2006/customXml" ds:itemID="{BB853E70-C52C-4C96-B715-5B968D2A994D}">
-  <ds:schemaRefs>
-    <ds:schemaRef ds:uri="http://schemas.microsoft.com/VisualStudio/2011/storyboarding/control"/>
-  </ds:schemaRefs>
-</ds:datastoreItem>
-</file>
-
-<file path=customXml/itemProps20.xml><?xml version="1.0" encoding="utf-8"?>
-<ds:datastoreItem xmlns:ds="http://schemas.openxmlformats.org/officeDocument/2006/customXml" ds:itemID="{F8966AEF-05C9-4F9E-ACC0-C77A7D3EC4A2}">
-  <ds:schemaRefs>
-    <ds:schemaRef ds:uri="http://schemas.microsoft.com/VisualStudio/2011/storyboarding/control"/>
-  </ds:schemaRefs>
-</ds:datastoreItem>
-</file>
-
-<file path=customXml/itemProps21.xml><?xml version="1.0" encoding="utf-8"?>
-<ds:datastoreItem xmlns:ds="http://schemas.openxmlformats.org/officeDocument/2006/customXml" ds:itemID="{4B2B6207-F426-47B3-B4AC-6480BED58F4D}">
-  <ds:schemaRefs>
-    <ds:schemaRef ds:uri="http://schemas.microsoft.com/VisualStudio/2011/storyboarding/control"/>
-  </ds:schemaRefs>
-</ds:datastoreItem>
-</file>
-
-<file path=customXml/itemProps22.xml><?xml version="1.0" encoding="utf-8"?>
-<ds:datastoreItem xmlns:ds="http://schemas.openxmlformats.org/officeDocument/2006/customXml" ds:itemID="{674F586C-3D4C-4BFE-B70F-20542F1925F6}">
-  <ds:schemaRefs>
-    <ds:schemaRef ds:uri="http://schemas.microsoft.com/VisualStudio/2011/storyboarding/control"/>
-  </ds:schemaRefs>
-</ds:datastoreItem>
-</file>
-
-<file path=customXml/itemProps23.xml><?xml version="1.0" encoding="utf-8"?>
-<ds:datastoreItem xmlns:ds="http://schemas.openxmlformats.org/officeDocument/2006/customXml" ds:itemID="{9B569E01-A437-4345-B3AE-325E5C4684C7}">
-  <ds:schemaRefs>
-    <ds:schemaRef ds:uri="http://schemas.microsoft.com/VisualStudio/2011/storyboarding/control"/>
-  </ds:schemaRefs>
-</ds:datastoreItem>
-</file>
-
-<file path=customXml/itemProps24.xml><?xml version="1.0" encoding="utf-8"?>
-<ds:datastoreItem xmlns:ds="http://schemas.openxmlformats.org/officeDocument/2006/customXml" ds:itemID="{0F220257-F99E-4E47-AD44-65D24C457664}">
-  <ds:schemaRefs>
-    <ds:schemaRef ds:uri="http://schemas.microsoft.com/VisualStudio/2011/storyboarding/control"/>
-  </ds:schemaRefs>
-</ds:datastoreItem>
-</file>
-
-<file path=customXml/itemProps25.xml><?xml version="1.0" encoding="utf-8"?>
-<ds:datastoreItem xmlns:ds="http://schemas.openxmlformats.org/officeDocument/2006/customXml" ds:itemID="{EA59DCB8-0416-4CDF-B7A8-3408237CE9AF}">
-  <ds:schemaRefs>
-    <ds:schemaRef ds:uri="http://schemas.microsoft.com/VisualStudio/2011/storyboarding/control"/>
-  </ds:schemaRefs>
-</ds:datastoreItem>
-</file>
-
-<file path=customXml/itemProps26.xml><?xml version="1.0" encoding="utf-8"?>
-<ds:datastoreItem xmlns:ds="http://schemas.openxmlformats.org/officeDocument/2006/customXml" ds:itemID="{6C28E3CC-A396-469F-8032-53D7143813C3}">
-  <ds:schemaRefs>
-    <ds:schemaRef ds:uri="http://schemas.microsoft.com/VisualStudio/2011/storyboarding/control"/>
-  </ds:schemaRefs>
-</ds:datastoreItem>
-</file>
-
-<file path=customXml/itemProps27.xml><?xml version="1.0" encoding="utf-8"?>
-<ds:datastoreItem xmlns:ds="http://schemas.openxmlformats.org/officeDocument/2006/customXml" ds:itemID="{D5C3212D-E796-40B4-9DF4-64C7020EEC39}">
-  <ds:schemaRefs>
-    <ds:schemaRef ds:uri="http://schemas.microsoft.com/VisualStudio/2011/storyboarding/control"/>
-  </ds:schemaRefs>
-</ds:datastoreItem>
-</file>
-
-<file path=customXml/itemProps28.xml><?xml version="1.0" encoding="utf-8"?>
-<ds:datastoreItem xmlns:ds="http://schemas.openxmlformats.org/officeDocument/2006/customXml" ds:itemID="{02F00EB1-4575-4249-800D-2D14D24AEC5B}">
-  <ds:schemaRefs>
-    <ds:schemaRef ds:uri="http://schemas.microsoft.com/VisualStudio/2011/storyboarding/control"/>
-  </ds:schemaRefs>
-</ds:datastoreItem>
-</file>
-
-<file path=customXml/itemProps29.xml><?xml version="1.0" encoding="utf-8"?>
-<ds:datastoreItem xmlns:ds="http://schemas.openxmlformats.org/officeDocument/2006/customXml" ds:itemID="{58E85928-2B8F-490C-9347-5C47C3112D67}">
-  <ds:schemaRefs>
-    <ds:schemaRef ds:uri="http://schemas.microsoft.com/VisualStudio/2011/storyboarding/control"/>
-  </ds:schemaRefs>
-</ds:datastoreItem>
-</file>
-
-<file path=customXml/itemProps3.xml><?xml version="1.0" encoding="utf-8"?>
-<ds:datastoreItem xmlns:ds="http://schemas.openxmlformats.org/officeDocument/2006/customXml" ds:itemID="{F250E77D-4307-4DF6-B5B0-A84E72ED7F70}">
-  <ds:schemaRefs>
-    <ds:schemaRef ds:uri="http://schemas.microsoft.com/VisualStudio/2011/storyboarding/control"/>
-  </ds:schemaRefs>
-</ds:datastoreItem>
-</file>
-
-<file path=customXml/itemProps30.xml><?xml version="1.0" encoding="utf-8"?>
-<ds:datastoreItem xmlns:ds="http://schemas.openxmlformats.org/officeDocument/2006/customXml" ds:itemID="{9F9D5C54-1675-4957-93CF-3A95802A5BCB}">
-  <ds:schemaRefs>
-    <ds:schemaRef ds:uri="http://schemas.microsoft.com/VisualStudio/2011/storyboarding/control"/>
-  </ds:schemaRefs>
-</ds:datastoreItem>
-</file>
-
-<file path=customXml/itemProps31.xml><?xml version="1.0" encoding="utf-8"?>
+<file path=customXml/itemProps96.xml><?xml version="1.0" encoding="utf-8"?>
 <ds:datastoreItem xmlns:ds="http://schemas.openxmlformats.org/officeDocument/2006/customXml" ds:itemID="{737DBCAA-FD86-4EB1-AB9D-7F9F9C697E90}">
   <ds:schemaRefs>
     <ds:schemaRef ds:uri="http://schemas.microsoft.com/VisualStudio/2011/storyboarding/control"/>
@@ -17337,183 +19051,7 @@
 </ds:datastoreItem>
 </file>
 
-<file path=customXml/itemProps32.xml><?xml version="1.0" encoding="utf-8"?>
-<ds:datastoreItem xmlns:ds="http://schemas.openxmlformats.org/officeDocument/2006/customXml" ds:itemID="{6ED08AE2-393B-4601-A237-BFEBEB86ED97}">
-  <ds:schemaRefs>
-    <ds:schemaRef ds:uri="http://schemas.microsoft.com/VisualStudio/2011/storyboarding/control"/>
-  </ds:schemaRefs>
-</ds:datastoreItem>
-</file>
-
-<file path=customXml/itemProps33.xml><?xml version="1.0" encoding="utf-8"?>
-<ds:datastoreItem xmlns:ds="http://schemas.openxmlformats.org/officeDocument/2006/customXml" ds:itemID="{F0405DDA-F797-490F-9D04-6B64C56B9E95}">
-  <ds:schemaRefs>
-    <ds:schemaRef ds:uri="http://schemas.microsoft.com/VisualStudio/2011/storyboarding/control"/>
-  </ds:schemaRefs>
-</ds:datastoreItem>
-</file>
-
-<file path=customXml/itemProps34.xml><?xml version="1.0" encoding="utf-8"?>
-<ds:datastoreItem xmlns:ds="http://schemas.openxmlformats.org/officeDocument/2006/customXml" ds:itemID="{8A29F272-F02E-43A1-8757-98E7B6E22759}">
-  <ds:schemaRefs>
-    <ds:schemaRef ds:uri="http://schemas.microsoft.com/VisualStudio/2011/storyboarding/control"/>
-  </ds:schemaRefs>
-</ds:datastoreItem>
-</file>
-
-<file path=customXml/itemProps35.xml><?xml version="1.0" encoding="utf-8"?>
-<ds:datastoreItem xmlns:ds="http://schemas.openxmlformats.org/officeDocument/2006/customXml" ds:itemID="{C3959990-BEDE-4342-8909-D2CC7843CB1A}">
-  <ds:schemaRefs>
-    <ds:schemaRef ds:uri="http://schemas.microsoft.com/VisualStudio/2011/storyboarding/control"/>
-  </ds:schemaRefs>
-</ds:datastoreItem>
-</file>
-
-<file path=customXml/itemProps36.xml><?xml version="1.0" encoding="utf-8"?>
-<ds:datastoreItem xmlns:ds="http://schemas.openxmlformats.org/officeDocument/2006/customXml" ds:itemID="{2B8239E4-F3AC-4E73-B621-3377998C1E74}">
-  <ds:schemaRefs>
-    <ds:schemaRef ds:uri="http://schemas.microsoft.com/VisualStudio/2011/storyboarding/control"/>
-  </ds:schemaRefs>
-</ds:datastoreItem>
-</file>
-
-<file path=customXml/itemProps37.xml><?xml version="1.0" encoding="utf-8"?>
-<ds:datastoreItem xmlns:ds="http://schemas.openxmlformats.org/officeDocument/2006/customXml" ds:itemID="{3BEE128F-DCA4-40C0-8AB8-CBBC4CBDEC86}">
-  <ds:schemaRefs>
-    <ds:schemaRef ds:uri="http://schemas.microsoft.com/VisualStudio/2011/storyboarding/control"/>
-  </ds:schemaRefs>
-</ds:datastoreItem>
-</file>
-
-<file path=customXml/itemProps38.xml><?xml version="1.0" encoding="utf-8"?>
-<ds:datastoreItem xmlns:ds="http://schemas.openxmlformats.org/officeDocument/2006/customXml" ds:itemID="{FF693739-48CE-428A-A9E2-6DC984D9B3FA}">
-  <ds:schemaRefs>
-    <ds:schemaRef ds:uri="http://schemas.microsoft.com/VisualStudio/2011/storyboarding/control"/>
-  </ds:schemaRefs>
-</ds:datastoreItem>
-</file>
-
-<file path=customXml/itemProps39.xml><?xml version="1.0" encoding="utf-8"?>
-<ds:datastoreItem xmlns:ds="http://schemas.openxmlformats.org/officeDocument/2006/customXml" ds:itemID="{57009A2F-813A-4612-AA9D-4FFAC39B82A8}">
-  <ds:schemaRefs>
-    <ds:schemaRef ds:uri="http://schemas.microsoft.com/VisualStudio/2011/storyboarding/control"/>
-  </ds:schemaRefs>
-</ds:datastoreItem>
-</file>
-
-<file path=customXml/itemProps4.xml><?xml version="1.0" encoding="utf-8"?>
-<ds:datastoreItem xmlns:ds="http://schemas.openxmlformats.org/officeDocument/2006/customXml" ds:itemID="{CA460F31-B773-4067-B036-332848DF28B9}">
-  <ds:schemaRefs>
-    <ds:schemaRef ds:uri="http://schemas.microsoft.com/VisualStudio/2011/storyboarding/control"/>
-  </ds:schemaRefs>
-</ds:datastoreItem>
-</file>
-
-<file path=customXml/itemProps40.xml><?xml version="1.0" encoding="utf-8"?>
-<ds:datastoreItem xmlns:ds="http://schemas.openxmlformats.org/officeDocument/2006/customXml" ds:itemID="{214A0574-B4FE-4ED0-8624-A8CD52601755}">
-  <ds:schemaRefs>
-    <ds:schemaRef ds:uri="http://schemas.microsoft.com/VisualStudio/2011/storyboarding/control"/>
-  </ds:schemaRefs>
-</ds:datastoreItem>
-</file>
-
-<file path=customXml/itemProps41.xml><?xml version="1.0" encoding="utf-8"?>
-<ds:datastoreItem xmlns:ds="http://schemas.openxmlformats.org/officeDocument/2006/customXml" ds:itemID="{58531759-097F-466E-9EAE-BE5F2D403745}">
-  <ds:schemaRefs>
-    <ds:schemaRef ds:uri="http://schemas.microsoft.com/VisualStudio/2011/storyboarding/control"/>
-  </ds:schemaRefs>
-</ds:datastoreItem>
-</file>
-
-<file path=customXml/itemProps42.xml><?xml version="1.0" encoding="utf-8"?>
-<ds:datastoreItem xmlns:ds="http://schemas.openxmlformats.org/officeDocument/2006/customXml" ds:itemID="{11598C92-4116-4A08-8F58-D57ED2239CCE}">
-  <ds:schemaRefs>
-    <ds:schemaRef ds:uri="http://schemas.microsoft.com/VisualStudio/2011/storyboarding/control"/>
-  </ds:schemaRefs>
-</ds:datastoreItem>
-</file>
-
-<file path=customXml/itemProps43.xml><?xml version="1.0" encoding="utf-8"?>
-<ds:datastoreItem xmlns:ds="http://schemas.openxmlformats.org/officeDocument/2006/customXml" ds:itemID="{9A2A8AD0-14C2-4198-95FA-7CA78E84BB0E}">
-  <ds:schemaRefs>
-    <ds:schemaRef ds:uri="http://schemas.microsoft.com/VisualStudio/2011/storyboarding/control"/>
-  </ds:schemaRefs>
-</ds:datastoreItem>
-</file>
-
-<file path=customXml/itemProps44.xml><?xml version="1.0" encoding="utf-8"?>
-<ds:datastoreItem xmlns:ds="http://schemas.openxmlformats.org/officeDocument/2006/customXml" ds:itemID="{237C6A13-5570-4035-A906-49AEDEF159FC}">
-  <ds:schemaRefs>
-    <ds:schemaRef ds:uri="http://schemas.microsoft.com/VisualStudio/2011/storyboarding/control"/>
-  </ds:schemaRefs>
-</ds:datastoreItem>
-</file>
-
-<file path=customXml/itemProps45.xml><?xml version="1.0" encoding="utf-8"?>
-<ds:datastoreItem xmlns:ds="http://schemas.openxmlformats.org/officeDocument/2006/customXml" ds:itemID="{F06EC21E-1461-4C90-A408-E9BD4F8C6B5E}">
-  <ds:schemaRefs>
-    <ds:schemaRef ds:uri="http://schemas.microsoft.com/VisualStudio/2011/storyboarding/control"/>
-  </ds:schemaRefs>
-</ds:datastoreItem>
-</file>
-
-<file path=customXml/itemProps46.xml><?xml version="1.0" encoding="utf-8"?>
-<ds:datastoreItem xmlns:ds="http://schemas.openxmlformats.org/officeDocument/2006/customXml" ds:itemID="{6AD84BE9-0868-4CB2-8303-2FC4DD2D5CFA}">
-  <ds:schemaRefs>
-    <ds:schemaRef ds:uri="http://schemas.microsoft.com/VisualStudio/2011/storyboarding/control"/>
-  </ds:schemaRefs>
-</ds:datastoreItem>
-</file>
-
-<file path=customXml/itemProps47.xml><?xml version="1.0" encoding="utf-8"?>
-<ds:datastoreItem xmlns:ds="http://schemas.openxmlformats.org/officeDocument/2006/customXml" ds:itemID="{5A54DE4D-E8D6-437C-BFA0-88D994E5BBDE}">
-  <ds:schemaRefs>
-    <ds:schemaRef ds:uri="http://schemas.microsoft.com/VisualStudio/2011/storyboarding/control"/>
-  </ds:schemaRefs>
-</ds:datastoreItem>
-</file>
-
-<file path=customXml/itemProps48.xml><?xml version="1.0" encoding="utf-8"?>
-<ds:datastoreItem xmlns:ds="http://schemas.openxmlformats.org/officeDocument/2006/customXml" ds:itemID="{B15524AA-E671-4093-91E6-11A39F89BE8A}">
-  <ds:schemaRefs>
-    <ds:schemaRef ds:uri="http://schemas.microsoft.com/VisualStudio/2011/storyboarding/control"/>
-  </ds:schemaRefs>
-</ds:datastoreItem>
-</file>
-
-<file path=customXml/itemProps49.xml><?xml version="1.0" encoding="utf-8"?>
-<ds:datastoreItem xmlns:ds="http://schemas.openxmlformats.org/officeDocument/2006/customXml" ds:itemID="{665E4BBE-7760-4142-A7BE-17AB5980C22C}">
-  <ds:schemaRefs>
-    <ds:schemaRef ds:uri="http://schemas.microsoft.com/VisualStudio/2011/storyboarding/control"/>
-  </ds:schemaRefs>
-</ds:datastoreItem>
-</file>
-
-<file path=customXml/itemProps5.xml><?xml version="1.0" encoding="utf-8"?>
-<ds:datastoreItem xmlns:ds="http://schemas.openxmlformats.org/officeDocument/2006/customXml" ds:itemID="{7E04FC52-D4ED-44E8-B67A-EE8096314BAA}">
-  <ds:schemaRefs>
-    <ds:schemaRef ds:uri="http://schemas.microsoft.com/VisualStudio/2011/storyboarding/control"/>
-  </ds:schemaRefs>
-</ds:datastoreItem>
-</file>
-
-<file path=customXml/itemProps50.xml><?xml version="1.0" encoding="utf-8"?>
-<ds:datastoreItem xmlns:ds="http://schemas.openxmlformats.org/officeDocument/2006/customXml" ds:itemID="{BF3BA2C0-1BC0-4EE1-A0B3-3C1162A3C6D5}">
-  <ds:schemaRefs>
-    <ds:schemaRef ds:uri="http://schemas.microsoft.com/VisualStudio/2011/storyboarding/control"/>
-  </ds:schemaRefs>
-</ds:datastoreItem>
-</file>
-
-<file path=customXml/itemProps51.xml><?xml version="1.0" encoding="utf-8"?>
-<ds:datastoreItem xmlns:ds="http://schemas.openxmlformats.org/officeDocument/2006/customXml" ds:itemID="{98ED19BC-F2BE-474D-AE6A-03F6010F09B7}">
-  <ds:schemaRefs>
-    <ds:schemaRef ds:uri="http://schemas.microsoft.com/VisualStudio/2011/storyboarding/control"/>
-  </ds:schemaRefs>
-</ds:datastoreItem>
-</file>
-
-<file path=customXml/itemProps52.xml><?xml version="1.0" encoding="utf-8"?>
+<file path=customXml/itemProps97.xml><?xml version="1.0" encoding="utf-8"?>
 <ds:datastoreItem xmlns:ds="http://schemas.openxmlformats.org/officeDocument/2006/customXml" ds:itemID="{7346DCBA-97EA-402E-B18D-E1C727EC93DD}">
   <ds:schemaRefs>
     <ds:schemaRef ds:uri="http://schemas.microsoft.com/VisualStudio/2011/storyboarding/control"/>
@@ -17521,183 +19059,7 @@
 </ds:datastoreItem>
 </file>
 
-<file path=customXml/itemProps53.xml><?xml version="1.0" encoding="utf-8"?>
-<ds:datastoreItem xmlns:ds="http://schemas.openxmlformats.org/officeDocument/2006/customXml" ds:itemID="{9E886169-7898-408A-A588-DC201EC0A018}">
-  <ds:schemaRefs>
-    <ds:schemaRef ds:uri="http://schemas.microsoft.com/VisualStudio/2011/storyboarding/control"/>
-  </ds:schemaRefs>
-</ds:datastoreItem>
-</file>
-
-<file path=customXml/itemProps54.xml><?xml version="1.0" encoding="utf-8"?>
-<ds:datastoreItem xmlns:ds="http://schemas.openxmlformats.org/officeDocument/2006/customXml" ds:itemID="{C64F239C-3EF9-4D6D-A2BC-C935A2E33DF3}">
-  <ds:schemaRefs>
-    <ds:schemaRef ds:uri="http://schemas.microsoft.com/VisualStudio/2011/storyboarding/control"/>
-  </ds:schemaRefs>
-</ds:datastoreItem>
-</file>
-
-<file path=customXml/itemProps55.xml><?xml version="1.0" encoding="utf-8"?>
-<ds:datastoreItem xmlns:ds="http://schemas.openxmlformats.org/officeDocument/2006/customXml" ds:itemID="{E3F9A2DC-3D79-46E6-A128-95D153FF0A57}">
-  <ds:schemaRefs>
-    <ds:schemaRef ds:uri="http://schemas.microsoft.com/VisualStudio/2011/storyboarding/control"/>
-  </ds:schemaRefs>
-</ds:datastoreItem>
-</file>
-
-<file path=customXml/itemProps56.xml><?xml version="1.0" encoding="utf-8"?>
-<ds:datastoreItem xmlns:ds="http://schemas.openxmlformats.org/officeDocument/2006/customXml" ds:itemID="{A0472940-DB88-4113-B969-16EA24F7EB7F}">
-  <ds:schemaRefs>
-    <ds:schemaRef ds:uri="http://schemas.microsoft.com/VisualStudio/2011/storyboarding/control"/>
-  </ds:schemaRefs>
-</ds:datastoreItem>
-</file>
-
-<file path=customXml/itemProps57.xml><?xml version="1.0" encoding="utf-8"?>
-<ds:datastoreItem xmlns:ds="http://schemas.openxmlformats.org/officeDocument/2006/customXml" ds:itemID="{DB943CB5-6ECD-4BD5-A62D-6B81C42065C2}">
-  <ds:schemaRefs>
-    <ds:schemaRef ds:uri="http://schemas.microsoft.com/VisualStudio/2011/storyboarding/control"/>
-  </ds:schemaRefs>
-</ds:datastoreItem>
-</file>
-
-<file path=customXml/itemProps58.xml><?xml version="1.0" encoding="utf-8"?>
-<ds:datastoreItem xmlns:ds="http://schemas.openxmlformats.org/officeDocument/2006/customXml" ds:itemID="{1687C12C-A316-4385-BDC5-EC5A54A01DFA}">
-  <ds:schemaRefs>
-    <ds:schemaRef ds:uri="http://schemas.microsoft.com/VisualStudio/2011/storyboarding/control"/>
-  </ds:schemaRefs>
-</ds:datastoreItem>
-</file>
-
-<file path=customXml/itemProps59.xml><?xml version="1.0" encoding="utf-8"?>
-<ds:datastoreItem xmlns:ds="http://schemas.openxmlformats.org/officeDocument/2006/customXml" ds:itemID="{6C369A29-791E-40A4-B896-725D656F6219}">
-  <ds:schemaRefs>
-    <ds:schemaRef ds:uri="http://schemas.microsoft.com/VisualStudio/2011/storyboarding/control"/>
-  </ds:schemaRefs>
-</ds:datastoreItem>
-</file>
-
-<file path=customXml/itemProps6.xml><?xml version="1.0" encoding="utf-8"?>
-<ds:datastoreItem xmlns:ds="http://schemas.openxmlformats.org/officeDocument/2006/customXml" ds:itemID="{DB567D2A-71FA-480A-800B-2D3CC4803E30}">
-  <ds:schemaRefs>
-    <ds:schemaRef ds:uri="http://schemas.microsoft.com/VisualStudio/2011/storyboarding/control"/>
-  </ds:schemaRefs>
-</ds:datastoreItem>
-</file>
-
-<file path=customXml/itemProps60.xml><?xml version="1.0" encoding="utf-8"?>
-<ds:datastoreItem xmlns:ds="http://schemas.openxmlformats.org/officeDocument/2006/customXml" ds:itemID="{D76D1104-82AB-4388-82F3-A2CDEB01CFFA}">
-  <ds:schemaRefs>
-    <ds:schemaRef ds:uri="http://schemas.microsoft.com/VisualStudio/2011/storyboarding/control"/>
-  </ds:schemaRefs>
-</ds:datastoreItem>
-</file>
-
-<file path=customXml/itemProps61.xml><?xml version="1.0" encoding="utf-8"?>
-<ds:datastoreItem xmlns:ds="http://schemas.openxmlformats.org/officeDocument/2006/customXml" ds:itemID="{FF490F7A-7175-4DBD-85E3-7747FC7592B9}">
-  <ds:schemaRefs>
-    <ds:schemaRef ds:uri="http://schemas.microsoft.com/VisualStudio/2011/storyboarding/control"/>
-  </ds:schemaRefs>
-</ds:datastoreItem>
-</file>
-
-<file path=customXml/itemProps62.xml><?xml version="1.0" encoding="utf-8"?>
-<ds:datastoreItem xmlns:ds="http://schemas.openxmlformats.org/officeDocument/2006/customXml" ds:itemID="{DBBAE149-4048-407F-90E7-559BE2D44973}">
-  <ds:schemaRefs>
-    <ds:schemaRef ds:uri="http://schemas.microsoft.com/VisualStudio/2011/storyboarding/control"/>
-  </ds:schemaRefs>
-</ds:datastoreItem>
-</file>
-
-<file path=customXml/itemProps63.xml><?xml version="1.0" encoding="utf-8"?>
-<ds:datastoreItem xmlns:ds="http://schemas.openxmlformats.org/officeDocument/2006/customXml" ds:itemID="{F6790068-EEA9-4B57-8D8F-B9B0BF431A70}">
-  <ds:schemaRefs>
-    <ds:schemaRef ds:uri="http://schemas.microsoft.com/VisualStudio/2011/storyboarding/control"/>
-  </ds:schemaRefs>
-</ds:datastoreItem>
-</file>
-
-<file path=customXml/itemProps64.xml><?xml version="1.0" encoding="utf-8"?>
-<ds:datastoreItem xmlns:ds="http://schemas.openxmlformats.org/officeDocument/2006/customXml" ds:itemID="{98F2AC4D-1065-4E36-8E34-ADCADB80A35E}">
-  <ds:schemaRefs>
-    <ds:schemaRef ds:uri="http://schemas.microsoft.com/VisualStudio/2011/storyboarding/control"/>
-  </ds:schemaRefs>
-</ds:datastoreItem>
-</file>
-
-<file path=customXml/itemProps65.xml><?xml version="1.0" encoding="utf-8"?>
-<ds:datastoreItem xmlns:ds="http://schemas.openxmlformats.org/officeDocument/2006/customXml" ds:itemID="{99D7A4E8-9013-43F4-9025-79641E2FD4AD}">
-  <ds:schemaRefs>
-    <ds:schemaRef ds:uri="http://schemas.microsoft.com/VisualStudio/2011/storyboarding/control"/>
-  </ds:schemaRefs>
-</ds:datastoreItem>
-</file>
-
-<file path=customXml/itemProps66.xml><?xml version="1.0" encoding="utf-8"?>
-<ds:datastoreItem xmlns:ds="http://schemas.openxmlformats.org/officeDocument/2006/customXml" ds:itemID="{ED3D69ED-38A9-48C8-B05E-83772337A98C}">
-  <ds:schemaRefs>
-    <ds:schemaRef ds:uri="http://schemas.microsoft.com/VisualStudio/2011/storyboarding/control"/>
-  </ds:schemaRefs>
-</ds:datastoreItem>
-</file>
-
-<file path=customXml/itemProps67.xml><?xml version="1.0" encoding="utf-8"?>
-<ds:datastoreItem xmlns:ds="http://schemas.openxmlformats.org/officeDocument/2006/customXml" ds:itemID="{B8B89DFC-14C8-4A9F-A15A-190159CF0CFE}">
-  <ds:schemaRefs>
-    <ds:schemaRef ds:uri="http://schemas.microsoft.com/VisualStudio/2011/storyboarding/control"/>
-  </ds:schemaRefs>
-</ds:datastoreItem>
-</file>
-
-<file path=customXml/itemProps68.xml><?xml version="1.0" encoding="utf-8"?>
-<ds:datastoreItem xmlns:ds="http://schemas.openxmlformats.org/officeDocument/2006/customXml" ds:itemID="{5B12EFFA-8596-4679-8A5C-E1D50D2F072F}">
-  <ds:schemaRefs>
-    <ds:schemaRef ds:uri="http://schemas.microsoft.com/VisualStudio/2011/storyboarding/control"/>
-  </ds:schemaRefs>
-</ds:datastoreItem>
-</file>
-
-<file path=customXml/itemProps69.xml><?xml version="1.0" encoding="utf-8"?>
-<ds:datastoreItem xmlns:ds="http://schemas.openxmlformats.org/officeDocument/2006/customXml" ds:itemID="{A506862E-DD0E-4463-9537-58549E145A3C}">
-  <ds:schemaRefs>
-    <ds:schemaRef ds:uri="http://schemas.microsoft.com/VisualStudio/2011/storyboarding/control"/>
-  </ds:schemaRefs>
-</ds:datastoreItem>
-</file>
-
-<file path=customXml/itemProps7.xml><?xml version="1.0" encoding="utf-8"?>
-<ds:datastoreItem xmlns:ds="http://schemas.openxmlformats.org/officeDocument/2006/customXml" ds:itemID="{061016BA-8104-4015-8EC7-33408200BF3F}">
-  <ds:schemaRefs>
-    <ds:schemaRef ds:uri="http://schemas.microsoft.com/VisualStudio/2011/storyboarding/control"/>
-  </ds:schemaRefs>
-</ds:datastoreItem>
-</file>
-
-<file path=customXml/itemProps70.xml><?xml version="1.0" encoding="utf-8"?>
-<ds:datastoreItem xmlns:ds="http://schemas.openxmlformats.org/officeDocument/2006/customXml" ds:itemID="{D093DAC0-100F-4B88-AD30-6096F80046F1}">
-  <ds:schemaRefs>
-    <ds:schemaRef ds:uri="http://schemas.microsoft.com/VisualStudio/2011/storyboarding/control"/>
-  </ds:schemaRefs>
-</ds:datastoreItem>
-</file>
-
-<file path=customXml/itemProps71.xml><?xml version="1.0" encoding="utf-8"?>
-<ds:datastoreItem xmlns:ds="http://schemas.openxmlformats.org/officeDocument/2006/customXml" ds:itemID="{E6534C85-3FCF-4A96-A817-5FAEA8C983EC}">
-  <ds:schemaRefs>
-    <ds:schemaRef ds:uri="http://schemas.microsoft.com/VisualStudio/2011/storyboarding/control"/>
-  </ds:schemaRefs>
-</ds:datastoreItem>
-</file>
-
-<file path=customXml/itemProps72.xml><?xml version="1.0" encoding="utf-8"?>
-<ds:datastoreItem xmlns:ds="http://schemas.openxmlformats.org/officeDocument/2006/customXml" ds:itemID="{0ABEA74B-FF86-455C-8A72-E51D65593505}">
-  <ds:schemaRefs>
-    <ds:schemaRef ds:uri="http://schemas.microsoft.com/VisualStudio/2011/storyboarding/control"/>
-  </ds:schemaRefs>
-</ds:datastoreItem>
-</file>
-
-<file path=customXml/itemProps73.xml><?xml version="1.0" encoding="utf-8"?>
+<file path=customXml/itemProps98.xml><?xml version="1.0" encoding="utf-8"?>
 <ds:datastoreItem xmlns:ds="http://schemas.openxmlformats.org/officeDocument/2006/customXml" ds:itemID="{0E6EDFFA-7DB4-478C-B4A0-D5E156E272F2}">
   <ds:schemaRefs>
     <ds:schemaRef ds:uri="http://schemas.microsoft.com/VisualStudio/2011/storyboarding/control"/>
@@ -17705,226 +19067,10 @@
 </ds:datastoreItem>
 </file>
 
-<file path=customXml/itemProps74.xml><?xml version="1.0" encoding="utf-8"?>
-<ds:datastoreItem xmlns:ds="http://schemas.openxmlformats.org/officeDocument/2006/customXml" ds:itemID="{F2328595-B94A-4766-A678-942BFE76529D}">
-  <ds:schemaRefs>
-    <ds:schemaRef ds:uri="http://schemas.microsoft.com/VisualStudio/2011/storyboarding/control"/>
-  </ds:schemaRefs>
-</ds:datastoreItem>
-</file>
-
-<file path=customXml/itemProps75.xml><?xml version="1.0" encoding="utf-8"?>
-<ds:datastoreItem xmlns:ds="http://schemas.openxmlformats.org/officeDocument/2006/customXml" ds:itemID="{2E449097-FA9E-4910-B718-70633402799D}">
-  <ds:schemaRefs>
-    <ds:schemaRef ds:uri="http://schemas.microsoft.com/VisualStudio/2011/storyboarding/control"/>
-  </ds:schemaRefs>
-</ds:datastoreItem>
-</file>
-
-<file path=customXml/itemProps76.xml><?xml version="1.0" encoding="utf-8"?>
-<ds:datastoreItem xmlns:ds="http://schemas.openxmlformats.org/officeDocument/2006/customXml" ds:itemID="{45E97D65-6343-4570-8097-EA7E7BF9672F}">
-  <ds:schemaRefs>
-    <ds:schemaRef ds:uri="http://schemas.microsoft.com/VisualStudio/2011/storyboarding/control"/>
-  </ds:schemaRefs>
-</ds:datastoreItem>
-</file>
-
-<file path=customXml/itemProps77.xml><?xml version="1.0" encoding="utf-8"?>
-<ds:datastoreItem xmlns:ds="http://schemas.openxmlformats.org/officeDocument/2006/customXml" ds:itemID="{1ACBFFF3-A1FA-4A8A-A886-2045487CFD4F}">
-  <ds:schemaRefs>
-    <ds:schemaRef ds:uri="http://schemas.microsoft.com/VisualStudio/2011/storyboarding/control"/>
-  </ds:schemaRefs>
-</ds:datastoreItem>
-</file>
-
-<file path=customXml/itemProps78.xml><?xml version="1.0" encoding="utf-8"?>
+<file path=customXml/itemProps99.xml><?xml version="1.0" encoding="utf-8"?>
 <ds:datastoreItem xmlns:ds="http://schemas.openxmlformats.org/officeDocument/2006/customXml" ds:itemID="{54B2E962-2282-4EA5-98DB-CDA924B11B85}">
   <ds:schemaRefs>
     <ds:schemaRef ds:uri="http://schemas.microsoft.com/VisualStudio/2011/storyboarding/control"/>
   </ds:schemaRefs>
 </ds:datastoreItem>
-</file>
-
-<file path=customXml/itemProps79.xml><?xml version="1.0" encoding="utf-8"?>
-<ds:datastoreItem xmlns:ds="http://schemas.openxmlformats.org/officeDocument/2006/customXml" ds:itemID="{40484B2B-32CA-4908-A849-9B88CBDFDD72}">
-  <ds:schemaRefs>
-    <ds:schemaRef ds:uri="http://schemas.microsoft.com/VisualStudio/2011/storyboarding/control"/>
-  </ds:schemaRefs>
-</ds:datastoreItem>
-</file>
-
-<file path=customXml/itemProps8.xml><?xml version="1.0" encoding="utf-8"?>
-<ds:datastoreItem xmlns:ds="http://schemas.openxmlformats.org/officeDocument/2006/customXml" ds:itemID="{B4FE2F49-6183-4BEB-8E3F-2E3F7B41D332}">
-  <ds:schemaRefs>
-    <ds:schemaRef ds:uri="http://schemas.microsoft.com/VisualStudio/2011/storyboarding/control"/>
-  </ds:schemaRefs>
-</ds:datastoreItem>
-</file>
-
-<file path=customXml/itemProps80.xml><?xml version="1.0" encoding="utf-8"?>
-<ds:datastoreItem xmlns:ds="http://schemas.openxmlformats.org/officeDocument/2006/customXml" ds:itemID="{FC3C3428-BA7F-4803-BE5A-3645D87A3A6C}">
-  <ds:schemaRefs>
-    <ds:schemaRef ds:uri="http://schemas.microsoft.com/VisualStudio/2011/storyboarding/control"/>
-  </ds:schemaRefs>
-</ds:datastoreItem>
-</file>
-
-<file path=customXml/itemProps81.xml><?xml version="1.0" encoding="utf-8"?>
-<ds:datastoreItem xmlns:ds="http://schemas.openxmlformats.org/officeDocument/2006/customXml" ds:itemID="{24CC90C9-DCFC-4768-840C-0D3A65CEFB1A}">
-  <ds:schemaRefs>
-    <ds:schemaRef ds:uri="http://schemas.microsoft.com/VisualStudio/2011/storyboarding/control"/>
-  </ds:schemaRefs>
-</ds:datastoreItem>
-</file>
-
-<file path=customXml/itemProps82.xml><?xml version="1.0" encoding="utf-8"?>
-<ds:datastoreItem xmlns:ds="http://schemas.openxmlformats.org/officeDocument/2006/customXml" ds:itemID="{8B4C81AF-3B4B-4CC7-9167-93AD49568C20}">
-  <ds:schemaRefs>
-    <ds:schemaRef ds:uri="http://schemas.microsoft.com/VisualStudio/2011/storyboarding/control"/>
-  </ds:schemaRefs>
-</ds:datastoreItem>
-</file>
-
-<file path=customXml/itemProps83.xml><?xml version="1.0" encoding="utf-8"?>
-<ds:datastoreItem xmlns:ds="http://schemas.openxmlformats.org/officeDocument/2006/customXml" ds:itemID="{FCAB2D3C-D644-40DE-B890-52EBFBEE6679}">
-  <ds:schemaRefs>
-    <ds:schemaRef ds:uri="http://schemas.microsoft.com/VisualStudio/2011/storyboarding/control"/>
-  </ds:schemaRefs>
-</ds:datastoreItem>
-</file>
-
-<file path=customXml/itemProps84.xml><?xml version="1.0" encoding="utf-8"?>
-<ds:datastoreItem xmlns:ds="http://schemas.openxmlformats.org/officeDocument/2006/customXml" ds:itemID="{21402A0C-EF81-416F-B759-93323EDF6668}">
-  <ds:schemaRefs>
-    <ds:schemaRef ds:uri="http://schemas.microsoft.com/VisualStudio/2011/storyboarding/control"/>
-  </ds:schemaRefs>
-</ds:datastoreItem>
-</file>
-
-<file path=customXml/itemProps85.xml><?xml version="1.0" encoding="utf-8"?>
-<ds:datastoreItem xmlns:ds="http://schemas.openxmlformats.org/officeDocument/2006/customXml" ds:itemID="{AE950B5B-F665-44E1-BC8D-E1ED5D08048D}">
-  <ds:schemaRefs>
-    <ds:schemaRef ds:uri="http://schemas.microsoft.com/VisualStudio/2011/storyboarding/control"/>
-  </ds:schemaRefs>
-</ds:datastoreItem>
-</file>
-
-<file path=customXml/itemProps86.xml><?xml version="1.0" encoding="utf-8"?>
-<ds:datastoreItem xmlns:ds="http://schemas.openxmlformats.org/officeDocument/2006/customXml" ds:itemID="{065B6D8A-DC5B-4E01-B4D6-F91111928221}">
-  <ds:schemaRefs>
-    <ds:schemaRef ds:uri="http://schemas.microsoft.com/VisualStudio/2011/storyboarding/control"/>
-  </ds:schemaRefs>
-</ds:datastoreItem>
-</file>
-
-<file path=customXml/itemProps87.xml><?xml version="1.0" encoding="utf-8"?>
-<ds:datastoreItem xmlns:ds="http://schemas.openxmlformats.org/officeDocument/2006/customXml" ds:itemID="{7FE5D889-C566-4205-8BB7-607167187A6D}">
-  <ds:schemaRefs>
-    <ds:schemaRef ds:uri="http://schemas.microsoft.com/VisualStudio/2011/storyboarding/control"/>
-  </ds:schemaRefs>
-</ds:datastoreItem>
-</file>
-
-<file path=customXml/itemProps88.xml><?xml version="1.0" encoding="utf-8"?>
-<ds:datastoreItem xmlns:ds="http://schemas.openxmlformats.org/officeDocument/2006/customXml" ds:itemID="{32ECFB9B-BC23-44D4-BB12-77EB94DEDC48}">
-  <ds:schemaRefs>
-    <ds:schemaRef ds:uri="http://schemas.microsoft.com/VisualStudio/2011/storyboarding/control"/>
-  </ds:schemaRefs>
-</ds:datastoreItem>
-</file>
-
-<file path=customXml/itemProps89.xml><?xml version="1.0" encoding="utf-8"?>
-<ds:datastoreItem xmlns:ds="http://schemas.openxmlformats.org/officeDocument/2006/customXml" ds:itemID="{436FFD07-9F07-4E04-BCEA-334C1946BE04}">
-  <ds:schemaRefs>
-    <ds:schemaRef ds:uri="http://schemas.microsoft.com/VisualStudio/2011/storyboarding/control"/>
-  </ds:schemaRefs>
-</ds:datastoreItem>
-</file>
-
-<file path=customXml/itemProps9.xml><?xml version="1.0" encoding="utf-8"?>
-<ds:datastoreItem xmlns:ds="http://schemas.openxmlformats.org/officeDocument/2006/customXml" ds:itemID="{4D978272-033F-42C0-945F-26C45B05BB06}">
-  <ds:schemaRefs>
-    <ds:schemaRef ds:uri="http://schemas.microsoft.com/VisualStudio/2011/storyboarding/control"/>
-  </ds:schemaRefs>
-</ds:datastoreItem>
-</file>
-
-<file path=customXml/itemProps90.xml><?xml version="1.0" encoding="utf-8"?>
-<ds:datastoreItem xmlns:ds="http://schemas.openxmlformats.org/officeDocument/2006/customXml" ds:itemID="{993CB5E4-ADDE-47D6-9231-FAC0EDC10899}">
-  <ds:schemaRefs>
-    <ds:schemaRef ds:uri="http://schemas.microsoft.com/VisualStudio/2011/storyboarding/control"/>
-  </ds:schemaRefs>
-</ds:datastoreItem>
-</file>
-
-<file path=customXml/itemProps91.xml><?xml version="1.0" encoding="utf-8"?>
-<ds:datastoreItem xmlns:ds="http://schemas.openxmlformats.org/officeDocument/2006/customXml" ds:itemID="{4C52FBD4-EF61-4C3F-833A-627EDCD6163F}">
-  <ds:schemaRefs>
-    <ds:schemaRef ds:uri="http://schemas.microsoft.com/VisualStudio/2011/storyboarding/control"/>
-  </ds:schemaRefs>
-</ds:datastoreItem>
-</file>
-
-<file path=customXml/itemProps92.xml><?xml version="1.0" encoding="utf-8"?>
-<ds:datastoreItem xmlns:ds="http://schemas.openxmlformats.org/officeDocument/2006/customXml" ds:itemID="{9A549DBF-0857-4182-A576-C9C6519C6A3E}">
-  <ds:schemaRefs>
-    <ds:schemaRef ds:uri="http://schemas.microsoft.com/VisualStudio/2011/storyboarding/control"/>
-  </ds:schemaRefs>
-</ds:datastoreItem>
-</file>
-
-<file path=customXml/itemProps93.xml><?xml version="1.0" encoding="utf-8"?>
-<ds:datastoreItem xmlns:ds="http://schemas.openxmlformats.org/officeDocument/2006/customXml" ds:itemID="{E73954B7-8733-4015-BBE9-68F0EBC1DC98}">
-  <ds:schemaRefs>
-    <ds:schemaRef ds:uri="http://schemas.microsoft.com/VisualStudio/2011/storyboarding/control"/>
-  </ds:schemaRefs>
-</ds:datastoreItem>
-</file>
-
-<file path=customXml/itemProps94.xml><?xml version="1.0" encoding="utf-8"?>
-<ds:datastoreItem xmlns:ds="http://schemas.openxmlformats.org/officeDocument/2006/customXml" ds:itemID="{2487B05E-F758-49B5-914B-37AD8930ED02}">
-  <ds:schemaRefs>
-    <ds:schemaRef ds:uri="http://schemas.microsoft.com/VisualStudio/2011/storyboarding/control"/>
-  </ds:schemaRefs>
-</ds:datastoreItem>
-</file>
-
-<file path=customXml/itemProps95.xml><?xml version="1.0" encoding="utf-8"?>
-<ds:datastoreItem xmlns:ds="http://schemas.openxmlformats.org/officeDocument/2006/customXml" ds:itemID="{B9EF3FF1-AB90-46CE-9292-50C2C5E9F7FC}">
-  <ds:schemaRefs>
-    <ds:schemaRef ds:uri="http://schemas.microsoft.com/VisualStudio/2011/storyboarding/control"/>
-  </ds:schemaRefs>
-</ds:datastoreItem>
-</file>
-
-<file path=customXml/itemProps96.xml><?xml version="1.0" encoding="utf-8"?>
-<ds:datastoreItem xmlns:ds="http://schemas.openxmlformats.org/officeDocument/2006/customXml" ds:itemID="{4E2C718C-25E1-456F-90E3-4B831D06B6F8}">
-  <ds:schemaRefs>
-    <ds:schemaRef ds:uri="http://schemas.microsoft.com/VisualStudio/2011/storyboarding/control"/>
-  </ds:schemaRefs>
-</ds:datastoreItem>
-</file>
-
-<file path=customXml/itemProps97.xml><?xml version="1.0" encoding="utf-8"?>
-<ds:datastoreItem xmlns:ds="http://schemas.openxmlformats.org/officeDocument/2006/customXml" ds:itemID="{F232015F-DAF1-45FF-BD7C-647A088BFD71}">
-  <ds:schemaRefs>
-    <ds:schemaRef ds:uri="http://schemas.microsoft.com/VisualStudio/2011/storyboarding/control"/>
-  </ds:schemaRefs>
-</ds:datastoreItem>
-</file>
-
-<file path=customXml/itemProps98.xml><?xml version="1.0" encoding="utf-8"?>
-<ds:datastoreItem xmlns:ds="http://schemas.openxmlformats.org/officeDocument/2006/customXml" ds:itemID="{52C22ECF-CB94-4099-8D5D-534B8A0F76FA}">
-  <ds:schemaRefs>
-    <ds:schemaRef ds:uri="http://schemas.microsoft.com/VisualStudio/2011/storyboarding/control"/>
-  </ds:schemaRefs>
-</ds:datastoreItem>
-</file>
-
-<file path=customXml/itemProps99.xml><?xml version="1.0" encoding="utf-8"?>
-<ds:datastoreItem xmlns:ds="http://schemas.openxmlformats.org/officeDocument/2006/customXml" ds:itemID="{EABA044C-F855-4F2D-8541-8B12F3450E94}">
-  <ds:schemaRefs>
-    <ds:schemaRef ds:uri="http://schemas.microsoft.com/VisualStudio/2011/storyboarding/control"/>
-  </ds:schemaRefs>
-</ds:datastoreItem>
 </file>
--- a/Document/UI_source/스토리보드(원본).pptx
+++ b/Document/UI_source/스토리보드(원본).pptx
@@ -121,7 +121,7 @@
   </p:defaultTextStyle>
   <p:extLst>
     <p:ext uri="{EFAFB233-063F-42B5-8137-9DF3F51BA10A}">
-      <p15:sldGuideLst xmlns:p15="http://schemas.microsoft.com/office/powerpoint/2012/main">
+      <p15:sldGuideLst xmlns:p15="http://schemas.microsoft.com/office/powerpoint/2012/main" xmlns="">
         <p15:guide id="1" orient="horz" pos="2160">
           <p15:clr>
             <a:srgbClr val="A4A3A4"/>
@@ -337,7 +337,7 @@
     </p:spTree>
     <p:extLst>
       <p:ext uri="{BB962C8B-B14F-4D97-AF65-F5344CB8AC3E}">
-        <p14:creationId xmlns:p14="http://schemas.microsoft.com/office/powerpoint/2010/main" val="2721893439"/>
+        <p14:creationId xmlns:p14="http://schemas.microsoft.com/office/powerpoint/2010/main" xmlns="" val="2721893439"/>
       </p:ext>
     </p:extLst>
   </p:cSld>
@@ -624,7 +624,7 @@
     </p:spTree>
     <p:extLst>
       <p:ext uri="{BB962C8B-B14F-4D97-AF65-F5344CB8AC3E}">
-        <p14:creationId xmlns:p14="http://schemas.microsoft.com/office/powerpoint/2010/main" val="2584447917"/>
+        <p14:creationId xmlns:p14="http://schemas.microsoft.com/office/powerpoint/2010/main" xmlns="" val="2584447917"/>
       </p:ext>
     </p:extLst>
   </p:cSld>
@@ -692,7 +692,7 @@
     </p:spTree>
     <p:extLst>
       <p:ext uri="{BB962C8B-B14F-4D97-AF65-F5344CB8AC3E}">
-        <p14:creationId xmlns:p14="http://schemas.microsoft.com/office/powerpoint/2010/main" val="2542078823"/>
+        <p14:creationId xmlns:p14="http://schemas.microsoft.com/office/powerpoint/2010/main" xmlns="" val="2542078823"/>
       </p:ext>
     </p:extLst>
   </p:cSld>
@@ -956,7 +956,7 @@
     </p:spTree>
     <p:extLst>
       <p:ext uri="{BB962C8B-B14F-4D97-AF65-F5344CB8AC3E}">
-        <p14:creationId xmlns:p14="http://schemas.microsoft.com/office/powerpoint/2010/main" val="393528301"/>
+        <p14:creationId xmlns:p14="http://schemas.microsoft.com/office/powerpoint/2010/main" xmlns="" val="393528301"/>
       </p:ext>
     </p:extLst>
   </p:cSld>
@@ -1153,7 +1153,7 @@
     </p:spTree>
     <p:extLst>
       <p:ext uri="{BB962C8B-B14F-4D97-AF65-F5344CB8AC3E}">
-        <p14:creationId xmlns:p14="http://schemas.microsoft.com/office/powerpoint/2010/main" val="3464343823"/>
+        <p14:creationId xmlns:p14="http://schemas.microsoft.com/office/powerpoint/2010/main" xmlns="" val="3464343823"/>
       </p:ext>
     </p:extLst>
   </p:cSld>
@@ -1392,7 +1392,7 @@
     </p:spTree>
     <p:extLst>
       <p:ext uri="{BB962C8B-B14F-4D97-AF65-F5344CB8AC3E}">
-        <p14:creationId xmlns:p14="http://schemas.microsoft.com/office/powerpoint/2010/main" val="1599353245"/>
+        <p14:creationId xmlns:p14="http://schemas.microsoft.com/office/powerpoint/2010/main" xmlns="" val="1599353245"/>
       </p:ext>
     </p:extLst>
   </p:cSld>
@@ -1679,7 +1679,7 @@
     </p:spTree>
     <p:extLst>
       <p:ext uri="{BB962C8B-B14F-4D97-AF65-F5344CB8AC3E}">
-        <p14:creationId xmlns:p14="http://schemas.microsoft.com/office/powerpoint/2010/main" val="756079115"/>
+        <p14:creationId xmlns:p14="http://schemas.microsoft.com/office/powerpoint/2010/main" xmlns="" val="756079115"/>
       </p:ext>
     </p:extLst>
   </p:cSld>
@@ -1821,7 +1821,7 @@
           <p:nvPr>
             <p:extLst>
               <p:ext uri="{D42A27DB-BD31-4B8C-83A1-F6EECF244321}">
-                <p14:modId xmlns:p14="http://schemas.microsoft.com/office/powerpoint/2010/main" val="1108353174"/>
+                <p14:modId xmlns:p14="http://schemas.microsoft.com/office/powerpoint/2010/main" xmlns="" val="1108353174"/>
               </p:ext>
             </p:extLst>
           </p:nvPr>
@@ -1840,28 +1840,28 @@
                 <a:gridCol w="2713713">
                   <a:extLst>
                     <a:ext uri="{9D8B030D-6E8A-4147-A177-3AD203B41FA5}">
-                      <a16:colId xmlns:a16="http://schemas.microsoft.com/office/drawing/2014/main" val="20000"/>
+                      <a16:colId xmlns:a16="http://schemas.microsoft.com/office/drawing/2014/main" xmlns="" val="20000"/>
                     </a:ext>
                   </a:extLst>
                 </a:gridCol>
                 <a:gridCol w="2713713">
                   <a:extLst>
                     <a:ext uri="{9D8B030D-6E8A-4147-A177-3AD203B41FA5}">
-                      <a16:colId xmlns:a16="http://schemas.microsoft.com/office/drawing/2014/main" val="20001"/>
+                      <a16:colId xmlns:a16="http://schemas.microsoft.com/office/drawing/2014/main" xmlns="" val="20001"/>
                     </a:ext>
                   </a:extLst>
                 </a:gridCol>
                 <a:gridCol w="2713713">
                   <a:extLst>
                     <a:ext uri="{9D8B030D-6E8A-4147-A177-3AD203B41FA5}">
-                      <a16:colId xmlns:a16="http://schemas.microsoft.com/office/drawing/2014/main" val="20002"/>
+                      <a16:colId xmlns:a16="http://schemas.microsoft.com/office/drawing/2014/main" xmlns="" val="20002"/>
                     </a:ext>
                   </a:extLst>
                 </a:gridCol>
                 <a:gridCol w="2713713">
                   <a:extLst>
                     <a:ext uri="{9D8B030D-6E8A-4147-A177-3AD203B41FA5}">
-                      <a16:colId xmlns:a16="http://schemas.microsoft.com/office/drawing/2014/main" val="20003"/>
+                      <a16:colId xmlns:a16="http://schemas.microsoft.com/office/drawing/2014/main" xmlns="" val="20003"/>
                     </a:ext>
                   </a:extLst>
                 </a:gridCol>
@@ -2215,7 +2215,7 @@
                 </a:tc>
                 <a:extLst>
                   <a:ext uri="{0D108BD9-81ED-4DB2-BD59-A6C34878D82A}">
-                    <a16:rowId xmlns:a16="http://schemas.microsoft.com/office/drawing/2014/main" val="10000"/>
+                    <a16:rowId xmlns:a16="http://schemas.microsoft.com/office/drawing/2014/main" xmlns="" val="10000"/>
                   </a:ext>
                 </a:extLst>
               </a:tr>
@@ -2532,7 +2532,7 @@
                 </a:tc>
                 <a:extLst>
                   <a:ext uri="{0D108BD9-81ED-4DB2-BD59-A6C34878D82A}">
-                    <a16:rowId xmlns:a16="http://schemas.microsoft.com/office/drawing/2014/main" val="10001"/>
+                    <a16:rowId xmlns:a16="http://schemas.microsoft.com/office/drawing/2014/main" xmlns="" val="10001"/>
                   </a:ext>
                 </a:extLst>
               </a:tr>
@@ -2543,7 +2543,7 @@
     </p:spTree>
     <p:extLst>
       <p:ext uri="{BB962C8B-B14F-4D97-AF65-F5344CB8AC3E}">
-        <p14:creationId xmlns:p14="http://schemas.microsoft.com/office/powerpoint/2010/main" val="2141507849"/>
+        <p14:creationId xmlns:p14="http://schemas.microsoft.com/office/powerpoint/2010/main" xmlns="" val="2141507849"/>
       </p:ext>
     </p:extLst>
   </p:cSld>
@@ -2867,7 +2867,7 @@
     </p:spTree>
     <p:extLst>
       <p:ext uri="{BB962C8B-B14F-4D97-AF65-F5344CB8AC3E}">
-        <p14:creationId xmlns:p14="http://schemas.microsoft.com/office/powerpoint/2010/main" val="679396485"/>
+        <p14:creationId xmlns:p14="http://schemas.microsoft.com/office/powerpoint/2010/main" xmlns="" val="679396485"/>
       </p:ext>
     </p:extLst>
   </p:cSld>
@@ -3389,7 +3389,7 @@
     </p:spTree>
     <p:extLst>
       <p:ext uri="{BB962C8B-B14F-4D97-AF65-F5344CB8AC3E}">
-        <p14:creationId xmlns:p14="http://schemas.microsoft.com/office/powerpoint/2010/main" val="3769480503"/>
+        <p14:creationId xmlns:p14="http://schemas.microsoft.com/office/powerpoint/2010/main" xmlns="" val="3769480503"/>
       </p:ext>
     </p:extLst>
   </p:cSld>
@@ -3842,7 +3842,7 @@
           <a:blip r:embed="rId2" cstate="print">
             <a:extLst>
               <a:ext uri="{28A0092B-C50C-407E-A947-70E740481C1C}">
-                <a14:useLocalDpi xmlns:a14="http://schemas.microsoft.com/office/drawing/2010/main" val="0"/>
+                <a14:useLocalDpi xmlns:a14="http://schemas.microsoft.com/office/drawing/2010/main" xmlns="" val="0"/>
               </a:ext>
             </a:extLst>
           </a:blip>
@@ -3880,7 +3880,7 @@
           <a:blip r:embed="rId3" cstate="print">
             <a:extLst>
               <a:ext uri="{28A0092B-C50C-407E-A947-70E740481C1C}">
-                <a14:useLocalDpi xmlns:a14="http://schemas.microsoft.com/office/drawing/2010/main" val="0"/>
+                <a14:useLocalDpi xmlns:a14="http://schemas.microsoft.com/office/drawing/2010/main" xmlns="" val="0"/>
               </a:ext>
             </a:extLst>
           </a:blip>
@@ -3992,7 +3992,7 @@
     </p:spTree>
     <p:extLst>
       <p:ext uri="{BB962C8B-B14F-4D97-AF65-F5344CB8AC3E}">
-        <p14:creationId xmlns:p14="http://schemas.microsoft.com/office/powerpoint/2010/main" val="4097290702"/>
+        <p14:creationId xmlns:p14="http://schemas.microsoft.com/office/powerpoint/2010/main" xmlns="" val="4097290702"/>
       </p:ext>
     </p:extLst>
   </p:cSld>
@@ -4038,7 +4038,7 @@
           <a:blip r:embed="rId12">
             <a:extLst>
               <a:ext uri="{28A0092B-C50C-407E-A947-70E740481C1C}">
-                <a14:useLocalDpi xmlns:a14="http://schemas.microsoft.com/office/drawing/2010/main" val="0"/>
+                <a14:useLocalDpi xmlns:a14="http://schemas.microsoft.com/office/drawing/2010/main" xmlns="" val="0"/>
               </a:ext>
             </a:extLst>
           </a:blip>
@@ -5152,7 +5152,7 @@
     </p:spTree>
     <p:extLst>
       <p:ext uri="{BB962C8B-B14F-4D97-AF65-F5344CB8AC3E}">
-        <p14:creationId xmlns:p14="http://schemas.microsoft.com/office/powerpoint/2010/main" val="2346978374"/>
+        <p14:creationId xmlns:p14="http://schemas.microsoft.com/office/powerpoint/2010/main" xmlns="" val="2346978374"/>
       </p:ext>
     </p:extLst>
   </p:cSld>
@@ -5198,7 +5198,7 @@
           <a:blip r:embed="rId12">
             <a:extLst>
               <a:ext uri="{28A0092B-C50C-407E-A947-70E740481C1C}">
-                <a14:useLocalDpi xmlns:a14="http://schemas.microsoft.com/office/drawing/2010/main" val="0"/>
+                <a14:useLocalDpi xmlns:a14="http://schemas.microsoft.com/office/drawing/2010/main" xmlns="" val="0"/>
               </a:ext>
             </a:extLst>
           </a:blip>
@@ -6233,7 +6233,7 @@
     </p:spTree>
     <p:extLst>
       <p:ext uri="{BB962C8B-B14F-4D97-AF65-F5344CB8AC3E}">
-        <p14:creationId xmlns:p14="http://schemas.microsoft.com/office/powerpoint/2010/main" val="3437830613"/>
+        <p14:creationId xmlns:p14="http://schemas.microsoft.com/office/powerpoint/2010/main" xmlns="" val="3437830613"/>
       </p:ext>
     </p:extLst>
   </p:cSld>
@@ -6910,7 +6910,7 @@
     </p:spTree>
     <p:extLst>
       <p:ext uri="{BB962C8B-B14F-4D97-AF65-F5344CB8AC3E}">
-        <p14:creationId xmlns:p14="http://schemas.microsoft.com/office/powerpoint/2010/main" val="492694439"/>
+        <p14:creationId xmlns:p14="http://schemas.microsoft.com/office/powerpoint/2010/main" xmlns="" val="492694439"/>
       </p:ext>
     </p:extLst>
   </p:cSld>
@@ -6946,7 +6946,7 @@
       </p:grpSpPr>
       <p:pic>
         <p:nvPicPr>
-          <p:cNvPr id="2050" name="Picture 2" descr="C:\Users\alfo24\Desktop\COMP_project\Document\UI_source\화면구성 예시\2.판매관리탭5-정보관리png.png"/>
+          <p:cNvPr id="1026" name="Picture 2" descr="C:\Users\alfo24\Desktop\COMP_project\Document\UI_source\화면구성 예시\2.판매관리탭5-정보관리.png"/>
           <p:cNvPicPr>
             <a:picLocks noChangeAspect="1" noChangeArrowheads="1"/>
           </p:cNvPicPr>
@@ -6961,8 +6961,8 @@
         </p:blipFill>
         <p:spPr bwMode="auto">
           <a:xfrm>
-            <a:off x="549275" y="457200"/>
-            <a:ext cx="8628221" cy="6286500"/>
+            <a:off x="518431" y="455384"/>
+            <a:ext cx="8689575" cy="6331202"/>
           </a:xfrm>
           <a:prstGeom prst="rect">
             <a:avLst/>
@@ -6989,7 +6989,6 @@
               <a:rPr lang="en-US" altLang="ko-KR" dirty="0" smtClean="0"/>
               <a:t>1.3.7</a:t>
             </a:r>
-            <a:endParaRPr lang="en-US" altLang="ko-KR" dirty="0" smtClean="0"/>
           </a:p>
         </p:txBody>
       </p:sp>
@@ -7391,7 +7390,7 @@
     </p:spTree>
     <p:extLst>
       <p:ext uri="{BB962C8B-B14F-4D97-AF65-F5344CB8AC3E}">
-        <p14:creationId xmlns:p14="http://schemas.microsoft.com/office/powerpoint/2010/main" val="492694439"/>
+        <p14:creationId xmlns:p14="http://schemas.microsoft.com/office/powerpoint/2010/main" xmlns="" val="492694439"/>
       </p:ext>
     </p:extLst>
   </p:cSld>
@@ -7470,7 +7469,6 @@
               <a:rPr lang="en-US" altLang="ko-KR" dirty="0" smtClean="0"/>
               <a:t>1.3.8</a:t>
             </a:r>
-            <a:endParaRPr lang="en-US" altLang="ko-KR" dirty="0" smtClean="0"/>
           </a:p>
         </p:txBody>
       </p:sp>
@@ -8447,7 +8445,7 @@
     </p:spTree>
     <p:extLst>
       <p:ext uri="{BB962C8B-B14F-4D97-AF65-F5344CB8AC3E}">
-        <p14:creationId xmlns:p14="http://schemas.microsoft.com/office/powerpoint/2010/main" val="492694439"/>
+        <p14:creationId xmlns:p14="http://schemas.microsoft.com/office/powerpoint/2010/main" xmlns="" val="492694439"/>
       </p:ext>
     </p:extLst>
   </p:cSld>
@@ -8493,7 +8491,7 @@
           <a:blip r:embed="rId10">
             <a:extLst>
               <a:ext uri="{28A0092B-C50C-407E-A947-70E740481C1C}">
-                <a14:useLocalDpi xmlns:a14="http://schemas.microsoft.com/office/drawing/2010/main" val="0"/>
+                <a14:useLocalDpi xmlns:a14="http://schemas.microsoft.com/office/drawing/2010/main" xmlns="" val="0"/>
               </a:ext>
             </a:extLst>
           </a:blip>
@@ -9404,7 +9402,7 @@
     </p:spTree>
     <p:extLst>
       <p:ext uri="{BB962C8B-B14F-4D97-AF65-F5344CB8AC3E}">
-        <p14:creationId xmlns:p14="http://schemas.microsoft.com/office/powerpoint/2010/main" val="2011225551"/>
+        <p14:creationId xmlns:p14="http://schemas.microsoft.com/office/powerpoint/2010/main" xmlns="" val="2011225551"/>
       </p:ext>
     </p:extLst>
   </p:cSld>
@@ -9450,7 +9448,7 @@
           <a:blip r:embed="rId10">
             <a:extLst>
               <a:ext uri="{28A0092B-C50C-407E-A947-70E740481C1C}">
-                <a14:useLocalDpi xmlns:a14="http://schemas.microsoft.com/office/drawing/2010/main" val="0"/>
+                <a14:useLocalDpi xmlns:a14="http://schemas.microsoft.com/office/drawing/2010/main" xmlns="" val="0"/>
               </a:ext>
             </a:extLst>
           </a:blip>
@@ -10378,7 +10376,7 @@
     </p:spTree>
     <p:extLst>
       <p:ext uri="{BB962C8B-B14F-4D97-AF65-F5344CB8AC3E}">
-        <p14:creationId xmlns:p14="http://schemas.microsoft.com/office/powerpoint/2010/main" val="1190408124"/>
+        <p14:creationId xmlns:p14="http://schemas.microsoft.com/office/powerpoint/2010/main" xmlns="" val="1190408124"/>
       </p:ext>
     </p:extLst>
   </p:cSld>
@@ -10424,7 +10422,7 @@
           <a:blip r:embed="rId10">
             <a:extLst>
               <a:ext uri="{28A0092B-C50C-407E-A947-70E740481C1C}">
-                <a14:useLocalDpi xmlns:a14="http://schemas.microsoft.com/office/drawing/2010/main" val="0"/>
+                <a14:useLocalDpi xmlns:a14="http://schemas.microsoft.com/office/drawing/2010/main" xmlns="" val="0"/>
               </a:ext>
             </a:extLst>
           </a:blip>
@@ -11315,7 +11313,7 @@
           <a:blip r:embed="rId11" cstate="print">
             <a:extLst>
               <a:ext uri="{28A0092B-C50C-407E-A947-70E740481C1C}">
-                <a14:useLocalDpi xmlns:a14="http://schemas.microsoft.com/office/drawing/2010/main" val="0"/>
+                <a14:useLocalDpi xmlns:a14="http://schemas.microsoft.com/office/drawing/2010/main" xmlns="" val="0"/>
               </a:ext>
             </a:extLst>
           </a:blip>
@@ -11345,7 +11343,7 @@
           <a:blip r:embed="rId12" cstate="print">
             <a:extLst>
               <a:ext uri="{28A0092B-C50C-407E-A947-70E740481C1C}">
-                <a14:useLocalDpi xmlns:a14="http://schemas.microsoft.com/office/drawing/2010/main" val="0"/>
+                <a14:useLocalDpi xmlns:a14="http://schemas.microsoft.com/office/drawing/2010/main" xmlns="" val="0"/>
               </a:ext>
             </a:extLst>
           </a:blip>
@@ -11375,7 +11373,7 @@
           <a:blip r:embed="rId13" cstate="print">
             <a:extLst>
               <a:ext uri="{28A0092B-C50C-407E-A947-70E740481C1C}">
-                <a14:useLocalDpi xmlns:a14="http://schemas.microsoft.com/office/drawing/2010/main" val="0"/>
+                <a14:useLocalDpi xmlns:a14="http://schemas.microsoft.com/office/drawing/2010/main" xmlns="" val="0"/>
               </a:ext>
             </a:extLst>
           </a:blip>
@@ -11405,7 +11403,7 @@
           <a:blip r:embed="rId14" cstate="print">
             <a:extLst>
               <a:ext uri="{28A0092B-C50C-407E-A947-70E740481C1C}">
-                <a14:useLocalDpi xmlns:a14="http://schemas.microsoft.com/office/drawing/2010/main" val="0"/>
+                <a14:useLocalDpi xmlns:a14="http://schemas.microsoft.com/office/drawing/2010/main" xmlns="" val="0"/>
               </a:ext>
             </a:extLst>
           </a:blip>
@@ -11435,7 +11433,7 @@
           <a:blip r:embed="rId15" cstate="print">
             <a:extLst>
               <a:ext uri="{28A0092B-C50C-407E-A947-70E740481C1C}">
-                <a14:useLocalDpi xmlns:a14="http://schemas.microsoft.com/office/drawing/2010/main" val="0"/>
+                <a14:useLocalDpi xmlns:a14="http://schemas.microsoft.com/office/drawing/2010/main" xmlns="" val="0"/>
               </a:ext>
             </a:extLst>
           </a:blip>
@@ -11465,7 +11463,7 @@
           <a:blip r:embed="rId16" cstate="print">
             <a:extLst>
               <a:ext uri="{28A0092B-C50C-407E-A947-70E740481C1C}">
-                <a14:useLocalDpi xmlns:a14="http://schemas.microsoft.com/office/drawing/2010/main" val="0"/>
+                <a14:useLocalDpi xmlns:a14="http://schemas.microsoft.com/office/drawing/2010/main" xmlns="" val="0"/>
               </a:ext>
             </a:extLst>
           </a:blip>
@@ -11495,7 +11493,7 @@
           <a:blip r:embed="rId17" cstate="print">
             <a:extLst>
               <a:ext uri="{28A0092B-C50C-407E-A947-70E740481C1C}">
-                <a14:useLocalDpi xmlns:a14="http://schemas.microsoft.com/office/drawing/2010/main" val="0"/>
+                <a14:useLocalDpi xmlns:a14="http://schemas.microsoft.com/office/drawing/2010/main" xmlns="" val="0"/>
               </a:ext>
             </a:extLst>
           </a:blip>
@@ -11525,7 +11523,7 @@
           <a:blip r:embed="rId18" cstate="print">
             <a:extLst>
               <a:ext uri="{28A0092B-C50C-407E-A947-70E740481C1C}">
-                <a14:useLocalDpi xmlns:a14="http://schemas.microsoft.com/office/drawing/2010/main" val="0"/>
+                <a14:useLocalDpi xmlns:a14="http://schemas.microsoft.com/office/drawing/2010/main" xmlns="" val="0"/>
               </a:ext>
             </a:extLst>
           </a:blip>
@@ -11555,7 +11553,7 @@
           <a:blip r:embed="rId19" cstate="print">
             <a:extLst>
               <a:ext uri="{28A0092B-C50C-407E-A947-70E740481C1C}">
-                <a14:useLocalDpi xmlns:a14="http://schemas.microsoft.com/office/drawing/2010/main" val="0"/>
+                <a14:useLocalDpi xmlns:a14="http://schemas.microsoft.com/office/drawing/2010/main" xmlns="" val="0"/>
               </a:ext>
             </a:extLst>
           </a:blip>
@@ -11585,7 +11583,7 @@
           <a:blip r:embed="rId20" cstate="print">
             <a:extLst>
               <a:ext uri="{28A0092B-C50C-407E-A947-70E740481C1C}">
-                <a14:useLocalDpi xmlns:a14="http://schemas.microsoft.com/office/drawing/2010/main" val="0"/>
+                <a14:useLocalDpi xmlns:a14="http://schemas.microsoft.com/office/drawing/2010/main" xmlns="" val="0"/>
               </a:ext>
             </a:extLst>
           </a:blip>
@@ -11615,7 +11613,7 @@
           <a:blip r:embed="rId21" cstate="print">
             <a:extLst>
               <a:ext uri="{28A0092B-C50C-407E-A947-70E740481C1C}">
-                <a14:useLocalDpi xmlns:a14="http://schemas.microsoft.com/office/drawing/2010/main" val="0"/>
+                <a14:useLocalDpi xmlns:a14="http://schemas.microsoft.com/office/drawing/2010/main" xmlns="" val="0"/>
               </a:ext>
             </a:extLst>
           </a:blip>
@@ -11645,7 +11643,7 @@
           <a:blip r:embed="rId22" cstate="print">
             <a:extLst>
               <a:ext uri="{28A0092B-C50C-407E-A947-70E740481C1C}">
-                <a14:useLocalDpi xmlns:a14="http://schemas.microsoft.com/office/drawing/2010/main" val="0"/>
+                <a14:useLocalDpi xmlns:a14="http://schemas.microsoft.com/office/drawing/2010/main" xmlns="" val="0"/>
               </a:ext>
             </a:extLst>
           </a:blip>
@@ -11675,7 +11673,7 @@
           <a:blip r:embed="rId23" cstate="print">
             <a:extLst>
               <a:ext uri="{28A0092B-C50C-407E-A947-70E740481C1C}">
-                <a14:useLocalDpi xmlns:a14="http://schemas.microsoft.com/office/drawing/2010/main" val="0"/>
+                <a14:useLocalDpi xmlns:a14="http://schemas.microsoft.com/office/drawing/2010/main" xmlns="" val="0"/>
               </a:ext>
             </a:extLst>
           </a:blip>
@@ -11705,7 +11703,7 @@
           <a:blip r:embed="rId24" cstate="print">
             <a:extLst>
               <a:ext uri="{28A0092B-C50C-407E-A947-70E740481C1C}">
-                <a14:useLocalDpi xmlns:a14="http://schemas.microsoft.com/office/drawing/2010/main" val="0"/>
+                <a14:useLocalDpi xmlns:a14="http://schemas.microsoft.com/office/drawing/2010/main" xmlns="" val="0"/>
               </a:ext>
             </a:extLst>
           </a:blip>
@@ -11735,7 +11733,7 @@
           <a:blip r:embed="rId25" cstate="print">
             <a:extLst>
               <a:ext uri="{28A0092B-C50C-407E-A947-70E740481C1C}">
-                <a14:useLocalDpi xmlns:a14="http://schemas.microsoft.com/office/drawing/2010/main" val="0"/>
+                <a14:useLocalDpi xmlns:a14="http://schemas.microsoft.com/office/drawing/2010/main" xmlns="" val="0"/>
               </a:ext>
             </a:extLst>
           </a:blip>
@@ -11765,7 +11763,7 @@
           <a:blip r:embed="rId26" cstate="print">
             <a:extLst>
               <a:ext uri="{28A0092B-C50C-407E-A947-70E740481C1C}">
-                <a14:useLocalDpi xmlns:a14="http://schemas.microsoft.com/office/drawing/2010/main" val="0"/>
+                <a14:useLocalDpi xmlns:a14="http://schemas.microsoft.com/office/drawing/2010/main" xmlns="" val="0"/>
               </a:ext>
             </a:extLst>
           </a:blip>
@@ -11786,7 +11784,7 @@
     </p:spTree>
     <p:extLst>
       <p:ext uri="{BB962C8B-B14F-4D97-AF65-F5344CB8AC3E}">
-        <p14:creationId xmlns:p14="http://schemas.microsoft.com/office/powerpoint/2010/main" val="4243883722"/>
+        <p14:creationId xmlns:p14="http://schemas.microsoft.com/office/powerpoint/2010/main" xmlns="" val="4243883722"/>
       </p:ext>
     </p:extLst>
   </p:cSld>
@@ -12398,7 +12396,7 @@
     </p:spTree>
     <p:extLst>
       <p:ext uri="{BB962C8B-B14F-4D97-AF65-F5344CB8AC3E}">
-        <p14:creationId xmlns:p14="http://schemas.microsoft.com/office/powerpoint/2010/main" val="2654336337"/>
+        <p14:creationId xmlns:p14="http://schemas.microsoft.com/office/powerpoint/2010/main" xmlns="" val="2654336337"/>
       </p:ext>
     </p:extLst>
   </p:cSld>
@@ -12444,7 +12442,7 @@
           <a:blip r:embed="rId10">
             <a:extLst>
               <a:ext uri="{28A0092B-C50C-407E-A947-70E740481C1C}">
-                <a14:useLocalDpi xmlns:a14="http://schemas.microsoft.com/office/drawing/2010/main" val="0"/>
+                <a14:useLocalDpi xmlns:a14="http://schemas.microsoft.com/office/drawing/2010/main" xmlns="" val="0"/>
               </a:ext>
             </a:extLst>
           </a:blip>
@@ -13263,7 +13261,7 @@
     </p:spTree>
     <p:extLst>
       <p:ext uri="{BB962C8B-B14F-4D97-AF65-F5344CB8AC3E}">
-        <p14:creationId xmlns:p14="http://schemas.microsoft.com/office/powerpoint/2010/main" val="3855243553"/>
+        <p14:creationId xmlns:p14="http://schemas.microsoft.com/office/powerpoint/2010/main" xmlns="" val="3855243553"/>
       </p:ext>
     </p:extLst>
   </p:cSld>
@@ -13309,7 +13307,7 @@
           <a:blip r:embed="rId12">
             <a:extLst>
               <a:ext uri="{28A0092B-C50C-407E-A947-70E740481C1C}">
-                <a14:useLocalDpi xmlns:a14="http://schemas.microsoft.com/office/drawing/2010/main" val="0"/>
+                <a14:useLocalDpi xmlns:a14="http://schemas.microsoft.com/office/drawing/2010/main" xmlns="" val="0"/>
               </a:ext>
             </a:extLst>
           </a:blip>
@@ -14417,7 +14415,7 @@
     </p:spTree>
     <p:extLst>
       <p:ext uri="{BB962C8B-B14F-4D97-AF65-F5344CB8AC3E}">
-        <p14:creationId xmlns:p14="http://schemas.microsoft.com/office/powerpoint/2010/main" val="114933176"/>
+        <p14:creationId xmlns:p14="http://schemas.microsoft.com/office/powerpoint/2010/main" xmlns="" val="114933176"/>
       </p:ext>
     </p:extLst>
   </p:cSld>
@@ -14463,7 +14461,7 @@
           <a:blip r:embed="rId14">
             <a:extLst>
               <a:ext uri="{28A0092B-C50C-407E-A947-70E740481C1C}">
-                <a14:useLocalDpi xmlns:a14="http://schemas.microsoft.com/office/drawing/2010/main" val="0"/>
+                <a14:useLocalDpi xmlns:a14="http://schemas.microsoft.com/office/drawing/2010/main" xmlns="" val="0"/>
               </a:ext>
             </a:extLst>
           </a:blip>
@@ -15725,7 +15723,6 @@
                 <a:rPr lang="en-US" sz="1200" dirty="0"/>
                 <a:t>6</a:t>
               </a:r>
-              <a:endParaRPr lang="en-US" sz="1200" dirty="0"/>
             </a:p>
           </p:txBody>
         </p:sp>
@@ -15733,7 +15730,7 @@
     </p:spTree>
     <p:extLst>
       <p:ext uri="{BB962C8B-B14F-4D97-AF65-F5344CB8AC3E}">
-        <p14:creationId xmlns:p14="http://schemas.microsoft.com/office/powerpoint/2010/main" val="3899408202"/>
+        <p14:creationId xmlns:p14="http://schemas.microsoft.com/office/powerpoint/2010/main" xmlns="" val="3899408202"/>
       </p:ext>
     </p:extLst>
   </p:cSld>
@@ -15779,7 +15776,7 @@
           <a:blip r:embed="rId8">
             <a:extLst>
               <a:ext uri="{28A0092B-C50C-407E-A947-70E740481C1C}">
-                <a14:useLocalDpi xmlns:a14="http://schemas.microsoft.com/office/drawing/2010/main" val="0"/>
+                <a14:useLocalDpi xmlns:a14="http://schemas.microsoft.com/office/drawing/2010/main" xmlns="" val="0"/>
               </a:ext>
             </a:extLst>
           </a:blip>
@@ -15905,11 +15902,7 @@
             </a:r>
             <a:r>
               <a:rPr lang="ko-KR" altLang="en-US" sz="1000" dirty="0" err="1" smtClean="0"/>
-              <a:t>입고</a:t>
-            </a:r>
-            <a:r>
-              <a:rPr lang="ko-KR" altLang="en-US" sz="1000" dirty="0" err="1" smtClean="0"/>
-              <a:t>정보</a:t>
+              <a:t>입고정보</a:t>
             </a:r>
             <a:endParaRPr lang="en-US" altLang="ko-KR" sz="1000" dirty="0" smtClean="0"/>
           </a:p>
@@ -15929,11 +15922,7 @@
             </a:r>
             <a:r>
               <a:rPr lang="ko-KR" altLang="en-US" sz="1000" dirty="0" smtClean="0"/>
-              <a:t>제품의 입고에 </a:t>
-            </a:r>
-            <a:r>
-              <a:rPr lang="ko-KR" altLang="en-US" sz="1000" dirty="0" smtClean="0"/>
-              <a:t>대한 정보를 </a:t>
+              <a:t>제품의 입고에 대한 정보를 </a:t>
             </a:r>
             <a:endParaRPr lang="en-US" altLang="ko-KR" sz="1000" dirty="0" smtClean="0"/>
           </a:p>
@@ -15976,11 +15965,7 @@
             </a:pPr>
             <a:r>
               <a:rPr lang="ko-KR" altLang="en-US" sz="1000" dirty="0" smtClean="0"/>
-              <a:t>② </a:t>
-            </a:r>
-            <a:r>
-              <a:rPr lang="ko-KR" altLang="en-US" sz="1000" dirty="0" smtClean="0"/>
-              <a:t>조회</a:t>
+              <a:t>② 조회</a:t>
             </a:r>
             <a:endParaRPr lang="en-US" altLang="ko-KR" sz="1000" dirty="0" smtClean="0"/>
           </a:p>
@@ -16028,11 +16013,7 @@
             </a:r>
             <a:r>
               <a:rPr lang="ko-KR" altLang="en-US" sz="1000" dirty="0" err="1" smtClean="0"/>
-              <a:t>입고</a:t>
-            </a:r>
-            <a:r>
-              <a:rPr lang="ko-KR" altLang="en-US" sz="1000" dirty="0" err="1" smtClean="0"/>
-              <a:t>관리</a:t>
+              <a:t>입고관리</a:t>
             </a:r>
             <a:endParaRPr lang="en-US" altLang="ko-KR" sz="1000" dirty="0"/>
           </a:p>
@@ -16553,7 +16534,7 @@
     </p:spTree>
     <p:extLst>
       <p:ext uri="{BB962C8B-B14F-4D97-AF65-F5344CB8AC3E}">
-        <p14:creationId xmlns:p14="http://schemas.microsoft.com/office/powerpoint/2010/main" val="1911056576"/>
+        <p14:creationId xmlns:p14="http://schemas.microsoft.com/office/powerpoint/2010/main" xmlns="" val="1911056576"/>
       </p:ext>
     </p:extLst>
   </p:cSld>
@@ -16825,7 +16806,7 @@
   <a:extraClrSchemeLst/>
   <a:extLst>
     <a:ext uri="{05A4C25C-085E-4340-85A3-A5531E510DB2}">
-      <thm15:themeFamily xmlns:thm15="http://schemas.microsoft.com/office/thememl/2012/main" name="스토리보드" id="{8099603D-1BE1-4B6A-908A-4AF7E08E24D0}" vid="{621F26AD-25D5-4C4F-8BBC-5A17BFE16C3F}"/>
+      <thm15:themeFamily xmlns:thm15="http://schemas.microsoft.com/office/thememl/2012/main" xmlns="" name="스토리보드" id="{8099603D-1BE1-4B6A-908A-4AF7E08E24D0}" vid="{621F26AD-25D5-4C4F-8BBC-5A17BFE16C3F}"/>
     </a:ext>
   </a:extLst>
 </a:theme>
@@ -17086,7 +17067,7 @@
   <a:extraClrSchemeLst/>
   <a:extLst>
     <a:ext uri="{05A4C25C-085E-4340-85A3-A5531E510DB2}">
-      <thm15:themeFamily xmlns:thm15="http://schemas.microsoft.com/office/thememl/2012/main" name="Office Theme" id="{62F939B6-93AF-4DB8-9C6B-D6C7DFDC589F}" vid="{4A3C46E8-61CC-4603-A589-7422A47A8E4A}"/>
+      <thm15:themeFamily xmlns:thm15="http://schemas.microsoft.com/office/thememl/2012/main" xmlns="" name="Office Theme" id="{62F939B6-93AF-4DB8-9C6B-D6C7DFDC589F}" vid="{4A3C46E8-61CC-4603-A589-7422A47A8E4A}"/>
     </a:ext>
   </a:extLst>
 </a:theme>
@@ -17347,7 +17328,7 @@
   <a:extraClrSchemeLst/>
   <a:extLst>
     <a:ext uri="{05A4C25C-085E-4340-85A3-A5531E510DB2}">
-      <thm15:themeFamily xmlns:thm15="http://schemas.microsoft.com/office/thememl/2012/main" name="Office Theme" id="{62F939B6-93AF-4DB8-9C6B-D6C7DFDC589F}" vid="{4A3C46E8-61CC-4603-A589-7422A47A8E4A}"/>
+      <thm15:themeFamily xmlns:thm15="http://schemas.microsoft.com/office/thememl/2012/main" xmlns="" name="Office Theme" id="{62F939B6-93AF-4DB8-9C6B-D6C7DFDC589F}" vid="{4A3C46E8-61CC-4603-A589-7422A47A8E4A}"/>
     </a:ext>
   </a:extLst>
 </a:theme>
@@ -17379,7 +17360,7 @@
 
 <file path=customXml/item102.xml><?xml version="1.0" encoding="utf-8"?>
 <Control xmlns="http://schemas.microsoft.com/VisualStudio/2011/storyboarding/control">
-  <Id Name="System.Storyboarding.Annotation.CallOut" Revision="1" Stencil="System.Storyboarding.Annotation" StencilVersion="0.1"/>
+  <Id Name="System.Storyboarding.Common.TextInput" Revision="1" Stencil="System.Storyboarding.Common" StencilVersion="0.1"/>
 </Control>
 </file>
 
@@ -17403,7 +17384,7 @@
 
 <file path=customXml/item106.xml><?xml version="1.0" encoding="utf-8"?>
 <Control xmlns="http://schemas.microsoft.com/VisualStudio/2011/storyboarding/control">
-  <Id Name="System.Storyboarding.Annotation.CallOut" Revision="1" Stencil="System.Storyboarding.Annotation" StencilVersion="0.1"/>
+  <Id Name="System.Storyboarding.Common.TextInput" Revision="1" Stencil="System.Storyboarding.Common" StencilVersion="0.1"/>
 </Control>
 </file>
 
@@ -17415,13 +17396,13 @@
 
 <file path=customXml/item108.xml><?xml version="1.0" encoding="utf-8"?>
 <Control xmlns="http://schemas.microsoft.com/VisualStudio/2011/storyboarding/control">
-  <Id Name="System.Storyboarding.Annotation.CallOut" Revision="1" Stencil="System.Storyboarding.Annotation" StencilVersion="0.1"/>
+  <Id Name="fd7d7bed-114e-464c-a4f1-01a512005949" Revision="1" Stencil="System.MyShapes" StencilVersion="1.0"/>
 </Control>
 </file>
 
 <file path=customXml/item109.xml><?xml version="1.0" encoding="utf-8"?>
 <Control xmlns="http://schemas.microsoft.com/VisualStudio/2011/storyboarding/control">
-  <Id Name="fd7d7bed-114e-464c-a4f1-01a512005949" Revision="1" Stencil="System.MyShapes" StencilVersion="1.0"/>
+  <Id Name="System.Storyboarding.Annotation.CallOut" Revision="1" Stencil="System.Storyboarding.Annotation" StencilVersion="0.1"/>
 </Control>
 </file>
 
@@ -17439,7 +17420,7 @@
 
 <file path=customXml/item111.xml><?xml version="1.0" encoding="utf-8"?>
 <Control xmlns="http://schemas.microsoft.com/VisualStudio/2011/storyboarding/control">
-  <Id Name="fd7d7bed-114e-464c-a4f1-01a512005949" Revision="1" Stencil="System.MyShapes" StencilVersion="1.0"/>
+  <Id Name="System.Storyboarding.Annotation.CallOut" Revision="1" Stencil="System.Storyboarding.Annotation" StencilVersion="0.1"/>
 </Control>
 </file>
 
@@ -17457,31 +17438,31 @@
 
 <file path=customXml/item114.xml><?xml version="1.0" encoding="utf-8"?>
 <Control xmlns="http://schemas.microsoft.com/VisualStudio/2011/storyboarding/control">
-  <Id Name="fd7d7bed-114e-464c-a4f1-01a512005949" Revision="1" Stencil="System.MyShapes" StencilVersion="1.0"/>
+  <Id Name="System.Storyboarding.Common.Text" Revision="1" Stencil="System.Storyboarding.Common" StencilVersion="0.1"/>
 </Control>
 </file>
 
 <file path=customXml/item115.xml><?xml version="1.0" encoding="utf-8"?>
+<Control xmlns="http://schemas.microsoft.com/VisualStudio/2011/storyboarding/control">
+  <Id Name="System.Storyboarding.Annotation.CallOut" Revision="1" Stencil="System.Storyboarding.Annotation" StencilVersion="0.1"/>
+</Control>
+</file>
+
+<file path=customXml/item116.xml><?xml version="1.0" encoding="utf-8"?>
 <Control xmlns="http://schemas.microsoft.com/VisualStudio/2011/storyboarding/control">
   <Id Name="fd7d7bed-114e-464c-a4f1-01a512005949" Revision="1" Stencil="System.MyShapes" StencilVersion="1.0"/>
 </Control>
 </file>
 
-<file path=customXml/item116.xml><?xml version="1.0" encoding="utf-8"?>
+<file path=customXml/item117.xml><?xml version="1.0" encoding="utf-8"?>
 <Control xmlns="http://schemas.microsoft.com/VisualStudio/2011/storyboarding/control">
   <Id Name="System.Storyboarding.Annotation.CallOut" Revision="1" Stencil="System.Storyboarding.Annotation" StencilVersion="0.1"/>
 </Control>
 </file>
 
-<file path=customXml/item117.xml><?xml version="1.0" encoding="utf-8"?>
+<file path=customXml/item118.xml><?xml version="1.0" encoding="utf-8"?>
 <Control xmlns="http://schemas.microsoft.com/VisualStudio/2011/storyboarding/control">
   <Id Name="fd7d7bed-114e-464c-a4f1-01a512005949" Revision="1" Stencil="System.MyShapes" StencilVersion="1.0"/>
-</Control>
-</file>
-
-<file path=customXml/item118.xml><?xml version="1.0" encoding="utf-8"?>
-<Control xmlns="http://schemas.microsoft.com/VisualStudio/2011/storyboarding/control">
-  <Id Name="System.Storyboarding.Annotation.CallOut" Revision="1" Stencil="System.Storyboarding.Annotation" StencilVersion="0.1"/>
 </Control>
 </file>
 
@@ -17493,19 +17474,19 @@
 
 <file path=customXml/item12.xml><?xml version="1.0" encoding="utf-8"?>
 <Control xmlns="http://schemas.microsoft.com/VisualStudio/2011/storyboarding/control">
-  <Id Name="System.Storyboarding.Annotation.CallOut" Revision="1" Stencil="System.Storyboarding.Annotation" StencilVersion="0.1"/>
+  <Id Name="System.Storyboarding.Common.TextInput" Revision="1" Stencil="System.Storyboarding.Common" StencilVersion="0.1"/>
 </Control>
 </file>
 
 <file path=customXml/item120.xml><?xml version="1.0" encoding="utf-8"?>
 <Control xmlns="http://schemas.microsoft.com/VisualStudio/2011/storyboarding/control">
-  <Id Name="System.Storyboarding.Annotation.CallOut" Revision="1" Stencil="System.Storyboarding.Annotation" StencilVersion="0.1"/>
+  <Id Name="System.Storyboarding.Common.MouseClick" Revision="1" Stencil="System.Storyboarding.Common" StencilVersion="0.1"/>
 </Control>
 </file>
 
 <file path=customXml/item121.xml><?xml version="1.0" encoding="utf-8"?>
 <Control xmlns="http://schemas.microsoft.com/VisualStudio/2011/storyboarding/control">
-  <Id Name="fd7d7bed-114e-464c-a4f1-01a512005949" Revision="1" Stencil="System.MyShapes" StencilVersion="1.0"/>
+  <Id Name="System.Storyboarding.Annotation.CallOut" Revision="1" Stencil="System.Storyboarding.Annotation" StencilVersion="0.1"/>
 </Control>
 </file>
 
@@ -17517,31 +17498,31 @@
 
 <file path=customXml/item123.xml><?xml version="1.0" encoding="utf-8"?>
 <Control xmlns="http://schemas.microsoft.com/VisualStudio/2011/storyboarding/control">
-  <Id Name="fd7d7bed-114e-464c-a4f1-01a512005949" Revision="1" Stencil="System.MyShapes" StencilVersion="1.0"/>
+  <Id Name="System.Storyboarding.Annotation.CallOut" Revision="1" Stencil="System.Storyboarding.Annotation" StencilVersion="0.1"/>
 </Control>
 </file>
 
 <file path=customXml/item13.xml><?xml version="1.0" encoding="utf-8"?>
+<Control xmlns="http://schemas.microsoft.com/VisualStudio/2011/storyboarding/control">
+  <Id Name="System.Storyboarding.Annotation.CallOut" Revision="1" Stencil="System.Storyboarding.Annotation" StencilVersion="0.1"/>
+</Control>
+</file>
+
+<file path=customXml/item14.xml><?xml version="1.0" encoding="utf-8"?>
 <Control xmlns="http://schemas.microsoft.com/VisualStudio/2011/storyboarding/control">
   <Id Name="fd7d7bed-114e-464c-a4f1-01a512005949" Revision="1" Stencil="System.MyShapes" StencilVersion="1.0"/>
 </Control>
 </file>
 
-<file path=customXml/item14.xml><?xml version="1.0" encoding="utf-8"?>
+<file path=customXml/item15.xml><?xml version="1.0" encoding="utf-8"?>
+<Control xmlns="http://schemas.microsoft.com/VisualStudio/2011/storyboarding/control">
+  <Id Name="fd7d7bed-114e-464c-a4f1-01a512005949" Revision="1" Stencil="System.MyShapes" StencilVersion="1.0"/>
+</Control>
+</file>
+
+<file path=customXml/item16.xml><?xml version="1.0" encoding="utf-8"?>
 <Control xmlns="http://schemas.microsoft.com/VisualStudio/2011/storyboarding/control">
   <Id Name="System.Storyboarding.Annotation.CallOut" Revision="1" Stencil="System.Storyboarding.Annotation" StencilVersion="0.1"/>
-</Control>
-</file>
-
-<file path=customXml/item15.xml><?xml version="1.0" encoding="utf-8"?>
-<Control xmlns="http://schemas.microsoft.com/VisualStudio/2011/storyboarding/control">
-  <Id Name="System.Storyboarding.Common.RadioButtonSelected" Revision="1" Stencil="System.Storyboarding.Common" StencilVersion="0.1"/>
-</Control>
-</file>
-
-<file path=customXml/item16.xml><?xml version="1.0" encoding="utf-8"?>
-<Control xmlns="http://schemas.microsoft.com/VisualStudio/2011/storyboarding/control">
-  <Id Name="System.Storyboarding.Common.TextInput" Revision="1" Stencil="System.Storyboarding.Common" StencilVersion="0.1"/>
 </Control>
 </file>
 
@@ -17559,13 +17540,13 @@
 
 <file path=customXml/item19.xml><?xml version="1.0" encoding="utf-8"?>
 <Control xmlns="http://schemas.microsoft.com/VisualStudio/2011/storyboarding/control">
-  <Id Name="fd7d7bed-114e-464c-a4f1-01a512005949" Revision="1" Stencil="System.MyShapes" StencilVersion="1.0"/>
+  <Id Name="System.Storyboarding.Annotation.CallOut" Revision="1" Stencil="System.Storyboarding.Annotation" StencilVersion="0.1"/>
 </Control>
 </file>
 
 <file path=customXml/item2.xml><?xml version="1.0" encoding="utf-8"?>
 <Control xmlns="http://schemas.microsoft.com/VisualStudio/2011/storyboarding/control">
-  <Id Name="System.Storyboarding.Annotation.CallOut" Revision="1" Stencil="System.Storyboarding.Annotation" StencilVersion="0.1"/>
+  <Id Name="fd7d7bed-114e-464c-a4f1-01a512005949" Revision="1" Stencil="System.MyShapes" StencilVersion="1.0"/>
 </Control>
 </file>
 
@@ -17595,7 +17576,7 @@
 
 <file path=customXml/item24.xml><?xml version="1.0" encoding="utf-8"?>
 <Control xmlns="http://schemas.microsoft.com/VisualStudio/2011/storyboarding/control">
-  <Id Name="System.Storyboarding.Annotation.CallOut" Revision="1" Stencil="System.Storyboarding.Annotation" StencilVersion="0.1"/>
+  <Id Name="fd7d7bed-114e-464c-a4f1-01a512005949" Revision="1" Stencil="System.MyShapes" StencilVersion="1.0"/>
 </Control>
 </file>
 
@@ -17607,7 +17588,7 @@
 
 <file path=customXml/item26.xml><?xml version="1.0" encoding="utf-8"?>
 <Control xmlns="http://schemas.microsoft.com/VisualStudio/2011/storyboarding/control">
-  <Id Name="fd7d7bed-114e-464c-a4f1-01a512005949" Revision="1" Stencil="System.MyShapes" StencilVersion="1.0"/>
+  <Id Name="System.Storyboarding.Annotation.CallOut" Revision="1" Stencil="System.Storyboarding.Annotation" StencilVersion="0.1"/>
 </Control>
 </file>
 
@@ -17625,7 +17606,7 @@
 
 <file path=customXml/item29.xml><?xml version="1.0" encoding="utf-8"?>
 <Control xmlns="http://schemas.microsoft.com/VisualStudio/2011/storyboarding/control">
-  <Id Name="System.Storyboarding.Common.TextInput" Revision="1" Stencil="System.Storyboarding.Common" StencilVersion="0.1"/>
+  <Id Name="System.Storyboarding.Annotation.CallOut" Revision="1" Stencil="System.Storyboarding.Annotation" StencilVersion="0.1"/>
 </Control>
 </file>
 
@@ -17649,37 +17630,37 @@
 
 <file path=customXml/item32.xml><?xml version="1.0" encoding="utf-8"?>
 <Control xmlns="http://schemas.microsoft.com/VisualStudio/2011/storyboarding/control">
-  <Id Name="fd7d7bed-114e-464c-a4f1-01a512005949" Revision="1" Stencil="System.MyShapes" StencilVersion="1.0"/>
+  <Id Name="System.Storyboarding.Annotation.CallOut" Revision="1" Stencil="System.Storyboarding.Annotation" StencilVersion="0.1"/>
 </Control>
 </file>
 
 <file path=customXml/item33.xml><?xml version="1.0" encoding="utf-8"?>
+<Control xmlns="http://schemas.microsoft.com/VisualStudio/2011/storyboarding/control">
+  <Id Name="System.Storyboarding.Common.RadioButtonUnselected" Revision="1" Stencil="System.Storyboarding.Common" StencilVersion="0.1"/>
+</Control>
+</file>
+
+<file path=customXml/item34.xml><?xml version="1.0" encoding="utf-8"?>
+<Control xmlns="http://schemas.microsoft.com/VisualStudio/2011/storyboarding/control">
+  <Id Name="System.Storyboarding.Common.TextInput" Revision="1" Stencil="System.Storyboarding.Common" StencilVersion="0.1"/>
+</Control>
+</file>
+
+<file path=customXml/item35.xml><?xml version="1.0" encoding="utf-8"?>
+<Control xmlns="http://schemas.microsoft.com/VisualStudio/2011/storyboarding/control">
+  <Id Name="System.Storyboarding.Annotation.CallOut" Revision="1" Stencil="System.Storyboarding.Annotation" StencilVersion="0.1"/>
+</Control>
+</file>
+
+<file path=customXml/item36.xml><?xml version="1.0" encoding="utf-8"?>
 <Control xmlns="http://schemas.microsoft.com/VisualStudio/2011/storyboarding/control">
   <Id Name="fd7d7bed-114e-464c-a4f1-01a512005949" Revision="1" Stencil="System.MyShapes" StencilVersion="1.0"/>
 </Control>
 </file>
 
-<file path=customXml/item34.xml><?xml version="1.0" encoding="utf-8"?>
+<file path=customXml/item37.xml><?xml version="1.0" encoding="utf-8"?>
 <Control xmlns="http://schemas.microsoft.com/VisualStudio/2011/storyboarding/control">
   <Id Name="System.Storyboarding.Annotation.CallOut" Revision="1" Stencil="System.Storyboarding.Annotation" StencilVersion="0.1"/>
-</Control>
-</file>
-
-<file path=customXml/item35.xml><?xml version="1.0" encoding="utf-8"?>
-<Control xmlns="http://schemas.microsoft.com/VisualStudio/2011/storyboarding/control">
-  <Id Name="fd7d7bed-114e-464c-a4f1-01a512005949" Revision="1" Stencil="System.MyShapes" StencilVersion="1.0"/>
-</Control>
-</file>
-
-<file path=customXml/item36.xml><?xml version="1.0" encoding="utf-8"?>
-<Control xmlns="http://schemas.microsoft.com/VisualStudio/2011/storyboarding/control">
-  <Id Name="System.Storyboarding.Annotation.CallOut" Revision="1" Stencil="System.Storyboarding.Annotation" StencilVersion="0.1"/>
-</Control>
-</file>
-
-<file path=customXml/item37.xml><?xml version="1.0" encoding="utf-8"?>
-<Control xmlns="http://schemas.microsoft.com/VisualStudio/2011/storyboarding/control">
-  <Id Name="fd7d7bed-114e-464c-a4f1-01a512005949" Revision="1" Stencil="System.MyShapes" StencilVersion="1.0"/>
 </Control>
 </file>
 
@@ -17691,7 +17672,7 @@
 
 <file path=customXml/item39.xml><?xml version="1.0" encoding="utf-8"?>
 <Control xmlns="http://schemas.microsoft.com/VisualStudio/2011/storyboarding/control">
-  <Id Name="System.Storyboarding.Annotation.CallOut" Revision="1" Stencil="System.Storyboarding.Annotation" StencilVersion="0.1"/>
+  <Id Name="fd7d7bed-114e-464c-a4f1-01a512005949" Revision="1" Stencil="System.MyShapes" StencilVersion="1.0"/>
 </Control>
 </file>
 
@@ -17709,7 +17690,7 @@
 
 <file path=customXml/item41.xml><?xml version="1.0" encoding="utf-8"?>
 <Control xmlns="http://schemas.microsoft.com/VisualStudio/2011/storyboarding/control">
-  <Id Name="System.Storyboarding.Annotation.CallOut" Revision="1" Stencil="System.Storyboarding.Annotation" StencilVersion="0.1"/>
+  <Id Name="fd7d7bed-114e-464c-a4f1-01a512005949" Revision="1" Stencil="System.MyShapes" StencilVersion="1.0"/>
 </Control>
 </file>
 
@@ -17721,7 +17702,7 @@
 
 <file path=customXml/item43.xml><?xml version="1.0" encoding="utf-8"?>
 <Control xmlns="http://schemas.microsoft.com/VisualStudio/2011/storyboarding/control">
-  <Id Name="System.Storyboarding.Annotation.CallOut" Revision="1" Stencil="System.Storyboarding.Annotation" StencilVersion="0.1"/>
+  <Id Name="fd7d7bed-114e-464c-a4f1-01a512005949" Revision="1" Stencil="System.MyShapes" StencilVersion="1.0"/>
 </Control>
 </file>
 
@@ -17739,7 +17720,7 @@
 
 <file path=customXml/item46.xml><?xml version="1.0" encoding="utf-8"?>
 <Control xmlns="http://schemas.microsoft.com/VisualStudio/2011/storyboarding/control">
-  <Id Name="fd7d7bed-114e-464c-a4f1-01a512005949" Revision="1" Stencil="System.MyShapes" StencilVersion="1.0"/>
+  <Id Name="System.Storyboarding.Common.Text" Revision="1" Stencil="System.Storyboarding.Common" StencilVersion="0.1"/>
 </Control>
 </file>
 
@@ -17751,7 +17732,7 @@
 
 <file path=customXml/item48.xml><?xml version="1.0" encoding="utf-8"?>
 <Control xmlns="http://schemas.microsoft.com/VisualStudio/2011/storyboarding/control">
-  <Id Name="fd7d7bed-114e-464c-a4f1-01a512005949" Revision="1" Stencil="System.MyShapes" StencilVersion="1.0"/>
+  <Id Name="System.Storyboarding.Annotation.CallOut" Revision="1" Stencil="System.Storyboarding.Annotation" StencilVersion="0.1"/>
 </Control>
 </file>
 
@@ -17787,7 +17768,7 @@
 
 <file path=customXml/item53.xml><?xml version="1.0" encoding="utf-8"?>
 <Control xmlns="http://schemas.microsoft.com/VisualStudio/2011/storyboarding/control">
-  <Id Name="System.Storyboarding.Annotation.CallOut" Revision="1" Stencil="System.Storyboarding.Annotation" StencilVersion="0.1"/>
+  <Id Name="fd7d7bed-114e-464c-a4f1-01a512005949" Revision="1" Stencil="System.MyShapes" StencilVersion="1.0"/>
 </Control>
 </file>
 
@@ -17799,31 +17780,31 @@
 
 <file path=customXml/item55.xml><?xml version="1.0" encoding="utf-8"?>
 <Control xmlns="http://schemas.microsoft.com/VisualStudio/2011/storyboarding/control">
-  <Id Name="fd7d7bed-114e-464c-a4f1-01a512005949" Revision="1" Stencil="System.MyShapes" StencilVersion="1.0"/>
+  <Id Name="System.Storyboarding.Annotation.CallOut" Revision="1" Stencil="System.Storyboarding.Annotation" StencilVersion="0.1"/>
 </Control>
 </file>
 
 <file path=customXml/item56.xml><?xml version="1.0" encoding="utf-8"?>
 <Control xmlns="http://schemas.microsoft.com/VisualStudio/2011/storyboarding/control">
-  <Id Name="System.Storyboarding.Common.MouseClick" Revision="1" Stencil="System.Storyboarding.Common" StencilVersion="0.1"/>
+  <Id Name="System.Storyboarding.Common.Text" Revision="1" Stencil="System.Storyboarding.Common" StencilVersion="0.1"/>
 </Control>
 </file>
 
 <file path=customXml/item57.xml><?xml version="1.0" encoding="utf-8"?>
 <Control xmlns="http://schemas.microsoft.com/VisualStudio/2011/storyboarding/control">
-  <Id Name="fd7d7bed-114e-464c-a4f1-01a512005949" Revision="1" Stencil="System.MyShapes" StencilVersion="1.0"/>
+  <Id Name="System.Storyboarding.Annotation.CallOut" Revision="1" Stencil="System.Storyboarding.Annotation" StencilVersion="0.1"/>
 </Control>
 </file>
 
 <file path=customXml/item58.xml><?xml version="1.0" encoding="utf-8"?>
 <Control xmlns="http://schemas.microsoft.com/VisualStudio/2011/storyboarding/control">
-  <Id Name="fd7d7bed-114e-464c-a4f1-01a512005949" Revision="1" Stencil="System.MyShapes" StencilVersion="1.0"/>
+  <Id Name="System.Storyboarding.Annotation.CallOut" Revision="1" Stencil="System.Storyboarding.Annotation" StencilVersion="0.1"/>
 </Control>
 </file>
 
 <file path=customXml/item59.xml><?xml version="1.0" encoding="utf-8"?>
 <Control xmlns="http://schemas.microsoft.com/VisualStudio/2011/storyboarding/control">
-  <Id Name="System.Storyboarding.Common.Text" Revision="1" Stencil="System.Storyboarding.Common" StencilVersion="0.1"/>
+  <Id Name="System.Storyboarding.Annotation.CallOut" Revision="1" Stencil="System.Storyboarding.Annotation" StencilVersion="0.1"/>
 </Control>
 </file>
 
@@ -17841,31 +17822,31 @@
 
 <file path=customXml/item61.xml><?xml version="1.0" encoding="utf-8"?>
 <Control xmlns="http://schemas.microsoft.com/VisualStudio/2011/storyboarding/control">
-  <Id Name="System.Storyboarding.Common.Text" Revision="1" Stencil="System.Storyboarding.Common" StencilVersion="0.1"/>
+  <Id Name="fd7d7bed-114e-464c-a4f1-01a512005949" Revision="1" Stencil="System.MyShapes" StencilVersion="1.0"/>
 </Control>
 </file>
 
 <file path=customXml/item62.xml><?xml version="1.0" encoding="utf-8"?>
 <Control xmlns="http://schemas.microsoft.com/VisualStudio/2011/storyboarding/control">
-  <Id Name="System.Storyboarding.Annotation.CallOut" Revision="1" Stencil="System.Storyboarding.Annotation" StencilVersion="0.1"/>
+  <Id Name="fd7d7bed-114e-464c-a4f1-01a512005949" Revision="1" Stencil="System.MyShapes" StencilVersion="1.0"/>
 </Control>
 </file>
 
 <file path=customXml/item63.xml><?xml version="1.0" encoding="utf-8"?>
 <Control xmlns="http://schemas.microsoft.com/VisualStudio/2011/storyboarding/control">
-  <Id Name="System.Storyboarding.Annotation.CallOut" Revision="1" Stencil="System.Storyboarding.Annotation" StencilVersion="0.1"/>
+  <Id Name="fd7d7bed-114e-464c-a4f1-01a512005949" Revision="1" Stencil="System.MyShapes" StencilVersion="1.0"/>
 </Control>
 </file>
 
 <file path=customXml/item64.xml><?xml version="1.0" encoding="utf-8"?>
 <Control xmlns="http://schemas.microsoft.com/VisualStudio/2011/storyboarding/control">
-  <Id Name="System.Storyboarding.Annotation.CallOut" Revision="1" Stencil="System.Storyboarding.Annotation" StencilVersion="0.1"/>
+  <Id Name="fd7d7bed-114e-464c-a4f1-01a512005949" Revision="1" Stencil="System.MyShapes" StencilVersion="1.0"/>
 </Control>
 </file>
 
 <file path=customXml/item65.xml><?xml version="1.0" encoding="utf-8"?>
 <Control xmlns="http://schemas.microsoft.com/VisualStudio/2011/storyboarding/control">
-  <Id Name="fd7d7bed-114e-464c-a4f1-01a512005949" Revision="1" Stencil="System.MyShapes" StencilVersion="1.0"/>
+  <Id Name="System.Storyboarding.Common.Text" Revision="1" Stencil="System.Storyboarding.Common" StencilVersion="0.1"/>
 </Control>
 </file>
 
@@ -17883,7 +17864,7 @@
 
 <file path=customXml/item68.xml><?xml version="1.0" encoding="utf-8"?>
 <Control xmlns="http://schemas.microsoft.com/VisualStudio/2011/storyboarding/control">
-  <Id Name="fd7d7bed-114e-464c-a4f1-01a512005949" Revision="1" Stencil="System.MyShapes" StencilVersion="1.0"/>
+  <Id Name="System.Storyboarding.Annotation.CallOut" Revision="1" Stencil="System.Storyboarding.Annotation" StencilVersion="0.1"/>
 </Control>
 </file>
 
@@ -17895,7 +17876,7 @@
 
 <file path=customXml/item7.xml><?xml version="1.0" encoding="utf-8"?>
 <Control xmlns="http://schemas.microsoft.com/VisualStudio/2011/storyboarding/control">
-  <Id Name="System.Storyboarding.Common.TextInput" Revision="1" Stencil="System.Storyboarding.Common" StencilVersion="0.1"/>
+  <Id Name="fd7d7bed-114e-464c-a4f1-01a512005949" Revision="1" Stencil="System.MyShapes" StencilVersion="1.0"/>
 </Control>
 </file>
 
@@ -17907,7 +17888,7 @@
 
 <file path=customXml/item71.xml><?xml version="1.0" encoding="utf-8"?>
 <Control xmlns="http://schemas.microsoft.com/VisualStudio/2011/storyboarding/control">
-  <Id Name="fd7d7bed-114e-464c-a4f1-01a512005949" Revision="1" Stencil="System.MyShapes" StencilVersion="1.0"/>
+  <Id Name="System.Storyboarding.Common.RadioButtonSelected" Revision="1" Stencil="System.Storyboarding.Common" StencilVersion="0.1"/>
 </Control>
 </file>
 
@@ -17919,19 +17900,19 @@
 
 <file path=customXml/item73.xml><?xml version="1.0" encoding="utf-8"?>
 <Control xmlns="http://schemas.microsoft.com/VisualStudio/2011/storyboarding/control">
+  <Id Name="fd7d7bed-114e-464c-a4f1-01a512005949" Revision="1" Stencil="System.MyShapes" StencilVersion="1.0"/>
+</Control>
+</file>
+
+<file path=customXml/item74.xml><?xml version="1.0" encoding="utf-8"?>
+<Control xmlns="http://schemas.microsoft.com/VisualStudio/2011/storyboarding/control">
   <Id Name="System.Storyboarding.Annotation.CallOut" Revision="1" Stencil="System.Storyboarding.Annotation" StencilVersion="0.1"/>
 </Control>
 </file>
 
-<file path=customXml/item74.xml><?xml version="1.0" encoding="utf-8"?>
+<file path=customXml/item75.xml><?xml version="1.0" encoding="utf-8"?>
 <Control xmlns="http://schemas.microsoft.com/VisualStudio/2011/storyboarding/control">
   <Id Name="fd7d7bed-114e-464c-a4f1-01a512005949" Revision="1" Stencil="System.MyShapes" StencilVersion="1.0"/>
-</Control>
-</file>
-
-<file path=customXml/item75.xml><?xml version="1.0" encoding="utf-8"?>
-<Control xmlns="http://schemas.microsoft.com/VisualStudio/2011/storyboarding/control">
-  <Id Name="System.Storyboarding.Annotation.CallOut" Revision="1" Stencil="System.Storyboarding.Annotation" StencilVersion="0.1"/>
 </Control>
 </file>
 
@@ -17943,37 +17924,37 @@
 
 <file path=customXml/item77.xml><?xml version="1.0" encoding="utf-8"?>
 <Control xmlns="http://schemas.microsoft.com/VisualStudio/2011/storyboarding/control">
-  <Id Name="System.Storyboarding.Annotation.CallOut" Revision="1" Stencil="System.Storyboarding.Annotation" StencilVersion="0.1"/>
+  <Id Name="fd7d7bed-114e-464c-a4f1-01a512005949" Revision="1" Stencil="System.MyShapes" StencilVersion="1.0"/>
 </Control>
 </file>
 
 <file path=customXml/item78.xml><?xml version="1.0" encoding="utf-8"?>
 <Control xmlns="http://schemas.microsoft.com/VisualStudio/2011/storyboarding/control">
-  <Id Name="System.Storyboarding.Annotation.CallOut" Revision="1" Stencil="System.Storyboarding.Annotation" StencilVersion="0.1"/>
+  <Id Name="System.Storyboarding.WindowsDesktop.DialogBox" Revision="1" Stencil="System.Storyboarding.WindowsDesktop" StencilVersion="0.1"/>
 </Control>
 </file>
 
 <file path=customXml/item79.xml><?xml version="1.0" encoding="utf-8"?>
 <Control xmlns="http://schemas.microsoft.com/VisualStudio/2011/storyboarding/control">
-  <Id Name="System.Storyboarding.Annotation.CallOut" Revision="1" Stencil="System.Storyboarding.Annotation" StencilVersion="0.1"/>
+  <Id Name="fd7d7bed-114e-464c-a4f1-01a512005949" Revision="1" Stencil="System.MyShapes" StencilVersion="1.0"/>
 </Control>
 </file>
 
 <file path=customXml/item8.xml><?xml version="1.0" encoding="utf-8"?>
 <Control xmlns="http://schemas.microsoft.com/VisualStudio/2011/storyboarding/control">
-  <Id Name="System.Storyboarding.Annotation.CallOut" Revision="1" Stencil="System.Storyboarding.Annotation" StencilVersion="0.1"/>
+  <Id Name="fd7d7bed-114e-464c-a4f1-01a512005949" Revision="1" Stencil="System.MyShapes" StencilVersion="1.0"/>
 </Control>
 </file>
 
 <file path=customXml/item80.xml><?xml version="1.0" encoding="utf-8"?>
 <Control xmlns="http://schemas.microsoft.com/VisualStudio/2011/storyboarding/control">
-  <Id Name="System.Storyboarding.Common.RadioButtonUnselected" Revision="1" Stencil="System.Storyboarding.Common" StencilVersion="0.1"/>
+  <Id Name="fd7d7bed-114e-464c-a4f1-01a512005949" Revision="1" Stencil="System.MyShapes" StencilVersion="1.0"/>
 </Control>
 </file>
 
 <file path=customXml/item81.xml><?xml version="1.0" encoding="utf-8"?>
 <Control xmlns="http://schemas.microsoft.com/VisualStudio/2011/storyboarding/control">
-  <Id Name="System.Storyboarding.WindowsDesktop.DialogBox" Revision="1" Stencil="System.Storyboarding.WindowsDesktop" StencilVersion="0.1"/>
+  <Id Name="fd7d7bed-114e-464c-a4f1-01a512005949" Revision="1" Stencil="System.MyShapes" StencilVersion="1.0"/>
 </Control>
 </file>
 
@@ -17985,25 +17966,25 @@
 
 <file path=customXml/item83.xml><?xml version="1.0" encoding="utf-8"?>
 <Control xmlns="http://schemas.microsoft.com/VisualStudio/2011/storyboarding/control">
-  <Id Name="fd7d7bed-114e-464c-a4f1-01a512005949" Revision="1" Stencil="System.MyShapes" StencilVersion="1.0"/>
+  <Id Name="System.Storyboarding.Annotation.CallOut" Revision="1" Stencil="System.Storyboarding.Annotation" StencilVersion="0.1"/>
 </Control>
 </file>
 
 <file path=customXml/item84.xml><?xml version="1.0" encoding="utf-8"?>
 <Control xmlns="http://schemas.microsoft.com/VisualStudio/2011/storyboarding/control">
-  <Id Name="System.Storyboarding.Common.Text" Revision="1" Stencil="System.Storyboarding.Common" StencilVersion="0.1"/>
+  <Id Name="System.Storyboarding.Annotation.CallOut" Revision="1" Stencil="System.Storyboarding.Annotation" StencilVersion="0.1"/>
 </Control>
 </file>
 
 <file path=customXml/item85.xml><?xml version="1.0" encoding="utf-8"?>
 <Control xmlns="http://schemas.microsoft.com/VisualStudio/2011/storyboarding/control">
-  <Id Name="System.Storyboarding.Common.TextInput" Revision="1" Stencil="System.Storyboarding.Common" StencilVersion="0.1"/>
+  <Id Name="System.Storyboarding.Annotation.CallOut" Revision="1" Stencil="System.Storyboarding.Annotation" StencilVersion="0.1"/>
 </Control>
 </file>
 
 <file path=customXml/item86.xml><?xml version="1.0" encoding="utf-8"?>
 <Control xmlns="http://schemas.microsoft.com/VisualStudio/2011/storyboarding/control">
-  <Id Name="fd7d7bed-114e-464c-a4f1-01a512005949" Revision="1" Stencil="System.MyShapes" StencilVersion="1.0"/>
+  <Id Name="System.Storyboarding.Annotation.CallOut" Revision="1" Stencil="System.Storyboarding.Annotation" StencilVersion="0.1"/>
 </Control>
 </file>
 
@@ -18015,37 +17996,37 @@
 
 <file path=customXml/item88.xml><?xml version="1.0" encoding="utf-8"?>
 <Control xmlns="http://schemas.microsoft.com/VisualStudio/2011/storyboarding/control">
-  <Id Name="fd7d7bed-114e-464c-a4f1-01a512005949" Revision="1" Stencil="System.MyShapes" StencilVersion="1.0"/>
+  <Id Name="System.Storyboarding.Annotation.CallOut" Revision="1" Stencil="System.Storyboarding.Annotation" StencilVersion="0.1"/>
 </Control>
 </file>
 
 <file path=customXml/item89.xml><?xml version="1.0" encoding="utf-8"?>
+<Control xmlns="http://schemas.microsoft.com/VisualStudio/2011/storyboarding/control">
+  <Id Name="System.Storyboarding.Annotation.CallOut" Revision="1" Stencil="System.Storyboarding.Annotation" StencilVersion="0.1"/>
+</Control>
+</file>
+
+<file path=customXml/item9.xml><?xml version="1.0" encoding="utf-8"?>
 <Control xmlns="http://schemas.microsoft.com/VisualStudio/2011/storyboarding/control">
   <Id Name="fd7d7bed-114e-464c-a4f1-01a512005949" Revision="1" Stencil="System.MyShapes" StencilVersion="1.0"/>
 </Control>
 </file>
 
-<file path=customXml/item9.xml><?xml version="1.0" encoding="utf-8"?>
+<file path=customXml/item90.xml><?xml version="1.0" encoding="utf-8"?>
 <Control xmlns="http://schemas.microsoft.com/VisualStudio/2011/storyboarding/control">
   <Id Name="System.Storyboarding.Annotation.CallOut" Revision="1" Stencil="System.Storyboarding.Annotation" StencilVersion="0.1"/>
 </Control>
 </file>
 
-<file path=customXml/item90.xml><?xml version="1.0" encoding="utf-8"?>
+<file path=customXml/item91.xml><?xml version="1.0" encoding="utf-8"?>
 <Control xmlns="http://schemas.microsoft.com/VisualStudio/2011/storyboarding/control">
   <Id Name="fd7d7bed-114e-464c-a4f1-01a512005949" Revision="1" Stencil="System.MyShapes" StencilVersion="1.0"/>
 </Control>
 </file>
 
-<file path=customXml/item91.xml><?xml version="1.0" encoding="utf-8"?>
-<Control xmlns="http://schemas.microsoft.com/VisualStudio/2011/storyboarding/control">
-  <Id Name="System.Storyboarding.Common.Text" Revision="1" Stencil="System.Storyboarding.Common" StencilVersion="0.1"/>
-</Control>
-</file>
-
 <file path=customXml/item92.xml><?xml version="1.0" encoding="utf-8"?>
 <Control xmlns="http://schemas.microsoft.com/VisualStudio/2011/storyboarding/control">
-  <Id Name="System.Storyboarding.Annotation.CallOut" Revision="1" Stencil="System.Storyboarding.Annotation" StencilVersion="0.1"/>
+  <Id Name="fd7d7bed-114e-464c-a4f1-01a512005949" Revision="1" Stencil="System.MyShapes" StencilVersion="1.0"/>
 </Control>
 </file>
 
@@ -18057,31 +18038,31 @@
 
 <file path=customXml/item94.xml><?xml version="1.0" encoding="utf-8"?>
 <Control xmlns="http://schemas.microsoft.com/VisualStudio/2011/storyboarding/control">
+  <Id Name="fd7d7bed-114e-464c-a4f1-01a512005949" Revision="1" Stencil="System.MyShapes" StencilVersion="1.0"/>
+</Control>
+</file>
+
+<file path=customXml/item95.xml><?xml version="1.0" encoding="utf-8"?>
+<Control xmlns="http://schemas.microsoft.com/VisualStudio/2011/storyboarding/control">
   <Id Name="System.Storyboarding.Annotation.CallOut" Revision="1" Stencil="System.Storyboarding.Annotation" StencilVersion="0.1"/>
 </Control>
 </file>
 
-<file path=customXml/item95.xml><?xml version="1.0" encoding="utf-8"?>
+<file path=customXml/item96.xml><?xml version="1.0" encoding="utf-8"?>
 <Control xmlns="http://schemas.microsoft.com/VisualStudio/2011/storyboarding/control">
   <Id Name="fd7d7bed-114e-464c-a4f1-01a512005949" Revision="1" Stencil="System.MyShapes" StencilVersion="1.0"/>
 </Control>
 </file>
 
-<file path=customXml/item96.xml><?xml version="1.0" encoding="utf-8"?>
+<file path=customXml/item97.xml><?xml version="1.0" encoding="utf-8"?>
+<Control xmlns="http://schemas.microsoft.com/VisualStudio/2011/storyboarding/control">
+  <Id Name="fd7d7bed-114e-464c-a4f1-01a512005949" Revision="1" Stencil="System.MyShapes" StencilVersion="1.0"/>
+</Control>
+</file>
+
+<file path=customXml/item98.xml><?xml version="1.0" encoding="utf-8"?>
 <Control xmlns="http://schemas.microsoft.com/VisualStudio/2011/storyboarding/control">
   <Id Name="System.Storyboarding.Annotation.CallOut" Revision="1" Stencil="System.Storyboarding.Annotation" StencilVersion="0.1"/>
-</Control>
-</file>
-
-<file path=customXml/item97.xml><?xml version="1.0" encoding="utf-8"?>
-<Control xmlns="http://schemas.microsoft.com/VisualStudio/2011/storyboarding/control">
-  <Id Name="System.Storyboarding.Annotation.CallOut" Revision="1" Stencil="System.Storyboarding.Annotation" StencilVersion="0.1"/>
-</Control>
-</file>
-
-<file path=customXml/item98.xml><?xml version="1.0" encoding="utf-8"?>
-<Control xmlns="http://schemas.microsoft.com/VisualStudio/2011/storyboarding/control">
-  <Id Name="fd7d7bed-114e-464c-a4f1-01a512005949" Revision="1" Stencil="System.MyShapes" StencilVersion="1.0"/>
 </Control>
 </file>
 
@@ -18092,6 +18073,678 @@
 </file>
 
 <file path=customXml/itemProps1.xml><?xml version="1.0" encoding="utf-8"?>
+<ds:datastoreItem xmlns:ds="http://schemas.openxmlformats.org/officeDocument/2006/customXml" ds:itemID="{8D444E0F-B298-4F85-80DB-4864BBDD630C}">
+  <ds:schemaRefs>
+    <ds:schemaRef ds:uri="http://schemas.microsoft.com/VisualStudio/2011/storyboarding/control"/>
+  </ds:schemaRefs>
+</ds:datastoreItem>
+</file>
+
+<file path=customXml/itemProps10.xml><?xml version="1.0" encoding="utf-8"?>
+<ds:datastoreItem xmlns:ds="http://schemas.openxmlformats.org/officeDocument/2006/customXml" ds:itemID="{F6790068-EEA9-4B57-8D8F-B9B0BF431A70}">
+  <ds:schemaRefs>
+    <ds:schemaRef ds:uri="http://schemas.microsoft.com/VisualStudio/2011/storyboarding/control"/>
+  </ds:schemaRefs>
+</ds:datastoreItem>
+</file>
+
+<file path=customXml/itemProps100.xml><?xml version="1.0" encoding="utf-8"?>
+<ds:datastoreItem xmlns:ds="http://schemas.openxmlformats.org/officeDocument/2006/customXml" ds:itemID="{4D978272-033F-42C0-945F-26C45B05BB06}">
+  <ds:schemaRefs>
+    <ds:schemaRef ds:uri="http://schemas.microsoft.com/VisualStudio/2011/storyboarding/control"/>
+  </ds:schemaRefs>
+</ds:datastoreItem>
+</file>
+
+<file path=customXml/itemProps101.xml><?xml version="1.0" encoding="utf-8"?>
+<ds:datastoreItem xmlns:ds="http://schemas.openxmlformats.org/officeDocument/2006/customXml" ds:itemID="{3636A990-E604-4985-A281-5007ABD2B44B}">
+  <ds:schemaRefs>
+    <ds:schemaRef ds:uri="http://schemas.microsoft.com/VisualStudio/2011/storyboarding/control"/>
+  </ds:schemaRefs>
+</ds:datastoreItem>
+</file>
+
+<file path=customXml/itemProps102.xml><?xml version="1.0" encoding="utf-8"?>
+<ds:datastoreItem xmlns:ds="http://schemas.openxmlformats.org/officeDocument/2006/customXml" ds:itemID="{40484B2B-32CA-4908-A849-9B88CBDFDD72}">
+  <ds:schemaRefs>
+    <ds:schemaRef ds:uri="http://schemas.microsoft.com/VisualStudio/2011/storyboarding/control"/>
+  </ds:schemaRefs>
+</ds:datastoreItem>
+</file>
+
+<file path=customXml/itemProps103.xml><?xml version="1.0" encoding="utf-8"?>
+<ds:datastoreItem xmlns:ds="http://schemas.openxmlformats.org/officeDocument/2006/customXml" ds:itemID="{C3959990-BEDE-4342-8909-D2CC7843CB1A}">
+  <ds:schemaRefs>
+    <ds:schemaRef ds:uri="http://schemas.microsoft.com/VisualStudio/2011/storyboarding/control"/>
+  </ds:schemaRefs>
+</ds:datastoreItem>
+</file>
+
+<file path=customXml/itemProps104.xml><?xml version="1.0" encoding="utf-8"?>
+<ds:datastoreItem xmlns:ds="http://schemas.openxmlformats.org/officeDocument/2006/customXml" ds:itemID="{2B8239E4-F3AC-4E73-B621-3377998C1E74}">
+  <ds:schemaRefs>
+    <ds:schemaRef ds:uri="http://schemas.microsoft.com/VisualStudio/2011/storyboarding/control"/>
+  </ds:schemaRefs>
+</ds:datastoreItem>
+</file>
+
+<file path=customXml/itemProps105.xml><?xml version="1.0" encoding="utf-8"?>
+<ds:datastoreItem xmlns:ds="http://schemas.openxmlformats.org/officeDocument/2006/customXml" ds:itemID="{6ED08AE2-393B-4601-A237-BFEBEB86ED97}">
+  <ds:schemaRefs>
+    <ds:schemaRef ds:uri="http://schemas.microsoft.com/VisualStudio/2011/storyboarding/control"/>
+  </ds:schemaRefs>
+</ds:datastoreItem>
+</file>
+
+<file path=customXml/itemProps106.xml><?xml version="1.0" encoding="utf-8"?>
+<ds:datastoreItem xmlns:ds="http://schemas.openxmlformats.org/officeDocument/2006/customXml" ds:itemID="{D093DAC0-100F-4B88-AD30-6096F80046F1}">
+  <ds:schemaRefs>
+    <ds:schemaRef ds:uri="http://schemas.microsoft.com/VisualStudio/2011/storyboarding/control"/>
+  </ds:schemaRefs>
+</ds:datastoreItem>
+</file>
+
+<file path=customXml/itemProps107.xml><?xml version="1.0" encoding="utf-8"?>
+<ds:datastoreItem xmlns:ds="http://schemas.openxmlformats.org/officeDocument/2006/customXml" ds:itemID="{FF693739-48CE-428A-A9E2-6DC984D9B3FA}">
+  <ds:schemaRefs>
+    <ds:schemaRef ds:uri="http://schemas.microsoft.com/VisualStudio/2011/storyboarding/control"/>
+  </ds:schemaRefs>
+</ds:datastoreItem>
+</file>
+
+<file path=customXml/itemProps108.xml><?xml version="1.0" encoding="utf-8"?>
+<ds:datastoreItem xmlns:ds="http://schemas.openxmlformats.org/officeDocument/2006/customXml" ds:itemID="{D76D1104-82AB-4388-82F3-A2CDEB01CFFA}">
+  <ds:schemaRefs>
+    <ds:schemaRef ds:uri="http://schemas.microsoft.com/VisualStudio/2011/storyboarding/control"/>
+  </ds:schemaRefs>
+</ds:datastoreItem>
+</file>
+
+<file path=customXml/itemProps109.xml><?xml version="1.0" encoding="utf-8"?>
+<ds:datastoreItem xmlns:ds="http://schemas.openxmlformats.org/officeDocument/2006/customXml" ds:itemID="{735154BF-5FB2-4A42-9F50-5688C44EA915}">
+  <ds:schemaRefs>
+    <ds:schemaRef ds:uri="http://schemas.microsoft.com/VisualStudio/2011/storyboarding/control"/>
+  </ds:schemaRefs>
+</ds:datastoreItem>
+</file>
+
+<file path=customXml/itemProps11.xml><?xml version="1.0" encoding="utf-8"?>
+<ds:datastoreItem xmlns:ds="http://schemas.openxmlformats.org/officeDocument/2006/customXml" ds:itemID="{5B12EFFA-8596-4679-8A5C-E1D50D2F072F}">
+  <ds:schemaRefs>
+    <ds:schemaRef ds:uri="http://schemas.microsoft.com/VisualStudio/2011/storyboarding/control"/>
+  </ds:schemaRefs>
+</ds:datastoreItem>
+</file>
+
+<file path=customXml/itemProps110.xml><?xml version="1.0" encoding="utf-8"?>
+<ds:datastoreItem xmlns:ds="http://schemas.openxmlformats.org/officeDocument/2006/customXml" ds:itemID="{FF490F7A-7175-4DBD-85E3-7747FC7592B9}">
+  <ds:schemaRefs>
+    <ds:schemaRef ds:uri="http://schemas.microsoft.com/VisualStudio/2011/storyboarding/control"/>
+  </ds:schemaRefs>
+</ds:datastoreItem>
+</file>
+
+<file path=customXml/itemProps111.xml><?xml version="1.0" encoding="utf-8"?>
+<ds:datastoreItem xmlns:ds="http://schemas.openxmlformats.org/officeDocument/2006/customXml" ds:itemID="{DBBAE149-4048-407F-90E7-559BE2D44973}">
+  <ds:schemaRefs>
+    <ds:schemaRef ds:uri="http://schemas.microsoft.com/VisualStudio/2011/storyboarding/control"/>
+  </ds:schemaRefs>
+</ds:datastoreItem>
+</file>
+
+<file path=customXml/itemProps112.xml><?xml version="1.0" encoding="utf-8"?>
+<ds:datastoreItem xmlns:ds="http://schemas.openxmlformats.org/officeDocument/2006/customXml" ds:itemID="{4B2B6207-F426-47B3-B4AC-6480BED58F4D}">
+  <ds:schemaRefs>
+    <ds:schemaRef ds:uri="http://schemas.microsoft.com/VisualStudio/2011/storyboarding/control"/>
+  </ds:schemaRefs>
+</ds:datastoreItem>
+</file>
+
+<file path=customXml/itemProps113.xml><?xml version="1.0" encoding="utf-8"?>
+<ds:datastoreItem xmlns:ds="http://schemas.openxmlformats.org/officeDocument/2006/customXml" ds:itemID="{FED77ACA-A391-4822-BEF5-924372A3425F}">
+  <ds:schemaRefs>
+    <ds:schemaRef ds:uri="http://schemas.microsoft.com/VisualStudio/2011/storyboarding/control"/>
+  </ds:schemaRefs>
+</ds:datastoreItem>
+</file>
+
+<file path=customXml/itemProps114.xml><?xml version="1.0" encoding="utf-8"?>
+<ds:datastoreItem xmlns:ds="http://schemas.openxmlformats.org/officeDocument/2006/customXml" ds:itemID="{F06EC21E-1461-4C90-A408-E9BD4F8C6B5E}">
+  <ds:schemaRefs>
+    <ds:schemaRef ds:uri="http://schemas.microsoft.com/VisualStudio/2011/storyboarding/control"/>
+  </ds:schemaRefs>
+</ds:datastoreItem>
+</file>
+
+<file path=customXml/itemProps115.xml><?xml version="1.0" encoding="utf-8"?>
+<ds:datastoreItem xmlns:ds="http://schemas.openxmlformats.org/officeDocument/2006/customXml" ds:itemID="{EA59DCB8-0416-4CDF-B7A8-3408237CE9AF}">
+  <ds:schemaRefs>
+    <ds:schemaRef ds:uri="http://schemas.microsoft.com/VisualStudio/2011/storyboarding/control"/>
+  </ds:schemaRefs>
+</ds:datastoreItem>
+</file>
+
+<file path=customXml/itemProps116.xml><?xml version="1.0" encoding="utf-8"?>
+<ds:datastoreItem xmlns:ds="http://schemas.openxmlformats.org/officeDocument/2006/customXml" ds:itemID="{FC3C3428-BA7F-4803-BE5A-3645D87A3A6C}">
+  <ds:schemaRefs>
+    <ds:schemaRef ds:uri="http://schemas.microsoft.com/VisualStudio/2011/storyboarding/control"/>
+  </ds:schemaRefs>
+</ds:datastoreItem>
+</file>
+
+<file path=customXml/itemProps117.xml><?xml version="1.0" encoding="utf-8"?>
+<ds:datastoreItem xmlns:ds="http://schemas.openxmlformats.org/officeDocument/2006/customXml" ds:itemID="{9A2A8AD0-14C2-4198-95FA-7CA78E84BB0E}">
+  <ds:schemaRefs>
+    <ds:schemaRef ds:uri="http://schemas.microsoft.com/VisualStudio/2011/storyboarding/control"/>
+  </ds:schemaRefs>
+</ds:datastoreItem>
+</file>
+
+<file path=customXml/itemProps118.xml><?xml version="1.0" encoding="utf-8"?>
+<ds:datastoreItem xmlns:ds="http://schemas.openxmlformats.org/officeDocument/2006/customXml" ds:itemID="{2E449097-FA9E-4910-B718-70633402799D}">
+  <ds:schemaRefs>
+    <ds:schemaRef ds:uri="http://schemas.microsoft.com/VisualStudio/2011/storyboarding/control"/>
+  </ds:schemaRefs>
+</ds:datastoreItem>
+</file>
+
+<file path=customXml/itemProps119.xml><?xml version="1.0" encoding="utf-8"?>
+<ds:datastoreItem xmlns:ds="http://schemas.openxmlformats.org/officeDocument/2006/customXml" ds:itemID="{9B569E01-A437-4345-B3AE-325E5C4684C7}">
+  <ds:schemaRefs>
+    <ds:schemaRef ds:uri="http://schemas.microsoft.com/VisualStudio/2011/storyboarding/control"/>
+  </ds:schemaRefs>
+</ds:datastoreItem>
+</file>
+
+<file path=customXml/itemProps12.xml><?xml version="1.0" encoding="utf-8"?>
+<ds:datastoreItem xmlns:ds="http://schemas.openxmlformats.org/officeDocument/2006/customXml" ds:itemID="{98F2AC4D-1065-4E36-8E34-ADCADB80A35E}">
+  <ds:schemaRefs>
+    <ds:schemaRef ds:uri="http://schemas.microsoft.com/VisualStudio/2011/storyboarding/control"/>
+  </ds:schemaRefs>
+</ds:datastoreItem>
+</file>
+
+<file path=customXml/itemProps120.xml><?xml version="1.0" encoding="utf-8"?>
+<ds:datastoreItem xmlns:ds="http://schemas.openxmlformats.org/officeDocument/2006/customXml" ds:itemID="{9A549DBF-0857-4182-A576-C9C6519C6A3E}">
+  <ds:schemaRefs>
+    <ds:schemaRef ds:uri="http://schemas.microsoft.com/VisualStudio/2011/storyboarding/control"/>
+  </ds:schemaRefs>
+</ds:datastoreItem>
+</file>
+
+<file path=customXml/itemProps121.xml><?xml version="1.0" encoding="utf-8"?>
+<ds:datastoreItem xmlns:ds="http://schemas.openxmlformats.org/officeDocument/2006/customXml" ds:itemID="{98ED19BC-F2BE-474D-AE6A-03F6010F09B7}">
+  <ds:schemaRefs>
+    <ds:schemaRef ds:uri="http://schemas.microsoft.com/VisualStudio/2011/storyboarding/control"/>
+  </ds:schemaRefs>
+</ds:datastoreItem>
+</file>
+
+<file path=customXml/itemProps122.xml><?xml version="1.0" encoding="utf-8"?>
+<ds:datastoreItem xmlns:ds="http://schemas.openxmlformats.org/officeDocument/2006/customXml" ds:itemID="{2487B05E-F758-49B5-914B-37AD8930ED02}">
+  <ds:schemaRefs>
+    <ds:schemaRef ds:uri="http://schemas.microsoft.com/VisualStudio/2011/storyboarding/control"/>
+  </ds:schemaRefs>
+</ds:datastoreItem>
+</file>
+
+<file path=customXml/itemProps123.xml><?xml version="1.0" encoding="utf-8"?>
+<ds:datastoreItem xmlns:ds="http://schemas.openxmlformats.org/officeDocument/2006/customXml" ds:itemID="{6C28E3CC-A396-469F-8032-53D7143813C3}">
+  <ds:schemaRefs>
+    <ds:schemaRef ds:uri="http://schemas.microsoft.com/VisualStudio/2011/storyboarding/control"/>
+  </ds:schemaRefs>
+</ds:datastoreItem>
+</file>
+
+<file path=customXml/itemProps13.xml><?xml version="1.0" encoding="utf-8"?>
+<ds:datastoreItem xmlns:ds="http://schemas.openxmlformats.org/officeDocument/2006/customXml" ds:itemID="{B9EF3FF1-AB90-46CE-9292-50C2C5E9F7FC}">
+  <ds:schemaRefs>
+    <ds:schemaRef ds:uri="http://schemas.microsoft.com/VisualStudio/2011/storyboarding/control"/>
+  </ds:schemaRefs>
+</ds:datastoreItem>
+</file>
+
+<file path=customXml/itemProps14.xml><?xml version="1.0" encoding="utf-8"?>
+<ds:datastoreItem xmlns:ds="http://schemas.openxmlformats.org/officeDocument/2006/customXml" ds:itemID="{4E2C718C-25E1-456F-90E3-4B831D06B6F8}">
+  <ds:schemaRefs>
+    <ds:schemaRef ds:uri="http://schemas.microsoft.com/VisualStudio/2011/storyboarding/control"/>
+  </ds:schemaRefs>
+</ds:datastoreItem>
+</file>
+
+<file path=customXml/itemProps15.xml><?xml version="1.0" encoding="utf-8"?>
+<ds:datastoreItem xmlns:ds="http://schemas.openxmlformats.org/officeDocument/2006/customXml" ds:itemID="{665E4BBE-7760-4142-A7BE-17AB5980C22C}">
+  <ds:schemaRefs>
+    <ds:schemaRef ds:uri="http://schemas.microsoft.com/VisualStudio/2011/storyboarding/control"/>
+  </ds:schemaRefs>
+</ds:datastoreItem>
+</file>
+
+<file path=customXml/itemProps16.xml><?xml version="1.0" encoding="utf-8"?>
+<ds:datastoreItem xmlns:ds="http://schemas.openxmlformats.org/officeDocument/2006/customXml" ds:itemID="{00284BA1-76DC-4304-8924-639E629F92EA}">
+  <ds:schemaRefs>
+    <ds:schemaRef ds:uri="http://schemas.microsoft.com/VisualStudio/2011/storyboarding/control"/>
+  </ds:schemaRefs>
+</ds:datastoreItem>
+</file>
+
+<file path=customXml/itemProps17.xml><?xml version="1.0" encoding="utf-8"?>
+<ds:datastoreItem xmlns:ds="http://schemas.openxmlformats.org/officeDocument/2006/customXml" ds:itemID="{58E85928-2B8F-490C-9347-5C47C3112D67}">
+  <ds:schemaRefs>
+    <ds:schemaRef ds:uri="http://schemas.microsoft.com/VisualStudio/2011/storyboarding/control"/>
+  </ds:schemaRefs>
+</ds:datastoreItem>
+</file>
+
+<file path=customXml/itemProps18.xml><?xml version="1.0" encoding="utf-8"?>
+<ds:datastoreItem xmlns:ds="http://schemas.openxmlformats.org/officeDocument/2006/customXml" ds:itemID="{3C2A0945-4362-41A2-990F-E920693D0CA2}">
+  <ds:schemaRefs>
+    <ds:schemaRef ds:uri="http://schemas.microsoft.com/VisualStudio/2011/storyboarding/control"/>
+  </ds:schemaRefs>
+</ds:datastoreItem>
+</file>
+
+<file path=customXml/itemProps19.xml><?xml version="1.0" encoding="utf-8"?>
+<ds:datastoreItem xmlns:ds="http://schemas.openxmlformats.org/officeDocument/2006/customXml" ds:itemID="{E73954B7-8733-4015-BBE9-68F0EBC1DC98}">
+  <ds:schemaRefs>
+    <ds:schemaRef ds:uri="http://schemas.microsoft.com/VisualStudio/2011/storyboarding/control"/>
+  </ds:schemaRefs>
+</ds:datastoreItem>
+</file>
+
+<file path=customXml/itemProps2.xml><?xml version="1.0" encoding="utf-8"?>
+<ds:datastoreItem xmlns:ds="http://schemas.openxmlformats.org/officeDocument/2006/customXml" ds:itemID="{4C110DA4-838D-485D-9522-3AE017EA91BB}">
+  <ds:schemaRefs>
+    <ds:schemaRef ds:uri="http://schemas.microsoft.com/VisualStudio/2011/storyboarding/control"/>
+  </ds:schemaRefs>
+</ds:datastoreItem>
+</file>
+
+<file path=customXml/itemProps20.xml><?xml version="1.0" encoding="utf-8"?>
+<ds:datastoreItem xmlns:ds="http://schemas.openxmlformats.org/officeDocument/2006/customXml" ds:itemID="{6260AC0F-4508-4430-BA12-847F69BCCF50}">
+  <ds:schemaRefs>
+    <ds:schemaRef ds:uri="http://schemas.microsoft.com/VisualStudio/2011/storyboarding/control"/>
+  </ds:schemaRefs>
+</ds:datastoreItem>
+</file>
+
+<file path=customXml/itemProps21.xml><?xml version="1.0" encoding="utf-8"?>
+<ds:datastoreItem xmlns:ds="http://schemas.openxmlformats.org/officeDocument/2006/customXml" ds:itemID="{D0968328-8448-475B-B332-2B7AAF11C055}">
+  <ds:schemaRefs>
+    <ds:schemaRef ds:uri="http://schemas.microsoft.com/VisualStudio/2011/storyboarding/control"/>
+  </ds:schemaRefs>
+</ds:datastoreItem>
+</file>
+
+<file path=customXml/itemProps22.xml><?xml version="1.0" encoding="utf-8"?>
+<ds:datastoreItem xmlns:ds="http://schemas.openxmlformats.org/officeDocument/2006/customXml" ds:itemID="{1687C12C-A316-4385-BDC5-EC5A54A01DFA}">
+  <ds:schemaRefs>
+    <ds:schemaRef ds:uri="http://schemas.microsoft.com/VisualStudio/2011/storyboarding/control"/>
+  </ds:schemaRefs>
+</ds:datastoreItem>
+</file>
+
+<file path=customXml/itemProps23.xml><?xml version="1.0" encoding="utf-8"?>
+<ds:datastoreItem xmlns:ds="http://schemas.openxmlformats.org/officeDocument/2006/customXml" ds:itemID="{D828C4B5-7600-47DF-839B-3BBB7781697F}">
+  <ds:schemaRefs>
+    <ds:schemaRef ds:uri="http://schemas.microsoft.com/VisualStudio/2011/storyboarding/control"/>
+  </ds:schemaRefs>
+</ds:datastoreItem>
+</file>
+
+<file path=customXml/itemProps24.xml><?xml version="1.0" encoding="utf-8"?>
+<ds:datastoreItem xmlns:ds="http://schemas.openxmlformats.org/officeDocument/2006/customXml" ds:itemID="{1C58624C-ADD7-4638-9F03-50B6B0125115}">
+  <ds:schemaRefs>
+    <ds:schemaRef ds:uri="http://schemas.microsoft.com/VisualStudio/2011/storyboarding/control"/>
+  </ds:schemaRefs>
+</ds:datastoreItem>
+</file>
+
+<file path=customXml/itemProps25.xml><?xml version="1.0" encoding="utf-8"?>
+<ds:datastoreItem xmlns:ds="http://schemas.openxmlformats.org/officeDocument/2006/customXml" ds:itemID="{FAB399A9-BA87-438F-8948-9666816087A6}">
+  <ds:schemaRefs>
+    <ds:schemaRef ds:uri="http://schemas.microsoft.com/VisualStudio/2011/storyboarding/control"/>
+  </ds:schemaRefs>
+</ds:datastoreItem>
+</file>
+
+<file path=customXml/itemProps26.xml><?xml version="1.0" encoding="utf-8"?>
+<ds:datastoreItem xmlns:ds="http://schemas.openxmlformats.org/officeDocument/2006/customXml" ds:itemID="{F0CBAB2F-75D2-4967-A27F-6965E3ED1778}">
+  <ds:schemaRefs>
+    <ds:schemaRef ds:uri="http://schemas.microsoft.com/VisualStudio/2011/storyboarding/control"/>
+  </ds:schemaRefs>
+</ds:datastoreItem>
+</file>
+
+<file path=customXml/itemProps27.xml><?xml version="1.0" encoding="utf-8"?>
+<ds:datastoreItem xmlns:ds="http://schemas.openxmlformats.org/officeDocument/2006/customXml" ds:itemID="{065B6D8A-DC5B-4E01-B4D6-F91111928221}">
+  <ds:schemaRefs>
+    <ds:schemaRef ds:uri="http://schemas.microsoft.com/VisualStudio/2011/storyboarding/control"/>
+  </ds:schemaRefs>
+</ds:datastoreItem>
+</file>
+
+<file path=customXml/itemProps28.xml><?xml version="1.0" encoding="utf-8"?>
+<ds:datastoreItem xmlns:ds="http://schemas.openxmlformats.org/officeDocument/2006/customXml" ds:itemID="{8A29F272-F02E-43A1-8757-98E7B6E22759}">
+  <ds:schemaRefs>
+    <ds:schemaRef ds:uri="http://schemas.microsoft.com/VisualStudio/2011/storyboarding/control"/>
+  </ds:schemaRefs>
+</ds:datastoreItem>
+</file>
+
+<file path=customXml/itemProps29.xml><?xml version="1.0" encoding="utf-8"?>
+<ds:datastoreItem xmlns:ds="http://schemas.openxmlformats.org/officeDocument/2006/customXml" ds:itemID="{766AAA37-C280-4DC8-8509-D7D6C194E5E2}">
+  <ds:schemaRefs>
+    <ds:schemaRef ds:uri="http://schemas.microsoft.com/VisualStudio/2011/storyboarding/control"/>
+  </ds:schemaRefs>
+</ds:datastoreItem>
+</file>
+
+<file path=customXml/itemProps3.xml><?xml version="1.0" encoding="utf-8"?>
+<ds:datastoreItem xmlns:ds="http://schemas.openxmlformats.org/officeDocument/2006/customXml" ds:itemID="{1486B02C-8CA8-4F9A-B4EB-C902A5F59C7B}">
+  <ds:schemaRefs>
+    <ds:schemaRef ds:uri="http://schemas.microsoft.com/VisualStudio/2011/storyboarding/control"/>
+  </ds:schemaRefs>
+</ds:datastoreItem>
+</file>
+
+<file path=customXml/itemProps30.xml><?xml version="1.0" encoding="utf-8"?>
+<ds:datastoreItem xmlns:ds="http://schemas.openxmlformats.org/officeDocument/2006/customXml" ds:itemID="{FD116327-F1B7-432D-85A9-86B2CC29F909}">
+  <ds:schemaRefs>
+    <ds:schemaRef ds:uri="http://schemas.microsoft.com/VisualStudio/2011/storyboarding/control"/>
+  </ds:schemaRefs>
+</ds:datastoreItem>
+</file>
+
+<file path=customXml/itemProps31.xml><?xml version="1.0" encoding="utf-8"?>
+<ds:datastoreItem xmlns:ds="http://schemas.openxmlformats.org/officeDocument/2006/customXml" ds:itemID="{21402A0C-EF81-416F-B759-93323EDF6668}">
+  <ds:schemaRefs>
+    <ds:schemaRef ds:uri="http://schemas.microsoft.com/VisualStudio/2011/storyboarding/control"/>
+  </ds:schemaRefs>
+</ds:datastoreItem>
+</file>
+
+<file path=customXml/itemProps32.xml><?xml version="1.0" encoding="utf-8"?>
+<ds:datastoreItem xmlns:ds="http://schemas.openxmlformats.org/officeDocument/2006/customXml" ds:itemID="{A853F2C9-219C-40E7-A52F-F132C589E8C3}">
+  <ds:schemaRefs>
+    <ds:schemaRef ds:uri="http://schemas.microsoft.com/VisualStudio/2011/storyboarding/control"/>
+  </ds:schemaRefs>
+</ds:datastoreItem>
+</file>
+
+<file path=customXml/itemProps33.xml><?xml version="1.0" encoding="utf-8"?>
+<ds:datastoreItem xmlns:ds="http://schemas.openxmlformats.org/officeDocument/2006/customXml" ds:itemID="{52C22ECF-CB94-4099-8D5D-534B8A0F76FA}">
+  <ds:schemaRefs>
+    <ds:schemaRef ds:uri="http://schemas.microsoft.com/VisualStudio/2011/storyboarding/control"/>
+  </ds:schemaRefs>
+</ds:datastoreItem>
+</file>
+
+<file path=customXml/itemProps34.xml><?xml version="1.0" encoding="utf-8"?>
+<ds:datastoreItem xmlns:ds="http://schemas.openxmlformats.org/officeDocument/2006/customXml" ds:itemID="{F8966AEF-05C9-4F9E-ACC0-C77A7D3EC4A2}">
+  <ds:schemaRefs>
+    <ds:schemaRef ds:uri="http://schemas.microsoft.com/VisualStudio/2011/storyboarding/control"/>
+  </ds:schemaRefs>
+</ds:datastoreItem>
+</file>
+
+<file path=customXml/itemProps35.xml><?xml version="1.0" encoding="utf-8"?>
+<ds:datastoreItem xmlns:ds="http://schemas.openxmlformats.org/officeDocument/2006/customXml" ds:itemID="{0058B53A-1646-43DF-A09E-5B7ECDD1343F}">
+  <ds:schemaRefs>
+    <ds:schemaRef ds:uri="http://schemas.microsoft.com/VisualStudio/2011/storyboarding/control"/>
+  </ds:schemaRefs>
+</ds:datastoreItem>
+</file>
+
+<file path=customXml/itemProps36.xml><?xml version="1.0" encoding="utf-8"?>
+<ds:datastoreItem xmlns:ds="http://schemas.openxmlformats.org/officeDocument/2006/customXml" ds:itemID="{45E97D65-6343-4570-8097-EA7E7BF9672F}">
+  <ds:schemaRefs>
+    <ds:schemaRef ds:uri="http://schemas.microsoft.com/VisualStudio/2011/storyboarding/control"/>
+  </ds:schemaRefs>
+</ds:datastoreItem>
+</file>
+
+<file path=customXml/itemProps37.xml><?xml version="1.0" encoding="utf-8"?>
+<ds:datastoreItem xmlns:ds="http://schemas.openxmlformats.org/officeDocument/2006/customXml" ds:itemID="{A0472940-DB88-4113-B969-16EA24F7EB7F}">
+  <ds:schemaRefs>
+    <ds:schemaRef ds:uri="http://schemas.microsoft.com/VisualStudio/2011/storyboarding/control"/>
+  </ds:schemaRefs>
+</ds:datastoreItem>
+</file>
+
+<file path=customXml/itemProps38.xml><?xml version="1.0" encoding="utf-8"?>
+<ds:datastoreItem xmlns:ds="http://schemas.openxmlformats.org/officeDocument/2006/customXml" ds:itemID="{DB943CB5-6ECD-4BD5-A62D-6B81C42065C2}">
+  <ds:schemaRefs>
+    <ds:schemaRef ds:uri="http://schemas.microsoft.com/VisualStudio/2011/storyboarding/control"/>
+  </ds:schemaRefs>
+</ds:datastoreItem>
+</file>
+
+<file path=customXml/itemProps39.xml><?xml version="1.0" encoding="utf-8"?>
+<ds:datastoreItem xmlns:ds="http://schemas.openxmlformats.org/officeDocument/2006/customXml" ds:itemID="{0E6EDFFA-7DB4-478C-B4A0-D5E156E272F2}">
+  <ds:schemaRefs>
+    <ds:schemaRef ds:uri="http://schemas.microsoft.com/VisualStudio/2011/storyboarding/control"/>
+  </ds:schemaRefs>
+</ds:datastoreItem>
+</file>
+
+<file path=customXml/itemProps4.xml><?xml version="1.0" encoding="utf-8"?>
+<ds:datastoreItem xmlns:ds="http://schemas.openxmlformats.org/officeDocument/2006/customXml" ds:itemID="{24CC90C9-DCFC-4768-840C-0D3A65CEFB1A}">
+  <ds:schemaRefs>
+    <ds:schemaRef ds:uri="http://schemas.microsoft.com/VisualStudio/2011/storyboarding/control"/>
+  </ds:schemaRefs>
+</ds:datastoreItem>
+</file>
+
+<file path=customXml/itemProps40.xml><?xml version="1.0" encoding="utf-8"?>
+<ds:datastoreItem xmlns:ds="http://schemas.openxmlformats.org/officeDocument/2006/customXml" ds:itemID="{47B9965D-7646-4408-84CB-825B5A8AF974}">
+  <ds:schemaRefs>
+    <ds:schemaRef ds:uri="http://schemas.microsoft.com/VisualStudio/2011/storyboarding/control"/>
+  </ds:schemaRefs>
+</ds:datastoreItem>
+</file>
+
+<file path=customXml/itemProps41.xml><?xml version="1.0" encoding="utf-8"?>
+<ds:datastoreItem xmlns:ds="http://schemas.openxmlformats.org/officeDocument/2006/customXml" ds:itemID="{3BEE128F-DCA4-40C0-8AB8-CBBC4CBDEC86}">
+  <ds:schemaRefs>
+    <ds:schemaRef ds:uri="http://schemas.microsoft.com/VisualStudio/2011/storyboarding/control"/>
+  </ds:schemaRefs>
+</ds:datastoreItem>
+</file>
+
+<file path=customXml/itemProps42.xml><?xml version="1.0" encoding="utf-8"?>
+<ds:datastoreItem xmlns:ds="http://schemas.openxmlformats.org/officeDocument/2006/customXml" ds:itemID="{674F586C-3D4C-4BFE-B70F-20542F1925F6}">
+  <ds:schemaRefs>
+    <ds:schemaRef ds:uri="http://schemas.microsoft.com/VisualStudio/2011/storyboarding/control"/>
+  </ds:schemaRefs>
+</ds:datastoreItem>
+</file>
+
+<file path=customXml/itemProps43.xml><?xml version="1.0" encoding="utf-8"?>
+<ds:datastoreItem xmlns:ds="http://schemas.openxmlformats.org/officeDocument/2006/customXml" ds:itemID="{A506862E-DD0E-4463-9537-58549E145A3C}">
+  <ds:schemaRefs>
+    <ds:schemaRef ds:uri="http://schemas.microsoft.com/VisualStudio/2011/storyboarding/control"/>
+  </ds:schemaRefs>
+</ds:datastoreItem>
+</file>
+
+<file path=customXml/itemProps44.xml><?xml version="1.0" encoding="utf-8"?>
+<ds:datastoreItem xmlns:ds="http://schemas.openxmlformats.org/officeDocument/2006/customXml" ds:itemID="{DBFC18C8-41F2-4B67-ACD8-B4F649599337}">
+  <ds:schemaRefs>
+    <ds:schemaRef ds:uri="http://schemas.microsoft.com/VisualStudio/2011/storyboarding/control"/>
+  </ds:schemaRefs>
+</ds:datastoreItem>
+</file>
+
+<file path=customXml/itemProps45.xml><?xml version="1.0" encoding="utf-8"?>
+<ds:datastoreItem xmlns:ds="http://schemas.openxmlformats.org/officeDocument/2006/customXml" ds:itemID="{0EDAB4CF-04B1-453E-BF4F-263E04F8688F}">
+  <ds:schemaRefs>
+    <ds:schemaRef ds:uri="http://schemas.microsoft.com/VisualStudio/2011/storyboarding/control"/>
+  </ds:schemaRefs>
+</ds:datastoreItem>
+</file>
+
+<file path=customXml/itemProps46.xml><?xml version="1.0" encoding="utf-8"?>
+<ds:datastoreItem xmlns:ds="http://schemas.openxmlformats.org/officeDocument/2006/customXml" ds:itemID="{0F220257-F99E-4E47-AD44-65D24C457664}">
+  <ds:schemaRefs>
+    <ds:schemaRef ds:uri="http://schemas.microsoft.com/VisualStudio/2011/storyboarding/control"/>
+  </ds:schemaRefs>
+</ds:datastoreItem>
+</file>
+
+<file path=customXml/itemProps47.xml><?xml version="1.0" encoding="utf-8"?>
+<ds:datastoreItem xmlns:ds="http://schemas.openxmlformats.org/officeDocument/2006/customXml" ds:itemID="{CA460F31-B773-4067-B036-332848DF28B9}">
+  <ds:schemaRefs>
+    <ds:schemaRef ds:uri="http://schemas.microsoft.com/VisualStudio/2011/storyboarding/control"/>
+  </ds:schemaRefs>
+</ds:datastoreItem>
+</file>
+
+<file path=customXml/itemProps48.xml><?xml version="1.0" encoding="utf-8"?>
+<ds:datastoreItem xmlns:ds="http://schemas.openxmlformats.org/officeDocument/2006/customXml" ds:itemID="{436FFD07-9F07-4E04-BCEA-334C1946BE04}">
+  <ds:schemaRefs>
+    <ds:schemaRef ds:uri="http://schemas.microsoft.com/VisualStudio/2011/storyboarding/control"/>
+  </ds:schemaRefs>
+</ds:datastoreItem>
+</file>
+
+<file path=customXml/itemProps49.xml><?xml version="1.0" encoding="utf-8"?>
+<ds:datastoreItem xmlns:ds="http://schemas.openxmlformats.org/officeDocument/2006/customXml" ds:itemID="{6C369A29-791E-40A4-B896-725D656F6219}">
+  <ds:schemaRefs>
+    <ds:schemaRef ds:uri="http://schemas.microsoft.com/VisualStudio/2011/storyboarding/control"/>
+  </ds:schemaRefs>
+</ds:datastoreItem>
+</file>
+
+<file path=customXml/itemProps5.xml><?xml version="1.0" encoding="utf-8"?>
+<ds:datastoreItem xmlns:ds="http://schemas.openxmlformats.org/officeDocument/2006/customXml" ds:itemID="{7FE5D889-C566-4205-8BB7-607167187A6D}">
+  <ds:schemaRefs>
+    <ds:schemaRef ds:uri="http://schemas.microsoft.com/VisualStudio/2011/storyboarding/control"/>
+  </ds:schemaRefs>
+</ds:datastoreItem>
+</file>
+
+<file path=customXml/itemProps50.xml><?xml version="1.0" encoding="utf-8"?>
+<ds:datastoreItem xmlns:ds="http://schemas.openxmlformats.org/officeDocument/2006/customXml" ds:itemID="{57009A2F-813A-4612-AA9D-4FFAC39B82A8}">
+  <ds:schemaRefs>
+    <ds:schemaRef ds:uri="http://schemas.microsoft.com/VisualStudio/2011/storyboarding/control"/>
+  </ds:schemaRefs>
+</ds:datastoreItem>
+</file>
+
+<file path=customXml/itemProps51.xml><?xml version="1.0" encoding="utf-8"?>
+<ds:datastoreItem xmlns:ds="http://schemas.openxmlformats.org/officeDocument/2006/customXml" ds:itemID="{8B4C81AF-3B4B-4CC7-9167-93AD49568C20}">
+  <ds:schemaRefs>
+    <ds:schemaRef ds:uri="http://schemas.microsoft.com/VisualStudio/2011/storyboarding/control"/>
+  </ds:schemaRefs>
+</ds:datastoreItem>
+</file>
+
+<file path=customXml/itemProps52.xml><?xml version="1.0" encoding="utf-8"?>
+<ds:datastoreItem xmlns:ds="http://schemas.openxmlformats.org/officeDocument/2006/customXml" ds:itemID="{90BA3DCC-9C0C-4501-B341-6205679FE91C}">
+  <ds:schemaRefs>
+    <ds:schemaRef ds:uri="http://schemas.microsoft.com/VisualStudio/2011/storyboarding/control"/>
+  </ds:schemaRefs>
+</ds:datastoreItem>
+</file>
+
+<file path=customXml/itemProps53.xml><?xml version="1.0" encoding="utf-8"?>
+<ds:datastoreItem xmlns:ds="http://schemas.openxmlformats.org/officeDocument/2006/customXml" ds:itemID="{061016BA-8104-4015-8EC7-33408200BF3F}">
+  <ds:schemaRefs>
+    <ds:schemaRef ds:uri="http://schemas.microsoft.com/VisualStudio/2011/storyboarding/control"/>
+  </ds:schemaRefs>
+</ds:datastoreItem>
+</file>
+
+<file path=customXml/itemProps54.xml><?xml version="1.0" encoding="utf-8"?>
+<ds:datastoreItem xmlns:ds="http://schemas.openxmlformats.org/officeDocument/2006/customXml" ds:itemID="{9F9D5C54-1675-4957-93CF-3A95802A5BCB}">
+  <ds:schemaRefs>
+    <ds:schemaRef ds:uri="http://schemas.microsoft.com/VisualStudio/2011/storyboarding/control"/>
+  </ds:schemaRefs>
+</ds:datastoreItem>
+</file>
+
+<file path=customXml/itemProps55.xml><?xml version="1.0" encoding="utf-8"?>
+<ds:datastoreItem xmlns:ds="http://schemas.openxmlformats.org/officeDocument/2006/customXml" ds:itemID="{8587DE98-B823-4671-8421-AEFBBB189344}">
+  <ds:schemaRefs>
+    <ds:schemaRef ds:uri="http://schemas.microsoft.com/VisualStudio/2011/storyboarding/control"/>
+  </ds:schemaRefs>
+</ds:datastoreItem>
+</file>
+
+<file path=customXml/itemProps56.xml><?xml version="1.0" encoding="utf-8"?>
+<ds:datastoreItem xmlns:ds="http://schemas.openxmlformats.org/officeDocument/2006/customXml" ds:itemID="{8EDC32C9-43BE-46C7-9EB2-520A513BD87F}">
+  <ds:schemaRefs>
+    <ds:schemaRef ds:uri="http://schemas.microsoft.com/VisualStudio/2011/storyboarding/control"/>
+  </ds:schemaRefs>
+</ds:datastoreItem>
+</file>
+
+<file path=customXml/itemProps57.xml><?xml version="1.0" encoding="utf-8"?>
+<ds:datastoreItem xmlns:ds="http://schemas.openxmlformats.org/officeDocument/2006/customXml" ds:itemID="{737DBCAA-FD86-4EB1-AB9D-7F9F9C697E90}">
+  <ds:schemaRefs>
+    <ds:schemaRef ds:uri="http://schemas.microsoft.com/VisualStudio/2011/storyboarding/control"/>
+  </ds:schemaRefs>
+</ds:datastoreItem>
+</file>
+
+<file path=customXml/itemProps58.xml><?xml version="1.0" encoding="utf-8"?>
+<ds:datastoreItem xmlns:ds="http://schemas.openxmlformats.org/officeDocument/2006/customXml" ds:itemID="{AE950B5B-F665-44E1-BC8D-E1ED5D08048D}">
+  <ds:schemaRefs>
+    <ds:schemaRef ds:uri="http://schemas.microsoft.com/VisualStudio/2011/storyboarding/control"/>
+  </ds:schemaRefs>
+</ds:datastoreItem>
+</file>
+
+<file path=customXml/itemProps59.xml><?xml version="1.0" encoding="utf-8"?>
+<ds:datastoreItem xmlns:ds="http://schemas.openxmlformats.org/officeDocument/2006/customXml" ds:itemID="{99D7A4E8-9013-43F4-9025-79641E2FD4AD}">
+  <ds:schemaRefs>
+    <ds:schemaRef ds:uri="http://schemas.microsoft.com/VisualStudio/2011/storyboarding/control"/>
+  </ds:schemaRefs>
+</ds:datastoreItem>
+</file>
+
+<file path=customXml/itemProps6.xml><?xml version="1.0" encoding="utf-8"?>
+<ds:datastoreItem xmlns:ds="http://schemas.openxmlformats.org/officeDocument/2006/customXml" ds:itemID="{B8B89DFC-14C8-4A9F-A15A-190159CF0CFE}">
+  <ds:schemaRefs>
+    <ds:schemaRef ds:uri="http://schemas.microsoft.com/VisualStudio/2011/storyboarding/control"/>
+  </ds:schemaRefs>
+</ds:datastoreItem>
+</file>
+
+<file path=customXml/itemProps60.xml><?xml version="1.0" encoding="utf-8"?>
+<ds:datastoreItem xmlns:ds="http://schemas.openxmlformats.org/officeDocument/2006/customXml" ds:itemID="{ED3D69ED-38A9-48C8-B05E-83772337A98C}">
+  <ds:schemaRefs>
+    <ds:schemaRef ds:uri="http://schemas.microsoft.com/VisualStudio/2011/storyboarding/control"/>
+  </ds:schemaRefs>
+</ds:datastoreItem>
+</file>
+
+<file path=customXml/itemProps61.xml><?xml version="1.0" encoding="utf-8"?>
+<ds:datastoreItem xmlns:ds="http://schemas.openxmlformats.org/officeDocument/2006/customXml" ds:itemID="{6AD84BE9-0868-4CB2-8303-2FC4DD2D5CFA}">
+  <ds:schemaRefs>
+    <ds:schemaRef ds:uri="http://schemas.microsoft.com/VisualStudio/2011/storyboarding/control"/>
+  </ds:schemaRefs>
+</ds:datastoreItem>
+</file>
+
+<file path=customXml/itemProps62.xml><?xml version="1.0" encoding="utf-8"?>
+<ds:datastoreItem xmlns:ds="http://schemas.openxmlformats.org/officeDocument/2006/customXml" ds:itemID="{FCAB2D3C-D644-40DE-B890-52EBFBEE6679}">
+  <ds:schemaRefs>
+    <ds:schemaRef ds:uri="http://schemas.microsoft.com/VisualStudio/2011/storyboarding/control"/>
+  </ds:schemaRefs>
+</ds:datastoreItem>
+</file>
+
+<file path=customXml/itemProps63.xml><?xml version="1.0" encoding="utf-8"?>
+<ds:datastoreItem xmlns:ds="http://schemas.openxmlformats.org/officeDocument/2006/customXml" ds:itemID="{11598C92-4116-4A08-8F58-D57ED2239CCE}">
+  <ds:schemaRefs>
+    <ds:schemaRef ds:uri="http://schemas.microsoft.com/VisualStudio/2011/storyboarding/control"/>
+  </ds:schemaRefs>
+</ds:datastoreItem>
+</file>
+
+<file path=customXml/itemProps64.xml><?xml version="1.0" encoding="utf-8"?>
 <ds:datastoreItem xmlns:ds="http://schemas.openxmlformats.org/officeDocument/2006/customXml" ds:itemID="{441C7EBE-B1F1-437D-A1A7-982CD016269C}">
   <ds:schemaRefs>
     <ds:schemaRef ds:uri="http://schemas.microsoft.com/VisualStudio/2011/storyboarding/control"/>
@@ -18099,7 +18752,143 @@
 </ds:datastoreItem>
 </file>
 
-<file path=customXml/itemProps10.xml><?xml version="1.0" encoding="utf-8"?>
+<file path=customXml/itemProps65.xml><?xml version="1.0" encoding="utf-8"?>
+<ds:datastoreItem xmlns:ds="http://schemas.openxmlformats.org/officeDocument/2006/customXml" ds:itemID="{F2328595-B94A-4766-A678-942BFE76529D}">
+  <ds:schemaRefs>
+    <ds:schemaRef ds:uri="http://schemas.microsoft.com/VisualStudio/2011/storyboarding/control"/>
+  </ds:schemaRefs>
+</ds:datastoreItem>
+</file>
+
+<file path=customXml/itemProps66.xml><?xml version="1.0" encoding="utf-8"?>
+<ds:datastoreItem xmlns:ds="http://schemas.openxmlformats.org/officeDocument/2006/customXml" ds:itemID="{F0405DDA-F797-490F-9D04-6B64C56B9E95}">
+  <ds:schemaRefs>
+    <ds:schemaRef ds:uri="http://schemas.microsoft.com/VisualStudio/2011/storyboarding/control"/>
+  </ds:schemaRefs>
+</ds:datastoreItem>
+</file>
+
+<file path=customXml/itemProps67.xml><?xml version="1.0" encoding="utf-8"?>
+<ds:datastoreItem xmlns:ds="http://schemas.openxmlformats.org/officeDocument/2006/customXml" ds:itemID="{C64F239C-3EF9-4D6D-A2BC-C935A2E33DF3}">
+  <ds:schemaRefs>
+    <ds:schemaRef ds:uri="http://schemas.microsoft.com/VisualStudio/2011/storyboarding/control"/>
+  </ds:schemaRefs>
+</ds:datastoreItem>
+</file>
+
+<file path=customXml/itemProps68.xml><?xml version="1.0" encoding="utf-8"?>
+<ds:datastoreItem xmlns:ds="http://schemas.openxmlformats.org/officeDocument/2006/customXml" ds:itemID="{BF3BA2C0-1BC0-4EE1-A0B3-3C1162A3C6D5}">
+  <ds:schemaRefs>
+    <ds:schemaRef ds:uri="http://schemas.microsoft.com/VisualStudio/2011/storyboarding/control"/>
+  </ds:schemaRefs>
+</ds:datastoreItem>
+</file>
+
+<file path=customXml/itemProps69.xml><?xml version="1.0" encoding="utf-8"?>
+<ds:datastoreItem xmlns:ds="http://schemas.openxmlformats.org/officeDocument/2006/customXml" ds:itemID="{CBD75DB4-3633-4E3E-B326-F275DFDB66AF}">
+  <ds:schemaRefs>
+    <ds:schemaRef ds:uri="http://schemas.microsoft.com/VisualStudio/2011/storyboarding/control"/>
+  </ds:schemaRefs>
+</ds:datastoreItem>
+</file>
+
+<file path=customXml/itemProps7.xml><?xml version="1.0" encoding="utf-8"?>
+<ds:datastoreItem xmlns:ds="http://schemas.openxmlformats.org/officeDocument/2006/customXml" ds:itemID="{6F15D997-6428-479A-B003-F79781CF55F4}">
+  <ds:schemaRefs>
+    <ds:schemaRef ds:uri="http://schemas.microsoft.com/VisualStudio/2011/storyboarding/control"/>
+  </ds:schemaRefs>
+</ds:datastoreItem>
+</file>
+
+<file path=customXml/itemProps70.xml><?xml version="1.0" encoding="utf-8"?>
+<ds:datastoreItem xmlns:ds="http://schemas.openxmlformats.org/officeDocument/2006/customXml" ds:itemID="{0BC17F50-72BC-41F4-9023-1D6212A18398}">
+  <ds:schemaRefs>
+    <ds:schemaRef ds:uri="http://schemas.microsoft.com/VisualStudio/2011/storyboarding/control"/>
+  </ds:schemaRefs>
+</ds:datastoreItem>
+</file>
+
+<file path=customXml/itemProps71.xml><?xml version="1.0" encoding="utf-8"?>
+<ds:datastoreItem xmlns:ds="http://schemas.openxmlformats.org/officeDocument/2006/customXml" ds:itemID="{B15524AA-E671-4093-91E6-11A39F89BE8A}">
+  <ds:schemaRefs>
+    <ds:schemaRef ds:uri="http://schemas.microsoft.com/VisualStudio/2011/storyboarding/control"/>
+  </ds:schemaRefs>
+</ds:datastoreItem>
+</file>
+
+<file path=customXml/itemProps72.xml><?xml version="1.0" encoding="utf-8"?>
+<ds:datastoreItem xmlns:ds="http://schemas.openxmlformats.org/officeDocument/2006/customXml" ds:itemID="{02F00EB1-4575-4249-800D-2D14D24AEC5B}">
+  <ds:schemaRefs>
+    <ds:schemaRef ds:uri="http://schemas.microsoft.com/VisualStudio/2011/storyboarding/control"/>
+  </ds:schemaRefs>
+</ds:datastoreItem>
+</file>
+
+<file path=customXml/itemProps73.xml><?xml version="1.0" encoding="utf-8"?>
+<ds:datastoreItem xmlns:ds="http://schemas.openxmlformats.org/officeDocument/2006/customXml" ds:itemID="{BB853E70-C52C-4C96-B715-5B968D2A994D}">
+  <ds:schemaRefs>
+    <ds:schemaRef ds:uri="http://schemas.microsoft.com/VisualStudio/2011/storyboarding/control"/>
+  </ds:schemaRefs>
+</ds:datastoreItem>
+</file>
+
+<file path=customXml/itemProps74.xml><?xml version="1.0" encoding="utf-8"?>
+<ds:datastoreItem xmlns:ds="http://schemas.openxmlformats.org/officeDocument/2006/customXml" ds:itemID="{5A54DE4D-E8D6-437C-BFA0-88D994E5BBDE}">
+  <ds:schemaRefs>
+    <ds:schemaRef ds:uri="http://schemas.microsoft.com/VisualStudio/2011/storyboarding/control"/>
+  </ds:schemaRefs>
+</ds:datastoreItem>
+</file>
+
+<file path=customXml/itemProps75.xml><?xml version="1.0" encoding="utf-8"?>
+<ds:datastoreItem xmlns:ds="http://schemas.openxmlformats.org/officeDocument/2006/customXml" ds:itemID="{B480FC82-3169-4C85-9FC9-6C3520CF1ADC}">
+  <ds:schemaRefs>
+    <ds:schemaRef ds:uri="http://schemas.microsoft.com/VisualStudio/2011/storyboarding/control"/>
+  </ds:schemaRefs>
+</ds:datastoreItem>
+</file>
+
+<file path=customXml/itemProps76.xml><?xml version="1.0" encoding="utf-8"?>
+<ds:datastoreItem xmlns:ds="http://schemas.openxmlformats.org/officeDocument/2006/customXml" ds:itemID="{214A0574-B4FE-4ED0-8624-A8CD52601755}">
+  <ds:schemaRefs>
+    <ds:schemaRef ds:uri="http://schemas.microsoft.com/VisualStudio/2011/storyboarding/control"/>
+  </ds:schemaRefs>
+</ds:datastoreItem>
+</file>
+
+<file path=customXml/itemProps77.xml><?xml version="1.0" encoding="utf-8"?>
+<ds:datastoreItem xmlns:ds="http://schemas.openxmlformats.org/officeDocument/2006/customXml" ds:itemID="{7436C3C2-62DC-431D-8B09-2D994F837C18}">
+  <ds:schemaRefs>
+    <ds:schemaRef ds:uri="http://schemas.microsoft.com/VisualStudio/2011/storyboarding/control"/>
+  </ds:schemaRefs>
+</ds:datastoreItem>
+</file>
+
+<file path=customXml/itemProps78.xml><?xml version="1.0" encoding="utf-8"?>
+<ds:datastoreItem xmlns:ds="http://schemas.openxmlformats.org/officeDocument/2006/customXml" ds:itemID="{F250E77D-4307-4DF6-B5B0-A84E72ED7F70}">
+  <ds:schemaRefs>
+    <ds:schemaRef ds:uri="http://schemas.microsoft.com/VisualStudio/2011/storyboarding/control"/>
+  </ds:schemaRefs>
+</ds:datastoreItem>
+</file>
+
+<file path=customXml/itemProps79.xml><?xml version="1.0" encoding="utf-8"?>
+<ds:datastoreItem xmlns:ds="http://schemas.openxmlformats.org/officeDocument/2006/customXml" ds:itemID="{58531759-097F-466E-9EAE-BE5F2D403745}">
+  <ds:schemaRefs>
+    <ds:schemaRef ds:uri="http://schemas.microsoft.com/VisualStudio/2011/storyboarding/control"/>
+  </ds:schemaRefs>
+</ds:datastoreItem>
+</file>
+
+<file path=customXml/itemProps8.xml><?xml version="1.0" encoding="utf-8"?>
+<ds:datastoreItem xmlns:ds="http://schemas.openxmlformats.org/officeDocument/2006/customXml" ds:itemID="{B06BA414-8851-4C1D-86A5-61BD61A5ABF5}">
+  <ds:schemaRefs>
+    <ds:schemaRef ds:uri="http://schemas.microsoft.com/VisualStudio/2011/storyboarding/control"/>
+  </ds:schemaRefs>
+</ds:datastoreItem>
+</file>
+
+<file path=customXml/itemProps80.xml><?xml version="1.0" encoding="utf-8"?>
 <ds:datastoreItem xmlns:ds="http://schemas.openxmlformats.org/officeDocument/2006/customXml" ds:itemID="{993CB5E4-ADDE-47D6-9231-FAC0EDC10899}">
   <ds:schemaRefs>
     <ds:schemaRef ds:uri="http://schemas.microsoft.com/VisualStudio/2011/storyboarding/control"/>
@@ -18107,15 +18896,55 @@
 </ds:datastoreItem>
 </file>
 
-<file path=customXml/itemProps100.xml><?xml version="1.0" encoding="utf-8"?>
-<ds:datastoreItem xmlns:ds="http://schemas.openxmlformats.org/officeDocument/2006/customXml" ds:itemID="{2487B05E-F758-49B5-914B-37AD8930ED02}">
+<file path=customXml/itemProps81.xml><?xml version="1.0" encoding="utf-8"?>
+<ds:datastoreItem xmlns:ds="http://schemas.openxmlformats.org/officeDocument/2006/customXml" ds:itemID="{4C52FBD4-EF61-4C3F-833A-627EDCD6163F}">
   <ds:schemaRefs>
     <ds:schemaRef ds:uri="http://schemas.microsoft.com/VisualStudio/2011/storyboarding/control"/>
   </ds:schemaRefs>
 </ds:datastoreItem>
 </file>
 
-<file path=customXml/itemProps101.xml><?xml version="1.0" encoding="utf-8"?>
+<file path=customXml/itemProps82.xml><?xml version="1.0" encoding="utf-8"?>
+<ds:datastoreItem xmlns:ds="http://schemas.openxmlformats.org/officeDocument/2006/customXml" ds:itemID="{F232015F-DAF1-45FF-BD7C-647A088BFD71}">
+  <ds:schemaRefs>
+    <ds:schemaRef ds:uri="http://schemas.microsoft.com/VisualStudio/2011/storyboarding/control"/>
+  </ds:schemaRefs>
+</ds:datastoreItem>
+</file>
+
+<file path=customXml/itemProps83.xml><?xml version="1.0" encoding="utf-8"?>
+<ds:datastoreItem xmlns:ds="http://schemas.openxmlformats.org/officeDocument/2006/customXml" ds:itemID="{1ACBFFF3-A1FA-4A8A-A886-2045487CFD4F}">
+  <ds:schemaRefs>
+    <ds:schemaRef ds:uri="http://schemas.microsoft.com/VisualStudio/2011/storyboarding/control"/>
+  </ds:schemaRefs>
+</ds:datastoreItem>
+</file>
+
+<file path=customXml/itemProps84.xml><?xml version="1.0" encoding="utf-8"?>
+<ds:datastoreItem xmlns:ds="http://schemas.openxmlformats.org/officeDocument/2006/customXml" ds:itemID="{0ABEA74B-FF86-455C-8A72-E51D65593505}">
+  <ds:schemaRefs>
+    <ds:schemaRef ds:uri="http://schemas.microsoft.com/VisualStudio/2011/storyboarding/control"/>
+  </ds:schemaRefs>
+</ds:datastoreItem>
+</file>
+
+<file path=customXml/itemProps85.xml><?xml version="1.0" encoding="utf-8"?>
+<ds:datastoreItem xmlns:ds="http://schemas.openxmlformats.org/officeDocument/2006/customXml" ds:itemID="{D5D1CCD8-856F-4AAF-AB27-FCEEA51943BA}">
+  <ds:schemaRefs>
+    <ds:schemaRef ds:uri="http://schemas.microsoft.com/VisualStudio/2011/storyboarding/control"/>
+  </ds:schemaRefs>
+</ds:datastoreItem>
+</file>
+
+<file path=customXml/itemProps86.xml><?xml version="1.0" encoding="utf-8"?>
+<ds:datastoreItem xmlns:ds="http://schemas.openxmlformats.org/officeDocument/2006/customXml" ds:itemID="{54B2E962-2282-4EA5-98DB-CDA924B11B85}">
+  <ds:schemaRefs>
+    <ds:schemaRef ds:uri="http://schemas.microsoft.com/VisualStudio/2011/storyboarding/control"/>
+  </ds:schemaRefs>
+</ds:datastoreItem>
+</file>
+
+<file path=customXml/itemProps87.xml><?xml version="1.0" encoding="utf-8"?>
 <ds:datastoreItem xmlns:ds="http://schemas.openxmlformats.org/officeDocument/2006/customXml" ds:itemID="{EABA044C-F855-4F2D-8541-8B12F3450E94}">
   <ds:schemaRefs>
     <ds:schemaRef ds:uri="http://schemas.microsoft.com/VisualStudio/2011/storyboarding/control"/>
@@ -18123,63 +18952,63 @@
 </ds:datastoreItem>
 </file>
 
-<file path=customXml/itemProps102.xml><?xml version="1.0" encoding="utf-8"?>
-<ds:datastoreItem xmlns:ds="http://schemas.openxmlformats.org/officeDocument/2006/customXml" ds:itemID="{6260AC0F-4508-4430-BA12-847F69BCCF50}">
+<file path=customXml/itemProps88.xml><?xml version="1.0" encoding="utf-8"?>
+<ds:datastoreItem xmlns:ds="http://schemas.openxmlformats.org/officeDocument/2006/customXml" ds:itemID="{DDD56CC7-BD63-4B04-BE57-446217F91C9B}">
   <ds:schemaRefs>
     <ds:schemaRef ds:uri="http://schemas.microsoft.com/VisualStudio/2011/storyboarding/control"/>
   </ds:schemaRefs>
 </ds:datastoreItem>
 </file>
 
-<file path=customXml/itemProps103.xml><?xml version="1.0" encoding="utf-8"?>
-<ds:datastoreItem xmlns:ds="http://schemas.openxmlformats.org/officeDocument/2006/customXml" ds:itemID="{CA460F31-B773-4067-B036-332848DF28B9}">
+<file path=customXml/itemProps89.xml><?xml version="1.0" encoding="utf-8"?>
+<ds:datastoreItem xmlns:ds="http://schemas.openxmlformats.org/officeDocument/2006/customXml" ds:itemID="{9E886169-7898-408A-A588-DC201EC0A018}">
   <ds:schemaRefs>
     <ds:schemaRef ds:uri="http://schemas.microsoft.com/VisualStudio/2011/storyboarding/control"/>
   </ds:schemaRefs>
 </ds:datastoreItem>
 </file>
 
-<file path=customXml/itemProps104.xml><?xml version="1.0" encoding="utf-8"?>
-<ds:datastoreItem xmlns:ds="http://schemas.openxmlformats.org/officeDocument/2006/customXml" ds:itemID="{4D978272-033F-42C0-945F-26C45B05BB06}">
+<file path=customXml/itemProps9.xml><?xml version="1.0" encoding="utf-8"?>
+<ds:datastoreItem xmlns:ds="http://schemas.openxmlformats.org/officeDocument/2006/customXml" ds:itemID="{32ECFB9B-BC23-44D4-BB12-77EB94DEDC48}">
   <ds:schemaRefs>
     <ds:schemaRef ds:uri="http://schemas.microsoft.com/VisualStudio/2011/storyboarding/control"/>
   </ds:schemaRefs>
 </ds:datastoreItem>
 </file>
 
-<file path=customXml/itemProps105.xml><?xml version="1.0" encoding="utf-8"?>
-<ds:datastoreItem xmlns:ds="http://schemas.openxmlformats.org/officeDocument/2006/customXml" ds:itemID="{6C28E3CC-A396-469F-8032-53D7143813C3}">
+<file path=customXml/itemProps90.xml><?xml version="1.0" encoding="utf-8"?>
+<ds:datastoreItem xmlns:ds="http://schemas.openxmlformats.org/officeDocument/2006/customXml" ds:itemID="{7E04FC52-D4ED-44E8-B67A-EE8096314BAA}">
   <ds:schemaRefs>
     <ds:schemaRef ds:uri="http://schemas.microsoft.com/VisualStudio/2011/storyboarding/control"/>
   </ds:schemaRefs>
 </ds:datastoreItem>
 </file>
 
-<file path=customXml/itemProps106.xml><?xml version="1.0" encoding="utf-8"?>
-<ds:datastoreItem xmlns:ds="http://schemas.openxmlformats.org/officeDocument/2006/customXml" ds:itemID="{5A54DE4D-E8D6-437C-BFA0-88D994E5BBDE}">
+<file path=customXml/itemProps91.xml><?xml version="1.0" encoding="utf-8"?>
+<ds:datastoreItem xmlns:ds="http://schemas.openxmlformats.org/officeDocument/2006/customXml" ds:itemID="{D5C3212D-E796-40B4-9DF4-64C7020EEC39}">
   <ds:schemaRefs>
     <ds:schemaRef ds:uri="http://schemas.microsoft.com/VisualStudio/2011/storyboarding/control"/>
   </ds:schemaRefs>
 </ds:datastoreItem>
 </file>
 
-<file path=customXml/itemProps107.xml><?xml version="1.0" encoding="utf-8"?>
-<ds:datastoreItem xmlns:ds="http://schemas.openxmlformats.org/officeDocument/2006/customXml" ds:itemID="{5B12EFFA-8596-4679-8A5C-E1D50D2F072F}">
+<file path=customXml/itemProps92.xml><?xml version="1.0" encoding="utf-8"?>
+<ds:datastoreItem xmlns:ds="http://schemas.openxmlformats.org/officeDocument/2006/customXml" ds:itemID="{C25A3B5F-7FB7-4E8E-8C1B-FE0B9A3E8DB1}">
   <ds:schemaRefs>
     <ds:schemaRef ds:uri="http://schemas.microsoft.com/VisualStudio/2011/storyboarding/control"/>
   </ds:schemaRefs>
 </ds:datastoreItem>
 </file>
 
-<file path=customXml/itemProps108.xml><?xml version="1.0" encoding="utf-8"?>
-<ds:datastoreItem xmlns:ds="http://schemas.openxmlformats.org/officeDocument/2006/customXml" ds:itemID="{436FFD07-9F07-4E04-BCEA-334C1946BE04}">
+<file path=customXml/itemProps93.xml><?xml version="1.0" encoding="utf-8"?>
+<ds:datastoreItem xmlns:ds="http://schemas.openxmlformats.org/officeDocument/2006/customXml" ds:itemID="{237C6A13-5570-4035-A906-49AEDEF159FC}">
   <ds:schemaRefs>
     <ds:schemaRef ds:uri="http://schemas.microsoft.com/VisualStudio/2011/storyboarding/control"/>
   </ds:schemaRefs>
 </ds:datastoreItem>
 </file>
 
-<file path=customXml/itemProps109.xml><?xml version="1.0" encoding="utf-8"?>
+<file path=customXml/itemProps94.xml><?xml version="1.0" encoding="utf-8"?>
 <ds:datastoreItem xmlns:ds="http://schemas.openxmlformats.org/officeDocument/2006/customXml" ds:itemID="{96233AC8-4828-4C3E-8BAA-3E77009FB5EA}">
   <ds:schemaRefs>
     <ds:schemaRef ds:uri="http://schemas.microsoft.com/VisualStudio/2011/storyboarding/control"/>
@@ -18187,319 +19016,7 @@
 </ds:datastoreItem>
 </file>
 
-<file path=customXml/itemProps11.xml><?xml version="1.0" encoding="utf-8"?>
-<ds:datastoreItem xmlns:ds="http://schemas.openxmlformats.org/officeDocument/2006/customXml" ds:itemID="{B9EF3FF1-AB90-46CE-9292-50C2C5E9F7FC}">
-  <ds:schemaRefs>
-    <ds:schemaRef ds:uri="http://schemas.microsoft.com/VisualStudio/2011/storyboarding/control"/>
-  </ds:schemaRefs>
-</ds:datastoreItem>
-</file>
-
-<file path=customXml/itemProps110.xml><?xml version="1.0" encoding="utf-8"?>
-<ds:datastoreItem xmlns:ds="http://schemas.openxmlformats.org/officeDocument/2006/customXml" ds:itemID="{4B2B6207-F426-47B3-B4AC-6480BED58F4D}">
-  <ds:schemaRefs>
-    <ds:schemaRef ds:uri="http://schemas.microsoft.com/VisualStudio/2011/storyboarding/control"/>
-  </ds:schemaRefs>
-</ds:datastoreItem>
-</file>
-
-<file path=customXml/itemProps111.xml><?xml version="1.0" encoding="utf-8"?>
-<ds:datastoreItem xmlns:ds="http://schemas.openxmlformats.org/officeDocument/2006/customXml" ds:itemID="{11598C92-4116-4A08-8F58-D57ED2239CCE}">
-  <ds:schemaRefs>
-    <ds:schemaRef ds:uri="http://schemas.microsoft.com/VisualStudio/2011/storyboarding/control"/>
-  </ds:schemaRefs>
-</ds:datastoreItem>
-</file>
-
-<file path=customXml/itemProps112.xml><?xml version="1.0" encoding="utf-8"?>
-<ds:datastoreItem xmlns:ds="http://schemas.openxmlformats.org/officeDocument/2006/customXml" ds:itemID="{F6790068-EEA9-4B57-8D8F-B9B0BF431A70}">
-  <ds:schemaRefs>
-    <ds:schemaRef ds:uri="http://schemas.microsoft.com/VisualStudio/2011/storyboarding/control"/>
-  </ds:schemaRefs>
-</ds:datastoreItem>
-</file>
-
-<file path=customXml/itemProps113.xml><?xml version="1.0" encoding="utf-8"?>
-<ds:datastoreItem xmlns:ds="http://schemas.openxmlformats.org/officeDocument/2006/customXml" ds:itemID="{21402A0C-EF81-416F-B759-93323EDF6668}">
-  <ds:schemaRefs>
-    <ds:schemaRef ds:uri="http://schemas.microsoft.com/VisualStudio/2011/storyboarding/control"/>
-  </ds:schemaRefs>
-</ds:datastoreItem>
-</file>
-
-<file path=customXml/itemProps114.xml><?xml version="1.0" encoding="utf-8"?>
-<ds:datastoreItem xmlns:ds="http://schemas.openxmlformats.org/officeDocument/2006/customXml" ds:itemID="{CBD75DB4-3633-4E3E-B326-F275DFDB66AF}">
-  <ds:schemaRefs>
-    <ds:schemaRef ds:uri="http://schemas.microsoft.com/VisualStudio/2011/storyboarding/control"/>
-  </ds:schemaRefs>
-</ds:datastoreItem>
-</file>
-
-<file path=customXml/itemProps115.xml><?xml version="1.0" encoding="utf-8"?>
-<ds:datastoreItem xmlns:ds="http://schemas.openxmlformats.org/officeDocument/2006/customXml" ds:itemID="{FED77ACA-A391-4822-BEF5-924372A3425F}">
-  <ds:schemaRefs>
-    <ds:schemaRef ds:uri="http://schemas.microsoft.com/VisualStudio/2011/storyboarding/control"/>
-  </ds:schemaRefs>
-</ds:datastoreItem>
-</file>
-
-<file path=customXml/itemProps116.xml><?xml version="1.0" encoding="utf-8"?>
-<ds:datastoreItem xmlns:ds="http://schemas.openxmlformats.org/officeDocument/2006/customXml" ds:itemID="{90BA3DCC-9C0C-4501-B341-6205679FE91C}">
-  <ds:schemaRefs>
-    <ds:schemaRef ds:uri="http://schemas.microsoft.com/VisualStudio/2011/storyboarding/control"/>
-  </ds:schemaRefs>
-</ds:datastoreItem>
-</file>
-
-<file path=customXml/itemProps117.xml><?xml version="1.0" encoding="utf-8"?>
-<ds:datastoreItem xmlns:ds="http://schemas.openxmlformats.org/officeDocument/2006/customXml" ds:itemID="{8D444E0F-B298-4F85-80DB-4864BBDD630C}">
-  <ds:schemaRefs>
-    <ds:schemaRef ds:uri="http://schemas.microsoft.com/VisualStudio/2011/storyboarding/control"/>
-  </ds:schemaRefs>
-</ds:datastoreItem>
-</file>
-
-<file path=customXml/itemProps118.xml><?xml version="1.0" encoding="utf-8"?>
-<ds:datastoreItem xmlns:ds="http://schemas.openxmlformats.org/officeDocument/2006/customXml" ds:itemID="{A853F2C9-219C-40E7-A52F-F132C589E8C3}">
-  <ds:schemaRefs>
-    <ds:schemaRef ds:uri="http://schemas.microsoft.com/VisualStudio/2011/storyboarding/control"/>
-  </ds:schemaRefs>
-</ds:datastoreItem>
-</file>
-
-<file path=customXml/itemProps119.xml><?xml version="1.0" encoding="utf-8"?>
-<ds:datastoreItem xmlns:ds="http://schemas.openxmlformats.org/officeDocument/2006/customXml" ds:itemID="{0BC17F50-72BC-41F4-9023-1D6212A18398}">
-  <ds:schemaRefs>
-    <ds:schemaRef ds:uri="http://schemas.microsoft.com/VisualStudio/2011/storyboarding/control"/>
-  </ds:schemaRefs>
-</ds:datastoreItem>
-</file>
-
-<file path=customXml/itemProps12.xml><?xml version="1.0" encoding="utf-8"?>
-<ds:datastoreItem xmlns:ds="http://schemas.openxmlformats.org/officeDocument/2006/customXml" ds:itemID="{674F586C-3D4C-4BFE-B70F-20542F1925F6}">
-  <ds:schemaRefs>
-    <ds:schemaRef ds:uri="http://schemas.microsoft.com/VisualStudio/2011/storyboarding/control"/>
-  </ds:schemaRefs>
-</ds:datastoreItem>
-</file>
-
-<file path=customXml/itemProps120.xml><?xml version="1.0" encoding="utf-8"?>
-<ds:datastoreItem xmlns:ds="http://schemas.openxmlformats.org/officeDocument/2006/customXml" ds:itemID="{3636A990-E604-4985-A281-5007ABD2B44B}">
-  <ds:schemaRefs>
-    <ds:schemaRef ds:uri="http://schemas.microsoft.com/VisualStudio/2011/storyboarding/control"/>
-  </ds:schemaRefs>
-</ds:datastoreItem>
-</file>
-
-<file path=customXml/itemProps121.xml><?xml version="1.0" encoding="utf-8"?>
-<ds:datastoreItem xmlns:ds="http://schemas.openxmlformats.org/officeDocument/2006/customXml" ds:itemID="{47B9965D-7646-4408-84CB-825B5A8AF974}">
-  <ds:schemaRefs>
-    <ds:schemaRef ds:uri="http://schemas.microsoft.com/VisualStudio/2011/storyboarding/control"/>
-  </ds:schemaRefs>
-</ds:datastoreItem>
-</file>
-
-<file path=customXml/itemProps122.xml><?xml version="1.0" encoding="utf-8"?>
-<ds:datastoreItem xmlns:ds="http://schemas.openxmlformats.org/officeDocument/2006/customXml" ds:itemID="{DDD56CC7-BD63-4B04-BE57-446217F91C9B}">
-  <ds:schemaRefs>
-    <ds:schemaRef ds:uri="http://schemas.microsoft.com/VisualStudio/2011/storyboarding/control"/>
-  </ds:schemaRefs>
-</ds:datastoreItem>
-</file>
-
-<file path=customXml/itemProps123.xml><?xml version="1.0" encoding="utf-8"?>
-<ds:datastoreItem xmlns:ds="http://schemas.openxmlformats.org/officeDocument/2006/customXml" ds:itemID="{D0968328-8448-475B-B332-2B7AAF11C055}">
-  <ds:schemaRefs>
-    <ds:schemaRef ds:uri="http://schemas.microsoft.com/VisualStudio/2011/storyboarding/control"/>
-  </ds:schemaRefs>
-</ds:datastoreItem>
-</file>
-
-<file path=customXml/itemProps13.xml><?xml version="1.0" encoding="utf-8"?>
-<ds:datastoreItem xmlns:ds="http://schemas.openxmlformats.org/officeDocument/2006/customXml" ds:itemID="{D5C3212D-E796-40B4-9DF4-64C7020EEC39}">
-  <ds:schemaRefs>
-    <ds:schemaRef ds:uri="http://schemas.microsoft.com/VisualStudio/2011/storyboarding/control"/>
-  </ds:schemaRefs>
-</ds:datastoreItem>
-</file>
-
-<file path=customXml/itemProps14.xml><?xml version="1.0" encoding="utf-8"?>
-<ds:datastoreItem xmlns:ds="http://schemas.openxmlformats.org/officeDocument/2006/customXml" ds:itemID="{9A2A8AD0-14C2-4198-95FA-7CA78E84BB0E}">
-  <ds:schemaRefs>
-    <ds:schemaRef ds:uri="http://schemas.microsoft.com/VisualStudio/2011/storyboarding/control"/>
-  </ds:schemaRefs>
-</ds:datastoreItem>
-</file>
-
-<file path=customXml/itemProps15.xml><?xml version="1.0" encoding="utf-8"?>
-<ds:datastoreItem xmlns:ds="http://schemas.openxmlformats.org/officeDocument/2006/customXml" ds:itemID="{B15524AA-E671-4093-91E6-11A39F89BE8A}">
-  <ds:schemaRefs>
-    <ds:schemaRef ds:uri="http://schemas.microsoft.com/VisualStudio/2011/storyboarding/control"/>
-  </ds:schemaRefs>
-</ds:datastoreItem>
-</file>
-
-<file path=customXml/itemProps16.xml><?xml version="1.0" encoding="utf-8"?>
-<ds:datastoreItem xmlns:ds="http://schemas.openxmlformats.org/officeDocument/2006/customXml" ds:itemID="{98F2AC4D-1065-4E36-8E34-ADCADB80A35E}">
-  <ds:schemaRefs>
-    <ds:schemaRef ds:uri="http://schemas.microsoft.com/VisualStudio/2011/storyboarding/control"/>
-  </ds:schemaRefs>
-</ds:datastoreItem>
-</file>
-
-<file path=customXml/itemProps17.xml><?xml version="1.0" encoding="utf-8"?>
-<ds:datastoreItem xmlns:ds="http://schemas.openxmlformats.org/officeDocument/2006/customXml" ds:itemID="{A506862E-DD0E-4463-9537-58549E145A3C}">
-  <ds:schemaRefs>
-    <ds:schemaRef ds:uri="http://schemas.microsoft.com/VisualStudio/2011/storyboarding/control"/>
-  </ds:schemaRefs>
-</ds:datastoreItem>
-</file>
-
-<file path=customXml/itemProps18.xml><?xml version="1.0" encoding="utf-8"?>
-<ds:datastoreItem xmlns:ds="http://schemas.openxmlformats.org/officeDocument/2006/customXml" ds:itemID="{C25A3B5F-7FB7-4E8E-8C1B-FE0B9A3E8DB1}">
-  <ds:schemaRefs>
-    <ds:schemaRef ds:uri="http://schemas.microsoft.com/VisualStudio/2011/storyboarding/control"/>
-  </ds:schemaRefs>
-</ds:datastoreItem>
-</file>
-
-<file path=customXml/itemProps19.xml><?xml version="1.0" encoding="utf-8"?>
-<ds:datastoreItem xmlns:ds="http://schemas.openxmlformats.org/officeDocument/2006/customXml" ds:itemID="{FC3C3428-BA7F-4803-BE5A-3645D87A3A6C}">
-  <ds:schemaRefs>
-    <ds:schemaRef ds:uri="http://schemas.microsoft.com/VisualStudio/2011/storyboarding/control"/>
-  </ds:schemaRefs>
-</ds:datastoreItem>
-</file>
-
-<file path=customXml/itemProps2.xml><?xml version="1.0" encoding="utf-8"?>
-<ds:datastoreItem xmlns:ds="http://schemas.openxmlformats.org/officeDocument/2006/customXml" ds:itemID="{6ED08AE2-393B-4601-A237-BFEBEB86ED97}">
-  <ds:schemaRefs>
-    <ds:schemaRef ds:uri="http://schemas.microsoft.com/VisualStudio/2011/storyboarding/control"/>
-  </ds:schemaRefs>
-</ds:datastoreItem>
-</file>
-
-<file path=customXml/itemProps20.xml><?xml version="1.0" encoding="utf-8"?>
-<ds:datastoreItem xmlns:ds="http://schemas.openxmlformats.org/officeDocument/2006/customXml" ds:itemID="{AE950B5B-F665-44E1-BC8D-E1ED5D08048D}">
-  <ds:schemaRefs>
-    <ds:schemaRef ds:uri="http://schemas.microsoft.com/VisualStudio/2011/storyboarding/control"/>
-  </ds:schemaRefs>
-</ds:datastoreItem>
-</file>
-
-<file path=customXml/itemProps21.xml><?xml version="1.0" encoding="utf-8"?>
-<ds:datastoreItem xmlns:ds="http://schemas.openxmlformats.org/officeDocument/2006/customXml" ds:itemID="{1486B02C-8CA8-4F9A-B4EB-C902A5F59C7B}">
-  <ds:schemaRefs>
-    <ds:schemaRef ds:uri="http://schemas.microsoft.com/VisualStudio/2011/storyboarding/control"/>
-  </ds:schemaRefs>
-</ds:datastoreItem>
-</file>
-
-<file path=customXml/itemProps22.xml><?xml version="1.0" encoding="utf-8"?>
-<ds:datastoreItem xmlns:ds="http://schemas.openxmlformats.org/officeDocument/2006/customXml" ds:itemID="{FAB399A9-BA87-438F-8948-9666816087A6}">
-  <ds:schemaRefs>
-    <ds:schemaRef ds:uri="http://schemas.microsoft.com/VisualStudio/2011/storyboarding/control"/>
-  </ds:schemaRefs>
-</ds:datastoreItem>
-</file>
-
-<file path=customXml/itemProps23.xml><?xml version="1.0" encoding="utf-8"?>
-<ds:datastoreItem xmlns:ds="http://schemas.openxmlformats.org/officeDocument/2006/customXml" ds:itemID="{F0405DDA-F797-490F-9D04-6B64C56B9E95}">
-  <ds:schemaRefs>
-    <ds:schemaRef ds:uri="http://schemas.microsoft.com/VisualStudio/2011/storyboarding/control"/>
-  </ds:schemaRefs>
-</ds:datastoreItem>
-</file>
-
-<file path=customXml/itemProps24.xml><?xml version="1.0" encoding="utf-8"?>
-<ds:datastoreItem xmlns:ds="http://schemas.openxmlformats.org/officeDocument/2006/customXml" ds:itemID="{FF693739-48CE-428A-A9E2-6DC984D9B3FA}">
-  <ds:schemaRefs>
-    <ds:schemaRef ds:uri="http://schemas.microsoft.com/VisualStudio/2011/storyboarding/control"/>
-  </ds:schemaRefs>
-</ds:datastoreItem>
-</file>
-
-<file path=customXml/itemProps25.xml><?xml version="1.0" encoding="utf-8"?>
-<ds:datastoreItem xmlns:ds="http://schemas.openxmlformats.org/officeDocument/2006/customXml" ds:itemID="{6C369A29-791E-40A4-B896-725D656F6219}">
-  <ds:schemaRefs>
-    <ds:schemaRef ds:uri="http://schemas.microsoft.com/VisualStudio/2011/storyboarding/control"/>
-  </ds:schemaRefs>
-</ds:datastoreItem>
-</file>
-
-<file path=customXml/itemProps26.xml><?xml version="1.0" encoding="utf-8"?>
-<ds:datastoreItem xmlns:ds="http://schemas.openxmlformats.org/officeDocument/2006/customXml" ds:itemID="{4C110DA4-838D-485D-9522-3AE017EA91BB}">
-  <ds:schemaRefs>
-    <ds:schemaRef ds:uri="http://schemas.microsoft.com/VisualStudio/2011/storyboarding/control"/>
-  </ds:schemaRefs>
-</ds:datastoreItem>
-</file>
-
-<file path=customXml/itemProps27.xml><?xml version="1.0" encoding="utf-8"?>
-<ds:datastoreItem xmlns:ds="http://schemas.openxmlformats.org/officeDocument/2006/customXml" ds:itemID="{F0CBAB2F-75D2-4967-A27F-6965E3ED1778}">
-  <ds:schemaRefs>
-    <ds:schemaRef ds:uri="http://schemas.microsoft.com/VisualStudio/2011/storyboarding/control"/>
-  </ds:schemaRefs>
-</ds:datastoreItem>
-</file>
-
-<file path=customXml/itemProps28.xml><?xml version="1.0" encoding="utf-8"?>
-<ds:datastoreItem xmlns:ds="http://schemas.openxmlformats.org/officeDocument/2006/customXml" ds:itemID="{C64F239C-3EF9-4D6D-A2BC-C935A2E33DF3}">
-  <ds:schemaRefs>
-    <ds:schemaRef ds:uri="http://schemas.microsoft.com/VisualStudio/2011/storyboarding/control"/>
-  </ds:schemaRefs>
-</ds:datastoreItem>
-</file>
-
-<file path=customXml/itemProps29.xml><?xml version="1.0" encoding="utf-8"?>
-<ds:datastoreItem xmlns:ds="http://schemas.openxmlformats.org/officeDocument/2006/customXml" ds:itemID="{D093DAC0-100F-4B88-AD30-6096F80046F1}">
-  <ds:schemaRefs>
-    <ds:schemaRef ds:uri="http://schemas.microsoft.com/VisualStudio/2011/storyboarding/control"/>
-  </ds:schemaRefs>
-</ds:datastoreItem>
-</file>
-
-<file path=customXml/itemProps3.xml><?xml version="1.0" encoding="utf-8"?>
-<ds:datastoreItem xmlns:ds="http://schemas.openxmlformats.org/officeDocument/2006/customXml" ds:itemID="{3BEE128F-DCA4-40C0-8AB8-CBBC4CBDEC86}">
-  <ds:schemaRefs>
-    <ds:schemaRef ds:uri="http://schemas.microsoft.com/VisualStudio/2011/storyboarding/control"/>
-  </ds:schemaRefs>
-</ds:datastoreItem>
-</file>
-
-<file path=customXml/itemProps30.xml><?xml version="1.0" encoding="utf-8"?>
-<ds:datastoreItem xmlns:ds="http://schemas.openxmlformats.org/officeDocument/2006/customXml" ds:itemID="{2E449097-FA9E-4910-B718-70633402799D}">
-  <ds:schemaRefs>
-    <ds:schemaRef ds:uri="http://schemas.microsoft.com/VisualStudio/2011/storyboarding/control"/>
-  </ds:schemaRefs>
-</ds:datastoreItem>
-</file>
-
-<file path=customXml/itemProps31.xml><?xml version="1.0" encoding="utf-8"?>
-<ds:datastoreItem xmlns:ds="http://schemas.openxmlformats.org/officeDocument/2006/customXml" ds:itemID="{4C52FBD4-EF61-4C3F-833A-627EDCD6163F}">
-  <ds:schemaRefs>
-    <ds:schemaRef ds:uri="http://schemas.microsoft.com/VisualStudio/2011/storyboarding/control"/>
-  </ds:schemaRefs>
-</ds:datastoreItem>
-</file>
-
-<file path=customXml/itemProps32.xml><?xml version="1.0" encoding="utf-8"?>
-<ds:datastoreItem xmlns:ds="http://schemas.openxmlformats.org/officeDocument/2006/customXml" ds:itemID="{4E2C718C-25E1-456F-90E3-4B831D06B6F8}">
-  <ds:schemaRefs>
-    <ds:schemaRef ds:uri="http://schemas.microsoft.com/VisualStudio/2011/storyboarding/control"/>
-  </ds:schemaRefs>
-</ds:datastoreItem>
-</file>
-
-<file path=customXml/itemProps33.xml><?xml version="1.0" encoding="utf-8"?>
-<ds:datastoreItem xmlns:ds="http://schemas.openxmlformats.org/officeDocument/2006/customXml" ds:itemID="{DBFC18C8-41F2-4B67-ACD8-B4F649599337}">
-  <ds:schemaRefs>
-    <ds:schemaRef ds:uri="http://schemas.microsoft.com/VisualStudio/2011/storyboarding/control"/>
-  </ds:schemaRefs>
-</ds:datastoreItem>
-</file>
-
-<file path=customXml/itemProps34.xml><?xml version="1.0" encoding="utf-8"?>
+<file path=customXml/itemProps95.xml><?xml version="1.0" encoding="utf-8"?>
 <ds:datastoreItem xmlns:ds="http://schemas.openxmlformats.org/officeDocument/2006/customXml" ds:itemID="{DB567D2A-71FA-480A-800B-2D3CC4803E30}">
   <ds:schemaRefs>
     <ds:schemaRef ds:uri="http://schemas.microsoft.com/VisualStudio/2011/storyboarding/control"/>
@@ -18507,143 +19024,7 @@
 </ds:datastoreItem>
 </file>
 
-<file path=customXml/itemProps35.xml><?xml version="1.0" encoding="utf-8"?>
-<ds:datastoreItem xmlns:ds="http://schemas.openxmlformats.org/officeDocument/2006/customXml" ds:itemID="{9B569E01-A437-4345-B3AE-325E5C4684C7}">
-  <ds:schemaRefs>
-    <ds:schemaRef ds:uri="http://schemas.microsoft.com/VisualStudio/2011/storyboarding/control"/>
-  </ds:schemaRefs>
-</ds:datastoreItem>
-</file>
-
-<file path=customXml/itemProps36.xml><?xml version="1.0" encoding="utf-8"?>
-<ds:datastoreItem xmlns:ds="http://schemas.openxmlformats.org/officeDocument/2006/customXml" ds:itemID="{02F00EB1-4575-4249-800D-2D14D24AEC5B}">
-  <ds:schemaRefs>
-    <ds:schemaRef ds:uri="http://schemas.microsoft.com/VisualStudio/2011/storyboarding/control"/>
-  </ds:schemaRefs>
-</ds:datastoreItem>
-</file>
-
-<file path=customXml/itemProps37.xml><?xml version="1.0" encoding="utf-8"?>
-<ds:datastoreItem xmlns:ds="http://schemas.openxmlformats.org/officeDocument/2006/customXml" ds:itemID="{665E4BBE-7760-4142-A7BE-17AB5980C22C}">
-  <ds:schemaRefs>
-    <ds:schemaRef ds:uri="http://schemas.microsoft.com/VisualStudio/2011/storyboarding/control"/>
-  </ds:schemaRefs>
-</ds:datastoreItem>
-</file>
-
-<file path=customXml/itemProps38.xml><?xml version="1.0" encoding="utf-8"?>
-<ds:datastoreItem xmlns:ds="http://schemas.openxmlformats.org/officeDocument/2006/customXml" ds:itemID="{0EDAB4CF-04B1-453E-BF4F-263E04F8688F}">
-  <ds:schemaRefs>
-    <ds:schemaRef ds:uri="http://schemas.microsoft.com/VisualStudio/2011/storyboarding/control"/>
-  </ds:schemaRefs>
-</ds:datastoreItem>
-</file>
-
-<file path=customXml/itemProps39.xml><?xml version="1.0" encoding="utf-8"?>
-<ds:datastoreItem xmlns:ds="http://schemas.openxmlformats.org/officeDocument/2006/customXml" ds:itemID="{237C6A13-5570-4035-A906-49AEDEF159FC}">
-  <ds:schemaRefs>
-    <ds:schemaRef ds:uri="http://schemas.microsoft.com/VisualStudio/2011/storyboarding/control"/>
-  </ds:schemaRefs>
-</ds:datastoreItem>
-</file>
-
-<file path=customXml/itemProps4.xml><?xml version="1.0" encoding="utf-8"?>
-<ds:datastoreItem xmlns:ds="http://schemas.openxmlformats.org/officeDocument/2006/customXml" ds:itemID="{9E886169-7898-408A-A588-DC201EC0A018}">
-  <ds:schemaRefs>
-    <ds:schemaRef ds:uri="http://schemas.microsoft.com/VisualStudio/2011/storyboarding/control"/>
-  </ds:schemaRefs>
-</ds:datastoreItem>
-</file>
-
-<file path=customXml/itemProps40.xml><?xml version="1.0" encoding="utf-8"?>
-<ds:datastoreItem xmlns:ds="http://schemas.openxmlformats.org/officeDocument/2006/customXml" ds:itemID="{D76D1104-82AB-4388-82F3-A2CDEB01CFFA}">
-  <ds:schemaRefs>
-    <ds:schemaRef ds:uri="http://schemas.microsoft.com/VisualStudio/2011/storyboarding/control"/>
-  </ds:schemaRefs>
-</ds:datastoreItem>
-</file>
-
-<file path=customXml/itemProps41.xml><?xml version="1.0" encoding="utf-8"?>
-<ds:datastoreItem xmlns:ds="http://schemas.openxmlformats.org/officeDocument/2006/customXml" ds:itemID="{99D7A4E8-9013-43F4-9025-79641E2FD4AD}">
-  <ds:schemaRefs>
-    <ds:schemaRef ds:uri="http://schemas.microsoft.com/VisualStudio/2011/storyboarding/control"/>
-  </ds:schemaRefs>
-</ds:datastoreItem>
-</file>
-
-<file path=customXml/itemProps42.xml><?xml version="1.0" encoding="utf-8"?>
-<ds:datastoreItem xmlns:ds="http://schemas.openxmlformats.org/officeDocument/2006/customXml" ds:itemID="{24CC90C9-DCFC-4768-840C-0D3A65CEFB1A}">
-  <ds:schemaRefs>
-    <ds:schemaRef ds:uri="http://schemas.microsoft.com/VisualStudio/2011/storyboarding/control"/>
-  </ds:schemaRefs>
-</ds:datastoreItem>
-</file>
-
-<file path=customXml/itemProps43.xml><?xml version="1.0" encoding="utf-8"?>
-<ds:datastoreItem xmlns:ds="http://schemas.openxmlformats.org/officeDocument/2006/customXml" ds:itemID="{065B6D8A-DC5B-4E01-B4D6-F91111928221}">
-  <ds:schemaRefs>
-    <ds:schemaRef ds:uri="http://schemas.microsoft.com/VisualStudio/2011/storyboarding/control"/>
-  </ds:schemaRefs>
-</ds:datastoreItem>
-</file>
-
-<file path=customXml/itemProps44.xml><?xml version="1.0" encoding="utf-8"?>
-<ds:datastoreItem xmlns:ds="http://schemas.openxmlformats.org/officeDocument/2006/customXml" ds:itemID="{B480FC82-3169-4C85-9FC9-6C3520CF1ADC}">
-  <ds:schemaRefs>
-    <ds:schemaRef ds:uri="http://schemas.microsoft.com/VisualStudio/2011/storyboarding/control"/>
-  </ds:schemaRefs>
-</ds:datastoreItem>
-</file>
-
-<file path=customXml/itemProps45.xml><?xml version="1.0" encoding="utf-8"?>
-<ds:datastoreItem xmlns:ds="http://schemas.openxmlformats.org/officeDocument/2006/customXml" ds:itemID="{735154BF-5FB2-4A42-9F50-5688C44EA915}">
-  <ds:schemaRefs>
-    <ds:schemaRef ds:uri="http://schemas.microsoft.com/VisualStudio/2011/storyboarding/control"/>
-  </ds:schemaRefs>
-</ds:datastoreItem>
-</file>
-
-<file path=customXml/itemProps46.xml><?xml version="1.0" encoding="utf-8"?>
-<ds:datastoreItem xmlns:ds="http://schemas.openxmlformats.org/officeDocument/2006/customXml" ds:itemID="{57009A2F-813A-4612-AA9D-4FFAC39B82A8}">
-  <ds:schemaRefs>
-    <ds:schemaRef ds:uri="http://schemas.microsoft.com/VisualStudio/2011/storyboarding/control"/>
-  </ds:schemaRefs>
-</ds:datastoreItem>
-</file>
-
-<file path=customXml/itemProps47.xml><?xml version="1.0" encoding="utf-8"?>
-<ds:datastoreItem xmlns:ds="http://schemas.openxmlformats.org/officeDocument/2006/customXml" ds:itemID="{6F15D997-6428-479A-B003-F79781CF55F4}">
-  <ds:schemaRefs>
-    <ds:schemaRef ds:uri="http://schemas.microsoft.com/VisualStudio/2011/storyboarding/control"/>
-  </ds:schemaRefs>
-</ds:datastoreItem>
-</file>
-
-<file path=customXml/itemProps48.xml><?xml version="1.0" encoding="utf-8"?>
-<ds:datastoreItem xmlns:ds="http://schemas.openxmlformats.org/officeDocument/2006/customXml" ds:itemID="{8A29F272-F02E-43A1-8757-98E7B6E22759}">
-  <ds:schemaRefs>
-    <ds:schemaRef ds:uri="http://schemas.microsoft.com/VisualStudio/2011/storyboarding/control"/>
-  </ds:schemaRefs>
-</ds:datastoreItem>
-</file>
-
-<file path=customXml/itemProps49.xml><?xml version="1.0" encoding="utf-8"?>
-<ds:datastoreItem xmlns:ds="http://schemas.openxmlformats.org/officeDocument/2006/customXml" ds:itemID="{BF3BA2C0-1BC0-4EE1-A0B3-3C1162A3C6D5}">
-  <ds:schemaRefs>
-    <ds:schemaRef ds:uri="http://schemas.microsoft.com/VisualStudio/2011/storyboarding/control"/>
-  </ds:schemaRefs>
-</ds:datastoreItem>
-</file>
-
-<file path=customXml/itemProps5.xml><?xml version="1.0" encoding="utf-8"?>
-<ds:datastoreItem xmlns:ds="http://schemas.openxmlformats.org/officeDocument/2006/customXml" ds:itemID="{1687C12C-A316-4385-BDC5-EC5A54A01DFA}">
-  <ds:schemaRefs>
-    <ds:schemaRef ds:uri="http://schemas.microsoft.com/VisualStudio/2011/storyboarding/control"/>
-  </ds:schemaRefs>
-</ds:datastoreItem>
-</file>
-
-<file path=customXml/itemProps50.xml><?xml version="1.0" encoding="utf-8"?>
+<file path=customXml/itemProps96.xml><?xml version="1.0" encoding="utf-8"?>
 <ds:datastoreItem xmlns:ds="http://schemas.openxmlformats.org/officeDocument/2006/customXml" ds:itemID="{E3F9A2DC-3D79-46E6-A128-95D153FF0A57}">
   <ds:schemaRefs>
     <ds:schemaRef ds:uri="http://schemas.microsoft.com/VisualStudio/2011/storyboarding/control"/>
@@ -18651,39 +19032,7 @@
 </ds:datastoreItem>
 </file>
 
-<file path=customXml/itemProps51.xml><?xml version="1.0" encoding="utf-8"?>
-<ds:datastoreItem xmlns:ds="http://schemas.openxmlformats.org/officeDocument/2006/customXml" ds:itemID="{45E97D65-6343-4570-8097-EA7E7BF9672F}">
-  <ds:schemaRefs>
-    <ds:schemaRef ds:uri="http://schemas.microsoft.com/VisualStudio/2011/storyboarding/control"/>
-  </ds:schemaRefs>
-</ds:datastoreItem>
-</file>
-
-<file path=customXml/itemProps52.xml><?xml version="1.0" encoding="utf-8"?>
-<ds:datastoreItem xmlns:ds="http://schemas.openxmlformats.org/officeDocument/2006/customXml" ds:itemID="{F232015F-DAF1-45FF-BD7C-647A088BFD71}">
-  <ds:schemaRefs>
-    <ds:schemaRef ds:uri="http://schemas.microsoft.com/VisualStudio/2011/storyboarding/control"/>
-  </ds:schemaRefs>
-</ds:datastoreItem>
-</file>
-
-<file path=customXml/itemProps53.xml><?xml version="1.0" encoding="utf-8"?>
-<ds:datastoreItem xmlns:ds="http://schemas.openxmlformats.org/officeDocument/2006/customXml" ds:itemID="{00284BA1-76DC-4304-8924-639E629F92EA}">
-  <ds:schemaRefs>
-    <ds:schemaRef ds:uri="http://schemas.microsoft.com/VisualStudio/2011/storyboarding/control"/>
-  </ds:schemaRefs>
-</ds:datastoreItem>
-</file>
-
-<file path=customXml/itemProps54.xml><?xml version="1.0" encoding="utf-8"?>
-<ds:datastoreItem xmlns:ds="http://schemas.openxmlformats.org/officeDocument/2006/customXml" ds:itemID="{061016BA-8104-4015-8EC7-33408200BF3F}">
-  <ds:schemaRefs>
-    <ds:schemaRef ds:uri="http://schemas.microsoft.com/VisualStudio/2011/storyboarding/control"/>
-  </ds:schemaRefs>
-</ds:datastoreItem>
-</file>
-
-<file path=customXml/itemProps55.xml><?xml version="1.0" encoding="utf-8"?>
+<file path=customXml/itemProps97.xml><?xml version="1.0" encoding="utf-8"?>
 <ds:datastoreItem xmlns:ds="http://schemas.openxmlformats.org/officeDocument/2006/customXml" ds:itemID="{E6534C85-3FCF-4A96-A817-5FAEA8C983EC}">
   <ds:schemaRefs>
     <ds:schemaRef ds:uri="http://schemas.microsoft.com/VisualStudio/2011/storyboarding/control"/>
@@ -18691,183 +19040,7 @@
 </ds:datastoreItem>
 </file>
 
-<file path=customXml/itemProps56.xml><?xml version="1.0" encoding="utf-8"?>
-<ds:datastoreItem xmlns:ds="http://schemas.openxmlformats.org/officeDocument/2006/customXml" ds:itemID="{9A549DBF-0857-4182-A576-C9C6519C6A3E}">
-  <ds:schemaRefs>
-    <ds:schemaRef ds:uri="http://schemas.microsoft.com/VisualStudio/2011/storyboarding/control"/>
-  </ds:schemaRefs>
-</ds:datastoreItem>
-</file>
-
-<file path=customXml/itemProps57.xml><?xml version="1.0" encoding="utf-8"?>
-<ds:datastoreItem xmlns:ds="http://schemas.openxmlformats.org/officeDocument/2006/customXml" ds:itemID="{BB853E70-C52C-4C96-B715-5B968D2A994D}">
-  <ds:schemaRefs>
-    <ds:schemaRef ds:uri="http://schemas.microsoft.com/VisualStudio/2011/storyboarding/control"/>
-  </ds:schemaRefs>
-</ds:datastoreItem>
-</file>
-
-<file path=customXml/itemProps58.xml><?xml version="1.0" encoding="utf-8"?>
-<ds:datastoreItem xmlns:ds="http://schemas.openxmlformats.org/officeDocument/2006/customXml" ds:itemID="{58E85928-2B8F-490C-9347-5C47C3112D67}">
-  <ds:schemaRefs>
-    <ds:schemaRef ds:uri="http://schemas.microsoft.com/VisualStudio/2011/storyboarding/control"/>
-  </ds:schemaRefs>
-</ds:datastoreItem>
-</file>
-
-<file path=customXml/itemProps59.xml><?xml version="1.0" encoding="utf-8"?>
-<ds:datastoreItem xmlns:ds="http://schemas.openxmlformats.org/officeDocument/2006/customXml" ds:itemID="{0F220257-F99E-4E47-AD44-65D24C457664}">
-  <ds:schemaRefs>
-    <ds:schemaRef ds:uri="http://schemas.microsoft.com/VisualStudio/2011/storyboarding/control"/>
-  </ds:schemaRefs>
-</ds:datastoreItem>
-</file>
-
-<file path=customXml/itemProps6.xml><?xml version="1.0" encoding="utf-8"?>
-<ds:datastoreItem xmlns:ds="http://schemas.openxmlformats.org/officeDocument/2006/customXml" ds:itemID="{F2328595-B94A-4766-A678-942BFE76529D}">
-  <ds:schemaRefs>
-    <ds:schemaRef ds:uri="http://schemas.microsoft.com/VisualStudio/2011/storyboarding/control"/>
-  </ds:schemaRefs>
-</ds:datastoreItem>
-</file>
-
-<file path=customXml/itemProps60.xml><?xml version="1.0" encoding="utf-8"?>
-<ds:datastoreItem xmlns:ds="http://schemas.openxmlformats.org/officeDocument/2006/customXml" ds:itemID="{214A0574-B4FE-4ED0-8624-A8CD52601755}">
-  <ds:schemaRefs>
-    <ds:schemaRef ds:uri="http://schemas.microsoft.com/VisualStudio/2011/storyboarding/control"/>
-  </ds:schemaRefs>
-</ds:datastoreItem>
-</file>
-
-<file path=customXml/itemProps61.xml><?xml version="1.0" encoding="utf-8"?>
-<ds:datastoreItem xmlns:ds="http://schemas.openxmlformats.org/officeDocument/2006/customXml" ds:itemID="{F06EC21E-1461-4C90-A408-E9BD4F8C6B5E}">
-  <ds:schemaRefs>
-    <ds:schemaRef ds:uri="http://schemas.microsoft.com/VisualStudio/2011/storyboarding/control"/>
-  </ds:schemaRefs>
-</ds:datastoreItem>
-</file>
-
-<file path=customXml/itemProps62.xml><?xml version="1.0" encoding="utf-8"?>
-<ds:datastoreItem xmlns:ds="http://schemas.openxmlformats.org/officeDocument/2006/customXml" ds:itemID="{ED3D69ED-38A9-48C8-B05E-83772337A98C}">
-  <ds:schemaRefs>
-    <ds:schemaRef ds:uri="http://schemas.microsoft.com/VisualStudio/2011/storyboarding/control"/>
-  </ds:schemaRefs>
-</ds:datastoreItem>
-</file>
-
-<file path=customXml/itemProps63.xml><?xml version="1.0" encoding="utf-8"?>
-<ds:datastoreItem xmlns:ds="http://schemas.openxmlformats.org/officeDocument/2006/customXml" ds:itemID="{7FE5D889-C566-4205-8BB7-607167187A6D}">
-  <ds:schemaRefs>
-    <ds:schemaRef ds:uri="http://schemas.microsoft.com/VisualStudio/2011/storyboarding/control"/>
-  </ds:schemaRefs>
-</ds:datastoreItem>
-</file>
-
-<file path=customXml/itemProps64.xml><?xml version="1.0" encoding="utf-8"?>
-<ds:datastoreItem xmlns:ds="http://schemas.openxmlformats.org/officeDocument/2006/customXml" ds:itemID="{766AAA37-C280-4DC8-8509-D7D6C194E5E2}">
-  <ds:schemaRefs>
-    <ds:schemaRef ds:uri="http://schemas.microsoft.com/VisualStudio/2011/storyboarding/control"/>
-  </ds:schemaRefs>
-</ds:datastoreItem>
-</file>
-
-<file path=customXml/itemProps65.xml><?xml version="1.0" encoding="utf-8"?>
-<ds:datastoreItem xmlns:ds="http://schemas.openxmlformats.org/officeDocument/2006/customXml" ds:itemID="{7436C3C2-62DC-431D-8B09-2D994F837C18}">
-  <ds:schemaRefs>
-    <ds:schemaRef ds:uri="http://schemas.microsoft.com/VisualStudio/2011/storyboarding/control"/>
-  </ds:schemaRefs>
-</ds:datastoreItem>
-</file>
-
-<file path=customXml/itemProps66.xml><?xml version="1.0" encoding="utf-8"?>
-<ds:datastoreItem xmlns:ds="http://schemas.openxmlformats.org/officeDocument/2006/customXml" ds:itemID="{FF490F7A-7175-4DBD-85E3-7747FC7592B9}">
-  <ds:schemaRefs>
-    <ds:schemaRef ds:uri="http://schemas.microsoft.com/VisualStudio/2011/storyboarding/control"/>
-  </ds:schemaRefs>
-</ds:datastoreItem>
-</file>
-
-<file path=customXml/itemProps67.xml><?xml version="1.0" encoding="utf-8"?>
-<ds:datastoreItem xmlns:ds="http://schemas.openxmlformats.org/officeDocument/2006/customXml" ds:itemID="{8B4C81AF-3B4B-4CC7-9167-93AD49568C20}">
-  <ds:schemaRefs>
-    <ds:schemaRef ds:uri="http://schemas.microsoft.com/VisualStudio/2011/storyboarding/control"/>
-  </ds:schemaRefs>
-</ds:datastoreItem>
-</file>
-
-<file path=customXml/itemProps68.xml><?xml version="1.0" encoding="utf-8"?>
-<ds:datastoreItem xmlns:ds="http://schemas.openxmlformats.org/officeDocument/2006/customXml" ds:itemID="{B06BA414-8851-4C1D-86A5-61BD61A5ABF5}">
-  <ds:schemaRefs>
-    <ds:schemaRef ds:uri="http://schemas.microsoft.com/VisualStudio/2011/storyboarding/control"/>
-  </ds:schemaRefs>
-</ds:datastoreItem>
-</file>
-
-<file path=customXml/itemProps69.xml><?xml version="1.0" encoding="utf-8"?>
-<ds:datastoreItem xmlns:ds="http://schemas.openxmlformats.org/officeDocument/2006/customXml" ds:itemID="{FD116327-F1B7-432D-85A9-86B2CC29F909}">
-  <ds:schemaRefs>
-    <ds:schemaRef ds:uri="http://schemas.microsoft.com/VisualStudio/2011/storyboarding/control"/>
-  </ds:schemaRefs>
-</ds:datastoreItem>
-</file>
-
-<file path=customXml/itemProps7.xml><?xml version="1.0" encoding="utf-8"?>
-<ds:datastoreItem xmlns:ds="http://schemas.openxmlformats.org/officeDocument/2006/customXml" ds:itemID="{40484B2B-32CA-4908-A849-9B88CBDFDD72}">
-  <ds:schemaRefs>
-    <ds:schemaRef ds:uri="http://schemas.microsoft.com/VisualStudio/2011/storyboarding/control"/>
-  </ds:schemaRefs>
-</ds:datastoreItem>
-</file>
-
-<file path=customXml/itemProps70.xml><?xml version="1.0" encoding="utf-8"?>
-<ds:datastoreItem xmlns:ds="http://schemas.openxmlformats.org/officeDocument/2006/customXml" ds:itemID="{9F9D5C54-1675-4957-93CF-3A95802A5BCB}">
-  <ds:schemaRefs>
-    <ds:schemaRef ds:uri="http://schemas.microsoft.com/VisualStudio/2011/storyboarding/control"/>
-  </ds:schemaRefs>
-</ds:datastoreItem>
-</file>
-
-<file path=customXml/itemProps71.xml><?xml version="1.0" encoding="utf-8"?>
-<ds:datastoreItem xmlns:ds="http://schemas.openxmlformats.org/officeDocument/2006/customXml" ds:itemID="{C3959990-BEDE-4342-8909-D2CC7843CB1A}">
-  <ds:schemaRefs>
-    <ds:schemaRef ds:uri="http://schemas.microsoft.com/VisualStudio/2011/storyboarding/control"/>
-  </ds:schemaRefs>
-</ds:datastoreItem>
-</file>
-
-<file path=customXml/itemProps72.xml><?xml version="1.0" encoding="utf-8"?>
-<ds:datastoreItem xmlns:ds="http://schemas.openxmlformats.org/officeDocument/2006/customXml" ds:itemID="{A0472940-DB88-4113-B969-16EA24F7EB7F}">
-  <ds:schemaRefs>
-    <ds:schemaRef ds:uri="http://schemas.microsoft.com/VisualStudio/2011/storyboarding/control"/>
-  </ds:schemaRefs>
-</ds:datastoreItem>
-</file>
-
-<file path=customXml/itemProps73.xml><?xml version="1.0" encoding="utf-8"?>
-<ds:datastoreItem xmlns:ds="http://schemas.openxmlformats.org/officeDocument/2006/customXml" ds:itemID="{1ACBFFF3-A1FA-4A8A-A886-2045487CFD4F}">
-  <ds:schemaRefs>
-    <ds:schemaRef ds:uri="http://schemas.microsoft.com/VisualStudio/2011/storyboarding/control"/>
-  </ds:schemaRefs>
-</ds:datastoreItem>
-</file>
-
-<file path=customXml/itemProps74.xml><?xml version="1.0" encoding="utf-8"?>
-<ds:datastoreItem xmlns:ds="http://schemas.openxmlformats.org/officeDocument/2006/customXml" ds:itemID="{3C2A0945-4362-41A2-990F-E920693D0CA2}">
-  <ds:schemaRefs>
-    <ds:schemaRef ds:uri="http://schemas.microsoft.com/VisualStudio/2011/storyboarding/control"/>
-  </ds:schemaRefs>
-</ds:datastoreItem>
-</file>
-
-<file path=customXml/itemProps75.xml><?xml version="1.0" encoding="utf-8"?>
-<ds:datastoreItem xmlns:ds="http://schemas.openxmlformats.org/officeDocument/2006/customXml" ds:itemID="{8587DE98-B823-4671-8421-AEFBBB189344}">
-  <ds:schemaRefs>
-    <ds:schemaRef ds:uri="http://schemas.microsoft.com/VisualStudio/2011/storyboarding/control"/>
-  </ds:schemaRefs>
-</ds:datastoreItem>
-</file>
-
-<file path=customXml/itemProps76.xml><?xml version="1.0" encoding="utf-8"?>
+<file path=customXml/itemProps98.xml><?xml version="1.0" encoding="utf-8"?>
 <ds:datastoreItem xmlns:ds="http://schemas.openxmlformats.org/officeDocument/2006/customXml" ds:itemID="{B4FE2F49-6183-4BEB-8E3F-2E3F7B41D332}">
   <ds:schemaRefs>
     <ds:schemaRef ds:uri="http://schemas.microsoft.com/VisualStudio/2011/storyboarding/control"/>
@@ -18875,202 +19048,10 @@
 </ds:datastoreItem>
 </file>
 
-<file path=customXml/itemProps77.xml><?xml version="1.0" encoding="utf-8"?>
-<ds:datastoreItem xmlns:ds="http://schemas.openxmlformats.org/officeDocument/2006/customXml" ds:itemID="{98ED19BC-F2BE-474D-AE6A-03F6010F09B7}">
-  <ds:schemaRefs>
-    <ds:schemaRef ds:uri="http://schemas.microsoft.com/VisualStudio/2011/storyboarding/control"/>
-  </ds:schemaRefs>
-</ds:datastoreItem>
-</file>
-
-<file path=customXml/itemProps78.xml><?xml version="1.0" encoding="utf-8"?>
-<ds:datastoreItem xmlns:ds="http://schemas.openxmlformats.org/officeDocument/2006/customXml" ds:itemID="{0ABEA74B-FF86-455C-8A72-E51D65593505}">
-  <ds:schemaRefs>
-    <ds:schemaRef ds:uri="http://schemas.microsoft.com/VisualStudio/2011/storyboarding/control"/>
-  </ds:schemaRefs>
-</ds:datastoreItem>
-</file>
-
-<file path=customXml/itemProps79.xml><?xml version="1.0" encoding="utf-8"?>
-<ds:datastoreItem xmlns:ds="http://schemas.openxmlformats.org/officeDocument/2006/customXml" ds:itemID="{E73954B7-8733-4015-BBE9-68F0EBC1DC98}">
-  <ds:schemaRefs>
-    <ds:schemaRef ds:uri="http://schemas.microsoft.com/VisualStudio/2011/storyboarding/control"/>
-  </ds:schemaRefs>
-</ds:datastoreItem>
-</file>
-
-<file path=customXml/itemProps8.xml><?xml version="1.0" encoding="utf-8"?>
-<ds:datastoreItem xmlns:ds="http://schemas.openxmlformats.org/officeDocument/2006/customXml" ds:itemID="{0058B53A-1646-43DF-A09E-5B7ECDD1343F}">
-  <ds:schemaRefs>
-    <ds:schemaRef ds:uri="http://schemas.microsoft.com/VisualStudio/2011/storyboarding/control"/>
-  </ds:schemaRefs>
-</ds:datastoreItem>
-</file>
-
-<file path=customXml/itemProps80.xml><?xml version="1.0" encoding="utf-8"?>
-<ds:datastoreItem xmlns:ds="http://schemas.openxmlformats.org/officeDocument/2006/customXml" ds:itemID="{52C22ECF-CB94-4099-8D5D-534B8A0F76FA}">
-  <ds:schemaRefs>
-    <ds:schemaRef ds:uri="http://schemas.microsoft.com/VisualStudio/2011/storyboarding/control"/>
-  </ds:schemaRefs>
-</ds:datastoreItem>
-</file>
-
-<file path=customXml/itemProps81.xml><?xml version="1.0" encoding="utf-8"?>
-<ds:datastoreItem xmlns:ds="http://schemas.openxmlformats.org/officeDocument/2006/customXml" ds:itemID="{F250E77D-4307-4DF6-B5B0-A84E72ED7F70}">
-  <ds:schemaRefs>
-    <ds:schemaRef ds:uri="http://schemas.microsoft.com/VisualStudio/2011/storyboarding/control"/>
-  </ds:schemaRefs>
-</ds:datastoreItem>
-</file>
-
-<file path=customXml/itemProps82.xml><?xml version="1.0" encoding="utf-8"?>
-<ds:datastoreItem xmlns:ds="http://schemas.openxmlformats.org/officeDocument/2006/customXml" ds:itemID="{EA59DCB8-0416-4CDF-B7A8-3408237CE9AF}">
-  <ds:schemaRefs>
-    <ds:schemaRef ds:uri="http://schemas.microsoft.com/VisualStudio/2011/storyboarding/control"/>
-  </ds:schemaRefs>
-</ds:datastoreItem>
-</file>
-
-<file path=customXml/itemProps83.xml><?xml version="1.0" encoding="utf-8"?>
-<ds:datastoreItem xmlns:ds="http://schemas.openxmlformats.org/officeDocument/2006/customXml" ds:itemID="{6AD84BE9-0868-4CB2-8303-2FC4DD2D5CFA}">
-  <ds:schemaRefs>
-    <ds:schemaRef ds:uri="http://schemas.microsoft.com/VisualStudio/2011/storyboarding/control"/>
-  </ds:schemaRefs>
-</ds:datastoreItem>
-</file>
-
-<file path=customXml/itemProps84.xml><?xml version="1.0" encoding="utf-8"?>
-<ds:datastoreItem xmlns:ds="http://schemas.openxmlformats.org/officeDocument/2006/customXml" ds:itemID="{B8B89DFC-14C8-4A9F-A15A-190159CF0CFE}">
-  <ds:schemaRefs>
-    <ds:schemaRef ds:uri="http://schemas.microsoft.com/VisualStudio/2011/storyboarding/control"/>
-  </ds:schemaRefs>
-</ds:datastoreItem>
-</file>
-
-<file path=customXml/itemProps85.xml><?xml version="1.0" encoding="utf-8"?>
-<ds:datastoreItem xmlns:ds="http://schemas.openxmlformats.org/officeDocument/2006/customXml" ds:itemID="{F8966AEF-05C9-4F9E-ACC0-C77A7D3EC4A2}">
-  <ds:schemaRefs>
-    <ds:schemaRef ds:uri="http://schemas.microsoft.com/VisualStudio/2011/storyboarding/control"/>
-  </ds:schemaRefs>
-</ds:datastoreItem>
-</file>
-
-<file path=customXml/itemProps86.xml><?xml version="1.0" encoding="utf-8"?>
-<ds:datastoreItem xmlns:ds="http://schemas.openxmlformats.org/officeDocument/2006/customXml" ds:itemID="{58531759-097F-466E-9EAE-BE5F2D403745}">
-  <ds:schemaRefs>
-    <ds:schemaRef ds:uri="http://schemas.microsoft.com/VisualStudio/2011/storyboarding/control"/>
-  </ds:schemaRefs>
-</ds:datastoreItem>
-</file>
-
-<file path=customXml/itemProps87.xml><?xml version="1.0" encoding="utf-8"?>
-<ds:datastoreItem xmlns:ds="http://schemas.openxmlformats.org/officeDocument/2006/customXml" ds:itemID="{DBBAE149-4048-407F-90E7-559BE2D44973}">
-  <ds:schemaRefs>
-    <ds:schemaRef ds:uri="http://schemas.microsoft.com/VisualStudio/2011/storyboarding/control"/>
-  </ds:schemaRefs>
-</ds:datastoreItem>
-</file>
-
-<file path=customXml/itemProps88.xml><?xml version="1.0" encoding="utf-8"?>
-<ds:datastoreItem xmlns:ds="http://schemas.openxmlformats.org/officeDocument/2006/customXml" ds:itemID="{FCAB2D3C-D644-40DE-B890-52EBFBEE6679}">
-  <ds:schemaRefs>
-    <ds:schemaRef ds:uri="http://schemas.microsoft.com/VisualStudio/2011/storyboarding/control"/>
-  </ds:schemaRefs>
-</ds:datastoreItem>
-</file>
-
-<file path=customXml/itemProps89.xml><?xml version="1.0" encoding="utf-8"?>
-<ds:datastoreItem xmlns:ds="http://schemas.openxmlformats.org/officeDocument/2006/customXml" ds:itemID="{32ECFB9B-BC23-44D4-BB12-77EB94DEDC48}">
-  <ds:schemaRefs>
-    <ds:schemaRef ds:uri="http://schemas.microsoft.com/VisualStudio/2011/storyboarding/control"/>
-  </ds:schemaRefs>
-</ds:datastoreItem>
-</file>
-
-<file path=customXml/itemProps9.xml><?xml version="1.0" encoding="utf-8"?>
-<ds:datastoreItem xmlns:ds="http://schemas.openxmlformats.org/officeDocument/2006/customXml" ds:itemID="{7E04FC52-D4ED-44E8-B67A-EE8096314BAA}">
-  <ds:schemaRefs>
-    <ds:schemaRef ds:uri="http://schemas.microsoft.com/VisualStudio/2011/storyboarding/control"/>
-  </ds:schemaRefs>
-</ds:datastoreItem>
-</file>
-
-<file path=customXml/itemProps90.xml><?xml version="1.0" encoding="utf-8"?>
-<ds:datastoreItem xmlns:ds="http://schemas.openxmlformats.org/officeDocument/2006/customXml" ds:itemID="{D828C4B5-7600-47DF-839B-3BBB7781697F}">
-  <ds:schemaRefs>
-    <ds:schemaRef ds:uri="http://schemas.microsoft.com/VisualStudio/2011/storyboarding/control"/>
-  </ds:schemaRefs>
-</ds:datastoreItem>
-</file>
-
-<file path=customXml/itemProps91.xml><?xml version="1.0" encoding="utf-8"?>
-<ds:datastoreItem xmlns:ds="http://schemas.openxmlformats.org/officeDocument/2006/customXml" ds:itemID="{8EDC32C9-43BE-46C7-9EB2-520A513BD87F}">
-  <ds:schemaRefs>
-    <ds:schemaRef ds:uri="http://schemas.microsoft.com/VisualStudio/2011/storyboarding/control"/>
-  </ds:schemaRefs>
-</ds:datastoreItem>
-</file>
-
-<file path=customXml/itemProps92.xml><?xml version="1.0" encoding="utf-8"?>
-<ds:datastoreItem xmlns:ds="http://schemas.openxmlformats.org/officeDocument/2006/customXml" ds:itemID="{2B8239E4-F3AC-4E73-B621-3377998C1E74}">
-  <ds:schemaRefs>
-    <ds:schemaRef ds:uri="http://schemas.microsoft.com/VisualStudio/2011/storyboarding/control"/>
-  </ds:schemaRefs>
-</ds:datastoreItem>
-</file>
-
-<file path=customXml/itemProps93.xml><?xml version="1.0" encoding="utf-8"?>
-<ds:datastoreItem xmlns:ds="http://schemas.openxmlformats.org/officeDocument/2006/customXml" ds:itemID="{DB943CB5-6ECD-4BD5-A62D-6B81C42065C2}">
-  <ds:schemaRefs>
-    <ds:schemaRef ds:uri="http://schemas.microsoft.com/VisualStudio/2011/storyboarding/control"/>
-  </ds:schemaRefs>
-</ds:datastoreItem>
-</file>
-
-<file path=customXml/itemProps94.xml><?xml version="1.0" encoding="utf-8"?>
-<ds:datastoreItem xmlns:ds="http://schemas.openxmlformats.org/officeDocument/2006/customXml" ds:itemID="{D5D1CCD8-856F-4AAF-AB27-FCEEA51943BA}">
-  <ds:schemaRefs>
-    <ds:schemaRef ds:uri="http://schemas.microsoft.com/VisualStudio/2011/storyboarding/control"/>
-  </ds:schemaRefs>
-</ds:datastoreItem>
-</file>
-
-<file path=customXml/itemProps95.xml><?xml version="1.0" encoding="utf-8"?>
-<ds:datastoreItem xmlns:ds="http://schemas.openxmlformats.org/officeDocument/2006/customXml" ds:itemID="{1C58624C-ADD7-4638-9F03-50B6B0125115}">
-  <ds:schemaRefs>
-    <ds:schemaRef ds:uri="http://schemas.microsoft.com/VisualStudio/2011/storyboarding/control"/>
-  </ds:schemaRefs>
-</ds:datastoreItem>
-</file>
-
-<file path=customXml/itemProps96.xml><?xml version="1.0" encoding="utf-8"?>
-<ds:datastoreItem xmlns:ds="http://schemas.openxmlformats.org/officeDocument/2006/customXml" ds:itemID="{737DBCAA-FD86-4EB1-AB9D-7F9F9C697E90}">
-  <ds:schemaRefs>
-    <ds:schemaRef ds:uri="http://schemas.microsoft.com/VisualStudio/2011/storyboarding/control"/>
-  </ds:schemaRefs>
-</ds:datastoreItem>
-</file>
-
-<file path=customXml/itemProps97.xml><?xml version="1.0" encoding="utf-8"?>
+<file path=customXml/itemProps99.xml><?xml version="1.0" encoding="utf-8"?>
 <ds:datastoreItem xmlns:ds="http://schemas.openxmlformats.org/officeDocument/2006/customXml" ds:itemID="{7346DCBA-97EA-402E-B18D-E1C727EC93DD}">
   <ds:schemaRefs>
     <ds:schemaRef ds:uri="http://schemas.microsoft.com/VisualStudio/2011/storyboarding/control"/>
   </ds:schemaRefs>
 </ds:datastoreItem>
-</file>
-
-<file path=customXml/itemProps98.xml><?xml version="1.0" encoding="utf-8"?>
-<ds:datastoreItem xmlns:ds="http://schemas.openxmlformats.org/officeDocument/2006/customXml" ds:itemID="{0E6EDFFA-7DB4-478C-B4A0-D5E156E272F2}">
-  <ds:schemaRefs>
-    <ds:schemaRef ds:uri="http://schemas.microsoft.com/VisualStudio/2011/storyboarding/control"/>
-  </ds:schemaRefs>
-</ds:datastoreItem>
-</file>
-
-<file path=customXml/itemProps99.xml><?xml version="1.0" encoding="utf-8"?>
-<ds:datastoreItem xmlns:ds="http://schemas.openxmlformats.org/officeDocument/2006/customXml" ds:itemID="{54B2E962-2282-4EA5-98DB-CDA924B11B85}">
-  <ds:schemaRefs>
-    <ds:schemaRef ds:uri="http://schemas.microsoft.com/VisualStudio/2011/storyboarding/control"/>
-  </ds:schemaRefs>
-</ds:datastoreItem>
 </file>